--- a/sevilladotnetconf-close.pptx
+++ b/sevilladotnetconf-close.pptx
@@ -5,7 +5,7 @@
     <p:sldMasterId id="2147483684" r:id="rId1"/>
   </p:sldMasterIdLst>
   <p:notesMasterIdLst>
-    <p:notesMasterId r:id="rId12"/>
+    <p:notesMasterId r:id="rId46"/>
   </p:notesMasterIdLst>
   <p:sldIdLst>
     <p:sldId id="257" r:id="rId2"/>
@@ -18,6 +18,40 @@
     <p:sldId id="270" r:id="rId9"/>
     <p:sldId id="268" r:id="rId10"/>
     <p:sldId id="271" r:id="rId11"/>
+    <p:sldId id="272" r:id="rId12"/>
+    <p:sldId id="273" r:id="rId13"/>
+    <p:sldId id="274" r:id="rId14"/>
+    <p:sldId id="275" r:id="rId15"/>
+    <p:sldId id="276" r:id="rId16"/>
+    <p:sldId id="277" r:id="rId17"/>
+    <p:sldId id="278" r:id="rId18"/>
+    <p:sldId id="279" r:id="rId19"/>
+    <p:sldId id="280" r:id="rId20"/>
+    <p:sldId id="281" r:id="rId21"/>
+    <p:sldId id="284" r:id="rId22"/>
+    <p:sldId id="285" r:id="rId23"/>
+    <p:sldId id="286" r:id="rId24"/>
+    <p:sldId id="287" r:id="rId25"/>
+    <p:sldId id="288" r:id="rId26"/>
+    <p:sldId id="289" r:id="rId27"/>
+    <p:sldId id="290" r:id="rId28"/>
+    <p:sldId id="291" r:id="rId29"/>
+    <p:sldId id="292" r:id="rId30"/>
+    <p:sldId id="293" r:id="rId31"/>
+    <p:sldId id="294" r:id="rId32"/>
+    <p:sldId id="295" r:id="rId33"/>
+    <p:sldId id="296" r:id="rId34"/>
+    <p:sldId id="297" r:id="rId35"/>
+    <p:sldId id="298" r:id="rId36"/>
+    <p:sldId id="299" r:id="rId37"/>
+    <p:sldId id="300" r:id="rId38"/>
+    <p:sldId id="301" r:id="rId39"/>
+    <p:sldId id="302" r:id="rId40"/>
+    <p:sldId id="303" r:id="rId41"/>
+    <p:sldId id="304" r:id="rId42"/>
+    <p:sldId id="305" r:id="rId43"/>
+    <p:sldId id="306" r:id="rId44"/>
+    <p:sldId id="307" r:id="rId45"/>
   </p:sldIdLst>
   <p:sldSz cx="12192000" cy="6858000"/>
   <p:notesSz cx="6858000" cy="9144000"/>
@@ -3927,6 +3961,2223 @@
 </p:sld>
 </file>
 
+<file path=ppt/slides/slide11.xml><?xml version="1.0" encoding="utf-8"?>
+<p:sld xmlns:a="http://schemas.openxmlformats.org/drawingml/2006/main" xmlns:r="http://schemas.openxmlformats.org/officeDocument/2006/relationships" xmlns:p="http://schemas.openxmlformats.org/presentationml/2006/main">
+  <p:cSld>
+    <p:spTree>
+      <p:nvGrpSpPr>
+        <p:cNvPr id="1" name=""/>
+        <p:cNvGrpSpPr/>
+        <p:nvPr/>
+      </p:nvGrpSpPr>
+      <p:grpSpPr>
+        <a:xfrm>
+          <a:off x="0" y="0"/>
+          <a:ext cx="0" cy="0"/>
+          <a:chOff x="0" y="0"/>
+          <a:chExt cx="0" cy="0"/>
+        </a:xfrm>
+      </p:grpSpPr>
+      <p:sp>
+        <p:nvSpPr>
+          <p:cNvPr id="2" name="Rectangle 1">
+            <a:extLst>
+              <a:ext uri="{FF2B5EF4-FFF2-40B4-BE49-F238E27FC236}">
+                <a16:creationId xmlns:a16="http://schemas.microsoft.com/office/drawing/2014/main" id="{29228A24-4A1B-41B0-A802-CD51398332B9}"/>
+              </a:ext>
+            </a:extLst>
+          </p:cNvPr>
+          <p:cNvSpPr/>
+          <p:nvPr/>
+        </p:nvSpPr>
+        <p:spPr>
+          <a:xfrm>
+            <a:off x="1976846" y="435429"/>
+            <a:ext cx="8290560" cy="1898468"/>
+          </a:xfrm>
+          <a:prstGeom prst="rect">
+            <a:avLst/>
+          </a:prstGeom>
+          <a:solidFill>
+            <a:srgbClr val="FFFF00"/>
+          </a:solidFill>
+          <a:ln>
+            <a:solidFill>
+              <a:schemeClr val="bg1">
+                <a:lumMod val="85000"/>
+              </a:schemeClr>
+            </a:solidFill>
+          </a:ln>
+          <a:effectLst>
+            <a:outerShdw blurRad="381000" dist="127000" dir="7080000" sx="94000" sy="94000" algn="t" rotWithShape="0">
+              <a:prstClr val="black">
+                <a:alpha val="16000"/>
+              </a:prstClr>
+            </a:outerShdw>
+          </a:effectLst>
+          <a:scene3d>
+            <a:camera prst="perspectiveFront"/>
+            <a:lightRig rig="threePt" dir="t"/>
+          </a:scene3d>
+        </p:spPr>
+        <p:style>
+          <a:lnRef idx="2">
+            <a:schemeClr val="accent1">
+              <a:shade val="50000"/>
+            </a:schemeClr>
+          </a:lnRef>
+          <a:fillRef idx="1">
+            <a:schemeClr val="accent1"/>
+          </a:fillRef>
+          <a:effectRef idx="0">
+            <a:schemeClr val="accent1"/>
+          </a:effectRef>
+          <a:fontRef idx="minor">
+            <a:schemeClr val="lt1"/>
+          </a:fontRef>
+        </p:style>
+        <p:txBody>
+          <a:bodyPr tIns="144000" bIns="90000" rtlCol="0" anchor="ctr"/>
+          <a:lstStyle/>
+          <a:p>
+            <a:pPr algn="ctr" defTabSz="685800"/>
+            <a:r>
+              <a:rPr lang="en-US" sz="3200" dirty="0">
+                <a:solidFill>
+                  <a:schemeClr val="tx1"/>
+                </a:solidFill>
+                <a:latin typeface="Poppins SemiBold" panose="00000700000000000000" pitchFamily="2" charset="0"/>
+                <a:cs typeface="Poppins SemiBold" panose="00000700000000000000" pitchFamily="2" charset="0"/>
+              </a:rPr>
+              <a:t>5. </a:t>
+            </a:r>
+            <a:r>
+              <a:rPr lang="en-US" sz="3200" dirty="0" err="1">
+                <a:solidFill>
+                  <a:prstClr val="black"/>
+                </a:solidFill>
+                <a:latin typeface="Poppins SemiBold" panose="00000700000000000000" pitchFamily="2" charset="0"/>
+                <a:cs typeface="Poppins SemiBold" panose="00000700000000000000" pitchFamily="2" charset="0"/>
+              </a:rPr>
+              <a:t>Pregunta</a:t>
+            </a:r>
+            <a:endParaRPr lang="en-IN" sz="3200" dirty="0">
+              <a:solidFill>
+                <a:schemeClr val="tx1"/>
+              </a:solidFill>
+              <a:latin typeface="Poppins SemiBold" panose="00000700000000000000" pitchFamily="2" charset="0"/>
+              <a:cs typeface="Poppins SemiBold" panose="00000700000000000000" pitchFamily="2" charset="0"/>
+            </a:endParaRPr>
+          </a:p>
+        </p:txBody>
+      </p:sp>
+      <p:sp>
+        <p:nvSpPr>
+          <p:cNvPr id="3" name="Rectangle 2">
+            <a:hlinkClick r:id="rId2" action="ppaction://hlinksldjump">
+              <a:snd r:embed="rId3" name="WrongAnswerSFX.wav"/>
+            </a:hlinkClick>
+            <a:extLst>
+              <a:ext uri="{FF2B5EF4-FFF2-40B4-BE49-F238E27FC236}">
+                <a16:creationId xmlns:a16="http://schemas.microsoft.com/office/drawing/2014/main" id="{93EB3632-12C3-41FB-861E-57B9D53BBF65}"/>
+              </a:ext>
+            </a:extLst>
+          </p:cNvPr>
+          <p:cNvSpPr/>
+          <p:nvPr/>
+        </p:nvSpPr>
+        <p:spPr>
+          <a:xfrm>
+            <a:off x="6296298" y="2612571"/>
+            <a:ext cx="3971108" cy="1236618"/>
+          </a:xfrm>
+          <a:prstGeom prst="rect">
+            <a:avLst/>
+          </a:prstGeom>
+          <a:solidFill>
+            <a:schemeClr val="bg1"/>
+          </a:solidFill>
+          <a:ln>
+            <a:solidFill>
+              <a:schemeClr val="bg1">
+                <a:lumMod val="85000"/>
+              </a:schemeClr>
+            </a:solidFill>
+          </a:ln>
+          <a:effectLst>
+            <a:outerShdw blurRad="381000" dist="127000" dir="7080000" sx="94000" sy="94000" algn="t" rotWithShape="0">
+              <a:prstClr val="black">
+                <a:alpha val="16000"/>
+              </a:prstClr>
+            </a:outerShdw>
+          </a:effectLst>
+          <a:scene3d>
+            <a:camera prst="perspectiveFront"/>
+            <a:lightRig rig="threePt" dir="t"/>
+          </a:scene3d>
+        </p:spPr>
+        <p:style>
+          <a:lnRef idx="2">
+            <a:schemeClr val="accent1">
+              <a:shade val="50000"/>
+            </a:schemeClr>
+          </a:lnRef>
+          <a:fillRef idx="1">
+            <a:schemeClr val="accent1"/>
+          </a:fillRef>
+          <a:effectRef idx="0">
+            <a:schemeClr val="accent1"/>
+          </a:effectRef>
+          <a:fontRef idx="minor">
+            <a:schemeClr val="lt1"/>
+          </a:fontRef>
+        </p:style>
+        <p:txBody>
+          <a:bodyPr tIns="144000" bIns="90000" rtlCol="0" anchor="ctr"/>
+          <a:lstStyle/>
+          <a:p>
+            <a:pPr algn="ctr" defTabSz="685800"/>
+            <a:r>
+              <a:rPr lang="en-US" sz="2000" dirty="0">
+                <a:solidFill>
+                  <a:schemeClr val="tx1"/>
+                </a:solidFill>
+                <a:latin typeface="Poppins SemiBold" panose="00000700000000000000" pitchFamily="2" charset="0"/>
+                <a:cs typeface="Poppins SemiBold" panose="00000700000000000000" pitchFamily="2" charset="0"/>
+              </a:rPr>
+              <a:t>Incorrect Answer</a:t>
+            </a:r>
+            <a:endParaRPr lang="en-IN" sz="2000" dirty="0">
+              <a:solidFill>
+                <a:schemeClr val="tx1"/>
+              </a:solidFill>
+              <a:latin typeface="Poppins SemiBold" panose="00000700000000000000" pitchFamily="2" charset="0"/>
+              <a:cs typeface="Poppins SemiBold" panose="00000700000000000000" pitchFamily="2" charset="0"/>
+            </a:endParaRPr>
+          </a:p>
+        </p:txBody>
+      </p:sp>
+      <p:sp>
+        <p:nvSpPr>
+          <p:cNvPr id="5" name="Rectangle 4">
+            <a:hlinkClick r:id="" action="ppaction://hlinkshowjump?jump=nextslide">
+              <a:snd r:embed="rId4" name="CorrectAnswerSFX.wav"/>
+            </a:hlinkClick>
+            <a:extLst>
+              <a:ext uri="{FF2B5EF4-FFF2-40B4-BE49-F238E27FC236}">
+                <a16:creationId xmlns:a16="http://schemas.microsoft.com/office/drawing/2014/main" id="{11A411AB-3628-4BD3-8F92-E851842AEEC9}"/>
+              </a:ext>
+            </a:extLst>
+          </p:cNvPr>
+          <p:cNvSpPr/>
+          <p:nvPr/>
+        </p:nvSpPr>
+        <p:spPr>
+          <a:xfrm>
+            <a:off x="1976846" y="2612571"/>
+            <a:ext cx="3971108" cy="1236618"/>
+          </a:xfrm>
+          <a:prstGeom prst="rect">
+            <a:avLst/>
+          </a:prstGeom>
+          <a:solidFill>
+            <a:schemeClr val="bg1"/>
+          </a:solidFill>
+          <a:ln>
+            <a:solidFill>
+              <a:schemeClr val="bg1">
+                <a:lumMod val="85000"/>
+              </a:schemeClr>
+            </a:solidFill>
+          </a:ln>
+          <a:effectLst>
+            <a:outerShdw blurRad="381000" dist="127000" dir="7080000" sx="94000" sy="94000" algn="t" rotWithShape="0">
+              <a:prstClr val="black">
+                <a:alpha val="16000"/>
+              </a:prstClr>
+            </a:outerShdw>
+          </a:effectLst>
+          <a:scene3d>
+            <a:camera prst="perspectiveFront"/>
+            <a:lightRig rig="threePt" dir="t"/>
+          </a:scene3d>
+        </p:spPr>
+        <p:style>
+          <a:lnRef idx="2">
+            <a:schemeClr val="accent1">
+              <a:shade val="50000"/>
+            </a:schemeClr>
+          </a:lnRef>
+          <a:fillRef idx="1">
+            <a:schemeClr val="accent1"/>
+          </a:fillRef>
+          <a:effectRef idx="0">
+            <a:schemeClr val="accent1"/>
+          </a:effectRef>
+          <a:fontRef idx="minor">
+            <a:schemeClr val="lt1"/>
+          </a:fontRef>
+        </p:style>
+        <p:txBody>
+          <a:bodyPr tIns="144000" bIns="90000" rtlCol="0" anchor="ctr"/>
+          <a:lstStyle/>
+          <a:p>
+            <a:pPr algn="ctr" defTabSz="685800"/>
+            <a:r>
+              <a:rPr lang="en-US" sz="2000" dirty="0">
+                <a:solidFill>
+                  <a:schemeClr val="tx1"/>
+                </a:solidFill>
+                <a:latin typeface="Poppins SemiBold" panose="00000700000000000000" pitchFamily="2" charset="0"/>
+                <a:cs typeface="Poppins SemiBold" panose="00000700000000000000" pitchFamily="2" charset="0"/>
+              </a:rPr>
+              <a:t>Respuesta </a:t>
+            </a:r>
+            <a:r>
+              <a:rPr lang="en-US" sz="2000" dirty="0" err="1">
+                <a:solidFill>
+                  <a:schemeClr val="tx1"/>
+                </a:solidFill>
+                <a:latin typeface="Poppins SemiBold" panose="00000700000000000000" pitchFamily="2" charset="0"/>
+                <a:cs typeface="Poppins SemiBold" panose="00000700000000000000" pitchFamily="2" charset="0"/>
+              </a:rPr>
+              <a:t>Correcta</a:t>
+            </a:r>
+            <a:endParaRPr lang="en-IN" sz="2000" dirty="0">
+              <a:solidFill>
+                <a:schemeClr val="tx1"/>
+              </a:solidFill>
+              <a:latin typeface="Poppins SemiBold" panose="00000700000000000000" pitchFamily="2" charset="0"/>
+              <a:cs typeface="Poppins SemiBold" panose="00000700000000000000" pitchFamily="2" charset="0"/>
+            </a:endParaRPr>
+          </a:p>
+        </p:txBody>
+      </p:sp>
+    </p:spTree>
+    <p:extLst>
+      <p:ext uri="{BB962C8B-B14F-4D97-AF65-F5344CB8AC3E}">
+        <p14:creationId xmlns:p14="http://schemas.microsoft.com/office/powerpoint/2010/main" val="2256572261"/>
+      </p:ext>
+    </p:extLst>
+  </p:cSld>
+  <p:clrMapOvr>
+    <a:masterClrMapping/>
+  </p:clrMapOvr>
+</p:sld>
+</file>
+
+<file path=ppt/slides/slide12.xml><?xml version="1.0" encoding="utf-8"?>
+<p:sld xmlns:a="http://schemas.openxmlformats.org/drawingml/2006/main" xmlns:r="http://schemas.openxmlformats.org/officeDocument/2006/relationships" xmlns:p="http://schemas.openxmlformats.org/presentationml/2006/main">
+  <p:cSld>
+    <p:bg>
+      <p:bgPr>
+        <a:solidFill>
+          <a:srgbClr val="00B050"/>
+        </a:solidFill>
+        <a:effectLst/>
+      </p:bgPr>
+    </p:bg>
+    <p:spTree>
+      <p:nvGrpSpPr>
+        <p:cNvPr id="1" name=""/>
+        <p:cNvGrpSpPr/>
+        <p:nvPr/>
+      </p:nvGrpSpPr>
+      <p:grpSpPr>
+        <a:xfrm>
+          <a:off x="0" y="0"/>
+          <a:ext cx="0" cy="0"/>
+          <a:chOff x="0" y="0"/>
+          <a:chExt cx="0" cy="0"/>
+        </a:xfrm>
+      </p:grpSpPr>
+      <p:sp>
+        <p:nvSpPr>
+          <p:cNvPr id="2" name="TextBox 1">
+            <a:extLst>
+              <a:ext uri="{FF2B5EF4-FFF2-40B4-BE49-F238E27FC236}">
+                <a16:creationId xmlns:a16="http://schemas.microsoft.com/office/drawing/2014/main" id="{60075EE3-328C-49EE-B897-556D339C339C}"/>
+              </a:ext>
+            </a:extLst>
+          </p:cNvPr>
+          <p:cNvSpPr txBox="1"/>
+          <p:nvPr/>
+        </p:nvSpPr>
+        <p:spPr>
+          <a:xfrm>
+            <a:off x="2083523" y="1549357"/>
+            <a:ext cx="8024954" cy="923330"/>
+          </a:xfrm>
+          <a:prstGeom prst="rect">
+            <a:avLst/>
+          </a:prstGeom>
+          <a:noFill/>
+        </p:spPr>
+        <p:txBody>
+          <a:bodyPr wrap="none" rtlCol="0">
+            <a:spAutoFit/>
+          </a:bodyPr>
+          <a:lstStyle/>
+          <a:p>
+            <a:pPr>
+              <a:defRPr/>
+            </a:pPr>
+            <a:r>
+              <a:rPr lang="en-US" sz="5400" b="1" dirty="0">
+                <a:solidFill>
+                  <a:prstClr val="white"/>
+                </a:solidFill>
+                <a:latin typeface="Poppins"/>
+              </a:rPr>
+              <a:t>RESPUESTA CORRECTA</a:t>
+            </a:r>
+            <a:endParaRPr lang="en-IN" sz="5400" b="1" dirty="0">
+              <a:solidFill>
+                <a:prstClr val="white"/>
+              </a:solidFill>
+              <a:latin typeface="Poppins"/>
+            </a:endParaRPr>
+          </a:p>
+        </p:txBody>
+      </p:sp>
+      <p:sp>
+        <p:nvSpPr>
+          <p:cNvPr id="3" name="Rectangle 2">
+            <a:hlinkClick r:id="" action="ppaction://hlinkshowjump?jump=nextslide"/>
+            <a:extLst>
+              <a:ext uri="{FF2B5EF4-FFF2-40B4-BE49-F238E27FC236}">
+                <a16:creationId xmlns:a16="http://schemas.microsoft.com/office/drawing/2014/main" id="{3E95FE85-01E9-48D9-93B4-B3632117840E}"/>
+              </a:ext>
+            </a:extLst>
+          </p:cNvPr>
+          <p:cNvSpPr/>
+          <p:nvPr/>
+        </p:nvSpPr>
+        <p:spPr>
+          <a:xfrm>
+            <a:off x="4837611" y="3688666"/>
+            <a:ext cx="2516777" cy="696648"/>
+          </a:xfrm>
+          <a:prstGeom prst="rect">
+            <a:avLst/>
+          </a:prstGeom>
+          <a:solidFill>
+            <a:schemeClr val="bg1"/>
+          </a:solidFill>
+          <a:ln>
+            <a:solidFill>
+              <a:schemeClr val="bg1">
+                <a:lumMod val="85000"/>
+              </a:schemeClr>
+            </a:solidFill>
+          </a:ln>
+          <a:effectLst>
+            <a:outerShdw blurRad="381000" dist="127000" dir="7080000" sx="94000" sy="94000" algn="t" rotWithShape="0">
+              <a:prstClr val="black">
+                <a:alpha val="16000"/>
+              </a:prstClr>
+            </a:outerShdw>
+          </a:effectLst>
+          <a:scene3d>
+            <a:camera prst="perspectiveFront"/>
+            <a:lightRig rig="threePt" dir="t"/>
+          </a:scene3d>
+        </p:spPr>
+        <p:style>
+          <a:lnRef idx="2">
+            <a:schemeClr val="accent1">
+              <a:shade val="50000"/>
+            </a:schemeClr>
+          </a:lnRef>
+          <a:fillRef idx="1">
+            <a:schemeClr val="accent1"/>
+          </a:fillRef>
+          <a:effectRef idx="0">
+            <a:schemeClr val="accent1"/>
+          </a:effectRef>
+          <a:fontRef idx="minor">
+            <a:schemeClr val="lt1"/>
+          </a:fontRef>
+        </p:style>
+        <p:txBody>
+          <a:bodyPr tIns="144000" bIns="90000" rtlCol="0" anchor="ctr"/>
+          <a:lstStyle/>
+          <a:p>
+            <a:pPr algn="ctr" defTabSz="685800">
+              <a:defRPr/>
+            </a:pPr>
+            <a:r>
+              <a:rPr lang="en-US" sz="2000" dirty="0" err="1">
+                <a:solidFill>
+                  <a:prstClr val="black"/>
+                </a:solidFill>
+                <a:latin typeface="Poppins SemiBold" panose="00000700000000000000" pitchFamily="2" charset="0"/>
+                <a:cs typeface="Poppins SemiBold" panose="00000700000000000000" pitchFamily="2" charset="0"/>
+              </a:rPr>
+              <a:t>Siguiente</a:t>
+            </a:r>
+            <a:endParaRPr lang="en-IN" sz="2000" dirty="0">
+              <a:solidFill>
+                <a:prstClr val="black"/>
+              </a:solidFill>
+              <a:latin typeface="Poppins SemiBold" panose="00000700000000000000" pitchFamily="2" charset="0"/>
+              <a:cs typeface="Poppins SemiBold" panose="00000700000000000000" pitchFamily="2" charset="0"/>
+            </a:endParaRPr>
+          </a:p>
+        </p:txBody>
+      </p:sp>
+    </p:spTree>
+    <p:extLst>
+      <p:ext uri="{BB962C8B-B14F-4D97-AF65-F5344CB8AC3E}">
+        <p14:creationId xmlns:p14="http://schemas.microsoft.com/office/powerpoint/2010/main" val="1189457706"/>
+      </p:ext>
+    </p:extLst>
+  </p:cSld>
+  <p:clrMapOvr>
+    <a:masterClrMapping/>
+  </p:clrMapOvr>
+</p:sld>
+</file>
+
+<file path=ppt/slides/slide13.xml><?xml version="1.0" encoding="utf-8"?>
+<p:sld xmlns:a="http://schemas.openxmlformats.org/drawingml/2006/main" xmlns:r="http://schemas.openxmlformats.org/officeDocument/2006/relationships" xmlns:p="http://schemas.openxmlformats.org/presentationml/2006/main">
+  <p:cSld>
+    <p:spTree>
+      <p:nvGrpSpPr>
+        <p:cNvPr id="1" name=""/>
+        <p:cNvGrpSpPr/>
+        <p:nvPr/>
+      </p:nvGrpSpPr>
+      <p:grpSpPr>
+        <a:xfrm>
+          <a:off x="0" y="0"/>
+          <a:ext cx="0" cy="0"/>
+          <a:chOff x="0" y="0"/>
+          <a:chExt cx="0" cy="0"/>
+        </a:xfrm>
+      </p:grpSpPr>
+      <p:sp>
+        <p:nvSpPr>
+          <p:cNvPr id="2" name="Rectangle 1">
+            <a:extLst>
+              <a:ext uri="{FF2B5EF4-FFF2-40B4-BE49-F238E27FC236}">
+                <a16:creationId xmlns:a16="http://schemas.microsoft.com/office/drawing/2014/main" id="{29228A24-4A1B-41B0-A802-CD51398332B9}"/>
+              </a:ext>
+            </a:extLst>
+          </p:cNvPr>
+          <p:cNvSpPr/>
+          <p:nvPr/>
+        </p:nvSpPr>
+        <p:spPr>
+          <a:xfrm>
+            <a:off x="1976846" y="435429"/>
+            <a:ext cx="8290560" cy="1898468"/>
+          </a:xfrm>
+          <a:prstGeom prst="rect">
+            <a:avLst/>
+          </a:prstGeom>
+          <a:solidFill>
+            <a:srgbClr val="FFFF00"/>
+          </a:solidFill>
+          <a:ln>
+            <a:solidFill>
+              <a:schemeClr val="bg1">
+                <a:lumMod val="85000"/>
+              </a:schemeClr>
+            </a:solidFill>
+          </a:ln>
+          <a:effectLst>
+            <a:outerShdw blurRad="381000" dist="127000" dir="7080000" sx="94000" sy="94000" algn="t" rotWithShape="0">
+              <a:prstClr val="black">
+                <a:alpha val="16000"/>
+              </a:prstClr>
+            </a:outerShdw>
+          </a:effectLst>
+          <a:scene3d>
+            <a:camera prst="perspectiveFront"/>
+            <a:lightRig rig="threePt" dir="t"/>
+          </a:scene3d>
+        </p:spPr>
+        <p:style>
+          <a:lnRef idx="2">
+            <a:schemeClr val="accent1">
+              <a:shade val="50000"/>
+            </a:schemeClr>
+          </a:lnRef>
+          <a:fillRef idx="1">
+            <a:schemeClr val="accent1"/>
+          </a:fillRef>
+          <a:effectRef idx="0">
+            <a:schemeClr val="accent1"/>
+          </a:effectRef>
+          <a:fontRef idx="minor">
+            <a:schemeClr val="lt1"/>
+          </a:fontRef>
+        </p:style>
+        <p:txBody>
+          <a:bodyPr tIns="144000" bIns="90000" rtlCol="0" anchor="ctr"/>
+          <a:lstStyle/>
+          <a:p>
+            <a:pPr algn="ctr" defTabSz="685800"/>
+            <a:r>
+              <a:rPr lang="en-US" sz="3200" dirty="0">
+                <a:solidFill>
+                  <a:schemeClr val="tx1"/>
+                </a:solidFill>
+                <a:latin typeface="Poppins SemiBold" panose="00000700000000000000" pitchFamily="2" charset="0"/>
+                <a:cs typeface="Poppins SemiBold" panose="00000700000000000000" pitchFamily="2" charset="0"/>
+              </a:rPr>
+              <a:t>6. </a:t>
+            </a:r>
+            <a:r>
+              <a:rPr lang="en-US" sz="3200" dirty="0" err="1">
+                <a:solidFill>
+                  <a:prstClr val="black"/>
+                </a:solidFill>
+                <a:latin typeface="Poppins SemiBold" panose="00000700000000000000" pitchFamily="2" charset="0"/>
+                <a:cs typeface="Poppins SemiBold" panose="00000700000000000000" pitchFamily="2" charset="0"/>
+              </a:rPr>
+              <a:t>Pregunta</a:t>
+            </a:r>
+            <a:endParaRPr lang="en-IN" sz="3200" dirty="0">
+              <a:solidFill>
+                <a:schemeClr val="tx1"/>
+              </a:solidFill>
+              <a:latin typeface="Poppins SemiBold" panose="00000700000000000000" pitchFamily="2" charset="0"/>
+              <a:cs typeface="Poppins SemiBold" panose="00000700000000000000" pitchFamily="2" charset="0"/>
+            </a:endParaRPr>
+          </a:p>
+        </p:txBody>
+      </p:sp>
+      <p:sp>
+        <p:nvSpPr>
+          <p:cNvPr id="3" name="Rectangle 2">
+            <a:hlinkClick r:id="rId2" action="ppaction://hlinksldjump">
+              <a:snd r:embed="rId3" name="WrongAnswerSFX.wav"/>
+            </a:hlinkClick>
+            <a:extLst>
+              <a:ext uri="{FF2B5EF4-FFF2-40B4-BE49-F238E27FC236}">
+                <a16:creationId xmlns:a16="http://schemas.microsoft.com/office/drawing/2014/main" id="{93EB3632-12C3-41FB-861E-57B9D53BBF65}"/>
+              </a:ext>
+            </a:extLst>
+          </p:cNvPr>
+          <p:cNvSpPr/>
+          <p:nvPr/>
+        </p:nvSpPr>
+        <p:spPr>
+          <a:xfrm>
+            <a:off x="6296298" y="2612571"/>
+            <a:ext cx="3971108" cy="1236618"/>
+          </a:xfrm>
+          <a:prstGeom prst="rect">
+            <a:avLst/>
+          </a:prstGeom>
+          <a:solidFill>
+            <a:schemeClr val="bg1"/>
+          </a:solidFill>
+          <a:ln>
+            <a:solidFill>
+              <a:schemeClr val="bg1">
+                <a:lumMod val="85000"/>
+              </a:schemeClr>
+            </a:solidFill>
+          </a:ln>
+          <a:effectLst>
+            <a:outerShdw blurRad="381000" dist="127000" dir="7080000" sx="94000" sy="94000" algn="t" rotWithShape="0">
+              <a:prstClr val="black">
+                <a:alpha val="16000"/>
+              </a:prstClr>
+            </a:outerShdw>
+          </a:effectLst>
+          <a:scene3d>
+            <a:camera prst="perspectiveFront"/>
+            <a:lightRig rig="threePt" dir="t"/>
+          </a:scene3d>
+        </p:spPr>
+        <p:style>
+          <a:lnRef idx="2">
+            <a:schemeClr val="accent1">
+              <a:shade val="50000"/>
+            </a:schemeClr>
+          </a:lnRef>
+          <a:fillRef idx="1">
+            <a:schemeClr val="accent1"/>
+          </a:fillRef>
+          <a:effectRef idx="0">
+            <a:schemeClr val="accent1"/>
+          </a:effectRef>
+          <a:fontRef idx="minor">
+            <a:schemeClr val="lt1"/>
+          </a:fontRef>
+        </p:style>
+        <p:txBody>
+          <a:bodyPr tIns="144000" bIns="90000" rtlCol="0" anchor="ctr"/>
+          <a:lstStyle/>
+          <a:p>
+            <a:pPr algn="ctr" defTabSz="685800"/>
+            <a:r>
+              <a:rPr lang="en-US" sz="2000" dirty="0">
+                <a:solidFill>
+                  <a:schemeClr val="tx1"/>
+                </a:solidFill>
+                <a:latin typeface="Poppins SemiBold" panose="00000700000000000000" pitchFamily="2" charset="0"/>
+                <a:cs typeface="Poppins SemiBold" panose="00000700000000000000" pitchFamily="2" charset="0"/>
+              </a:rPr>
+              <a:t>Incorrect Answer</a:t>
+            </a:r>
+            <a:endParaRPr lang="en-IN" sz="2000" dirty="0">
+              <a:solidFill>
+                <a:schemeClr val="tx1"/>
+              </a:solidFill>
+              <a:latin typeface="Poppins SemiBold" panose="00000700000000000000" pitchFamily="2" charset="0"/>
+              <a:cs typeface="Poppins SemiBold" panose="00000700000000000000" pitchFamily="2" charset="0"/>
+            </a:endParaRPr>
+          </a:p>
+        </p:txBody>
+      </p:sp>
+      <p:sp>
+        <p:nvSpPr>
+          <p:cNvPr id="5" name="Rectangle 4">
+            <a:hlinkClick r:id="" action="ppaction://hlinkshowjump?jump=nextslide">
+              <a:snd r:embed="rId4" name="CorrectAnswerSFX.wav"/>
+            </a:hlinkClick>
+            <a:extLst>
+              <a:ext uri="{FF2B5EF4-FFF2-40B4-BE49-F238E27FC236}">
+                <a16:creationId xmlns:a16="http://schemas.microsoft.com/office/drawing/2014/main" id="{11A411AB-3628-4BD3-8F92-E851842AEEC9}"/>
+              </a:ext>
+            </a:extLst>
+          </p:cNvPr>
+          <p:cNvSpPr/>
+          <p:nvPr/>
+        </p:nvSpPr>
+        <p:spPr>
+          <a:xfrm>
+            <a:off x="1976846" y="2612571"/>
+            <a:ext cx="3971108" cy="1236618"/>
+          </a:xfrm>
+          <a:prstGeom prst="rect">
+            <a:avLst/>
+          </a:prstGeom>
+          <a:solidFill>
+            <a:schemeClr val="bg1"/>
+          </a:solidFill>
+          <a:ln>
+            <a:solidFill>
+              <a:schemeClr val="bg1">
+                <a:lumMod val="85000"/>
+              </a:schemeClr>
+            </a:solidFill>
+          </a:ln>
+          <a:effectLst>
+            <a:outerShdw blurRad="381000" dist="127000" dir="7080000" sx="94000" sy="94000" algn="t" rotWithShape="0">
+              <a:prstClr val="black">
+                <a:alpha val="16000"/>
+              </a:prstClr>
+            </a:outerShdw>
+          </a:effectLst>
+          <a:scene3d>
+            <a:camera prst="perspectiveFront"/>
+            <a:lightRig rig="threePt" dir="t"/>
+          </a:scene3d>
+        </p:spPr>
+        <p:style>
+          <a:lnRef idx="2">
+            <a:schemeClr val="accent1">
+              <a:shade val="50000"/>
+            </a:schemeClr>
+          </a:lnRef>
+          <a:fillRef idx="1">
+            <a:schemeClr val="accent1"/>
+          </a:fillRef>
+          <a:effectRef idx="0">
+            <a:schemeClr val="accent1"/>
+          </a:effectRef>
+          <a:fontRef idx="minor">
+            <a:schemeClr val="lt1"/>
+          </a:fontRef>
+        </p:style>
+        <p:txBody>
+          <a:bodyPr tIns="144000" bIns="90000" rtlCol="0" anchor="ctr"/>
+          <a:lstStyle/>
+          <a:p>
+            <a:pPr algn="ctr" defTabSz="685800"/>
+            <a:r>
+              <a:rPr lang="en-US" sz="2000" dirty="0">
+                <a:solidFill>
+                  <a:schemeClr val="tx1"/>
+                </a:solidFill>
+                <a:latin typeface="Poppins SemiBold" panose="00000700000000000000" pitchFamily="2" charset="0"/>
+                <a:cs typeface="Poppins SemiBold" panose="00000700000000000000" pitchFamily="2" charset="0"/>
+              </a:rPr>
+              <a:t>Respuesta </a:t>
+            </a:r>
+            <a:r>
+              <a:rPr lang="en-US" sz="2000" dirty="0" err="1">
+                <a:solidFill>
+                  <a:schemeClr val="tx1"/>
+                </a:solidFill>
+                <a:latin typeface="Poppins SemiBold" panose="00000700000000000000" pitchFamily="2" charset="0"/>
+                <a:cs typeface="Poppins SemiBold" panose="00000700000000000000" pitchFamily="2" charset="0"/>
+              </a:rPr>
+              <a:t>Correcta</a:t>
+            </a:r>
+            <a:endParaRPr lang="en-IN" sz="2000" dirty="0">
+              <a:solidFill>
+                <a:schemeClr val="tx1"/>
+              </a:solidFill>
+              <a:latin typeface="Poppins SemiBold" panose="00000700000000000000" pitchFamily="2" charset="0"/>
+              <a:cs typeface="Poppins SemiBold" panose="00000700000000000000" pitchFamily="2" charset="0"/>
+            </a:endParaRPr>
+          </a:p>
+        </p:txBody>
+      </p:sp>
+    </p:spTree>
+    <p:extLst>
+      <p:ext uri="{BB962C8B-B14F-4D97-AF65-F5344CB8AC3E}">
+        <p14:creationId xmlns:p14="http://schemas.microsoft.com/office/powerpoint/2010/main" val="3489101928"/>
+      </p:ext>
+    </p:extLst>
+  </p:cSld>
+  <p:clrMapOvr>
+    <a:masterClrMapping/>
+  </p:clrMapOvr>
+</p:sld>
+</file>
+
+<file path=ppt/slides/slide14.xml><?xml version="1.0" encoding="utf-8"?>
+<p:sld xmlns:a="http://schemas.openxmlformats.org/drawingml/2006/main" xmlns:r="http://schemas.openxmlformats.org/officeDocument/2006/relationships" xmlns:p="http://schemas.openxmlformats.org/presentationml/2006/main">
+  <p:cSld>
+    <p:bg>
+      <p:bgPr>
+        <a:solidFill>
+          <a:srgbClr val="00B050"/>
+        </a:solidFill>
+        <a:effectLst/>
+      </p:bgPr>
+    </p:bg>
+    <p:spTree>
+      <p:nvGrpSpPr>
+        <p:cNvPr id="1" name=""/>
+        <p:cNvGrpSpPr/>
+        <p:nvPr/>
+      </p:nvGrpSpPr>
+      <p:grpSpPr>
+        <a:xfrm>
+          <a:off x="0" y="0"/>
+          <a:ext cx="0" cy="0"/>
+          <a:chOff x="0" y="0"/>
+          <a:chExt cx="0" cy="0"/>
+        </a:xfrm>
+      </p:grpSpPr>
+      <p:sp>
+        <p:nvSpPr>
+          <p:cNvPr id="2" name="TextBox 1">
+            <a:extLst>
+              <a:ext uri="{FF2B5EF4-FFF2-40B4-BE49-F238E27FC236}">
+                <a16:creationId xmlns:a16="http://schemas.microsoft.com/office/drawing/2014/main" id="{60075EE3-328C-49EE-B897-556D339C339C}"/>
+              </a:ext>
+            </a:extLst>
+          </p:cNvPr>
+          <p:cNvSpPr txBox="1"/>
+          <p:nvPr/>
+        </p:nvSpPr>
+        <p:spPr>
+          <a:xfrm>
+            <a:off x="2083523" y="1549357"/>
+            <a:ext cx="8024954" cy="923330"/>
+          </a:xfrm>
+          <a:prstGeom prst="rect">
+            <a:avLst/>
+          </a:prstGeom>
+          <a:noFill/>
+        </p:spPr>
+        <p:txBody>
+          <a:bodyPr wrap="none" rtlCol="0">
+            <a:spAutoFit/>
+          </a:bodyPr>
+          <a:lstStyle/>
+          <a:p>
+            <a:pPr>
+              <a:defRPr/>
+            </a:pPr>
+            <a:r>
+              <a:rPr lang="en-US" sz="5400" b="1" dirty="0">
+                <a:solidFill>
+                  <a:prstClr val="white"/>
+                </a:solidFill>
+                <a:latin typeface="Poppins"/>
+              </a:rPr>
+              <a:t>RESPUESTA CORRECTA</a:t>
+            </a:r>
+            <a:endParaRPr lang="en-IN" sz="5400" b="1" dirty="0">
+              <a:solidFill>
+                <a:prstClr val="white"/>
+              </a:solidFill>
+              <a:latin typeface="Poppins"/>
+            </a:endParaRPr>
+          </a:p>
+        </p:txBody>
+      </p:sp>
+      <p:sp>
+        <p:nvSpPr>
+          <p:cNvPr id="3" name="Rectangle 2">
+            <a:hlinkClick r:id="" action="ppaction://hlinkshowjump?jump=nextslide"/>
+            <a:extLst>
+              <a:ext uri="{FF2B5EF4-FFF2-40B4-BE49-F238E27FC236}">
+                <a16:creationId xmlns:a16="http://schemas.microsoft.com/office/drawing/2014/main" id="{3E95FE85-01E9-48D9-93B4-B3632117840E}"/>
+              </a:ext>
+            </a:extLst>
+          </p:cNvPr>
+          <p:cNvSpPr/>
+          <p:nvPr/>
+        </p:nvSpPr>
+        <p:spPr>
+          <a:xfrm>
+            <a:off x="4837611" y="3688666"/>
+            <a:ext cx="2516777" cy="696648"/>
+          </a:xfrm>
+          <a:prstGeom prst="rect">
+            <a:avLst/>
+          </a:prstGeom>
+          <a:solidFill>
+            <a:schemeClr val="bg1"/>
+          </a:solidFill>
+          <a:ln>
+            <a:solidFill>
+              <a:schemeClr val="bg1">
+                <a:lumMod val="85000"/>
+              </a:schemeClr>
+            </a:solidFill>
+          </a:ln>
+          <a:effectLst>
+            <a:outerShdw blurRad="381000" dist="127000" dir="7080000" sx="94000" sy="94000" algn="t" rotWithShape="0">
+              <a:prstClr val="black">
+                <a:alpha val="16000"/>
+              </a:prstClr>
+            </a:outerShdw>
+          </a:effectLst>
+          <a:scene3d>
+            <a:camera prst="perspectiveFront"/>
+            <a:lightRig rig="threePt" dir="t"/>
+          </a:scene3d>
+        </p:spPr>
+        <p:style>
+          <a:lnRef idx="2">
+            <a:schemeClr val="accent1">
+              <a:shade val="50000"/>
+            </a:schemeClr>
+          </a:lnRef>
+          <a:fillRef idx="1">
+            <a:schemeClr val="accent1"/>
+          </a:fillRef>
+          <a:effectRef idx="0">
+            <a:schemeClr val="accent1"/>
+          </a:effectRef>
+          <a:fontRef idx="minor">
+            <a:schemeClr val="lt1"/>
+          </a:fontRef>
+        </p:style>
+        <p:txBody>
+          <a:bodyPr tIns="144000" bIns="90000" rtlCol="0" anchor="ctr"/>
+          <a:lstStyle/>
+          <a:p>
+            <a:pPr algn="ctr" defTabSz="685800">
+              <a:defRPr/>
+            </a:pPr>
+            <a:r>
+              <a:rPr lang="en-US" sz="2000" dirty="0" err="1">
+                <a:solidFill>
+                  <a:prstClr val="black"/>
+                </a:solidFill>
+                <a:latin typeface="Poppins SemiBold" panose="00000700000000000000" pitchFamily="2" charset="0"/>
+                <a:cs typeface="Poppins SemiBold" panose="00000700000000000000" pitchFamily="2" charset="0"/>
+              </a:rPr>
+              <a:t>Siguiente</a:t>
+            </a:r>
+            <a:endParaRPr lang="en-IN" sz="2000" dirty="0">
+              <a:solidFill>
+                <a:prstClr val="black"/>
+              </a:solidFill>
+              <a:latin typeface="Poppins SemiBold" panose="00000700000000000000" pitchFamily="2" charset="0"/>
+              <a:cs typeface="Poppins SemiBold" panose="00000700000000000000" pitchFamily="2" charset="0"/>
+            </a:endParaRPr>
+          </a:p>
+        </p:txBody>
+      </p:sp>
+    </p:spTree>
+    <p:extLst>
+      <p:ext uri="{BB962C8B-B14F-4D97-AF65-F5344CB8AC3E}">
+        <p14:creationId xmlns:p14="http://schemas.microsoft.com/office/powerpoint/2010/main" val="2892571077"/>
+      </p:ext>
+    </p:extLst>
+  </p:cSld>
+  <p:clrMapOvr>
+    <a:masterClrMapping/>
+  </p:clrMapOvr>
+</p:sld>
+</file>
+
+<file path=ppt/slides/slide15.xml><?xml version="1.0" encoding="utf-8"?>
+<p:sld xmlns:a="http://schemas.openxmlformats.org/drawingml/2006/main" xmlns:r="http://schemas.openxmlformats.org/officeDocument/2006/relationships" xmlns:p="http://schemas.openxmlformats.org/presentationml/2006/main">
+  <p:cSld>
+    <p:spTree>
+      <p:nvGrpSpPr>
+        <p:cNvPr id="1" name=""/>
+        <p:cNvGrpSpPr/>
+        <p:nvPr/>
+      </p:nvGrpSpPr>
+      <p:grpSpPr>
+        <a:xfrm>
+          <a:off x="0" y="0"/>
+          <a:ext cx="0" cy="0"/>
+          <a:chOff x="0" y="0"/>
+          <a:chExt cx="0" cy="0"/>
+        </a:xfrm>
+      </p:grpSpPr>
+      <p:sp>
+        <p:nvSpPr>
+          <p:cNvPr id="2" name="Rectangle 1">
+            <a:extLst>
+              <a:ext uri="{FF2B5EF4-FFF2-40B4-BE49-F238E27FC236}">
+                <a16:creationId xmlns:a16="http://schemas.microsoft.com/office/drawing/2014/main" id="{29228A24-4A1B-41B0-A802-CD51398332B9}"/>
+              </a:ext>
+            </a:extLst>
+          </p:cNvPr>
+          <p:cNvSpPr/>
+          <p:nvPr/>
+        </p:nvSpPr>
+        <p:spPr>
+          <a:xfrm>
+            <a:off x="1976846" y="435429"/>
+            <a:ext cx="8290560" cy="1898468"/>
+          </a:xfrm>
+          <a:prstGeom prst="rect">
+            <a:avLst/>
+          </a:prstGeom>
+          <a:solidFill>
+            <a:srgbClr val="FFFF00"/>
+          </a:solidFill>
+          <a:ln>
+            <a:solidFill>
+              <a:schemeClr val="bg1">
+                <a:lumMod val="85000"/>
+              </a:schemeClr>
+            </a:solidFill>
+          </a:ln>
+          <a:effectLst>
+            <a:outerShdw blurRad="381000" dist="127000" dir="7080000" sx="94000" sy="94000" algn="t" rotWithShape="0">
+              <a:prstClr val="black">
+                <a:alpha val="16000"/>
+              </a:prstClr>
+            </a:outerShdw>
+          </a:effectLst>
+          <a:scene3d>
+            <a:camera prst="perspectiveFront"/>
+            <a:lightRig rig="threePt" dir="t"/>
+          </a:scene3d>
+        </p:spPr>
+        <p:style>
+          <a:lnRef idx="2">
+            <a:schemeClr val="accent1">
+              <a:shade val="50000"/>
+            </a:schemeClr>
+          </a:lnRef>
+          <a:fillRef idx="1">
+            <a:schemeClr val="accent1"/>
+          </a:fillRef>
+          <a:effectRef idx="0">
+            <a:schemeClr val="accent1"/>
+          </a:effectRef>
+          <a:fontRef idx="minor">
+            <a:schemeClr val="lt1"/>
+          </a:fontRef>
+        </p:style>
+        <p:txBody>
+          <a:bodyPr tIns="144000" bIns="90000" rtlCol="0" anchor="ctr"/>
+          <a:lstStyle/>
+          <a:p>
+            <a:pPr algn="ctr" defTabSz="685800"/>
+            <a:r>
+              <a:rPr lang="en-US" sz="3200" dirty="0">
+                <a:solidFill>
+                  <a:schemeClr val="tx1"/>
+                </a:solidFill>
+                <a:latin typeface="Poppins SemiBold" panose="00000700000000000000" pitchFamily="2" charset="0"/>
+                <a:cs typeface="Poppins SemiBold" panose="00000700000000000000" pitchFamily="2" charset="0"/>
+              </a:rPr>
+              <a:t>7. </a:t>
+            </a:r>
+            <a:r>
+              <a:rPr lang="en-US" sz="3200" dirty="0" err="1">
+                <a:solidFill>
+                  <a:prstClr val="black"/>
+                </a:solidFill>
+                <a:latin typeface="Poppins SemiBold" panose="00000700000000000000" pitchFamily="2" charset="0"/>
+                <a:cs typeface="Poppins SemiBold" panose="00000700000000000000" pitchFamily="2" charset="0"/>
+              </a:rPr>
+              <a:t>Pregunta</a:t>
+            </a:r>
+            <a:endParaRPr lang="en-IN" sz="3200" dirty="0">
+              <a:solidFill>
+                <a:schemeClr val="tx1"/>
+              </a:solidFill>
+              <a:latin typeface="Poppins SemiBold" panose="00000700000000000000" pitchFamily="2" charset="0"/>
+              <a:cs typeface="Poppins SemiBold" panose="00000700000000000000" pitchFamily="2" charset="0"/>
+            </a:endParaRPr>
+          </a:p>
+        </p:txBody>
+      </p:sp>
+      <p:sp>
+        <p:nvSpPr>
+          <p:cNvPr id="3" name="Rectangle 2">
+            <a:hlinkClick r:id="rId2" action="ppaction://hlinksldjump">
+              <a:snd r:embed="rId3" name="WrongAnswerSFX.wav"/>
+            </a:hlinkClick>
+            <a:extLst>
+              <a:ext uri="{FF2B5EF4-FFF2-40B4-BE49-F238E27FC236}">
+                <a16:creationId xmlns:a16="http://schemas.microsoft.com/office/drawing/2014/main" id="{93EB3632-12C3-41FB-861E-57B9D53BBF65}"/>
+              </a:ext>
+            </a:extLst>
+          </p:cNvPr>
+          <p:cNvSpPr/>
+          <p:nvPr/>
+        </p:nvSpPr>
+        <p:spPr>
+          <a:xfrm>
+            <a:off x="6296298" y="2612571"/>
+            <a:ext cx="3971108" cy="1236618"/>
+          </a:xfrm>
+          <a:prstGeom prst="rect">
+            <a:avLst/>
+          </a:prstGeom>
+          <a:solidFill>
+            <a:schemeClr val="bg1"/>
+          </a:solidFill>
+          <a:ln>
+            <a:solidFill>
+              <a:schemeClr val="bg1">
+                <a:lumMod val="85000"/>
+              </a:schemeClr>
+            </a:solidFill>
+          </a:ln>
+          <a:effectLst>
+            <a:outerShdw blurRad="381000" dist="127000" dir="7080000" sx="94000" sy="94000" algn="t" rotWithShape="0">
+              <a:prstClr val="black">
+                <a:alpha val="16000"/>
+              </a:prstClr>
+            </a:outerShdw>
+          </a:effectLst>
+          <a:scene3d>
+            <a:camera prst="perspectiveFront"/>
+            <a:lightRig rig="threePt" dir="t"/>
+          </a:scene3d>
+        </p:spPr>
+        <p:style>
+          <a:lnRef idx="2">
+            <a:schemeClr val="accent1">
+              <a:shade val="50000"/>
+            </a:schemeClr>
+          </a:lnRef>
+          <a:fillRef idx="1">
+            <a:schemeClr val="accent1"/>
+          </a:fillRef>
+          <a:effectRef idx="0">
+            <a:schemeClr val="accent1"/>
+          </a:effectRef>
+          <a:fontRef idx="minor">
+            <a:schemeClr val="lt1"/>
+          </a:fontRef>
+        </p:style>
+        <p:txBody>
+          <a:bodyPr tIns="144000" bIns="90000" rtlCol="0" anchor="ctr"/>
+          <a:lstStyle/>
+          <a:p>
+            <a:pPr algn="ctr" defTabSz="685800"/>
+            <a:r>
+              <a:rPr lang="en-US" sz="2000" dirty="0">
+                <a:solidFill>
+                  <a:schemeClr val="tx1"/>
+                </a:solidFill>
+                <a:latin typeface="Poppins SemiBold" panose="00000700000000000000" pitchFamily="2" charset="0"/>
+                <a:cs typeface="Poppins SemiBold" panose="00000700000000000000" pitchFamily="2" charset="0"/>
+              </a:rPr>
+              <a:t>Incorrect Answer</a:t>
+            </a:r>
+            <a:endParaRPr lang="en-IN" sz="2000" dirty="0">
+              <a:solidFill>
+                <a:schemeClr val="tx1"/>
+              </a:solidFill>
+              <a:latin typeface="Poppins SemiBold" panose="00000700000000000000" pitchFamily="2" charset="0"/>
+              <a:cs typeface="Poppins SemiBold" panose="00000700000000000000" pitchFamily="2" charset="0"/>
+            </a:endParaRPr>
+          </a:p>
+        </p:txBody>
+      </p:sp>
+      <p:sp>
+        <p:nvSpPr>
+          <p:cNvPr id="5" name="Rectangle 4">
+            <a:hlinkClick r:id="" action="ppaction://hlinkshowjump?jump=nextslide">
+              <a:snd r:embed="rId4" name="CorrectAnswerSFX.wav"/>
+            </a:hlinkClick>
+            <a:extLst>
+              <a:ext uri="{FF2B5EF4-FFF2-40B4-BE49-F238E27FC236}">
+                <a16:creationId xmlns:a16="http://schemas.microsoft.com/office/drawing/2014/main" id="{11A411AB-3628-4BD3-8F92-E851842AEEC9}"/>
+              </a:ext>
+            </a:extLst>
+          </p:cNvPr>
+          <p:cNvSpPr/>
+          <p:nvPr/>
+        </p:nvSpPr>
+        <p:spPr>
+          <a:xfrm>
+            <a:off x="1976846" y="2612571"/>
+            <a:ext cx="3971108" cy="1236618"/>
+          </a:xfrm>
+          <a:prstGeom prst="rect">
+            <a:avLst/>
+          </a:prstGeom>
+          <a:solidFill>
+            <a:schemeClr val="bg1"/>
+          </a:solidFill>
+          <a:ln>
+            <a:solidFill>
+              <a:schemeClr val="bg1">
+                <a:lumMod val="85000"/>
+              </a:schemeClr>
+            </a:solidFill>
+          </a:ln>
+          <a:effectLst>
+            <a:outerShdw blurRad="381000" dist="127000" dir="7080000" sx="94000" sy="94000" algn="t" rotWithShape="0">
+              <a:prstClr val="black">
+                <a:alpha val="16000"/>
+              </a:prstClr>
+            </a:outerShdw>
+          </a:effectLst>
+          <a:scene3d>
+            <a:camera prst="perspectiveFront"/>
+            <a:lightRig rig="threePt" dir="t"/>
+          </a:scene3d>
+        </p:spPr>
+        <p:style>
+          <a:lnRef idx="2">
+            <a:schemeClr val="accent1">
+              <a:shade val="50000"/>
+            </a:schemeClr>
+          </a:lnRef>
+          <a:fillRef idx="1">
+            <a:schemeClr val="accent1"/>
+          </a:fillRef>
+          <a:effectRef idx="0">
+            <a:schemeClr val="accent1"/>
+          </a:effectRef>
+          <a:fontRef idx="minor">
+            <a:schemeClr val="lt1"/>
+          </a:fontRef>
+        </p:style>
+        <p:txBody>
+          <a:bodyPr tIns="144000" bIns="90000" rtlCol="0" anchor="ctr"/>
+          <a:lstStyle/>
+          <a:p>
+            <a:pPr algn="ctr" defTabSz="685800"/>
+            <a:r>
+              <a:rPr lang="en-US" sz="2000" dirty="0">
+                <a:solidFill>
+                  <a:schemeClr val="tx1"/>
+                </a:solidFill>
+                <a:latin typeface="Poppins SemiBold" panose="00000700000000000000" pitchFamily="2" charset="0"/>
+                <a:cs typeface="Poppins SemiBold" panose="00000700000000000000" pitchFamily="2" charset="0"/>
+              </a:rPr>
+              <a:t>Respuesta </a:t>
+            </a:r>
+            <a:r>
+              <a:rPr lang="en-US" sz="2000" dirty="0" err="1">
+                <a:solidFill>
+                  <a:schemeClr val="tx1"/>
+                </a:solidFill>
+                <a:latin typeface="Poppins SemiBold" panose="00000700000000000000" pitchFamily="2" charset="0"/>
+                <a:cs typeface="Poppins SemiBold" panose="00000700000000000000" pitchFamily="2" charset="0"/>
+              </a:rPr>
+              <a:t>Correcta</a:t>
+            </a:r>
+            <a:endParaRPr lang="en-IN" sz="2000" dirty="0">
+              <a:solidFill>
+                <a:schemeClr val="tx1"/>
+              </a:solidFill>
+              <a:latin typeface="Poppins SemiBold" panose="00000700000000000000" pitchFamily="2" charset="0"/>
+              <a:cs typeface="Poppins SemiBold" panose="00000700000000000000" pitchFamily="2" charset="0"/>
+            </a:endParaRPr>
+          </a:p>
+        </p:txBody>
+      </p:sp>
+    </p:spTree>
+    <p:extLst>
+      <p:ext uri="{BB962C8B-B14F-4D97-AF65-F5344CB8AC3E}">
+        <p14:creationId xmlns:p14="http://schemas.microsoft.com/office/powerpoint/2010/main" val="4174624333"/>
+      </p:ext>
+    </p:extLst>
+  </p:cSld>
+  <p:clrMapOvr>
+    <a:masterClrMapping/>
+  </p:clrMapOvr>
+</p:sld>
+</file>
+
+<file path=ppt/slides/slide16.xml><?xml version="1.0" encoding="utf-8"?>
+<p:sld xmlns:a="http://schemas.openxmlformats.org/drawingml/2006/main" xmlns:r="http://schemas.openxmlformats.org/officeDocument/2006/relationships" xmlns:p="http://schemas.openxmlformats.org/presentationml/2006/main">
+  <p:cSld>
+    <p:bg>
+      <p:bgPr>
+        <a:solidFill>
+          <a:srgbClr val="00B050"/>
+        </a:solidFill>
+        <a:effectLst/>
+      </p:bgPr>
+    </p:bg>
+    <p:spTree>
+      <p:nvGrpSpPr>
+        <p:cNvPr id="1" name=""/>
+        <p:cNvGrpSpPr/>
+        <p:nvPr/>
+      </p:nvGrpSpPr>
+      <p:grpSpPr>
+        <a:xfrm>
+          <a:off x="0" y="0"/>
+          <a:ext cx="0" cy="0"/>
+          <a:chOff x="0" y="0"/>
+          <a:chExt cx="0" cy="0"/>
+        </a:xfrm>
+      </p:grpSpPr>
+      <p:sp>
+        <p:nvSpPr>
+          <p:cNvPr id="2" name="TextBox 1">
+            <a:extLst>
+              <a:ext uri="{FF2B5EF4-FFF2-40B4-BE49-F238E27FC236}">
+                <a16:creationId xmlns:a16="http://schemas.microsoft.com/office/drawing/2014/main" id="{60075EE3-328C-49EE-B897-556D339C339C}"/>
+              </a:ext>
+            </a:extLst>
+          </p:cNvPr>
+          <p:cNvSpPr txBox="1"/>
+          <p:nvPr/>
+        </p:nvSpPr>
+        <p:spPr>
+          <a:xfrm>
+            <a:off x="2083523" y="1549357"/>
+            <a:ext cx="8024954" cy="923330"/>
+          </a:xfrm>
+          <a:prstGeom prst="rect">
+            <a:avLst/>
+          </a:prstGeom>
+          <a:noFill/>
+        </p:spPr>
+        <p:txBody>
+          <a:bodyPr wrap="none" rtlCol="0">
+            <a:spAutoFit/>
+          </a:bodyPr>
+          <a:lstStyle/>
+          <a:p>
+            <a:pPr>
+              <a:defRPr/>
+            </a:pPr>
+            <a:r>
+              <a:rPr lang="en-US" sz="5400" b="1" dirty="0">
+                <a:solidFill>
+                  <a:prstClr val="white"/>
+                </a:solidFill>
+                <a:latin typeface="Poppins"/>
+              </a:rPr>
+              <a:t>RESPUESTA CORRECTA</a:t>
+            </a:r>
+            <a:endParaRPr lang="en-IN" sz="5400" b="1" dirty="0">
+              <a:solidFill>
+                <a:prstClr val="white"/>
+              </a:solidFill>
+              <a:latin typeface="Poppins"/>
+            </a:endParaRPr>
+          </a:p>
+        </p:txBody>
+      </p:sp>
+      <p:sp>
+        <p:nvSpPr>
+          <p:cNvPr id="3" name="Rectangle 2">
+            <a:hlinkClick r:id="" action="ppaction://hlinkshowjump?jump=nextslide"/>
+            <a:extLst>
+              <a:ext uri="{FF2B5EF4-FFF2-40B4-BE49-F238E27FC236}">
+                <a16:creationId xmlns:a16="http://schemas.microsoft.com/office/drawing/2014/main" id="{3E95FE85-01E9-48D9-93B4-B3632117840E}"/>
+              </a:ext>
+            </a:extLst>
+          </p:cNvPr>
+          <p:cNvSpPr/>
+          <p:nvPr/>
+        </p:nvSpPr>
+        <p:spPr>
+          <a:xfrm>
+            <a:off x="4837611" y="3688666"/>
+            <a:ext cx="2516777" cy="696648"/>
+          </a:xfrm>
+          <a:prstGeom prst="rect">
+            <a:avLst/>
+          </a:prstGeom>
+          <a:solidFill>
+            <a:schemeClr val="bg1"/>
+          </a:solidFill>
+          <a:ln>
+            <a:solidFill>
+              <a:schemeClr val="bg1">
+                <a:lumMod val="85000"/>
+              </a:schemeClr>
+            </a:solidFill>
+          </a:ln>
+          <a:effectLst>
+            <a:outerShdw blurRad="381000" dist="127000" dir="7080000" sx="94000" sy="94000" algn="t" rotWithShape="0">
+              <a:prstClr val="black">
+                <a:alpha val="16000"/>
+              </a:prstClr>
+            </a:outerShdw>
+          </a:effectLst>
+          <a:scene3d>
+            <a:camera prst="perspectiveFront"/>
+            <a:lightRig rig="threePt" dir="t"/>
+          </a:scene3d>
+        </p:spPr>
+        <p:style>
+          <a:lnRef idx="2">
+            <a:schemeClr val="accent1">
+              <a:shade val="50000"/>
+            </a:schemeClr>
+          </a:lnRef>
+          <a:fillRef idx="1">
+            <a:schemeClr val="accent1"/>
+          </a:fillRef>
+          <a:effectRef idx="0">
+            <a:schemeClr val="accent1"/>
+          </a:effectRef>
+          <a:fontRef idx="minor">
+            <a:schemeClr val="lt1"/>
+          </a:fontRef>
+        </p:style>
+        <p:txBody>
+          <a:bodyPr tIns="144000" bIns="90000" rtlCol="0" anchor="ctr"/>
+          <a:lstStyle/>
+          <a:p>
+            <a:pPr algn="ctr" defTabSz="685800">
+              <a:defRPr/>
+            </a:pPr>
+            <a:r>
+              <a:rPr lang="en-US" sz="2000" dirty="0" err="1">
+                <a:solidFill>
+                  <a:prstClr val="black"/>
+                </a:solidFill>
+                <a:latin typeface="Poppins SemiBold" panose="00000700000000000000" pitchFamily="2" charset="0"/>
+                <a:cs typeface="Poppins SemiBold" panose="00000700000000000000" pitchFamily="2" charset="0"/>
+              </a:rPr>
+              <a:t>Siguiente</a:t>
+            </a:r>
+            <a:endParaRPr lang="en-IN" sz="2000" dirty="0">
+              <a:solidFill>
+                <a:prstClr val="black"/>
+              </a:solidFill>
+              <a:latin typeface="Poppins SemiBold" panose="00000700000000000000" pitchFamily="2" charset="0"/>
+              <a:cs typeface="Poppins SemiBold" panose="00000700000000000000" pitchFamily="2" charset="0"/>
+            </a:endParaRPr>
+          </a:p>
+        </p:txBody>
+      </p:sp>
+    </p:spTree>
+    <p:extLst>
+      <p:ext uri="{BB962C8B-B14F-4D97-AF65-F5344CB8AC3E}">
+        <p14:creationId xmlns:p14="http://schemas.microsoft.com/office/powerpoint/2010/main" val="2882683068"/>
+      </p:ext>
+    </p:extLst>
+  </p:cSld>
+  <p:clrMapOvr>
+    <a:masterClrMapping/>
+  </p:clrMapOvr>
+</p:sld>
+</file>
+
+<file path=ppt/slides/slide17.xml><?xml version="1.0" encoding="utf-8"?>
+<p:sld xmlns:a="http://schemas.openxmlformats.org/drawingml/2006/main" xmlns:r="http://schemas.openxmlformats.org/officeDocument/2006/relationships" xmlns:p="http://schemas.openxmlformats.org/presentationml/2006/main">
+  <p:cSld>
+    <p:spTree>
+      <p:nvGrpSpPr>
+        <p:cNvPr id="1" name=""/>
+        <p:cNvGrpSpPr/>
+        <p:nvPr/>
+      </p:nvGrpSpPr>
+      <p:grpSpPr>
+        <a:xfrm>
+          <a:off x="0" y="0"/>
+          <a:ext cx="0" cy="0"/>
+          <a:chOff x="0" y="0"/>
+          <a:chExt cx="0" cy="0"/>
+        </a:xfrm>
+      </p:grpSpPr>
+      <p:sp>
+        <p:nvSpPr>
+          <p:cNvPr id="2" name="Rectangle 1">
+            <a:extLst>
+              <a:ext uri="{FF2B5EF4-FFF2-40B4-BE49-F238E27FC236}">
+                <a16:creationId xmlns:a16="http://schemas.microsoft.com/office/drawing/2014/main" id="{29228A24-4A1B-41B0-A802-CD51398332B9}"/>
+              </a:ext>
+            </a:extLst>
+          </p:cNvPr>
+          <p:cNvSpPr/>
+          <p:nvPr/>
+        </p:nvSpPr>
+        <p:spPr>
+          <a:xfrm>
+            <a:off x="1976846" y="435429"/>
+            <a:ext cx="8290560" cy="1898468"/>
+          </a:xfrm>
+          <a:prstGeom prst="rect">
+            <a:avLst/>
+          </a:prstGeom>
+          <a:solidFill>
+            <a:srgbClr val="FFFF00"/>
+          </a:solidFill>
+          <a:ln>
+            <a:solidFill>
+              <a:schemeClr val="bg1">
+                <a:lumMod val="85000"/>
+              </a:schemeClr>
+            </a:solidFill>
+          </a:ln>
+          <a:effectLst>
+            <a:outerShdw blurRad="381000" dist="127000" dir="7080000" sx="94000" sy="94000" algn="t" rotWithShape="0">
+              <a:prstClr val="black">
+                <a:alpha val="16000"/>
+              </a:prstClr>
+            </a:outerShdw>
+          </a:effectLst>
+          <a:scene3d>
+            <a:camera prst="perspectiveFront"/>
+            <a:lightRig rig="threePt" dir="t"/>
+          </a:scene3d>
+        </p:spPr>
+        <p:style>
+          <a:lnRef idx="2">
+            <a:schemeClr val="accent1">
+              <a:shade val="50000"/>
+            </a:schemeClr>
+          </a:lnRef>
+          <a:fillRef idx="1">
+            <a:schemeClr val="accent1"/>
+          </a:fillRef>
+          <a:effectRef idx="0">
+            <a:schemeClr val="accent1"/>
+          </a:effectRef>
+          <a:fontRef idx="minor">
+            <a:schemeClr val="lt1"/>
+          </a:fontRef>
+        </p:style>
+        <p:txBody>
+          <a:bodyPr tIns="144000" bIns="90000" rtlCol="0" anchor="ctr"/>
+          <a:lstStyle/>
+          <a:p>
+            <a:pPr algn="ctr" defTabSz="685800"/>
+            <a:r>
+              <a:rPr lang="en-US" sz="3200" dirty="0">
+                <a:solidFill>
+                  <a:schemeClr val="tx1"/>
+                </a:solidFill>
+                <a:latin typeface="Poppins SemiBold" panose="00000700000000000000" pitchFamily="2" charset="0"/>
+                <a:cs typeface="Poppins SemiBold" panose="00000700000000000000" pitchFamily="2" charset="0"/>
+              </a:rPr>
+              <a:t>8. </a:t>
+            </a:r>
+            <a:r>
+              <a:rPr lang="en-US" sz="3200" dirty="0" err="1">
+                <a:solidFill>
+                  <a:prstClr val="black"/>
+                </a:solidFill>
+                <a:latin typeface="Poppins SemiBold" panose="00000700000000000000" pitchFamily="2" charset="0"/>
+                <a:cs typeface="Poppins SemiBold" panose="00000700000000000000" pitchFamily="2" charset="0"/>
+              </a:rPr>
+              <a:t>Pregunta</a:t>
+            </a:r>
+            <a:endParaRPr lang="en-IN" sz="3200" dirty="0">
+              <a:solidFill>
+                <a:schemeClr val="tx1"/>
+              </a:solidFill>
+              <a:latin typeface="Poppins SemiBold" panose="00000700000000000000" pitchFamily="2" charset="0"/>
+              <a:cs typeface="Poppins SemiBold" panose="00000700000000000000" pitchFamily="2" charset="0"/>
+            </a:endParaRPr>
+          </a:p>
+        </p:txBody>
+      </p:sp>
+      <p:sp>
+        <p:nvSpPr>
+          <p:cNvPr id="3" name="Rectangle 2">
+            <a:hlinkClick r:id="rId2" action="ppaction://hlinksldjump">
+              <a:snd r:embed="rId3" name="WrongAnswerSFX.wav"/>
+            </a:hlinkClick>
+            <a:extLst>
+              <a:ext uri="{FF2B5EF4-FFF2-40B4-BE49-F238E27FC236}">
+                <a16:creationId xmlns:a16="http://schemas.microsoft.com/office/drawing/2014/main" id="{93EB3632-12C3-41FB-861E-57B9D53BBF65}"/>
+              </a:ext>
+            </a:extLst>
+          </p:cNvPr>
+          <p:cNvSpPr/>
+          <p:nvPr/>
+        </p:nvSpPr>
+        <p:spPr>
+          <a:xfrm>
+            <a:off x="6296298" y="2612571"/>
+            <a:ext cx="3971108" cy="1236618"/>
+          </a:xfrm>
+          <a:prstGeom prst="rect">
+            <a:avLst/>
+          </a:prstGeom>
+          <a:solidFill>
+            <a:schemeClr val="bg1"/>
+          </a:solidFill>
+          <a:ln>
+            <a:solidFill>
+              <a:schemeClr val="bg1">
+                <a:lumMod val="85000"/>
+              </a:schemeClr>
+            </a:solidFill>
+          </a:ln>
+          <a:effectLst>
+            <a:outerShdw blurRad="381000" dist="127000" dir="7080000" sx="94000" sy="94000" algn="t" rotWithShape="0">
+              <a:prstClr val="black">
+                <a:alpha val="16000"/>
+              </a:prstClr>
+            </a:outerShdw>
+          </a:effectLst>
+          <a:scene3d>
+            <a:camera prst="perspectiveFront"/>
+            <a:lightRig rig="threePt" dir="t"/>
+          </a:scene3d>
+        </p:spPr>
+        <p:style>
+          <a:lnRef idx="2">
+            <a:schemeClr val="accent1">
+              <a:shade val="50000"/>
+            </a:schemeClr>
+          </a:lnRef>
+          <a:fillRef idx="1">
+            <a:schemeClr val="accent1"/>
+          </a:fillRef>
+          <a:effectRef idx="0">
+            <a:schemeClr val="accent1"/>
+          </a:effectRef>
+          <a:fontRef idx="minor">
+            <a:schemeClr val="lt1"/>
+          </a:fontRef>
+        </p:style>
+        <p:txBody>
+          <a:bodyPr tIns="144000" bIns="90000" rtlCol="0" anchor="ctr"/>
+          <a:lstStyle/>
+          <a:p>
+            <a:pPr algn="ctr" defTabSz="685800"/>
+            <a:r>
+              <a:rPr lang="en-US" sz="2000" dirty="0">
+                <a:solidFill>
+                  <a:schemeClr val="tx1"/>
+                </a:solidFill>
+                <a:latin typeface="Poppins SemiBold" panose="00000700000000000000" pitchFamily="2" charset="0"/>
+                <a:cs typeface="Poppins SemiBold" panose="00000700000000000000" pitchFamily="2" charset="0"/>
+              </a:rPr>
+              <a:t>Incorrect Answer</a:t>
+            </a:r>
+            <a:endParaRPr lang="en-IN" sz="2000" dirty="0">
+              <a:solidFill>
+                <a:schemeClr val="tx1"/>
+              </a:solidFill>
+              <a:latin typeface="Poppins SemiBold" panose="00000700000000000000" pitchFamily="2" charset="0"/>
+              <a:cs typeface="Poppins SemiBold" panose="00000700000000000000" pitchFamily="2" charset="0"/>
+            </a:endParaRPr>
+          </a:p>
+        </p:txBody>
+      </p:sp>
+      <p:sp>
+        <p:nvSpPr>
+          <p:cNvPr id="5" name="Rectangle 4">
+            <a:hlinkClick r:id="" action="ppaction://hlinkshowjump?jump=nextslide">
+              <a:snd r:embed="rId4" name="CorrectAnswerSFX.wav"/>
+            </a:hlinkClick>
+            <a:extLst>
+              <a:ext uri="{FF2B5EF4-FFF2-40B4-BE49-F238E27FC236}">
+                <a16:creationId xmlns:a16="http://schemas.microsoft.com/office/drawing/2014/main" id="{11A411AB-3628-4BD3-8F92-E851842AEEC9}"/>
+              </a:ext>
+            </a:extLst>
+          </p:cNvPr>
+          <p:cNvSpPr/>
+          <p:nvPr/>
+        </p:nvSpPr>
+        <p:spPr>
+          <a:xfrm>
+            <a:off x="1976846" y="2612571"/>
+            <a:ext cx="3971108" cy="1236618"/>
+          </a:xfrm>
+          <a:prstGeom prst="rect">
+            <a:avLst/>
+          </a:prstGeom>
+          <a:solidFill>
+            <a:schemeClr val="bg1"/>
+          </a:solidFill>
+          <a:ln>
+            <a:solidFill>
+              <a:schemeClr val="bg1">
+                <a:lumMod val="85000"/>
+              </a:schemeClr>
+            </a:solidFill>
+          </a:ln>
+          <a:effectLst>
+            <a:outerShdw blurRad="381000" dist="127000" dir="7080000" sx="94000" sy="94000" algn="t" rotWithShape="0">
+              <a:prstClr val="black">
+                <a:alpha val="16000"/>
+              </a:prstClr>
+            </a:outerShdw>
+          </a:effectLst>
+          <a:scene3d>
+            <a:camera prst="perspectiveFront"/>
+            <a:lightRig rig="threePt" dir="t"/>
+          </a:scene3d>
+        </p:spPr>
+        <p:style>
+          <a:lnRef idx="2">
+            <a:schemeClr val="accent1">
+              <a:shade val="50000"/>
+            </a:schemeClr>
+          </a:lnRef>
+          <a:fillRef idx="1">
+            <a:schemeClr val="accent1"/>
+          </a:fillRef>
+          <a:effectRef idx="0">
+            <a:schemeClr val="accent1"/>
+          </a:effectRef>
+          <a:fontRef idx="minor">
+            <a:schemeClr val="lt1"/>
+          </a:fontRef>
+        </p:style>
+        <p:txBody>
+          <a:bodyPr tIns="144000" bIns="90000" rtlCol="0" anchor="ctr"/>
+          <a:lstStyle/>
+          <a:p>
+            <a:pPr algn="ctr" defTabSz="685800"/>
+            <a:r>
+              <a:rPr lang="en-US" sz="2000" dirty="0">
+                <a:solidFill>
+                  <a:schemeClr val="tx1"/>
+                </a:solidFill>
+                <a:latin typeface="Poppins SemiBold" panose="00000700000000000000" pitchFamily="2" charset="0"/>
+                <a:cs typeface="Poppins SemiBold" panose="00000700000000000000" pitchFamily="2" charset="0"/>
+              </a:rPr>
+              <a:t>Respuesta </a:t>
+            </a:r>
+            <a:r>
+              <a:rPr lang="en-US" sz="2000" dirty="0" err="1">
+                <a:solidFill>
+                  <a:schemeClr val="tx1"/>
+                </a:solidFill>
+                <a:latin typeface="Poppins SemiBold" panose="00000700000000000000" pitchFamily="2" charset="0"/>
+                <a:cs typeface="Poppins SemiBold" panose="00000700000000000000" pitchFamily="2" charset="0"/>
+              </a:rPr>
+              <a:t>Correcta</a:t>
+            </a:r>
+            <a:endParaRPr lang="en-IN" sz="2000" dirty="0">
+              <a:solidFill>
+                <a:schemeClr val="tx1"/>
+              </a:solidFill>
+              <a:latin typeface="Poppins SemiBold" panose="00000700000000000000" pitchFamily="2" charset="0"/>
+              <a:cs typeface="Poppins SemiBold" panose="00000700000000000000" pitchFamily="2" charset="0"/>
+            </a:endParaRPr>
+          </a:p>
+        </p:txBody>
+      </p:sp>
+    </p:spTree>
+    <p:extLst>
+      <p:ext uri="{BB962C8B-B14F-4D97-AF65-F5344CB8AC3E}">
+        <p14:creationId xmlns:p14="http://schemas.microsoft.com/office/powerpoint/2010/main" val="568926570"/>
+      </p:ext>
+    </p:extLst>
+  </p:cSld>
+  <p:clrMapOvr>
+    <a:masterClrMapping/>
+  </p:clrMapOvr>
+</p:sld>
+</file>
+
+<file path=ppt/slides/slide18.xml><?xml version="1.0" encoding="utf-8"?>
+<p:sld xmlns:a="http://schemas.openxmlformats.org/drawingml/2006/main" xmlns:r="http://schemas.openxmlformats.org/officeDocument/2006/relationships" xmlns:p="http://schemas.openxmlformats.org/presentationml/2006/main">
+  <p:cSld>
+    <p:bg>
+      <p:bgPr>
+        <a:solidFill>
+          <a:srgbClr val="00B050"/>
+        </a:solidFill>
+        <a:effectLst/>
+      </p:bgPr>
+    </p:bg>
+    <p:spTree>
+      <p:nvGrpSpPr>
+        <p:cNvPr id="1" name=""/>
+        <p:cNvGrpSpPr/>
+        <p:nvPr/>
+      </p:nvGrpSpPr>
+      <p:grpSpPr>
+        <a:xfrm>
+          <a:off x="0" y="0"/>
+          <a:ext cx="0" cy="0"/>
+          <a:chOff x="0" y="0"/>
+          <a:chExt cx="0" cy="0"/>
+        </a:xfrm>
+      </p:grpSpPr>
+      <p:sp>
+        <p:nvSpPr>
+          <p:cNvPr id="2" name="TextBox 1">
+            <a:extLst>
+              <a:ext uri="{FF2B5EF4-FFF2-40B4-BE49-F238E27FC236}">
+                <a16:creationId xmlns:a16="http://schemas.microsoft.com/office/drawing/2014/main" id="{60075EE3-328C-49EE-B897-556D339C339C}"/>
+              </a:ext>
+            </a:extLst>
+          </p:cNvPr>
+          <p:cNvSpPr txBox="1"/>
+          <p:nvPr/>
+        </p:nvSpPr>
+        <p:spPr>
+          <a:xfrm>
+            <a:off x="2083523" y="1549357"/>
+            <a:ext cx="8024954" cy="923330"/>
+          </a:xfrm>
+          <a:prstGeom prst="rect">
+            <a:avLst/>
+          </a:prstGeom>
+          <a:noFill/>
+        </p:spPr>
+        <p:txBody>
+          <a:bodyPr wrap="none" rtlCol="0">
+            <a:spAutoFit/>
+          </a:bodyPr>
+          <a:lstStyle/>
+          <a:p>
+            <a:pPr>
+              <a:defRPr/>
+            </a:pPr>
+            <a:r>
+              <a:rPr lang="en-US" sz="5400" b="1" dirty="0">
+                <a:solidFill>
+                  <a:prstClr val="white"/>
+                </a:solidFill>
+                <a:latin typeface="Poppins"/>
+              </a:rPr>
+              <a:t>RESPUESTA CORRECTA</a:t>
+            </a:r>
+            <a:endParaRPr lang="en-IN" sz="5400" b="1" dirty="0">
+              <a:solidFill>
+                <a:prstClr val="white"/>
+              </a:solidFill>
+              <a:latin typeface="Poppins"/>
+            </a:endParaRPr>
+          </a:p>
+        </p:txBody>
+      </p:sp>
+      <p:sp>
+        <p:nvSpPr>
+          <p:cNvPr id="3" name="Rectangle 2">
+            <a:hlinkClick r:id="" action="ppaction://hlinkshowjump?jump=nextslide"/>
+            <a:extLst>
+              <a:ext uri="{FF2B5EF4-FFF2-40B4-BE49-F238E27FC236}">
+                <a16:creationId xmlns:a16="http://schemas.microsoft.com/office/drawing/2014/main" id="{3E95FE85-01E9-48D9-93B4-B3632117840E}"/>
+              </a:ext>
+            </a:extLst>
+          </p:cNvPr>
+          <p:cNvSpPr/>
+          <p:nvPr/>
+        </p:nvSpPr>
+        <p:spPr>
+          <a:xfrm>
+            <a:off x="4837611" y="3688666"/>
+            <a:ext cx="2516777" cy="696648"/>
+          </a:xfrm>
+          <a:prstGeom prst="rect">
+            <a:avLst/>
+          </a:prstGeom>
+          <a:solidFill>
+            <a:schemeClr val="bg1"/>
+          </a:solidFill>
+          <a:ln>
+            <a:solidFill>
+              <a:schemeClr val="bg1">
+                <a:lumMod val="85000"/>
+              </a:schemeClr>
+            </a:solidFill>
+          </a:ln>
+          <a:effectLst>
+            <a:outerShdw blurRad="381000" dist="127000" dir="7080000" sx="94000" sy="94000" algn="t" rotWithShape="0">
+              <a:prstClr val="black">
+                <a:alpha val="16000"/>
+              </a:prstClr>
+            </a:outerShdw>
+          </a:effectLst>
+          <a:scene3d>
+            <a:camera prst="perspectiveFront"/>
+            <a:lightRig rig="threePt" dir="t"/>
+          </a:scene3d>
+        </p:spPr>
+        <p:style>
+          <a:lnRef idx="2">
+            <a:schemeClr val="accent1">
+              <a:shade val="50000"/>
+            </a:schemeClr>
+          </a:lnRef>
+          <a:fillRef idx="1">
+            <a:schemeClr val="accent1"/>
+          </a:fillRef>
+          <a:effectRef idx="0">
+            <a:schemeClr val="accent1"/>
+          </a:effectRef>
+          <a:fontRef idx="minor">
+            <a:schemeClr val="lt1"/>
+          </a:fontRef>
+        </p:style>
+        <p:txBody>
+          <a:bodyPr tIns="144000" bIns="90000" rtlCol="0" anchor="ctr"/>
+          <a:lstStyle/>
+          <a:p>
+            <a:pPr algn="ctr" defTabSz="685800">
+              <a:defRPr/>
+            </a:pPr>
+            <a:r>
+              <a:rPr lang="en-US" sz="2000" dirty="0" err="1">
+                <a:solidFill>
+                  <a:prstClr val="black"/>
+                </a:solidFill>
+                <a:latin typeface="Poppins SemiBold" panose="00000700000000000000" pitchFamily="2" charset="0"/>
+                <a:cs typeface="Poppins SemiBold" panose="00000700000000000000" pitchFamily="2" charset="0"/>
+              </a:rPr>
+              <a:t>Siguiente</a:t>
+            </a:r>
+            <a:endParaRPr lang="en-IN" sz="2000" dirty="0">
+              <a:solidFill>
+                <a:prstClr val="black"/>
+              </a:solidFill>
+              <a:latin typeface="Poppins SemiBold" panose="00000700000000000000" pitchFamily="2" charset="0"/>
+              <a:cs typeface="Poppins SemiBold" panose="00000700000000000000" pitchFamily="2" charset="0"/>
+            </a:endParaRPr>
+          </a:p>
+        </p:txBody>
+      </p:sp>
+    </p:spTree>
+    <p:extLst>
+      <p:ext uri="{BB962C8B-B14F-4D97-AF65-F5344CB8AC3E}">
+        <p14:creationId xmlns:p14="http://schemas.microsoft.com/office/powerpoint/2010/main" val="636361162"/>
+      </p:ext>
+    </p:extLst>
+  </p:cSld>
+  <p:clrMapOvr>
+    <a:masterClrMapping/>
+  </p:clrMapOvr>
+</p:sld>
+</file>
+
+<file path=ppt/slides/slide19.xml><?xml version="1.0" encoding="utf-8"?>
+<p:sld xmlns:a="http://schemas.openxmlformats.org/drawingml/2006/main" xmlns:r="http://schemas.openxmlformats.org/officeDocument/2006/relationships" xmlns:p="http://schemas.openxmlformats.org/presentationml/2006/main">
+  <p:cSld>
+    <p:spTree>
+      <p:nvGrpSpPr>
+        <p:cNvPr id="1" name=""/>
+        <p:cNvGrpSpPr/>
+        <p:nvPr/>
+      </p:nvGrpSpPr>
+      <p:grpSpPr>
+        <a:xfrm>
+          <a:off x="0" y="0"/>
+          <a:ext cx="0" cy="0"/>
+          <a:chOff x="0" y="0"/>
+          <a:chExt cx="0" cy="0"/>
+        </a:xfrm>
+      </p:grpSpPr>
+      <p:sp>
+        <p:nvSpPr>
+          <p:cNvPr id="2" name="Rectangle 1">
+            <a:extLst>
+              <a:ext uri="{FF2B5EF4-FFF2-40B4-BE49-F238E27FC236}">
+                <a16:creationId xmlns:a16="http://schemas.microsoft.com/office/drawing/2014/main" id="{29228A24-4A1B-41B0-A802-CD51398332B9}"/>
+              </a:ext>
+            </a:extLst>
+          </p:cNvPr>
+          <p:cNvSpPr/>
+          <p:nvPr/>
+        </p:nvSpPr>
+        <p:spPr>
+          <a:xfrm>
+            <a:off x="1976846" y="435429"/>
+            <a:ext cx="8290560" cy="1898468"/>
+          </a:xfrm>
+          <a:prstGeom prst="rect">
+            <a:avLst/>
+          </a:prstGeom>
+          <a:solidFill>
+            <a:srgbClr val="FFFF00"/>
+          </a:solidFill>
+          <a:ln>
+            <a:solidFill>
+              <a:schemeClr val="bg1">
+                <a:lumMod val="85000"/>
+              </a:schemeClr>
+            </a:solidFill>
+          </a:ln>
+          <a:effectLst>
+            <a:outerShdw blurRad="381000" dist="127000" dir="7080000" sx="94000" sy="94000" algn="t" rotWithShape="0">
+              <a:prstClr val="black">
+                <a:alpha val="16000"/>
+              </a:prstClr>
+            </a:outerShdw>
+          </a:effectLst>
+          <a:scene3d>
+            <a:camera prst="perspectiveFront"/>
+            <a:lightRig rig="threePt" dir="t"/>
+          </a:scene3d>
+        </p:spPr>
+        <p:style>
+          <a:lnRef idx="2">
+            <a:schemeClr val="accent1">
+              <a:shade val="50000"/>
+            </a:schemeClr>
+          </a:lnRef>
+          <a:fillRef idx="1">
+            <a:schemeClr val="accent1"/>
+          </a:fillRef>
+          <a:effectRef idx="0">
+            <a:schemeClr val="accent1"/>
+          </a:effectRef>
+          <a:fontRef idx="minor">
+            <a:schemeClr val="lt1"/>
+          </a:fontRef>
+        </p:style>
+        <p:txBody>
+          <a:bodyPr tIns="144000" bIns="90000" rtlCol="0" anchor="ctr"/>
+          <a:lstStyle/>
+          <a:p>
+            <a:pPr algn="ctr" defTabSz="685800"/>
+            <a:r>
+              <a:rPr lang="en-US" sz="3200" dirty="0">
+                <a:solidFill>
+                  <a:schemeClr val="tx1"/>
+                </a:solidFill>
+                <a:latin typeface="Poppins SemiBold" panose="00000700000000000000" pitchFamily="2" charset="0"/>
+                <a:cs typeface="Poppins SemiBold" panose="00000700000000000000" pitchFamily="2" charset="0"/>
+              </a:rPr>
+              <a:t>9. </a:t>
+            </a:r>
+            <a:r>
+              <a:rPr lang="en-US" sz="3200" dirty="0" err="1">
+                <a:solidFill>
+                  <a:prstClr val="black"/>
+                </a:solidFill>
+                <a:latin typeface="Poppins SemiBold" panose="00000700000000000000" pitchFamily="2" charset="0"/>
+                <a:cs typeface="Poppins SemiBold" panose="00000700000000000000" pitchFamily="2" charset="0"/>
+              </a:rPr>
+              <a:t>Pregunta</a:t>
+            </a:r>
+            <a:endParaRPr lang="en-IN" sz="3200" dirty="0">
+              <a:solidFill>
+                <a:schemeClr val="tx1"/>
+              </a:solidFill>
+              <a:latin typeface="Poppins SemiBold" panose="00000700000000000000" pitchFamily="2" charset="0"/>
+              <a:cs typeface="Poppins SemiBold" panose="00000700000000000000" pitchFamily="2" charset="0"/>
+            </a:endParaRPr>
+          </a:p>
+        </p:txBody>
+      </p:sp>
+      <p:sp>
+        <p:nvSpPr>
+          <p:cNvPr id="3" name="Rectangle 2">
+            <a:hlinkClick r:id="rId2" action="ppaction://hlinksldjump">
+              <a:snd r:embed="rId3" name="WrongAnswerSFX.wav"/>
+            </a:hlinkClick>
+            <a:extLst>
+              <a:ext uri="{FF2B5EF4-FFF2-40B4-BE49-F238E27FC236}">
+                <a16:creationId xmlns:a16="http://schemas.microsoft.com/office/drawing/2014/main" id="{93EB3632-12C3-41FB-861E-57B9D53BBF65}"/>
+              </a:ext>
+            </a:extLst>
+          </p:cNvPr>
+          <p:cNvSpPr/>
+          <p:nvPr/>
+        </p:nvSpPr>
+        <p:spPr>
+          <a:xfrm>
+            <a:off x="6296298" y="2612571"/>
+            <a:ext cx="3971108" cy="1236618"/>
+          </a:xfrm>
+          <a:prstGeom prst="rect">
+            <a:avLst/>
+          </a:prstGeom>
+          <a:solidFill>
+            <a:schemeClr val="bg1"/>
+          </a:solidFill>
+          <a:ln>
+            <a:solidFill>
+              <a:schemeClr val="bg1">
+                <a:lumMod val="85000"/>
+              </a:schemeClr>
+            </a:solidFill>
+          </a:ln>
+          <a:effectLst>
+            <a:outerShdw blurRad="381000" dist="127000" dir="7080000" sx="94000" sy="94000" algn="t" rotWithShape="0">
+              <a:prstClr val="black">
+                <a:alpha val="16000"/>
+              </a:prstClr>
+            </a:outerShdw>
+          </a:effectLst>
+          <a:scene3d>
+            <a:camera prst="perspectiveFront"/>
+            <a:lightRig rig="threePt" dir="t"/>
+          </a:scene3d>
+        </p:spPr>
+        <p:style>
+          <a:lnRef idx="2">
+            <a:schemeClr val="accent1">
+              <a:shade val="50000"/>
+            </a:schemeClr>
+          </a:lnRef>
+          <a:fillRef idx="1">
+            <a:schemeClr val="accent1"/>
+          </a:fillRef>
+          <a:effectRef idx="0">
+            <a:schemeClr val="accent1"/>
+          </a:effectRef>
+          <a:fontRef idx="minor">
+            <a:schemeClr val="lt1"/>
+          </a:fontRef>
+        </p:style>
+        <p:txBody>
+          <a:bodyPr tIns="144000" bIns="90000" rtlCol="0" anchor="ctr"/>
+          <a:lstStyle/>
+          <a:p>
+            <a:pPr algn="ctr" defTabSz="685800"/>
+            <a:r>
+              <a:rPr lang="en-US" sz="2000" dirty="0">
+                <a:solidFill>
+                  <a:schemeClr val="tx1"/>
+                </a:solidFill>
+                <a:latin typeface="Poppins SemiBold" panose="00000700000000000000" pitchFamily="2" charset="0"/>
+                <a:cs typeface="Poppins SemiBold" panose="00000700000000000000" pitchFamily="2" charset="0"/>
+              </a:rPr>
+              <a:t>Incorrect Answer</a:t>
+            </a:r>
+            <a:endParaRPr lang="en-IN" sz="2000" dirty="0">
+              <a:solidFill>
+                <a:schemeClr val="tx1"/>
+              </a:solidFill>
+              <a:latin typeface="Poppins SemiBold" panose="00000700000000000000" pitchFamily="2" charset="0"/>
+              <a:cs typeface="Poppins SemiBold" panose="00000700000000000000" pitchFamily="2" charset="0"/>
+            </a:endParaRPr>
+          </a:p>
+        </p:txBody>
+      </p:sp>
+      <p:sp>
+        <p:nvSpPr>
+          <p:cNvPr id="5" name="Rectangle 4">
+            <a:hlinkClick r:id="" action="ppaction://hlinkshowjump?jump=nextslide">
+              <a:snd r:embed="rId4" name="CorrectAnswerSFX.wav"/>
+            </a:hlinkClick>
+            <a:extLst>
+              <a:ext uri="{FF2B5EF4-FFF2-40B4-BE49-F238E27FC236}">
+                <a16:creationId xmlns:a16="http://schemas.microsoft.com/office/drawing/2014/main" id="{11A411AB-3628-4BD3-8F92-E851842AEEC9}"/>
+              </a:ext>
+            </a:extLst>
+          </p:cNvPr>
+          <p:cNvSpPr/>
+          <p:nvPr/>
+        </p:nvSpPr>
+        <p:spPr>
+          <a:xfrm>
+            <a:off x="1976846" y="2612571"/>
+            <a:ext cx="3971108" cy="1236618"/>
+          </a:xfrm>
+          <a:prstGeom prst="rect">
+            <a:avLst/>
+          </a:prstGeom>
+          <a:solidFill>
+            <a:schemeClr val="bg1"/>
+          </a:solidFill>
+          <a:ln>
+            <a:solidFill>
+              <a:schemeClr val="bg1">
+                <a:lumMod val="85000"/>
+              </a:schemeClr>
+            </a:solidFill>
+          </a:ln>
+          <a:effectLst>
+            <a:outerShdw blurRad="381000" dist="127000" dir="7080000" sx="94000" sy="94000" algn="t" rotWithShape="0">
+              <a:prstClr val="black">
+                <a:alpha val="16000"/>
+              </a:prstClr>
+            </a:outerShdw>
+          </a:effectLst>
+          <a:scene3d>
+            <a:camera prst="perspectiveFront"/>
+            <a:lightRig rig="threePt" dir="t"/>
+          </a:scene3d>
+        </p:spPr>
+        <p:style>
+          <a:lnRef idx="2">
+            <a:schemeClr val="accent1">
+              <a:shade val="50000"/>
+            </a:schemeClr>
+          </a:lnRef>
+          <a:fillRef idx="1">
+            <a:schemeClr val="accent1"/>
+          </a:fillRef>
+          <a:effectRef idx="0">
+            <a:schemeClr val="accent1"/>
+          </a:effectRef>
+          <a:fontRef idx="minor">
+            <a:schemeClr val="lt1"/>
+          </a:fontRef>
+        </p:style>
+        <p:txBody>
+          <a:bodyPr tIns="144000" bIns="90000" rtlCol="0" anchor="ctr"/>
+          <a:lstStyle/>
+          <a:p>
+            <a:pPr algn="ctr" defTabSz="685800"/>
+            <a:r>
+              <a:rPr lang="en-US" sz="2000" dirty="0">
+                <a:solidFill>
+                  <a:schemeClr val="tx1"/>
+                </a:solidFill>
+                <a:latin typeface="Poppins SemiBold" panose="00000700000000000000" pitchFamily="2" charset="0"/>
+                <a:cs typeface="Poppins SemiBold" panose="00000700000000000000" pitchFamily="2" charset="0"/>
+              </a:rPr>
+              <a:t>Respuesta </a:t>
+            </a:r>
+            <a:r>
+              <a:rPr lang="en-US" sz="2000" dirty="0" err="1">
+                <a:solidFill>
+                  <a:schemeClr val="tx1"/>
+                </a:solidFill>
+                <a:latin typeface="Poppins SemiBold" panose="00000700000000000000" pitchFamily="2" charset="0"/>
+                <a:cs typeface="Poppins SemiBold" panose="00000700000000000000" pitchFamily="2" charset="0"/>
+              </a:rPr>
+              <a:t>Correcta</a:t>
+            </a:r>
+            <a:endParaRPr lang="en-IN" sz="2000" dirty="0">
+              <a:solidFill>
+                <a:schemeClr val="tx1"/>
+              </a:solidFill>
+              <a:latin typeface="Poppins SemiBold" panose="00000700000000000000" pitchFamily="2" charset="0"/>
+              <a:cs typeface="Poppins SemiBold" panose="00000700000000000000" pitchFamily="2" charset="0"/>
+            </a:endParaRPr>
+          </a:p>
+        </p:txBody>
+      </p:sp>
+    </p:spTree>
+    <p:extLst>
+      <p:ext uri="{BB962C8B-B14F-4D97-AF65-F5344CB8AC3E}">
+        <p14:creationId xmlns:p14="http://schemas.microsoft.com/office/powerpoint/2010/main" val="1295705682"/>
+      </p:ext>
+    </p:extLst>
+  </p:cSld>
+  <p:clrMapOvr>
+    <a:masterClrMapping/>
+  </p:clrMapOvr>
+</p:sld>
+</file>
+
 <file path=ppt/slides/slide2.xml><?xml version="1.0" encoding="utf-8"?>
 <p:sld xmlns:a="http://schemas.openxmlformats.org/drawingml/2006/main" xmlns:r="http://schemas.openxmlformats.org/officeDocument/2006/relationships" xmlns:p="http://schemas.openxmlformats.org/presentationml/2006/main">
   <p:cSld>
@@ -4093,7 +6344,180 @@
 </p:sld>
 </file>
 
-<file path=ppt/slides/slide3.xml><?xml version="1.0" encoding="utf-8"?>
+<file path=ppt/slides/slide20.xml><?xml version="1.0" encoding="utf-8"?>
+<p:sld xmlns:a="http://schemas.openxmlformats.org/drawingml/2006/main" xmlns:r="http://schemas.openxmlformats.org/officeDocument/2006/relationships" xmlns:p="http://schemas.openxmlformats.org/presentationml/2006/main">
+  <p:cSld>
+    <p:bg>
+      <p:bgPr>
+        <a:solidFill>
+          <a:srgbClr val="00B050"/>
+        </a:solidFill>
+        <a:effectLst/>
+      </p:bgPr>
+    </p:bg>
+    <p:spTree>
+      <p:nvGrpSpPr>
+        <p:cNvPr id="1" name=""/>
+        <p:cNvGrpSpPr/>
+        <p:nvPr/>
+      </p:nvGrpSpPr>
+      <p:grpSpPr>
+        <a:xfrm>
+          <a:off x="0" y="0"/>
+          <a:ext cx="0" cy="0"/>
+          <a:chOff x="0" y="0"/>
+          <a:chExt cx="0" cy="0"/>
+        </a:xfrm>
+      </p:grpSpPr>
+      <p:sp>
+        <p:nvSpPr>
+          <p:cNvPr id="2" name="TextBox 1">
+            <a:extLst>
+              <a:ext uri="{FF2B5EF4-FFF2-40B4-BE49-F238E27FC236}">
+                <a16:creationId xmlns:a16="http://schemas.microsoft.com/office/drawing/2014/main" id="{60075EE3-328C-49EE-B897-556D339C339C}"/>
+              </a:ext>
+            </a:extLst>
+          </p:cNvPr>
+          <p:cNvSpPr txBox="1"/>
+          <p:nvPr/>
+        </p:nvSpPr>
+        <p:spPr>
+          <a:xfrm>
+            <a:off x="2083523" y="1549357"/>
+            <a:ext cx="8024954" cy="923330"/>
+          </a:xfrm>
+          <a:prstGeom prst="rect">
+            <a:avLst/>
+          </a:prstGeom>
+          <a:noFill/>
+        </p:spPr>
+        <p:txBody>
+          <a:bodyPr wrap="none" rtlCol="0">
+            <a:spAutoFit/>
+          </a:bodyPr>
+          <a:lstStyle/>
+          <a:p>
+            <a:pPr>
+              <a:defRPr/>
+            </a:pPr>
+            <a:r>
+              <a:rPr lang="en-US" sz="5400" b="1" dirty="0">
+                <a:solidFill>
+                  <a:prstClr val="white"/>
+                </a:solidFill>
+                <a:latin typeface="Poppins"/>
+              </a:rPr>
+              <a:t>RESPUESTA CORRECTA</a:t>
+            </a:r>
+            <a:endParaRPr lang="en-IN" sz="5400" b="1" dirty="0">
+              <a:solidFill>
+                <a:prstClr val="white"/>
+              </a:solidFill>
+              <a:latin typeface="Poppins"/>
+            </a:endParaRPr>
+          </a:p>
+        </p:txBody>
+      </p:sp>
+      <p:sp>
+        <p:nvSpPr>
+          <p:cNvPr id="3" name="Rectangle 2">
+            <a:hlinkClick r:id="" action="ppaction://hlinkshowjump?jump=nextslide"/>
+            <a:extLst>
+              <a:ext uri="{FF2B5EF4-FFF2-40B4-BE49-F238E27FC236}">
+                <a16:creationId xmlns:a16="http://schemas.microsoft.com/office/drawing/2014/main" id="{3E95FE85-01E9-48D9-93B4-B3632117840E}"/>
+              </a:ext>
+            </a:extLst>
+          </p:cNvPr>
+          <p:cNvSpPr/>
+          <p:nvPr/>
+        </p:nvSpPr>
+        <p:spPr>
+          <a:xfrm>
+            <a:off x="4837611" y="3688666"/>
+            <a:ext cx="2516777" cy="696648"/>
+          </a:xfrm>
+          <a:prstGeom prst="rect">
+            <a:avLst/>
+          </a:prstGeom>
+          <a:solidFill>
+            <a:schemeClr val="bg1"/>
+          </a:solidFill>
+          <a:ln>
+            <a:solidFill>
+              <a:schemeClr val="bg1">
+                <a:lumMod val="85000"/>
+              </a:schemeClr>
+            </a:solidFill>
+          </a:ln>
+          <a:effectLst>
+            <a:outerShdw blurRad="381000" dist="127000" dir="7080000" sx="94000" sy="94000" algn="t" rotWithShape="0">
+              <a:prstClr val="black">
+                <a:alpha val="16000"/>
+              </a:prstClr>
+            </a:outerShdw>
+          </a:effectLst>
+          <a:scene3d>
+            <a:camera prst="perspectiveFront"/>
+            <a:lightRig rig="threePt" dir="t"/>
+          </a:scene3d>
+        </p:spPr>
+        <p:style>
+          <a:lnRef idx="2">
+            <a:schemeClr val="accent1">
+              <a:shade val="50000"/>
+            </a:schemeClr>
+          </a:lnRef>
+          <a:fillRef idx="1">
+            <a:schemeClr val="accent1"/>
+          </a:fillRef>
+          <a:effectRef idx="0">
+            <a:schemeClr val="accent1"/>
+          </a:effectRef>
+          <a:fontRef idx="minor">
+            <a:schemeClr val="lt1"/>
+          </a:fontRef>
+        </p:style>
+        <p:txBody>
+          <a:bodyPr tIns="144000" bIns="90000" rtlCol="0" anchor="ctr"/>
+          <a:lstStyle/>
+          <a:p>
+            <a:pPr algn="ctr" defTabSz="685800">
+              <a:defRPr/>
+            </a:pPr>
+            <a:r>
+              <a:rPr lang="en-US" sz="2000" dirty="0" err="1">
+                <a:solidFill>
+                  <a:prstClr val="black"/>
+                </a:solidFill>
+                <a:latin typeface="Poppins SemiBold" panose="00000700000000000000" pitchFamily="2" charset="0"/>
+                <a:cs typeface="Poppins SemiBold" panose="00000700000000000000" pitchFamily="2" charset="0"/>
+              </a:rPr>
+              <a:t>Siguiente</a:t>
+            </a:r>
+            <a:endParaRPr lang="en-IN" sz="2000" dirty="0">
+              <a:solidFill>
+                <a:prstClr val="black"/>
+              </a:solidFill>
+              <a:latin typeface="Poppins SemiBold" panose="00000700000000000000" pitchFamily="2" charset="0"/>
+              <a:cs typeface="Poppins SemiBold" panose="00000700000000000000" pitchFamily="2" charset="0"/>
+            </a:endParaRPr>
+          </a:p>
+        </p:txBody>
+      </p:sp>
+    </p:spTree>
+    <p:extLst>
+      <p:ext uri="{BB962C8B-B14F-4D97-AF65-F5344CB8AC3E}">
+        <p14:creationId xmlns:p14="http://schemas.microsoft.com/office/powerpoint/2010/main" val="3783301417"/>
+      </p:ext>
+    </p:extLst>
+  </p:cSld>
+  <p:clrMapOvr>
+    <a:masterClrMapping/>
+  </p:clrMapOvr>
+</p:sld>
+</file>
+
+<file path=ppt/slides/slide21.xml><?xml version="1.0" encoding="utf-8"?>
 <p:sld xmlns:a="http://schemas.openxmlformats.org/drawingml/2006/main" xmlns:r="http://schemas.openxmlformats.org/officeDocument/2006/relationships" xmlns:p="http://schemas.openxmlformats.org/presentationml/2006/main">
   <p:cSld>
     <p:spTree>
@@ -4181,7 +6605,7 @@
                 <a:latin typeface="Poppins SemiBold" panose="00000700000000000000" pitchFamily="2" charset="0"/>
                 <a:cs typeface="Poppins SemiBold" panose="00000700000000000000" pitchFamily="2" charset="0"/>
               </a:rPr>
-              <a:t>1. </a:t>
+              <a:t>10. </a:t>
             </a:r>
             <a:r>
               <a:rPr lang="en-US" sz="3200" dirty="0" err="1">
@@ -4388,7 +6812,7 @@
     </p:spTree>
     <p:extLst>
       <p:ext uri="{BB962C8B-B14F-4D97-AF65-F5344CB8AC3E}">
-        <p14:creationId xmlns:p14="http://schemas.microsoft.com/office/powerpoint/2010/main" val="1756370675"/>
+        <p14:creationId xmlns:p14="http://schemas.microsoft.com/office/powerpoint/2010/main" val="2791588924"/>
       </p:ext>
     </p:extLst>
   </p:cSld>
@@ -4398,7 +6822,7 @@
 </p:sld>
 </file>
 
-<file path=ppt/slides/slide4.xml><?xml version="1.0" encoding="utf-8"?>
+<file path=ppt/slides/slide22.xml><?xml version="1.0" encoding="utf-8"?>
 <p:sld xmlns:a="http://schemas.openxmlformats.org/drawingml/2006/main" xmlns:r="http://schemas.openxmlformats.org/officeDocument/2006/relationships" xmlns:p="http://schemas.openxmlformats.org/presentationml/2006/main">
   <p:cSld>
     <p:bg>
@@ -4561,7 +6985,5751 @@
     </p:spTree>
     <p:extLst>
       <p:ext uri="{BB962C8B-B14F-4D97-AF65-F5344CB8AC3E}">
+        <p14:creationId xmlns:p14="http://schemas.microsoft.com/office/powerpoint/2010/main" val="3574323823"/>
+      </p:ext>
+    </p:extLst>
+  </p:cSld>
+  <p:clrMapOvr>
+    <a:masterClrMapping/>
+  </p:clrMapOvr>
+</p:sld>
+</file>
+
+<file path=ppt/slides/slide23.xml><?xml version="1.0" encoding="utf-8"?>
+<p:sld xmlns:a="http://schemas.openxmlformats.org/drawingml/2006/main" xmlns:r="http://schemas.openxmlformats.org/officeDocument/2006/relationships" xmlns:p="http://schemas.openxmlformats.org/presentationml/2006/main">
+  <p:cSld>
+    <p:spTree>
+      <p:nvGrpSpPr>
+        <p:cNvPr id="1" name=""/>
+        <p:cNvGrpSpPr/>
+        <p:nvPr/>
+      </p:nvGrpSpPr>
+      <p:grpSpPr>
+        <a:xfrm>
+          <a:off x="0" y="0"/>
+          <a:ext cx="0" cy="0"/>
+          <a:chOff x="0" y="0"/>
+          <a:chExt cx="0" cy="0"/>
+        </a:xfrm>
+      </p:grpSpPr>
+      <p:sp>
+        <p:nvSpPr>
+          <p:cNvPr id="2" name="Rectangle 1">
+            <a:extLst>
+              <a:ext uri="{FF2B5EF4-FFF2-40B4-BE49-F238E27FC236}">
+                <a16:creationId xmlns:a16="http://schemas.microsoft.com/office/drawing/2014/main" id="{29228A24-4A1B-41B0-A802-CD51398332B9}"/>
+              </a:ext>
+            </a:extLst>
+          </p:cNvPr>
+          <p:cNvSpPr/>
+          <p:nvPr/>
+        </p:nvSpPr>
+        <p:spPr>
+          <a:xfrm>
+            <a:off x="1976846" y="435429"/>
+            <a:ext cx="8290560" cy="1898468"/>
+          </a:xfrm>
+          <a:prstGeom prst="rect">
+            <a:avLst/>
+          </a:prstGeom>
+          <a:solidFill>
+            <a:srgbClr val="FFFF00"/>
+          </a:solidFill>
+          <a:ln>
+            <a:solidFill>
+              <a:schemeClr val="bg1">
+                <a:lumMod val="85000"/>
+              </a:schemeClr>
+            </a:solidFill>
+          </a:ln>
+          <a:effectLst>
+            <a:outerShdw blurRad="381000" dist="127000" dir="7080000" sx="94000" sy="94000" algn="t" rotWithShape="0">
+              <a:prstClr val="black">
+                <a:alpha val="16000"/>
+              </a:prstClr>
+            </a:outerShdw>
+          </a:effectLst>
+          <a:scene3d>
+            <a:camera prst="perspectiveFront"/>
+            <a:lightRig rig="threePt" dir="t"/>
+          </a:scene3d>
+        </p:spPr>
+        <p:style>
+          <a:lnRef idx="2">
+            <a:schemeClr val="accent1">
+              <a:shade val="50000"/>
+            </a:schemeClr>
+          </a:lnRef>
+          <a:fillRef idx="1">
+            <a:schemeClr val="accent1"/>
+          </a:fillRef>
+          <a:effectRef idx="0">
+            <a:schemeClr val="accent1"/>
+          </a:effectRef>
+          <a:fontRef idx="minor">
+            <a:schemeClr val="lt1"/>
+          </a:fontRef>
+        </p:style>
+        <p:txBody>
+          <a:bodyPr tIns="144000" bIns="90000" rtlCol="0" anchor="ctr"/>
+          <a:lstStyle/>
+          <a:p>
+            <a:pPr algn="ctr" defTabSz="685800"/>
+            <a:r>
+              <a:rPr lang="en-US" sz="3200" dirty="0">
+                <a:solidFill>
+                  <a:schemeClr val="tx1"/>
+                </a:solidFill>
+                <a:latin typeface="Poppins SemiBold" panose="00000700000000000000" pitchFamily="2" charset="0"/>
+                <a:cs typeface="Poppins SemiBold" panose="00000700000000000000" pitchFamily="2" charset="0"/>
+              </a:rPr>
+              <a:t>11. </a:t>
+            </a:r>
+            <a:r>
+              <a:rPr lang="en-US" sz="3200" dirty="0" err="1">
+                <a:solidFill>
+                  <a:prstClr val="black"/>
+                </a:solidFill>
+                <a:latin typeface="Poppins SemiBold" panose="00000700000000000000" pitchFamily="2" charset="0"/>
+                <a:cs typeface="Poppins SemiBold" panose="00000700000000000000" pitchFamily="2" charset="0"/>
+              </a:rPr>
+              <a:t>Pregunta</a:t>
+            </a:r>
+            <a:endParaRPr lang="en-IN" sz="3200" dirty="0">
+              <a:solidFill>
+                <a:schemeClr val="tx1"/>
+              </a:solidFill>
+              <a:latin typeface="Poppins SemiBold" panose="00000700000000000000" pitchFamily="2" charset="0"/>
+              <a:cs typeface="Poppins SemiBold" panose="00000700000000000000" pitchFamily="2" charset="0"/>
+            </a:endParaRPr>
+          </a:p>
+        </p:txBody>
+      </p:sp>
+      <p:sp>
+        <p:nvSpPr>
+          <p:cNvPr id="3" name="Rectangle 2">
+            <a:hlinkClick r:id="rId2" action="ppaction://hlinksldjump">
+              <a:snd r:embed="rId3" name="WrongAnswerSFX.wav"/>
+            </a:hlinkClick>
+            <a:extLst>
+              <a:ext uri="{FF2B5EF4-FFF2-40B4-BE49-F238E27FC236}">
+                <a16:creationId xmlns:a16="http://schemas.microsoft.com/office/drawing/2014/main" id="{93EB3632-12C3-41FB-861E-57B9D53BBF65}"/>
+              </a:ext>
+            </a:extLst>
+          </p:cNvPr>
+          <p:cNvSpPr/>
+          <p:nvPr/>
+        </p:nvSpPr>
+        <p:spPr>
+          <a:xfrm>
+            <a:off x="6296298" y="2612571"/>
+            <a:ext cx="3971108" cy="1236618"/>
+          </a:xfrm>
+          <a:prstGeom prst="rect">
+            <a:avLst/>
+          </a:prstGeom>
+          <a:solidFill>
+            <a:schemeClr val="bg1"/>
+          </a:solidFill>
+          <a:ln>
+            <a:solidFill>
+              <a:schemeClr val="bg1">
+                <a:lumMod val="85000"/>
+              </a:schemeClr>
+            </a:solidFill>
+          </a:ln>
+          <a:effectLst>
+            <a:outerShdw blurRad="381000" dist="127000" dir="7080000" sx="94000" sy="94000" algn="t" rotWithShape="0">
+              <a:prstClr val="black">
+                <a:alpha val="16000"/>
+              </a:prstClr>
+            </a:outerShdw>
+          </a:effectLst>
+          <a:scene3d>
+            <a:camera prst="perspectiveFront"/>
+            <a:lightRig rig="threePt" dir="t"/>
+          </a:scene3d>
+        </p:spPr>
+        <p:style>
+          <a:lnRef idx="2">
+            <a:schemeClr val="accent1">
+              <a:shade val="50000"/>
+            </a:schemeClr>
+          </a:lnRef>
+          <a:fillRef idx="1">
+            <a:schemeClr val="accent1"/>
+          </a:fillRef>
+          <a:effectRef idx="0">
+            <a:schemeClr val="accent1"/>
+          </a:effectRef>
+          <a:fontRef idx="minor">
+            <a:schemeClr val="lt1"/>
+          </a:fontRef>
+        </p:style>
+        <p:txBody>
+          <a:bodyPr tIns="144000" bIns="90000" rtlCol="0" anchor="ctr"/>
+          <a:lstStyle/>
+          <a:p>
+            <a:pPr algn="ctr" defTabSz="685800"/>
+            <a:r>
+              <a:rPr lang="en-US" sz="2000" dirty="0">
+                <a:solidFill>
+                  <a:schemeClr val="tx1"/>
+                </a:solidFill>
+                <a:latin typeface="Poppins SemiBold" panose="00000700000000000000" pitchFamily="2" charset="0"/>
+                <a:cs typeface="Poppins SemiBold" panose="00000700000000000000" pitchFamily="2" charset="0"/>
+              </a:rPr>
+              <a:t>Incorrect Answer</a:t>
+            </a:r>
+            <a:endParaRPr lang="en-IN" sz="2000" dirty="0">
+              <a:solidFill>
+                <a:schemeClr val="tx1"/>
+              </a:solidFill>
+              <a:latin typeface="Poppins SemiBold" panose="00000700000000000000" pitchFamily="2" charset="0"/>
+              <a:cs typeface="Poppins SemiBold" panose="00000700000000000000" pitchFamily="2" charset="0"/>
+            </a:endParaRPr>
+          </a:p>
+        </p:txBody>
+      </p:sp>
+      <p:sp>
+        <p:nvSpPr>
+          <p:cNvPr id="5" name="Rectangle 4">
+            <a:hlinkClick r:id="" action="ppaction://hlinkshowjump?jump=nextslide">
+              <a:snd r:embed="rId4" name="CorrectAnswerSFX.wav"/>
+            </a:hlinkClick>
+            <a:extLst>
+              <a:ext uri="{FF2B5EF4-FFF2-40B4-BE49-F238E27FC236}">
+                <a16:creationId xmlns:a16="http://schemas.microsoft.com/office/drawing/2014/main" id="{11A411AB-3628-4BD3-8F92-E851842AEEC9}"/>
+              </a:ext>
+            </a:extLst>
+          </p:cNvPr>
+          <p:cNvSpPr/>
+          <p:nvPr/>
+        </p:nvSpPr>
+        <p:spPr>
+          <a:xfrm>
+            <a:off x="1976846" y="2612571"/>
+            <a:ext cx="3971108" cy="1236618"/>
+          </a:xfrm>
+          <a:prstGeom prst="rect">
+            <a:avLst/>
+          </a:prstGeom>
+          <a:solidFill>
+            <a:schemeClr val="bg1"/>
+          </a:solidFill>
+          <a:ln>
+            <a:solidFill>
+              <a:schemeClr val="bg1">
+                <a:lumMod val="85000"/>
+              </a:schemeClr>
+            </a:solidFill>
+          </a:ln>
+          <a:effectLst>
+            <a:outerShdw blurRad="381000" dist="127000" dir="7080000" sx="94000" sy="94000" algn="t" rotWithShape="0">
+              <a:prstClr val="black">
+                <a:alpha val="16000"/>
+              </a:prstClr>
+            </a:outerShdw>
+          </a:effectLst>
+          <a:scene3d>
+            <a:camera prst="perspectiveFront"/>
+            <a:lightRig rig="threePt" dir="t"/>
+          </a:scene3d>
+        </p:spPr>
+        <p:style>
+          <a:lnRef idx="2">
+            <a:schemeClr val="accent1">
+              <a:shade val="50000"/>
+            </a:schemeClr>
+          </a:lnRef>
+          <a:fillRef idx="1">
+            <a:schemeClr val="accent1"/>
+          </a:fillRef>
+          <a:effectRef idx="0">
+            <a:schemeClr val="accent1"/>
+          </a:effectRef>
+          <a:fontRef idx="minor">
+            <a:schemeClr val="lt1"/>
+          </a:fontRef>
+        </p:style>
+        <p:txBody>
+          <a:bodyPr tIns="144000" bIns="90000" rtlCol="0" anchor="ctr"/>
+          <a:lstStyle/>
+          <a:p>
+            <a:pPr algn="ctr" defTabSz="685800"/>
+            <a:r>
+              <a:rPr lang="en-US" sz="2000" dirty="0">
+                <a:solidFill>
+                  <a:schemeClr val="tx1"/>
+                </a:solidFill>
+                <a:latin typeface="Poppins SemiBold" panose="00000700000000000000" pitchFamily="2" charset="0"/>
+                <a:cs typeface="Poppins SemiBold" panose="00000700000000000000" pitchFamily="2" charset="0"/>
+              </a:rPr>
+              <a:t>Respuesta </a:t>
+            </a:r>
+            <a:r>
+              <a:rPr lang="en-US" sz="2000" dirty="0" err="1">
+                <a:solidFill>
+                  <a:schemeClr val="tx1"/>
+                </a:solidFill>
+                <a:latin typeface="Poppins SemiBold" panose="00000700000000000000" pitchFamily="2" charset="0"/>
+                <a:cs typeface="Poppins SemiBold" panose="00000700000000000000" pitchFamily="2" charset="0"/>
+              </a:rPr>
+              <a:t>Correcta</a:t>
+            </a:r>
+            <a:endParaRPr lang="en-IN" sz="2000" dirty="0">
+              <a:solidFill>
+                <a:schemeClr val="tx1"/>
+              </a:solidFill>
+              <a:latin typeface="Poppins SemiBold" panose="00000700000000000000" pitchFamily="2" charset="0"/>
+              <a:cs typeface="Poppins SemiBold" panose="00000700000000000000" pitchFamily="2" charset="0"/>
+            </a:endParaRPr>
+          </a:p>
+        </p:txBody>
+      </p:sp>
+    </p:spTree>
+    <p:extLst>
+      <p:ext uri="{BB962C8B-B14F-4D97-AF65-F5344CB8AC3E}">
+        <p14:creationId xmlns:p14="http://schemas.microsoft.com/office/powerpoint/2010/main" val="4270741589"/>
+      </p:ext>
+    </p:extLst>
+  </p:cSld>
+  <p:clrMapOvr>
+    <a:masterClrMapping/>
+  </p:clrMapOvr>
+</p:sld>
+</file>
+
+<file path=ppt/slides/slide24.xml><?xml version="1.0" encoding="utf-8"?>
+<p:sld xmlns:a="http://schemas.openxmlformats.org/drawingml/2006/main" xmlns:r="http://schemas.openxmlformats.org/officeDocument/2006/relationships" xmlns:p="http://schemas.openxmlformats.org/presentationml/2006/main">
+  <p:cSld>
+    <p:bg>
+      <p:bgPr>
+        <a:solidFill>
+          <a:srgbClr val="00B050"/>
+        </a:solidFill>
+        <a:effectLst/>
+      </p:bgPr>
+    </p:bg>
+    <p:spTree>
+      <p:nvGrpSpPr>
+        <p:cNvPr id="1" name=""/>
+        <p:cNvGrpSpPr/>
+        <p:nvPr/>
+      </p:nvGrpSpPr>
+      <p:grpSpPr>
+        <a:xfrm>
+          <a:off x="0" y="0"/>
+          <a:ext cx="0" cy="0"/>
+          <a:chOff x="0" y="0"/>
+          <a:chExt cx="0" cy="0"/>
+        </a:xfrm>
+      </p:grpSpPr>
+      <p:sp>
+        <p:nvSpPr>
+          <p:cNvPr id="2" name="TextBox 1">
+            <a:extLst>
+              <a:ext uri="{FF2B5EF4-FFF2-40B4-BE49-F238E27FC236}">
+                <a16:creationId xmlns:a16="http://schemas.microsoft.com/office/drawing/2014/main" id="{60075EE3-328C-49EE-B897-556D339C339C}"/>
+              </a:ext>
+            </a:extLst>
+          </p:cNvPr>
+          <p:cNvSpPr txBox="1"/>
+          <p:nvPr/>
+        </p:nvSpPr>
+        <p:spPr>
+          <a:xfrm>
+            <a:off x="2083523" y="1549357"/>
+            <a:ext cx="8024954" cy="923330"/>
+          </a:xfrm>
+          <a:prstGeom prst="rect">
+            <a:avLst/>
+          </a:prstGeom>
+          <a:noFill/>
+        </p:spPr>
+        <p:txBody>
+          <a:bodyPr wrap="none" rtlCol="0">
+            <a:spAutoFit/>
+          </a:bodyPr>
+          <a:lstStyle/>
+          <a:p>
+            <a:pPr>
+              <a:defRPr/>
+            </a:pPr>
+            <a:r>
+              <a:rPr lang="en-US" sz="5400" b="1" dirty="0">
+                <a:solidFill>
+                  <a:prstClr val="white"/>
+                </a:solidFill>
+                <a:latin typeface="Poppins"/>
+              </a:rPr>
+              <a:t>RESPUESTA CORRECTA</a:t>
+            </a:r>
+            <a:endParaRPr lang="en-IN" sz="5400" b="1" dirty="0">
+              <a:solidFill>
+                <a:prstClr val="white"/>
+              </a:solidFill>
+              <a:latin typeface="Poppins"/>
+            </a:endParaRPr>
+          </a:p>
+        </p:txBody>
+      </p:sp>
+      <p:sp>
+        <p:nvSpPr>
+          <p:cNvPr id="3" name="Rectangle 2">
+            <a:hlinkClick r:id="" action="ppaction://hlinkshowjump?jump=nextslide"/>
+            <a:extLst>
+              <a:ext uri="{FF2B5EF4-FFF2-40B4-BE49-F238E27FC236}">
+                <a16:creationId xmlns:a16="http://schemas.microsoft.com/office/drawing/2014/main" id="{3E95FE85-01E9-48D9-93B4-B3632117840E}"/>
+              </a:ext>
+            </a:extLst>
+          </p:cNvPr>
+          <p:cNvSpPr/>
+          <p:nvPr/>
+        </p:nvSpPr>
+        <p:spPr>
+          <a:xfrm>
+            <a:off x="4837611" y="3688666"/>
+            <a:ext cx="2516777" cy="696648"/>
+          </a:xfrm>
+          <a:prstGeom prst="rect">
+            <a:avLst/>
+          </a:prstGeom>
+          <a:solidFill>
+            <a:schemeClr val="bg1"/>
+          </a:solidFill>
+          <a:ln>
+            <a:solidFill>
+              <a:schemeClr val="bg1">
+                <a:lumMod val="85000"/>
+              </a:schemeClr>
+            </a:solidFill>
+          </a:ln>
+          <a:effectLst>
+            <a:outerShdw blurRad="381000" dist="127000" dir="7080000" sx="94000" sy="94000" algn="t" rotWithShape="0">
+              <a:prstClr val="black">
+                <a:alpha val="16000"/>
+              </a:prstClr>
+            </a:outerShdw>
+          </a:effectLst>
+          <a:scene3d>
+            <a:camera prst="perspectiveFront"/>
+            <a:lightRig rig="threePt" dir="t"/>
+          </a:scene3d>
+        </p:spPr>
+        <p:style>
+          <a:lnRef idx="2">
+            <a:schemeClr val="accent1">
+              <a:shade val="50000"/>
+            </a:schemeClr>
+          </a:lnRef>
+          <a:fillRef idx="1">
+            <a:schemeClr val="accent1"/>
+          </a:fillRef>
+          <a:effectRef idx="0">
+            <a:schemeClr val="accent1"/>
+          </a:effectRef>
+          <a:fontRef idx="minor">
+            <a:schemeClr val="lt1"/>
+          </a:fontRef>
+        </p:style>
+        <p:txBody>
+          <a:bodyPr tIns="144000" bIns="90000" rtlCol="0" anchor="ctr"/>
+          <a:lstStyle/>
+          <a:p>
+            <a:pPr algn="ctr" defTabSz="685800">
+              <a:defRPr/>
+            </a:pPr>
+            <a:r>
+              <a:rPr lang="en-US" sz="2000" dirty="0" err="1">
+                <a:solidFill>
+                  <a:prstClr val="black"/>
+                </a:solidFill>
+                <a:latin typeface="Poppins SemiBold" panose="00000700000000000000" pitchFamily="2" charset="0"/>
+                <a:cs typeface="Poppins SemiBold" panose="00000700000000000000" pitchFamily="2" charset="0"/>
+              </a:rPr>
+              <a:t>Siguiente</a:t>
+            </a:r>
+            <a:endParaRPr lang="en-IN" sz="2000" dirty="0">
+              <a:solidFill>
+                <a:prstClr val="black"/>
+              </a:solidFill>
+              <a:latin typeface="Poppins SemiBold" panose="00000700000000000000" pitchFamily="2" charset="0"/>
+              <a:cs typeface="Poppins SemiBold" panose="00000700000000000000" pitchFamily="2" charset="0"/>
+            </a:endParaRPr>
+          </a:p>
+        </p:txBody>
+      </p:sp>
+    </p:spTree>
+    <p:extLst>
+      <p:ext uri="{BB962C8B-B14F-4D97-AF65-F5344CB8AC3E}">
+        <p14:creationId xmlns:p14="http://schemas.microsoft.com/office/powerpoint/2010/main" val="2178247130"/>
+      </p:ext>
+    </p:extLst>
+  </p:cSld>
+  <p:clrMapOvr>
+    <a:masterClrMapping/>
+  </p:clrMapOvr>
+</p:sld>
+</file>
+
+<file path=ppt/slides/slide25.xml><?xml version="1.0" encoding="utf-8"?>
+<p:sld xmlns:a="http://schemas.openxmlformats.org/drawingml/2006/main" xmlns:r="http://schemas.openxmlformats.org/officeDocument/2006/relationships" xmlns:p="http://schemas.openxmlformats.org/presentationml/2006/main">
+  <p:cSld>
+    <p:spTree>
+      <p:nvGrpSpPr>
+        <p:cNvPr id="1" name=""/>
+        <p:cNvGrpSpPr/>
+        <p:nvPr/>
+      </p:nvGrpSpPr>
+      <p:grpSpPr>
+        <a:xfrm>
+          <a:off x="0" y="0"/>
+          <a:ext cx="0" cy="0"/>
+          <a:chOff x="0" y="0"/>
+          <a:chExt cx="0" cy="0"/>
+        </a:xfrm>
+      </p:grpSpPr>
+      <p:sp>
+        <p:nvSpPr>
+          <p:cNvPr id="2" name="Rectangle 1">
+            <a:extLst>
+              <a:ext uri="{FF2B5EF4-FFF2-40B4-BE49-F238E27FC236}">
+                <a16:creationId xmlns:a16="http://schemas.microsoft.com/office/drawing/2014/main" id="{29228A24-4A1B-41B0-A802-CD51398332B9}"/>
+              </a:ext>
+            </a:extLst>
+          </p:cNvPr>
+          <p:cNvSpPr/>
+          <p:nvPr/>
+        </p:nvSpPr>
+        <p:spPr>
+          <a:xfrm>
+            <a:off x="1976846" y="435429"/>
+            <a:ext cx="8290560" cy="1898468"/>
+          </a:xfrm>
+          <a:prstGeom prst="rect">
+            <a:avLst/>
+          </a:prstGeom>
+          <a:solidFill>
+            <a:srgbClr val="FFFF00"/>
+          </a:solidFill>
+          <a:ln>
+            <a:solidFill>
+              <a:schemeClr val="bg1">
+                <a:lumMod val="85000"/>
+              </a:schemeClr>
+            </a:solidFill>
+          </a:ln>
+          <a:effectLst>
+            <a:outerShdw blurRad="381000" dist="127000" dir="7080000" sx="94000" sy="94000" algn="t" rotWithShape="0">
+              <a:prstClr val="black">
+                <a:alpha val="16000"/>
+              </a:prstClr>
+            </a:outerShdw>
+          </a:effectLst>
+          <a:scene3d>
+            <a:camera prst="perspectiveFront"/>
+            <a:lightRig rig="threePt" dir="t"/>
+          </a:scene3d>
+        </p:spPr>
+        <p:style>
+          <a:lnRef idx="2">
+            <a:schemeClr val="accent1">
+              <a:shade val="50000"/>
+            </a:schemeClr>
+          </a:lnRef>
+          <a:fillRef idx="1">
+            <a:schemeClr val="accent1"/>
+          </a:fillRef>
+          <a:effectRef idx="0">
+            <a:schemeClr val="accent1"/>
+          </a:effectRef>
+          <a:fontRef idx="minor">
+            <a:schemeClr val="lt1"/>
+          </a:fontRef>
+        </p:style>
+        <p:txBody>
+          <a:bodyPr tIns="144000" bIns="90000" rtlCol="0" anchor="ctr"/>
+          <a:lstStyle/>
+          <a:p>
+            <a:pPr algn="ctr" defTabSz="685800">
+              <a:defRPr/>
+            </a:pPr>
+            <a:r>
+              <a:rPr lang="en-US" sz="3200" dirty="0">
+                <a:solidFill>
+                  <a:prstClr val="black"/>
+                </a:solidFill>
+                <a:latin typeface="Poppins SemiBold" panose="00000700000000000000" pitchFamily="2" charset="0"/>
+                <a:cs typeface="Poppins SemiBold" panose="00000700000000000000" pitchFamily="2" charset="0"/>
+              </a:rPr>
+              <a:t>12. </a:t>
+            </a:r>
+            <a:r>
+              <a:rPr lang="en-US" sz="3200" dirty="0" err="1">
+                <a:solidFill>
+                  <a:prstClr val="black"/>
+                </a:solidFill>
+                <a:latin typeface="Poppins SemiBold" panose="00000700000000000000" pitchFamily="2" charset="0"/>
+                <a:cs typeface="Poppins SemiBold" panose="00000700000000000000" pitchFamily="2" charset="0"/>
+              </a:rPr>
+              <a:t>Pregunta</a:t>
+            </a:r>
+            <a:endParaRPr lang="en-IN" sz="3200" dirty="0">
+              <a:solidFill>
+                <a:prstClr val="black"/>
+              </a:solidFill>
+              <a:latin typeface="Poppins SemiBold" panose="00000700000000000000" pitchFamily="2" charset="0"/>
+              <a:cs typeface="Poppins SemiBold" panose="00000700000000000000" pitchFamily="2" charset="0"/>
+            </a:endParaRPr>
+          </a:p>
+        </p:txBody>
+      </p:sp>
+      <p:sp>
+        <p:nvSpPr>
+          <p:cNvPr id="3" name="Rectangle 2">
+            <a:hlinkClick r:id="rId2" action="ppaction://hlinksldjump">
+              <a:snd r:embed="rId3" name="WrongAnswerSFX.wav"/>
+            </a:hlinkClick>
+            <a:extLst>
+              <a:ext uri="{FF2B5EF4-FFF2-40B4-BE49-F238E27FC236}">
+                <a16:creationId xmlns:a16="http://schemas.microsoft.com/office/drawing/2014/main" id="{93EB3632-12C3-41FB-861E-57B9D53BBF65}"/>
+              </a:ext>
+            </a:extLst>
+          </p:cNvPr>
+          <p:cNvSpPr/>
+          <p:nvPr/>
+        </p:nvSpPr>
+        <p:spPr>
+          <a:xfrm>
+            <a:off x="1976846" y="2612571"/>
+            <a:ext cx="3971108" cy="1236618"/>
+          </a:xfrm>
+          <a:prstGeom prst="rect">
+            <a:avLst/>
+          </a:prstGeom>
+          <a:solidFill>
+            <a:schemeClr val="bg1"/>
+          </a:solidFill>
+          <a:ln>
+            <a:solidFill>
+              <a:schemeClr val="bg1">
+                <a:lumMod val="85000"/>
+              </a:schemeClr>
+            </a:solidFill>
+          </a:ln>
+          <a:effectLst>
+            <a:outerShdw blurRad="381000" dist="127000" dir="7080000" sx="94000" sy="94000" algn="t" rotWithShape="0">
+              <a:prstClr val="black">
+                <a:alpha val="16000"/>
+              </a:prstClr>
+            </a:outerShdw>
+          </a:effectLst>
+          <a:scene3d>
+            <a:camera prst="perspectiveFront"/>
+            <a:lightRig rig="threePt" dir="t"/>
+          </a:scene3d>
+        </p:spPr>
+        <p:style>
+          <a:lnRef idx="2">
+            <a:schemeClr val="accent1">
+              <a:shade val="50000"/>
+            </a:schemeClr>
+          </a:lnRef>
+          <a:fillRef idx="1">
+            <a:schemeClr val="accent1"/>
+          </a:fillRef>
+          <a:effectRef idx="0">
+            <a:schemeClr val="accent1"/>
+          </a:effectRef>
+          <a:fontRef idx="minor">
+            <a:schemeClr val="lt1"/>
+          </a:fontRef>
+        </p:style>
+        <p:txBody>
+          <a:bodyPr tIns="144000" bIns="90000" rtlCol="0" anchor="ctr"/>
+          <a:lstStyle/>
+          <a:p>
+            <a:pPr algn="ctr" defTabSz="685800">
+              <a:defRPr/>
+            </a:pPr>
+            <a:r>
+              <a:rPr lang="en-US" sz="2000" dirty="0">
+                <a:solidFill>
+                  <a:prstClr val="black"/>
+                </a:solidFill>
+                <a:latin typeface="Poppins SemiBold" panose="00000700000000000000" pitchFamily="2" charset="0"/>
+                <a:cs typeface="Poppins SemiBold" panose="00000700000000000000" pitchFamily="2" charset="0"/>
+              </a:rPr>
+              <a:t>Incorrect Answer</a:t>
+            </a:r>
+            <a:endParaRPr lang="en-IN" sz="2000" dirty="0">
+              <a:solidFill>
+                <a:prstClr val="black"/>
+              </a:solidFill>
+              <a:latin typeface="Poppins SemiBold" panose="00000700000000000000" pitchFamily="2" charset="0"/>
+              <a:cs typeface="Poppins SemiBold" panose="00000700000000000000" pitchFamily="2" charset="0"/>
+            </a:endParaRPr>
+          </a:p>
+        </p:txBody>
+      </p:sp>
+      <p:sp>
+        <p:nvSpPr>
+          <p:cNvPr id="5" name="Rectangle 4">
+            <a:hlinkClick r:id="" action="ppaction://hlinkshowjump?jump=nextslide">
+              <a:snd r:embed="rId4" name="CorrectAnswerSFX.wav"/>
+            </a:hlinkClick>
+            <a:extLst>
+              <a:ext uri="{FF2B5EF4-FFF2-40B4-BE49-F238E27FC236}">
+                <a16:creationId xmlns:a16="http://schemas.microsoft.com/office/drawing/2014/main" id="{11A411AB-3628-4BD3-8F92-E851842AEEC9}"/>
+              </a:ext>
+            </a:extLst>
+          </p:cNvPr>
+          <p:cNvSpPr/>
+          <p:nvPr/>
+        </p:nvSpPr>
+        <p:spPr>
+          <a:xfrm>
+            <a:off x="6296298" y="2612571"/>
+            <a:ext cx="3971108" cy="1236618"/>
+          </a:xfrm>
+          <a:prstGeom prst="rect">
+            <a:avLst/>
+          </a:prstGeom>
+          <a:solidFill>
+            <a:schemeClr val="bg1"/>
+          </a:solidFill>
+          <a:ln>
+            <a:solidFill>
+              <a:schemeClr val="bg1">
+                <a:lumMod val="85000"/>
+              </a:schemeClr>
+            </a:solidFill>
+          </a:ln>
+          <a:effectLst>
+            <a:outerShdw blurRad="381000" dist="127000" dir="7080000" sx="94000" sy="94000" algn="t" rotWithShape="0">
+              <a:prstClr val="black">
+                <a:alpha val="16000"/>
+              </a:prstClr>
+            </a:outerShdw>
+          </a:effectLst>
+          <a:scene3d>
+            <a:camera prst="perspectiveFront"/>
+            <a:lightRig rig="threePt" dir="t"/>
+          </a:scene3d>
+        </p:spPr>
+        <p:style>
+          <a:lnRef idx="2">
+            <a:schemeClr val="accent1">
+              <a:shade val="50000"/>
+            </a:schemeClr>
+          </a:lnRef>
+          <a:fillRef idx="1">
+            <a:schemeClr val="accent1"/>
+          </a:fillRef>
+          <a:effectRef idx="0">
+            <a:schemeClr val="accent1"/>
+          </a:effectRef>
+          <a:fontRef idx="minor">
+            <a:schemeClr val="lt1"/>
+          </a:fontRef>
+        </p:style>
+        <p:txBody>
+          <a:bodyPr tIns="144000" bIns="90000" rtlCol="0" anchor="ctr"/>
+          <a:lstStyle/>
+          <a:p>
+            <a:pPr algn="ctr" defTabSz="685800"/>
+            <a:r>
+              <a:rPr lang="en-US" sz="2000" dirty="0">
+                <a:solidFill>
+                  <a:schemeClr val="tx1"/>
+                </a:solidFill>
+                <a:latin typeface="Poppins SemiBold" panose="00000700000000000000" pitchFamily="2" charset="0"/>
+                <a:cs typeface="Poppins SemiBold" panose="00000700000000000000" pitchFamily="2" charset="0"/>
+              </a:rPr>
+              <a:t>Respuesta </a:t>
+            </a:r>
+            <a:r>
+              <a:rPr lang="en-US" sz="2000" dirty="0" err="1">
+                <a:solidFill>
+                  <a:schemeClr val="tx1"/>
+                </a:solidFill>
+                <a:latin typeface="Poppins SemiBold" panose="00000700000000000000" pitchFamily="2" charset="0"/>
+                <a:cs typeface="Poppins SemiBold" panose="00000700000000000000" pitchFamily="2" charset="0"/>
+              </a:rPr>
+              <a:t>Correcta</a:t>
+            </a:r>
+            <a:endParaRPr lang="en-IN" sz="2000" dirty="0">
+              <a:solidFill>
+                <a:schemeClr val="tx1"/>
+              </a:solidFill>
+              <a:latin typeface="Poppins SemiBold" panose="00000700000000000000" pitchFamily="2" charset="0"/>
+              <a:cs typeface="Poppins SemiBold" panose="00000700000000000000" pitchFamily="2" charset="0"/>
+            </a:endParaRPr>
+          </a:p>
+        </p:txBody>
+      </p:sp>
+    </p:spTree>
+    <p:extLst>
+      <p:ext uri="{BB962C8B-B14F-4D97-AF65-F5344CB8AC3E}">
+        <p14:creationId xmlns:p14="http://schemas.microsoft.com/office/powerpoint/2010/main" val="1735799852"/>
+      </p:ext>
+    </p:extLst>
+  </p:cSld>
+  <p:clrMapOvr>
+    <a:masterClrMapping/>
+  </p:clrMapOvr>
+</p:sld>
+</file>
+
+<file path=ppt/slides/slide26.xml><?xml version="1.0" encoding="utf-8"?>
+<p:sld xmlns:a="http://schemas.openxmlformats.org/drawingml/2006/main" xmlns:r="http://schemas.openxmlformats.org/officeDocument/2006/relationships" xmlns:p="http://schemas.openxmlformats.org/presentationml/2006/main">
+  <p:cSld>
+    <p:bg>
+      <p:bgPr>
+        <a:solidFill>
+          <a:srgbClr val="00B050"/>
+        </a:solidFill>
+        <a:effectLst/>
+      </p:bgPr>
+    </p:bg>
+    <p:spTree>
+      <p:nvGrpSpPr>
+        <p:cNvPr id="1" name=""/>
+        <p:cNvGrpSpPr/>
+        <p:nvPr/>
+      </p:nvGrpSpPr>
+      <p:grpSpPr>
+        <a:xfrm>
+          <a:off x="0" y="0"/>
+          <a:ext cx="0" cy="0"/>
+          <a:chOff x="0" y="0"/>
+          <a:chExt cx="0" cy="0"/>
+        </a:xfrm>
+      </p:grpSpPr>
+      <p:sp>
+        <p:nvSpPr>
+          <p:cNvPr id="2" name="TextBox 1">
+            <a:extLst>
+              <a:ext uri="{FF2B5EF4-FFF2-40B4-BE49-F238E27FC236}">
+                <a16:creationId xmlns:a16="http://schemas.microsoft.com/office/drawing/2014/main" id="{60075EE3-328C-49EE-B897-556D339C339C}"/>
+              </a:ext>
+            </a:extLst>
+          </p:cNvPr>
+          <p:cNvSpPr txBox="1"/>
+          <p:nvPr/>
+        </p:nvSpPr>
+        <p:spPr>
+          <a:xfrm>
+            <a:off x="2083523" y="1549357"/>
+            <a:ext cx="8024954" cy="923330"/>
+          </a:xfrm>
+          <a:prstGeom prst="rect">
+            <a:avLst/>
+          </a:prstGeom>
+          <a:noFill/>
+        </p:spPr>
+        <p:txBody>
+          <a:bodyPr wrap="none" rtlCol="0">
+            <a:spAutoFit/>
+          </a:bodyPr>
+          <a:lstStyle/>
+          <a:p>
+            <a:pPr>
+              <a:defRPr/>
+            </a:pPr>
+            <a:r>
+              <a:rPr lang="en-US" sz="5400" b="1" dirty="0">
+                <a:solidFill>
+                  <a:prstClr val="white"/>
+                </a:solidFill>
+                <a:latin typeface="Poppins"/>
+              </a:rPr>
+              <a:t>RESPUESTA CORRECTA</a:t>
+            </a:r>
+            <a:endParaRPr lang="en-IN" sz="5400" b="1" dirty="0">
+              <a:solidFill>
+                <a:prstClr val="white"/>
+              </a:solidFill>
+              <a:latin typeface="Poppins"/>
+            </a:endParaRPr>
+          </a:p>
+        </p:txBody>
+      </p:sp>
+      <p:sp>
+        <p:nvSpPr>
+          <p:cNvPr id="3" name="Rectangle 2">
+            <a:hlinkClick r:id="" action="ppaction://hlinkshowjump?jump=nextslide"/>
+            <a:extLst>
+              <a:ext uri="{FF2B5EF4-FFF2-40B4-BE49-F238E27FC236}">
+                <a16:creationId xmlns:a16="http://schemas.microsoft.com/office/drawing/2014/main" id="{3E95FE85-01E9-48D9-93B4-B3632117840E}"/>
+              </a:ext>
+            </a:extLst>
+          </p:cNvPr>
+          <p:cNvSpPr/>
+          <p:nvPr/>
+        </p:nvSpPr>
+        <p:spPr>
+          <a:xfrm>
+            <a:off x="4837611" y="3688666"/>
+            <a:ext cx="2516777" cy="696648"/>
+          </a:xfrm>
+          <a:prstGeom prst="rect">
+            <a:avLst/>
+          </a:prstGeom>
+          <a:solidFill>
+            <a:schemeClr val="bg1"/>
+          </a:solidFill>
+          <a:ln>
+            <a:solidFill>
+              <a:schemeClr val="bg1">
+                <a:lumMod val="85000"/>
+              </a:schemeClr>
+            </a:solidFill>
+          </a:ln>
+          <a:effectLst>
+            <a:outerShdw blurRad="381000" dist="127000" dir="7080000" sx="94000" sy="94000" algn="t" rotWithShape="0">
+              <a:prstClr val="black">
+                <a:alpha val="16000"/>
+              </a:prstClr>
+            </a:outerShdw>
+          </a:effectLst>
+          <a:scene3d>
+            <a:camera prst="perspectiveFront"/>
+            <a:lightRig rig="threePt" dir="t"/>
+          </a:scene3d>
+        </p:spPr>
+        <p:style>
+          <a:lnRef idx="2">
+            <a:schemeClr val="accent1">
+              <a:shade val="50000"/>
+            </a:schemeClr>
+          </a:lnRef>
+          <a:fillRef idx="1">
+            <a:schemeClr val="accent1"/>
+          </a:fillRef>
+          <a:effectRef idx="0">
+            <a:schemeClr val="accent1"/>
+          </a:effectRef>
+          <a:fontRef idx="minor">
+            <a:schemeClr val="lt1"/>
+          </a:fontRef>
+        </p:style>
+        <p:txBody>
+          <a:bodyPr tIns="144000" bIns="90000" rtlCol="0" anchor="ctr"/>
+          <a:lstStyle/>
+          <a:p>
+            <a:pPr algn="ctr" defTabSz="685800">
+              <a:defRPr/>
+            </a:pPr>
+            <a:r>
+              <a:rPr lang="en-US" sz="2000" dirty="0" err="1">
+                <a:solidFill>
+                  <a:prstClr val="black"/>
+                </a:solidFill>
+                <a:latin typeface="Poppins SemiBold" panose="00000700000000000000" pitchFamily="2" charset="0"/>
+                <a:cs typeface="Poppins SemiBold" panose="00000700000000000000" pitchFamily="2" charset="0"/>
+              </a:rPr>
+              <a:t>Siguiente</a:t>
+            </a:r>
+            <a:endParaRPr lang="en-IN" sz="2000" dirty="0">
+              <a:solidFill>
+                <a:prstClr val="black"/>
+              </a:solidFill>
+              <a:latin typeface="Poppins SemiBold" panose="00000700000000000000" pitchFamily="2" charset="0"/>
+              <a:cs typeface="Poppins SemiBold" panose="00000700000000000000" pitchFamily="2" charset="0"/>
+            </a:endParaRPr>
+          </a:p>
+        </p:txBody>
+      </p:sp>
+    </p:spTree>
+    <p:extLst>
+      <p:ext uri="{BB962C8B-B14F-4D97-AF65-F5344CB8AC3E}">
+        <p14:creationId xmlns:p14="http://schemas.microsoft.com/office/powerpoint/2010/main" val="2045854643"/>
+      </p:ext>
+    </p:extLst>
+  </p:cSld>
+  <p:clrMapOvr>
+    <a:masterClrMapping/>
+  </p:clrMapOvr>
+</p:sld>
+</file>
+
+<file path=ppt/slides/slide27.xml><?xml version="1.0" encoding="utf-8"?>
+<p:sld xmlns:a="http://schemas.openxmlformats.org/drawingml/2006/main" xmlns:r="http://schemas.openxmlformats.org/officeDocument/2006/relationships" xmlns:p="http://schemas.openxmlformats.org/presentationml/2006/main">
+  <p:cSld>
+    <p:spTree>
+      <p:nvGrpSpPr>
+        <p:cNvPr id="1" name=""/>
+        <p:cNvGrpSpPr/>
+        <p:nvPr/>
+      </p:nvGrpSpPr>
+      <p:grpSpPr>
+        <a:xfrm>
+          <a:off x="0" y="0"/>
+          <a:ext cx="0" cy="0"/>
+          <a:chOff x="0" y="0"/>
+          <a:chExt cx="0" cy="0"/>
+        </a:xfrm>
+      </p:grpSpPr>
+      <p:sp>
+        <p:nvSpPr>
+          <p:cNvPr id="2" name="Rectangle 1">
+            <a:extLst>
+              <a:ext uri="{FF2B5EF4-FFF2-40B4-BE49-F238E27FC236}">
+                <a16:creationId xmlns:a16="http://schemas.microsoft.com/office/drawing/2014/main" id="{29228A24-4A1B-41B0-A802-CD51398332B9}"/>
+              </a:ext>
+            </a:extLst>
+          </p:cNvPr>
+          <p:cNvSpPr/>
+          <p:nvPr/>
+        </p:nvSpPr>
+        <p:spPr>
+          <a:xfrm>
+            <a:off x="1976846" y="435429"/>
+            <a:ext cx="8290560" cy="1898468"/>
+          </a:xfrm>
+          <a:prstGeom prst="rect">
+            <a:avLst/>
+          </a:prstGeom>
+          <a:solidFill>
+            <a:srgbClr val="FFFF00"/>
+          </a:solidFill>
+          <a:ln>
+            <a:solidFill>
+              <a:schemeClr val="bg1">
+                <a:lumMod val="85000"/>
+              </a:schemeClr>
+            </a:solidFill>
+          </a:ln>
+          <a:effectLst>
+            <a:outerShdw blurRad="381000" dist="127000" dir="7080000" sx="94000" sy="94000" algn="t" rotWithShape="0">
+              <a:prstClr val="black">
+                <a:alpha val="16000"/>
+              </a:prstClr>
+            </a:outerShdw>
+          </a:effectLst>
+          <a:scene3d>
+            <a:camera prst="perspectiveFront"/>
+            <a:lightRig rig="threePt" dir="t"/>
+          </a:scene3d>
+        </p:spPr>
+        <p:style>
+          <a:lnRef idx="2">
+            <a:schemeClr val="accent1">
+              <a:shade val="50000"/>
+            </a:schemeClr>
+          </a:lnRef>
+          <a:fillRef idx="1">
+            <a:schemeClr val="accent1"/>
+          </a:fillRef>
+          <a:effectRef idx="0">
+            <a:schemeClr val="accent1"/>
+          </a:effectRef>
+          <a:fontRef idx="minor">
+            <a:schemeClr val="lt1"/>
+          </a:fontRef>
+        </p:style>
+        <p:txBody>
+          <a:bodyPr tIns="144000" bIns="90000" rtlCol="0" anchor="ctr"/>
+          <a:lstStyle/>
+          <a:p>
+            <a:pPr algn="ctr" defTabSz="685800">
+              <a:defRPr/>
+            </a:pPr>
+            <a:r>
+              <a:rPr lang="en-US" sz="3200" dirty="0">
+                <a:solidFill>
+                  <a:prstClr val="black"/>
+                </a:solidFill>
+                <a:latin typeface="Poppins SemiBold" panose="00000700000000000000" pitchFamily="2" charset="0"/>
+                <a:cs typeface="Poppins SemiBold" panose="00000700000000000000" pitchFamily="2" charset="0"/>
+              </a:rPr>
+              <a:t>13. </a:t>
+            </a:r>
+            <a:r>
+              <a:rPr lang="en-US" sz="3200" dirty="0" err="1">
+                <a:solidFill>
+                  <a:prstClr val="black"/>
+                </a:solidFill>
+                <a:latin typeface="Poppins SemiBold" panose="00000700000000000000" pitchFamily="2" charset="0"/>
+                <a:cs typeface="Poppins SemiBold" panose="00000700000000000000" pitchFamily="2" charset="0"/>
+              </a:rPr>
+              <a:t>Pregunta</a:t>
+            </a:r>
+            <a:endParaRPr lang="en-IN" sz="3200" dirty="0">
+              <a:solidFill>
+                <a:prstClr val="black"/>
+              </a:solidFill>
+              <a:latin typeface="Poppins SemiBold" panose="00000700000000000000" pitchFamily="2" charset="0"/>
+              <a:cs typeface="Poppins SemiBold" panose="00000700000000000000" pitchFamily="2" charset="0"/>
+            </a:endParaRPr>
+          </a:p>
+        </p:txBody>
+      </p:sp>
+      <p:sp>
+        <p:nvSpPr>
+          <p:cNvPr id="3" name="Rectangle 2">
+            <a:hlinkClick r:id="rId2" action="ppaction://hlinksldjump">
+              <a:snd r:embed="rId3" name="WrongAnswerSFX.wav"/>
+            </a:hlinkClick>
+            <a:extLst>
+              <a:ext uri="{FF2B5EF4-FFF2-40B4-BE49-F238E27FC236}">
+                <a16:creationId xmlns:a16="http://schemas.microsoft.com/office/drawing/2014/main" id="{93EB3632-12C3-41FB-861E-57B9D53BBF65}"/>
+              </a:ext>
+            </a:extLst>
+          </p:cNvPr>
+          <p:cNvSpPr/>
+          <p:nvPr/>
+        </p:nvSpPr>
+        <p:spPr>
+          <a:xfrm>
+            <a:off x="1976846" y="2612571"/>
+            <a:ext cx="3971108" cy="1236618"/>
+          </a:xfrm>
+          <a:prstGeom prst="rect">
+            <a:avLst/>
+          </a:prstGeom>
+          <a:solidFill>
+            <a:schemeClr val="bg1"/>
+          </a:solidFill>
+          <a:ln>
+            <a:solidFill>
+              <a:schemeClr val="bg1">
+                <a:lumMod val="85000"/>
+              </a:schemeClr>
+            </a:solidFill>
+          </a:ln>
+          <a:effectLst>
+            <a:outerShdw blurRad="381000" dist="127000" dir="7080000" sx="94000" sy="94000" algn="t" rotWithShape="0">
+              <a:prstClr val="black">
+                <a:alpha val="16000"/>
+              </a:prstClr>
+            </a:outerShdw>
+          </a:effectLst>
+          <a:scene3d>
+            <a:camera prst="perspectiveFront"/>
+            <a:lightRig rig="threePt" dir="t"/>
+          </a:scene3d>
+        </p:spPr>
+        <p:style>
+          <a:lnRef idx="2">
+            <a:schemeClr val="accent1">
+              <a:shade val="50000"/>
+            </a:schemeClr>
+          </a:lnRef>
+          <a:fillRef idx="1">
+            <a:schemeClr val="accent1"/>
+          </a:fillRef>
+          <a:effectRef idx="0">
+            <a:schemeClr val="accent1"/>
+          </a:effectRef>
+          <a:fontRef idx="minor">
+            <a:schemeClr val="lt1"/>
+          </a:fontRef>
+        </p:style>
+        <p:txBody>
+          <a:bodyPr tIns="144000" bIns="90000" rtlCol="0" anchor="ctr"/>
+          <a:lstStyle/>
+          <a:p>
+            <a:pPr algn="ctr" defTabSz="685800">
+              <a:defRPr/>
+            </a:pPr>
+            <a:r>
+              <a:rPr lang="en-US" sz="2000" dirty="0">
+                <a:solidFill>
+                  <a:prstClr val="black"/>
+                </a:solidFill>
+                <a:latin typeface="Poppins SemiBold" panose="00000700000000000000" pitchFamily="2" charset="0"/>
+                <a:cs typeface="Poppins SemiBold" panose="00000700000000000000" pitchFamily="2" charset="0"/>
+              </a:rPr>
+              <a:t>Incorrect Answer</a:t>
+            </a:r>
+            <a:endParaRPr lang="en-IN" sz="2000" dirty="0">
+              <a:solidFill>
+                <a:prstClr val="black"/>
+              </a:solidFill>
+              <a:latin typeface="Poppins SemiBold" panose="00000700000000000000" pitchFamily="2" charset="0"/>
+              <a:cs typeface="Poppins SemiBold" panose="00000700000000000000" pitchFamily="2" charset="0"/>
+            </a:endParaRPr>
+          </a:p>
+        </p:txBody>
+      </p:sp>
+      <p:sp>
+        <p:nvSpPr>
+          <p:cNvPr id="5" name="Rectangle 4">
+            <a:hlinkClick r:id="" action="ppaction://hlinkshowjump?jump=nextslide">
+              <a:snd r:embed="rId4" name="CorrectAnswerSFX.wav"/>
+            </a:hlinkClick>
+            <a:extLst>
+              <a:ext uri="{FF2B5EF4-FFF2-40B4-BE49-F238E27FC236}">
+                <a16:creationId xmlns:a16="http://schemas.microsoft.com/office/drawing/2014/main" id="{11A411AB-3628-4BD3-8F92-E851842AEEC9}"/>
+              </a:ext>
+            </a:extLst>
+          </p:cNvPr>
+          <p:cNvSpPr/>
+          <p:nvPr/>
+        </p:nvSpPr>
+        <p:spPr>
+          <a:xfrm>
+            <a:off x="6296298" y="2612571"/>
+            <a:ext cx="3971108" cy="1236618"/>
+          </a:xfrm>
+          <a:prstGeom prst="rect">
+            <a:avLst/>
+          </a:prstGeom>
+          <a:solidFill>
+            <a:schemeClr val="bg1"/>
+          </a:solidFill>
+          <a:ln>
+            <a:solidFill>
+              <a:schemeClr val="bg1">
+                <a:lumMod val="85000"/>
+              </a:schemeClr>
+            </a:solidFill>
+          </a:ln>
+          <a:effectLst>
+            <a:outerShdw blurRad="381000" dist="127000" dir="7080000" sx="94000" sy="94000" algn="t" rotWithShape="0">
+              <a:prstClr val="black">
+                <a:alpha val="16000"/>
+              </a:prstClr>
+            </a:outerShdw>
+          </a:effectLst>
+          <a:scene3d>
+            <a:camera prst="perspectiveFront"/>
+            <a:lightRig rig="threePt" dir="t"/>
+          </a:scene3d>
+        </p:spPr>
+        <p:style>
+          <a:lnRef idx="2">
+            <a:schemeClr val="accent1">
+              <a:shade val="50000"/>
+            </a:schemeClr>
+          </a:lnRef>
+          <a:fillRef idx="1">
+            <a:schemeClr val="accent1"/>
+          </a:fillRef>
+          <a:effectRef idx="0">
+            <a:schemeClr val="accent1"/>
+          </a:effectRef>
+          <a:fontRef idx="minor">
+            <a:schemeClr val="lt1"/>
+          </a:fontRef>
+        </p:style>
+        <p:txBody>
+          <a:bodyPr tIns="144000" bIns="90000" rtlCol="0" anchor="ctr"/>
+          <a:lstStyle/>
+          <a:p>
+            <a:pPr algn="ctr" defTabSz="685800"/>
+            <a:r>
+              <a:rPr lang="en-US" sz="2000" dirty="0">
+                <a:solidFill>
+                  <a:schemeClr val="tx1"/>
+                </a:solidFill>
+                <a:latin typeface="Poppins SemiBold" panose="00000700000000000000" pitchFamily="2" charset="0"/>
+                <a:cs typeface="Poppins SemiBold" panose="00000700000000000000" pitchFamily="2" charset="0"/>
+              </a:rPr>
+              <a:t>Respuesta </a:t>
+            </a:r>
+            <a:r>
+              <a:rPr lang="en-US" sz="2000" dirty="0" err="1">
+                <a:solidFill>
+                  <a:schemeClr val="tx1"/>
+                </a:solidFill>
+                <a:latin typeface="Poppins SemiBold" panose="00000700000000000000" pitchFamily="2" charset="0"/>
+                <a:cs typeface="Poppins SemiBold" panose="00000700000000000000" pitchFamily="2" charset="0"/>
+              </a:rPr>
+              <a:t>Correcta</a:t>
+            </a:r>
+            <a:endParaRPr lang="en-IN" sz="2000" dirty="0">
+              <a:solidFill>
+                <a:schemeClr val="tx1"/>
+              </a:solidFill>
+              <a:latin typeface="Poppins SemiBold" panose="00000700000000000000" pitchFamily="2" charset="0"/>
+              <a:cs typeface="Poppins SemiBold" panose="00000700000000000000" pitchFamily="2" charset="0"/>
+            </a:endParaRPr>
+          </a:p>
+        </p:txBody>
+      </p:sp>
+    </p:spTree>
+    <p:extLst>
+      <p:ext uri="{BB962C8B-B14F-4D97-AF65-F5344CB8AC3E}">
+        <p14:creationId xmlns:p14="http://schemas.microsoft.com/office/powerpoint/2010/main" val="2465870924"/>
+      </p:ext>
+    </p:extLst>
+  </p:cSld>
+  <p:clrMapOvr>
+    <a:masterClrMapping/>
+  </p:clrMapOvr>
+</p:sld>
+</file>
+
+<file path=ppt/slides/slide28.xml><?xml version="1.0" encoding="utf-8"?>
+<p:sld xmlns:a="http://schemas.openxmlformats.org/drawingml/2006/main" xmlns:r="http://schemas.openxmlformats.org/officeDocument/2006/relationships" xmlns:p="http://schemas.openxmlformats.org/presentationml/2006/main">
+  <p:cSld>
+    <p:bg>
+      <p:bgPr>
+        <a:solidFill>
+          <a:srgbClr val="00B050"/>
+        </a:solidFill>
+        <a:effectLst/>
+      </p:bgPr>
+    </p:bg>
+    <p:spTree>
+      <p:nvGrpSpPr>
+        <p:cNvPr id="1" name=""/>
+        <p:cNvGrpSpPr/>
+        <p:nvPr/>
+      </p:nvGrpSpPr>
+      <p:grpSpPr>
+        <a:xfrm>
+          <a:off x="0" y="0"/>
+          <a:ext cx="0" cy="0"/>
+          <a:chOff x="0" y="0"/>
+          <a:chExt cx="0" cy="0"/>
+        </a:xfrm>
+      </p:grpSpPr>
+      <p:sp>
+        <p:nvSpPr>
+          <p:cNvPr id="2" name="TextBox 1">
+            <a:extLst>
+              <a:ext uri="{FF2B5EF4-FFF2-40B4-BE49-F238E27FC236}">
+                <a16:creationId xmlns:a16="http://schemas.microsoft.com/office/drawing/2014/main" id="{60075EE3-328C-49EE-B897-556D339C339C}"/>
+              </a:ext>
+            </a:extLst>
+          </p:cNvPr>
+          <p:cNvSpPr txBox="1"/>
+          <p:nvPr/>
+        </p:nvSpPr>
+        <p:spPr>
+          <a:xfrm>
+            <a:off x="2083523" y="1549357"/>
+            <a:ext cx="8024954" cy="923330"/>
+          </a:xfrm>
+          <a:prstGeom prst="rect">
+            <a:avLst/>
+          </a:prstGeom>
+          <a:noFill/>
+        </p:spPr>
+        <p:txBody>
+          <a:bodyPr wrap="none" rtlCol="0">
+            <a:spAutoFit/>
+          </a:bodyPr>
+          <a:lstStyle/>
+          <a:p>
+            <a:pPr>
+              <a:defRPr/>
+            </a:pPr>
+            <a:r>
+              <a:rPr lang="en-US" sz="5400" b="1" dirty="0">
+                <a:solidFill>
+                  <a:prstClr val="white"/>
+                </a:solidFill>
+                <a:latin typeface="Poppins"/>
+              </a:rPr>
+              <a:t>RESPUESTA CORRECTA</a:t>
+            </a:r>
+            <a:endParaRPr lang="en-IN" sz="5400" b="1" dirty="0">
+              <a:solidFill>
+                <a:prstClr val="white"/>
+              </a:solidFill>
+              <a:latin typeface="Poppins"/>
+            </a:endParaRPr>
+          </a:p>
+        </p:txBody>
+      </p:sp>
+      <p:sp>
+        <p:nvSpPr>
+          <p:cNvPr id="3" name="Rectangle 2">
+            <a:hlinkClick r:id="" action="ppaction://hlinkshowjump?jump=nextslide"/>
+            <a:extLst>
+              <a:ext uri="{FF2B5EF4-FFF2-40B4-BE49-F238E27FC236}">
+                <a16:creationId xmlns:a16="http://schemas.microsoft.com/office/drawing/2014/main" id="{3E95FE85-01E9-48D9-93B4-B3632117840E}"/>
+              </a:ext>
+            </a:extLst>
+          </p:cNvPr>
+          <p:cNvSpPr/>
+          <p:nvPr/>
+        </p:nvSpPr>
+        <p:spPr>
+          <a:xfrm>
+            <a:off x="4837611" y="3688666"/>
+            <a:ext cx="2516777" cy="696648"/>
+          </a:xfrm>
+          <a:prstGeom prst="rect">
+            <a:avLst/>
+          </a:prstGeom>
+          <a:solidFill>
+            <a:schemeClr val="bg1"/>
+          </a:solidFill>
+          <a:ln>
+            <a:solidFill>
+              <a:schemeClr val="bg1">
+                <a:lumMod val="85000"/>
+              </a:schemeClr>
+            </a:solidFill>
+          </a:ln>
+          <a:effectLst>
+            <a:outerShdw blurRad="381000" dist="127000" dir="7080000" sx="94000" sy="94000" algn="t" rotWithShape="0">
+              <a:prstClr val="black">
+                <a:alpha val="16000"/>
+              </a:prstClr>
+            </a:outerShdw>
+          </a:effectLst>
+          <a:scene3d>
+            <a:camera prst="perspectiveFront"/>
+            <a:lightRig rig="threePt" dir="t"/>
+          </a:scene3d>
+        </p:spPr>
+        <p:style>
+          <a:lnRef idx="2">
+            <a:schemeClr val="accent1">
+              <a:shade val="50000"/>
+            </a:schemeClr>
+          </a:lnRef>
+          <a:fillRef idx="1">
+            <a:schemeClr val="accent1"/>
+          </a:fillRef>
+          <a:effectRef idx="0">
+            <a:schemeClr val="accent1"/>
+          </a:effectRef>
+          <a:fontRef idx="minor">
+            <a:schemeClr val="lt1"/>
+          </a:fontRef>
+        </p:style>
+        <p:txBody>
+          <a:bodyPr tIns="144000" bIns="90000" rtlCol="0" anchor="ctr"/>
+          <a:lstStyle/>
+          <a:p>
+            <a:pPr algn="ctr" defTabSz="685800">
+              <a:defRPr/>
+            </a:pPr>
+            <a:r>
+              <a:rPr lang="en-US" sz="2000" dirty="0" err="1">
+                <a:solidFill>
+                  <a:prstClr val="black"/>
+                </a:solidFill>
+                <a:latin typeface="Poppins SemiBold" panose="00000700000000000000" pitchFamily="2" charset="0"/>
+                <a:cs typeface="Poppins SemiBold" panose="00000700000000000000" pitchFamily="2" charset="0"/>
+              </a:rPr>
+              <a:t>Siguiente</a:t>
+            </a:r>
+            <a:endParaRPr lang="en-IN" sz="2000" dirty="0">
+              <a:solidFill>
+                <a:prstClr val="black"/>
+              </a:solidFill>
+              <a:latin typeface="Poppins SemiBold" panose="00000700000000000000" pitchFamily="2" charset="0"/>
+              <a:cs typeface="Poppins SemiBold" panose="00000700000000000000" pitchFamily="2" charset="0"/>
+            </a:endParaRPr>
+          </a:p>
+        </p:txBody>
+      </p:sp>
+    </p:spTree>
+    <p:extLst>
+      <p:ext uri="{BB962C8B-B14F-4D97-AF65-F5344CB8AC3E}">
+        <p14:creationId xmlns:p14="http://schemas.microsoft.com/office/powerpoint/2010/main" val="1615700638"/>
+      </p:ext>
+    </p:extLst>
+  </p:cSld>
+  <p:clrMapOvr>
+    <a:masterClrMapping/>
+  </p:clrMapOvr>
+</p:sld>
+</file>
+
+<file path=ppt/slides/slide29.xml><?xml version="1.0" encoding="utf-8"?>
+<p:sld xmlns:a="http://schemas.openxmlformats.org/drawingml/2006/main" xmlns:r="http://schemas.openxmlformats.org/officeDocument/2006/relationships" xmlns:p="http://schemas.openxmlformats.org/presentationml/2006/main">
+  <p:cSld>
+    <p:spTree>
+      <p:nvGrpSpPr>
+        <p:cNvPr id="1" name=""/>
+        <p:cNvGrpSpPr/>
+        <p:nvPr/>
+      </p:nvGrpSpPr>
+      <p:grpSpPr>
+        <a:xfrm>
+          <a:off x="0" y="0"/>
+          <a:ext cx="0" cy="0"/>
+          <a:chOff x="0" y="0"/>
+          <a:chExt cx="0" cy="0"/>
+        </a:xfrm>
+      </p:grpSpPr>
+      <p:sp>
+        <p:nvSpPr>
+          <p:cNvPr id="2" name="Rectangle 1">
+            <a:extLst>
+              <a:ext uri="{FF2B5EF4-FFF2-40B4-BE49-F238E27FC236}">
+                <a16:creationId xmlns:a16="http://schemas.microsoft.com/office/drawing/2014/main" id="{29228A24-4A1B-41B0-A802-CD51398332B9}"/>
+              </a:ext>
+            </a:extLst>
+          </p:cNvPr>
+          <p:cNvSpPr/>
+          <p:nvPr/>
+        </p:nvSpPr>
+        <p:spPr>
+          <a:xfrm>
+            <a:off x="1976846" y="435429"/>
+            <a:ext cx="8290560" cy="1898468"/>
+          </a:xfrm>
+          <a:prstGeom prst="rect">
+            <a:avLst/>
+          </a:prstGeom>
+          <a:solidFill>
+            <a:srgbClr val="FFFF00"/>
+          </a:solidFill>
+          <a:ln>
+            <a:solidFill>
+              <a:schemeClr val="bg1">
+                <a:lumMod val="85000"/>
+              </a:schemeClr>
+            </a:solidFill>
+          </a:ln>
+          <a:effectLst>
+            <a:outerShdw blurRad="381000" dist="127000" dir="7080000" sx="94000" sy="94000" algn="t" rotWithShape="0">
+              <a:prstClr val="black">
+                <a:alpha val="16000"/>
+              </a:prstClr>
+            </a:outerShdw>
+          </a:effectLst>
+          <a:scene3d>
+            <a:camera prst="perspectiveFront"/>
+            <a:lightRig rig="threePt" dir="t"/>
+          </a:scene3d>
+        </p:spPr>
+        <p:style>
+          <a:lnRef idx="2">
+            <a:schemeClr val="accent1">
+              <a:shade val="50000"/>
+            </a:schemeClr>
+          </a:lnRef>
+          <a:fillRef idx="1">
+            <a:schemeClr val="accent1"/>
+          </a:fillRef>
+          <a:effectRef idx="0">
+            <a:schemeClr val="accent1"/>
+          </a:effectRef>
+          <a:fontRef idx="minor">
+            <a:schemeClr val="lt1"/>
+          </a:fontRef>
+        </p:style>
+        <p:txBody>
+          <a:bodyPr tIns="144000" bIns="90000" rtlCol="0" anchor="ctr"/>
+          <a:lstStyle/>
+          <a:p>
+            <a:pPr algn="ctr" defTabSz="685800"/>
+            <a:r>
+              <a:rPr lang="en-US" sz="3200" dirty="0">
+                <a:solidFill>
+                  <a:schemeClr val="tx1"/>
+                </a:solidFill>
+                <a:latin typeface="Poppins SemiBold" panose="00000700000000000000" pitchFamily="2" charset="0"/>
+                <a:cs typeface="Poppins SemiBold" panose="00000700000000000000" pitchFamily="2" charset="0"/>
+              </a:rPr>
+              <a:t>14. </a:t>
+            </a:r>
+            <a:r>
+              <a:rPr lang="en-US" sz="3200" dirty="0" err="1">
+                <a:solidFill>
+                  <a:prstClr val="black"/>
+                </a:solidFill>
+                <a:latin typeface="Poppins SemiBold" panose="00000700000000000000" pitchFamily="2" charset="0"/>
+                <a:cs typeface="Poppins SemiBold" panose="00000700000000000000" pitchFamily="2" charset="0"/>
+              </a:rPr>
+              <a:t>Pregunta</a:t>
+            </a:r>
+            <a:endParaRPr lang="en-IN" sz="3200" dirty="0">
+              <a:solidFill>
+                <a:schemeClr val="tx1"/>
+              </a:solidFill>
+              <a:latin typeface="Poppins SemiBold" panose="00000700000000000000" pitchFamily="2" charset="0"/>
+              <a:cs typeface="Poppins SemiBold" panose="00000700000000000000" pitchFamily="2" charset="0"/>
+            </a:endParaRPr>
+          </a:p>
+        </p:txBody>
+      </p:sp>
+      <p:sp>
+        <p:nvSpPr>
+          <p:cNvPr id="3" name="Rectangle 2">
+            <a:hlinkClick r:id="rId2" action="ppaction://hlinksldjump">
+              <a:snd r:embed="rId3" name="WrongAnswerSFX.wav"/>
+            </a:hlinkClick>
+            <a:extLst>
+              <a:ext uri="{FF2B5EF4-FFF2-40B4-BE49-F238E27FC236}">
+                <a16:creationId xmlns:a16="http://schemas.microsoft.com/office/drawing/2014/main" id="{93EB3632-12C3-41FB-861E-57B9D53BBF65}"/>
+              </a:ext>
+            </a:extLst>
+          </p:cNvPr>
+          <p:cNvSpPr/>
+          <p:nvPr/>
+        </p:nvSpPr>
+        <p:spPr>
+          <a:xfrm>
+            <a:off x="6296298" y="2612571"/>
+            <a:ext cx="3971108" cy="1236618"/>
+          </a:xfrm>
+          <a:prstGeom prst="rect">
+            <a:avLst/>
+          </a:prstGeom>
+          <a:solidFill>
+            <a:schemeClr val="bg1"/>
+          </a:solidFill>
+          <a:ln>
+            <a:solidFill>
+              <a:schemeClr val="bg1">
+                <a:lumMod val="85000"/>
+              </a:schemeClr>
+            </a:solidFill>
+          </a:ln>
+          <a:effectLst>
+            <a:outerShdw blurRad="381000" dist="127000" dir="7080000" sx="94000" sy="94000" algn="t" rotWithShape="0">
+              <a:prstClr val="black">
+                <a:alpha val="16000"/>
+              </a:prstClr>
+            </a:outerShdw>
+          </a:effectLst>
+          <a:scene3d>
+            <a:camera prst="perspectiveFront"/>
+            <a:lightRig rig="threePt" dir="t"/>
+          </a:scene3d>
+        </p:spPr>
+        <p:style>
+          <a:lnRef idx="2">
+            <a:schemeClr val="accent1">
+              <a:shade val="50000"/>
+            </a:schemeClr>
+          </a:lnRef>
+          <a:fillRef idx="1">
+            <a:schemeClr val="accent1"/>
+          </a:fillRef>
+          <a:effectRef idx="0">
+            <a:schemeClr val="accent1"/>
+          </a:effectRef>
+          <a:fontRef idx="minor">
+            <a:schemeClr val="lt1"/>
+          </a:fontRef>
+        </p:style>
+        <p:txBody>
+          <a:bodyPr tIns="144000" bIns="90000" rtlCol="0" anchor="ctr"/>
+          <a:lstStyle/>
+          <a:p>
+            <a:pPr algn="ctr" defTabSz="685800"/>
+            <a:r>
+              <a:rPr lang="en-US" sz="2000" dirty="0">
+                <a:solidFill>
+                  <a:schemeClr val="tx1"/>
+                </a:solidFill>
+                <a:latin typeface="Poppins SemiBold" panose="00000700000000000000" pitchFamily="2" charset="0"/>
+                <a:cs typeface="Poppins SemiBold" panose="00000700000000000000" pitchFamily="2" charset="0"/>
+              </a:rPr>
+              <a:t>Incorrect Answer</a:t>
+            </a:r>
+            <a:endParaRPr lang="en-IN" sz="2000" dirty="0">
+              <a:solidFill>
+                <a:schemeClr val="tx1"/>
+              </a:solidFill>
+              <a:latin typeface="Poppins SemiBold" panose="00000700000000000000" pitchFamily="2" charset="0"/>
+              <a:cs typeface="Poppins SemiBold" panose="00000700000000000000" pitchFamily="2" charset="0"/>
+            </a:endParaRPr>
+          </a:p>
+        </p:txBody>
+      </p:sp>
+      <p:sp>
+        <p:nvSpPr>
+          <p:cNvPr id="5" name="Rectangle 4">
+            <a:hlinkClick r:id="" action="ppaction://hlinkshowjump?jump=nextslide">
+              <a:snd r:embed="rId4" name="CorrectAnswerSFX.wav"/>
+            </a:hlinkClick>
+            <a:extLst>
+              <a:ext uri="{FF2B5EF4-FFF2-40B4-BE49-F238E27FC236}">
+                <a16:creationId xmlns:a16="http://schemas.microsoft.com/office/drawing/2014/main" id="{11A411AB-3628-4BD3-8F92-E851842AEEC9}"/>
+              </a:ext>
+            </a:extLst>
+          </p:cNvPr>
+          <p:cNvSpPr/>
+          <p:nvPr/>
+        </p:nvSpPr>
+        <p:spPr>
+          <a:xfrm>
+            <a:off x="1976846" y="2612571"/>
+            <a:ext cx="3971108" cy="1236618"/>
+          </a:xfrm>
+          <a:prstGeom prst="rect">
+            <a:avLst/>
+          </a:prstGeom>
+          <a:solidFill>
+            <a:schemeClr val="bg1"/>
+          </a:solidFill>
+          <a:ln>
+            <a:solidFill>
+              <a:schemeClr val="bg1">
+                <a:lumMod val="85000"/>
+              </a:schemeClr>
+            </a:solidFill>
+          </a:ln>
+          <a:effectLst>
+            <a:outerShdw blurRad="381000" dist="127000" dir="7080000" sx="94000" sy="94000" algn="t" rotWithShape="0">
+              <a:prstClr val="black">
+                <a:alpha val="16000"/>
+              </a:prstClr>
+            </a:outerShdw>
+          </a:effectLst>
+          <a:scene3d>
+            <a:camera prst="perspectiveFront"/>
+            <a:lightRig rig="threePt" dir="t"/>
+          </a:scene3d>
+        </p:spPr>
+        <p:style>
+          <a:lnRef idx="2">
+            <a:schemeClr val="accent1">
+              <a:shade val="50000"/>
+            </a:schemeClr>
+          </a:lnRef>
+          <a:fillRef idx="1">
+            <a:schemeClr val="accent1"/>
+          </a:fillRef>
+          <a:effectRef idx="0">
+            <a:schemeClr val="accent1"/>
+          </a:effectRef>
+          <a:fontRef idx="minor">
+            <a:schemeClr val="lt1"/>
+          </a:fontRef>
+        </p:style>
+        <p:txBody>
+          <a:bodyPr tIns="144000" bIns="90000" rtlCol="0" anchor="ctr"/>
+          <a:lstStyle/>
+          <a:p>
+            <a:pPr algn="ctr" defTabSz="685800"/>
+            <a:r>
+              <a:rPr lang="en-US" sz="2000" dirty="0">
+                <a:solidFill>
+                  <a:schemeClr val="tx1"/>
+                </a:solidFill>
+                <a:latin typeface="Poppins SemiBold" panose="00000700000000000000" pitchFamily="2" charset="0"/>
+                <a:cs typeface="Poppins SemiBold" panose="00000700000000000000" pitchFamily="2" charset="0"/>
+              </a:rPr>
+              <a:t>Respuesta </a:t>
+            </a:r>
+            <a:r>
+              <a:rPr lang="en-US" sz="2000" dirty="0" err="1">
+                <a:solidFill>
+                  <a:schemeClr val="tx1"/>
+                </a:solidFill>
+                <a:latin typeface="Poppins SemiBold" panose="00000700000000000000" pitchFamily="2" charset="0"/>
+                <a:cs typeface="Poppins SemiBold" panose="00000700000000000000" pitchFamily="2" charset="0"/>
+              </a:rPr>
+              <a:t>Correcta</a:t>
+            </a:r>
+            <a:endParaRPr lang="en-IN" sz="2000" dirty="0">
+              <a:solidFill>
+                <a:schemeClr val="tx1"/>
+              </a:solidFill>
+              <a:latin typeface="Poppins SemiBold" panose="00000700000000000000" pitchFamily="2" charset="0"/>
+              <a:cs typeface="Poppins SemiBold" panose="00000700000000000000" pitchFamily="2" charset="0"/>
+            </a:endParaRPr>
+          </a:p>
+        </p:txBody>
+      </p:sp>
+    </p:spTree>
+    <p:extLst>
+      <p:ext uri="{BB962C8B-B14F-4D97-AF65-F5344CB8AC3E}">
+        <p14:creationId xmlns:p14="http://schemas.microsoft.com/office/powerpoint/2010/main" val="615100411"/>
+      </p:ext>
+    </p:extLst>
+  </p:cSld>
+  <p:clrMapOvr>
+    <a:masterClrMapping/>
+  </p:clrMapOvr>
+</p:sld>
+</file>
+
+<file path=ppt/slides/slide3.xml><?xml version="1.0" encoding="utf-8"?>
+<p:sld xmlns:a="http://schemas.openxmlformats.org/drawingml/2006/main" xmlns:r="http://schemas.openxmlformats.org/officeDocument/2006/relationships" xmlns:p="http://schemas.openxmlformats.org/presentationml/2006/main">
+  <p:cSld>
+    <p:spTree>
+      <p:nvGrpSpPr>
+        <p:cNvPr id="1" name=""/>
+        <p:cNvGrpSpPr/>
+        <p:nvPr/>
+      </p:nvGrpSpPr>
+      <p:grpSpPr>
+        <a:xfrm>
+          <a:off x="0" y="0"/>
+          <a:ext cx="0" cy="0"/>
+          <a:chOff x="0" y="0"/>
+          <a:chExt cx="0" cy="0"/>
+        </a:xfrm>
+      </p:grpSpPr>
+      <p:sp>
+        <p:nvSpPr>
+          <p:cNvPr id="2" name="Rectangle 1">
+            <a:extLst>
+              <a:ext uri="{FF2B5EF4-FFF2-40B4-BE49-F238E27FC236}">
+                <a16:creationId xmlns:a16="http://schemas.microsoft.com/office/drawing/2014/main" id="{29228A24-4A1B-41B0-A802-CD51398332B9}"/>
+              </a:ext>
+            </a:extLst>
+          </p:cNvPr>
+          <p:cNvSpPr/>
+          <p:nvPr/>
+        </p:nvSpPr>
+        <p:spPr>
+          <a:xfrm>
+            <a:off x="1976846" y="435429"/>
+            <a:ext cx="8290560" cy="1898468"/>
+          </a:xfrm>
+          <a:prstGeom prst="rect">
+            <a:avLst/>
+          </a:prstGeom>
+          <a:solidFill>
+            <a:srgbClr val="FFFF00"/>
+          </a:solidFill>
+          <a:ln>
+            <a:solidFill>
+              <a:schemeClr val="bg1">
+                <a:lumMod val="85000"/>
+              </a:schemeClr>
+            </a:solidFill>
+          </a:ln>
+          <a:effectLst>
+            <a:outerShdw blurRad="381000" dist="127000" dir="7080000" sx="94000" sy="94000" algn="t" rotWithShape="0">
+              <a:prstClr val="black">
+                <a:alpha val="16000"/>
+              </a:prstClr>
+            </a:outerShdw>
+          </a:effectLst>
+          <a:scene3d>
+            <a:camera prst="perspectiveFront"/>
+            <a:lightRig rig="threePt" dir="t"/>
+          </a:scene3d>
+        </p:spPr>
+        <p:style>
+          <a:lnRef idx="2">
+            <a:schemeClr val="accent1">
+              <a:shade val="50000"/>
+            </a:schemeClr>
+          </a:lnRef>
+          <a:fillRef idx="1">
+            <a:schemeClr val="accent1"/>
+          </a:fillRef>
+          <a:effectRef idx="0">
+            <a:schemeClr val="accent1"/>
+          </a:effectRef>
+          <a:fontRef idx="minor">
+            <a:schemeClr val="lt1"/>
+          </a:fontRef>
+        </p:style>
+        <p:txBody>
+          <a:bodyPr tIns="144000" bIns="90000" rtlCol="0" anchor="ctr"/>
+          <a:lstStyle/>
+          <a:p>
+            <a:pPr algn="ctr" defTabSz="685800"/>
+            <a:r>
+              <a:rPr lang="en-US" sz="3200" dirty="0">
+                <a:solidFill>
+                  <a:schemeClr val="tx1"/>
+                </a:solidFill>
+                <a:latin typeface="Poppins SemiBold" panose="00000700000000000000" pitchFamily="2" charset="0"/>
+                <a:cs typeface="Poppins SemiBold" panose="00000700000000000000" pitchFamily="2" charset="0"/>
+              </a:rPr>
+              <a:t>1. </a:t>
+            </a:r>
+            <a:r>
+              <a:rPr lang="en-US" sz="3200" dirty="0" err="1">
+                <a:solidFill>
+                  <a:prstClr val="black"/>
+                </a:solidFill>
+                <a:latin typeface="Poppins SemiBold" panose="00000700000000000000" pitchFamily="2" charset="0"/>
+                <a:cs typeface="Poppins SemiBold" panose="00000700000000000000" pitchFamily="2" charset="0"/>
+              </a:rPr>
+              <a:t>Pregunta</a:t>
+            </a:r>
+            <a:endParaRPr lang="en-IN" sz="3200" dirty="0">
+              <a:solidFill>
+                <a:schemeClr val="tx1"/>
+              </a:solidFill>
+              <a:latin typeface="Poppins SemiBold" panose="00000700000000000000" pitchFamily="2" charset="0"/>
+              <a:cs typeface="Poppins SemiBold" panose="00000700000000000000" pitchFamily="2" charset="0"/>
+            </a:endParaRPr>
+          </a:p>
+        </p:txBody>
+      </p:sp>
+      <p:sp>
+        <p:nvSpPr>
+          <p:cNvPr id="3" name="Rectangle 2">
+            <a:hlinkClick r:id="rId2" action="ppaction://hlinksldjump">
+              <a:snd r:embed="rId3" name="WrongAnswerSFX.wav"/>
+            </a:hlinkClick>
+            <a:extLst>
+              <a:ext uri="{FF2B5EF4-FFF2-40B4-BE49-F238E27FC236}">
+                <a16:creationId xmlns:a16="http://schemas.microsoft.com/office/drawing/2014/main" id="{93EB3632-12C3-41FB-861E-57B9D53BBF65}"/>
+              </a:ext>
+            </a:extLst>
+          </p:cNvPr>
+          <p:cNvSpPr/>
+          <p:nvPr/>
+        </p:nvSpPr>
+        <p:spPr>
+          <a:xfrm>
+            <a:off x="6296298" y="2612571"/>
+            <a:ext cx="3971108" cy="1236618"/>
+          </a:xfrm>
+          <a:prstGeom prst="rect">
+            <a:avLst/>
+          </a:prstGeom>
+          <a:solidFill>
+            <a:schemeClr val="bg1"/>
+          </a:solidFill>
+          <a:ln>
+            <a:solidFill>
+              <a:schemeClr val="bg1">
+                <a:lumMod val="85000"/>
+              </a:schemeClr>
+            </a:solidFill>
+          </a:ln>
+          <a:effectLst>
+            <a:outerShdw blurRad="381000" dist="127000" dir="7080000" sx="94000" sy="94000" algn="t" rotWithShape="0">
+              <a:prstClr val="black">
+                <a:alpha val="16000"/>
+              </a:prstClr>
+            </a:outerShdw>
+          </a:effectLst>
+          <a:scene3d>
+            <a:camera prst="perspectiveFront"/>
+            <a:lightRig rig="threePt" dir="t"/>
+          </a:scene3d>
+        </p:spPr>
+        <p:style>
+          <a:lnRef idx="2">
+            <a:schemeClr val="accent1">
+              <a:shade val="50000"/>
+            </a:schemeClr>
+          </a:lnRef>
+          <a:fillRef idx="1">
+            <a:schemeClr val="accent1"/>
+          </a:fillRef>
+          <a:effectRef idx="0">
+            <a:schemeClr val="accent1"/>
+          </a:effectRef>
+          <a:fontRef idx="minor">
+            <a:schemeClr val="lt1"/>
+          </a:fontRef>
+        </p:style>
+        <p:txBody>
+          <a:bodyPr tIns="144000" bIns="90000" rtlCol="0" anchor="ctr"/>
+          <a:lstStyle/>
+          <a:p>
+            <a:pPr algn="ctr" defTabSz="685800"/>
+            <a:r>
+              <a:rPr lang="en-US" sz="2000" dirty="0">
+                <a:solidFill>
+                  <a:schemeClr val="tx1"/>
+                </a:solidFill>
+                <a:latin typeface="Poppins SemiBold" panose="00000700000000000000" pitchFamily="2" charset="0"/>
+                <a:cs typeface="Poppins SemiBold" panose="00000700000000000000" pitchFamily="2" charset="0"/>
+              </a:rPr>
+              <a:t>Incorrect Answer</a:t>
+            </a:r>
+            <a:endParaRPr lang="en-IN" sz="2000" dirty="0">
+              <a:solidFill>
+                <a:schemeClr val="tx1"/>
+              </a:solidFill>
+              <a:latin typeface="Poppins SemiBold" panose="00000700000000000000" pitchFamily="2" charset="0"/>
+              <a:cs typeface="Poppins SemiBold" panose="00000700000000000000" pitchFamily="2" charset="0"/>
+            </a:endParaRPr>
+          </a:p>
+        </p:txBody>
+      </p:sp>
+      <p:sp>
+        <p:nvSpPr>
+          <p:cNvPr id="5" name="Rectangle 4">
+            <a:hlinkClick r:id="" action="ppaction://hlinkshowjump?jump=nextslide">
+              <a:snd r:embed="rId4" name="CorrectAnswerSFX.wav"/>
+            </a:hlinkClick>
+            <a:extLst>
+              <a:ext uri="{FF2B5EF4-FFF2-40B4-BE49-F238E27FC236}">
+                <a16:creationId xmlns:a16="http://schemas.microsoft.com/office/drawing/2014/main" id="{11A411AB-3628-4BD3-8F92-E851842AEEC9}"/>
+              </a:ext>
+            </a:extLst>
+          </p:cNvPr>
+          <p:cNvSpPr/>
+          <p:nvPr/>
+        </p:nvSpPr>
+        <p:spPr>
+          <a:xfrm>
+            <a:off x="1976846" y="2612571"/>
+            <a:ext cx="3971108" cy="1236618"/>
+          </a:xfrm>
+          <a:prstGeom prst="rect">
+            <a:avLst/>
+          </a:prstGeom>
+          <a:solidFill>
+            <a:schemeClr val="bg1"/>
+          </a:solidFill>
+          <a:ln>
+            <a:solidFill>
+              <a:schemeClr val="bg1">
+                <a:lumMod val="85000"/>
+              </a:schemeClr>
+            </a:solidFill>
+          </a:ln>
+          <a:effectLst>
+            <a:outerShdw blurRad="381000" dist="127000" dir="7080000" sx="94000" sy="94000" algn="t" rotWithShape="0">
+              <a:prstClr val="black">
+                <a:alpha val="16000"/>
+              </a:prstClr>
+            </a:outerShdw>
+          </a:effectLst>
+          <a:scene3d>
+            <a:camera prst="perspectiveFront"/>
+            <a:lightRig rig="threePt" dir="t"/>
+          </a:scene3d>
+        </p:spPr>
+        <p:style>
+          <a:lnRef idx="2">
+            <a:schemeClr val="accent1">
+              <a:shade val="50000"/>
+            </a:schemeClr>
+          </a:lnRef>
+          <a:fillRef idx="1">
+            <a:schemeClr val="accent1"/>
+          </a:fillRef>
+          <a:effectRef idx="0">
+            <a:schemeClr val="accent1"/>
+          </a:effectRef>
+          <a:fontRef idx="minor">
+            <a:schemeClr val="lt1"/>
+          </a:fontRef>
+        </p:style>
+        <p:txBody>
+          <a:bodyPr tIns="144000" bIns="90000" rtlCol="0" anchor="ctr"/>
+          <a:lstStyle/>
+          <a:p>
+            <a:pPr algn="ctr" defTabSz="685800"/>
+            <a:r>
+              <a:rPr lang="en-US" sz="2000" dirty="0">
+                <a:solidFill>
+                  <a:schemeClr val="tx1"/>
+                </a:solidFill>
+                <a:latin typeface="Poppins SemiBold" panose="00000700000000000000" pitchFamily="2" charset="0"/>
+                <a:cs typeface="Poppins SemiBold" panose="00000700000000000000" pitchFamily="2" charset="0"/>
+              </a:rPr>
+              <a:t>Respuesta </a:t>
+            </a:r>
+            <a:r>
+              <a:rPr lang="en-US" sz="2000" dirty="0" err="1">
+                <a:solidFill>
+                  <a:schemeClr val="tx1"/>
+                </a:solidFill>
+                <a:latin typeface="Poppins SemiBold" panose="00000700000000000000" pitchFamily="2" charset="0"/>
+                <a:cs typeface="Poppins SemiBold" panose="00000700000000000000" pitchFamily="2" charset="0"/>
+              </a:rPr>
+              <a:t>Correcta</a:t>
+            </a:r>
+            <a:endParaRPr lang="en-IN" sz="2000" dirty="0">
+              <a:solidFill>
+                <a:schemeClr val="tx1"/>
+              </a:solidFill>
+              <a:latin typeface="Poppins SemiBold" panose="00000700000000000000" pitchFamily="2" charset="0"/>
+              <a:cs typeface="Poppins SemiBold" panose="00000700000000000000" pitchFamily="2" charset="0"/>
+            </a:endParaRPr>
+          </a:p>
+        </p:txBody>
+      </p:sp>
+    </p:spTree>
+    <p:extLst>
+      <p:ext uri="{BB962C8B-B14F-4D97-AF65-F5344CB8AC3E}">
+        <p14:creationId xmlns:p14="http://schemas.microsoft.com/office/powerpoint/2010/main" val="1756370675"/>
+      </p:ext>
+    </p:extLst>
+  </p:cSld>
+  <p:clrMapOvr>
+    <a:masterClrMapping/>
+  </p:clrMapOvr>
+</p:sld>
+</file>
+
+<file path=ppt/slides/slide30.xml><?xml version="1.0" encoding="utf-8"?>
+<p:sld xmlns:a="http://schemas.openxmlformats.org/drawingml/2006/main" xmlns:r="http://schemas.openxmlformats.org/officeDocument/2006/relationships" xmlns:p="http://schemas.openxmlformats.org/presentationml/2006/main">
+  <p:cSld>
+    <p:bg>
+      <p:bgPr>
+        <a:solidFill>
+          <a:srgbClr val="00B050"/>
+        </a:solidFill>
+        <a:effectLst/>
+      </p:bgPr>
+    </p:bg>
+    <p:spTree>
+      <p:nvGrpSpPr>
+        <p:cNvPr id="1" name=""/>
+        <p:cNvGrpSpPr/>
+        <p:nvPr/>
+      </p:nvGrpSpPr>
+      <p:grpSpPr>
+        <a:xfrm>
+          <a:off x="0" y="0"/>
+          <a:ext cx="0" cy="0"/>
+          <a:chOff x="0" y="0"/>
+          <a:chExt cx="0" cy="0"/>
+        </a:xfrm>
+      </p:grpSpPr>
+      <p:sp>
+        <p:nvSpPr>
+          <p:cNvPr id="2" name="TextBox 1">
+            <a:extLst>
+              <a:ext uri="{FF2B5EF4-FFF2-40B4-BE49-F238E27FC236}">
+                <a16:creationId xmlns:a16="http://schemas.microsoft.com/office/drawing/2014/main" id="{60075EE3-328C-49EE-B897-556D339C339C}"/>
+              </a:ext>
+            </a:extLst>
+          </p:cNvPr>
+          <p:cNvSpPr txBox="1"/>
+          <p:nvPr/>
+        </p:nvSpPr>
+        <p:spPr>
+          <a:xfrm>
+            <a:off x="2083523" y="1549357"/>
+            <a:ext cx="8024954" cy="923330"/>
+          </a:xfrm>
+          <a:prstGeom prst="rect">
+            <a:avLst/>
+          </a:prstGeom>
+          <a:noFill/>
+        </p:spPr>
+        <p:txBody>
+          <a:bodyPr wrap="none" rtlCol="0">
+            <a:spAutoFit/>
+          </a:bodyPr>
+          <a:lstStyle/>
+          <a:p>
+            <a:pPr>
+              <a:defRPr/>
+            </a:pPr>
+            <a:r>
+              <a:rPr lang="en-US" sz="5400" b="1" dirty="0">
+                <a:solidFill>
+                  <a:prstClr val="white"/>
+                </a:solidFill>
+                <a:latin typeface="Poppins"/>
+              </a:rPr>
+              <a:t>RESPUESTA CORRECTA</a:t>
+            </a:r>
+            <a:endParaRPr lang="en-IN" sz="5400" b="1" dirty="0">
+              <a:solidFill>
+                <a:prstClr val="white"/>
+              </a:solidFill>
+              <a:latin typeface="Poppins"/>
+            </a:endParaRPr>
+          </a:p>
+        </p:txBody>
+      </p:sp>
+      <p:sp>
+        <p:nvSpPr>
+          <p:cNvPr id="3" name="Rectangle 2">
+            <a:hlinkClick r:id="" action="ppaction://hlinkshowjump?jump=nextslide"/>
+            <a:extLst>
+              <a:ext uri="{FF2B5EF4-FFF2-40B4-BE49-F238E27FC236}">
+                <a16:creationId xmlns:a16="http://schemas.microsoft.com/office/drawing/2014/main" id="{3E95FE85-01E9-48D9-93B4-B3632117840E}"/>
+              </a:ext>
+            </a:extLst>
+          </p:cNvPr>
+          <p:cNvSpPr/>
+          <p:nvPr/>
+        </p:nvSpPr>
+        <p:spPr>
+          <a:xfrm>
+            <a:off x="4837611" y="3688666"/>
+            <a:ext cx="2516777" cy="696648"/>
+          </a:xfrm>
+          <a:prstGeom prst="rect">
+            <a:avLst/>
+          </a:prstGeom>
+          <a:solidFill>
+            <a:schemeClr val="bg1"/>
+          </a:solidFill>
+          <a:ln>
+            <a:solidFill>
+              <a:schemeClr val="bg1">
+                <a:lumMod val="85000"/>
+              </a:schemeClr>
+            </a:solidFill>
+          </a:ln>
+          <a:effectLst>
+            <a:outerShdw blurRad="381000" dist="127000" dir="7080000" sx="94000" sy="94000" algn="t" rotWithShape="0">
+              <a:prstClr val="black">
+                <a:alpha val="16000"/>
+              </a:prstClr>
+            </a:outerShdw>
+          </a:effectLst>
+          <a:scene3d>
+            <a:camera prst="perspectiveFront"/>
+            <a:lightRig rig="threePt" dir="t"/>
+          </a:scene3d>
+        </p:spPr>
+        <p:style>
+          <a:lnRef idx="2">
+            <a:schemeClr val="accent1">
+              <a:shade val="50000"/>
+            </a:schemeClr>
+          </a:lnRef>
+          <a:fillRef idx="1">
+            <a:schemeClr val="accent1"/>
+          </a:fillRef>
+          <a:effectRef idx="0">
+            <a:schemeClr val="accent1"/>
+          </a:effectRef>
+          <a:fontRef idx="minor">
+            <a:schemeClr val="lt1"/>
+          </a:fontRef>
+        </p:style>
+        <p:txBody>
+          <a:bodyPr tIns="144000" bIns="90000" rtlCol="0" anchor="ctr"/>
+          <a:lstStyle/>
+          <a:p>
+            <a:pPr algn="ctr" defTabSz="685800">
+              <a:defRPr/>
+            </a:pPr>
+            <a:r>
+              <a:rPr lang="en-US" sz="2000" dirty="0" err="1">
+                <a:solidFill>
+                  <a:prstClr val="black"/>
+                </a:solidFill>
+                <a:latin typeface="Poppins SemiBold" panose="00000700000000000000" pitchFamily="2" charset="0"/>
+                <a:cs typeface="Poppins SemiBold" panose="00000700000000000000" pitchFamily="2" charset="0"/>
+              </a:rPr>
+              <a:t>Siguiente</a:t>
+            </a:r>
+            <a:endParaRPr lang="en-IN" sz="2000" dirty="0">
+              <a:solidFill>
+                <a:prstClr val="black"/>
+              </a:solidFill>
+              <a:latin typeface="Poppins SemiBold" panose="00000700000000000000" pitchFamily="2" charset="0"/>
+              <a:cs typeface="Poppins SemiBold" panose="00000700000000000000" pitchFamily="2" charset="0"/>
+            </a:endParaRPr>
+          </a:p>
+        </p:txBody>
+      </p:sp>
+    </p:spTree>
+    <p:extLst>
+      <p:ext uri="{BB962C8B-B14F-4D97-AF65-F5344CB8AC3E}">
+        <p14:creationId xmlns:p14="http://schemas.microsoft.com/office/powerpoint/2010/main" val="3316722039"/>
+      </p:ext>
+    </p:extLst>
+  </p:cSld>
+  <p:clrMapOvr>
+    <a:masterClrMapping/>
+  </p:clrMapOvr>
+</p:sld>
+</file>
+
+<file path=ppt/slides/slide31.xml><?xml version="1.0" encoding="utf-8"?>
+<p:sld xmlns:a="http://schemas.openxmlformats.org/drawingml/2006/main" xmlns:r="http://schemas.openxmlformats.org/officeDocument/2006/relationships" xmlns:p="http://schemas.openxmlformats.org/presentationml/2006/main">
+  <p:cSld>
+    <p:spTree>
+      <p:nvGrpSpPr>
+        <p:cNvPr id="1" name=""/>
+        <p:cNvGrpSpPr/>
+        <p:nvPr/>
+      </p:nvGrpSpPr>
+      <p:grpSpPr>
+        <a:xfrm>
+          <a:off x="0" y="0"/>
+          <a:ext cx="0" cy="0"/>
+          <a:chOff x="0" y="0"/>
+          <a:chExt cx="0" cy="0"/>
+        </a:xfrm>
+      </p:grpSpPr>
+      <p:sp>
+        <p:nvSpPr>
+          <p:cNvPr id="2" name="Rectangle 1">
+            <a:extLst>
+              <a:ext uri="{FF2B5EF4-FFF2-40B4-BE49-F238E27FC236}">
+                <a16:creationId xmlns:a16="http://schemas.microsoft.com/office/drawing/2014/main" id="{29228A24-4A1B-41B0-A802-CD51398332B9}"/>
+              </a:ext>
+            </a:extLst>
+          </p:cNvPr>
+          <p:cNvSpPr/>
+          <p:nvPr/>
+        </p:nvSpPr>
+        <p:spPr>
+          <a:xfrm>
+            <a:off x="1976846" y="435429"/>
+            <a:ext cx="8290560" cy="1898468"/>
+          </a:xfrm>
+          <a:prstGeom prst="rect">
+            <a:avLst/>
+          </a:prstGeom>
+          <a:solidFill>
+            <a:srgbClr val="FFFF00"/>
+          </a:solidFill>
+          <a:ln>
+            <a:solidFill>
+              <a:schemeClr val="bg1">
+                <a:lumMod val="85000"/>
+              </a:schemeClr>
+            </a:solidFill>
+          </a:ln>
+          <a:effectLst>
+            <a:outerShdw blurRad="381000" dist="127000" dir="7080000" sx="94000" sy="94000" algn="t" rotWithShape="0">
+              <a:prstClr val="black">
+                <a:alpha val="16000"/>
+              </a:prstClr>
+            </a:outerShdw>
+          </a:effectLst>
+          <a:scene3d>
+            <a:camera prst="perspectiveFront"/>
+            <a:lightRig rig="threePt" dir="t"/>
+          </a:scene3d>
+        </p:spPr>
+        <p:style>
+          <a:lnRef idx="2">
+            <a:schemeClr val="accent1">
+              <a:shade val="50000"/>
+            </a:schemeClr>
+          </a:lnRef>
+          <a:fillRef idx="1">
+            <a:schemeClr val="accent1"/>
+          </a:fillRef>
+          <a:effectRef idx="0">
+            <a:schemeClr val="accent1"/>
+          </a:effectRef>
+          <a:fontRef idx="minor">
+            <a:schemeClr val="lt1"/>
+          </a:fontRef>
+        </p:style>
+        <p:txBody>
+          <a:bodyPr tIns="144000" bIns="90000" rtlCol="0" anchor="ctr"/>
+          <a:lstStyle/>
+          <a:p>
+            <a:pPr algn="ctr" defTabSz="685800"/>
+            <a:r>
+              <a:rPr lang="en-US" sz="3200" dirty="0">
+                <a:solidFill>
+                  <a:schemeClr val="tx1"/>
+                </a:solidFill>
+                <a:latin typeface="Poppins SemiBold" panose="00000700000000000000" pitchFamily="2" charset="0"/>
+                <a:cs typeface="Poppins SemiBold" panose="00000700000000000000" pitchFamily="2" charset="0"/>
+              </a:rPr>
+              <a:t>15. </a:t>
+            </a:r>
+            <a:r>
+              <a:rPr lang="en-US" sz="3200" dirty="0" err="1">
+                <a:solidFill>
+                  <a:prstClr val="black"/>
+                </a:solidFill>
+                <a:latin typeface="Poppins SemiBold" panose="00000700000000000000" pitchFamily="2" charset="0"/>
+                <a:cs typeface="Poppins SemiBold" panose="00000700000000000000" pitchFamily="2" charset="0"/>
+              </a:rPr>
+              <a:t>Pregunta</a:t>
+            </a:r>
+            <a:endParaRPr lang="en-IN" sz="3200" dirty="0">
+              <a:solidFill>
+                <a:schemeClr val="tx1"/>
+              </a:solidFill>
+              <a:latin typeface="Poppins SemiBold" panose="00000700000000000000" pitchFamily="2" charset="0"/>
+              <a:cs typeface="Poppins SemiBold" panose="00000700000000000000" pitchFamily="2" charset="0"/>
+            </a:endParaRPr>
+          </a:p>
+        </p:txBody>
+      </p:sp>
+      <p:sp>
+        <p:nvSpPr>
+          <p:cNvPr id="3" name="Rectangle 2">
+            <a:hlinkClick r:id="rId2" action="ppaction://hlinksldjump">
+              <a:snd r:embed="rId3" name="WrongAnswerSFX.wav"/>
+            </a:hlinkClick>
+            <a:extLst>
+              <a:ext uri="{FF2B5EF4-FFF2-40B4-BE49-F238E27FC236}">
+                <a16:creationId xmlns:a16="http://schemas.microsoft.com/office/drawing/2014/main" id="{93EB3632-12C3-41FB-861E-57B9D53BBF65}"/>
+              </a:ext>
+            </a:extLst>
+          </p:cNvPr>
+          <p:cNvSpPr/>
+          <p:nvPr/>
+        </p:nvSpPr>
+        <p:spPr>
+          <a:xfrm>
+            <a:off x="6296298" y="2612571"/>
+            <a:ext cx="3971108" cy="1236618"/>
+          </a:xfrm>
+          <a:prstGeom prst="rect">
+            <a:avLst/>
+          </a:prstGeom>
+          <a:solidFill>
+            <a:schemeClr val="bg1"/>
+          </a:solidFill>
+          <a:ln>
+            <a:solidFill>
+              <a:schemeClr val="bg1">
+                <a:lumMod val="85000"/>
+              </a:schemeClr>
+            </a:solidFill>
+          </a:ln>
+          <a:effectLst>
+            <a:outerShdw blurRad="381000" dist="127000" dir="7080000" sx="94000" sy="94000" algn="t" rotWithShape="0">
+              <a:prstClr val="black">
+                <a:alpha val="16000"/>
+              </a:prstClr>
+            </a:outerShdw>
+          </a:effectLst>
+          <a:scene3d>
+            <a:camera prst="perspectiveFront"/>
+            <a:lightRig rig="threePt" dir="t"/>
+          </a:scene3d>
+        </p:spPr>
+        <p:style>
+          <a:lnRef idx="2">
+            <a:schemeClr val="accent1">
+              <a:shade val="50000"/>
+            </a:schemeClr>
+          </a:lnRef>
+          <a:fillRef idx="1">
+            <a:schemeClr val="accent1"/>
+          </a:fillRef>
+          <a:effectRef idx="0">
+            <a:schemeClr val="accent1"/>
+          </a:effectRef>
+          <a:fontRef idx="minor">
+            <a:schemeClr val="lt1"/>
+          </a:fontRef>
+        </p:style>
+        <p:txBody>
+          <a:bodyPr tIns="144000" bIns="90000" rtlCol="0" anchor="ctr"/>
+          <a:lstStyle/>
+          <a:p>
+            <a:pPr algn="ctr" defTabSz="685800"/>
+            <a:r>
+              <a:rPr lang="en-US" sz="2000" dirty="0">
+                <a:solidFill>
+                  <a:schemeClr val="tx1"/>
+                </a:solidFill>
+                <a:latin typeface="Poppins SemiBold" panose="00000700000000000000" pitchFamily="2" charset="0"/>
+                <a:cs typeface="Poppins SemiBold" panose="00000700000000000000" pitchFamily="2" charset="0"/>
+              </a:rPr>
+              <a:t>Incorrect Answer</a:t>
+            </a:r>
+            <a:endParaRPr lang="en-IN" sz="2000" dirty="0">
+              <a:solidFill>
+                <a:schemeClr val="tx1"/>
+              </a:solidFill>
+              <a:latin typeface="Poppins SemiBold" panose="00000700000000000000" pitchFamily="2" charset="0"/>
+              <a:cs typeface="Poppins SemiBold" panose="00000700000000000000" pitchFamily="2" charset="0"/>
+            </a:endParaRPr>
+          </a:p>
+        </p:txBody>
+      </p:sp>
+      <p:sp>
+        <p:nvSpPr>
+          <p:cNvPr id="5" name="Rectangle 4">
+            <a:hlinkClick r:id="" action="ppaction://hlinkshowjump?jump=nextslide">
+              <a:snd r:embed="rId4" name="CorrectAnswerSFX.wav"/>
+            </a:hlinkClick>
+            <a:extLst>
+              <a:ext uri="{FF2B5EF4-FFF2-40B4-BE49-F238E27FC236}">
+                <a16:creationId xmlns:a16="http://schemas.microsoft.com/office/drawing/2014/main" id="{11A411AB-3628-4BD3-8F92-E851842AEEC9}"/>
+              </a:ext>
+            </a:extLst>
+          </p:cNvPr>
+          <p:cNvSpPr/>
+          <p:nvPr/>
+        </p:nvSpPr>
+        <p:spPr>
+          <a:xfrm>
+            <a:off x="1976846" y="2612571"/>
+            <a:ext cx="3971108" cy="1236618"/>
+          </a:xfrm>
+          <a:prstGeom prst="rect">
+            <a:avLst/>
+          </a:prstGeom>
+          <a:solidFill>
+            <a:schemeClr val="bg1"/>
+          </a:solidFill>
+          <a:ln>
+            <a:solidFill>
+              <a:schemeClr val="bg1">
+                <a:lumMod val="85000"/>
+              </a:schemeClr>
+            </a:solidFill>
+          </a:ln>
+          <a:effectLst>
+            <a:outerShdw blurRad="381000" dist="127000" dir="7080000" sx="94000" sy="94000" algn="t" rotWithShape="0">
+              <a:prstClr val="black">
+                <a:alpha val="16000"/>
+              </a:prstClr>
+            </a:outerShdw>
+          </a:effectLst>
+          <a:scene3d>
+            <a:camera prst="perspectiveFront"/>
+            <a:lightRig rig="threePt" dir="t"/>
+          </a:scene3d>
+        </p:spPr>
+        <p:style>
+          <a:lnRef idx="2">
+            <a:schemeClr val="accent1">
+              <a:shade val="50000"/>
+            </a:schemeClr>
+          </a:lnRef>
+          <a:fillRef idx="1">
+            <a:schemeClr val="accent1"/>
+          </a:fillRef>
+          <a:effectRef idx="0">
+            <a:schemeClr val="accent1"/>
+          </a:effectRef>
+          <a:fontRef idx="minor">
+            <a:schemeClr val="lt1"/>
+          </a:fontRef>
+        </p:style>
+        <p:txBody>
+          <a:bodyPr tIns="144000" bIns="90000" rtlCol="0" anchor="ctr"/>
+          <a:lstStyle/>
+          <a:p>
+            <a:pPr algn="ctr" defTabSz="685800"/>
+            <a:r>
+              <a:rPr lang="en-US" sz="2000" dirty="0">
+                <a:solidFill>
+                  <a:schemeClr val="tx1"/>
+                </a:solidFill>
+                <a:latin typeface="Poppins SemiBold" panose="00000700000000000000" pitchFamily="2" charset="0"/>
+                <a:cs typeface="Poppins SemiBold" panose="00000700000000000000" pitchFamily="2" charset="0"/>
+              </a:rPr>
+              <a:t>Respuesta </a:t>
+            </a:r>
+            <a:r>
+              <a:rPr lang="en-US" sz="2000" dirty="0" err="1">
+                <a:solidFill>
+                  <a:schemeClr val="tx1"/>
+                </a:solidFill>
+                <a:latin typeface="Poppins SemiBold" panose="00000700000000000000" pitchFamily="2" charset="0"/>
+                <a:cs typeface="Poppins SemiBold" panose="00000700000000000000" pitchFamily="2" charset="0"/>
+              </a:rPr>
+              <a:t>Correcta</a:t>
+            </a:r>
+            <a:endParaRPr lang="en-IN" sz="2000" dirty="0">
+              <a:solidFill>
+                <a:schemeClr val="tx1"/>
+              </a:solidFill>
+              <a:latin typeface="Poppins SemiBold" panose="00000700000000000000" pitchFamily="2" charset="0"/>
+              <a:cs typeface="Poppins SemiBold" panose="00000700000000000000" pitchFamily="2" charset="0"/>
+            </a:endParaRPr>
+          </a:p>
+        </p:txBody>
+      </p:sp>
+    </p:spTree>
+    <p:extLst>
+      <p:ext uri="{BB962C8B-B14F-4D97-AF65-F5344CB8AC3E}">
+        <p14:creationId xmlns:p14="http://schemas.microsoft.com/office/powerpoint/2010/main" val="2343869872"/>
+      </p:ext>
+    </p:extLst>
+  </p:cSld>
+  <p:clrMapOvr>
+    <a:masterClrMapping/>
+  </p:clrMapOvr>
+</p:sld>
+</file>
+
+<file path=ppt/slides/slide32.xml><?xml version="1.0" encoding="utf-8"?>
+<p:sld xmlns:a="http://schemas.openxmlformats.org/drawingml/2006/main" xmlns:r="http://schemas.openxmlformats.org/officeDocument/2006/relationships" xmlns:p="http://schemas.openxmlformats.org/presentationml/2006/main">
+  <p:cSld>
+    <p:bg>
+      <p:bgPr>
+        <a:solidFill>
+          <a:srgbClr val="00B050"/>
+        </a:solidFill>
+        <a:effectLst/>
+      </p:bgPr>
+    </p:bg>
+    <p:spTree>
+      <p:nvGrpSpPr>
+        <p:cNvPr id="1" name=""/>
+        <p:cNvGrpSpPr/>
+        <p:nvPr/>
+      </p:nvGrpSpPr>
+      <p:grpSpPr>
+        <a:xfrm>
+          <a:off x="0" y="0"/>
+          <a:ext cx="0" cy="0"/>
+          <a:chOff x="0" y="0"/>
+          <a:chExt cx="0" cy="0"/>
+        </a:xfrm>
+      </p:grpSpPr>
+      <p:sp>
+        <p:nvSpPr>
+          <p:cNvPr id="2" name="TextBox 1">
+            <a:extLst>
+              <a:ext uri="{FF2B5EF4-FFF2-40B4-BE49-F238E27FC236}">
+                <a16:creationId xmlns:a16="http://schemas.microsoft.com/office/drawing/2014/main" id="{60075EE3-328C-49EE-B897-556D339C339C}"/>
+              </a:ext>
+            </a:extLst>
+          </p:cNvPr>
+          <p:cNvSpPr txBox="1"/>
+          <p:nvPr/>
+        </p:nvSpPr>
+        <p:spPr>
+          <a:xfrm>
+            <a:off x="2083523" y="1549357"/>
+            <a:ext cx="8024954" cy="923330"/>
+          </a:xfrm>
+          <a:prstGeom prst="rect">
+            <a:avLst/>
+          </a:prstGeom>
+          <a:noFill/>
+        </p:spPr>
+        <p:txBody>
+          <a:bodyPr wrap="none" rtlCol="0">
+            <a:spAutoFit/>
+          </a:bodyPr>
+          <a:lstStyle/>
+          <a:p>
+            <a:pPr>
+              <a:defRPr/>
+            </a:pPr>
+            <a:r>
+              <a:rPr lang="en-US" sz="5400" b="1" dirty="0">
+                <a:solidFill>
+                  <a:prstClr val="white"/>
+                </a:solidFill>
+                <a:latin typeface="Poppins"/>
+              </a:rPr>
+              <a:t>RESPUESTA CORRECTA</a:t>
+            </a:r>
+            <a:endParaRPr lang="en-IN" sz="5400" b="1" dirty="0">
+              <a:solidFill>
+                <a:prstClr val="white"/>
+              </a:solidFill>
+              <a:latin typeface="Poppins"/>
+            </a:endParaRPr>
+          </a:p>
+        </p:txBody>
+      </p:sp>
+      <p:sp>
+        <p:nvSpPr>
+          <p:cNvPr id="3" name="Rectangle 2">
+            <a:hlinkClick r:id="" action="ppaction://hlinkshowjump?jump=nextslide"/>
+            <a:extLst>
+              <a:ext uri="{FF2B5EF4-FFF2-40B4-BE49-F238E27FC236}">
+                <a16:creationId xmlns:a16="http://schemas.microsoft.com/office/drawing/2014/main" id="{3E95FE85-01E9-48D9-93B4-B3632117840E}"/>
+              </a:ext>
+            </a:extLst>
+          </p:cNvPr>
+          <p:cNvSpPr/>
+          <p:nvPr/>
+        </p:nvSpPr>
+        <p:spPr>
+          <a:xfrm>
+            <a:off x="4837611" y="3688666"/>
+            <a:ext cx="2516777" cy="696648"/>
+          </a:xfrm>
+          <a:prstGeom prst="rect">
+            <a:avLst/>
+          </a:prstGeom>
+          <a:solidFill>
+            <a:schemeClr val="bg1"/>
+          </a:solidFill>
+          <a:ln>
+            <a:solidFill>
+              <a:schemeClr val="bg1">
+                <a:lumMod val="85000"/>
+              </a:schemeClr>
+            </a:solidFill>
+          </a:ln>
+          <a:effectLst>
+            <a:outerShdw blurRad="381000" dist="127000" dir="7080000" sx="94000" sy="94000" algn="t" rotWithShape="0">
+              <a:prstClr val="black">
+                <a:alpha val="16000"/>
+              </a:prstClr>
+            </a:outerShdw>
+          </a:effectLst>
+          <a:scene3d>
+            <a:camera prst="perspectiveFront"/>
+            <a:lightRig rig="threePt" dir="t"/>
+          </a:scene3d>
+        </p:spPr>
+        <p:style>
+          <a:lnRef idx="2">
+            <a:schemeClr val="accent1">
+              <a:shade val="50000"/>
+            </a:schemeClr>
+          </a:lnRef>
+          <a:fillRef idx="1">
+            <a:schemeClr val="accent1"/>
+          </a:fillRef>
+          <a:effectRef idx="0">
+            <a:schemeClr val="accent1"/>
+          </a:effectRef>
+          <a:fontRef idx="minor">
+            <a:schemeClr val="lt1"/>
+          </a:fontRef>
+        </p:style>
+        <p:txBody>
+          <a:bodyPr tIns="144000" bIns="90000" rtlCol="0" anchor="ctr"/>
+          <a:lstStyle/>
+          <a:p>
+            <a:pPr algn="ctr" defTabSz="685800">
+              <a:defRPr/>
+            </a:pPr>
+            <a:r>
+              <a:rPr lang="en-US" sz="2000" dirty="0" err="1">
+                <a:solidFill>
+                  <a:prstClr val="black"/>
+                </a:solidFill>
+                <a:latin typeface="Poppins SemiBold" panose="00000700000000000000" pitchFamily="2" charset="0"/>
+                <a:cs typeface="Poppins SemiBold" panose="00000700000000000000" pitchFamily="2" charset="0"/>
+              </a:rPr>
+              <a:t>Siguiente</a:t>
+            </a:r>
+            <a:endParaRPr lang="en-IN" sz="2000" dirty="0">
+              <a:solidFill>
+                <a:prstClr val="black"/>
+              </a:solidFill>
+              <a:latin typeface="Poppins SemiBold" panose="00000700000000000000" pitchFamily="2" charset="0"/>
+              <a:cs typeface="Poppins SemiBold" panose="00000700000000000000" pitchFamily="2" charset="0"/>
+            </a:endParaRPr>
+          </a:p>
+        </p:txBody>
+      </p:sp>
+    </p:spTree>
+    <p:extLst>
+      <p:ext uri="{BB962C8B-B14F-4D97-AF65-F5344CB8AC3E}">
+        <p14:creationId xmlns:p14="http://schemas.microsoft.com/office/powerpoint/2010/main" val="2596421043"/>
+      </p:ext>
+    </p:extLst>
+  </p:cSld>
+  <p:clrMapOvr>
+    <a:masterClrMapping/>
+  </p:clrMapOvr>
+</p:sld>
+</file>
+
+<file path=ppt/slides/slide33.xml><?xml version="1.0" encoding="utf-8"?>
+<p:sld xmlns:a="http://schemas.openxmlformats.org/drawingml/2006/main" xmlns:r="http://schemas.openxmlformats.org/officeDocument/2006/relationships" xmlns:p="http://schemas.openxmlformats.org/presentationml/2006/main">
+  <p:cSld>
+    <p:spTree>
+      <p:nvGrpSpPr>
+        <p:cNvPr id="1" name=""/>
+        <p:cNvGrpSpPr/>
+        <p:nvPr/>
+      </p:nvGrpSpPr>
+      <p:grpSpPr>
+        <a:xfrm>
+          <a:off x="0" y="0"/>
+          <a:ext cx="0" cy="0"/>
+          <a:chOff x="0" y="0"/>
+          <a:chExt cx="0" cy="0"/>
+        </a:xfrm>
+      </p:grpSpPr>
+      <p:sp>
+        <p:nvSpPr>
+          <p:cNvPr id="2" name="Rectangle 1">
+            <a:extLst>
+              <a:ext uri="{FF2B5EF4-FFF2-40B4-BE49-F238E27FC236}">
+                <a16:creationId xmlns:a16="http://schemas.microsoft.com/office/drawing/2014/main" id="{29228A24-4A1B-41B0-A802-CD51398332B9}"/>
+              </a:ext>
+            </a:extLst>
+          </p:cNvPr>
+          <p:cNvSpPr/>
+          <p:nvPr/>
+        </p:nvSpPr>
+        <p:spPr>
+          <a:xfrm>
+            <a:off x="1976846" y="435429"/>
+            <a:ext cx="8290560" cy="1898468"/>
+          </a:xfrm>
+          <a:prstGeom prst="rect">
+            <a:avLst/>
+          </a:prstGeom>
+          <a:solidFill>
+            <a:srgbClr val="FFFF00"/>
+          </a:solidFill>
+          <a:ln>
+            <a:solidFill>
+              <a:schemeClr val="bg1">
+                <a:lumMod val="85000"/>
+              </a:schemeClr>
+            </a:solidFill>
+          </a:ln>
+          <a:effectLst>
+            <a:outerShdw blurRad="381000" dist="127000" dir="7080000" sx="94000" sy="94000" algn="t" rotWithShape="0">
+              <a:prstClr val="black">
+                <a:alpha val="16000"/>
+              </a:prstClr>
+            </a:outerShdw>
+          </a:effectLst>
+          <a:scene3d>
+            <a:camera prst="perspectiveFront"/>
+            <a:lightRig rig="threePt" dir="t"/>
+          </a:scene3d>
+        </p:spPr>
+        <p:style>
+          <a:lnRef idx="2">
+            <a:schemeClr val="accent1">
+              <a:shade val="50000"/>
+            </a:schemeClr>
+          </a:lnRef>
+          <a:fillRef idx="1">
+            <a:schemeClr val="accent1"/>
+          </a:fillRef>
+          <a:effectRef idx="0">
+            <a:schemeClr val="accent1"/>
+          </a:effectRef>
+          <a:fontRef idx="minor">
+            <a:schemeClr val="lt1"/>
+          </a:fontRef>
+        </p:style>
+        <p:txBody>
+          <a:bodyPr tIns="144000" bIns="90000" rtlCol="0" anchor="ctr"/>
+          <a:lstStyle/>
+          <a:p>
+            <a:pPr algn="ctr" defTabSz="685800"/>
+            <a:r>
+              <a:rPr lang="en-US" sz="3200" dirty="0">
+                <a:solidFill>
+                  <a:schemeClr val="tx1"/>
+                </a:solidFill>
+                <a:latin typeface="Poppins SemiBold" panose="00000700000000000000" pitchFamily="2" charset="0"/>
+                <a:cs typeface="Poppins SemiBold" panose="00000700000000000000" pitchFamily="2" charset="0"/>
+              </a:rPr>
+              <a:t>16. </a:t>
+            </a:r>
+            <a:r>
+              <a:rPr lang="en-US" sz="3200" dirty="0" err="1">
+                <a:solidFill>
+                  <a:prstClr val="black"/>
+                </a:solidFill>
+                <a:latin typeface="Poppins SemiBold" panose="00000700000000000000" pitchFamily="2" charset="0"/>
+                <a:cs typeface="Poppins SemiBold" panose="00000700000000000000" pitchFamily="2" charset="0"/>
+              </a:rPr>
+              <a:t>Pregunta</a:t>
+            </a:r>
+            <a:endParaRPr lang="en-IN" sz="3200" dirty="0">
+              <a:solidFill>
+                <a:schemeClr val="tx1"/>
+              </a:solidFill>
+              <a:latin typeface="Poppins SemiBold" panose="00000700000000000000" pitchFamily="2" charset="0"/>
+              <a:cs typeface="Poppins SemiBold" panose="00000700000000000000" pitchFamily="2" charset="0"/>
+            </a:endParaRPr>
+          </a:p>
+        </p:txBody>
+      </p:sp>
+      <p:sp>
+        <p:nvSpPr>
+          <p:cNvPr id="3" name="Rectangle 2">
+            <a:hlinkClick r:id="rId2" action="ppaction://hlinksldjump">
+              <a:snd r:embed="rId3" name="WrongAnswerSFX.wav"/>
+            </a:hlinkClick>
+            <a:extLst>
+              <a:ext uri="{FF2B5EF4-FFF2-40B4-BE49-F238E27FC236}">
+                <a16:creationId xmlns:a16="http://schemas.microsoft.com/office/drawing/2014/main" id="{93EB3632-12C3-41FB-861E-57B9D53BBF65}"/>
+              </a:ext>
+            </a:extLst>
+          </p:cNvPr>
+          <p:cNvSpPr/>
+          <p:nvPr/>
+        </p:nvSpPr>
+        <p:spPr>
+          <a:xfrm>
+            <a:off x="6296298" y="2612571"/>
+            <a:ext cx="3971108" cy="1236618"/>
+          </a:xfrm>
+          <a:prstGeom prst="rect">
+            <a:avLst/>
+          </a:prstGeom>
+          <a:solidFill>
+            <a:schemeClr val="bg1"/>
+          </a:solidFill>
+          <a:ln>
+            <a:solidFill>
+              <a:schemeClr val="bg1">
+                <a:lumMod val="85000"/>
+              </a:schemeClr>
+            </a:solidFill>
+          </a:ln>
+          <a:effectLst>
+            <a:outerShdw blurRad="381000" dist="127000" dir="7080000" sx="94000" sy="94000" algn="t" rotWithShape="0">
+              <a:prstClr val="black">
+                <a:alpha val="16000"/>
+              </a:prstClr>
+            </a:outerShdw>
+          </a:effectLst>
+          <a:scene3d>
+            <a:camera prst="perspectiveFront"/>
+            <a:lightRig rig="threePt" dir="t"/>
+          </a:scene3d>
+        </p:spPr>
+        <p:style>
+          <a:lnRef idx="2">
+            <a:schemeClr val="accent1">
+              <a:shade val="50000"/>
+            </a:schemeClr>
+          </a:lnRef>
+          <a:fillRef idx="1">
+            <a:schemeClr val="accent1"/>
+          </a:fillRef>
+          <a:effectRef idx="0">
+            <a:schemeClr val="accent1"/>
+          </a:effectRef>
+          <a:fontRef idx="minor">
+            <a:schemeClr val="lt1"/>
+          </a:fontRef>
+        </p:style>
+        <p:txBody>
+          <a:bodyPr tIns="144000" bIns="90000" rtlCol="0" anchor="ctr"/>
+          <a:lstStyle/>
+          <a:p>
+            <a:pPr algn="ctr" defTabSz="685800"/>
+            <a:r>
+              <a:rPr lang="en-US" sz="2000" dirty="0">
+                <a:solidFill>
+                  <a:schemeClr val="tx1"/>
+                </a:solidFill>
+                <a:latin typeface="Poppins SemiBold" panose="00000700000000000000" pitchFamily="2" charset="0"/>
+                <a:cs typeface="Poppins SemiBold" panose="00000700000000000000" pitchFamily="2" charset="0"/>
+              </a:rPr>
+              <a:t>Incorrect Answer</a:t>
+            </a:r>
+            <a:endParaRPr lang="en-IN" sz="2000" dirty="0">
+              <a:solidFill>
+                <a:schemeClr val="tx1"/>
+              </a:solidFill>
+              <a:latin typeface="Poppins SemiBold" panose="00000700000000000000" pitchFamily="2" charset="0"/>
+              <a:cs typeface="Poppins SemiBold" panose="00000700000000000000" pitchFamily="2" charset="0"/>
+            </a:endParaRPr>
+          </a:p>
+        </p:txBody>
+      </p:sp>
+      <p:sp>
+        <p:nvSpPr>
+          <p:cNvPr id="5" name="Rectangle 4">
+            <a:hlinkClick r:id="" action="ppaction://hlinkshowjump?jump=nextslide">
+              <a:snd r:embed="rId4" name="CorrectAnswerSFX.wav"/>
+            </a:hlinkClick>
+            <a:extLst>
+              <a:ext uri="{FF2B5EF4-FFF2-40B4-BE49-F238E27FC236}">
+                <a16:creationId xmlns:a16="http://schemas.microsoft.com/office/drawing/2014/main" id="{11A411AB-3628-4BD3-8F92-E851842AEEC9}"/>
+              </a:ext>
+            </a:extLst>
+          </p:cNvPr>
+          <p:cNvSpPr/>
+          <p:nvPr/>
+        </p:nvSpPr>
+        <p:spPr>
+          <a:xfrm>
+            <a:off x="1976846" y="2612571"/>
+            <a:ext cx="3971108" cy="1236618"/>
+          </a:xfrm>
+          <a:prstGeom prst="rect">
+            <a:avLst/>
+          </a:prstGeom>
+          <a:solidFill>
+            <a:schemeClr val="bg1"/>
+          </a:solidFill>
+          <a:ln>
+            <a:solidFill>
+              <a:schemeClr val="bg1">
+                <a:lumMod val="85000"/>
+              </a:schemeClr>
+            </a:solidFill>
+          </a:ln>
+          <a:effectLst>
+            <a:outerShdw blurRad="381000" dist="127000" dir="7080000" sx="94000" sy="94000" algn="t" rotWithShape="0">
+              <a:prstClr val="black">
+                <a:alpha val="16000"/>
+              </a:prstClr>
+            </a:outerShdw>
+          </a:effectLst>
+          <a:scene3d>
+            <a:camera prst="perspectiveFront"/>
+            <a:lightRig rig="threePt" dir="t"/>
+          </a:scene3d>
+        </p:spPr>
+        <p:style>
+          <a:lnRef idx="2">
+            <a:schemeClr val="accent1">
+              <a:shade val="50000"/>
+            </a:schemeClr>
+          </a:lnRef>
+          <a:fillRef idx="1">
+            <a:schemeClr val="accent1"/>
+          </a:fillRef>
+          <a:effectRef idx="0">
+            <a:schemeClr val="accent1"/>
+          </a:effectRef>
+          <a:fontRef idx="minor">
+            <a:schemeClr val="lt1"/>
+          </a:fontRef>
+        </p:style>
+        <p:txBody>
+          <a:bodyPr tIns="144000" bIns="90000" rtlCol="0" anchor="ctr"/>
+          <a:lstStyle/>
+          <a:p>
+            <a:pPr algn="ctr" defTabSz="685800"/>
+            <a:r>
+              <a:rPr lang="en-US" sz="2000" dirty="0">
+                <a:solidFill>
+                  <a:schemeClr val="tx1"/>
+                </a:solidFill>
+                <a:latin typeface="Poppins SemiBold" panose="00000700000000000000" pitchFamily="2" charset="0"/>
+                <a:cs typeface="Poppins SemiBold" panose="00000700000000000000" pitchFamily="2" charset="0"/>
+              </a:rPr>
+              <a:t>Respuesta </a:t>
+            </a:r>
+            <a:r>
+              <a:rPr lang="en-US" sz="2000" dirty="0" err="1">
+                <a:solidFill>
+                  <a:schemeClr val="tx1"/>
+                </a:solidFill>
+                <a:latin typeface="Poppins SemiBold" panose="00000700000000000000" pitchFamily="2" charset="0"/>
+                <a:cs typeface="Poppins SemiBold" panose="00000700000000000000" pitchFamily="2" charset="0"/>
+              </a:rPr>
+              <a:t>Correcta</a:t>
+            </a:r>
+            <a:endParaRPr lang="en-IN" sz="2000" dirty="0">
+              <a:solidFill>
+                <a:schemeClr val="tx1"/>
+              </a:solidFill>
+              <a:latin typeface="Poppins SemiBold" panose="00000700000000000000" pitchFamily="2" charset="0"/>
+              <a:cs typeface="Poppins SemiBold" panose="00000700000000000000" pitchFamily="2" charset="0"/>
+            </a:endParaRPr>
+          </a:p>
+        </p:txBody>
+      </p:sp>
+    </p:spTree>
+    <p:extLst>
+      <p:ext uri="{BB962C8B-B14F-4D97-AF65-F5344CB8AC3E}">
+        <p14:creationId xmlns:p14="http://schemas.microsoft.com/office/powerpoint/2010/main" val="3263231489"/>
+      </p:ext>
+    </p:extLst>
+  </p:cSld>
+  <p:clrMapOvr>
+    <a:masterClrMapping/>
+  </p:clrMapOvr>
+</p:sld>
+</file>
+
+<file path=ppt/slides/slide34.xml><?xml version="1.0" encoding="utf-8"?>
+<p:sld xmlns:a="http://schemas.openxmlformats.org/drawingml/2006/main" xmlns:r="http://schemas.openxmlformats.org/officeDocument/2006/relationships" xmlns:p="http://schemas.openxmlformats.org/presentationml/2006/main">
+  <p:cSld>
+    <p:bg>
+      <p:bgPr>
+        <a:solidFill>
+          <a:srgbClr val="00B050"/>
+        </a:solidFill>
+        <a:effectLst/>
+      </p:bgPr>
+    </p:bg>
+    <p:spTree>
+      <p:nvGrpSpPr>
+        <p:cNvPr id="1" name=""/>
+        <p:cNvGrpSpPr/>
+        <p:nvPr/>
+      </p:nvGrpSpPr>
+      <p:grpSpPr>
+        <a:xfrm>
+          <a:off x="0" y="0"/>
+          <a:ext cx="0" cy="0"/>
+          <a:chOff x="0" y="0"/>
+          <a:chExt cx="0" cy="0"/>
+        </a:xfrm>
+      </p:grpSpPr>
+      <p:sp>
+        <p:nvSpPr>
+          <p:cNvPr id="2" name="TextBox 1">
+            <a:extLst>
+              <a:ext uri="{FF2B5EF4-FFF2-40B4-BE49-F238E27FC236}">
+                <a16:creationId xmlns:a16="http://schemas.microsoft.com/office/drawing/2014/main" id="{60075EE3-328C-49EE-B897-556D339C339C}"/>
+              </a:ext>
+            </a:extLst>
+          </p:cNvPr>
+          <p:cNvSpPr txBox="1"/>
+          <p:nvPr/>
+        </p:nvSpPr>
+        <p:spPr>
+          <a:xfrm>
+            <a:off x="2083523" y="1549357"/>
+            <a:ext cx="8024954" cy="923330"/>
+          </a:xfrm>
+          <a:prstGeom prst="rect">
+            <a:avLst/>
+          </a:prstGeom>
+          <a:noFill/>
+        </p:spPr>
+        <p:txBody>
+          <a:bodyPr wrap="none" rtlCol="0">
+            <a:spAutoFit/>
+          </a:bodyPr>
+          <a:lstStyle/>
+          <a:p>
+            <a:pPr>
+              <a:defRPr/>
+            </a:pPr>
+            <a:r>
+              <a:rPr lang="en-US" sz="5400" b="1" dirty="0">
+                <a:solidFill>
+                  <a:prstClr val="white"/>
+                </a:solidFill>
+                <a:latin typeface="Poppins"/>
+              </a:rPr>
+              <a:t>RESPUESTA CORRECTA</a:t>
+            </a:r>
+            <a:endParaRPr lang="en-IN" sz="5400" b="1" dirty="0">
+              <a:solidFill>
+                <a:prstClr val="white"/>
+              </a:solidFill>
+              <a:latin typeface="Poppins"/>
+            </a:endParaRPr>
+          </a:p>
+        </p:txBody>
+      </p:sp>
+      <p:sp>
+        <p:nvSpPr>
+          <p:cNvPr id="3" name="Rectangle 2">
+            <a:hlinkClick r:id="" action="ppaction://hlinkshowjump?jump=nextslide"/>
+            <a:extLst>
+              <a:ext uri="{FF2B5EF4-FFF2-40B4-BE49-F238E27FC236}">
+                <a16:creationId xmlns:a16="http://schemas.microsoft.com/office/drawing/2014/main" id="{3E95FE85-01E9-48D9-93B4-B3632117840E}"/>
+              </a:ext>
+            </a:extLst>
+          </p:cNvPr>
+          <p:cNvSpPr/>
+          <p:nvPr/>
+        </p:nvSpPr>
+        <p:spPr>
+          <a:xfrm>
+            <a:off x="4837611" y="3688666"/>
+            <a:ext cx="2516777" cy="696648"/>
+          </a:xfrm>
+          <a:prstGeom prst="rect">
+            <a:avLst/>
+          </a:prstGeom>
+          <a:solidFill>
+            <a:schemeClr val="bg1"/>
+          </a:solidFill>
+          <a:ln>
+            <a:solidFill>
+              <a:schemeClr val="bg1">
+                <a:lumMod val="85000"/>
+              </a:schemeClr>
+            </a:solidFill>
+          </a:ln>
+          <a:effectLst>
+            <a:outerShdw blurRad="381000" dist="127000" dir="7080000" sx="94000" sy="94000" algn="t" rotWithShape="0">
+              <a:prstClr val="black">
+                <a:alpha val="16000"/>
+              </a:prstClr>
+            </a:outerShdw>
+          </a:effectLst>
+          <a:scene3d>
+            <a:camera prst="perspectiveFront"/>
+            <a:lightRig rig="threePt" dir="t"/>
+          </a:scene3d>
+        </p:spPr>
+        <p:style>
+          <a:lnRef idx="2">
+            <a:schemeClr val="accent1">
+              <a:shade val="50000"/>
+            </a:schemeClr>
+          </a:lnRef>
+          <a:fillRef idx="1">
+            <a:schemeClr val="accent1"/>
+          </a:fillRef>
+          <a:effectRef idx="0">
+            <a:schemeClr val="accent1"/>
+          </a:effectRef>
+          <a:fontRef idx="minor">
+            <a:schemeClr val="lt1"/>
+          </a:fontRef>
+        </p:style>
+        <p:txBody>
+          <a:bodyPr tIns="144000" bIns="90000" rtlCol="0" anchor="ctr"/>
+          <a:lstStyle/>
+          <a:p>
+            <a:pPr algn="ctr" defTabSz="685800">
+              <a:defRPr/>
+            </a:pPr>
+            <a:r>
+              <a:rPr lang="en-US" sz="2000" dirty="0" err="1">
+                <a:solidFill>
+                  <a:prstClr val="black"/>
+                </a:solidFill>
+                <a:latin typeface="Poppins SemiBold" panose="00000700000000000000" pitchFamily="2" charset="0"/>
+                <a:cs typeface="Poppins SemiBold" panose="00000700000000000000" pitchFamily="2" charset="0"/>
+              </a:rPr>
+              <a:t>Siguiente</a:t>
+            </a:r>
+            <a:endParaRPr lang="en-IN" sz="2000" dirty="0">
+              <a:solidFill>
+                <a:prstClr val="black"/>
+              </a:solidFill>
+              <a:latin typeface="Poppins SemiBold" panose="00000700000000000000" pitchFamily="2" charset="0"/>
+              <a:cs typeface="Poppins SemiBold" panose="00000700000000000000" pitchFamily="2" charset="0"/>
+            </a:endParaRPr>
+          </a:p>
+        </p:txBody>
+      </p:sp>
+    </p:spTree>
+    <p:extLst>
+      <p:ext uri="{BB962C8B-B14F-4D97-AF65-F5344CB8AC3E}">
+        <p14:creationId xmlns:p14="http://schemas.microsoft.com/office/powerpoint/2010/main" val="3833078793"/>
+      </p:ext>
+    </p:extLst>
+  </p:cSld>
+  <p:clrMapOvr>
+    <a:masterClrMapping/>
+  </p:clrMapOvr>
+</p:sld>
+</file>
+
+<file path=ppt/slides/slide35.xml><?xml version="1.0" encoding="utf-8"?>
+<p:sld xmlns:a="http://schemas.openxmlformats.org/drawingml/2006/main" xmlns:r="http://schemas.openxmlformats.org/officeDocument/2006/relationships" xmlns:p="http://schemas.openxmlformats.org/presentationml/2006/main">
+  <p:cSld>
+    <p:spTree>
+      <p:nvGrpSpPr>
+        <p:cNvPr id="1" name=""/>
+        <p:cNvGrpSpPr/>
+        <p:nvPr/>
+      </p:nvGrpSpPr>
+      <p:grpSpPr>
+        <a:xfrm>
+          <a:off x="0" y="0"/>
+          <a:ext cx="0" cy="0"/>
+          <a:chOff x="0" y="0"/>
+          <a:chExt cx="0" cy="0"/>
+        </a:xfrm>
+      </p:grpSpPr>
+      <p:sp>
+        <p:nvSpPr>
+          <p:cNvPr id="2" name="Rectangle 1">
+            <a:extLst>
+              <a:ext uri="{FF2B5EF4-FFF2-40B4-BE49-F238E27FC236}">
+                <a16:creationId xmlns:a16="http://schemas.microsoft.com/office/drawing/2014/main" id="{29228A24-4A1B-41B0-A802-CD51398332B9}"/>
+              </a:ext>
+            </a:extLst>
+          </p:cNvPr>
+          <p:cNvSpPr/>
+          <p:nvPr/>
+        </p:nvSpPr>
+        <p:spPr>
+          <a:xfrm>
+            <a:off x="1976846" y="435429"/>
+            <a:ext cx="8290560" cy="1898468"/>
+          </a:xfrm>
+          <a:prstGeom prst="rect">
+            <a:avLst/>
+          </a:prstGeom>
+          <a:solidFill>
+            <a:srgbClr val="FFFF00"/>
+          </a:solidFill>
+          <a:ln>
+            <a:solidFill>
+              <a:schemeClr val="bg1">
+                <a:lumMod val="85000"/>
+              </a:schemeClr>
+            </a:solidFill>
+          </a:ln>
+          <a:effectLst>
+            <a:outerShdw blurRad="381000" dist="127000" dir="7080000" sx="94000" sy="94000" algn="t" rotWithShape="0">
+              <a:prstClr val="black">
+                <a:alpha val="16000"/>
+              </a:prstClr>
+            </a:outerShdw>
+          </a:effectLst>
+          <a:scene3d>
+            <a:camera prst="perspectiveFront"/>
+            <a:lightRig rig="threePt" dir="t"/>
+          </a:scene3d>
+        </p:spPr>
+        <p:style>
+          <a:lnRef idx="2">
+            <a:schemeClr val="accent1">
+              <a:shade val="50000"/>
+            </a:schemeClr>
+          </a:lnRef>
+          <a:fillRef idx="1">
+            <a:schemeClr val="accent1"/>
+          </a:fillRef>
+          <a:effectRef idx="0">
+            <a:schemeClr val="accent1"/>
+          </a:effectRef>
+          <a:fontRef idx="minor">
+            <a:schemeClr val="lt1"/>
+          </a:fontRef>
+        </p:style>
+        <p:txBody>
+          <a:bodyPr tIns="144000" bIns="90000" rtlCol="0" anchor="ctr"/>
+          <a:lstStyle/>
+          <a:p>
+            <a:pPr algn="ctr" defTabSz="685800"/>
+            <a:r>
+              <a:rPr lang="en-US" sz="3200" dirty="0">
+                <a:solidFill>
+                  <a:schemeClr val="tx1"/>
+                </a:solidFill>
+                <a:latin typeface="Poppins SemiBold" panose="00000700000000000000" pitchFamily="2" charset="0"/>
+                <a:cs typeface="Poppins SemiBold" panose="00000700000000000000" pitchFamily="2" charset="0"/>
+              </a:rPr>
+              <a:t>17. </a:t>
+            </a:r>
+            <a:r>
+              <a:rPr lang="en-US" sz="3200" dirty="0" err="1">
+                <a:solidFill>
+                  <a:prstClr val="black"/>
+                </a:solidFill>
+                <a:latin typeface="Poppins SemiBold" panose="00000700000000000000" pitchFamily="2" charset="0"/>
+                <a:cs typeface="Poppins SemiBold" panose="00000700000000000000" pitchFamily="2" charset="0"/>
+              </a:rPr>
+              <a:t>Pregunta</a:t>
+            </a:r>
+            <a:endParaRPr lang="en-IN" sz="3200" dirty="0">
+              <a:solidFill>
+                <a:schemeClr val="tx1"/>
+              </a:solidFill>
+              <a:latin typeface="Poppins SemiBold" panose="00000700000000000000" pitchFamily="2" charset="0"/>
+              <a:cs typeface="Poppins SemiBold" panose="00000700000000000000" pitchFamily="2" charset="0"/>
+            </a:endParaRPr>
+          </a:p>
+        </p:txBody>
+      </p:sp>
+      <p:sp>
+        <p:nvSpPr>
+          <p:cNvPr id="3" name="Rectangle 2">
+            <a:hlinkClick r:id="rId2" action="ppaction://hlinksldjump">
+              <a:snd r:embed="rId3" name="WrongAnswerSFX.wav"/>
+            </a:hlinkClick>
+            <a:extLst>
+              <a:ext uri="{FF2B5EF4-FFF2-40B4-BE49-F238E27FC236}">
+                <a16:creationId xmlns:a16="http://schemas.microsoft.com/office/drawing/2014/main" id="{93EB3632-12C3-41FB-861E-57B9D53BBF65}"/>
+              </a:ext>
+            </a:extLst>
+          </p:cNvPr>
+          <p:cNvSpPr/>
+          <p:nvPr/>
+        </p:nvSpPr>
+        <p:spPr>
+          <a:xfrm>
+            <a:off x="6296298" y="2612571"/>
+            <a:ext cx="3971108" cy="1236618"/>
+          </a:xfrm>
+          <a:prstGeom prst="rect">
+            <a:avLst/>
+          </a:prstGeom>
+          <a:solidFill>
+            <a:schemeClr val="bg1"/>
+          </a:solidFill>
+          <a:ln>
+            <a:solidFill>
+              <a:schemeClr val="bg1">
+                <a:lumMod val="85000"/>
+              </a:schemeClr>
+            </a:solidFill>
+          </a:ln>
+          <a:effectLst>
+            <a:outerShdw blurRad="381000" dist="127000" dir="7080000" sx="94000" sy="94000" algn="t" rotWithShape="0">
+              <a:prstClr val="black">
+                <a:alpha val="16000"/>
+              </a:prstClr>
+            </a:outerShdw>
+          </a:effectLst>
+          <a:scene3d>
+            <a:camera prst="perspectiveFront"/>
+            <a:lightRig rig="threePt" dir="t"/>
+          </a:scene3d>
+        </p:spPr>
+        <p:style>
+          <a:lnRef idx="2">
+            <a:schemeClr val="accent1">
+              <a:shade val="50000"/>
+            </a:schemeClr>
+          </a:lnRef>
+          <a:fillRef idx="1">
+            <a:schemeClr val="accent1"/>
+          </a:fillRef>
+          <a:effectRef idx="0">
+            <a:schemeClr val="accent1"/>
+          </a:effectRef>
+          <a:fontRef idx="minor">
+            <a:schemeClr val="lt1"/>
+          </a:fontRef>
+        </p:style>
+        <p:txBody>
+          <a:bodyPr tIns="144000" bIns="90000" rtlCol="0" anchor="ctr"/>
+          <a:lstStyle/>
+          <a:p>
+            <a:pPr algn="ctr" defTabSz="685800"/>
+            <a:r>
+              <a:rPr lang="en-US" sz="2000" dirty="0">
+                <a:solidFill>
+                  <a:schemeClr val="tx1"/>
+                </a:solidFill>
+                <a:latin typeface="Poppins SemiBold" panose="00000700000000000000" pitchFamily="2" charset="0"/>
+                <a:cs typeface="Poppins SemiBold" panose="00000700000000000000" pitchFamily="2" charset="0"/>
+              </a:rPr>
+              <a:t>Incorrect Answer</a:t>
+            </a:r>
+            <a:endParaRPr lang="en-IN" sz="2000" dirty="0">
+              <a:solidFill>
+                <a:schemeClr val="tx1"/>
+              </a:solidFill>
+              <a:latin typeface="Poppins SemiBold" panose="00000700000000000000" pitchFamily="2" charset="0"/>
+              <a:cs typeface="Poppins SemiBold" panose="00000700000000000000" pitchFamily="2" charset="0"/>
+            </a:endParaRPr>
+          </a:p>
+        </p:txBody>
+      </p:sp>
+      <p:sp>
+        <p:nvSpPr>
+          <p:cNvPr id="5" name="Rectangle 4">
+            <a:hlinkClick r:id="" action="ppaction://hlinkshowjump?jump=nextslide">
+              <a:snd r:embed="rId4" name="CorrectAnswerSFX.wav"/>
+            </a:hlinkClick>
+            <a:extLst>
+              <a:ext uri="{FF2B5EF4-FFF2-40B4-BE49-F238E27FC236}">
+                <a16:creationId xmlns:a16="http://schemas.microsoft.com/office/drawing/2014/main" id="{11A411AB-3628-4BD3-8F92-E851842AEEC9}"/>
+              </a:ext>
+            </a:extLst>
+          </p:cNvPr>
+          <p:cNvSpPr/>
+          <p:nvPr/>
+        </p:nvSpPr>
+        <p:spPr>
+          <a:xfrm>
+            <a:off x="1976846" y="2612571"/>
+            <a:ext cx="3971108" cy="1236618"/>
+          </a:xfrm>
+          <a:prstGeom prst="rect">
+            <a:avLst/>
+          </a:prstGeom>
+          <a:solidFill>
+            <a:schemeClr val="bg1"/>
+          </a:solidFill>
+          <a:ln>
+            <a:solidFill>
+              <a:schemeClr val="bg1">
+                <a:lumMod val="85000"/>
+              </a:schemeClr>
+            </a:solidFill>
+          </a:ln>
+          <a:effectLst>
+            <a:outerShdw blurRad="381000" dist="127000" dir="7080000" sx="94000" sy="94000" algn="t" rotWithShape="0">
+              <a:prstClr val="black">
+                <a:alpha val="16000"/>
+              </a:prstClr>
+            </a:outerShdw>
+          </a:effectLst>
+          <a:scene3d>
+            <a:camera prst="perspectiveFront"/>
+            <a:lightRig rig="threePt" dir="t"/>
+          </a:scene3d>
+        </p:spPr>
+        <p:style>
+          <a:lnRef idx="2">
+            <a:schemeClr val="accent1">
+              <a:shade val="50000"/>
+            </a:schemeClr>
+          </a:lnRef>
+          <a:fillRef idx="1">
+            <a:schemeClr val="accent1"/>
+          </a:fillRef>
+          <a:effectRef idx="0">
+            <a:schemeClr val="accent1"/>
+          </a:effectRef>
+          <a:fontRef idx="minor">
+            <a:schemeClr val="lt1"/>
+          </a:fontRef>
+        </p:style>
+        <p:txBody>
+          <a:bodyPr tIns="144000" bIns="90000" rtlCol="0" anchor="ctr"/>
+          <a:lstStyle/>
+          <a:p>
+            <a:pPr algn="ctr" defTabSz="685800"/>
+            <a:r>
+              <a:rPr lang="en-US" sz="2000" dirty="0">
+                <a:solidFill>
+                  <a:schemeClr val="tx1"/>
+                </a:solidFill>
+                <a:latin typeface="Poppins SemiBold" panose="00000700000000000000" pitchFamily="2" charset="0"/>
+                <a:cs typeface="Poppins SemiBold" panose="00000700000000000000" pitchFamily="2" charset="0"/>
+              </a:rPr>
+              <a:t>Respuesta </a:t>
+            </a:r>
+            <a:r>
+              <a:rPr lang="en-US" sz="2000" dirty="0" err="1">
+                <a:solidFill>
+                  <a:schemeClr val="tx1"/>
+                </a:solidFill>
+                <a:latin typeface="Poppins SemiBold" panose="00000700000000000000" pitchFamily="2" charset="0"/>
+                <a:cs typeface="Poppins SemiBold" panose="00000700000000000000" pitchFamily="2" charset="0"/>
+              </a:rPr>
+              <a:t>Correcta</a:t>
+            </a:r>
+            <a:endParaRPr lang="en-IN" sz="2000" dirty="0">
+              <a:solidFill>
+                <a:schemeClr val="tx1"/>
+              </a:solidFill>
+              <a:latin typeface="Poppins SemiBold" panose="00000700000000000000" pitchFamily="2" charset="0"/>
+              <a:cs typeface="Poppins SemiBold" panose="00000700000000000000" pitchFamily="2" charset="0"/>
+            </a:endParaRPr>
+          </a:p>
+        </p:txBody>
+      </p:sp>
+    </p:spTree>
+    <p:extLst>
+      <p:ext uri="{BB962C8B-B14F-4D97-AF65-F5344CB8AC3E}">
+        <p14:creationId xmlns:p14="http://schemas.microsoft.com/office/powerpoint/2010/main" val="3611037459"/>
+      </p:ext>
+    </p:extLst>
+  </p:cSld>
+  <p:clrMapOvr>
+    <a:masterClrMapping/>
+  </p:clrMapOvr>
+</p:sld>
+</file>
+
+<file path=ppt/slides/slide36.xml><?xml version="1.0" encoding="utf-8"?>
+<p:sld xmlns:a="http://schemas.openxmlformats.org/drawingml/2006/main" xmlns:r="http://schemas.openxmlformats.org/officeDocument/2006/relationships" xmlns:p="http://schemas.openxmlformats.org/presentationml/2006/main">
+  <p:cSld>
+    <p:bg>
+      <p:bgPr>
+        <a:solidFill>
+          <a:srgbClr val="00B050"/>
+        </a:solidFill>
+        <a:effectLst/>
+      </p:bgPr>
+    </p:bg>
+    <p:spTree>
+      <p:nvGrpSpPr>
+        <p:cNvPr id="1" name=""/>
+        <p:cNvGrpSpPr/>
+        <p:nvPr/>
+      </p:nvGrpSpPr>
+      <p:grpSpPr>
+        <a:xfrm>
+          <a:off x="0" y="0"/>
+          <a:ext cx="0" cy="0"/>
+          <a:chOff x="0" y="0"/>
+          <a:chExt cx="0" cy="0"/>
+        </a:xfrm>
+      </p:grpSpPr>
+      <p:sp>
+        <p:nvSpPr>
+          <p:cNvPr id="2" name="TextBox 1">
+            <a:extLst>
+              <a:ext uri="{FF2B5EF4-FFF2-40B4-BE49-F238E27FC236}">
+                <a16:creationId xmlns:a16="http://schemas.microsoft.com/office/drawing/2014/main" id="{60075EE3-328C-49EE-B897-556D339C339C}"/>
+              </a:ext>
+            </a:extLst>
+          </p:cNvPr>
+          <p:cNvSpPr txBox="1"/>
+          <p:nvPr/>
+        </p:nvSpPr>
+        <p:spPr>
+          <a:xfrm>
+            <a:off x="2083523" y="1549357"/>
+            <a:ext cx="8024954" cy="923330"/>
+          </a:xfrm>
+          <a:prstGeom prst="rect">
+            <a:avLst/>
+          </a:prstGeom>
+          <a:noFill/>
+        </p:spPr>
+        <p:txBody>
+          <a:bodyPr wrap="none" rtlCol="0">
+            <a:spAutoFit/>
+          </a:bodyPr>
+          <a:lstStyle/>
+          <a:p>
+            <a:pPr>
+              <a:defRPr/>
+            </a:pPr>
+            <a:r>
+              <a:rPr lang="en-US" sz="5400" b="1" dirty="0">
+                <a:solidFill>
+                  <a:prstClr val="white"/>
+                </a:solidFill>
+                <a:latin typeface="Poppins"/>
+              </a:rPr>
+              <a:t>RESPUESTA CORRECTA</a:t>
+            </a:r>
+            <a:endParaRPr lang="en-IN" sz="5400" b="1" dirty="0">
+              <a:solidFill>
+                <a:prstClr val="white"/>
+              </a:solidFill>
+              <a:latin typeface="Poppins"/>
+            </a:endParaRPr>
+          </a:p>
+        </p:txBody>
+      </p:sp>
+      <p:sp>
+        <p:nvSpPr>
+          <p:cNvPr id="3" name="Rectangle 2">
+            <a:hlinkClick r:id="" action="ppaction://hlinkshowjump?jump=nextslide"/>
+            <a:extLst>
+              <a:ext uri="{FF2B5EF4-FFF2-40B4-BE49-F238E27FC236}">
+                <a16:creationId xmlns:a16="http://schemas.microsoft.com/office/drawing/2014/main" id="{3E95FE85-01E9-48D9-93B4-B3632117840E}"/>
+              </a:ext>
+            </a:extLst>
+          </p:cNvPr>
+          <p:cNvSpPr/>
+          <p:nvPr/>
+        </p:nvSpPr>
+        <p:spPr>
+          <a:xfrm>
+            <a:off x="4837611" y="3688666"/>
+            <a:ext cx="2516777" cy="696648"/>
+          </a:xfrm>
+          <a:prstGeom prst="rect">
+            <a:avLst/>
+          </a:prstGeom>
+          <a:solidFill>
+            <a:schemeClr val="bg1"/>
+          </a:solidFill>
+          <a:ln>
+            <a:solidFill>
+              <a:schemeClr val="bg1">
+                <a:lumMod val="85000"/>
+              </a:schemeClr>
+            </a:solidFill>
+          </a:ln>
+          <a:effectLst>
+            <a:outerShdw blurRad="381000" dist="127000" dir="7080000" sx="94000" sy="94000" algn="t" rotWithShape="0">
+              <a:prstClr val="black">
+                <a:alpha val="16000"/>
+              </a:prstClr>
+            </a:outerShdw>
+          </a:effectLst>
+          <a:scene3d>
+            <a:camera prst="perspectiveFront"/>
+            <a:lightRig rig="threePt" dir="t"/>
+          </a:scene3d>
+        </p:spPr>
+        <p:style>
+          <a:lnRef idx="2">
+            <a:schemeClr val="accent1">
+              <a:shade val="50000"/>
+            </a:schemeClr>
+          </a:lnRef>
+          <a:fillRef idx="1">
+            <a:schemeClr val="accent1"/>
+          </a:fillRef>
+          <a:effectRef idx="0">
+            <a:schemeClr val="accent1"/>
+          </a:effectRef>
+          <a:fontRef idx="minor">
+            <a:schemeClr val="lt1"/>
+          </a:fontRef>
+        </p:style>
+        <p:txBody>
+          <a:bodyPr tIns="144000" bIns="90000" rtlCol="0" anchor="ctr"/>
+          <a:lstStyle/>
+          <a:p>
+            <a:pPr algn="ctr" defTabSz="685800">
+              <a:defRPr/>
+            </a:pPr>
+            <a:r>
+              <a:rPr lang="en-US" sz="2000" dirty="0" err="1">
+                <a:solidFill>
+                  <a:prstClr val="black"/>
+                </a:solidFill>
+                <a:latin typeface="Poppins SemiBold" panose="00000700000000000000" pitchFamily="2" charset="0"/>
+                <a:cs typeface="Poppins SemiBold" panose="00000700000000000000" pitchFamily="2" charset="0"/>
+              </a:rPr>
+              <a:t>Siguiente</a:t>
+            </a:r>
+            <a:endParaRPr lang="en-IN" sz="2000" dirty="0">
+              <a:solidFill>
+                <a:prstClr val="black"/>
+              </a:solidFill>
+              <a:latin typeface="Poppins SemiBold" panose="00000700000000000000" pitchFamily="2" charset="0"/>
+              <a:cs typeface="Poppins SemiBold" panose="00000700000000000000" pitchFamily="2" charset="0"/>
+            </a:endParaRPr>
+          </a:p>
+        </p:txBody>
+      </p:sp>
+    </p:spTree>
+    <p:extLst>
+      <p:ext uri="{BB962C8B-B14F-4D97-AF65-F5344CB8AC3E}">
+        <p14:creationId xmlns:p14="http://schemas.microsoft.com/office/powerpoint/2010/main" val="1350819690"/>
+      </p:ext>
+    </p:extLst>
+  </p:cSld>
+  <p:clrMapOvr>
+    <a:masterClrMapping/>
+  </p:clrMapOvr>
+</p:sld>
+</file>
+
+<file path=ppt/slides/slide37.xml><?xml version="1.0" encoding="utf-8"?>
+<p:sld xmlns:a="http://schemas.openxmlformats.org/drawingml/2006/main" xmlns:r="http://schemas.openxmlformats.org/officeDocument/2006/relationships" xmlns:p="http://schemas.openxmlformats.org/presentationml/2006/main">
+  <p:cSld>
+    <p:spTree>
+      <p:nvGrpSpPr>
+        <p:cNvPr id="1" name=""/>
+        <p:cNvGrpSpPr/>
+        <p:nvPr/>
+      </p:nvGrpSpPr>
+      <p:grpSpPr>
+        <a:xfrm>
+          <a:off x="0" y="0"/>
+          <a:ext cx="0" cy="0"/>
+          <a:chOff x="0" y="0"/>
+          <a:chExt cx="0" cy="0"/>
+        </a:xfrm>
+      </p:grpSpPr>
+      <p:sp>
+        <p:nvSpPr>
+          <p:cNvPr id="2" name="Rectangle 1">
+            <a:extLst>
+              <a:ext uri="{FF2B5EF4-FFF2-40B4-BE49-F238E27FC236}">
+                <a16:creationId xmlns:a16="http://schemas.microsoft.com/office/drawing/2014/main" id="{29228A24-4A1B-41B0-A802-CD51398332B9}"/>
+              </a:ext>
+            </a:extLst>
+          </p:cNvPr>
+          <p:cNvSpPr/>
+          <p:nvPr/>
+        </p:nvSpPr>
+        <p:spPr>
+          <a:xfrm>
+            <a:off x="1976846" y="435429"/>
+            <a:ext cx="8290560" cy="1898468"/>
+          </a:xfrm>
+          <a:prstGeom prst="rect">
+            <a:avLst/>
+          </a:prstGeom>
+          <a:solidFill>
+            <a:srgbClr val="FFFF00"/>
+          </a:solidFill>
+          <a:ln>
+            <a:solidFill>
+              <a:schemeClr val="bg1">
+                <a:lumMod val="85000"/>
+              </a:schemeClr>
+            </a:solidFill>
+          </a:ln>
+          <a:effectLst>
+            <a:outerShdw blurRad="381000" dist="127000" dir="7080000" sx="94000" sy="94000" algn="t" rotWithShape="0">
+              <a:prstClr val="black">
+                <a:alpha val="16000"/>
+              </a:prstClr>
+            </a:outerShdw>
+          </a:effectLst>
+          <a:scene3d>
+            <a:camera prst="perspectiveFront"/>
+            <a:lightRig rig="threePt" dir="t"/>
+          </a:scene3d>
+        </p:spPr>
+        <p:style>
+          <a:lnRef idx="2">
+            <a:schemeClr val="accent1">
+              <a:shade val="50000"/>
+            </a:schemeClr>
+          </a:lnRef>
+          <a:fillRef idx="1">
+            <a:schemeClr val="accent1"/>
+          </a:fillRef>
+          <a:effectRef idx="0">
+            <a:schemeClr val="accent1"/>
+          </a:effectRef>
+          <a:fontRef idx="minor">
+            <a:schemeClr val="lt1"/>
+          </a:fontRef>
+        </p:style>
+        <p:txBody>
+          <a:bodyPr tIns="144000" bIns="90000" rtlCol="0" anchor="ctr"/>
+          <a:lstStyle/>
+          <a:p>
+            <a:pPr algn="ctr" defTabSz="685800"/>
+            <a:r>
+              <a:rPr lang="en-US" sz="3200" dirty="0">
+                <a:solidFill>
+                  <a:schemeClr val="tx1"/>
+                </a:solidFill>
+                <a:latin typeface="Poppins SemiBold" panose="00000700000000000000" pitchFamily="2" charset="0"/>
+                <a:cs typeface="Poppins SemiBold" panose="00000700000000000000" pitchFamily="2" charset="0"/>
+              </a:rPr>
+              <a:t>18. </a:t>
+            </a:r>
+            <a:r>
+              <a:rPr lang="en-US" sz="3200" dirty="0" err="1">
+                <a:solidFill>
+                  <a:prstClr val="black"/>
+                </a:solidFill>
+                <a:latin typeface="Poppins SemiBold" panose="00000700000000000000" pitchFamily="2" charset="0"/>
+                <a:cs typeface="Poppins SemiBold" panose="00000700000000000000" pitchFamily="2" charset="0"/>
+              </a:rPr>
+              <a:t>Pregunta</a:t>
+            </a:r>
+            <a:endParaRPr lang="en-IN" sz="3200" dirty="0">
+              <a:solidFill>
+                <a:schemeClr val="tx1"/>
+              </a:solidFill>
+              <a:latin typeface="Poppins SemiBold" panose="00000700000000000000" pitchFamily="2" charset="0"/>
+              <a:cs typeface="Poppins SemiBold" panose="00000700000000000000" pitchFamily="2" charset="0"/>
+            </a:endParaRPr>
+          </a:p>
+        </p:txBody>
+      </p:sp>
+      <p:sp>
+        <p:nvSpPr>
+          <p:cNvPr id="3" name="Rectangle 2">
+            <a:hlinkClick r:id="rId2" action="ppaction://hlinksldjump">
+              <a:snd r:embed="rId3" name="WrongAnswerSFX.wav"/>
+            </a:hlinkClick>
+            <a:extLst>
+              <a:ext uri="{FF2B5EF4-FFF2-40B4-BE49-F238E27FC236}">
+                <a16:creationId xmlns:a16="http://schemas.microsoft.com/office/drawing/2014/main" id="{93EB3632-12C3-41FB-861E-57B9D53BBF65}"/>
+              </a:ext>
+            </a:extLst>
+          </p:cNvPr>
+          <p:cNvSpPr/>
+          <p:nvPr/>
+        </p:nvSpPr>
+        <p:spPr>
+          <a:xfrm>
+            <a:off x="6296298" y="2612571"/>
+            <a:ext cx="3971108" cy="1236618"/>
+          </a:xfrm>
+          <a:prstGeom prst="rect">
+            <a:avLst/>
+          </a:prstGeom>
+          <a:solidFill>
+            <a:schemeClr val="bg1"/>
+          </a:solidFill>
+          <a:ln>
+            <a:solidFill>
+              <a:schemeClr val="bg1">
+                <a:lumMod val="85000"/>
+              </a:schemeClr>
+            </a:solidFill>
+          </a:ln>
+          <a:effectLst>
+            <a:outerShdw blurRad="381000" dist="127000" dir="7080000" sx="94000" sy="94000" algn="t" rotWithShape="0">
+              <a:prstClr val="black">
+                <a:alpha val="16000"/>
+              </a:prstClr>
+            </a:outerShdw>
+          </a:effectLst>
+          <a:scene3d>
+            <a:camera prst="perspectiveFront"/>
+            <a:lightRig rig="threePt" dir="t"/>
+          </a:scene3d>
+        </p:spPr>
+        <p:style>
+          <a:lnRef idx="2">
+            <a:schemeClr val="accent1">
+              <a:shade val="50000"/>
+            </a:schemeClr>
+          </a:lnRef>
+          <a:fillRef idx="1">
+            <a:schemeClr val="accent1"/>
+          </a:fillRef>
+          <a:effectRef idx="0">
+            <a:schemeClr val="accent1"/>
+          </a:effectRef>
+          <a:fontRef idx="minor">
+            <a:schemeClr val="lt1"/>
+          </a:fontRef>
+        </p:style>
+        <p:txBody>
+          <a:bodyPr tIns="144000" bIns="90000" rtlCol="0" anchor="ctr"/>
+          <a:lstStyle/>
+          <a:p>
+            <a:pPr algn="ctr" defTabSz="685800"/>
+            <a:r>
+              <a:rPr lang="en-US" sz="2000" dirty="0">
+                <a:solidFill>
+                  <a:schemeClr val="tx1"/>
+                </a:solidFill>
+                <a:latin typeface="Poppins SemiBold" panose="00000700000000000000" pitchFamily="2" charset="0"/>
+                <a:cs typeface="Poppins SemiBold" panose="00000700000000000000" pitchFamily="2" charset="0"/>
+              </a:rPr>
+              <a:t>Incorrect Answer</a:t>
+            </a:r>
+            <a:endParaRPr lang="en-IN" sz="2000" dirty="0">
+              <a:solidFill>
+                <a:schemeClr val="tx1"/>
+              </a:solidFill>
+              <a:latin typeface="Poppins SemiBold" panose="00000700000000000000" pitchFamily="2" charset="0"/>
+              <a:cs typeface="Poppins SemiBold" panose="00000700000000000000" pitchFamily="2" charset="0"/>
+            </a:endParaRPr>
+          </a:p>
+        </p:txBody>
+      </p:sp>
+      <p:sp>
+        <p:nvSpPr>
+          <p:cNvPr id="5" name="Rectangle 4">
+            <a:hlinkClick r:id="" action="ppaction://hlinkshowjump?jump=nextslide">
+              <a:snd r:embed="rId4" name="CorrectAnswerSFX.wav"/>
+            </a:hlinkClick>
+            <a:extLst>
+              <a:ext uri="{FF2B5EF4-FFF2-40B4-BE49-F238E27FC236}">
+                <a16:creationId xmlns:a16="http://schemas.microsoft.com/office/drawing/2014/main" id="{11A411AB-3628-4BD3-8F92-E851842AEEC9}"/>
+              </a:ext>
+            </a:extLst>
+          </p:cNvPr>
+          <p:cNvSpPr/>
+          <p:nvPr/>
+        </p:nvSpPr>
+        <p:spPr>
+          <a:xfrm>
+            <a:off x="1976846" y="2612571"/>
+            <a:ext cx="3971108" cy="1236618"/>
+          </a:xfrm>
+          <a:prstGeom prst="rect">
+            <a:avLst/>
+          </a:prstGeom>
+          <a:solidFill>
+            <a:schemeClr val="bg1"/>
+          </a:solidFill>
+          <a:ln>
+            <a:solidFill>
+              <a:schemeClr val="bg1">
+                <a:lumMod val="85000"/>
+              </a:schemeClr>
+            </a:solidFill>
+          </a:ln>
+          <a:effectLst>
+            <a:outerShdw blurRad="381000" dist="127000" dir="7080000" sx="94000" sy="94000" algn="t" rotWithShape="0">
+              <a:prstClr val="black">
+                <a:alpha val="16000"/>
+              </a:prstClr>
+            </a:outerShdw>
+          </a:effectLst>
+          <a:scene3d>
+            <a:camera prst="perspectiveFront"/>
+            <a:lightRig rig="threePt" dir="t"/>
+          </a:scene3d>
+        </p:spPr>
+        <p:style>
+          <a:lnRef idx="2">
+            <a:schemeClr val="accent1">
+              <a:shade val="50000"/>
+            </a:schemeClr>
+          </a:lnRef>
+          <a:fillRef idx="1">
+            <a:schemeClr val="accent1"/>
+          </a:fillRef>
+          <a:effectRef idx="0">
+            <a:schemeClr val="accent1"/>
+          </a:effectRef>
+          <a:fontRef idx="minor">
+            <a:schemeClr val="lt1"/>
+          </a:fontRef>
+        </p:style>
+        <p:txBody>
+          <a:bodyPr tIns="144000" bIns="90000" rtlCol="0" anchor="ctr"/>
+          <a:lstStyle/>
+          <a:p>
+            <a:pPr algn="ctr" defTabSz="685800"/>
+            <a:r>
+              <a:rPr lang="en-US" sz="2000" dirty="0">
+                <a:solidFill>
+                  <a:schemeClr val="tx1"/>
+                </a:solidFill>
+                <a:latin typeface="Poppins SemiBold" panose="00000700000000000000" pitchFamily="2" charset="0"/>
+                <a:cs typeface="Poppins SemiBold" panose="00000700000000000000" pitchFamily="2" charset="0"/>
+              </a:rPr>
+              <a:t>Respuesta </a:t>
+            </a:r>
+            <a:r>
+              <a:rPr lang="en-US" sz="2000" dirty="0" err="1">
+                <a:solidFill>
+                  <a:schemeClr val="tx1"/>
+                </a:solidFill>
+                <a:latin typeface="Poppins SemiBold" panose="00000700000000000000" pitchFamily="2" charset="0"/>
+                <a:cs typeface="Poppins SemiBold" panose="00000700000000000000" pitchFamily="2" charset="0"/>
+              </a:rPr>
+              <a:t>Correcta</a:t>
+            </a:r>
+            <a:endParaRPr lang="en-IN" sz="2000" dirty="0">
+              <a:solidFill>
+                <a:schemeClr val="tx1"/>
+              </a:solidFill>
+              <a:latin typeface="Poppins SemiBold" panose="00000700000000000000" pitchFamily="2" charset="0"/>
+              <a:cs typeface="Poppins SemiBold" panose="00000700000000000000" pitchFamily="2" charset="0"/>
+            </a:endParaRPr>
+          </a:p>
+        </p:txBody>
+      </p:sp>
+    </p:spTree>
+    <p:extLst>
+      <p:ext uri="{BB962C8B-B14F-4D97-AF65-F5344CB8AC3E}">
+        <p14:creationId xmlns:p14="http://schemas.microsoft.com/office/powerpoint/2010/main" val="2451264250"/>
+      </p:ext>
+    </p:extLst>
+  </p:cSld>
+  <p:clrMapOvr>
+    <a:masterClrMapping/>
+  </p:clrMapOvr>
+</p:sld>
+</file>
+
+<file path=ppt/slides/slide38.xml><?xml version="1.0" encoding="utf-8"?>
+<p:sld xmlns:a="http://schemas.openxmlformats.org/drawingml/2006/main" xmlns:r="http://schemas.openxmlformats.org/officeDocument/2006/relationships" xmlns:p="http://schemas.openxmlformats.org/presentationml/2006/main">
+  <p:cSld>
+    <p:bg>
+      <p:bgPr>
+        <a:solidFill>
+          <a:srgbClr val="00B050"/>
+        </a:solidFill>
+        <a:effectLst/>
+      </p:bgPr>
+    </p:bg>
+    <p:spTree>
+      <p:nvGrpSpPr>
+        <p:cNvPr id="1" name=""/>
+        <p:cNvGrpSpPr/>
+        <p:nvPr/>
+      </p:nvGrpSpPr>
+      <p:grpSpPr>
+        <a:xfrm>
+          <a:off x="0" y="0"/>
+          <a:ext cx="0" cy="0"/>
+          <a:chOff x="0" y="0"/>
+          <a:chExt cx="0" cy="0"/>
+        </a:xfrm>
+      </p:grpSpPr>
+      <p:sp>
+        <p:nvSpPr>
+          <p:cNvPr id="2" name="TextBox 1">
+            <a:extLst>
+              <a:ext uri="{FF2B5EF4-FFF2-40B4-BE49-F238E27FC236}">
+                <a16:creationId xmlns:a16="http://schemas.microsoft.com/office/drawing/2014/main" id="{60075EE3-328C-49EE-B897-556D339C339C}"/>
+              </a:ext>
+            </a:extLst>
+          </p:cNvPr>
+          <p:cNvSpPr txBox="1"/>
+          <p:nvPr/>
+        </p:nvSpPr>
+        <p:spPr>
+          <a:xfrm>
+            <a:off x="2083523" y="1549357"/>
+            <a:ext cx="8024954" cy="923330"/>
+          </a:xfrm>
+          <a:prstGeom prst="rect">
+            <a:avLst/>
+          </a:prstGeom>
+          <a:noFill/>
+        </p:spPr>
+        <p:txBody>
+          <a:bodyPr wrap="none" rtlCol="0">
+            <a:spAutoFit/>
+          </a:bodyPr>
+          <a:lstStyle/>
+          <a:p>
+            <a:pPr>
+              <a:defRPr/>
+            </a:pPr>
+            <a:r>
+              <a:rPr lang="en-US" sz="5400" b="1" dirty="0">
+                <a:solidFill>
+                  <a:prstClr val="white"/>
+                </a:solidFill>
+                <a:latin typeface="Poppins"/>
+              </a:rPr>
+              <a:t>RESPUESTA CORRECTA</a:t>
+            </a:r>
+            <a:endParaRPr lang="en-IN" sz="5400" b="1" dirty="0">
+              <a:solidFill>
+                <a:prstClr val="white"/>
+              </a:solidFill>
+              <a:latin typeface="Poppins"/>
+            </a:endParaRPr>
+          </a:p>
+        </p:txBody>
+      </p:sp>
+      <p:sp>
+        <p:nvSpPr>
+          <p:cNvPr id="3" name="Rectangle 2">
+            <a:hlinkClick r:id="" action="ppaction://hlinkshowjump?jump=nextslide"/>
+            <a:extLst>
+              <a:ext uri="{FF2B5EF4-FFF2-40B4-BE49-F238E27FC236}">
+                <a16:creationId xmlns:a16="http://schemas.microsoft.com/office/drawing/2014/main" id="{3E95FE85-01E9-48D9-93B4-B3632117840E}"/>
+              </a:ext>
+            </a:extLst>
+          </p:cNvPr>
+          <p:cNvSpPr/>
+          <p:nvPr/>
+        </p:nvSpPr>
+        <p:spPr>
+          <a:xfrm>
+            <a:off x="4837611" y="3688666"/>
+            <a:ext cx="2516777" cy="696648"/>
+          </a:xfrm>
+          <a:prstGeom prst="rect">
+            <a:avLst/>
+          </a:prstGeom>
+          <a:solidFill>
+            <a:schemeClr val="bg1"/>
+          </a:solidFill>
+          <a:ln>
+            <a:solidFill>
+              <a:schemeClr val="bg1">
+                <a:lumMod val="85000"/>
+              </a:schemeClr>
+            </a:solidFill>
+          </a:ln>
+          <a:effectLst>
+            <a:outerShdw blurRad="381000" dist="127000" dir="7080000" sx="94000" sy="94000" algn="t" rotWithShape="0">
+              <a:prstClr val="black">
+                <a:alpha val="16000"/>
+              </a:prstClr>
+            </a:outerShdw>
+          </a:effectLst>
+          <a:scene3d>
+            <a:camera prst="perspectiveFront"/>
+            <a:lightRig rig="threePt" dir="t"/>
+          </a:scene3d>
+        </p:spPr>
+        <p:style>
+          <a:lnRef idx="2">
+            <a:schemeClr val="accent1">
+              <a:shade val="50000"/>
+            </a:schemeClr>
+          </a:lnRef>
+          <a:fillRef idx="1">
+            <a:schemeClr val="accent1"/>
+          </a:fillRef>
+          <a:effectRef idx="0">
+            <a:schemeClr val="accent1"/>
+          </a:effectRef>
+          <a:fontRef idx="minor">
+            <a:schemeClr val="lt1"/>
+          </a:fontRef>
+        </p:style>
+        <p:txBody>
+          <a:bodyPr tIns="144000" bIns="90000" rtlCol="0" anchor="ctr"/>
+          <a:lstStyle/>
+          <a:p>
+            <a:pPr algn="ctr" defTabSz="685800">
+              <a:defRPr/>
+            </a:pPr>
+            <a:r>
+              <a:rPr lang="en-US" sz="2000" dirty="0" err="1">
+                <a:solidFill>
+                  <a:prstClr val="black"/>
+                </a:solidFill>
+                <a:latin typeface="Poppins SemiBold" panose="00000700000000000000" pitchFamily="2" charset="0"/>
+                <a:cs typeface="Poppins SemiBold" panose="00000700000000000000" pitchFamily="2" charset="0"/>
+              </a:rPr>
+              <a:t>Siguiente</a:t>
+            </a:r>
+            <a:endParaRPr lang="en-IN" sz="2000" dirty="0">
+              <a:solidFill>
+                <a:prstClr val="black"/>
+              </a:solidFill>
+              <a:latin typeface="Poppins SemiBold" panose="00000700000000000000" pitchFamily="2" charset="0"/>
+              <a:cs typeface="Poppins SemiBold" panose="00000700000000000000" pitchFamily="2" charset="0"/>
+            </a:endParaRPr>
+          </a:p>
+        </p:txBody>
+      </p:sp>
+    </p:spTree>
+    <p:extLst>
+      <p:ext uri="{BB962C8B-B14F-4D97-AF65-F5344CB8AC3E}">
+        <p14:creationId xmlns:p14="http://schemas.microsoft.com/office/powerpoint/2010/main" val="797868296"/>
+      </p:ext>
+    </p:extLst>
+  </p:cSld>
+  <p:clrMapOvr>
+    <a:masterClrMapping/>
+  </p:clrMapOvr>
+</p:sld>
+</file>
+
+<file path=ppt/slides/slide39.xml><?xml version="1.0" encoding="utf-8"?>
+<p:sld xmlns:a="http://schemas.openxmlformats.org/drawingml/2006/main" xmlns:r="http://schemas.openxmlformats.org/officeDocument/2006/relationships" xmlns:p="http://schemas.openxmlformats.org/presentationml/2006/main">
+  <p:cSld>
+    <p:spTree>
+      <p:nvGrpSpPr>
+        <p:cNvPr id="1" name=""/>
+        <p:cNvGrpSpPr/>
+        <p:nvPr/>
+      </p:nvGrpSpPr>
+      <p:grpSpPr>
+        <a:xfrm>
+          <a:off x="0" y="0"/>
+          <a:ext cx="0" cy="0"/>
+          <a:chOff x="0" y="0"/>
+          <a:chExt cx="0" cy="0"/>
+        </a:xfrm>
+      </p:grpSpPr>
+      <p:sp>
+        <p:nvSpPr>
+          <p:cNvPr id="2" name="Rectangle 1">
+            <a:extLst>
+              <a:ext uri="{FF2B5EF4-FFF2-40B4-BE49-F238E27FC236}">
+                <a16:creationId xmlns:a16="http://schemas.microsoft.com/office/drawing/2014/main" id="{29228A24-4A1B-41B0-A802-CD51398332B9}"/>
+              </a:ext>
+            </a:extLst>
+          </p:cNvPr>
+          <p:cNvSpPr/>
+          <p:nvPr/>
+        </p:nvSpPr>
+        <p:spPr>
+          <a:xfrm>
+            <a:off x="1976846" y="435429"/>
+            <a:ext cx="8290560" cy="1898468"/>
+          </a:xfrm>
+          <a:prstGeom prst="rect">
+            <a:avLst/>
+          </a:prstGeom>
+          <a:solidFill>
+            <a:srgbClr val="FFFF00"/>
+          </a:solidFill>
+          <a:ln>
+            <a:solidFill>
+              <a:schemeClr val="bg1">
+                <a:lumMod val="85000"/>
+              </a:schemeClr>
+            </a:solidFill>
+          </a:ln>
+          <a:effectLst>
+            <a:outerShdw blurRad="381000" dist="127000" dir="7080000" sx="94000" sy="94000" algn="t" rotWithShape="0">
+              <a:prstClr val="black">
+                <a:alpha val="16000"/>
+              </a:prstClr>
+            </a:outerShdw>
+          </a:effectLst>
+          <a:scene3d>
+            <a:camera prst="perspectiveFront"/>
+            <a:lightRig rig="threePt" dir="t"/>
+          </a:scene3d>
+        </p:spPr>
+        <p:style>
+          <a:lnRef idx="2">
+            <a:schemeClr val="accent1">
+              <a:shade val="50000"/>
+            </a:schemeClr>
+          </a:lnRef>
+          <a:fillRef idx="1">
+            <a:schemeClr val="accent1"/>
+          </a:fillRef>
+          <a:effectRef idx="0">
+            <a:schemeClr val="accent1"/>
+          </a:effectRef>
+          <a:fontRef idx="minor">
+            <a:schemeClr val="lt1"/>
+          </a:fontRef>
+        </p:style>
+        <p:txBody>
+          <a:bodyPr tIns="144000" bIns="90000" rtlCol="0" anchor="ctr"/>
+          <a:lstStyle/>
+          <a:p>
+            <a:pPr algn="ctr" defTabSz="685800"/>
+            <a:r>
+              <a:rPr lang="en-US" sz="3200" dirty="0">
+                <a:solidFill>
+                  <a:schemeClr val="tx1"/>
+                </a:solidFill>
+                <a:latin typeface="Poppins SemiBold" panose="00000700000000000000" pitchFamily="2" charset="0"/>
+                <a:cs typeface="Poppins SemiBold" panose="00000700000000000000" pitchFamily="2" charset="0"/>
+              </a:rPr>
+              <a:t>19. </a:t>
+            </a:r>
+            <a:r>
+              <a:rPr lang="en-US" sz="3200" dirty="0" err="1">
+                <a:solidFill>
+                  <a:prstClr val="black"/>
+                </a:solidFill>
+                <a:latin typeface="Poppins SemiBold" panose="00000700000000000000" pitchFamily="2" charset="0"/>
+                <a:cs typeface="Poppins SemiBold" panose="00000700000000000000" pitchFamily="2" charset="0"/>
+              </a:rPr>
+              <a:t>Pregunta</a:t>
+            </a:r>
+            <a:endParaRPr lang="en-IN" sz="3200" dirty="0">
+              <a:solidFill>
+                <a:schemeClr val="tx1"/>
+              </a:solidFill>
+              <a:latin typeface="Poppins SemiBold" panose="00000700000000000000" pitchFamily="2" charset="0"/>
+              <a:cs typeface="Poppins SemiBold" panose="00000700000000000000" pitchFamily="2" charset="0"/>
+            </a:endParaRPr>
+          </a:p>
+        </p:txBody>
+      </p:sp>
+      <p:sp>
+        <p:nvSpPr>
+          <p:cNvPr id="3" name="Rectangle 2">
+            <a:hlinkClick r:id="rId2" action="ppaction://hlinksldjump">
+              <a:snd r:embed="rId3" name="WrongAnswerSFX.wav"/>
+            </a:hlinkClick>
+            <a:extLst>
+              <a:ext uri="{FF2B5EF4-FFF2-40B4-BE49-F238E27FC236}">
+                <a16:creationId xmlns:a16="http://schemas.microsoft.com/office/drawing/2014/main" id="{93EB3632-12C3-41FB-861E-57B9D53BBF65}"/>
+              </a:ext>
+            </a:extLst>
+          </p:cNvPr>
+          <p:cNvSpPr/>
+          <p:nvPr/>
+        </p:nvSpPr>
+        <p:spPr>
+          <a:xfrm>
+            <a:off x="6296298" y="2612571"/>
+            <a:ext cx="3971108" cy="1236618"/>
+          </a:xfrm>
+          <a:prstGeom prst="rect">
+            <a:avLst/>
+          </a:prstGeom>
+          <a:solidFill>
+            <a:schemeClr val="bg1"/>
+          </a:solidFill>
+          <a:ln>
+            <a:solidFill>
+              <a:schemeClr val="bg1">
+                <a:lumMod val="85000"/>
+              </a:schemeClr>
+            </a:solidFill>
+          </a:ln>
+          <a:effectLst>
+            <a:outerShdw blurRad="381000" dist="127000" dir="7080000" sx="94000" sy="94000" algn="t" rotWithShape="0">
+              <a:prstClr val="black">
+                <a:alpha val="16000"/>
+              </a:prstClr>
+            </a:outerShdw>
+          </a:effectLst>
+          <a:scene3d>
+            <a:camera prst="perspectiveFront"/>
+            <a:lightRig rig="threePt" dir="t"/>
+          </a:scene3d>
+        </p:spPr>
+        <p:style>
+          <a:lnRef idx="2">
+            <a:schemeClr val="accent1">
+              <a:shade val="50000"/>
+            </a:schemeClr>
+          </a:lnRef>
+          <a:fillRef idx="1">
+            <a:schemeClr val="accent1"/>
+          </a:fillRef>
+          <a:effectRef idx="0">
+            <a:schemeClr val="accent1"/>
+          </a:effectRef>
+          <a:fontRef idx="minor">
+            <a:schemeClr val="lt1"/>
+          </a:fontRef>
+        </p:style>
+        <p:txBody>
+          <a:bodyPr tIns="144000" bIns="90000" rtlCol="0" anchor="ctr"/>
+          <a:lstStyle/>
+          <a:p>
+            <a:pPr algn="ctr" defTabSz="685800"/>
+            <a:r>
+              <a:rPr lang="en-US" sz="2000" dirty="0">
+                <a:solidFill>
+                  <a:schemeClr val="tx1"/>
+                </a:solidFill>
+                <a:latin typeface="Poppins SemiBold" panose="00000700000000000000" pitchFamily="2" charset="0"/>
+                <a:cs typeface="Poppins SemiBold" panose="00000700000000000000" pitchFamily="2" charset="0"/>
+              </a:rPr>
+              <a:t>Incorrect Answer</a:t>
+            </a:r>
+            <a:endParaRPr lang="en-IN" sz="2000" dirty="0">
+              <a:solidFill>
+                <a:schemeClr val="tx1"/>
+              </a:solidFill>
+              <a:latin typeface="Poppins SemiBold" panose="00000700000000000000" pitchFamily="2" charset="0"/>
+              <a:cs typeface="Poppins SemiBold" panose="00000700000000000000" pitchFamily="2" charset="0"/>
+            </a:endParaRPr>
+          </a:p>
+        </p:txBody>
+      </p:sp>
+      <p:sp>
+        <p:nvSpPr>
+          <p:cNvPr id="5" name="Rectangle 4">
+            <a:hlinkClick r:id="" action="ppaction://hlinkshowjump?jump=nextslide">
+              <a:snd r:embed="rId4" name="CorrectAnswerSFX.wav"/>
+            </a:hlinkClick>
+            <a:extLst>
+              <a:ext uri="{FF2B5EF4-FFF2-40B4-BE49-F238E27FC236}">
+                <a16:creationId xmlns:a16="http://schemas.microsoft.com/office/drawing/2014/main" id="{11A411AB-3628-4BD3-8F92-E851842AEEC9}"/>
+              </a:ext>
+            </a:extLst>
+          </p:cNvPr>
+          <p:cNvSpPr/>
+          <p:nvPr/>
+        </p:nvSpPr>
+        <p:spPr>
+          <a:xfrm>
+            <a:off x="1976846" y="2612571"/>
+            <a:ext cx="3971108" cy="1236618"/>
+          </a:xfrm>
+          <a:prstGeom prst="rect">
+            <a:avLst/>
+          </a:prstGeom>
+          <a:solidFill>
+            <a:schemeClr val="bg1"/>
+          </a:solidFill>
+          <a:ln>
+            <a:solidFill>
+              <a:schemeClr val="bg1">
+                <a:lumMod val="85000"/>
+              </a:schemeClr>
+            </a:solidFill>
+          </a:ln>
+          <a:effectLst>
+            <a:outerShdw blurRad="381000" dist="127000" dir="7080000" sx="94000" sy="94000" algn="t" rotWithShape="0">
+              <a:prstClr val="black">
+                <a:alpha val="16000"/>
+              </a:prstClr>
+            </a:outerShdw>
+          </a:effectLst>
+          <a:scene3d>
+            <a:camera prst="perspectiveFront"/>
+            <a:lightRig rig="threePt" dir="t"/>
+          </a:scene3d>
+        </p:spPr>
+        <p:style>
+          <a:lnRef idx="2">
+            <a:schemeClr val="accent1">
+              <a:shade val="50000"/>
+            </a:schemeClr>
+          </a:lnRef>
+          <a:fillRef idx="1">
+            <a:schemeClr val="accent1"/>
+          </a:fillRef>
+          <a:effectRef idx="0">
+            <a:schemeClr val="accent1"/>
+          </a:effectRef>
+          <a:fontRef idx="minor">
+            <a:schemeClr val="lt1"/>
+          </a:fontRef>
+        </p:style>
+        <p:txBody>
+          <a:bodyPr tIns="144000" bIns="90000" rtlCol="0" anchor="ctr"/>
+          <a:lstStyle/>
+          <a:p>
+            <a:pPr algn="ctr" defTabSz="685800"/>
+            <a:r>
+              <a:rPr lang="en-US" sz="2000" dirty="0">
+                <a:solidFill>
+                  <a:schemeClr val="tx1"/>
+                </a:solidFill>
+                <a:latin typeface="Poppins SemiBold" panose="00000700000000000000" pitchFamily="2" charset="0"/>
+                <a:cs typeface="Poppins SemiBold" panose="00000700000000000000" pitchFamily="2" charset="0"/>
+              </a:rPr>
+              <a:t>Respuesta </a:t>
+            </a:r>
+            <a:r>
+              <a:rPr lang="en-US" sz="2000" dirty="0" err="1">
+                <a:solidFill>
+                  <a:schemeClr val="tx1"/>
+                </a:solidFill>
+                <a:latin typeface="Poppins SemiBold" panose="00000700000000000000" pitchFamily="2" charset="0"/>
+                <a:cs typeface="Poppins SemiBold" panose="00000700000000000000" pitchFamily="2" charset="0"/>
+              </a:rPr>
+              <a:t>Correcta</a:t>
+            </a:r>
+            <a:endParaRPr lang="en-IN" sz="2000" dirty="0">
+              <a:solidFill>
+                <a:schemeClr val="tx1"/>
+              </a:solidFill>
+              <a:latin typeface="Poppins SemiBold" panose="00000700000000000000" pitchFamily="2" charset="0"/>
+              <a:cs typeface="Poppins SemiBold" panose="00000700000000000000" pitchFamily="2" charset="0"/>
+            </a:endParaRPr>
+          </a:p>
+        </p:txBody>
+      </p:sp>
+    </p:spTree>
+    <p:extLst>
+      <p:ext uri="{BB962C8B-B14F-4D97-AF65-F5344CB8AC3E}">
+        <p14:creationId xmlns:p14="http://schemas.microsoft.com/office/powerpoint/2010/main" val="854750055"/>
+      </p:ext>
+    </p:extLst>
+  </p:cSld>
+  <p:clrMapOvr>
+    <a:masterClrMapping/>
+  </p:clrMapOvr>
+</p:sld>
+</file>
+
+<file path=ppt/slides/slide4.xml><?xml version="1.0" encoding="utf-8"?>
+<p:sld xmlns:a="http://schemas.openxmlformats.org/drawingml/2006/main" xmlns:r="http://schemas.openxmlformats.org/officeDocument/2006/relationships" xmlns:p="http://schemas.openxmlformats.org/presentationml/2006/main">
+  <p:cSld>
+    <p:bg>
+      <p:bgPr>
+        <a:solidFill>
+          <a:srgbClr val="00B050"/>
+        </a:solidFill>
+        <a:effectLst/>
+      </p:bgPr>
+    </p:bg>
+    <p:spTree>
+      <p:nvGrpSpPr>
+        <p:cNvPr id="1" name=""/>
+        <p:cNvGrpSpPr/>
+        <p:nvPr/>
+      </p:nvGrpSpPr>
+      <p:grpSpPr>
+        <a:xfrm>
+          <a:off x="0" y="0"/>
+          <a:ext cx="0" cy="0"/>
+          <a:chOff x="0" y="0"/>
+          <a:chExt cx="0" cy="0"/>
+        </a:xfrm>
+      </p:grpSpPr>
+      <p:sp>
+        <p:nvSpPr>
+          <p:cNvPr id="2" name="TextBox 1">
+            <a:extLst>
+              <a:ext uri="{FF2B5EF4-FFF2-40B4-BE49-F238E27FC236}">
+                <a16:creationId xmlns:a16="http://schemas.microsoft.com/office/drawing/2014/main" id="{60075EE3-328C-49EE-B897-556D339C339C}"/>
+              </a:ext>
+            </a:extLst>
+          </p:cNvPr>
+          <p:cNvSpPr txBox="1"/>
+          <p:nvPr/>
+        </p:nvSpPr>
+        <p:spPr>
+          <a:xfrm>
+            <a:off x="2083523" y="1549357"/>
+            <a:ext cx="8024954" cy="923330"/>
+          </a:xfrm>
+          <a:prstGeom prst="rect">
+            <a:avLst/>
+          </a:prstGeom>
+          <a:noFill/>
+        </p:spPr>
+        <p:txBody>
+          <a:bodyPr wrap="none" rtlCol="0">
+            <a:spAutoFit/>
+          </a:bodyPr>
+          <a:lstStyle/>
+          <a:p>
+            <a:pPr>
+              <a:defRPr/>
+            </a:pPr>
+            <a:r>
+              <a:rPr lang="en-US" sz="5400" b="1" dirty="0">
+                <a:solidFill>
+                  <a:prstClr val="white"/>
+                </a:solidFill>
+                <a:latin typeface="Poppins"/>
+              </a:rPr>
+              <a:t>RESPUESTA CORRECTA</a:t>
+            </a:r>
+            <a:endParaRPr lang="en-IN" sz="5400" b="1" dirty="0">
+              <a:solidFill>
+                <a:prstClr val="white"/>
+              </a:solidFill>
+              <a:latin typeface="Poppins"/>
+            </a:endParaRPr>
+          </a:p>
+        </p:txBody>
+      </p:sp>
+      <p:sp>
+        <p:nvSpPr>
+          <p:cNvPr id="3" name="Rectangle 2">
+            <a:hlinkClick r:id="" action="ppaction://hlinkshowjump?jump=nextslide"/>
+            <a:extLst>
+              <a:ext uri="{FF2B5EF4-FFF2-40B4-BE49-F238E27FC236}">
+                <a16:creationId xmlns:a16="http://schemas.microsoft.com/office/drawing/2014/main" id="{3E95FE85-01E9-48D9-93B4-B3632117840E}"/>
+              </a:ext>
+            </a:extLst>
+          </p:cNvPr>
+          <p:cNvSpPr/>
+          <p:nvPr/>
+        </p:nvSpPr>
+        <p:spPr>
+          <a:xfrm>
+            <a:off x="4837611" y="3688666"/>
+            <a:ext cx="2516777" cy="696648"/>
+          </a:xfrm>
+          <a:prstGeom prst="rect">
+            <a:avLst/>
+          </a:prstGeom>
+          <a:solidFill>
+            <a:schemeClr val="bg1"/>
+          </a:solidFill>
+          <a:ln>
+            <a:solidFill>
+              <a:schemeClr val="bg1">
+                <a:lumMod val="85000"/>
+              </a:schemeClr>
+            </a:solidFill>
+          </a:ln>
+          <a:effectLst>
+            <a:outerShdw blurRad="381000" dist="127000" dir="7080000" sx="94000" sy="94000" algn="t" rotWithShape="0">
+              <a:prstClr val="black">
+                <a:alpha val="16000"/>
+              </a:prstClr>
+            </a:outerShdw>
+          </a:effectLst>
+          <a:scene3d>
+            <a:camera prst="perspectiveFront"/>
+            <a:lightRig rig="threePt" dir="t"/>
+          </a:scene3d>
+        </p:spPr>
+        <p:style>
+          <a:lnRef idx="2">
+            <a:schemeClr val="accent1">
+              <a:shade val="50000"/>
+            </a:schemeClr>
+          </a:lnRef>
+          <a:fillRef idx="1">
+            <a:schemeClr val="accent1"/>
+          </a:fillRef>
+          <a:effectRef idx="0">
+            <a:schemeClr val="accent1"/>
+          </a:effectRef>
+          <a:fontRef idx="minor">
+            <a:schemeClr val="lt1"/>
+          </a:fontRef>
+        </p:style>
+        <p:txBody>
+          <a:bodyPr tIns="144000" bIns="90000" rtlCol="0" anchor="ctr"/>
+          <a:lstStyle/>
+          <a:p>
+            <a:pPr algn="ctr" defTabSz="685800">
+              <a:defRPr/>
+            </a:pPr>
+            <a:r>
+              <a:rPr lang="en-US" sz="2000" dirty="0" err="1">
+                <a:solidFill>
+                  <a:prstClr val="black"/>
+                </a:solidFill>
+                <a:latin typeface="Poppins SemiBold" panose="00000700000000000000" pitchFamily="2" charset="0"/>
+                <a:cs typeface="Poppins SemiBold" panose="00000700000000000000" pitchFamily="2" charset="0"/>
+              </a:rPr>
+              <a:t>Siguiente</a:t>
+            </a:r>
+            <a:endParaRPr lang="en-IN" sz="2000" dirty="0">
+              <a:solidFill>
+                <a:prstClr val="black"/>
+              </a:solidFill>
+              <a:latin typeface="Poppins SemiBold" panose="00000700000000000000" pitchFamily="2" charset="0"/>
+              <a:cs typeface="Poppins SemiBold" panose="00000700000000000000" pitchFamily="2" charset="0"/>
+            </a:endParaRPr>
+          </a:p>
+        </p:txBody>
+      </p:sp>
+    </p:spTree>
+    <p:extLst>
+      <p:ext uri="{BB962C8B-B14F-4D97-AF65-F5344CB8AC3E}">
         <p14:creationId xmlns:p14="http://schemas.microsoft.com/office/powerpoint/2010/main" val="2476338242"/>
+      </p:ext>
+    </p:extLst>
+  </p:cSld>
+  <p:clrMapOvr>
+    <a:masterClrMapping/>
+  </p:clrMapOvr>
+</p:sld>
+</file>
+
+<file path=ppt/slides/slide40.xml><?xml version="1.0" encoding="utf-8"?>
+<p:sld xmlns:a="http://schemas.openxmlformats.org/drawingml/2006/main" xmlns:r="http://schemas.openxmlformats.org/officeDocument/2006/relationships" xmlns:p="http://schemas.openxmlformats.org/presentationml/2006/main">
+  <p:cSld>
+    <p:bg>
+      <p:bgPr>
+        <a:solidFill>
+          <a:srgbClr val="00B050"/>
+        </a:solidFill>
+        <a:effectLst/>
+      </p:bgPr>
+    </p:bg>
+    <p:spTree>
+      <p:nvGrpSpPr>
+        <p:cNvPr id="1" name=""/>
+        <p:cNvGrpSpPr/>
+        <p:nvPr/>
+      </p:nvGrpSpPr>
+      <p:grpSpPr>
+        <a:xfrm>
+          <a:off x="0" y="0"/>
+          <a:ext cx="0" cy="0"/>
+          <a:chOff x="0" y="0"/>
+          <a:chExt cx="0" cy="0"/>
+        </a:xfrm>
+      </p:grpSpPr>
+      <p:sp>
+        <p:nvSpPr>
+          <p:cNvPr id="2" name="TextBox 1">
+            <a:extLst>
+              <a:ext uri="{FF2B5EF4-FFF2-40B4-BE49-F238E27FC236}">
+                <a16:creationId xmlns:a16="http://schemas.microsoft.com/office/drawing/2014/main" id="{60075EE3-328C-49EE-B897-556D339C339C}"/>
+              </a:ext>
+            </a:extLst>
+          </p:cNvPr>
+          <p:cNvSpPr txBox="1"/>
+          <p:nvPr/>
+        </p:nvSpPr>
+        <p:spPr>
+          <a:xfrm>
+            <a:off x="2083523" y="1549357"/>
+            <a:ext cx="8024954" cy="923330"/>
+          </a:xfrm>
+          <a:prstGeom prst="rect">
+            <a:avLst/>
+          </a:prstGeom>
+          <a:noFill/>
+        </p:spPr>
+        <p:txBody>
+          <a:bodyPr wrap="none" rtlCol="0">
+            <a:spAutoFit/>
+          </a:bodyPr>
+          <a:lstStyle/>
+          <a:p>
+            <a:pPr>
+              <a:defRPr/>
+            </a:pPr>
+            <a:r>
+              <a:rPr lang="en-US" sz="5400" b="1" dirty="0">
+                <a:solidFill>
+                  <a:prstClr val="white"/>
+                </a:solidFill>
+                <a:latin typeface="Poppins"/>
+              </a:rPr>
+              <a:t>RESPUESTA CORRECTA</a:t>
+            </a:r>
+            <a:endParaRPr lang="en-IN" sz="5400" b="1" dirty="0">
+              <a:solidFill>
+                <a:prstClr val="white"/>
+              </a:solidFill>
+              <a:latin typeface="Poppins"/>
+            </a:endParaRPr>
+          </a:p>
+        </p:txBody>
+      </p:sp>
+      <p:sp>
+        <p:nvSpPr>
+          <p:cNvPr id="3" name="Rectangle 2">
+            <a:hlinkClick r:id="" action="ppaction://hlinkshowjump?jump=nextslide"/>
+            <a:extLst>
+              <a:ext uri="{FF2B5EF4-FFF2-40B4-BE49-F238E27FC236}">
+                <a16:creationId xmlns:a16="http://schemas.microsoft.com/office/drawing/2014/main" id="{3E95FE85-01E9-48D9-93B4-B3632117840E}"/>
+              </a:ext>
+            </a:extLst>
+          </p:cNvPr>
+          <p:cNvSpPr/>
+          <p:nvPr/>
+        </p:nvSpPr>
+        <p:spPr>
+          <a:xfrm>
+            <a:off x="4837611" y="3688666"/>
+            <a:ext cx="2516777" cy="696648"/>
+          </a:xfrm>
+          <a:prstGeom prst="rect">
+            <a:avLst/>
+          </a:prstGeom>
+          <a:solidFill>
+            <a:schemeClr val="bg1"/>
+          </a:solidFill>
+          <a:ln>
+            <a:solidFill>
+              <a:schemeClr val="bg1">
+                <a:lumMod val="85000"/>
+              </a:schemeClr>
+            </a:solidFill>
+          </a:ln>
+          <a:effectLst>
+            <a:outerShdw blurRad="381000" dist="127000" dir="7080000" sx="94000" sy="94000" algn="t" rotWithShape="0">
+              <a:prstClr val="black">
+                <a:alpha val="16000"/>
+              </a:prstClr>
+            </a:outerShdw>
+          </a:effectLst>
+          <a:scene3d>
+            <a:camera prst="perspectiveFront"/>
+            <a:lightRig rig="threePt" dir="t"/>
+          </a:scene3d>
+        </p:spPr>
+        <p:style>
+          <a:lnRef idx="2">
+            <a:schemeClr val="accent1">
+              <a:shade val="50000"/>
+            </a:schemeClr>
+          </a:lnRef>
+          <a:fillRef idx="1">
+            <a:schemeClr val="accent1"/>
+          </a:fillRef>
+          <a:effectRef idx="0">
+            <a:schemeClr val="accent1"/>
+          </a:effectRef>
+          <a:fontRef idx="minor">
+            <a:schemeClr val="lt1"/>
+          </a:fontRef>
+        </p:style>
+        <p:txBody>
+          <a:bodyPr tIns="144000" bIns="90000" rtlCol="0" anchor="ctr"/>
+          <a:lstStyle/>
+          <a:p>
+            <a:pPr algn="ctr" defTabSz="685800">
+              <a:defRPr/>
+            </a:pPr>
+            <a:r>
+              <a:rPr lang="en-US" sz="2000" dirty="0" err="1">
+                <a:solidFill>
+                  <a:prstClr val="black"/>
+                </a:solidFill>
+                <a:latin typeface="Poppins SemiBold" panose="00000700000000000000" pitchFamily="2" charset="0"/>
+                <a:cs typeface="Poppins SemiBold" panose="00000700000000000000" pitchFamily="2" charset="0"/>
+              </a:rPr>
+              <a:t>Siguiente</a:t>
+            </a:r>
+            <a:endParaRPr lang="en-IN" sz="2000" dirty="0">
+              <a:solidFill>
+                <a:prstClr val="black"/>
+              </a:solidFill>
+              <a:latin typeface="Poppins SemiBold" panose="00000700000000000000" pitchFamily="2" charset="0"/>
+              <a:cs typeface="Poppins SemiBold" panose="00000700000000000000" pitchFamily="2" charset="0"/>
+            </a:endParaRPr>
+          </a:p>
+        </p:txBody>
+      </p:sp>
+    </p:spTree>
+    <p:extLst>
+      <p:ext uri="{BB962C8B-B14F-4D97-AF65-F5344CB8AC3E}">
+        <p14:creationId xmlns:p14="http://schemas.microsoft.com/office/powerpoint/2010/main" val="628967740"/>
+      </p:ext>
+    </p:extLst>
+  </p:cSld>
+  <p:clrMapOvr>
+    <a:masterClrMapping/>
+  </p:clrMapOvr>
+</p:sld>
+</file>
+
+<file path=ppt/slides/slide41.xml><?xml version="1.0" encoding="utf-8"?>
+<p:sld xmlns:a="http://schemas.openxmlformats.org/drawingml/2006/main" xmlns:r="http://schemas.openxmlformats.org/officeDocument/2006/relationships" xmlns:p="http://schemas.openxmlformats.org/presentationml/2006/main">
+  <p:cSld>
+    <p:spTree>
+      <p:nvGrpSpPr>
+        <p:cNvPr id="1" name=""/>
+        <p:cNvGrpSpPr/>
+        <p:nvPr/>
+      </p:nvGrpSpPr>
+      <p:grpSpPr>
+        <a:xfrm>
+          <a:off x="0" y="0"/>
+          <a:ext cx="0" cy="0"/>
+          <a:chOff x="0" y="0"/>
+          <a:chExt cx="0" cy="0"/>
+        </a:xfrm>
+      </p:grpSpPr>
+      <p:sp>
+        <p:nvSpPr>
+          <p:cNvPr id="2" name="Rectangle 1">
+            <a:extLst>
+              <a:ext uri="{FF2B5EF4-FFF2-40B4-BE49-F238E27FC236}">
+                <a16:creationId xmlns:a16="http://schemas.microsoft.com/office/drawing/2014/main" id="{29228A24-4A1B-41B0-A802-CD51398332B9}"/>
+              </a:ext>
+            </a:extLst>
+          </p:cNvPr>
+          <p:cNvSpPr/>
+          <p:nvPr/>
+        </p:nvSpPr>
+        <p:spPr>
+          <a:xfrm>
+            <a:off x="1976846" y="435429"/>
+            <a:ext cx="8290560" cy="1898468"/>
+          </a:xfrm>
+          <a:prstGeom prst="rect">
+            <a:avLst/>
+          </a:prstGeom>
+          <a:solidFill>
+            <a:srgbClr val="FFFF00"/>
+          </a:solidFill>
+          <a:ln>
+            <a:solidFill>
+              <a:schemeClr val="bg1">
+                <a:lumMod val="85000"/>
+              </a:schemeClr>
+            </a:solidFill>
+          </a:ln>
+          <a:effectLst>
+            <a:outerShdw blurRad="381000" dist="127000" dir="7080000" sx="94000" sy="94000" algn="t" rotWithShape="0">
+              <a:prstClr val="black">
+                <a:alpha val="16000"/>
+              </a:prstClr>
+            </a:outerShdw>
+          </a:effectLst>
+          <a:scene3d>
+            <a:camera prst="perspectiveFront"/>
+            <a:lightRig rig="threePt" dir="t"/>
+          </a:scene3d>
+        </p:spPr>
+        <p:style>
+          <a:lnRef idx="2">
+            <a:schemeClr val="accent1">
+              <a:shade val="50000"/>
+            </a:schemeClr>
+          </a:lnRef>
+          <a:fillRef idx="1">
+            <a:schemeClr val="accent1"/>
+          </a:fillRef>
+          <a:effectRef idx="0">
+            <a:schemeClr val="accent1"/>
+          </a:effectRef>
+          <a:fontRef idx="minor">
+            <a:schemeClr val="lt1"/>
+          </a:fontRef>
+        </p:style>
+        <p:txBody>
+          <a:bodyPr tIns="144000" bIns="90000" rtlCol="0" anchor="ctr"/>
+          <a:lstStyle/>
+          <a:p>
+            <a:pPr algn="ctr" defTabSz="685800"/>
+            <a:r>
+              <a:rPr lang="en-US" sz="3200" dirty="0">
+                <a:solidFill>
+                  <a:schemeClr val="tx1"/>
+                </a:solidFill>
+                <a:latin typeface="Poppins SemiBold" panose="00000700000000000000" pitchFamily="2" charset="0"/>
+                <a:cs typeface="Poppins SemiBold" panose="00000700000000000000" pitchFamily="2" charset="0"/>
+              </a:rPr>
+              <a:t>20. </a:t>
+            </a:r>
+            <a:r>
+              <a:rPr lang="en-US" sz="3200" dirty="0" err="1">
+                <a:solidFill>
+                  <a:prstClr val="black"/>
+                </a:solidFill>
+                <a:latin typeface="Poppins SemiBold" panose="00000700000000000000" pitchFamily="2" charset="0"/>
+                <a:cs typeface="Poppins SemiBold" panose="00000700000000000000" pitchFamily="2" charset="0"/>
+              </a:rPr>
+              <a:t>Pregunta</a:t>
+            </a:r>
+            <a:endParaRPr lang="en-IN" sz="3200" dirty="0">
+              <a:solidFill>
+                <a:schemeClr val="tx1"/>
+              </a:solidFill>
+              <a:latin typeface="Poppins SemiBold" panose="00000700000000000000" pitchFamily="2" charset="0"/>
+              <a:cs typeface="Poppins SemiBold" panose="00000700000000000000" pitchFamily="2" charset="0"/>
+            </a:endParaRPr>
+          </a:p>
+        </p:txBody>
+      </p:sp>
+      <p:sp>
+        <p:nvSpPr>
+          <p:cNvPr id="3" name="Rectangle 2">
+            <a:hlinkClick r:id="rId2" action="ppaction://hlinksldjump">
+              <a:snd r:embed="rId3" name="WrongAnswerSFX.wav"/>
+            </a:hlinkClick>
+            <a:extLst>
+              <a:ext uri="{FF2B5EF4-FFF2-40B4-BE49-F238E27FC236}">
+                <a16:creationId xmlns:a16="http://schemas.microsoft.com/office/drawing/2014/main" id="{93EB3632-12C3-41FB-861E-57B9D53BBF65}"/>
+              </a:ext>
+            </a:extLst>
+          </p:cNvPr>
+          <p:cNvSpPr/>
+          <p:nvPr/>
+        </p:nvSpPr>
+        <p:spPr>
+          <a:xfrm>
+            <a:off x="6296298" y="2612571"/>
+            <a:ext cx="3971108" cy="1236618"/>
+          </a:xfrm>
+          <a:prstGeom prst="rect">
+            <a:avLst/>
+          </a:prstGeom>
+          <a:solidFill>
+            <a:schemeClr val="bg1"/>
+          </a:solidFill>
+          <a:ln>
+            <a:solidFill>
+              <a:schemeClr val="bg1">
+                <a:lumMod val="85000"/>
+              </a:schemeClr>
+            </a:solidFill>
+          </a:ln>
+          <a:effectLst>
+            <a:outerShdw blurRad="381000" dist="127000" dir="7080000" sx="94000" sy="94000" algn="t" rotWithShape="0">
+              <a:prstClr val="black">
+                <a:alpha val="16000"/>
+              </a:prstClr>
+            </a:outerShdw>
+          </a:effectLst>
+          <a:scene3d>
+            <a:camera prst="perspectiveFront"/>
+            <a:lightRig rig="threePt" dir="t"/>
+          </a:scene3d>
+        </p:spPr>
+        <p:style>
+          <a:lnRef idx="2">
+            <a:schemeClr val="accent1">
+              <a:shade val="50000"/>
+            </a:schemeClr>
+          </a:lnRef>
+          <a:fillRef idx="1">
+            <a:schemeClr val="accent1"/>
+          </a:fillRef>
+          <a:effectRef idx="0">
+            <a:schemeClr val="accent1"/>
+          </a:effectRef>
+          <a:fontRef idx="minor">
+            <a:schemeClr val="lt1"/>
+          </a:fontRef>
+        </p:style>
+        <p:txBody>
+          <a:bodyPr tIns="144000" bIns="90000" rtlCol="0" anchor="ctr"/>
+          <a:lstStyle/>
+          <a:p>
+            <a:pPr algn="ctr" defTabSz="685800"/>
+            <a:r>
+              <a:rPr lang="en-US" sz="2000" dirty="0">
+                <a:solidFill>
+                  <a:schemeClr val="tx1"/>
+                </a:solidFill>
+                <a:latin typeface="Poppins SemiBold" panose="00000700000000000000" pitchFamily="2" charset="0"/>
+                <a:cs typeface="Poppins SemiBold" panose="00000700000000000000" pitchFamily="2" charset="0"/>
+              </a:rPr>
+              <a:t>Incorrect Answer</a:t>
+            </a:r>
+            <a:endParaRPr lang="en-IN" sz="2000" dirty="0">
+              <a:solidFill>
+                <a:schemeClr val="tx1"/>
+              </a:solidFill>
+              <a:latin typeface="Poppins SemiBold" panose="00000700000000000000" pitchFamily="2" charset="0"/>
+              <a:cs typeface="Poppins SemiBold" panose="00000700000000000000" pitchFamily="2" charset="0"/>
+            </a:endParaRPr>
+          </a:p>
+        </p:txBody>
+      </p:sp>
+      <p:sp>
+        <p:nvSpPr>
+          <p:cNvPr id="5" name="Rectangle 4">
+            <a:hlinkClick r:id="" action="ppaction://hlinkshowjump?jump=nextslide">
+              <a:snd r:embed="rId4" name="CorrectAnswerSFX.wav"/>
+            </a:hlinkClick>
+            <a:extLst>
+              <a:ext uri="{FF2B5EF4-FFF2-40B4-BE49-F238E27FC236}">
+                <a16:creationId xmlns:a16="http://schemas.microsoft.com/office/drawing/2014/main" id="{11A411AB-3628-4BD3-8F92-E851842AEEC9}"/>
+              </a:ext>
+            </a:extLst>
+          </p:cNvPr>
+          <p:cNvSpPr/>
+          <p:nvPr/>
+        </p:nvSpPr>
+        <p:spPr>
+          <a:xfrm>
+            <a:off x="1976846" y="2612571"/>
+            <a:ext cx="3971108" cy="1236618"/>
+          </a:xfrm>
+          <a:prstGeom prst="rect">
+            <a:avLst/>
+          </a:prstGeom>
+          <a:solidFill>
+            <a:schemeClr val="bg1"/>
+          </a:solidFill>
+          <a:ln>
+            <a:solidFill>
+              <a:schemeClr val="bg1">
+                <a:lumMod val="85000"/>
+              </a:schemeClr>
+            </a:solidFill>
+          </a:ln>
+          <a:effectLst>
+            <a:outerShdw blurRad="381000" dist="127000" dir="7080000" sx="94000" sy="94000" algn="t" rotWithShape="0">
+              <a:prstClr val="black">
+                <a:alpha val="16000"/>
+              </a:prstClr>
+            </a:outerShdw>
+          </a:effectLst>
+          <a:scene3d>
+            <a:camera prst="perspectiveFront"/>
+            <a:lightRig rig="threePt" dir="t"/>
+          </a:scene3d>
+        </p:spPr>
+        <p:style>
+          <a:lnRef idx="2">
+            <a:schemeClr val="accent1">
+              <a:shade val="50000"/>
+            </a:schemeClr>
+          </a:lnRef>
+          <a:fillRef idx="1">
+            <a:schemeClr val="accent1"/>
+          </a:fillRef>
+          <a:effectRef idx="0">
+            <a:schemeClr val="accent1"/>
+          </a:effectRef>
+          <a:fontRef idx="minor">
+            <a:schemeClr val="lt1"/>
+          </a:fontRef>
+        </p:style>
+        <p:txBody>
+          <a:bodyPr tIns="144000" bIns="90000" rtlCol="0" anchor="ctr"/>
+          <a:lstStyle/>
+          <a:p>
+            <a:pPr algn="ctr" defTabSz="685800"/>
+            <a:r>
+              <a:rPr lang="en-US" sz="2000" dirty="0">
+                <a:solidFill>
+                  <a:schemeClr val="tx1"/>
+                </a:solidFill>
+                <a:latin typeface="Poppins SemiBold" panose="00000700000000000000" pitchFamily="2" charset="0"/>
+                <a:cs typeface="Poppins SemiBold" panose="00000700000000000000" pitchFamily="2" charset="0"/>
+              </a:rPr>
+              <a:t>Respuesta </a:t>
+            </a:r>
+            <a:r>
+              <a:rPr lang="en-US" sz="2000" dirty="0" err="1">
+                <a:solidFill>
+                  <a:schemeClr val="tx1"/>
+                </a:solidFill>
+                <a:latin typeface="Poppins SemiBold" panose="00000700000000000000" pitchFamily="2" charset="0"/>
+                <a:cs typeface="Poppins SemiBold" panose="00000700000000000000" pitchFamily="2" charset="0"/>
+              </a:rPr>
+              <a:t>Correcta</a:t>
+            </a:r>
+            <a:endParaRPr lang="en-IN" sz="2000" dirty="0">
+              <a:solidFill>
+                <a:schemeClr val="tx1"/>
+              </a:solidFill>
+              <a:latin typeface="Poppins SemiBold" panose="00000700000000000000" pitchFamily="2" charset="0"/>
+              <a:cs typeface="Poppins SemiBold" panose="00000700000000000000" pitchFamily="2" charset="0"/>
+            </a:endParaRPr>
+          </a:p>
+        </p:txBody>
+      </p:sp>
+    </p:spTree>
+    <p:extLst>
+      <p:ext uri="{BB962C8B-B14F-4D97-AF65-F5344CB8AC3E}">
+        <p14:creationId xmlns:p14="http://schemas.microsoft.com/office/powerpoint/2010/main" val="4238080148"/>
+      </p:ext>
+    </p:extLst>
+  </p:cSld>
+  <p:clrMapOvr>
+    <a:masterClrMapping/>
+  </p:clrMapOvr>
+</p:sld>
+</file>
+
+<file path=ppt/slides/slide42.xml><?xml version="1.0" encoding="utf-8"?>
+<p:sld xmlns:a="http://schemas.openxmlformats.org/drawingml/2006/main" xmlns:r="http://schemas.openxmlformats.org/officeDocument/2006/relationships" xmlns:p="http://schemas.openxmlformats.org/presentationml/2006/main">
+  <p:cSld>
+    <p:bg>
+      <p:bgPr>
+        <a:solidFill>
+          <a:srgbClr val="00B050"/>
+        </a:solidFill>
+        <a:effectLst/>
+      </p:bgPr>
+    </p:bg>
+    <p:spTree>
+      <p:nvGrpSpPr>
+        <p:cNvPr id="1" name=""/>
+        <p:cNvGrpSpPr/>
+        <p:nvPr/>
+      </p:nvGrpSpPr>
+      <p:grpSpPr>
+        <a:xfrm>
+          <a:off x="0" y="0"/>
+          <a:ext cx="0" cy="0"/>
+          <a:chOff x="0" y="0"/>
+          <a:chExt cx="0" cy="0"/>
+        </a:xfrm>
+      </p:grpSpPr>
+      <p:sp>
+        <p:nvSpPr>
+          <p:cNvPr id="2" name="TextBox 1">
+            <a:extLst>
+              <a:ext uri="{FF2B5EF4-FFF2-40B4-BE49-F238E27FC236}">
+                <a16:creationId xmlns:a16="http://schemas.microsoft.com/office/drawing/2014/main" id="{60075EE3-328C-49EE-B897-556D339C339C}"/>
+              </a:ext>
+            </a:extLst>
+          </p:cNvPr>
+          <p:cNvSpPr txBox="1"/>
+          <p:nvPr/>
+        </p:nvSpPr>
+        <p:spPr>
+          <a:xfrm>
+            <a:off x="2083523" y="1549357"/>
+            <a:ext cx="8024954" cy="923330"/>
+          </a:xfrm>
+          <a:prstGeom prst="rect">
+            <a:avLst/>
+          </a:prstGeom>
+          <a:noFill/>
+        </p:spPr>
+        <p:txBody>
+          <a:bodyPr wrap="none" rtlCol="0">
+            <a:spAutoFit/>
+          </a:bodyPr>
+          <a:lstStyle/>
+          <a:p>
+            <a:pPr>
+              <a:defRPr/>
+            </a:pPr>
+            <a:r>
+              <a:rPr lang="en-US" sz="5400" b="1" dirty="0">
+                <a:solidFill>
+                  <a:prstClr val="white"/>
+                </a:solidFill>
+                <a:latin typeface="Poppins"/>
+              </a:rPr>
+              <a:t>RESPUESTA CORRECTA</a:t>
+            </a:r>
+            <a:endParaRPr lang="en-IN" sz="5400" b="1" dirty="0">
+              <a:solidFill>
+                <a:prstClr val="white"/>
+              </a:solidFill>
+              <a:latin typeface="Poppins"/>
+            </a:endParaRPr>
+          </a:p>
+        </p:txBody>
+      </p:sp>
+      <p:sp>
+        <p:nvSpPr>
+          <p:cNvPr id="3" name="Rectangle 2">
+            <a:hlinkClick r:id="" action="ppaction://hlinkshowjump?jump=nextslide"/>
+            <a:extLst>
+              <a:ext uri="{FF2B5EF4-FFF2-40B4-BE49-F238E27FC236}">
+                <a16:creationId xmlns:a16="http://schemas.microsoft.com/office/drawing/2014/main" id="{3E95FE85-01E9-48D9-93B4-B3632117840E}"/>
+              </a:ext>
+            </a:extLst>
+          </p:cNvPr>
+          <p:cNvSpPr/>
+          <p:nvPr/>
+        </p:nvSpPr>
+        <p:spPr>
+          <a:xfrm>
+            <a:off x="4837611" y="3688666"/>
+            <a:ext cx="2516777" cy="696648"/>
+          </a:xfrm>
+          <a:prstGeom prst="rect">
+            <a:avLst/>
+          </a:prstGeom>
+          <a:solidFill>
+            <a:schemeClr val="bg1"/>
+          </a:solidFill>
+          <a:ln>
+            <a:solidFill>
+              <a:schemeClr val="bg1">
+                <a:lumMod val="85000"/>
+              </a:schemeClr>
+            </a:solidFill>
+          </a:ln>
+          <a:effectLst>
+            <a:outerShdw blurRad="381000" dist="127000" dir="7080000" sx="94000" sy="94000" algn="t" rotWithShape="0">
+              <a:prstClr val="black">
+                <a:alpha val="16000"/>
+              </a:prstClr>
+            </a:outerShdw>
+          </a:effectLst>
+          <a:scene3d>
+            <a:camera prst="perspectiveFront"/>
+            <a:lightRig rig="threePt" dir="t"/>
+          </a:scene3d>
+        </p:spPr>
+        <p:style>
+          <a:lnRef idx="2">
+            <a:schemeClr val="accent1">
+              <a:shade val="50000"/>
+            </a:schemeClr>
+          </a:lnRef>
+          <a:fillRef idx="1">
+            <a:schemeClr val="accent1"/>
+          </a:fillRef>
+          <a:effectRef idx="0">
+            <a:schemeClr val="accent1"/>
+          </a:effectRef>
+          <a:fontRef idx="minor">
+            <a:schemeClr val="lt1"/>
+          </a:fontRef>
+        </p:style>
+        <p:txBody>
+          <a:bodyPr tIns="144000" bIns="90000" rtlCol="0" anchor="ctr"/>
+          <a:lstStyle/>
+          <a:p>
+            <a:pPr algn="ctr" defTabSz="685800">
+              <a:defRPr/>
+            </a:pPr>
+            <a:r>
+              <a:rPr lang="en-US" sz="2000" dirty="0" err="1">
+                <a:solidFill>
+                  <a:prstClr val="black"/>
+                </a:solidFill>
+                <a:latin typeface="Poppins SemiBold" panose="00000700000000000000" pitchFamily="2" charset="0"/>
+                <a:cs typeface="Poppins SemiBold" panose="00000700000000000000" pitchFamily="2" charset="0"/>
+              </a:rPr>
+              <a:t>Siguiente</a:t>
+            </a:r>
+            <a:endParaRPr lang="en-IN" sz="2000" dirty="0">
+              <a:solidFill>
+                <a:prstClr val="black"/>
+              </a:solidFill>
+              <a:latin typeface="Poppins SemiBold" panose="00000700000000000000" pitchFamily="2" charset="0"/>
+              <a:cs typeface="Poppins SemiBold" panose="00000700000000000000" pitchFamily="2" charset="0"/>
+            </a:endParaRPr>
+          </a:p>
+        </p:txBody>
+      </p:sp>
+    </p:spTree>
+    <p:extLst>
+      <p:ext uri="{BB962C8B-B14F-4D97-AF65-F5344CB8AC3E}">
+        <p14:creationId xmlns:p14="http://schemas.microsoft.com/office/powerpoint/2010/main" val="54821411"/>
+      </p:ext>
+    </p:extLst>
+  </p:cSld>
+  <p:clrMapOvr>
+    <a:masterClrMapping/>
+  </p:clrMapOvr>
+</p:sld>
+</file>
+
+<file path=ppt/slides/slide43.xml><?xml version="1.0" encoding="utf-8"?>
+<p:sld xmlns:a="http://schemas.openxmlformats.org/drawingml/2006/main" xmlns:r="http://schemas.openxmlformats.org/officeDocument/2006/relationships" xmlns:p="http://schemas.openxmlformats.org/presentationml/2006/main">
+  <p:cSld>
+    <p:spTree>
+      <p:nvGrpSpPr>
+        <p:cNvPr id="1" name=""/>
+        <p:cNvGrpSpPr/>
+        <p:nvPr/>
+      </p:nvGrpSpPr>
+      <p:grpSpPr>
+        <a:xfrm>
+          <a:off x="0" y="0"/>
+          <a:ext cx="0" cy="0"/>
+          <a:chOff x="0" y="0"/>
+          <a:chExt cx="0" cy="0"/>
+        </a:xfrm>
+      </p:grpSpPr>
+      <p:sp>
+        <p:nvSpPr>
+          <p:cNvPr id="2" name="Rectangle 1">
+            <a:extLst>
+              <a:ext uri="{FF2B5EF4-FFF2-40B4-BE49-F238E27FC236}">
+                <a16:creationId xmlns:a16="http://schemas.microsoft.com/office/drawing/2014/main" id="{29228A24-4A1B-41B0-A802-CD51398332B9}"/>
+              </a:ext>
+            </a:extLst>
+          </p:cNvPr>
+          <p:cNvSpPr/>
+          <p:nvPr/>
+        </p:nvSpPr>
+        <p:spPr>
+          <a:xfrm>
+            <a:off x="1976846" y="435429"/>
+            <a:ext cx="8290560" cy="1898468"/>
+          </a:xfrm>
+          <a:prstGeom prst="rect">
+            <a:avLst/>
+          </a:prstGeom>
+          <a:solidFill>
+            <a:srgbClr val="FFFF00"/>
+          </a:solidFill>
+          <a:ln>
+            <a:solidFill>
+              <a:schemeClr val="bg1">
+                <a:lumMod val="85000"/>
+              </a:schemeClr>
+            </a:solidFill>
+          </a:ln>
+          <a:effectLst>
+            <a:outerShdw blurRad="381000" dist="127000" dir="7080000" sx="94000" sy="94000" algn="t" rotWithShape="0">
+              <a:prstClr val="black">
+                <a:alpha val="16000"/>
+              </a:prstClr>
+            </a:outerShdw>
+          </a:effectLst>
+          <a:scene3d>
+            <a:camera prst="perspectiveFront"/>
+            <a:lightRig rig="threePt" dir="t"/>
+          </a:scene3d>
+        </p:spPr>
+        <p:style>
+          <a:lnRef idx="2">
+            <a:schemeClr val="accent1">
+              <a:shade val="50000"/>
+            </a:schemeClr>
+          </a:lnRef>
+          <a:fillRef idx="1">
+            <a:schemeClr val="accent1"/>
+          </a:fillRef>
+          <a:effectRef idx="0">
+            <a:schemeClr val="accent1"/>
+          </a:effectRef>
+          <a:fontRef idx="minor">
+            <a:schemeClr val="lt1"/>
+          </a:fontRef>
+        </p:style>
+        <p:txBody>
+          <a:bodyPr tIns="144000" bIns="90000" rtlCol="0" anchor="ctr"/>
+          <a:lstStyle/>
+          <a:p>
+            <a:pPr algn="ctr" defTabSz="685800"/>
+            <a:r>
+              <a:rPr lang="en-US" sz="3200" dirty="0">
+                <a:solidFill>
+                  <a:schemeClr val="tx1"/>
+                </a:solidFill>
+                <a:latin typeface="Poppins SemiBold" panose="00000700000000000000" pitchFamily="2" charset="0"/>
+                <a:cs typeface="Poppins SemiBold" panose="00000700000000000000" pitchFamily="2" charset="0"/>
+              </a:rPr>
+              <a:t>21. </a:t>
+            </a:r>
+            <a:r>
+              <a:rPr lang="en-US" sz="3200" dirty="0" err="1">
+                <a:solidFill>
+                  <a:prstClr val="black"/>
+                </a:solidFill>
+                <a:latin typeface="Poppins SemiBold" panose="00000700000000000000" pitchFamily="2" charset="0"/>
+                <a:cs typeface="Poppins SemiBold" panose="00000700000000000000" pitchFamily="2" charset="0"/>
+              </a:rPr>
+              <a:t>Pregunta</a:t>
+            </a:r>
+            <a:endParaRPr lang="en-IN" sz="3200" dirty="0">
+              <a:solidFill>
+                <a:schemeClr val="tx1"/>
+              </a:solidFill>
+              <a:latin typeface="Poppins SemiBold" panose="00000700000000000000" pitchFamily="2" charset="0"/>
+              <a:cs typeface="Poppins SemiBold" panose="00000700000000000000" pitchFamily="2" charset="0"/>
+            </a:endParaRPr>
+          </a:p>
+        </p:txBody>
+      </p:sp>
+      <p:sp>
+        <p:nvSpPr>
+          <p:cNvPr id="3" name="Rectangle 2">
+            <a:hlinkClick r:id="rId2" action="ppaction://hlinksldjump">
+              <a:snd r:embed="rId3" name="WrongAnswerSFX.wav"/>
+            </a:hlinkClick>
+            <a:extLst>
+              <a:ext uri="{FF2B5EF4-FFF2-40B4-BE49-F238E27FC236}">
+                <a16:creationId xmlns:a16="http://schemas.microsoft.com/office/drawing/2014/main" id="{93EB3632-12C3-41FB-861E-57B9D53BBF65}"/>
+              </a:ext>
+            </a:extLst>
+          </p:cNvPr>
+          <p:cNvSpPr/>
+          <p:nvPr/>
+        </p:nvSpPr>
+        <p:spPr>
+          <a:xfrm>
+            <a:off x="6296298" y="2612571"/>
+            <a:ext cx="3971108" cy="1236618"/>
+          </a:xfrm>
+          <a:prstGeom prst="rect">
+            <a:avLst/>
+          </a:prstGeom>
+          <a:solidFill>
+            <a:schemeClr val="bg1"/>
+          </a:solidFill>
+          <a:ln>
+            <a:solidFill>
+              <a:schemeClr val="bg1">
+                <a:lumMod val="85000"/>
+              </a:schemeClr>
+            </a:solidFill>
+          </a:ln>
+          <a:effectLst>
+            <a:outerShdw blurRad="381000" dist="127000" dir="7080000" sx="94000" sy="94000" algn="t" rotWithShape="0">
+              <a:prstClr val="black">
+                <a:alpha val="16000"/>
+              </a:prstClr>
+            </a:outerShdw>
+          </a:effectLst>
+          <a:scene3d>
+            <a:camera prst="perspectiveFront"/>
+            <a:lightRig rig="threePt" dir="t"/>
+          </a:scene3d>
+        </p:spPr>
+        <p:style>
+          <a:lnRef idx="2">
+            <a:schemeClr val="accent1">
+              <a:shade val="50000"/>
+            </a:schemeClr>
+          </a:lnRef>
+          <a:fillRef idx="1">
+            <a:schemeClr val="accent1"/>
+          </a:fillRef>
+          <a:effectRef idx="0">
+            <a:schemeClr val="accent1"/>
+          </a:effectRef>
+          <a:fontRef idx="minor">
+            <a:schemeClr val="lt1"/>
+          </a:fontRef>
+        </p:style>
+        <p:txBody>
+          <a:bodyPr tIns="144000" bIns="90000" rtlCol="0" anchor="ctr"/>
+          <a:lstStyle/>
+          <a:p>
+            <a:pPr algn="ctr" defTabSz="685800"/>
+            <a:r>
+              <a:rPr lang="en-US" sz="2000" dirty="0">
+                <a:solidFill>
+                  <a:schemeClr val="tx1"/>
+                </a:solidFill>
+                <a:latin typeface="Poppins SemiBold" panose="00000700000000000000" pitchFamily="2" charset="0"/>
+                <a:cs typeface="Poppins SemiBold" panose="00000700000000000000" pitchFamily="2" charset="0"/>
+              </a:rPr>
+              <a:t>Incorrect Answer</a:t>
+            </a:r>
+            <a:endParaRPr lang="en-IN" sz="2000" dirty="0">
+              <a:solidFill>
+                <a:schemeClr val="tx1"/>
+              </a:solidFill>
+              <a:latin typeface="Poppins SemiBold" panose="00000700000000000000" pitchFamily="2" charset="0"/>
+              <a:cs typeface="Poppins SemiBold" panose="00000700000000000000" pitchFamily="2" charset="0"/>
+            </a:endParaRPr>
+          </a:p>
+        </p:txBody>
+      </p:sp>
+      <p:sp>
+        <p:nvSpPr>
+          <p:cNvPr id="5" name="Rectangle 4">
+            <a:hlinkClick r:id="" action="ppaction://hlinkshowjump?jump=nextslide">
+              <a:snd r:embed="rId4" name="CorrectAnswerSFX.wav"/>
+            </a:hlinkClick>
+            <a:extLst>
+              <a:ext uri="{FF2B5EF4-FFF2-40B4-BE49-F238E27FC236}">
+                <a16:creationId xmlns:a16="http://schemas.microsoft.com/office/drawing/2014/main" id="{11A411AB-3628-4BD3-8F92-E851842AEEC9}"/>
+              </a:ext>
+            </a:extLst>
+          </p:cNvPr>
+          <p:cNvSpPr/>
+          <p:nvPr/>
+        </p:nvSpPr>
+        <p:spPr>
+          <a:xfrm>
+            <a:off x="1976846" y="2612571"/>
+            <a:ext cx="3971108" cy="1236618"/>
+          </a:xfrm>
+          <a:prstGeom prst="rect">
+            <a:avLst/>
+          </a:prstGeom>
+          <a:solidFill>
+            <a:schemeClr val="bg1"/>
+          </a:solidFill>
+          <a:ln>
+            <a:solidFill>
+              <a:schemeClr val="bg1">
+                <a:lumMod val="85000"/>
+              </a:schemeClr>
+            </a:solidFill>
+          </a:ln>
+          <a:effectLst>
+            <a:outerShdw blurRad="381000" dist="127000" dir="7080000" sx="94000" sy="94000" algn="t" rotWithShape="0">
+              <a:prstClr val="black">
+                <a:alpha val="16000"/>
+              </a:prstClr>
+            </a:outerShdw>
+          </a:effectLst>
+          <a:scene3d>
+            <a:camera prst="perspectiveFront"/>
+            <a:lightRig rig="threePt" dir="t"/>
+          </a:scene3d>
+        </p:spPr>
+        <p:style>
+          <a:lnRef idx="2">
+            <a:schemeClr val="accent1">
+              <a:shade val="50000"/>
+            </a:schemeClr>
+          </a:lnRef>
+          <a:fillRef idx="1">
+            <a:schemeClr val="accent1"/>
+          </a:fillRef>
+          <a:effectRef idx="0">
+            <a:schemeClr val="accent1"/>
+          </a:effectRef>
+          <a:fontRef idx="minor">
+            <a:schemeClr val="lt1"/>
+          </a:fontRef>
+        </p:style>
+        <p:txBody>
+          <a:bodyPr tIns="144000" bIns="90000" rtlCol="0" anchor="ctr"/>
+          <a:lstStyle/>
+          <a:p>
+            <a:pPr algn="ctr" defTabSz="685800"/>
+            <a:r>
+              <a:rPr lang="en-US" sz="2000" dirty="0">
+                <a:solidFill>
+                  <a:schemeClr val="tx1"/>
+                </a:solidFill>
+                <a:latin typeface="Poppins SemiBold" panose="00000700000000000000" pitchFamily="2" charset="0"/>
+                <a:cs typeface="Poppins SemiBold" panose="00000700000000000000" pitchFamily="2" charset="0"/>
+              </a:rPr>
+              <a:t>Respuesta </a:t>
+            </a:r>
+            <a:r>
+              <a:rPr lang="en-US" sz="2000" dirty="0" err="1">
+                <a:solidFill>
+                  <a:schemeClr val="tx1"/>
+                </a:solidFill>
+                <a:latin typeface="Poppins SemiBold" panose="00000700000000000000" pitchFamily="2" charset="0"/>
+                <a:cs typeface="Poppins SemiBold" panose="00000700000000000000" pitchFamily="2" charset="0"/>
+              </a:rPr>
+              <a:t>Correcta</a:t>
+            </a:r>
+            <a:endParaRPr lang="en-IN" sz="2000" dirty="0">
+              <a:solidFill>
+                <a:schemeClr val="tx1"/>
+              </a:solidFill>
+              <a:latin typeface="Poppins SemiBold" panose="00000700000000000000" pitchFamily="2" charset="0"/>
+              <a:cs typeface="Poppins SemiBold" panose="00000700000000000000" pitchFamily="2" charset="0"/>
+            </a:endParaRPr>
+          </a:p>
+        </p:txBody>
+      </p:sp>
+    </p:spTree>
+    <p:extLst>
+      <p:ext uri="{BB962C8B-B14F-4D97-AF65-F5344CB8AC3E}">
+        <p14:creationId xmlns:p14="http://schemas.microsoft.com/office/powerpoint/2010/main" val="2339577612"/>
+      </p:ext>
+    </p:extLst>
+  </p:cSld>
+  <p:clrMapOvr>
+    <a:masterClrMapping/>
+  </p:clrMapOvr>
+</p:sld>
+</file>
+
+<file path=ppt/slides/slide44.xml><?xml version="1.0" encoding="utf-8"?>
+<p:sld xmlns:a="http://schemas.openxmlformats.org/drawingml/2006/main" xmlns:r="http://schemas.openxmlformats.org/officeDocument/2006/relationships" xmlns:p="http://schemas.openxmlformats.org/presentationml/2006/main">
+  <p:cSld>
+    <p:bg>
+      <p:bgPr>
+        <a:solidFill>
+          <a:srgbClr val="00B050"/>
+        </a:solidFill>
+        <a:effectLst/>
+      </p:bgPr>
+    </p:bg>
+    <p:spTree>
+      <p:nvGrpSpPr>
+        <p:cNvPr id="1" name=""/>
+        <p:cNvGrpSpPr/>
+        <p:nvPr/>
+      </p:nvGrpSpPr>
+      <p:grpSpPr>
+        <a:xfrm>
+          <a:off x="0" y="0"/>
+          <a:ext cx="0" cy="0"/>
+          <a:chOff x="0" y="0"/>
+          <a:chExt cx="0" cy="0"/>
+        </a:xfrm>
+      </p:grpSpPr>
+      <p:sp>
+        <p:nvSpPr>
+          <p:cNvPr id="2" name="TextBox 1">
+            <a:extLst>
+              <a:ext uri="{FF2B5EF4-FFF2-40B4-BE49-F238E27FC236}">
+                <a16:creationId xmlns:a16="http://schemas.microsoft.com/office/drawing/2014/main" id="{60075EE3-328C-49EE-B897-556D339C339C}"/>
+              </a:ext>
+            </a:extLst>
+          </p:cNvPr>
+          <p:cNvSpPr txBox="1"/>
+          <p:nvPr/>
+        </p:nvSpPr>
+        <p:spPr>
+          <a:xfrm>
+            <a:off x="2083523" y="1549357"/>
+            <a:ext cx="8024954" cy="923330"/>
+          </a:xfrm>
+          <a:prstGeom prst="rect">
+            <a:avLst/>
+          </a:prstGeom>
+          <a:noFill/>
+        </p:spPr>
+        <p:txBody>
+          <a:bodyPr wrap="none" rtlCol="0">
+            <a:spAutoFit/>
+          </a:bodyPr>
+          <a:lstStyle/>
+          <a:p>
+            <a:pPr>
+              <a:defRPr/>
+            </a:pPr>
+            <a:r>
+              <a:rPr lang="en-US" sz="5400" b="1" dirty="0">
+                <a:solidFill>
+                  <a:prstClr val="white"/>
+                </a:solidFill>
+                <a:latin typeface="Poppins"/>
+              </a:rPr>
+              <a:t>RESPUESTA CORRECTA</a:t>
+            </a:r>
+            <a:endParaRPr lang="en-IN" sz="5400" b="1" dirty="0">
+              <a:solidFill>
+                <a:prstClr val="white"/>
+              </a:solidFill>
+              <a:latin typeface="Poppins"/>
+            </a:endParaRPr>
+          </a:p>
+        </p:txBody>
+      </p:sp>
+      <p:sp>
+        <p:nvSpPr>
+          <p:cNvPr id="3" name="Rectangle 2">
+            <a:hlinkClick r:id="" action="ppaction://hlinkshowjump?jump=nextslide"/>
+            <a:extLst>
+              <a:ext uri="{FF2B5EF4-FFF2-40B4-BE49-F238E27FC236}">
+                <a16:creationId xmlns:a16="http://schemas.microsoft.com/office/drawing/2014/main" id="{3E95FE85-01E9-48D9-93B4-B3632117840E}"/>
+              </a:ext>
+            </a:extLst>
+          </p:cNvPr>
+          <p:cNvSpPr/>
+          <p:nvPr/>
+        </p:nvSpPr>
+        <p:spPr>
+          <a:xfrm>
+            <a:off x="4837611" y="3688666"/>
+            <a:ext cx="2516777" cy="696648"/>
+          </a:xfrm>
+          <a:prstGeom prst="rect">
+            <a:avLst/>
+          </a:prstGeom>
+          <a:solidFill>
+            <a:schemeClr val="bg1"/>
+          </a:solidFill>
+          <a:ln>
+            <a:solidFill>
+              <a:schemeClr val="bg1">
+                <a:lumMod val="85000"/>
+              </a:schemeClr>
+            </a:solidFill>
+          </a:ln>
+          <a:effectLst>
+            <a:outerShdw blurRad="381000" dist="127000" dir="7080000" sx="94000" sy="94000" algn="t" rotWithShape="0">
+              <a:prstClr val="black">
+                <a:alpha val="16000"/>
+              </a:prstClr>
+            </a:outerShdw>
+          </a:effectLst>
+          <a:scene3d>
+            <a:camera prst="perspectiveFront"/>
+            <a:lightRig rig="threePt" dir="t"/>
+          </a:scene3d>
+        </p:spPr>
+        <p:style>
+          <a:lnRef idx="2">
+            <a:schemeClr val="accent1">
+              <a:shade val="50000"/>
+            </a:schemeClr>
+          </a:lnRef>
+          <a:fillRef idx="1">
+            <a:schemeClr val="accent1"/>
+          </a:fillRef>
+          <a:effectRef idx="0">
+            <a:schemeClr val="accent1"/>
+          </a:effectRef>
+          <a:fontRef idx="minor">
+            <a:schemeClr val="lt1"/>
+          </a:fontRef>
+        </p:style>
+        <p:txBody>
+          <a:bodyPr tIns="144000" bIns="90000" rtlCol="0" anchor="ctr"/>
+          <a:lstStyle/>
+          <a:p>
+            <a:pPr algn="ctr" defTabSz="685800">
+              <a:defRPr/>
+            </a:pPr>
+            <a:r>
+              <a:rPr lang="en-US" sz="2000" dirty="0" err="1">
+                <a:solidFill>
+                  <a:prstClr val="black"/>
+                </a:solidFill>
+                <a:latin typeface="Poppins SemiBold" panose="00000700000000000000" pitchFamily="2" charset="0"/>
+                <a:cs typeface="Poppins SemiBold" panose="00000700000000000000" pitchFamily="2" charset="0"/>
+              </a:rPr>
+              <a:t>Siguiente</a:t>
+            </a:r>
+            <a:endParaRPr lang="en-IN" sz="2000" dirty="0">
+              <a:solidFill>
+                <a:prstClr val="black"/>
+              </a:solidFill>
+              <a:latin typeface="Poppins SemiBold" panose="00000700000000000000" pitchFamily="2" charset="0"/>
+              <a:cs typeface="Poppins SemiBold" panose="00000700000000000000" pitchFamily="2" charset="0"/>
+            </a:endParaRPr>
+          </a:p>
+        </p:txBody>
+      </p:sp>
+    </p:spTree>
+    <p:extLst>
+      <p:ext uri="{BB962C8B-B14F-4D97-AF65-F5344CB8AC3E}">
+        <p14:creationId xmlns:p14="http://schemas.microsoft.com/office/powerpoint/2010/main" val="500679547"/>
       </p:ext>
     </p:extLst>
   </p:cSld>

--- a/sevilladotnetconf-close.pptx
+++ b/sevilladotnetconf-close.pptx
@@ -16,15 +16,15 @@
     <p:sldId id="269" r:id="rId7"/>
     <p:sldId id="267" r:id="rId8"/>
     <p:sldId id="270" r:id="rId9"/>
-    <p:sldId id="268" r:id="rId10"/>
+    <p:sldId id="308" r:id="rId10"/>
     <p:sldId id="271" r:id="rId11"/>
     <p:sldId id="272" r:id="rId12"/>
     <p:sldId id="273" r:id="rId13"/>
     <p:sldId id="274" r:id="rId14"/>
     <p:sldId id="275" r:id="rId15"/>
-    <p:sldId id="276" r:id="rId16"/>
+    <p:sldId id="309" r:id="rId16"/>
     <p:sldId id="277" r:id="rId17"/>
-    <p:sldId id="278" r:id="rId18"/>
+    <p:sldId id="310" r:id="rId18"/>
     <p:sldId id="279" r:id="rId19"/>
     <p:sldId id="280" r:id="rId20"/>
     <p:sldId id="281" r:id="rId21"/>
@@ -32,11 +32,11 @@
     <p:sldId id="285" r:id="rId23"/>
     <p:sldId id="286" r:id="rId24"/>
     <p:sldId id="287" r:id="rId25"/>
-    <p:sldId id="288" r:id="rId26"/>
+    <p:sldId id="311" r:id="rId26"/>
     <p:sldId id="289" r:id="rId27"/>
     <p:sldId id="290" r:id="rId28"/>
     <p:sldId id="291" r:id="rId29"/>
-    <p:sldId id="292" r:id="rId30"/>
+    <p:sldId id="312" r:id="rId30"/>
     <p:sldId id="293" r:id="rId31"/>
     <p:sldId id="294" r:id="rId32"/>
     <p:sldId id="295" r:id="rId33"/>
@@ -240,7 +240,7 @@
           <a:p>
             <a:fld id="{D4E3C7A4-1681-485B-95BE-8E2A9D723281}" type="datetimeFigureOut">
               <a:rPr lang="en-IN" smtClean="0"/>
-              <a:t>15-04-2023</a:t>
+              <a:t>19-04-2023</a:t>
             </a:fld>
             <a:endParaRPr lang="en-IN"/>
           </a:p>
@@ -657,6 +657,1437 @@
 </p:notes>
 </file>
 
+<file path=ppt/notesSlides/notesSlide10.xml><?xml version="1.0" encoding="utf-8"?>
+<p:notes xmlns:a="http://schemas.openxmlformats.org/drawingml/2006/main" xmlns:r="http://schemas.openxmlformats.org/officeDocument/2006/relationships" xmlns:p="http://schemas.openxmlformats.org/presentationml/2006/main">
+  <p:cSld>
+    <p:spTree>
+      <p:nvGrpSpPr>
+        <p:cNvPr id="1" name=""/>
+        <p:cNvGrpSpPr/>
+        <p:nvPr/>
+      </p:nvGrpSpPr>
+      <p:grpSpPr>
+        <a:xfrm>
+          <a:off x="0" y="0"/>
+          <a:ext cx="0" cy="0"/>
+          <a:chOff x="0" y="0"/>
+          <a:chExt cx="0" cy="0"/>
+        </a:xfrm>
+      </p:grpSpPr>
+      <p:sp>
+        <p:nvSpPr>
+          <p:cNvPr id="2" name="Slide Image Placeholder 1"/>
+          <p:cNvSpPr>
+            <a:spLocks noGrp="1" noRot="1" noChangeAspect="1"/>
+          </p:cNvSpPr>
+          <p:nvPr>
+            <p:ph type="sldImg"/>
+          </p:nvPr>
+        </p:nvSpPr>
+        <p:spPr/>
+      </p:sp>
+      <p:sp>
+        <p:nvSpPr>
+          <p:cNvPr id="3" name="Notes Placeholder 2"/>
+          <p:cNvSpPr>
+            <a:spLocks noGrp="1"/>
+          </p:cNvSpPr>
+          <p:nvPr>
+            <p:ph type="body" idx="1"/>
+          </p:nvPr>
+        </p:nvSpPr>
+        <p:spPr/>
+        <p:txBody>
+          <a:bodyPr/>
+          <a:lstStyle/>
+          <a:p>
+            <a:r>
+              <a:rPr lang="es-ES" dirty="0"/>
+              <a:t>MSIL es el lenguaje intermedio de Microsoft, proporciona instrucciones para llamar a métodos, almacenar e inicializar valores, manejo de memoria, manejo de excepciones, etc. Todos los códigos .NET se compilan primero en lenguaje intermedio.</a:t>
+            </a:r>
+            <a:endParaRPr lang="en-US" dirty="0"/>
+          </a:p>
+        </p:txBody>
+      </p:sp>
+      <p:sp>
+        <p:nvSpPr>
+          <p:cNvPr id="4" name="Slide Number Placeholder 3"/>
+          <p:cNvSpPr>
+            <a:spLocks noGrp="1"/>
+          </p:cNvSpPr>
+          <p:nvPr>
+            <p:ph type="sldNum" sz="quarter" idx="5"/>
+          </p:nvPr>
+        </p:nvSpPr>
+        <p:spPr/>
+        <p:txBody>
+          <a:bodyPr/>
+          <a:lstStyle/>
+          <a:p>
+            <a:fld id="{CF865426-BED0-4ABD-B70C-6835C1813117}" type="slidenum">
+              <a:rPr lang="en-IN" smtClean="0"/>
+              <a:t>39</a:t>
+            </a:fld>
+            <a:endParaRPr lang="en-IN"/>
+          </a:p>
+        </p:txBody>
+      </p:sp>
+    </p:spTree>
+    <p:extLst>
+      <p:ext uri="{BB962C8B-B14F-4D97-AF65-F5344CB8AC3E}">
+        <p14:creationId xmlns:p14="http://schemas.microsoft.com/office/powerpoint/2010/main" val="1655826662"/>
+      </p:ext>
+    </p:extLst>
+  </p:cSld>
+  <p:clrMapOvr>
+    <a:masterClrMapping/>
+  </p:clrMapOvr>
+</p:notes>
+</file>
+
+<file path=ppt/notesSlides/notesSlide11.xml><?xml version="1.0" encoding="utf-8"?>
+<p:notes xmlns:a="http://schemas.openxmlformats.org/drawingml/2006/main" xmlns:r="http://schemas.openxmlformats.org/officeDocument/2006/relationships" xmlns:p="http://schemas.openxmlformats.org/presentationml/2006/main">
+  <p:cSld>
+    <p:spTree>
+      <p:nvGrpSpPr>
+        <p:cNvPr id="1" name=""/>
+        <p:cNvGrpSpPr/>
+        <p:nvPr/>
+      </p:nvGrpSpPr>
+      <p:grpSpPr>
+        <a:xfrm>
+          <a:off x="0" y="0"/>
+          <a:ext cx="0" cy="0"/>
+          <a:chOff x="0" y="0"/>
+          <a:chExt cx="0" cy="0"/>
+        </a:xfrm>
+      </p:grpSpPr>
+      <p:sp>
+        <p:nvSpPr>
+          <p:cNvPr id="2" name="Slide Image Placeholder 1"/>
+          <p:cNvSpPr>
+            <a:spLocks noGrp="1" noRot="1" noChangeAspect="1"/>
+          </p:cNvSpPr>
+          <p:nvPr>
+            <p:ph type="sldImg"/>
+          </p:nvPr>
+        </p:nvSpPr>
+        <p:spPr/>
+      </p:sp>
+      <p:sp>
+        <p:nvSpPr>
+          <p:cNvPr id="3" name="Notes Placeholder 2"/>
+          <p:cNvSpPr>
+            <a:spLocks noGrp="1"/>
+          </p:cNvSpPr>
+          <p:nvPr>
+            <p:ph type="body" idx="1"/>
+          </p:nvPr>
+        </p:nvSpPr>
+        <p:spPr/>
+        <p:txBody>
+          <a:bodyPr/>
+          <a:lstStyle/>
+          <a:p>
+            <a:r>
+              <a:rPr lang="es-ES" b="0" i="0" dirty="0">
+                <a:solidFill>
+                  <a:srgbClr val="374151"/>
+                </a:solidFill>
+                <a:effectLst/>
+                <a:latin typeface="tahoma" panose="020B0604030504040204" pitchFamily="34" charset="0"/>
+              </a:rPr>
+              <a:t>Los analizadores de código de Roslyn son estáticos, lo que significa que analizan el código en tiempo de compilación en lugar de en tiempo de ejecución. Esto permite a los desarrolladores detectar problemas de calidad de código y errores de sintaxis antes de que se ejecute el programa.</a:t>
+            </a:r>
+            <a:endParaRPr lang="en-US" dirty="0"/>
+          </a:p>
+        </p:txBody>
+      </p:sp>
+      <p:sp>
+        <p:nvSpPr>
+          <p:cNvPr id="4" name="Slide Number Placeholder 3"/>
+          <p:cNvSpPr>
+            <a:spLocks noGrp="1"/>
+          </p:cNvSpPr>
+          <p:nvPr>
+            <p:ph type="sldNum" sz="quarter" idx="5"/>
+          </p:nvPr>
+        </p:nvSpPr>
+        <p:spPr/>
+        <p:txBody>
+          <a:bodyPr/>
+          <a:lstStyle/>
+          <a:p>
+            <a:fld id="{CF865426-BED0-4ABD-B70C-6835C1813117}" type="slidenum">
+              <a:rPr lang="en-IN" smtClean="0"/>
+              <a:t>41</a:t>
+            </a:fld>
+            <a:endParaRPr lang="en-IN"/>
+          </a:p>
+        </p:txBody>
+      </p:sp>
+    </p:spTree>
+    <p:extLst>
+      <p:ext uri="{BB962C8B-B14F-4D97-AF65-F5344CB8AC3E}">
+        <p14:creationId xmlns:p14="http://schemas.microsoft.com/office/powerpoint/2010/main" val="865334663"/>
+      </p:ext>
+    </p:extLst>
+  </p:cSld>
+  <p:clrMapOvr>
+    <a:masterClrMapping/>
+  </p:clrMapOvr>
+</p:notes>
+</file>
+
+<file path=ppt/notesSlides/notesSlide12.xml><?xml version="1.0" encoding="utf-8"?>
+<p:notes xmlns:a="http://schemas.openxmlformats.org/drawingml/2006/main" xmlns:r="http://schemas.openxmlformats.org/officeDocument/2006/relationships" xmlns:p="http://schemas.openxmlformats.org/presentationml/2006/main">
+  <p:cSld>
+    <p:spTree>
+      <p:nvGrpSpPr>
+        <p:cNvPr id="1" name=""/>
+        <p:cNvGrpSpPr/>
+        <p:nvPr/>
+      </p:nvGrpSpPr>
+      <p:grpSpPr>
+        <a:xfrm>
+          <a:off x="0" y="0"/>
+          <a:ext cx="0" cy="0"/>
+          <a:chOff x="0" y="0"/>
+          <a:chExt cx="0" cy="0"/>
+        </a:xfrm>
+      </p:grpSpPr>
+      <p:sp>
+        <p:nvSpPr>
+          <p:cNvPr id="2" name="Slide Image Placeholder 1"/>
+          <p:cNvSpPr>
+            <a:spLocks noGrp="1" noRot="1" noChangeAspect="1"/>
+          </p:cNvSpPr>
+          <p:nvPr>
+            <p:ph type="sldImg"/>
+          </p:nvPr>
+        </p:nvSpPr>
+        <p:spPr/>
+      </p:sp>
+      <p:sp>
+        <p:nvSpPr>
+          <p:cNvPr id="3" name="Notes Placeholder 2"/>
+          <p:cNvSpPr>
+            <a:spLocks noGrp="1"/>
+          </p:cNvSpPr>
+          <p:nvPr>
+            <p:ph type="body" idx="1"/>
+          </p:nvPr>
+        </p:nvSpPr>
+        <p:spPr/>
+        <p:txBody>
+          <a:bodyPr/>
+          <a:lstStyle/>
+          <a:p>
+            <a:r>
+              <a:rPr lang="es-ES" b="0" i="0" dirty="0">
+                <a:solidFill>
+                  <a:srgbClr val="000000"/>
+                </a:solidFill>
+                <a:effectLst/>
+                <a:latin typeface="Calibri" panose="020F0502020204030204" pitchFamily="34" charset="0"/>
+              </a:rPr>
+              <a:t>Realmente ambas son dos capacidades reales de Intune sobre directorio Activo, pero solo la correcta está relacionada con el ámbito.</a:t>
+            </a:r>
+            <a:endParaRPr lang="en-US" dirty="0"/>
+          </a:p>
+        </p:txBody>
+      </p:sp>
+      <p:sp>
+        <p:nvSpPr>
+          <p:cNvPr id="4" name="Slide Number Placeholder 3"/>
+          <p:cNvSpPr>
+            <a:spLocks noGrp="1"/>
+          </p:cNvSpPr>
+          <p:nvPr>
+            <p:ph type="sldNum" sz="quarter" idx="5"/>
+          </p:nvPr>
+        </p:nvSpPr>
+        <p:spPr/>
+        <p:txBody>
+          <a:bodyPr/>
+          <a:lstStyle/>
+          <a:p>
+            <a:fld id="{CF865426-BED0-4ABD-B70C-6835C1813117}" type="slidenum">
+              <a:rPr lang="en-IN" smtClean="0"/>
+              <a:t>43</a:t>
+            </a:fld>
+            <a:endParaRPr lang="en-IN"/>
+          </a:p>
+        </p:txBody>
+      </p:sp>
+    </p:spTree>
+    <p:extLst>
+      <p:ext uri="{BB962C8B-B14F-4D97-AF65-F5344CB8AC3E}">
+        <p14:creationId xmlns:p14="http://schemas.microsoft.com/office/powerpoint/2010/main" val="2233932571"/>
+      </p:ext>
+    </p:extLst>
+  </p:cSld>
+  <p:clrMapOvr>
+    <a:masterClrMapping/>
+  </p:clrMapOvr>
+</p:notes>
+</file>
+
+<file path=ppt/notesSlides/notesSlide2.xml><?xml version="1.0" encoding="utf-8"?>
+<p:notes xmlns:a="http://schemas.openxmlformats.org/drawingml/2006/main" xmlns:r="http://schemas.openxmlformats.org/officeDocument/2006/relationships" xmlns:p="http://schemas.openxmlformats.org/presentationml/2006/main">
+  <p:cSld>
+    <p:spTree>
+      <p:nvGrpSpPr>
+        <p:cNvPr id="1" name=""/>
+        <p:cNvGrpSpPr/>
+        <p:nvPr/>
+      </p:nvGrpSpPr>
+      <p:grpSpPr>
+        <a:xfrm>
+          <a:off x="0" y="0"/>
+          <a:ext cx="0" cy="0"/>
+          <a:chOff x="0" y="0"/>
+          <a:chExt cx="0" cy="0"/>
+        </a:xfrm>
+      </p:grpSpPr>
+      <p:sp>
+        <p:nvSpPr>
+          <p:cNvPr id="2" name="Slide Image Placeholder 1"/>
+          <p:cNvSpPr>
+            <a:spLocks noGrp="1" noRot="1" noChangeAspect="1"/>
+          </p:cNvSpPr>
+          <p:nvPr>
+            <p:ph type="sldImg"/>
+          </p:nvPr>
+        </p:nvSpPr>
+        <p:spPr/>
+      </p:sp>
+      <p:sp>
+        <p:nvSpPr>
+          <p:cNvPr id="3" name="Notes Placeholder 2"/>
+          <p:cNvSpPr>
+            <a:spLocks noGrp="1"/>
+          </p:cNvSpPr>
+          <p:nvPr>
+            <p:ph type="body" idx="1"/>
+          </p:nvPr>
+        </p:nvSpPr>
+        <p:spPr/>
+        <p:txBody>
+          <a:bodyPr/>
+          <a:lstStyle/>
+          <a:p>
+            <a:r>
+              <a:rPr lang="en-US" b="0" i="0" dirty="0">
+                <a:solidFill>
+                  <a:srgbClr val="000000"/>
+                </a:solidFill>
+                <a:effectLst/>
+                <a:latin typeface="Segoe UI" panose="020B0502040204020203" pitchFamily="34" charset="0"/>
+              </a:rPr>
+              <a:t> OTLP </a:t>
+            </a:r>
+            <a:r>
+              <a:rPr lang="en-US" b="0" i="0" dirty="0" err="1">
+                <a:solidFill>
+                  <a:srgbClr val="000000"/>
+                </a:solidFill>
+                <a:effectLst/>
+                <a:latin typeface="Segoe UI" panose="020B0502040204020203" pitchFamily="34" charset="0"/>
+              </a:rPr>
+              <a:t>significa</a:t>
+            </a:r>
+            <a:r>
+              <a:rPr lang="en-US" b="0" i="0" dirty="0">
+                <a:solidFill>
+                  <a:srgbClr val="000000"/>
+                </a:solidFill>
+                <a:effectLst/>
+                <a:latin typeface="Segoe UI" panose="020B0502040204020203" pitchFamily="34" charset="0"/>
+              </a:rPr>
+              <a:t> Open Telemetry Protocol, </a:t>
+            </a:r>
+            <a:r>
+              <a:rPr lang="en-US" b="0" i="0" dirty="0" err="1">
+                <a:solidFill>
+                  <a:srgbClr val="000000"/>
+                </a:solidFill>
+                <a:effectLst/>
+                <a:latin typeface="Segoe UI" panose="020B0502040204020203" pitchFamily="34" charset="0"/>
+              </a:rPr>
+              <a:t>mientras</a:t>
+            </a:r>
+            <a:r>
+              <a:rPr lang="en-US" b="0" i="0" dirty="0">
+                <a:solidFill>
+                  <a:srgbClr val="000000"/>
+                </a:solidFill>
+                <a:effectLst/>
+                <a:latin typeface="Segoe UI" panose="020B0502040204020203" pitchFamily="34" charset="0"/>
+              </a:rPr>
+              <a:t> que OTEL es Open Telemetry Collector.</a:t>
+            </a:r>
+            <a:endParaRPr lang="en-US" dirty="0"/>
+          </a:p>
+        </p:txBody>
+      </p:sp>
+      <p:sp>
+        <p:nvSpPr>
+          <p:cNvPr id="4" name="Slide Number Placeholder 3"/>
+          <p:cNvSpPr>
+            <a:spLocks noGrp="1"/>
+          </p:cNvSpPr>
+          <p:nvPr>
+            <p:ph type="sldNum" sz="quarter" idx="5"/>
+          </p:nvPr>
+        </p:nvSpPr>
+        <p:spPr/>
+        <p:txBody>
+          <a:bodyPr/>
+          <a:lstStyle/>
+          <a:p>
+            <a:fld id="{CF865426-BED0-4ABD-B70C-6835C1813117}" type="slidenum">
+              <a:rPr lang="en-IN" smtClean="0"/>
+              <a:t>5</a:t>
+            </a:fld>
+            <a:endParaRPr lang="en-IN"/>
+          </a:p>
+        </p:txBody>
+      </p:sp>
+    </p:spTree>
+    <p:extLst>
+      <p:ext uri="{BB962C8B-B14F-4D97-AF65-F5344CB8AC3E}">
+        <p14:creationId xmlns:p14="http://schemas.microsoft.com/office/powerpoint/2010/main" val="1369572263"/>
+      </p:ext>
+    </p:extLst>
+  </p:cSld>
+  <p:clrMapOvr>
+    <a:masterClrMapping/>
+  </p:clrMapOvr>
+</p:notes>
+</file>
+
+<file path=ppt/notesSlides/notesSlide3.xml><?xml version="1.0" encoding="utf-8"?>
+<p:notes xmlns:a="http://schemas.openxmlformats.org/drawingml/2006/main" xmlns:r="http://schemas.openxmlformats.org/officeDocument/2006/relationships" xmlns:p="http://schemas.openxmlformats.org/presentationml/2006/main">
+  <p:cSld>
+    <p:spTree>
+      <p:nvGrpSpPr>
+        <p:cNvPr id="1" name=""/>
+        <p:cNvGrpSpPr/>
+        <p:nvPr/>
+      </p:nvGrpSpPr>
+      <p:grpSpPr>
+        <a:xfrm>
+          <a:off x="0" y="0"/>
+          <a:ext cx="0" cy="0"/>
+          <a:chOff x="0" y="0"/>
+          <a:chExt cx="0" cy="0"/>
+        </a:xfrm>
+      </p:grpSpPr>
+      <p:sp>
+        <p:nvSpPr>
+          <p:cNvPr id="2" name="Slide Image Placeholder 1"/>
+          <p:cNvSpPr>
+            <a:spLocks noGrp="1" noRot="1" noChangeAspect="1"/>
+          </p:cNvSpPr>
+          <p:nvPr>
+            <p:ph type="sldImg"/>
+          </p:nvPr>
+        </p:nvSpPr>
+        <p:spPr/>
+      </p:sp>
+      <p:sp>
+        <p:nvSpPr>
+          <p:cNvPr id="3" name="Notes Placeholder 2"/>
+          <p:cNvSpPr>
+            <a:spLocks noGrp="1"/>
+          </p:cNvSpPr>
+          <p:nvPr>
+            <p:ph type="body" idx="1"/>
+          </p:nvPr>
+        </p:nvSpPr>
+        <p:spPr/>
+        <p:txBody>
+          <a:bodyPr/>
+          <a:lstStyle/>
+          <a:p>
+            <a:r>
+              <a:rPr lang="es-ES" b="0" i="1" dirty="0">
+                <a:solidFill>
+                  <a:srgbClr val="000000"/>
+                </a:solidFill>
+                <a:effectLst/>
+                <a:latin typeface="Segoe UI" panose="020B0502040204020203" pitchFamily="34" charset="0"/>
+              </a:rPr>
+              <a:t>Se está sincronizando continuamente a una base de datos local SQLite todos los datos necesarios para poder trabajar sin conexión. La bb.dd. local actúa como un buffer para poder trabajar offline.</a:t>
+            </a:r>
+            <a:endParaRPr lang="en-US" dirty="0"/>
+          </a:p>
+        </p:txBody>
+      </p:sp>
+      <p:sp>
+        <p:nvSpPr>
+          <p:cNvPr id="4" name="Slide Number Placeholder 3"/>
+          <p:cNvSpPr>
+            <a:spLocks noGrp="1"/>
+          </p:cNvSpPr>
+          <p:nvPr>
+            <p:ph type="sldNum" sz="quarter" idx="5"/>
+          </p:nvPr>
+        </p:nvSpPr>
+        <p:spPr/>
+        <p:txBody>
+          <a:bodyPr/>
+          <a:lstStyle/>
+          <a:p>
+            <a:fld id="{CF865426-BED0-4ABD-B70C-6835C1813117}" type="slidenum">
+              <a:rPr lang="en-IN" smtClean="0"/>
+              <a:t>11</a:t>
+            </a:fld>
+            <a:endParaRPr lang="en-IN"/>
+          </a:p>
+        </p:txBody>
+      </p:sp>
+    </p:spTree>
+    <p:extLst>
+      <p:ext uri="{BB962C8B-B14F-4D97-AF65-F5344CB8AC3E}">
+        <p14:creationId xmlns:p14="http://schemas.microsoft.com/office/powerpoint/2010/main" val="4068884453"/>
+      </p:ext>
+    </p:extLst>
+  </p:cSld>
+  <p:clrMapOvr>
+    <a:masterClrMapping/>
+  </p:clrMapOvr>
+</p:notes>
+</file>
+
+<file path=ppt/notesSlides/notesSlide4.xml><?xml version="1.0" encoding="utf-8"?>
+<p:notes xmlns:a="http://schemas.openxmlformats.org/drawingml/2006/main" xmlns:r="http://schemas.openxmlformats.org/officeDocument/2006/relationships" xmlns:p="http://schemas.openxmlformats.org/presentationml/2006/main">
+  <p:cSld>
+    <p:spTree>
+      <p:nvGrpSpPr>
+        <p:cNvPr id="1" name=""/>
+        <p:cNvGrpSpPr/>
+        <p:nvPr/>
+      </p:nvGrpSpPr>
+      <p:grpSpPr>
+        <a:xfrm>
+          <a:off x="0" y="0"/>
+          <a:ext cx="0" cy="0"/>
+          <a:chOff x="0" y="0"/>
+          <a:chExt cx="0" cy="0"/>
+        </a:xfrm>
+      </p:grpSpPr>
+      <p:sp>
+        <p:nvSpPr>
+          <p:cNvPr id="2" name="Slide Image Placeholder 1"/>
+          <p:cNvSpPr>
+            <a:spLocks noGrp="1" noRot="1" noChangeAspect="1"/>
+          </p:cNvSpPr>
+          <p:nvPr>
+            <p:ph type="sldImg"/>
+          </p:nvPr>
+        </p:nvSpPr>
+        <p:spPr/>
+      </p:sp>
+      <p:sp>
+        <p:nvSpPr>
+          <p:cNvPr id="3" name="Notes Placeholder 2"/>
+          <p:cNvSpPr>
+            <a:spLocks noGrp="1"/>
+          </p:cNvSpPr>
+          <p:nvPr>
+            <p:ph type="body" idx="1"/>
+          </p:nvPr>
+        </p:nvSpPr>
+        <p:spPr/>
+        <p:txBody>
+          <a:bodyPr/>
+          <a:lstStyle/>
+          <a:p>
+            <a:r>
+              <a:rPr lang="es-ES" b="0" i="0" dirty="0">
+                <a:solidFill>
+                  <a:srgbClr val="000000"/>
+                </a:solidFill>
+                <a:effectLst/>
+                <a:latin typeface="Calibri" panose="020F0502020204030204" pitchFamily="34" charset="0"/>
+              </a:rPr>
+              <a:t>Desde hace muy poco tiempo (unos meses) Intune ha empezado a preparar Intune para la administración de Equipos con Linux, Por ahora pocas versiones y las configuraciones aun son básicas, pero en poco tiempo seguro tendremos una administración potente.</a:t>
+            </a:r>
+            <a:endParaRPr lang="en-US" dirty="0"/>
+          </a:p>
+        </p:txBody>
+      </p:sp>
+      <p:sp>
+        <p:nvSpPr>
+          <p:cNvPr id="4" name="Slide Number Placeholder 3"/>
+          <p:cNvSpPr>
+            <a:spLocks noGrp="1"/>
+          </p:cNvSpPr>
+          <p:nvPr>
+            <p:ph type="sldNum" sz="quarter" idx="5"/>
+          </p:nvPr>
+        </p:nvSpPr>
+        <p:spPr/>
+        <p:txBody>
+          <a:bodyPr/>
+          <a:lstStyle/>
+          <a:p>
+            <a:fld id="{CF865426-BED0-4ABD-B70C-6835C1813117}" type="slidenum">
+              <a:rPr lang="en-IN" smtClean="0"/>
+              <a:t>13</a:t>
+            </a:fld>
+            <a:endParaRPr lang="en-IN"/>
+          </a:p>
+        </p:txBody>
+      </p:sp>
+    </p:spTree>
+    <p:extLst>
+      <p:ext uri="{BB962C8B-B14F-4D97-AF65-F5344CB8AC3E}">
+        <p14:creationId xmlns:p14="http://schemas.microsoft.com/office/powerpoint/2010/main" val="2767713903"/>
+      </p:ext>
+    </p:extLst>
+  </p:cSld>
+  <p:clrMapOvr>
+    <a:masterClrMapping/>
+  </p:clrMapOvr>
+</p:notes>
+</file>
+
+<file path=ppt/notesSlides/notesSlide5.xml><?xml version="1.0" encoding="utf-8"?>
+<p:notes xmlns:a="http://schemas.openxmlformats.org/drawingml/2006/main" xmlns:r="http://schemas.openxmlformats.org/officeDocument/2006/relationships" xmlns:p="http://schemas.openxmlformats.org/presentationml/2006/main">
+  <p:cSld>
+    <p:spTree>
+      <p:nvGrpSpPr>
+        <p:cNvPr id="1" name=""/>
+        <p:cNvGrpSpPr/>
+        <p:nvPr/>
+      </p:nvGrpSpPr>
+      <p:grpSpPr>
+        <a:xfrm>
+          <a:off x="0" y="0"/>
+          <a:ext cx="0" cy="0"/>
+          <a:chOff x="0" y="0"/>
+          <a:chExt cx="0" cy="0"/>
+        </a:xfrm>
+      </p:grpSpPr>
+      <p:sp>
+        <p:nvSpPr>
+          <p:cNvPr id="2" name="Slide Image Placeholder 1"/>
+          <p:cNvSpPr>
+            <a:spLocks noGrp="1" noRot="1" noChangeAspect="1"/>
+          </p:cNvSpPr>
+          <p:nvPr>
+            <p:ph type="sldImg"/>
+          </p:nvPr>
+        </p:nvSpPr>
+        <p:spPr/>
+      </p:sp>
+      <p:sp>
+        <p:nvSpPr>
+          <p:cNvPr id="3" name="Notes Placeholder 2"/>
+          <p:cNvSpPr>
+            <a:spLocks noGrp="1"/>
+          </p:cNvSpPr>
+          <p:nvPr>
+            <p:ph type="body" idx="1"/>
+          </p:nvPr>
+        </p:nvSpPr>
+        <p:spPr/>
+        <p:txBody>
+          <a:bodyPr/>
+          <a:lstStyle/>
+          <a:p>
+            <a:r>
+              <a:rPr lang="es-ES" b="0" i="0" dirty="0">
+                <a:solidFill>
+                  <a:srgbClr val="374151"/>
+                </a:solidFill>
+                <a:effectLst/>
+                <a:latin typeface="tahoma" panose="020B0604030504040204" pitchFamily="34" charset="0"/>
+              </a:rPr>
+              <a:t>El compilador de la plataforma .NET se llama "Roslyn". Roslyn es un compilador de código fuente abierto de Microsoft para C# y </a:t>
+            </a:r>
+            <a:r>
+              <a:rPr lang="es-ES" b="0" i="0" dirty="0">
+                <a:solidFill>
+                  <a:srgbClr val="374151"/>
+                </a:solidFill>
+                <a:effectLst/>
+                <a:latin typeface="tahoma" panose="020B0604030504040204" pitchFamily="34" charset="0"/>
+                <a:hlinkClick r:id="rId3"/>
+              </a:rPr>
+              <a:t>VB.NET</a:t>
+            </a:r>
+            <a:r>
+              <a:rPr lang="es-ES" b="0" i="0" dirty="0">
+                <a:solidFill>
+                  <a:srgbClr val="374151"/>
+                </a:solidFill>
+                <a:effectLst/>
+                <a:latin typeface="tahoma" panose="020B0604030504040204" pitchFamily="34" charset="0"/>
+              </a:rPr>
+              <a:t> que permite a los desarrolladores analizar y compilar código en tiempo real.</a:t>
+            </a:r>
+            <a:br>
+              <a:rPr lang="es-ES" b="0" i="0" dirty="0">
+                <a:solidFill>
+                  <a:srgbClr val="374151"/>
+                </a:solidFill>
+                <a:effectLst/>
+                <a:latin typeface="tahoma" panose="020B0604030504040204" pitchFamily="34" charset="0"/>
+              </a:rPr>
+            </a:br>
+            <a:r>
+              <a:rPr lang="es-ES" b="0" i="0" dirty="0" err="1">
+                <a:solidFill>
+                  <a:srgbClr val="374151"/>
+                </a:solidFill>
+                <a:effectLst/>
+                <a:latin typeface="tahoma" panose="020B0604030504040204" pitchFamily="34" charset="0"/>
+              </a:rPr>
+              <a:t>MSBuild</a:t>
+            </a:r>
+            <a:r>
+              <a:rPr lang="es-ES" b="0" i="0" dirty="0">
+                <a:solidFill>
+                  <a:srgbClr val="374151"/>
+                </a:solidFill>
+                <a:effectLst/>
+                <a:latin typeface="tahoma" panose="020B0604030504040204" pitchFamily="34" charset="0"/>
+              </a:rPr>
+              <a:t> es una herramienta de compilación de código abierto de Microsoft que se utiliza para compilar, probar y publicar proyectos de software escritos en lenguajes .NET como C#, </a:t>
+            </a:r>
+            <a:r>
+              <a:rPr lang="es-ES" b="0" i="0" dirty="0">
+                <a:solidFill>
+                  <a:srgbClr val="374151"/>
+                </a:solidFill>
+                <a:effectLst/>
+                <a:latin typeface="tahoma" panose="020B0604030504040204" pitchFamily="34" charset="0"/>
+                <a:hlinkClick r:id="rId3"/>
+              </a:rPr>
+              <a:t>VB.NET</a:t>
+            </a:r>
+            <a:r>
+              <a:rPr lang="es-ES" b="0" i="0" dirty="0">
+                <a:solidFill>
+                  <a:srgbClr val="374151"/>
+                </a:solidFill>
+                <a:effectLst/>
+                <a:latin typeface="tahoma" panose="020B0604030504040204" pitchFamily="34" charset="0"/>
+              </a:rPr>
+              <a:t> y F#.</a:t>
+            </a:r>
+            <a:endParaRPr lang="en-US" dirty="0"/>
+          </a:p>
+        </p:txBody>
+      </p:sp>
+      <p:sp>
+        <p:nvSpPr>
+          <p:cNvPr id="4" name="Slide Number Placeholder 3"/>
+          <p:cNvSpPr>
+            <a:spLocks noGrp="1"/>
+          </p:cNvSpPr>
+          <p:nvPr>
+            <p:ph type="sldNum" sz="quarter" idx="5"/>
+          </p:nvPr>
+        </p:nvSpPr>
+        <p:spPr/>
+        <p:txBody>
+          <a:bodyPr/>
+          <a:lstStyle/>
+          <a:p>
+            <a:fld id="{CF865426-BED0-4ABD-B70C-6835C1813117}" type="slidenum">
+              <a:rPr lang="en-IN" smtClean="0"/>
+              <a:t>15</a:t>
+            </a:fld>
+            <a:endParaRPr lang="en-IN"/>
+          </a:p>
+        </p:txBody>
+      </p:sp>
+    </p:spTree>
+    <p:extLst>
+      <p:ext uri="{BB962C8B-B14F-4D97-AF65-F5344CB8AC3E}">
+        <p14:creationId xmlns:p14="http://schemas.microsoft.com/office/powerpoint/2010/main" val="3984895563"/>
+      </p:ext>
+    </p:extLst>
+  </p:cSld>
+  <p:clrMapOvr>
+    <a:masterClrMapping/>
+  </p:clrMapOvr>
+</p:notes>
+</file>
+
+<file path=ppt/notesSlides/notesSlide6.xml><?xml version="1.0" encoding="utf-8"?>
+<p:notes xmlns:a="http://schemas.openxmlformats.org/drawingml/2006/main" xmlns:r="http://schemas.openxmlformats.org/officeDocument/2006/relationships" xmlns:p="http://schemas.openxmlformats.org/presentationml/2006/main">
+  <p:cSld>
+    <p:spTree>
+      <p:nvGrpSpPr>
+        <p:cNvPr id="1" name=""/>
+        <p:cNvGrpSpPr/>
+        <p:nvPr/>
+      </p:nvGrpSpPr>
+      <p:grpSpPr>
+        <a:xfrm>
+          <a:off x="0" y="0"/>
+          <a:ext cx="0" cy="0"/>
+          <a:chOff x="0" y="0"/>
+          <a:chExt cx="0" cy="0"/>
+        </a:xfrm>
+      </p:grpSpPr>
+      <p:sp>
+        <p:nvSpPr>
+          <p:cNvPr id="2" name="Slide Image Placeholder 1"/>
+          <p:cNvSpPr>
+            <a:spLocks noGrp="1" noRot="1" noChangeAspect="1"/>
+          </p:cNvSpPr>
+          <p:nvPr>
+            <p:ph type="sldImg"/>
+          </p:nvPr>
+        </p:nvSpPr>
+        <p:spPr/>
+      </p:sp>
+      <p:sp>
+        <p:nvSpPr>
+          <p:cNvPr id="3" name="Notes Placeholder 2"/>
+          <p:cNvSpPr>
+            <a:spLocks noGrp="1"/>
+          </p:cNvSpPr>
+          <p:nvPr>
+            <p:ph type="body" idx="1"/>
+          </p:nvPr>
+        </p:nvSpPr>
+        <p:spPr/>
+        <p:txBody>
+          <a:bodyPr/>
+          <a:lstStyle/>
+          <a:p>
+            <a:r>
+              <a:rPr lang="es-ES" b="0" i="1" dirty="0">
+                <a:solidFill>
+                  <a:srgbClr val="000000"/>
+                </a:solidFill>
+                <a:effectLst/>
+                <a:latin typeface="Segoe UI" panose="020B0502040204020203" pitchFamily="34" charset="0"/>
+              </a:rPr>
+              <a:t>Para disponer del mecanismo </a:t>
+            </a:r>
+            <a:r>
+              <a:rPr lang="es-ES" b="0" i="1" dirty="0" err="1">
+                <a:solidFill>
+                  <a:srgbClr val="000000"/>
+                </a:solidFill>
+                <a:effectLst/>
+                <a:latin typeface="Segoe UI" panose="020B0502040204020203" pitchFamily="34" charset="0"/>
+              </a:rPr>
+              <a:t>hot-reload</a:t>
+            </a:r>
+            <a:r>
+              <a:rPr lang="es-ES" b="0" i="1" dirty="0">
+                <a:solidFill>
+                  <a:srgbClr val="000000"/>
+                </a:solidFill>
+                <a:effectLst/>
+                <a:latin typeface="Segoe UI" panose="020B0502040204020203" pitchFamily="34" charset="0"/>
+              </a:rPr>
+              <a:t>, en caso de detectar un </a:t>
+            </a:r>
+            <a:r>
+              <a:rPr lang="es-ES" b="0" i="1" dirty="0" err="1">
+                <a:solidFill>
+                  <a:srgbClr val="000000"/>
+                </a:solidFill>
+                <a:effectLst/>
+                <a:latin typeface="Segoe UI" panose="020B0502040204020203" pitchFamily="34" charset="0"/>
+              </a:rPr>
+              <a:t>assembly</a:t>
+            </a:r>
+            <a:r>
+              <a:rPr lang="es-ES" b="0" i="1" dirty="0">
+                <a:solidFill>
+                  <a:srgbClr val="000000"/>
+                </a:solidFill>
+                <a:effectLst/>
+                <a:latin typeface="Segoe UI" panose="020B0502040204020203" pitchFamily="34" charset="0"/>
+              </a:rPr>
+              <a:t> cambiado, necesitamos primero descargar de memoria la versión anterior.</a:t>
+            </a:r>
+            <a:endParaRPr lang="en-US" dirty="0"/>
+          </a:p>
+        </p:txBody>
+      </p:sp>
+      <p:sp>
+        <p:nvSpPr>
+          <p:cNvPr id="4" name="Slide Number Placeholder 3"/>
+          <p:cNvSpPr>
+            <a:spLocks noGrp="1"/>
+          </p:cNvSpPr>
+          <p:nvPr>
+            <p:ph type="sldNum" sz="quarter" idx="5"/>
+          </p:nvPr>
+        </p:nvSpPr>
+        <p:spPr/>
+        <p:txBody>
+          <a:bodyPr/>
+          <a:lstStyle/>
+          <a:p>
+            <a:fld id="{CF865426-BED0-4ABD-B70C-6835C1813117}" type="slidenum">
+              <a:rPr lang="en-IN" smtClean="0"/>
+              <a:t>17</a:t>
+            </a:fld>
+            <a:endParaRPr lang="en-IN"/>
+          </a:p>
+        </p:txBody>
+      </p:sp>
+    </p:spTree>
+    <p:extLst>
+      <p:ext uri="{BB962C8B-B14F-4D97-AF65-F5344CB8AC3E}">
+        <p14:creationId xmlns:p14="http://schemas.microsoft.com/office/powerpoint/2010/main" val="1539228458"/>
+      </p:ext>
+    </p:extLst>
+  </p:cSld>
+  <p:clrMapOvr>
+    <a:masterClrMapping/>
+  </p:clrMapOvr>
+</p:notes>
+</file>
+
+<file path=ppt/notesSlides/notesSlide7.xml><?xml version="1.0" encoding="utf-8"?>
+<p:notes xmlns:a="http://schemas.openxmlformats.org/drawingml/2006/main" xmlns:r="http://schemas.openxmlformats.org/officeDocument/2006/relationships" xmlns:p="http://schemas.openxmlformats.org/presentationml/2006/main">
+  <p:cSld>
+    <p:spTree>
+      <p:nvGrpSpPr>
+        <p:cNvPr id="1" name=""/>
+        <p:cNvGrpSpPr/>
+        <p:nvPr/>
+      </p:nvGrpSpPr>
+      <p:grpSpPr>
+        <a:xfrm>
+          <a:off x="0" y="0"/>
+          <a:ext cx="0" cy="0"/>
+          <a:chOff x="0" y="0"/>
+          <a:chExt cx="0" cy="0"/>
+        </a:xfrm>
+      </p:grpSpPr>
+      <p:sp>
+        <p:nvSpPr>
+          <p:cNvPr id="2" name="Slide Image Placeholder 1"/>
+          <p:cNvSpPr>
+            <a:spLocks noGrp="1" noRot="1" noChangeAspect="1"/>
+          </p:cNvSpPr>
+          <p:nvPr>
+            <p:ph type="sldImg"/>
+          </p:nvPr>
+        </p:nvSpPr>
+        <p:spPr/>
+      </p:sp>
+      <p:sp>
+        <p:nvSpPr>
+          <p:cNvPr id="3" name="Notes Placeholder 2"/>
+          <p:cNvSpPr>
+            <a:spLocks noGrp="1"/>
+          </p:cNvSpPr>
+          <p:nvPr>
+            <p:ph type="body" idx="1"/>
+          </p:nvPr>
+        </p:nvSpPr>
+        <p:spPr/>
+        <p:txBody>
+          <a:bodyPr/>
+          <a:lstStyle/>
+          <a:p>
+            <a:r>
+              <a:rPr lang="es-ES" b="0" i="0" dirty="0">
+                <a:solidFill>
+                  <a:srgbClr val="000000"/>
+                </a:solidFill>
+                <a:effectLst/>
+                <a:latin typeface="Calibri" panose="020F0502020204030204" pitchFamily="34" charset="0"/>
+              </a:rPr>
+              <a:t>El administrador de Intune de hecho no es un rol que permita administrar equipos, Existe un rol especifico al que queramos dar el privilegio de ser administradores locales de los equipos.</a:t>
+            </a:r>
+            <a:endParaRPr lang="en-US" dirty="0"/>
+          </a:p>
+        </p:txBody>
+      </p:sp>
+      <p:sp>
+        <p:nvSpPr>
+          <p:cNvPr id="4" name="Slide Number Placeholder 3"/>
+          <p:cNvSpPr>
+            <a:spLocks noGrp="1"/>
+          </p:cNvSpPr>
+          <p:nvPr>
+            <p:ph type="sldNum" sz="quarter" idx="5"/>
+          </p:nvPr>
+        </p:nvSpPr>
+        <p:spPr/>
+        <p:txBody>
+          <a:bodyPr/>
+          <a:lstStyle/>
+          <a:p>
+            <a:fld id="{CF865426-BED0-4ABD-B70C-6835C1813117}" type="slidenum">
+              <a:rPr lang="en-IN" smtClean="0"/>
+              <a:t>19</a:t>
+            </a:fld>
+            <a:endParaRPr lang="en-IN"/>
+          </a:p>
+        </p:txBody>
+      </p:sp>
+    </p:spTree>
+    <p:extLst>
+      <p:ext uri="{BB962C8B-B14F-4D97-AF65-F5344CB8AC3E}">
+        <p14:creationId xmlns:p14="http://schemas.microsoft.com/office/powerpoint/2010/main" val="1634737296"/>
+      </p:ext>
+    </p:extLst>
+  </p:cSld>
+  <p:clrMapOvr>
+    <a:masterClrMapping/>
+  </p:clrMapOvr>
+</p:notes>
+</file>
+
+<file path=ppt/notesSlides/notesSlide8.xml><?xml version="1.0" encoding="utf-8"?>
+<p:notes xmlns:a="http://schemas.openxmlformats.org/drawingml/2006/main" xmlns:r="http://schemas.openxmlformats.org/officeDocument/2006/relationships" xmlns:p="http://schemas.openxmlformats.org/presentationml/2006/main">
+  <p:cSld>
+    <p:spTree>
+      <p:nvGrpSpPr>
+        <p:cNvPr id="1" name=""/>
+        <p:cNvGrpSpPr/>
+        <p:nvPr/>
+      </p:nvGrpSpPr>
+      <p:grpSpPr>
+        <a:xfrm>
+          <a:off x="0" y="0"/>
+          <a:ext cx="0" cy="0"/>
+          <a:chOff x="0" y="0"/>
+          <a:chExt cx="0" cy="0"/>
+        </a:xfrm>
+      </p:grpSpPr>
+      <p:sp>
+        <p:nvSpPr>
+          <p:cNvPr id="2" name="Slide Image Placeholder 1"/>
+          <p:cNvSpPr>
+            <a:spLocks noGrp="1" noRot="1" noChangeAspect="1"/>
+          </p:cNvSpPr>
+          <p:nvPr>
+            <p:ph type="sldImg"/>
+          </p:nvPr>
+        </p:nvSpPr>
+        <p:spPr/>
+      </p:sp>
+      <p:sp>
+        <p:nvSpPr>
+          <p:cNvPr id="3" name="Notes Placeholder 2"/>
+          <p:cNvSpPr>
+            <a:spLocks noGrp="1"/>
+          </p:cNvSpPr>
+          <p:nvPr>
+            <p:ph type="body" idx="1"/>
+          </p:nvPr>
+        </p:nvSpPr>
+        <p:spPr/>
+        <p:txBody>
+          <a:bodyPr/>
+          <a:lstStyle/>
+          <a:p>
+            <a:r>
+              <a:rPr lang="es-ES" b="0" i="1" dirty="0">
+                <a:solidFill>
+                  <a:srgbClr val="000000"/>
+                </a:solidFill>
+                <a:effectLst/>
+                <a:latin typeface="Segoe UI" panose="020B0502040204020203" pitchFamily="34" charset="0"/>
+              </a:rPr>
+              <a:t>Aunque para este desarrollo no es estrictamente necesario, usamos </a:t>
+            </a:r>
+            <a:r>
+              <a:rPr lang="es-ES" b="0" i="1" dirty="0" err="1">
+                <a:solidFill>
+                  <a:srgbClr val="000000"/>
+                </a:solidFill>
+                <a:effectLst/>
+                <a:latin typeface="Segoe UI" panose="020B0502040204020203" pitchFamily="34" charset="0"/>
+              </a:rPr>
+              <a:t>Community</a:t>
+            </a:r>
+            <a:r>
+              <a:rPr lang="es-ES" b="0" i="1" dirty="0">
+                <a:solidFill>
+                  <a:srgbClr val="000000"/>
+                </a:solidFill>
+                <a:effectLst/>
+                <a:latin typeface="Segoe UI" panose="020B0502040204020203" pitchFamily="34" charset="0"/>
+              </a:rPr>
+              <a:t> </a:t>
+            </a:r>
+            <a:r>
+              <a:rPr lang="es-ES" b="0" i="1" dirty="0" err="1">
+                <a:solidFill>
+                  <a:srgbClr val="000000"/>
+                </a:solidFill>
+                <a:effectLst/>
+                <a:latin typeface="Segoe UI" panose="020B0502040204020203" pitchFamily="34" charset="0"/>
+              </a:rPr>
+              <a:t>Toolkit</a:t>
+            </a:r>
+            <a:r>
+              <a:rPr lang="es-ES" b="0" i="1" dirty="0">
+                <a:solidFill>
+                  <a:srgbClr val="000000"/>
+                </a:solidFill>
+                <a:effectLst/>
+                <a:latin typeface="Segoe UI" panose="020B0502040204020203" pitchFamily="34" charset="0"/>
+              </a:rPr>
+              <a:t> para disponer de </a:t>
+            </a:r>
+            <a:r>
+              <a:rPr lang="es-ES" b="0" i="1" dirty="0" err="1">
+                <a:solidFill>
+                  <a:srgbClr val="000000"/>
+                </a:solidFill>
+                <a:effectLst/>
+                <a:latin typeface="Segoe UI" panose="020B0502040204020203" pitchFamily="34" charset="0"/>
+              </a:rPr>
+              <a:t>INotifyPropertyChanged</a:t>
+            </a:r>
+            <a:r>
+              <a:rPr lang="es-ES" b="0" i="1" dirty="0">
+                <a:solidFill>
+                  <a:srgbClr val="000000"/>
+                </a:solidFill>
+                <a:effectLst/>
+                <a:latin typeface="Segoe UI" panose="020B0502040204020203" pitchFamily="34" charset="0"/>
+              </a:rPr>
+              <a:t> sin tener que escribirlo explícitamente. Nos permite cambiar en tiempo de ejecución el idioma y ver directamente el cambio aplicado en UI.</a:t>
+            </a:r>
+            <a:endParaRPr lang="en-US" dirty="0"/>
+          </a:p>
+        </p:txBody>
+      </p:sp>
+      <p:sp>
+        <p:nvSpPr>
+          <p:cNvPr id="4" name="Slide Number Placeholder 3"/>
+          <p:cNvSpPr>
+            <a:spLocks noGrp="1"/>
+          </p:cNvSpPr>
+          <p:nvPr>
+            <p:ph type="sldNum" sz="quarter" idx="5"/>
+          </p:nvPr>
+        </p:nvSpPr>
+        <p:spPr/>
+        <p:txBody>
+          <a:bodyPr/>
+          <a:lstStyle/>
+          <a:p>
+            <a:fld id="{CF865426-BED0-4ABD-B70C-6835C1813117}" type="slidenum">
+              <a:rPr lang="en-IN" smtClean="0"/>
+              <a:t>25</a:t>
+            </a:fld>
+            <a:endParaRPr lang="en-IN"/>
+          </a:p>
+        </p:txBody>
+      </p:sp>
+    </p:spTree>
+    <p:extLst>
+      <p:ext uri="{BB962C8B-B14F-4D97-AF65-F5344CB8AC3E}">
+        <p14:creationId xmlns:p14="http://schemas.microsoft.com/office/powerpoint/2010/main" val="980021930"/>
+      </p:ext>
+    </p:extLst>
+  </p:cSld>
+  <p:clrMapOvr>
+    <a:masterClrMapping/>
+  </p:clrMapOvr>
+</p:notes>
+</file>
+
+<file path=ppt/notesSlides/notesSlide9.xml><?xml version="1.0" encoding="utf-8"?>
+<p:notes xmlns:a="http://schemas.openxmlformats.org/drawingml/2006/main" xmlns:r="http://schemas.openxmlformats.org/officeDocument/2006/relationships" xmlns:p="http://schemas.openxmlformats.org/presentationml/2006/main">
+  <p:cSld>
+    <p:spTree>
+      <p:nvGrpSpPr>
+        <p:cNvPr id="1" name=""/>
+        <p:cNvGrpSpPr/>
+        <p:nvPr/>
+      </p:nvGrpSpPr>
+      <p:grpSpPr>
+        <a:xfrm>
+          <a:off x="0" y="0"/>
+          <a:ext cx="0" cy="0"/>
+          <a:chOff x="0" y="0"/>
+          <a:chExt cx="0" cy="0"/>
+        </a:xfrm>
+      </p:grpSpPr>
+      <p:sp>
+        <p:nvSpPr>
+          <p:cNvPr id="2" name="Slide Image Placeholder 1"/>
+          <p:cNvSpPr>
+            <a:spLocks noGrp="1" noRot="1" noChangeAspect="1"/>
+          </p:cNvSpPr>
+          <p:nvPr>
+            <p:ph type="sldImg"/>
+          </p:nvPr>
+        </p:nvSpPr>
+        <p:spPr/>
+      </p:sp>
+      <p:sp>
+        <p:nvSpPr>
+          <p:cNvPr id="3" name="Notes Placeholder 2"/>
+          <p:cNvSpPr>
+            <a:spLocks noGrp="1"/>
+          </p:cNvSpPr>
+          <p:nvPr>
+            <p:ph type="body" idx="1"/>
+          </p:nvPr>
+        </p:nvSpPr>
+        <p:spPr/>
+        <p:txBody>
+          <a:bodyPr/>
+          <a:lstStyle/>
+          <a:p>
+            <a:r>
+              <a:rPr lang="es-ES" b="0" i="0" dirty="0" err="1">
+                <a:solidFill>
+                  <a:srgbClr val="374151"/>
+                </a:solidFill>
+                <a:effectLst/>
+                <a:latin typeface="tahoma" panose="020B0604030504040204" pitchFamily="34" charset="0"/>
+              </a:rPr>
+              <a:t>JetBrains</a:t>
+            </a:r>
+            <a:r>
+              <a:rPr lang="es-ES" b="0" i="0" dirty="0">
+                <a:solidFill>
+                  <a:srgbClr val="374151"/>
+                </a:solidFill>
+                <a:effectLst/>
+                <a:latin typeface="tahoma" panose="020B0604030504040204" pitchFamily="34" charset="0"/>
+              </a:rPr>
+              <a:t> </a:t>
+            </a:r>
+            <a:r>
+              <a:rPr lang="es-ES" b="0" i="0" dirty="0" err="1">
+                <a:solidFill>
+                  <a:srgbClr val="374151"/>
+                </a:solidFill>
+                <a:effectLst/>
+                <a:latin typeface="tahoma" panose="020B0604030504040204" pitchFamily="34" charset="0"/>
+              </a:rPr>
+              <a:t>Rider</a:t>
+            </a:r>
+            <a:r>
+              <a:rPr lang="es-ES" b="0" i="0" dirty="0">
+                <a:solidFill>
+                  <a:srgbClr val="374151"/>
+                </a:solidFill>
+                <a:effectLst/>
+                <a:latin typeface="tahoma" panose="020B0604030504040204" pitchFamily="34" charset="0"/>
+              </a:rPr>
+              <a:t> es un entorno de desarrollo integrado (IDE) para desarrolladores que trabajan con lenguajes de programación .NET, </a:t>
+            </a:r>
+            <a:r>
+              <a:rPr lang="es-ES" b="0" i="0" dirty="0">
+                <a:solidFill>
+                  <a:srgbClr val="000000"/>
+                </a:solidFill>
+                <a:effectLst/>
+                <a:latin typeface="tahoma" panose="020B0604030504040204" pitchFamily="34" charset="0"/>
+              </a:rPr>
+              <a:t>como C#</a:t>
+            </a:r>
+            <a:r>
+              <a:rPr lang="es-ES" b="0" i="0" dirty="0">
+                <a:solidFill>
+                  <a:srgbClr val="374151"/>
+                </a:solidFill>
+                <a:effectLst/>
+                <a:latin typeface="tahoma" panose="020B0604030504040204" pitchFamily="34" charset="0"/>
+              </a:rPr>
+              <a:t>, </a:t>
+            </a:r>
+            <a:r>
+              <a:rPr lang="es-ES" b="0" i="0" dirty="0">
+                <a:solidFill>
+                  <a:srgbClr val="374151"/>
+                </a:solidFill>
+                <a:effectLst/>
+                <a:latin typeface="tahoma" panose="020B0604030504040204" pitchFamily="34" charset="0"/>
+                <a:hlinkClick r:id="rId3"/>
+              </a:rPr>
+              <a:t>VB.NET</a:t>
+            </a:r>
+            <a:r>
+              <a:rPr lang="es-ES" b="0" i="0" dirty="0">
+                <a:solidFill>
+                  <a:srgbClr val="374151"/>
+                </a:solidFill>
+                <a:effectLst/>
+                <a:latin typeface="tahoma" panose="020B0604030504040204" pitchFamily="34" charset="0"/>
+              </a:rPr>
+              <a:t>, </a:t>
+            </a:r>
+            <a:r>
+              <a:rPr lang="es-ES" b="0" i="0" dirty="0">
+                <a:solidFill>
+                  <a:srgbClr val="000000"/>
+                </a:solidFill>
+                <a:effectLst/>
+                <a:latin typeface="tahoma" panose="020B0604030504040204" pitchFamily="34" charset="0"/>
+              </a:rPr>
+              <a:t>F# y</a:t>
+            </a:r>
+            <a:r>
+              <a:rPr lang="es-ES" b="0" i="0" dirty="0">
+                <a:solidFill>
+                  <a:srgbClr val="374151"/>
+                </a:solidFill>
+                <a:effectLst/>
+                <a:latin typeface="tahoma" panose="020B0604030504040204" pitchFamily="34" charset="0"/>
+              </a:rPr>
+              <a:t> </a:t>
+            </a:r>
+            <a:r>
+              <a:rPr lang="es-ES" b="0" i="0" dirty="0">
+                <a:solidFill>
+                  <a:srgbClr val="374151"/>
+                </a:solidFill>
+                <a:effectLst/>
+                <a:latin typeface="tahoma" panose="020B0604030504040204" pitchFamily="34" charset="0"/>
+                <a:hlinkClick r:id="rId4"/>
+              </a:rPr>
+              <a:t>ASP.NET</a:t>
+            </a:r>
+            <a:r>
+              <a:rPr lang="es-ES" b="0" i="0" dirty="0">
+                <a:solidFill>
+                  <a:srgbClr val="374151"/>
+                </a:solidFill>
+                <a:effectLst/>
+                <a:latin typeface="tahoma" panose="020B0604030504040204" pitchFamily="34" charset="0"/>
+              </a:rPr>
+              <a:t>. Es desarrollado por </a:t>
+            </a:r>
+            <a:r>
+              <a:rPr lang="es-ES" b="0" i="0" dirty="0" err="1">
+                <a:solidFill>
+                  <a:srgbClr val="374151"/>
+                </a:solidFill>
+                <a:effectLst/>
+                <a:latin typeface="tahoma" panose="020B0604030504040204" pitchFamily="34" charset="0"/>
+              </a:rPr>
+              <a:t>JetBrains</a:t>
+            </a:r>
+            <a:r>
+              <a:rPr lang="es-ES" b="0" i="0" dirty="0">
+                <a:solidFill>
+                  <a:srgbClr val="374151"/>
+                </a:solidFill>
+                <a:effectLst/>
+                <a:latin typeface="tahoma" panose="020B0604030504040204" pitchFamily="34" charset="0"/>
+              </a:rPr>
+              <a:t>, la misma compañía que creó otros populares </a:t>
+            </a:r>
+            <a:r>
+              <a:rPr lang="es-ES" b="0" i="0" dirty="0" err="1">
+                <a:solidFill>
+                  <a:srgbClr val="374151"/>
+                </a:solidFill>
+                <a:effectLst/>
+                <a:latin typeface="tahoma" panose="020B0604030504040204" pitchFamily="34" charset="0"/>
+              </a:rPr>
+              <a:t>IDEs</a:t>
+            </a:r>
+            <a:r>
+              <a:rPr lang="es-ES" b="0" i="0" dirty="0">
+                <a:solidFill>
+                  <a:srgbClr val="374151"/>
+                </a:solidFill>
+                <a:effectLst/>
+                <a:latin typeface="tahoma" panose="020B0604030504040204" pitchFamily="34" charset="0"/>
+              </a:rPr>
+              <a:t> como IntelliJ IDEA para Java, </a:t>
+            </a:r>
+            <a:r>
+              <a:rPr lang="es-ES" b="0" i="0" dirty="0" err="1">
+                <a:solidFill>
+                  <a:srgbClr val="374151"/>
+                </a:solidFill>
+                <a:effectLst/>
+                <a:latin typeface="tahoma" panose="020B0604030504040204" pitchFamily="34" charset="0"/>
+              </a:rPr>
+              <a:t>PyCharm</a:t>
+            </a:r>
+            <a:r>
+              <a:rPr lang="es-ES" b="0" i="0" dirty="0">
+                <a:solidFill>
+                  <a:srgbClr val="374151"/>
+                </a:solidFill>
+                <a:effectLst/>
+                <a:latin typeface="tahoma" panose="020B0604030504040204" pitchFamily="34" charset="0"/>
+              </a:rPr>
+              <a:t> para Python y </a:t>
+            </a:r>
+            <a:r>
+              <a:rPr lang="es-ES" b="0" i="0" dirty="0" err="1">
+                <a:solidFill>
+                  <a:srgbClr val="374151"/>
+                </a:solidFill>
+                <a:effectLst/>
+                <a:latin typeface="tahoma" panose="020B0604030504040204" pitchFamily="34" charset="0"/>
+              </a:rPr>
+              <a:t>ReSharper</a:t>
+            </a:r>
+            <a:r>
+              <a:rPr lang="es-ES" b="0" i="0" dirty="0">
+                <a:solidFill>
+                  <a:srgbClr val="374151"/>
+                </a:solidFill>
+                <a:effectLst/>
+                <a:latin typeface="tahoma" panose="020B0604030504040204" pitchFamily="34" charset="0"/>
+              </a:rPr>
+              <a:t> para Visual Studio.</a:t>
+            </a:r>
+            <a:endParaRPr lang="en-US" dirty="0"/>
+          </a:p>
+        </p:txBody>
+      </p:sp>
+      <p:sp>
+        <p:nvSpPr>
+          <p:cNvPr id="4" name="Slide Number Placeholder 3"/>
+          <p:cNvSpPr>
+            <a:spLocks noGrp="1"/>
+          </p:cNvSpPr>
+          <p:nvPr>
+            <p:ph type="sldNum" sz="quarter" idx="5"/>
+          </p:nvPr>
+        </p:nvSpPr>
+        <p:spPr/>
+        <p:txBody>
+          <a:bodyPr/>
+          <a:lstStyle/>
+          <a:p>
+            <a:fld id="{CF865426-BED0-4ABD-B70C-6835C1813117}" type="slidenum">
+              <a:rPr lang="en-IN" smtClean="0"/>
+              <a:t>33</a:t>
+            </a:fld>
+            <a:endParaRPr lang="en-IN"/>
+          </a:p>
+        </p:txBody>
+      </p:sp>
+    </p:spTree>
+    <p:extLst>
+      <p:ext uri="{BB962C8B-B14F-4D97-AF65-F5344CB8AC3E}">
+        <p14:creationId xmlns:p14="http://schemas.microsoft.com/office/powerpoint/2010/main" val="981524497"/>
+      </p:ext>
+    </p:extLst>
+  </p:cSld>
+  <p:clrMapOvr>
+    <a:masterClrMapping/>
+  </p:clrMapOvr>
+</p:notes>
+</file>
+
 <file path=ppt/slideLayouts/slideLayout1.xml><?xml version="1.0" encoding="utf-8"?>
 <p:sldLayout xmlns:a="http://schemas.openxmlformats.org/drawingml/2006/main" xmlns:r="http://schemas.openxmlformats.org/officeDocument/2006/relationships" xmlns:p="http://schemas.openxmlformats.org/presentationml/2006/main" type="title" preserve="1">
   <p:cSld name="Title Slide">
@@ -788,7 +2219,7 @@
           <a:p>
             <a:fld id="{1E769D27-5446-4EDF-9743-432CF3085816}" type="datetimeFigureOut">
               <a:rPr lang="en-IN" smtClean="0"/>
-              <a:t>15-04-2023</a:t>
+              <a:t>19-04-2023</a:t>
             </a:fld>
             <a:endParaRPr lang="en-IN"/>
           </a:p>
@@ -958,7 +2389,7 @@
           <a:p>
             <a:fld id="{1E769D27-5446-4EDF-9743-432CF3085816}" type="datetimeFigureOut">
               <a:rPr lang="en-IN" smtClean="0"/>
-              <a:t>15-04-2023</a:t>
+              <a:t>19-04-2023</a:t>
             </a:fld>
             <a:endParaRPr lang="en-IN"/>
           </a:p>
@@ -1138,7 +2569,7 @@
           <a:p>
             <a:fld id="{1E769D27-5446-4EDF-9743-432CF3085816}" type="datetimeFigureOut">
               <a:rPr lang="en-IN" smtClean="0"/>
-              <a:t>15-04-2023</a:t>
+              <a:t>19-04-2023</a:t>
             </a:fld>
             <a:endParaRPr lang="en-IN"/>
           </a:p>
@@ -1308,7 +2739,7 @@
           <a:p>
             <a:fld id="{1E769D27-5446-4EDF-9743-432CF3085816}" type="datetimeFigureOut">
               <a:rPr lang="en-IN" smtClean="0"/>
-              <a:t>15-04-2023</a:t>
+              <a:t>19-04-2023</a:t>
             </a:fld>
             <a:endParaRPr lang="en-IN"/>
           </a:p>
@@ -1554,7 +2985,7 @@
           <a:p>
             <a:fld id="{1E769D27-5446-4EDF-9743-432CF3085816}" type="datetimeFigureOut">
               <a:rPr lang="en-IN" smtClean="0"/>
-              <a:t>15-04-2023</a:t>
+              <a:t>19-04-2023</a:t>
             </a:fld>
             <a:endParaRPr lang="en-IN"/>
           </a:p>
@@ -1786,7 +3217,7 @@
           <a:p>
             <a:fld id="{1E769D27-5446-4EDF-9743-432CF3085816}" type="datetimeFigureOut">
               <a:rPr lang="en-IN" smtClean="0"/>
-              <a:t>15-04-2023</a:t>
+              <a:t>19-04-2023</a:t>
             </a:fld>
             <a:endParaRPr lang="en-IN"/>
           </a:p>
@@ -2153,7 +3584,7 @@
           <a:p>
             <a:fld id="{1E769D27-5446-4EDF-9743-432CF3085816}" type="datetimeFigureOut">
               <a:rPr lang="en-IN" smtClean="0"/>
-              <a:t>15-04-2023</a:t>
+              <a:t>19-04-2023</a:t>
             </a:fld>
             <a:endParaRPr lang="en-IN"/>
           </a:p>
@@ -2271,7 +3702,7 @@
           <a:p>
             <a:fld id="{1E769D27-5446-4EDF-9743-432CF3085816}" type="datetimeFigureOut">
               <a:rPr lang="en-IN" smtClean="0"/>
-              <a:t>15-04-2023</a:t>
+              <a:t>19-04-2023</a:t>
             </a:fld>
             <a:endParaRPr lang="en-IN"/>
           </a:p>
@@ -2366,7 +3797,7 @@
           <a:p>
             <a:fld id="{1E769D27-5446-4EDF-9743-432CF3085816}" type="datetimeFigureOut">
               <a:rPr lang="en-IN" smtClean="0"/>
-              <a:t>15-04-2023</a:t>
+              <a:t>19-04-2023</a:t>
             </a:fld>
             <a:endParaRPr lang="en-IN"/>
           </a:p>
@@ -2643,7 +4074,7 @@
           <a:p>
             <a:fld id="{1E769D27-5446-4EDF-9743-432CF3085816}" type="datetimeFigureOut">
               <a:rPr lang="en-IN" smtClean="0"/>
-              <a:t>15-04-2023</a:t>
+              <a:t>19-04-2023</a:t>
             </a:fld>
             <a:endParaRPr lang="en-IN"/>
           </a:p>
@@ -2900,7 +4331,7 @@
           <a:p>
             <a:fld id="{1E769D27-5446-4EDF-9743-432CF3085816}" type="datetimeFigureOut">
               <a:rPr lang="en-IN" smtClean="0"/>
-              <a:t>15-04-2023</a:t>
+              <a:t>19-04-2023</a:t>
             </a:fld>
             <a:endParaRPr lang="en-IN"/>
           </a:p>
@@ -3113,7 +4544,7 @@
           <a:p>
             <a:fld id="{C764DE79-268F-4C1A-8933-263129D2AF90}" type="datetimeFigureOut">
               <a:rPr lang="en-US" dirty="0"/>
-              <a:t>4/15/2023</a:t>
+              <a:t>4/19/2023</a:t>
             </a:fld>
             <a:endParaRPr lang="en-US" dirty="0"/>
           </a:p>
@@ -4052,14 +5483,14 @@
               <a:t>5. </a:t>
             </a:r>
             <a:r>
-              <a:rPr lang="en-US" sz="3200" dirty="0" err="1">
-                <a:solidFill>
-                  <a:prstClr val="black"/>
-                </a:solidFill>
-                <a:latin typeface="Poppins SemiBold" panose="00000700000000000000" pitchFamily="2" charset="0"/>
-                <a:cs typeface="Poppins SemiBold" panose="00000700000000000000" pitchFamily="2" charset="0"/>
-              </a:rPr>
-              <a:t>Pregunta</a:t>
+              <a:rPr lang="es-ES" sz="3200" b="0" i="0" dirty="0">
+                <a:solidFill>
+                  <a:srgbClr val="000000"/>
+                </a:solidFill>
+                <a:effectLst/>
+                <a:latin typeface="Segoe UI" panose="020B0502040204020203" pitchFamily="34" charset="0"/>
+              </a:rPr>
+              <a:t>¿Porque trabaja el POS con una base de datos SQLite local?</a:t>
             </a:r>
             <a:endParaRPr lang="en-IN" sz="3200" dirty="0">
               <a:solidFill>
@@ -4074,8 +5505,8 @@
       <p:sp>
         <p:nvSpPr>
           <p:cNvPr id="3" name="Rectangle 2">
-            <a:hlinkClick r:id="rId2" action="ppaction://hlinksldjump">
-              <a:snd r:embed="rId3" name="WrongAnswerSFX.wav"/>
+            <a:hlinkClick r:id="rId3" action="ppaction://hlinksldjump">
+              <a:snd r:embed="rId4" name="WrongAnswerSFX.wav"/>
             </a:hlinkClick>
             <a:extLst>
               <a:ext uri="{FF2B5EF4-FFF2-40B4-BE49-F238E27FC236}">
@@ -4138,14 +5569,14 @@
           <a:p>
             <a:pPr algn="ctr" defTabSz="685800"/>
             <a:r>
-              <a:rPr lang="en-US" sz="2000" dirty="0">
-                <a:solidFill>
-                  <a:schemeClr val="tx1"/>
-                </a:solidFill>
-                <a:latin typeface="Poppins SemiBold" panose="00000700000000000000" pitchFamily="2" charset="0"/>
-                <a:cs typeface="Poppins SemiBold" panose="00000700000000000000" pitchFamily="2" charset="0"/>
-              </a:rPr>
-              <a:t>Incorrect Answer</a:t>
+              <a:rPr lang="es-ES" sz="2000" b="0" i="0" dirty="0">
+                <a:solidFill>
+                  <a:srgbClr val="000000"/>
+                </a:solidFill>
+                <a:effectLst/>
+                <a:latin typeface="Segoe UI" panose="020B0502040204020203" pitchFamily="34" charset="0"/>
+              </a:rPr>
+              <a:t>Para que la operativa sea más rápida</a:t>
             </a:r>
             <a:endParaRPr lang="en-IN" sz="2000" dirty="0">
               <a:solidFill>
@@ -4161,7 +5592,7 @@
         <p:nvSpPr>
           <p:cNvPr id="5" name="Rectangle 4">
             <a:hlinkClick r:id="" action="ppaction://hlinkshowjump?jump=nextslide">
-              <a:snd r:embed="rId4" name="CorrectAnswerSFX.wav"/>
+              <a:snd r:embed="rId5" name="CorrectAnswerSFX.wav"/>
             </a:hlinkClick>
             <a:extLst>
               <a:ext uri="{FF2B5EF4-FFF2-40B4-BE49-F238E27FC236}">
@@ -4224,24 +5655,14 @@
           <a:p>
             <a:pPr algn="ctr" defTabSz="685800"/>
             <a:r>
-              <a:rPr lang="en-US" sz="2000" dirty="0">
-                <a:solidFill>
-                  <a:schemeClr val="tx1"/>
-                </a:solidFill>
-                <a:latin typeface="Poppins SemiBold" panose="00000700000000000000" pitchFamily="2" charset="0"/>
-                <a:cs typeface="Poppins SemiBold" panose="00000700000000000000" pitchFamily="2" charset="0"/>
-              </a:rPr>
-              <a:t>Respuesta </a:t>
-            </a:r>
-            <a:r>
-              <a:rPr lang="en-US" sz="2000" dirty="0" err="1">
-                <a:solidFill>
-                  <a:schemeClr val="tx1"/>
-                </a:solidFill>
-                <a:latin typeface="Poppins SemiBold" panose="00000700000000000000" pitchFamily="2" charset="0"/>
-                <a:cs typeface="Poppins SemiBold" panose="00000700000000000000" pitchFamily="2" charset="0"/>
-              </a:rPr>
-              <a:t>Correcta</a:t>
+              <a:rPr lang="es-ES" sz="2000" b="0" i="0" dirty="0">
+                <a:solidFill>
+                  <a:srgbClr val="000000"/>
+                </a:solidFill>
+                <a:effectLst/>
+                <a:latin typeface="Segoe UI" panose="020B0502040204020203" pitchFamily="34" charset="0"/>
+              </a:rPr>
+              <a:t>Para no depender de la conexión a internet</a:t>
             </a:r>
             <a:endParaRPr lang="en-IN" sz="2000" dirty="0">
               <a:solidFill>
@@ -4530,14 +5951,14 @@
               <a:t>6. </a:t>
             </a:r>
             <a:r>
-              <a:rPr lang="en-US" sz="3200" dirty="0" err="1">
-                <a:solidFill>
-                  <a:prstClr val="black"/>
-                </a:solidFill>
-                <a:latin typeface="Poppins SemiBold" panose="00000700000000000000" pitchFamily="2" charset="0"/>
-                <a:cs typeface="Poppins SemiBold" panose="00000700000000000000" pitchFamily="2" charset="0"/>
-              </a:rPr>
-              <a:t>Pregunta</a:t>
+              <a:rPr lang="es-ES" sz="3200" b="0" i="0" dirty="0">
+                <a:solidFill>
+                  <a:srgbClr val="000000"/>
+                </a:solidFill>
+                <a:effectLst/>
+                <a:latin typeface="Calibri" panose="020F0502020204030204" pitchFamily="34" charset="0"/>
+              </a:rPr>
+              <a:t>Con Intune Podemos administrar dispositivos con Sistema operativo Linux</a:t>
             </a:r>
             <a:endParaRPr lang="en-IN" sz="3200" dirty="0">
               <a:solidFill>
@@ -4552,8 +5973,8 @@
       <p:sp>
         <p:nvSpPr>
           <p:cNvPr id="3" name="Rectangle 2">
-            <a:hlinkClick r:id="rId2" action="ppaction://hlinksldjump">
-              <a:snd r:embed="rId3" name="WrongAnswerSFX.wav"/>
+            <a:hlinkClick r:id="rId3" action="ppaction://hlinksldjump">
+              <a:snd r:embed="rId4" name="WrongAnswerSFX.wav"/>
             </a:hlinkClick>
             <a:extLst>
               <a:ext uri="{FF2B5EF4-FFF2-40B4-BE49-F238E27FC236}">
@@ -4616,14 +6037,14 @@
           <a:p>
             <a:pPr algn="ctr" defTabSz="685800"/>
             <a:r>
-              <a:rPr lang="en-US" sz="2000" dirty="0">
-                <a:solidFill>
-                  <a:schemeClr val="tx1"/>
-                </a:solidFill>
-                <a:latin typeface="Poppins SemiBold" panose="00000700000000000000" pitchFamily="2" charset="0"/>
-                <a:cs typeface="Poppins SemiBold" panose="00000700000000000000" pitchFamily="2" charset="0"/>
-              </a:rPr>
-              <a:t>Incorrect Answer</a:t>
+              <a:rPr lang="en-US" sz="2000" b="0" i="0" dirty="0" err="1">
+                <a:solidFill>
+                  <a:srgbClr val="000000"/>
+                </a:solidFill>
+                <a:effectLst/>
+                <a:latin typeface="Calibri" panose="020F0502020204030204" pitchFamily="34" charset="0"/>
+              </a:rPr>
+              <a:t>Incorrecto</a:t>
             </a:r>
             <a:endParaRPr lang="en-IN" sz="2000" dirty="0">
               <a:solidFill>
@@ -4639,7 +6060,7 @@
         <p:nvSpPr>
           <p:cNvPr id="5" name="Rectangle 4">
             <a:hlinkClick r:id="" action="ppaction://hlinkshowjump?jump=nextslide">
-              <a:snd r:embed="rId4" name="CorrectAnswerSFX.wav"/>
+              <a:snd r:embed="rId5" name="CorrectAnswerSFX.wav"/>
             </a:hlinkClick>
             <a:extLst>
               <a:ext uri="{FF2B5EF4-FFF2-40B4-BE49-F238E27FC236}">
@@ -4702,24 +6123,14 @@
           <a:p>
             <a:pPr algn="ctr" defTabSz="685800"/>
             <a:r>
-              <a:rPr lang="en-US" sz="2000" dirty="0">
-                <a:solidFill>
-                  <a:schemeClr val="tx1"/>
-                </a:solidFill>
-                <a:latin typeface="Poppins SemiBold" panose="00000700000000000000" pitchFamily="2" charset="0"/>
-                <a:cs typeface="Poppins SemiBold" panose="00000700000000000000" pitchFamily="2" charset="0"/>
-              </a:rPr>
-              <a:t>Respuesta </a:t>
-            </a:r>
-            <a:r>
-              <a:rPr lang="en-US" sz="2000" dirty="0" err="1">
-                <a:solidFill>
-                  <a:schemeClr val="tx1"/>
-                </a:solidFill>
-                <a:latin typeface="Poppins SemiBold" panose="00000700000000000000" pitchFamily="2" charset="0"/>
-                <a:cs typeface="Poppins SemiBold" panose="00000700000000000000" pitchFamily="2" charset="0"/>
-              </a:rPr>
-              <a:t>Correcta</a:t>
+              <a:rPr lang="en-US" sz="2000" b="0" i="0" dirty="0" err="1">
+                <a:solidFill>
+                  <a:srgbClr val="000000"/>
+                </a:solidFill>
+                <a:effectLst/>
+                <a:latin typeface="Calibri" panose="020F0502020204030204" pitchFamily="34" charset="0"/>
+              </a:rPr>
+              <a:t>Correcto</a:t>
             </a:r>
             <a:endParaRPr lang="en-IN" sz="2000" dirty="0">
               <a:solidFill>
@@ -4996,11 +6407,13 @@
           <a:bodyPr tIns="144000" bIns="90000" rtlCol="0" anchor="ctr"/>
           <a:lstStyle/>
           <a:p>
-            <a:pPr algn="ctr" defTabSz="685800"/>
+            <a:pPr algn="ctr" defTabSz="685800">
+              <a:defRPr/>
+            </a:pPr>
             <a:r>
               <a:rPr lang="en-US" sz="3200" dirty="0">
                 <a:solidFill>
-                  <a:schemeClr val="tx1"/>
+                  <a:prstClr val="black"/>
                 </a:solidFill>
                 <a:latin typeface="Poppins SemiBold" panose="00000700000000000000" pitchFamily="2" charset="0"/>
                 <a:cs typeface="Poppins SemiBold" panose="00000700000000000000" pitchFamily="2" charset="0"/>
@@ -5008,18 +6421,18 @@
               <a:t>7. </a:t>
             </a:r>
             <a:r>
-              <a:rPr lang="en-US" sz="3200" dirty="0" err="1">
-                <a:solidFill>
-                  <a:prstClr val="black"/>
-                </a:solidFill>
-                <a:latin typeface="Poppins SemiBold" panose="00000700000000000000" pitchFamily="2" charset="0"/>
-                <a:cs typeface="Poppins SemiBold" panose="00000700000000000000" pitchFamily="2" charset="0"/>
-              </a:rPr>
-              <a:t>Pregunta</a:t>
+              <a:rPr lang="es-ES" sz="3200" b="0" i="0" dirty="0">
+                <a:solidFill>
+                  <a:srgbClr val="000000"/>
+                </a:solidFill>
+                <a:effectLst/>
+                <a:latin typeface="tahoma" panose="020B0604030504040204" pitchFamily="34" charset="0"/>
+              </a:rPr>
+              <a:t>¿Como se llama el compilador de la plataforma Net?</a:t>
             </a:r>
             <a:endParaRPr lang="en-IN" sz="3200" dirty="0">
               <a:solidFill>
-                <a:schemeClr val="tx1"/>
+                <a:prstClr val="black"/>
               </a:solidFill>
               <a:latin typeface="Poppins SemiBold" panose="00000700000000000000" pitchFamily="2" charset="0"/>
               <a:cs typeface="Poppins SemiBold" panose="00000700000000000000" pitchFamily="2" charset="0"/>
@@ -5030,12 +6443,110 @@
       <p:sp>
         <p:nvSpPr>
           <p:cNvPr id="3" name="Rectangle 2">
-            <a:hlinkClick r:id="rId2" action="ppaction://hlinksldjump">
-              <a:snd r:embed="rId3" name="WrongAnswerSFX.wav"/>
+            <a:hlinkClick r:id="rId3" action="ppaction://hlinksldjump">
+              <a:snd r:embed="rId4" name="WrongAnswerSFX.wav"/>
             </a:hlinkClick>
             <a:extLst>
               <a:ext uri="{FF2B5EF4-FFF2-40B4-BE49-F238E27FC236}">
                 <a16:creationId xmlns:a16="http://schemas.microsoft.com/office/drawing/2014/main" id="{93EB3632-12C3-41FB-861E-57B9D53BBF65}"/>
+              </a:ext>
+            </a:extLst>
+          </p:cNvPr>
+          <p:cNvSpPr/>
+          <p:nvPr/>
+        </p:nvSpPr>
+        <p:spPr>
+          <a:xfrm>
+            <a:off x="1976846" y="2612571"/>
+            <a:ext cx="3971108" cy="1236618"/>
+          </a:xfrm>
+          <a:prstGeom prst="rect">
+            <a:avLst/>
+          </a:prstGeom>
+          <a:solidFill>
+            <a:schemeClr val="bg1"/>
+          </a:solidFill>
+          <a:ln>
+            <a:solidFill>
+              <a:schemeClr val="bg1">
+                <a:lumMod val="85000"/>
+              </a:schemeClr>
+            </a:solidFill>
+          </a:ln>
+          <a:effectLst>
+            <a:outerShdw blurRad="381000" dist="127000" dir="7080000" sx="94000" sy="94000" algn="t" rotWithShape="0">
+              <a:prstClr val="black">
+                <a:alpha val="16000"/>
+              </a:prstClr>
+            </a:outerShdw>
+          </a:effectLst>
+          <a:scene3d>
+            <a:camera prst="perspectiveFront"/>
+            <a:lightRig rig="threePt" dir="t"/>
+          </a:scene3d>
+        </p:spPr>
+        <p:style>
+          <a:lnRef idx="2">
+            <a:schemeClr val="accent1">
+              <a:shade val="50000"/>
+            </a:schemeClr>
+          </a:lnRef>
+          <a:fillRef idx="1">
+            <a:schemeClr val="accent1"/>
+          </a:fillRef>
+          <a:effectRef idx="0">
+            <a:schemeClr val="accent1"/>
+          </a:effectRef>
+          <a:fontRef idx="minor">
+            <a:schemeClr val="lt1"/>
+          </a:fontRef>
+        </p:style>
+        <p:txBody>
+          <a:bodyPr tIns="144000" bIns="90000" rtlCol="0" anchor="ctr"/>
+          <a:lstStyle/>
+          <a:p>
+            <a:pPr algn="ctr" defTabSz="685800">
+              <a:defRPr/>
+            </a:pPr>
+            <a:r>
+              <a:rPr lang="en-US" sz="2000" b="0" i="0" dirty="0" err="1">
+                <a:solidFill>
+                  <a:srgbClr val="000000"/>
+                </a:solidFill>
+                <a:effectLst/>
+                <a:latin typeface="tahoma" panose="020B0604030504040204" pitchFamily="34" charset="0"/>
+              </a:rPr>
+              <a:t>MsBuild</a:t>
+            </a:r>
+            <a:r>
+              <a:rPr lang="en-US" sz="2000" b="0" i="0" dirty="0">
+                <a:solidFill>
+                  <a:srgbClr val="000000"/>
+                </a:solidFill>
+                <a:effectLst/>
+                <a:latin typeface="tahoma" panose="020B0604030504040204" pitchFamily="34" charset="0"/>
+              </a:rPr>
+              <a:t> </a:t>
+            </a:r>
+            <a:endParaRPr lang="en-IN" sz="2000" dirty="0">
+              <a:solidFill>
+                <a:prstClr val="black"/>
+              </a:solidFill>
+              <a:latin typeface="Poppins SemiBold" panose="00000700000000000000" pitchFamily="2" charset="0"/>
+              <a:cs typeface="Poppins SemiBold" panose="00000700000000000000" pitchFamily="2" charset="0"/>
+            </a:endParaRPr>
+          </a:p>
+        </p:txBody>
+      </p:sp>
+      <p:sp>
+        <p:nvSpPr>
+          <p:cNvPr id="5" name="Rectangle 4">
+            <a:hlinkClick r:id="" action="ppaction://hlinkshowjump?jump=nextslide">
+              <a:snd r:embed="rId5" name="CorrectAnswerSFX.wav"/>
+            </a:hlinkClick>
+            <a:extLst>
+              <a:ext uri="{FF2B5EF4-FFF2-40B4-BE49-F238E27FC236}">
+                <a16:creationId xmlns:a16="http://schemas.microsoft.com/office/drawing/2014/main" id="{11A411AB-3628-4BD3-8F92-E851842AEEC9}"/>
               </a:ext>
             </a:extLst>
           </p:cNvPr>
@@ -5094,14 +6605,14 @@
           <a:p>
             <a:pPr algn="ctr" defTabSz="685800"/>
             <a:r>
-              <a:rPr lang="en-US" sz="2000" dirty="0">
-                <a:solidFill>
-                  <a:schemeClr val="tx1"/>
-                </a:solidFill>
-                <a:latin typeface="Poppins SemiBold" panose="00000700000000000000" pitchFamily="2" charset="0"/>
-                <a:cs typeface="Poppins SemiBold" panose="00000700000000000000" pitchFamily="2" charset="0"/>
-              </a:rPr>
-              <a:t>Incorrect Answer</a:t>
+              <a:rPr lang="en-US" sz="2000" b="0" i="0" dirty="0">
+                <a:solidFill>
+                  <a:srgbClr val="000000"/>
+                </a:solidFill>
+                <a:effectLst/>
+                <a:latin typeface="tahoma" panose="020B0604030504040204" pitchFamily="34" charset="0"/>
+              </a:rPr>
+              <a:t>Roslyn </a:t>
             </a:r>
             <a:endParaRPr lang="en-IN" sz="2000" dirty="0">
               <a:solidFill>
@@ -5113,15 +6624,373 @@
           </a:p>
         </p:txBody>
       </p:sp>
-      <p:sp>
-        <p:nvSpPr>
-          <p:cNvPr id="5" name="Rectangle 4">
-            <a:hlinkClick r:id="" action="ppaction://hlinkshowjump?jump=nextslide">
-              <a:snd r:embed="rId4" name="CorrectAnswerSFX.wav"/>
+    </p:spTree>
+    <p:extLst>
+      <p:ext uri="{BB962C8B-B14F-4D97-AF65-F5344CB8AC3E}">
+        <p14:creationId xmlns:p14="http://schemas.microsoft.com/office/powerpoint/2010/main" val="2113959630"/>
+      </p:ext>
+    </p:extLst>
+  </p:cSld>
+  <p:clrMapOvr>
+    <a:masterClrMapping/>
+  </p:clrMapOvr>
+</p:sld>
+</file>
+
+<file path=ppt/slides/slide16.xml><?xml version="1.0" encoding="utf-8"?>
+<p:sld xmlns:a="http://schemas.openxmlformats.org/drawingml/2006/main" xmlns:r="http://schemas.openxmlformats.org/officeDocument/2006/relationships" xmlns:p="http://schemas.openxmlformats.org/presentationml/2006/main">
+  <p:cSld>
+    <p:bg>
+      <p:bgPr>
+        <a:solidFill>
+          <a:srgbClr val="00B050"/>
+        </a:solidFill>
+        <a:effectLst/>
+      </p:bgPr>
+    </p:bg>
+    <p:spTree>
+      <p:nvGrpSpPr>
+        <p:cNvPr id="1" name=""/>
+        <p:cNvGrpSpPr/>
+        <p:nvPr/>
+      </p:nvGrpSpPr>
+      <p:grpSpPr>
+        <a:xfrm>
+          <a:off x="0" y="0"/>
+          <a:ext cx="0" cy="0"/>
+          <a:chOff x="0" y="0"/>
+          <a:chExt cx="0" cy="0"/>
+        </a:xfrm>
+      </p:grpSpPr>
+      <p:sp>
+        <p:nvSpPr>
+          <p:cNvPr id="2" name="TextBox 1">
+            <a:extLst>
+              <a:ext uri="{FF2B5EF4-FFF2-40B4-BE49-F238E27FC236}">
+                <a16:creationId xmlns:a16="http://schemas.microsoft.com/office/drawing/2014/main" id="{60075EE3-328C-49EE-B897-556D339C339C}"/>
+              </a:ext>
+            </a:extLst>
+          </p:cNvPr>
+          <p:cNvSpPr txBox="1"/>
+          <p:nvPr/>
+        </p:nvSpPr>
+        <p:spPr>
+          <a:xfrm>
+            <a:off x="2083523" y="1549357"/>
+            <a:ext cx="8024954" cy="923330"/>
+          </a:xfrm>
+          <a:prstGeom prst="rect">
+            <a:avLst/>
+          </a:prstGeom>
+          <a:noFill/>
+        </p:spPr>
+        <p:txBody>
+          <a:bodyPr wrap="none" rtlCol="0">
+            <a:spAutoFit/>
+          </a:bodyPr>
+          <a:lstStyle/>
+          <a:p>
+            <a:pPr>
+              <a:defRPr/>
+            </a:pPr>
+            <a:r>
+              <a:rPr lang="en-US" sz="5400" b="1" dirty="0">
+                <a:solidFill>
+                  <a:prstClr val="white"/>
+                </a:solidFill>
+                <a:latin typeface="Poppins"/>
+              </a:rPr>
+              <a:t>RESPUESTA CORRECTA</a:t>
+            </a:r>
+            <a:endParaRPr lang="en-IN" sz="5400" b="1" dirty="0">
+              <a:solidFill>
+                <a:prstClr val="white"/>
+              </a:solidFill>
+              <a:latin typeface="Poppins"/>
+            </a:endParaRPr>
+          </a:p>
+        </p:txBody>
+      </p:sp>
+      <p:sp>
+        <p:nvSpPr>
+          <p:cNvPr id="3" name="Rectangle 2">
+            <a:hlinkClick r:id="" action="ppaction://hlinkshowjump?jump=nextslide"/>
+            <a:extLst>
+              <a:ext uri="{FF2B5EF4-FFF2-40B4-BE49-F238E27FC236}">
+                <a16:creationId xmlns:a16="http://schemas.microsoft.com/office/drawing/2014/main" id="{3E95FE85-01E9-48D9-93B4-B3632117840E}"/>
+              </a:ext>
+            </a:extLst>
+          </p:cNvPr>
+          <p:cNvSpPr/>
+          <p:nvPr/>
+        </p:nvSpPr>
+        <p:spPr>
+          <a:xfrm>
+            <a:off x="4837611" y="3688666"/>
+            <a:ext cx="2516777" cy="696648"/>
+          </a:xfrm>
+          <a:prstGeom prst="rect">
+            <a:avLst/>
+          </a:prstGeom>
+          <a:solidFill>
+            <a:schemeClr val="bg1"/>
+          </a:solidFill>
+          <a:ln>
+            <a:solidFill>
+              <a:schemeClr val="bg1">
+                <a:lumMod val="85000"/>
+              </a:schemeClr>
+            </a:solidFill>
+          </a:ln>
+          <a:effectLst>
+            <a:outerShdw blurRad="381000" dist="127000" dir="7080000" sx="94000" sy="94000" algn="t" rotWithShape="0">
+              <a:prstClr val="black">
+                <a:alpha val="16000"/>
+              </a:prstClr>
+            </a:outerShdw>
+          </a:effectLst>
+          <a:scene3d>
+            <a:camera prst="perspectiveFront"/>
+            <a:lightRig rig="threePt" dir="t"/>
+          </a:scene3d>
+        </p:spPr>
+        <p:style>
+          <a:lnRef idx="2">
+            <a:schemeClr val="accent1">
+              <a:shade val="50000"/>
+            </a:schemeClr>
+          </a:lnRef>
+          <a:fillRef idx="1">
+            <a:schemeClr val="accent1"/>
+          </a:fillRef>
+          <a:effectRef idx="0">
+            <a:schemeClr val="accent1"/>
+          </a:effectRef>
+          <a:fontRef idx="minor">
+            <a:schemeClr val="lt1"/>
+          </a:fontRef>
+        </p:style>
+        <p:txBody>
+          <a:bodyPr tIns="144000" bIns="90000" rtlCol="0" anchor="ctr"/>
+          <a:lstStyle/>
+          <a:p>
+            <a:pPr algn="ctr" defTabSz="685800">
+              <a:defRPr/>
+            </a:pPr>
+            <a:r>
+              <a:rPr lang="en-US" sz="2000" dirty="0" err="1">
+                <a:solidFill>
+                  <a:prstClr val="black"/>
+                </a:solidFill>
+                <a:latin typeface="Poppins SemiBold" panose="00000700000000000000" pitchFamily="2" charset="0"/>
+                <a:cs typeface="Poppins SemiBold" panose="00000700000000000000" pitchFamily="2" charset="0"/>
+              </a:rPr>
+              <a:t>Siguiente</a:t>
+            </a:r>
+            <a:endParaRPr lang="en-IN" sz="2000" dirty="0">
+              <a:solidFill>
+                <a:prstClr val="black"/>
+              </a:solidFill>
+              <a:latin typeface="Poppins SemiBold" panose="00000700000000000000" pitchFamily="2" charset="0"/>
+              <a:cs typeface="Poppins SemiBold" panose="00000700000000000000" pitchFamily="2" charset="0"/>
+            </a:endParaRPr>
+          </a:p>
+        </p:txBody>
+      </p:sp>
+    </p:spTree>
+    <p:extLst>
+      <p:ext uri="{BB962C8B-B14F-4D97-AF65-F5344CB8AC3E}">
+        <p14:creationId xmlns:p14="http://schemas.microsoft.com/office/powerpoint/2010/main" val="2882683068"/>
+      </p:ext>
+    </p:extLst>
+  </p:cSld>
+  <p:clrMapOvr>
+    <a:masterClrMapping/>
+  </p:clrMapOvr>
+</p:sld>
+</file>
+
+<file path=ppt/slides/slide17.xml><?xml version="1.0" encoding="utf-8"?>
+<p:sld xmlns:a="http://schemas.openxmlformats.org/drawingml/2006/main" xmlns:r="http://schemas.openxmlformats.org/officeDocument/2006/relationships" xmlns:p="http://schemas.openxmlformats.org/presentationml/2006/main">
+  <p:cSld>
+    <p:spTree>
+      <p:nvGrpSpPr>
+        <p:cNvPr id="1" name=""/>
+        <p:cNvGrpSpPr/>
+        <p:nvPr/>
+      </p:nvGrpSpPr>
+      <p:grpSpPr>
+        <a:xfrm>
+          <a:off x="0" y="0"/>
+          <a:ext cx="0" cy="0"/>
+          <a:chOff x="0" y="0"/>
+          <a:chExt cx="0" cy="0"/>
+        </a:xfrm>
+      </p:grpSpPr>
+      <p:sp>
+        <p:nvSpPr>
+          <p:cNvPr id="2" name="Rectangle 1">
+            <a:extLst>
+              <a:ext uri="{FF2B5EF4-FFF2-40B4-BE49-F238E27FC236}">
+                <a16:creationId xmlns:a16="http://schemas.microsoft.com/office/drawing/2014/main" id="{29228A24-4A1B-41B0-A802-CD51398332B9}"/>
+              </a:ext>
+            </a:extLst>
+          </p:cNvPr>
+          <p:cNvSpPr/>
+          <p:nvPr/>
+        </p:nvSpPr>
+        <p:spPr>
+          <a:xfrm>
+            <a:off x="1976846" y="435429"/>
+            <a:ext cx="8290560" cy="1898468"/>
+          </a:xfrm>
+          <a:prstGeom prst="rect">
+            <a:avLst/>
+          </a:prstGeom>
+          <a:solidFill>
+            <a:srgbClr val="FFFF00"/>
+          </a:solidFill>
+          <a:ln>
+            <a:solidFill>
+              <a:schemeClr val="bg1">
+                <a:lumMod val="85000"/>
+              </a:schemeClr>
+            </a:solidFill>
+          </a:ln>
+          <a:effectLst>
+            <a:outerShdw blurRad="381000" dist="127000" dir="7080000" sx="94000" sy="94000" algn="t" rotWithShape="0">
+              <a:prstClr val="black">
+                <a:alpha val="16000"/>
+              </a:prstClr>
+            </a:outerShdw>
+          </a:effectLst>
+          <a:scene3d>
+            <a:camera prst="perspectiveFront"/>
+            <a:lightRig rig="threePt" dir="t"/>
+          </a:scene3d>
+        </p:spPr>
+        <p:style>
+          <a:lnRef idx="2">
+            <a:schemeClr val="accent1">
+              <a:shade val="50000"/>
+            </a:schemeClr>
+          </a:lnRef>
+          <a:fillRef idx="1">
+            <a:schemeClr val="accent1"/>
+          </a:fillRef>
+          <a:effectRef idx="0">
+            <a:schemeClr val="accent1"/>
+          </a:effectRef>
+          <a:fontRef idx="minor">
+            <a:schemeClr val="lt1"/>
+          </a:fontRef>
+        </p:style>
+        <p:txBody>
+          <a:bodyPr tIns="144000" bIns="90000" rtlCol="0" anchor="ctr"/>
+          <a:lstStyle/>
+          <a:p>
+            <a:pPr algn="ctr" defTabSz="685800">
+              <a:defRPr/>
+            </a:pPr>
+            <a:r>
+              <a:rPr lang="en-US" sz="3200" dirty="0">
+                <a:solidFill>
+                  <a:prstClr val="black"/>
+                </a:solidFill>
+                <a:latin typeface="Poppins SemiBold" panose="00000700000000000000" pitchFamily="2" charset="0"/>
+                <a:cs typeface="Poppins SemiBold" panose="00000700000000000000" pitchFamily="2" charset="0"/>
+              </a:rPr>
+              <a:t>8. </a:t>
+            </a:r>
+            <a:r>
+              <a:rPr lang="es-ES" sz="3200" b="0" i="0" dirty="0">
+                <a:solidFill>
+                  <a:srgbClr val="000000"/>
+                </a:solidFill>
+                <a:effectLst/>
+                <a:latin typeface="Segoe UI" panose="020B0502040204020203" pitchFamily="34" charset="0"/>
+              </a:rPr>
+              <a:t>¿Cuál es el rol de </a:t>
+            </a:r>
+            <a:r>
+              <a:rPr lang="es-ES" sz="3200" b="0" i="0" dirty="0" err="1">
+                <a:solidFill>
+                  <a:srgbClr val="000000"/>
+                </a:solidFill>
+                <a:effectLst/>
+                <a:latin typeface="Segoe UI" panose="020B0502040204020203" pitchFamily="34" charset="0"/>
+              </a:rPr>
+              <a:t>AssemblyLoadContext</a:t>
+            </a:r>
+            <a:r>
+              <a:rPr lang="es-ES" sz="3200" b="0" i="0" dirty="0">
+                <a:solidFill>
+                  <a:srgbClr val="000000"/>
+                </a:solidFill>
+                <a:effectLst/>
+                <a:latin typeface="Segoe UI" panose="020B0502040204020203" pitchFamily="34" charset="0"/>
+              </a:rPr>
+              <a:t> en el desarrollo “IOC </a:t>
+            </a:r>
+            <a:r>
+              <a:rPr lang="es-ES" sz="3200" b="0" i="0" dirty="0" err="1">
+                <a:solidFill>
+                  <a:srgbClr val="000000"/>
+                </a:solidFill>
+                <a:effectLst/>
+                <a:latin typeface="Segoe UI" panose="020B0502040204020203" pitchFamily="34" charset="0"/>
+              </a:rPr>
+              <a:t>with</a:t>
+            </a:r>
+            <a:r>
+              <a:rPr lang="es-ES" sz="3200" b="0" i="0" dirty="0">
+                <a:solidFill>
+                  <a:srgbClr val="000000"/>
+                </a:solidFill>
+                <a:effectLst/>
+                <a:latin typeface="Segoe UI" panose="020B0502040204020203" pitchFamily="34" charset="0"/>
+              </a:rPr>
+              <a:t> Hot </a:t>
+            </a:r>
+            <a:r>
+              <a:rPr lang="es-ES" sz="3200" b="0" i="0" dirty="0" err="1">
+                <a:solidFill>
+                  <a:srgbClr val="000000"/>
+                </a:solidFill>
+                <a:effectLst/>
+                <a:latin typeface="Segoe UI" panose="020B0502040204020203" pitchFamily="34" charset="0"/>
+              </a:rPr>
+              <a:t>Reload</a:t>
+            </a:r>
+            <a:r>
+              <a:rPr lang="es-ES" sz="3200" b="0" i="0" dirty="0">
+                <a:solidFill>
+                  <a:srgbClr val="000000"/>
+                </a:solidFill>
+                <a:effectLst/>
+                <a:latin typeface="Segoe UI" panose="020B0502040204020203" pitchFamily="34" charset="0"/>
+              </a:rPr>
+              <a:t>”?</a:t>
+            </a:r>
+            <a:endParaRPr lang="en-IN" sz="3200" dirty="0">
+              <a:solidFill>
+                <a:prstClr val="black"/>
+              </a:solidFill>
+              <a:latin typeface="Poppins SemiBold" panose="00000700000000000000" pitchFamily="2" charset="0"/>
+              <a:cs typeface="Poppins SemiBold" panose="00000700000000000000" pitchFamily="2" charset="0"/>
+            </a:endParaRPr>
+          </a:p>
+        </p:txBody>
+      </p:sp>
+      <p:sp>
+        <p:nvSpPr>
+          <p:cNvPr id="3" name="Rectangle 2">
+            <a:hlinkClick r:id="rId3" action="ppaction://hlinksldjump">
+              <a:snd r:embed="rId4" name="WrongAnswerSFX.wav"/>
             </a:hlinkClick>
             <a:extLst>
               <a:ext uri="{FF2B5EF4-FFF2-40B4-BE49-F238E27FC236}">
-                <a16:creationId xmlns:a16="http://schemas.microsoft.com/office/drawing/2014/main" id="{11A411AB-3628-4BD3-8F92-E851842AEEC9}"/>
+                <a16:creationId xmlns:a16="http://schemas.microsoft.com/office/drawing/2014/main" id="{93EB3632-12C3-41FB-861E-57B9D53BBF65}"/>
               </a:ext>
             </a:extLst>
           </p:cNvPr>
@@ -5178,26 +7047,194 @@
           <a:bodyPr tIns="144000" bIns="90000" rtlCol="0" anchor="ctr"/>
           <a:lstStyle/>
           <a:p>
+            <a:pPr algn="ctr" defTabSz="685800">
+              <a:defRPr/>
+            </a:pPr>
+            <a:r>
+              <a:rPr lang="es-ES" sz="2000" b="0" i="0" dirty="0">
+                <a:solidFill>
+                  <a:srgbClr val="000000"/>
+                </a:solidFill>
+                <a:effectLst/>
+                <a:latin typeface="Segoe UI" panose="020B0502040204020203" pitchFamily="34" charset="0"/>
+              </a:rPr>
+              <a:t>Para poder cargar múltiples versiones de un mismo </a:t>
+            </a:r>
+            <a:r>
+              <a:rPr lang="es-ES" sz="2000" b="0" i="0" dirty="0" err="1">
+                <a:solidFill>
+                  <a:srgbClr val="000000"/>
+                </a:solidFill>
+                <a:effectLst/>
+                <a:latin typeface="Segoe UI" panose="020B0502040204020203" pitchFamily="34" charset="0"/>
+              </a:rPr>
+              <a:t>assembly</a:t>
+            </a:r>
+            <a:r>
+              <a:rPr lang="es-ES" sz="2000" b="0" i="0" dirty="0">
+                <a:solidFill>
+                  <a:srgbClr val="000000"/>
+                </a:solidFill>
+                <a:effectLst/>
+                <a:latin typeface="Segoe UI" panose="020B0502040204020203" pitchFamily="34" charset="0"/>
+              </a:rPr>
+              <a:t> simultáneamente</a:t>
+            </a:r>
+            <a:endParaRPr lang="en-IN" sz="2000" dirty="0">
+              <a:solidFill>
+                <a:prstClr val="black"/>
+              </a:solidFill>
+              <a:latin typeface="Poppins SemiBold" panose="00000700000000000000" pitchFamily="2" charset="0"/>
+              <a:cs typeface="Poppins SemiBold" panose="00000700000000000000" pitchFamily="2" charset="0"/>
+            </a:endParaRPr>
+          </a:p>
+        </p:txBody>
+      </p:sp>
+      <p:sp>
+        <p:nvSpPr>
+          <p:cNvPr id="5" name="Rectangle 4">
+            <a:hlinkClick r:id="" action="ppaction://hlinkshowjump?jump=nextslide">
+              <a:snd r:embed="rId5" name="CorrectAnswerSFX.wav"/>
+            </a:hlinkClick>
+            <a:extLst>
+              <a:ext uri="{FF2B5EF4-FFF2-40B4-BE49-F238E27FC236}">
+                <a16:creationId xmlns:a16="http://schemas.microsoft.com/office/drawing/2014/main" id="{11A411AB-3628-4BD3-8F92-E851842AEEC9}"/>
+              </a:ext>
+            </a:extLst>
+          </p:cNvPr>
+          <p:cNvSpPr/>
+          <p:nvPr/>
+        </p:nvSpPr>
+        <p:spPr>
+          <a:xfrm>
+            <a:off x="6296298" y="2612571"/>
+            <a:ext cx="3971108" cy="1236618"/>
+          </a:xfrm>
+          <a:prstGeom prst="rect">
+            <a:avLst/>
+          </a:prstGeom>
+          <a:solidFill>
+            <a:schemeClr val="bg1"/>
+          </a:solidFill>
+          <a:ln>
+            <a:solidFill>
+              <a:schemeClr val="bg1">
+                <a:lumMod val="85000"/>
+              </a:schemeClr>
+            </a:solidFill>
+          </a:ln>
+          <a:effectLst>
+            <a:outerShdw blurRad="381000" dist="127000" dir="7080000" sx="94000" sy="94000" algn="t" rotWithShape="0">
+              <a:prstClr val="black">
+                <a:alpha val="16000"/>
+              </a:prstClr>
+            </a:outerShdw>
+          </a:effectLst>
+          <a:scene3d>
+            <a:camera prst="perspectiveFront"/>
+            <a:lightRig rig="threePt" dir="t"/>
+          </a:scene3d>
+        </p:spPr>
+        <p:style>
+          <a:lnRef idx="2">
+            <a:schemeClr val="accent1">
+              <a:shade val="50000"/>
+            </a:schemeClr>
+          </a:lnRef>
+          <a:fillRef idx="1">
+            <a:schemeClr val="accent1"/>
+          </a:fillRef>
+          <a:effectRef idx="0">
+            <a:schemeClr val="accent1"/>
+          </a:effectRef>
+          <a:fontRef idx="minor">
+            <a:schemeClr val="lt1"/>
+          </a:fontRef>
+        </p:style>
+        <p:txBody>
+          <a:bodyPr tIns="144000" bIns="90000" rtlCol="0" anchor="ctr"/>
+          <a:lstStyle/>
+          <a:p>
             <a:pPr algn="ctr" defTabSz="685800"/>
             <a:r>
-              <a:rPr lang="en-US" sz="2000" dirty="0">
-                <a:solidFill>
-                  <a:schemeClr val="tx1"/>
-                </a:solidFill>
-                <a:latin typeface="Poppins SemiBold" panose="00000700000000000000" pitchFamily="2" charset="0"/>
-                <a:cs typeface="Poppins SemiBold" panose="00000700000000000000" pitchFamily="2" charset="0"/>
-              </a:rPr>
-              <a:t>Respuesta </a:t>
-            </a:r>
-            <a:r>
-              <a:rPr lang="en-US" sz="2000" dirty="0" err="1">
-                <a:solidFill>
-                  <a:schemeClr val="tx1"/>
-                </a:solidFill>
-                <a:latin typeface="Poppins SemiBold" panose="00000700000000000000" pitchFamily="2" charset="0"/>
-                <a:cs typeface="Poppins SemiBold" panose="00000700000000000000" pitchFamily="2" charset="0"/>
-              </a:rPr>
-              <a:t>Correcta</a:t>
+              <a:rPr lang="en-US" sz="2000" b="0" i="0" dirty="0">
+                <a:solidFill>
+                  <a:srgbClr val="000000"/>
+                </a:solidFill>
+                <a:effectLst/>
+                <a:latin typeface="Segoe UI" panose="020B0502040204020203" pitchFamily="34" charset="0"/>
+              </a:rPr>
+              <a:t>Para </a:t>
+            </a:r>
+            <a:r>
+              <a:rPr lang="en-US" sz="2000" b="0" i="0" dirty="0" err="1">
+                <a:solidFill>
+                  <a:srgbClr val="000000"/>
+                </a:solidFill>
+                <a:effectLst/>
+                <a:latin typeface="Segoe UI" panose="020B0502040204020203" pitchFamily="34" charset="0"/>
+              </a:rPr>
+              <a:t>echar</a:t>
+            </a:r>
+            <a:r>
+              <a:rPr lang="en-US" sz="2000" b="0" i="0" dirty="0">
+                <a:solidFill>
+                  <a:srgbClr val="000000"/>
+                </a:solidFill>
+                <a:effectLst/>
+                <a:latin typeface="Segoe UI" panose="020B0502040204020203" pitchFamily="34" charset="0"/>
+              </a:rPr>
+              <a:t> de </a:t>
+            </a:r>
+            <a:r>
+              <a:rPr lang="en-US" sz="2000" b="0" i="0" dirty="0" err="1">
+                <a:solidFill>
+                  <a:srgbClr val="000000"/>
+                </a:solidFill>
+                <a:effectLst/>
+                <a:latin typeface="Segoe UI" panose="020B0502040204020203" pitchFamily="34" charset="0"/>
+              </a:rPr>
+              <a:t>memoria</a:t>
+            </a:r>
+            <a:r>
+              <a:rPr lang="en-US" sz="2000" b="0" i="0" dirty="0">
+                <a:solidFill>
+                  <a:srgbClr val="000000"/>
+                </a:solidFill>
+                <a:effectLst/>
+                <a:latin typeface="Segoe UI" panose="020B0502040204020203" pitchFamily="34" charset="0"/>
+              </a:rPr>
+              <a:t> un assembly </a:t>
+            </a:r>
+            <a:r>
+              <a:rPr lang="en-US" sz="2000" b="0" i="0" dirty="0" err="1">
+                <a:solidFill>
+                  <a:srgbClr val="000000"/>
+                </a:solidFill>
+                <a:effectLst/>
+                <a:latin typeface="Segoe UI" panose="020B0502040204020203" pitchFamily="34" charset="0"/>
+              </a:rPr>
+              <a:t>cargado</a:t>
+            </a:r>
+            <a:r>
+              <a:rPr lang="en-US" sz="2000" b="0" i="0" dirty="0">
+                <a:solidFill>
+                  <a:srgbClr val="000000"/>
+                </a:solidFill>
+                <a:effectLst/>
+                <a:latin typeface="Segoe UI" panose="020B0502040204020203" pitchFamily="34" charset="0"/>
+              </a:rPr>
+              <a:t> </a:t>
+            </a:r>
+            <a:r>
+              <a:rPr lang="en-US" sz="2000" b="0" i="0" dirty="0" err="1">
+                <a:solidFill>
+                  <a:srgbClr val="000000"/>
+                </a:solidFill>
+                <a:effectLst/>
+                <a:latin typeface="Segoe UI" panose="020B0502040204020203" pitchFamily="34" charset="0"/>
+              </a:rPr>
+              <a:t>dinámicamente</a:t>
             </a:r>
             <a:endParaRPr lang="en-IN" sz="2000" dirty="0">
               <a:solidFill>
@@ -5212,7 +7249,7 @@
     </p:spTree>
     <p:extLst>
       <p:ext uri="{BB962C8B-B14F-4D97-AF65-F5344CB8AC3E}">
-        <p14:creationId xmlns:p14="http://schemas.microsoft.com/office/powerpoint/2010/main" val="4174624333"/>
+        <p14:creationId xmlns:p14="http://schemas.microsoft.com/office/powerpoint/2010/main" val="2606581934"/>
       </p:ext>
     </p:extLst>
   </p:cSld>
@@ -5222,7 +7259,7 @@
 </p:sld>
 </file>
 
-<file path=ppt/slides/slide16.xml><?xml version="1.0" encoding="utf-8"?>
+<file path=ppt/slides/slide18.xml><?xml version="1.0" encoding="utf-8"?>
 <p:sld xmlns:a="http://schemas.openxmlformats.org/drawingml/2006/main" xmlns:r="http://schemas.openxmlformats.org/officeDocument/2006/relationships" xmlns:p="http://schemas.openxmlformats.org/presentationml/2006/main">
   <p:cSld>
     <p:bg>
@@ -5385,7 +7422,7 @@
     </p:spTree>
     <p:extLst>
       <p:ext uri="{BB962C8B-B14F-4D97-AF65-F5344CB8AC3E}">
-        <p14:creationId xmlns:p14="http://schemas.microsoft.com/office/powerpoint/2010/main" val="2882683068"/>
+        <p14:creationId xmlns:p14="http://schemas.microsoft.com/office/powerpoint/2010/main" val="636361162"/>
       </p:ext>
     </p:extLst>
   </p:cSld>
@@ -5395,7 +7432,7 @@
 </p:sld>
 </file>
 
-<file path=ppt/slides/slide17.xml><?xml version="1.0" encoding="utf-8"?>
+<file path=ppt/slides/slide19.xml><?xml version="1.0" encoding="utf-8"?>
 <p:sld xmlns:a="http://schemas.openxmlformats.org/drawingml/2006/main" xmlns:r="http://schemas.openxmlformats.org/officeDocument/2006/relationships" xmlns:p="http://schemas.openxmlformats.org/presentationml/2006/main">
   <p:cSld>
     <p:spTree>
@@ -5483,17 +7520,37 @@
                 <a:latin typeface="Poppins SemiBold" panose="00000700000000000000" pitchFamily="2" charset="0"/>
                 <a:cs typeface="Poppins SemiBold" panose="00000700000000000000" pitchFamily="2" charset="0"/>
               </a:rPr>
-              <a:t>8. </a:t>
-            </a:r>
-            <a:r>
-              <a:rPr lang="en-US" sz="3200" dirty="0" err="1">
-                <a:solidFill>
-                  <a:prstClr val="black"/>
-                </a:solidFill>
-                <a:latin typeface="Poppins SemiBold" panose="00000700000000000000" pitchFamily="2" charset="0"/>
-                <a:cs typeface="Poppins SemiBold" panose="00000700000000000000" pitchFamily="2" charset="0"/>
-              </a:rPr>
-              <a:t>Pregunta</a:t>
+              <a:t>9. </a:t>
+            </a:r>
+            <a:r>
+              <a:rPr lang="es-ES" sz="2800" b="0" i="0" dirty="0">
+                <a:solidFill>
+                  <a:srgbClr val="000000"/>
+                </a:solidFill>
+                <a:effectLst/>
+                <a:latin typeface="Calibri" panose="020F0502020204030204" pitchFamily="34" charset="0"/>
+              </a:rPr>
+              <a:t>Si añadimos un equipo a Intune vía </a:t>
+            </a:r>
+            <a:r>
+              <a:rPr lang="es-ES" sz="2800" b="0" i="0" dirty="0" err="1">
+                <a:solidFill>
+                  <a:srgbClr val="000000"/>
+                </a:solidFill>
+                <a:effectLst/>
+                <a:latin typeface="Calibri" panose="020F0502020204030204" pitchFamily="34" charset="0"/>
+              </a:rPr>
+              <a:t>Autopilot</a:t>
+            </a:r>
+            <a:r>
+              <a:rPr lang="es-ES" sz="2800" b="0" i="0" dirty="0">
+                <a:solidFill>
+                  <a:srgbClr val="000000"/>
+                </a:solidFill>
+                <a:effectLst/>
+                <a:latin typeface="Calibri" panose="020F0502020204030204" pitchFamily="34" charset="0"/>
+              </a:rPr>
+              <a:t>, los administradores locales de las máquinas desaparecen</a:t>
             </a:r>
             <a:endParaRPr lang="en-IN" sz="3200" dirty="0">
               <a:solidFill>
@@ -5508,8 +7565,8 @@
       <p:sp>
         <p:nvSpPr>
           <p:cNvPr id="3" name="Rectangle 2">
-            <a:hlinkClick r:id="rId2" action="ppaction://hlinksldjump">
-              <a:snd r:embed="rId3" name="WrongAnswerSFX.wav"/>
+            <a:hlinkClick r:id="rId3" action="ppaction://hlinksldjump">
+              <a:snd r:embed="rId4" name="WrongAnswerSFX.wav"/>
             </a:hlinkClick>
             <a:extLst>
               <a:ext uri="{FF2B5EF4-FFF2-40B4-BE49-F238E27FC236}">
@@ -5572,16 +7629,16 @@
           <a:p>
             <a:pPr algn="ctr" defTabSz="685800"/>
             <a:r>
-              <a:rPr lang="en-US" sz="2000" dirty="0">
-                <a:solidFill>
-                  <a:schemeClr val="tx1"/>
-                </a:solidFill>
-                <a:latin typeface="Poppins SemiBold" panose="00000700000000000000" pitchFamily="2" charset="0"/>
-                <a:cs typeface="Poppins SemiBold" panose="00000700000000000000" pitchFamily="2" charset="0"/>
-              </a:rPr>
-              <a:t>Incorrect Answer</a:t>
-            </a:r>
-            <a:endParaRPr lang="en-IN" sz="2000" dirty="0">
+              <a:rPr lang="es-ES" b="0" i="0" dirty="0">
+                <a:solidFill>
+                  <a:srgbClr val="000000"/>
+                </a:solidFill>
+                <a:effectLst/>
+                <a:latin typeface="Calibri" panose="020F0502020204030204" pitchFamily="34" charset="0"/>
+              </a:rPr>
+              <a:t>Correcto, y tenemos que realizar las acciones que requieran elevación de privilegios con el administrador de Intune</a:t>
+            </a:r>
+            <a:endParaRPr lang="en-IN" dirty="0">
               <a:solidFill>
                 <a:schemeClr val="tx1"/>
               </a:solidFill>
@@ -5595,7 +7652,7 @@
         <p:nvSpPr>
           <p:cNvPr id="5" name="Rectangle 4">
             <a:hlinkClick r:id="" action="ppaction://hlinkshowjump?jump=nextslide">
-              <a:snd r:embed="rId4" name="CorrectAnswerSFX.wav"/>
+              <a:snd r:embed="rId5" name="CorrectAnswerSFX.wav"/>
             </a:hlinkClick>
             <a:extLst>
               <a:ext uri="{FF2B5EF4-FFF2-40B4-BE49-F238E27FC236}">
@@ -5658,504 +7715,16 @@
           <a:p>
             <a:pPr algn="ctr" defTabSz="685800"/>
             <a:r>
-              <a:rPr lang="en-US" sz="2000" dirty="0">
-                <a:solidFill>
-                  <a:schemeClr val="tx1"/>
-                </a:solidFill>
-                <a:latin typeface="Poppins SemiBold" panose="00000700000000000000" pitchFamily="2" charset="0"/>
-                <a:cs typeface="Poppins SemiBold" panose="00000700000000000000" pitchFamily="2" charset="0"/>
-              </a:rPr>
-              <a:t>Respuesta </a:t>
-            </a:r>
-            <a:r>
-              <a:rPr lang="en-US" sz="2000" dirty="0" err="1">
-                <a:solidFill>
-                  <a:schemeClr val="tx1"/>
-                </a:solidFill>
-                <a:latin typeface="Poppins SemiBold" panose="00000700000000000000" pitchFamily="2" charset="0"/>
-                <a:cs typeface="Poppins SemiBold" panose="00000700000000000000" pitchFamily="2" charset="0"/>
-              </a:rPr>
-              <a:t>Correcta</a:t>
-            </a:r>
-            <a:endParaRPr lang="en-IN" sz="2000" dirty="0">
-              <a:solidFill>
-                <a:schemeClr val="tx1"/>
-              </a:solidFill>
-              <a:latin typeface="Poppins SemiBold" panose="00000700000000000000" pitchFamily="2" charset="0"/>
-              <a:cs typeface="Poppins SemiBold" panose="00000700000000000000" pitchFamily="2" charset="0"/>
-            </a:endParaRPr>
-          </a:p>
-        </p:txBody>
-      </p:sp>
-    </p:spTree>
-    <p:extLst>
-      <p:ext uri="{BB962C8B-B14F-4D97-AF65-F5344CB8AC3E}">
-        <p14:creationId xmlns:p14="http://schemas.microsoft.com/office/powerpoint/2010/main" val="568926570"/>
-      </p:ext>
-    </p:extLst>
-  </p:cSld>
-  <p:clrMapOvr>
-    <a:masterClrMapping/>
-  </p:clrMapOvr>
-</p:sld>
-</file>
-
-<file path=ppt/slides/slide18.xml><?xml version="1.0" encoding="utf-8"?>
-<p:sld xmlns:a="http://schemas.openxmlformats.org/drawingml/2006/main" xmlns:r="http://schemas.openxmlformats.org/officeDocument/2006/relationships" xmlns:p="http://schemas.openxmlformats.org/presentationml/2006/main">
-  <p:cSld>
-    <p:bg>
-      <p:bgPr>
-        <a:solidFill>
-          <a:srgbClr val="00B050"/>
-        </a:solidFill>
-        <a:effectLst/>
-      </p:bgPr>
-    </p:bg>
-    <p:spTree>
-      <p:nvGrpSpPr>
-        <p:cNvPr id="1" name=""/>
-        <p:cNvGrpSpPr/>
-        <p:nvPr/>
-      </p:nvGrpSpPr>
-      <p:grpSpPr>
-        <a:xfrm>
-          <a:off x="0" y="0"/>
-          <a:ext cx="0" cy="0"/>
-          <a:chOff x="0" y="0"/>
-          <a:chExt cx="0" cy="0"/>
-        </a:xfrm>
-      </p:grpSpPr>
-      <p:sp>
-        <p:nvSpPr>
-          <p:cNvPr id="2" name="TextBox 1">
-            <a:extLst>
-              <a:ext uri="{FF2B5EF4-FFF2-40B4-BE49-F238E27FC236}">
-                <a16:creationId xmlns:a16="http://schemas.microsoft.com/office/drawing/2014/main" id="{60075EE3-328C-49EE-B897-556D339C339C}"/>
-              </a:ext>
-            </a:extLst>
-          </p:cNvPr>
-          <p:cNvSpPr txBox="1"/>
-          <p:nvPr/>
-        </p:nvSpPr>
-        <p:spPr>
-          <a:xfrm>
-            <a:off x="2083523" y="1549357"/>
-            <a:ext cx="8024954" cy="923330"/>
-          </a:xfrm>
-          <a:prstGeom prst="rect">
-            <a:avLst/>
-          </a:prstGeom>
-          <a:noFill/>
-        </p:spPr>
-        <p:txBody>
-          <a:bodyPr wrap="none" rtlCol="0">
-            <a:spAutoFit/>
-          </a:bodyPr>
-          <a:lstStyle/>
-          <a:p>
-            <a:pPr>
-              <a:defRPr/>
-            </a:pPr>
-            <a:r>
-              <a:rPr lang="en-US" sz="5400" b="1" dirty="0">
-                <a:solidFill>
-                  <a:prstClr val="white"/>
-                </a:solidFill>
-                <a:latin typeface="Poppins"/>
-              </a:rPr>
-              <a:t>RESPUESTA CORRECTA</a:t>
-            </a:r>
-            <a:endParaRPr lang="en-IN" sz="5400" b="1" dirty="0">
-              <a:solidFill>
-                <a:prstClr val="white"/>
-              </a:solidFill>
-              <a:latin typeface="Poppins"/>
-            </a:endParaRPr>
-          </a:p>
-        </p:txBody>
-      </p:sp>
-      <p:sp>
-        <p:nvSpPr>
-          <p:cNvPr id="3" name="Rectangle 2">
-            <a:hlinkClick r:id="" action="ppaction://hlinkshowjump?jump=nextslide"/>
-            <a:extLst>
-              <a:ext uri="{FF2B5EF4-FFF2-40B4-BE49-F238E27FC236}">
-                <a16:creationId xmlns:a16="http://schemas.microsoft.com/office/drawing/2014/main" id="{3E95FE85-01E9-48D9-93B4-B3632117840E}"/>
-              </a:ext>
-            </a:extLst>
-          </p:cNvPr>
-          <p:cNvSpPr/>
-          <p:nvPr/>
-        </p:nvSpPr>
-        <p:spPr>
-          <a:xfrm>
-            <a:off x="4837611" y="3688666"/>
-            <a:ext cx="2516777" cy="696648"/>
-          </a:xfrm>
-          <a:prstGeom prst="rect">
-            <a:avLst/>
-          </a:prstGeom>
-          <a:solidFill>
-            <a:schemeClr val="bg1"/>
-          </a:solidFill>
-          <a:ln>
-            <a:solidFill>
-              <a:schemeClr val="bg1">
-                <a:lumMod val="85000"/>
-              </a:schemeClr>
-            </a:solidFill>
-          </a:ln>
-          <a:effectLst>
-            <a:outerShdw blurRad="381000" dist="127000" dir="7080000" sx="94000" sy="94000" algn="t" rotWithShape="0">
-              <a:prstClr val="black">
-                <a:alpha val="16000"/>
-              </a:prstClr>
-            </a:outerShdw>
-          </a:effectLst>
-          <a:scene3d>
-            <a:camera prst="perspectiveFront"/>
-            <a:lightRig rig="threePt" dir="t"/>
-          </a:scene3d>
-        </p:spPr>
-        <p:style>
-          <a:lnRef idx="2">
-            <a:schemeClr val="accent1">
-              <a:shade val="50000"/>
-            </a:schemeClr>
-          </a:lnRef>
-          <a:fillRef idx="1">
-            <a:schemeClr val="accent1"/>
-          </a:fillRef>
-          <a:effectRef idx="0">
-            <a:schemeClr val="accent1"/>
-          </a:effectRef>
-          <a:fontRef idx="minor">
-            <a:schemeClr val="lt1"/>
-          </a:fontRef>
-        </p:style>
-        <p:txBody>
-          <a:bodyPr tIns="144000" bIns="90000" rtlCol="0" anchor="ctr"/>
-          <a:lstStyle/>
-          <a:p>
-            <a:pPr algn="ctr" defTabSz="685800">
-              <a:defRPr/>
-            </a:pPr>
-            <a:r>
-              <a:rPr lang="en-US" sz="2000" dirty="0" err="1">
-                <a:solidFill>
-                  <a:prstClr val="black"/>
-                </a:solidFill>
-                <a:latin typeface="Poppins SemiBold" panose="00000700000000000000" pitchFamily="2" charset="0"/>
-                <a:cs typeface="Poppins SemiBold" panose="00000700000000000000" pitchFamily="2" charset="0"/>
-              </a:rPr>
-              <a:t>Siguiente</a:t>
-            </a:r>
-            <a:endParaRPr lang="en-IN" sz="2000" dirty="0">
-              <a:solidFill>
-                <a:prstClr val="black"/>
-              </a:solidFill>
-              <a:latin typeface="Poppins SemiBold" panose="00000700000000000000" pitchFamily="2" charset="0"/>
-              <a:cs typeface="Poppins SemiBold" panose="00000700000000000000" pitchFamily="2" charset="0"/>
-            </a:endParaRPr>
-          </a:p>
-        </p:txBody>
-      </p:sp>
-    </p:spTree>
-    <p:extLst>
-      <p:ext uri="{BB962C8B-B14F-4D97-AF65-F5344CB8AC3E}">
-        <p14:creationId xmlns:p14="http://schemas.microsoft.com/office/powerpoint/2010/main" val="636361162"/>
-      </p:ext>
-    </p:extLst>
-  </p:cSld>
-  <p:clrMapOvr>
-    <a:masterClrMapping/>
-  </p:clrMapOvr>
-</p:sld>
-</file>
-
-<file path=ppt/slides/slide19.xml><?xml version="1.0" encoding="utf-8"?>
-<p:sld xmlns:a="http://schemas.openxmlformats.org/drawingml/2006/main" xmlns:r="http://schemas.openxmlformats.org/officeDocument/2006/relationships" xmlns:p="http://schemas.openxmlformats.org/presentationml/2006/main">
-  <p:cSld>
-    <p:spTree>
-      <p:nvGrpSpPr>
-        <p:cNvPr id="1" name=""/>
-        <p:cNvGrpSpPr/>
-        <p:nvPr/>
-      </p:nvGrpSpPr>
-      <p:grpSpPr>
-        <a:xfrm>
-          <a:off x="0" y="0"/>
-          <a:ext cx="0" cy="0"/>
-          <a:chOff x="0" y="0"/>
-          <a:chExt cx="0" cy="0"/>
-        </a:xfrm>
-      </p:grpSpPr>
-      <p:sp>
-        <p:nvSpPr>
-          <p:cNvPr id="2" name="Rectangle 1">
-            <a:extLst>
-              <a:ext uri="{FF2B5EF4-FFF2-40B4-BE49-F238E27FC236}">
-                <a16:creationId xmlns:a16="http://schemas.microsoft.com/office/drawing/2014/main" id="{29228A24-4A1B-41B0-A802-CD51398332B9}"/>
-              </a:ext>
-            </a:extLst>
-          </p:cNvPr>
-          <p:cNvSpPr/>
-          <p:nvPr/>
-        </p:nvSpPr>
-        <p:spPr>
-          <a:xfrm>
-            <a:off x="1976846" y="435429"/>
-            <a:ext cx="8290560" cy="1898468"/>
-          </a:xfrm>
-          <a:prstGeom prst="rect">
-            <a:avLst/>
-          </a:prstGeom>
-          <a:solidFill>
-            <a:srgbClr val="FFFF00"/>
-          </a:solidFill>
-          <a:ln>
-            <a:solidFill>
-              <a:schemeClr val="bg1">
-                <a:lumMod val="85000"/>
-              </a:schemeClr>
-            </a:solidFill>
-          </a:ln>
-          <a:effectLst>
-            <a:outerShdw blurRad="381000" dist="127000" dir="7080000" sx="94000" sy="94000" algn="t" rotWithShape="0">
-              <a:prstClr val="black">
-                <a:alpha val="16000"/>
-              </a:prstClr>
-            </a:outerShdw>
-          </a:effectLst>
-          <a:scene3d>
-            <a:camera prst="perspectiveFront"/>
-            <a:lightRig rig="threePt" dir="t"/>
-          </a:scene3d>
-        </p:spPr>
-        <p:style>
-          <a:lnRef idx="2">
-            <a:schemeClr val="accent1">
-              <a:shade val="50000"/>
-            </a:schemeClr>
-          </a:lnRef>
-          <a:fillRef idx="1">
-            <a:schemeClr val="accent1"/>
-          </a:fillRef>
-          <a:effectRef idx="0">
-            <a:schemeClr val="accent1"/>
-          </a:effectRef>
-          <a:fontRef idx="minor">
-            <a:schemeClr val="lt1"/>
-          </a:fontRef>
-        </p:style>
-        <p:txBody>
-          <a:bodyPr tIns="144000" bIns="90000" rtlCol="0" anchor="ctr"/>
-          <a:lstStyle/>
-          <a:p>
-            <a:pPr algn="ctr" defTabSz="685800"/>
-            <a:r>
-              <a:rPr lang="en-US" sz="3200" dirty="0">
-                <a:solidFill>
-                  <a:schemeClr val="tx1"/>
-                </a:solidFill>
-                <a:latin typeface="Poppins SemiBold" panose="00000700000000000000" pitchFamily="2" charset="0"/>
-                <a:cs typeface="Poppins SemiBold" panose="00000700000000000000" pitchFamily="2" charset="0"/>
-              </a:rPr>
-              <a:t>9. </a:t>
-            </a:r>
-            <a:r>
-              <a:rPr lang="en-US" sz="3200" dirty="0" err="1">
-                <a:solidFill>
-                  <a:prstClr val="black"/>
-                </a:solidFill>
-                <a:latin typeface="Poppins SemiBold" panose="00000700000000000000" pitchFamily="2" charset="0"/>
-                <a:cs typeface="Poppins SemiBold" panose="00000700000000000000" pitchFamily="2" charset="0"/>
-              </a:rPr>
-              <a:t>Pregunta</a:t>
-            </a:r>
-            <a:endParaRPr lang="en-IN" sz="3200" dirty="0">
-              <a:solidFill>
-                <a:schemeClr val="tx1"/>
-              </a:solidFill>
-              <a:latin typeface="Poppins SemiBold" panose="00000700000000000000" pitchFamily="2" charset="0"/>
-              <a:cs typeface="Poppins SemiBold" panose="00000700000000000000" pitchFamily="2" charset="0"/>
-            </a:endParaRPr>
-          </a:p>
-        </p:txBody>
-      </p:sp>
-      <p:sp>
-        <p:nvSpPr>
-          <p:cNvPr id="3" name="Rectangle 2">
-            <a:hlinkClick r:id="rId2" action="ppaction://hlinksldjump">
-              <a:snd r:embed="rId3" name="WrongAnswerSFX.wav"/>
-            </a:hlinkClick>
-            <a:extLst>
-              <a:ext uri="{FF2B5EF4-FFF2-40B4-BE49-F238E27FC236}">
-                <a16:creationId xmlns:a16="http://schemas.microsoft.com/office/drawing/2014/main" id="{93EB3632-12C3-41FB-861E-57B9D53BBF65}"/>
-              </a:ext>
-            </a:extLst>
-          </p:cNvPr>
-          <p:cNvSpPr/>
-          <p:nvPr/>
-        </p:nvSpPr>
-        <p:spPr>
-          <a:xfrm>
-            <a:off x="6296298" y="2612571"/>
-            <a:ext cx="3971108" cy="1236618"/>
-          </a:xfrm>
-          <a:prstGeom prst="rect">
-            <a:avLst/>
-          </a:prstGeom>
-          <a:solidFill>
-            <a:schemeClr val="bg1"/>
-          </a:solidFill>
-          <a:ln>
-            <a:solidFill>
-              <a:schemeClr val="bg1">
-                <a:lumMod val="85000"/>
-              </a:schemeClr>
-            </a:solidFill>
-          </a:ln>
-          <a:effectLst>
-            <a:outerShdw blurRad="381000" dist="127000" dir="7080000" sx="94000" sy="94000" algn="t" rotWithShape="0">
-              <a:prstClr val="black">
-                <a:alpha val="16000"/>
-              </a:prstClr>
-            </a:outerShdw>
-          </a:effectLst>
-          <a:scene3d>
-            <a:camera prst="perspectiveFront"/>
-            <a:lightRig rig="threePt" dir="t"/>
-          </a:scene3d>
-        </p:spPr>
-        <p:style>
-          <a:lnRef idx="2">
-            <a:schemeClr val="accent1">
-              <a:shade val="50000"/>
-            </a:schemeClr>
-          </a:lnRef>
-          <a:fillRef idx="1">
-            <a:schemeClr val="accent1"/>
-          </a:fillRef>
-          <a:effectRef idx="0">
-            <a:schemeClr val="accent1"/>
-          </a:effectRef>
-          <a:fontRef idx="minor">
-            <a:schemeClr val="lt1"/>
-          </a:fontRef>
-        </p:style>
-        <p:txBody>
-          <a:bodyPr tIns="144000" bIns="90000" rtlCol="0" anchor="ctr"/>
-          <a:lstStyle/>
-          <a:p>
-            <a:pPr algn="ctr" defTabSz="685800"/>
-            <a:r>
-              <a:rPr lang="en-US" sz="2000" dirty="0">
-                <a:solidFill>
-                  <a:schemeClr val="tx1"/>
-                </a:solidFill>
-                <a:latin typeface="Poppins SemiBold" panose="00000700000000000000" pitchFamily="2" charset="0"/>
-                <a:cs typeface="Poppins SemiBold" panose="00000700000000000000" pitchFamily="2" charset="0"/>
-              </a:rPr>
-              <a:t>Incorrect Answer</a:t>
-            </a:r>
-            <a:endParaRPr lang="en-IN" sz="2000" dirty="0">
-              <a:solidFill>
-                <a:schemeClr val="tx1"/>
-              </a:solidFill>
-              <a:latin typeface="Poppins SemiBold" panose="00000700000000000000" pitchFamily="2" charset="0"/>
-              <a:cs typeface="Poppins SemiBold" panose="00000700000000000000" pitchFamily="2" charset="0"/>
-            </a:endParaRPr>
-          </a:p>
-        </p:txBody>
-      </p:sp>
-      <p:sp>
-        <p:nvSpPr>
-          <p:cNvPr id="5" name="Rectangle 4">
-            <a:hlinkClick r:id="" action="ppaction://hlinkshowjump?jump=nextslide">
-              <a:snd r:embed="rId4" name="CorrectAnswerSFX.wav"/>
-            </a:hlinkClick>
-            <a:extLst>
-              <a:ext uri="{FF2B5EF4-FFF2-40B4-BE49-F238E27FC236}">
-                <a16:creationId xmlns:a16="http://schemas.microsoft.com/office/drawing/2014/main" id="{11A411AB-3628-4BD3-8F92-E851842AEEC9}"/>
-              </a:ext>
-            </a:extLst>
-          </p:cNvPr>
-          <p:cNvSpPr/>
-          <p:nvPr/>
-        </p:nvSpPr>
-        <p:spPr>
-          <a:xfrm>
-            <a:off x="1976846" y="2612571"/>
-            <a:ext cx="3971108" cy="1236618"/>
-          </a:xfrm>
-          <a:prstGeom prst="rect">
-            <a:avLst/>
-          </a:prstGeom>
-          <a:solidFill>
-            <a:schemeClr val="bg1"/>
-          </a:solidFill>
-          <a:ln>
-            <a:solidFill>
-              <a:schemeClr val="bg1">
-                <a:lumMod val="85000"/>
-              </a:schemeClr>
-            </a:solidFill>
-          </a:ln>
-          <a:effectLst>
-            <a:outerShdw blurRad="381000" dist="127000" dir="7080000" sx="94000" sy="94000" algn="t" rotWithShape="0">
-              <a:prstClr val="black">
-                <a:alpha val="16000"/>
-              </a:prstClr>
-            </a:outerShdw>
-          </a:effectLst>
-          <a:scene3d>
-            <a:camera prst="perspectiveFront"/>
-            <a:lightRig rig="threePt" dir="t"/>
-          </a:scene3d>
-        </p:spPr>
-        <p:style>
-          <a:lnRef idx="2">
-            <a:schemeClr val="accent1">
-              <a:shade val="50000"/>
-            </a:schemeClr>
-          </a:lnRef>
-          <a:fillRef idx="1">
-            <a:schemeClr val="accent1"/>
-          </a:fillRef>
-          <a:effectRef idx="0">
-            <a:schemeClr val="accent1"/>
-          </a:effectRef>
-          <a:fontRef idx="minor">
-            <a:schemeClr val="lt1"/>
-          </a:fontRef>
-        </p:style>
-        <p:txBody>
-          <a:bodyPr tIns="144000" bIns="90000" rtlCol="0" anchor="ctr"/>
-          <a:lstStyle/>
-          <a:p>
-            <a:pPr algn="ctr" defTabSz="685800"/>
-            <a:r>
-              <a:rPr lang="en-US" sz="2000" dirty="0">
-                <a:solidFill>
-                  <a:schemeClr val="tx1"/>
-                </a:solidFill>
-                <a:latin typeface="Poppins SemiBold" panose="00000700000000000000" pitchFamily="2" charset="0"/>
-                <a:cs typeface="Poppins SemiBold" panose="00000700000000000000" pitchFamily="2" charset="0"/>
-              </a:rPr>
-              <a:t>Respuesta </a:t>
-            </a:r>
-            <a:r>
-              <a:rPr lang="en-US" sz="2000" dirty="0" err="1">
-                <a:solidFill>
-                  <a:schemeClr val="tx1"/>
-                </a:solidFill>
-                <a:latin typeface="Poppins SemiBold" panose="00000700000000000000" pitchFamily="2" charset="0"/>
-                <a:cs typeface="Poppins SemiBold" panose="00000700000000000000" pitchFamily="2" charset="0"/>
-              </a:rPr>
-              <a:t>Correcta</a:t>
-            </a:r>
-            <a:endParaRPr lang="en-IN" sz="2000" dirty="0">
+              <a:rPr lang="es-ES" b="0" i="0" dirty="0">
+                <a:solidFill>
+                  <a:srgbClr val="000000"/>
+                </a:solidFill>
+                <a:effectLst/>
+                <a:latin typeface="Calibri" panose="020F0502020204030204" pitchFamily="34" charset="0"/>
+              </a:rPr>
+              <a:t>Correcto, y tenemos que realizar las acciones que requieran elevación de privilegios con cuentas que tengan el rol de administrador local.</a:t>
+            </a:r>
+            <a:endParaRPr lang="en-IN" dirty="0">
               <a:solidFill>
                 <a:schemeClr val="tx1"/>
               </a:solidFill>
@@ -7566,14 +9135,74 @@
               <a:t>12. </a:t>
             </a:r>
             <a:r>
-              <a:rPr lang="en-US" sz="3200" dirty="0" err="1">
-                <a:solidFill>
-                  <a:prstClr val="black"/>
-                </a:solidFill>
-                <a:latin typeface="Poppins SemiBold" panose="00000700000000000000" pitchFamily="2" charset="0"/>
-                <a:cs typeface="Poppins SemiBold" panose="00000700000000000000" pitchFamily="2" charset="0"/>
-              </a:rPr>
-              <a:t>Pregunta</a:t>
+              <a:rPr lang="es-ES" sz="3200" b="0" i="0" dirty="0">
+                <a:solidFill>
+                  <a:srgbClr val="000000"/>
+                </a:solidFill>
+                <a:effectLst/>
+                <a:latin typeface="Segoe UI" panose="020B0502040204020203" pitchFamily="34" charset="0"/>
+              </a:rPr>
+              <a:t>¿Porque usar </a:t>
+            </a:r>
+            <a:r>
+              <a:rPr lang="es-ES" sz="3200" b="0" i="0" dirty="0" err="1">
+                <a:solidFill>
+                  <a:srgbClr val="000000"/>
+                </a:solidFill>
+                <a:effectLst/>
+                <a:latin typeface="Segoe UI" panose="020B0502040204020203" pitchFamily="34" charset="0"/>
+              </a:rPr>
+              <a:t>Community</a:t>
+            </a:r>
+            <a:r>
+              <a:rPr lang="es-ES" sz="3200" b="0" i="0" dirty="0">
+                <a:solidFill>
+                  <a:srgbClr val="000000"/>
+                </a:solidFill>
+                <a:effectLst/>
+                <a:latin typeface="Segoe UI" panose="020B0502040204020203" pitchFamily="34" charset="0"/>
+              </a:rPr>
+              <a:t> </a:t>
+            </a:r>
+            <a:r>
+              <a:rPr lang="es-ES" sz="3200" b="0" i="0" dirty="0" err="1">
+                <a:solidFill>
+                  <a:srgbClr val="000000"/>
+                </a:solidFill>
+                <a:effectLst/>
+                <a:latin typeface="Segoe UI" panose="020B0502040204020203" pitchFamily="34" charset="0"/>
+              </a:rPr>
+              <a:t>Toolkit</a:t>
+            </a:r>
+            <a:r>
+              <a:rPr lang="es-ES" sz="3200" b="0" i="0" dirty="0">
+                <a:solidFill>
+                  <a:srgbClr val="000000"/>
+                </a:solidFill>
+                <a:effectLst/>
+                <a:latin typeface="Segoe UI" panose="020B0502040204020203" pitchFamily="34" charset="0"/>
+              </a:rPr>
+              <a:t> en el desarrollo “</a:t>
+            </a:r>
+            <a:r>
+              <a:rPr lang="es-ES" sz="3200" b="0" i="0" dirty="0" err="1">
+                <a:solidFill>
+                  <a:srgbClr val="000000"/>
+                </a:solidFill>
+                <a:effectLst/>
+                <a:latin typeface="Segoe UI" panose="020B0502040204020203" pitchFamily="34" charset="0"/>
+              </a:rPr>
+              <a:t>Multi-idoma</a:t>
+            </a:r>
+            <a:r>
+              <a:rPr lang="es-ES" sz="3200" b="0" i="0" dirty="0">
+                <a:solidFill>
+                  <a:srgbClr val="000000"/>
+                </a:solidFill>
+                <a:effectLst/>
+                <a:latin typeface="Segoe UI" panose="020B0502040204020203" pitchFamily="34" charset="0"/>
+              </a:rPr>
+              <a:t>” en .NET MAUI?</a:t>
             </a:r>
             <a:endParaRPr lang="en-IN" sz="3200" dirty="0">
               <a:solidFill>
@@ -7588,8 +9217,8 @@
       <p:sp>
         <p:nvSpPr>
           <p:cNvPr id="3" name="Rectangle 2">
-            <a:hlinkClick r:id="rId2" action="ppaction://hlinksldjump">
-              <a:snd r:embed="rId3" name="WrongAnswerSFX.wav"/>
+            <a:hlinkClick r:id="rId3" action="ppaction://hlinksldjump">
+              <a:snd r:embed="rId4" name="WrongAnswerSFX.wav"/>
             </a:hlinkClick>
             <a:extLst>
               <a:ext uri="{FF2B5EF4-FFF2-40B4-BE49-F238E27FC236}">
@@ -7654,14 +9283,14 @@
               <a:defRPr/>
             </a:pPr>
             <a:r>
-              <a:rPr lang="en-US" sz="2000" dirty="0">
-                <a:solidFill>
-                  <a:prstClr val="black"/>
-                </a:solidFill>
-                <a:latin typeface="Poppins SemiBold" panose="00000700000000000000" pitchFamily="2" charset="0"/>
-                <a:cs typeface="Poppins SemiBold" panose="00000700000000000000" pitchFamily="2" charset="0"/>
-              </a:rPr>
-              <a:t>Incorrect Answer</a:t>
+              <a:rPr lang="es-ES" sz="2000" b="0" i="0" dirty="0">
+                <a:solidFill>
+                  <a:srgbClr val="000000"/>
+                </a:solidFill>
+                <a:effectLst/>
+                <a:latin typeface="Segoe UI" panose="020B0502040204020203" pitchFamily="34" charset="0"/>
+              </a:rPr>
+              <a:t>Para poder cargar traducciones desde un Excel.</a:t>
             </a:r>
             <a:endParaRPr lang="en-IN" sz="2000" dirty="0">
               <a:solidFill>
@@ -7677,7 +9306,7 @@
         <p:nvSpPr>
           <p:cNvPr id="5" name="Rectangle 4">
             <a:hlinkClick r:id="" action="ppaction://hlinkshowjump?jump=nextslide">
-              <a:snd r:embed="rId4" name="CorrectAnswerSFX.wav"/>
+              <a:snd r:embed="rId5" name="CorrectAnswerSFX.wav"/>
             </a:hlinkClick>
             <a:extLst>
               <a:ext uri="{FF2B5EF4-FFF2-40B4-BE49-F238E27FC236}">
@@ -7740,26 +9369,36 @@
           <a:p>
             <a:pPr algn="ctr" defTabSz="685800"/>
             <a:r>
-              <a:rPr lang="en-US" sz="2000" dirty="0">
-                <a:solidFill>
-                  <a:schemeClr val="tx1"/>
-                </a:solidFill>
-                <a:latin typeface="Poppins SemiBold" panose="00000700000000000000" pitchFamily="2" charset="0"/>
-                <a:cs typeface="Poppins SemiBold" panose="00000700000000000000" pitchFamily="2" charset="0"/>
-              </a:rPr>
-              <a:t>Respuesta </a:t>
-            </a:r>
-            <a:r>
-              <a:rPr lang="en-US" sz="2000" dirty="0" err="1">
-                <a:solidFill>
-                  <a:schemeClr val="tx1"/>
-                </a:solidFill>
-                <a:latin typeface="Poppins SemiBold" panose="00000700000000000000" pitchFamily="2" charset="0"/>
-                <a:cs typeface="Poppins SemiBold" panose="00000700000000000000" pitchFamily="2" charset="0"/>
-              </a:rPr>
-              <a:t>Correcta</a:t>
-            </a:r>
-            <a:endParaRPr lang="en-IN" sz="2000" dirty="0">
+              <a:rPr lang="es-ES" sz="1600" b="0" i="0" dirty="0">
+                <a:solidFill>
+                  <a:srgbClr val="000000"/>
+                </a:solidFill>
+                <a:effectLst/>
+                <a:latin typeface="Segoe UI" panose="020B0502040204020203" pitchFamily="34" charset="0"/>
+              </a:rPr>
+              <a:t>Para que nos genere la infraestructura </a:t>
+            </a:r>
+            <a:r>
+              <a:rPr lang="es-ES" sz="1600" b="0" i="0" dirty="0" err="1">
+                <a:solidFill>
+                  <a:srgbClr val="000000"/>
+                </a:solidFill>
+                <a:effectLst/>
+                <a:latin typeface="Segoe UI" panose="020B0502040204020203" pitchFamily="34" charset="0"/>
+              </a:rPr>
+              <a:t>INotifyPropertyChanged</a:t>
+            </a:r>
+            <a:r>
+              <a:rPr lang="es-ES" sz="1600" b="0" i="0" dirty="0">
+                <a:solidFill>
+                  <a:srgbClr val="000000"/>
+                </a:solidFill>
+                <a:effectLst/>
+                <a:latin typeface="Segoe UI" panose="020B0502040204020203" pitchFamily="34" charset="0"/>
+              </a:rPr>
+              <a:t> sin tener que escribirlo explícitamente.</a:t>
+            </a:r>
+            <a:endParaRPr lang="en-IN" sz="1600" dirty="0">
               <a:solidFill>
                 <a:schemeClr val="tx1"/>
               </a:solidFill>
@@ -7772,7 +9411,7 @@
     </p:spTree>
     <p:extLst>
       <p:ext uri="{BB962C8B-B14F-4D97-AF65-F5344CB8AC3E}">
-        <p14:creationId xmlns:p14="http://schemas.microsoft.com/office/powerpoint/2010/main" val="1735799852"/>
+        <p14:creationId xmlns:p14="http://schemas.microsoft.com/office/powerpoint/2010/main" val="768855785"/>
       </p:ext>
     </p:extLst>
   </p:cSld>
@@ -8516,11 +10155,13 @@
           <a:bodyPr tIns="144000" bIns="90000" rtlCol="0" anchor="ctr"/>
           <a:lstStyle/>
           <a:p>
-            <a:pPr algn="ctr" defTabSz="685800"/>
+            <a:pPr algn="ctr" defTabSz="685800">
+              <a:defRPr/>
+            </a:pPr>
             <a:r>
               <a:rPr lang="en-US" sz="3200" dirty="0">
                 <a:solidFill>
-                  <a:schemeClr val="tx1"/>
+                  <a:prstClr val="black"/>
                 </a:solidFill>
                 <a:latin typeface="Poppins SemiBold" panose="00000700000000000000" pitchFamily="2" charset="0"/>
                 <a:cs typeface="Poppins SemiBold" panose="00000700000000000000" pitchFamily="2" charset="0"/>
@@ -8539,7 +10180,7 @@
             </a:r>
             <a:endParaRPr lang="en-IN" sz="3200" dirty="0">
               <a:solidFill>
-                <a:schemeClr val="tx1"/>
+                <a:prstClr val="black"/>
               </a:solidFill>
               <a:latin typeface="Poppins SemiBold" panose="00000700000000000000" pitchFamily="2" charset="0"/>
               <a:cs typeface="Poppins SemiBold" panose="00000700000000000000" pitchFamily="2" charset="0"/>
@@ -8556,6 +10197,94 @@
             <a:extLst>
               <a:ext uri="{FF2B5EF4-FFF2-40B4-BE49-F238E27FC236}">
                 <a16:creationId xmlns:a16="http://schemas.microsoft.com/office/drawing/2014/main" id="{93EB3632-12C3-41FB-861E-57B9D53BBF65}"/>
+              </a:ext>
+            </a:extLst>
+          </p:cNvPr>
+          <p:cNvSpPr/>
+          <p:nvPr/>
+        </p:nvSpPr>
+        <p:spPr>
+          <a:xfrm>
+            <a:off x="1976846" y="2612571"/>
+            <a:ext cx="3971108" cy="1236618"/>
+          </a:xfrm>
+          <a:prstGeom prst="rect">
+            <a:avLst/>
+          </a:prstGeom>
+          <a:solidFill>
+            <a:schemeClr val="bg1"/>
+          </a:solidFill>
+          <a:ln>
+            <a:solidFill>
+              <a:schemeClr val="bg1">
+                <a:lumMod val="85000"/>
+              </a:schemeClr>
+            </a:solidFill>
+          </a:ln>
+          <a:effectLst>
+            <a:outerShdw blurRad="381000" dist="127000" dir="7080000" sx="94000" sy="94000" algn="t" rotWithShape="0">
+              <a:prstClr val="black">
+                <a:alpha val="16000"/>
+              </a:prstClr>
+            </a:outerShdw>
+          </a:effectLst>
+          <a:scene3d>
+            <a:camera prst="perspectiveFront"/>
+            <a:lightRig rig="threePt" dir="t"/>
+          </a:scene3d>
+        </p:spPr>
+        <p:style>
+          <a:lnRef idx="2">
+            <a:schemeClr val="accent1">
+              <a:shade val="50000"/>
+            </a:schemeClr>
+          </a:lnRef>
+          <a:fillRef idx="1">
+            <a:schemeClr val="accent1"/>
+          </a:fillRef>
+          <a:effectRef idx="0">
+            <a:schemeClr val="accent1"/>
+          </a:effectRef>
+          <a:fontRef idx="minor">
+            <a:schemeClr val="lt1"/>
+          </a:fontRef>
+        </p:style>
+        <p:txBody>
+          <a:bodyPr tIns="144000" bIns="90000" rtlCol="0" anchor="ctr"/>
+          <a:lstStyle/>
+          <a:p>
+            <a:pPr algn="ctr" defTabSz="685800">
+              <a:defRPr/>
+            </a:pPr>
+            <a:r>
+              <a:rPr lang="en-US" sz="2000" dirty="0">
+                <a:solidFill>
+                  <a:prstClr val="black"/>
+                </a:solidFill>
+                <a:latin typeface="Poppins SemiBold" panose="00000700000000000000" pitchFamily="2" charset="0"/>
+                <a:cs typeface="Poppins SemiBold" panose="00000700000000000000" pitchFamily="2" charset="0"/>
+              </a:rPr>
+              <a:t>Incorrect Answer</a:t>
+            </a:r>
+            <a:endParaRPr lang="en-IN" sz="2000" dirty="0">
+              <a:solidFill>
+                <a:prstClr val="black"/>
+              </a:solidFill>
+              <a:latin typeface="Poppins SemiBold" panose="00000700000000000000" pitchFamily="2" charset="0"/>
+              <a:cs typeface="Poppins SemiBold" panose="00000700000000000000" pitchFamily="2" charset="0"/>
+            </a:endParaRPr>
+          </a:p>
+        </p:txBody>
+      </p:sp>
+      <p:sp>
+        <p:nvSpPr>
+          <p:cNvPr id="5" name="Rectangle 4">
+            <a:hlinkClick r:id="" action="ppaction://hlinkshowjump?jump=nextslide">
+              <a:snd r:embed="rId4" name="CorrectAnswerSFX.wav"/>
+            </a:hlinkClick>
+            <a:extLst>
+              <a:ext uri="{FF2B5EF4-FFF2-40B4-BE49-F238E27FC236}">
+                <a16:creationId xmlns:a16="http://schemas.microsoft.com/office/drawing/2014/main" id="{11A411AB-3628-4BD3-8F92-E851842AEEC9}"/>
               </a:ext>
             </a:extLst>
           </p:cNvPr>
@@ -8621,7 +10350,226 @@
                 <a:latin typeface="Poppins SemiBold" panose="00000700000000000000" pitchFamily="2" charset="0"/>
                 <a:cs typeface="Poppins SemiBold" panose="00000700000000000000" pitchFamily="2" charset="0"/>
               </a:rPr>
-              <a:t>Incorrect Answer</a:t>
+              <a:t>Respuesta </a:t>
+            </a:r>
+            <a:r>
+              <a:rPr lang="en-US" sz="2000" dirty="0" err="1">
+                <a:solidFill>
+                  <a:schemeClr val="tx1"/>
+                </a:solidFill>
+                <a:latin typeface="Poppins SemiBold" panose="00000700000000000000" pitchFamily="2" charset="0"/>
+                <a:cs typeface="Poppins SemiBold" panose="00000700000000000000" pitchFamily="2" charset="0"/>
+              </a:rPr>
+              <a:t>Correcta</a:t>
+            </a:r>
+            <a:endParaRPr lang="en-IN" sz="2000" dirty="0">
+              <a:solidFill>
+                <a:schemeClr val="tx1"/>
+              </a:solidFill>
+              <a:latin typeface="Poppins SemiBold" panose="00000700000000000000" pitchFamily="2" charset="0"/>
+              <a:cs typeface="Poppins SemiBold" panose="00000700000000000000" pitchFamily="2" charset="0"/>
+            </a:endParaRPr>
+          </a:p>
+        </p:txBody>
+      </p:sp>
+    </p:spTree>
+    <p:extLst>
+      <p:ext uri="{BB962C8B-B14F-4D97-AF65-F5344CB8AC3E}">
+        <p14:creationId xmlns:p14="http://schemas.microsoft.com/office/powerpoint/2010/main" val="1327421578"/>
+      </p:ext>
+    </p:extLst>
+  </p:cSld>
+  <p:clrMapOvr>
+    <a:masterClrMapping/>
+  </p:clrMapOvr>
+</p:sld>
+</file>
+
+<file path=ppt/slides/slide3.xml><?xml version="1.0" encoding="utf-8"?>
+<p:sld xmlns:a="http://schemas.openxmlformats.org/drawingml/2006/main" xmlns:r="http://schemas.openxmlformats.org/officeDocument/2006/relationships" xmlns:p="http://schemas.openxmlformats.org/presentationml/2006/main">
+  <p:cSld>
+    <p:spTree>
+      <p:nvGrpSpPr>
+        <p:cNvPr id="1" name=""/>
+        <p:cNvGrpSpPr/>
+        <p:nvPr/>
+      </p:nvGrpSpPr>
+      <p:grpSpPr>
+        <a:xfrm>
+          <a:off x="0" y="0"/>
+          <a:ext cx="0" cy="0"/>
+          <a:chOff x="0" y="0"/>
+          <a:chExt cx="0" cy="0"/>
+        </a:xfrm>
+      </p:grpSpPr>
+      <p:sp>
+        <p:nvSpPr>
+          <p:cNvPr id="2" name="Rectangle 1">
+            <a:extLst>
+              <a:ext uri="{FF2B5EF4-FFF2-40B4-BE49-F238E27FC236}">
+                <a16:creationId xmlns:a16="http://schemas.microsoft.com/office/drawing/2014/main" id="{29228A24-4A1B-41B0-A802-CD51398332B9}"/>
+              </a:ext>
+            </a:extLst>
+          </p:cNvPr>
+          <p:cNvSpPr/>
+          <p:nvPr/>
+        </p:nvSpPr>
+        <p:spPr>
+          <a:xfrm>
+            <a:off x="1976846" y="435429"/>
+            <a:ext cx="8290560" cy="1898468"/>
+          </a:xfrm>
+          <a:prstGeom prst="rect">
+            <a:avLst/>
+          </a:prstGeom>
+          <a:solidFill>
+            <a:srgbClr val="FFFF00"/>
+          </a:solidFill>
+          <a:ln>
+            <a:solidFill>
+              <a:schemeClr val="bg1">
+                <a:lumMod val="85000"/>
+              </a:schemeClr>
+            </a:solidFill>
+          </a:ln>
+          <a:effectLst>
+            <a:outerShdw blurRad="381000" dist="127000" dir="7080000" sx="94000" sy="94000" algn="t" rotWithShape="0">
+              <a:prstClr val="black">
+                <a:alpha val="16000"/>
+              </a:prstClr>
+            </a:outerShdw>
+          </a:effectLst>
+          <a:scene3d>
+            <a:camera prst="perspectiveFront"/>
+            <a:lightRig rig="threePt" dir="t"/>
+          </a:scene3d>
+        </p:spPr>
+        <p:style>
+          <a:lnRef idx="2">
+            <a:schemeClr val="accent1">
+              <a:shade val="50000"/>
+            </a:schemeClr>
+          </a:lnRef>
+          <a:fillRef idx="1">
+            <a:schemeClr val="accent1"/>
+          </a:fillRef>
+          <a:effectRef idx="0">
+            <a:schemeClr val="accent1"/>
+          </a:effectRef>
+          <a:fontRef idx="minor">
+            <a:schemeClr val="lt1"/>
+          </a:fontRef>
+        </p:style>
+        <p:txBody>
+          <a:bodyPr tIns="144000" bIns="90000" rtlCol="0" anchor="ctr"/>
+          <a:lstStyle/>
+          <a:p>
+            <a:pPr algn="ctr" defTabSz="685800"/>
+            <a:r>
+              <a:rPr lang="en-US" sz="3200" dirty="0">
+                <a:solidFill>
+                  <a:schemeClr val="tx1"/>
+                </a:solidFill>
+                <a:latin typeface="Poppins SemiBold" panose="00000700000000000000" pitchFamily="2" charset="0"/>
+                <a:cs typeface="Poppins SemiBold" panose="00000700000000000000" pitchFamily="2" charset="0"/>
+              </a:rPr>
+              <a:t>1. </a:t>
+            </a:r>
+            <a:r>
+              <a:rPr lang="es-ES" sz="3200" b="0" i="0" dirty="0">
+                <a:solidFill>
+                  <a:srgbClr val="000000"/>
+                </a:solidFill>
+                <a:effectLst/>
+                <a:latin typeface="Calibri" panose="020F0502020204030204" pitchFamily="34" charset="0"/>
+              </a:rPr>
+              <a:t>¿Cómo se llamaban las cabritas del abuelo de Heidi?</a:t>
+            </a:r>
+            <a:endParaRPr lang="en-IN" sz="3200" dirty="0">
+              <a:solidFill>
+                <a:schemeClr val="tx1"/>
+              </a:solidFill>
+              <a:latin typeface="Poppins SemiBold" panose="00000700000000000000" pitchFamily="2" charset="0"/>
+              <a:cs typeface="Poppins SemiBold" panose="00000700000000000000" pitchFamily="2" charset="0"/>
+            </a:endParaRPr>
+          </a:p>
+        </p:txBody>
+      </p:sp>
+      <p:sp>
+        <p:nvSpPr>
+          <p:cNvPr id="3" name="Rectangle 2">
+            <a:hlinkClick r:id="rId2" action="ppaction://hlinksldjump">
+              <a:snd r:embed="rId3" name="WrongAnswerSFX.wav"/>
+            </a:hlinkClick>
+            <a:extLst>
+              <a:ext uri="{FF2B5EF4-FFF2-40B4-BE49-F238E27FC236}">
+                <a16:creationId xmlns:a16="http://schemas.microsoft.com/office/drawing/2014/main" id="{93EB3632-12C3-41FB-861E-57B9D53BBF65}"/>
+              </a:ext>
+            </a:extLst>
+          </p:cNvPr>
+          <p:cNvSpPr/>
+          <p:nvPr/>
+        </p:nvSpPr>
+        <p:spPr>
+          <a:xfrm>
+            <a:off x="6296298" y="2612571"/>
+            <a:ext cx="3971108" cy="1236618"/>
+          </a:xfrm>
+          <a:prstGeom prst="rect">
+            <a:avLst/>
+          </a:prstGeom>
+          <a:solidFill>
+            <a:schemeClr val="bg1"/>
+          </a:solidFill>
+          <a:ln>
+            <a:solidFill>
+              <a:schemeClr val="bg1">
+                <a:lumMod val="85000"/>
+              </a:schemeClr>
+            </a:solidFill>
+          </a:ln>
+          <a:effectLst>
+            <a:outerShdw blurRad="381000" dist="127000" dir="7080000" sx="94000" sy="94000" algn="t" rotWithShape="0">
+              <a:prstClr val="black">
+                <a:alpha val="16000"/>
+              </a:prstClr>
+            </a:outerShdw>
+          </a:effectLst>
+          <a:scene3d>
+            <a:camera prst="perspectiveFront"/>
+            <a:lightRig rig="threePt" dir="t"/>
+          </a:scene3d>
+        </p:spPr>
+        <p:style>
+          <a:lnRef idx="2">
+            <a:schemeClr val="accent1">
+              <a:shade val="50000"/>
+            </a:schemeClr>
+          </a:lnRef>
+          <a:fillRef idx="1">
+            <a:schemeClr val="accent1"/>
+          </a:fillRef>
+          <a:effectRef idx="0">
+            <a:schemeClr val="accent1"/>
+          </a:effectRef>
+          <a:fontRef idx="minor">
+            <a:schemeClr val="lt1"/>
+          </a:fontRef>
+        </p:style>
+        <p:txBody>
+          <a:bodyPr tIns="144000" bIns="90000" rtlCol="0" anchor="ctr"/>
+          <a:lstStyle/>
+          <a:p>
+            <a:pPr algn="ctr" defTabSz="685800"/>
+            <a:r>
+              <a:rPr lang="es-ES" sz="2000" b="0" i="0" dirty="0">
+                <a:solidFill>
+                  <a:srgbClr val="000000"/>
+                </a:solidFill>
+                <a:effectLst/>
+                <a:latin typeface="Calibri" panose="020F0502020204030204" pitchFamily="34" charset="0"/>
+              </a:rPr>
+              <a:t>No eran cabras, eran ovejas…</a:t>
             </a:r>
             <a:endParaRPr lang="en-IN" sz="2000" dirty="0">
               <a:solidFill>
@@ -8700,329 +10648,24 @@
           <a:p>
             <a:pPr algn="ctr" defTabSz="685800"/>
             <a:r>
-              <a:rPr lang="en-US" sz="2000" dirty="0">
-                <a:solidFill>
-                  <a:schemeClr val="tx1"/>
-                </a:solidFill>
-                <a:latin typeface="Poppins SemiBold" panose="00000700000000000000" pitchFamily="2" charset="0"/>
-                <a:cs typeface="Poppins SemiBold" panose="00000700000000000000" pitchFamily="2" charset="0"/>
-              </a:rPr>
-              <a:t>Respuesta </a:t>
-            </a:r>
-            <a:r>
-              <a:rPr lang="en-US" sz="2000" dirty="0" err="1">
-                <a:solidFill>
-                  <a:schemeClr val="tx1"/>
-                </a:solidFill>
-                <a:latin typeface="Poppins SemiBold" panose="00000700000000000000" pitchFamily="2" charset="0"/>
-                <a:cs typeface="Poppins SemiBold" panose="00000700000000000000" pitchFamily="2" charset="0"/>
-              </a:rPr>
-              <a:t>Correcta</a:t>
-            </a:r>
-            <a:endParaRPr lang="en-IN" sz="2000" dirty="0">
-              <a:solidFill>
-                <a:schemeClr val="tx1"/>
-              </a:solidFill>
-              <a:latin typeface="Poppins SemiBold" panose="00000700000000000000" pitchFamily="2" charset="0"/>
-              <a:cs typeface="Poppins SemiBold" panose="00000700000000000000" pitchFamily="2" charset="0"/>
-            </a:endParaRPr>
-          </a:p>
-        </p:txBody>
-      </p:sp>
-    </p:spTree>
-    <p:extLst>
-      <p:ext uri="{BB962C8B-B14F-4D97-AF65-F5344CB8AC3E}">
-        <p14:creationId xmlns:p14="http://schemas.microsoft.com/office/powerpoint/2010/main" val="615100411"/>
-      </p:ext>
-    </p:extLst>
-  </p:cSld>
-  <p:clrMapOvr>
-    <a:masterClrMapping/>
-  </p:clrMapOvr>
-</p:sld>
-</file>
-
-<file path=ppt/slides/slide3.xml><?xml version="1.0" encoding="utf-8"?>
-<p:sld xmlns:a="http://schemas.openxmlformats.org/drawingml/2006/main" xmlns:r="http://schemas.openxmlformats.org/officeDocument/2006/relationships" xmlns:p="http://schemas.openxmlformats.org/presentationml/2006/main">
-  <p:cSld>
-    <p:spTree>
-      <p:nvGrpSpPr>
-        <p:cNvPr id="1" name=""/>
-        <p:cNvGrpSpPr/>
-        <p:nvPr/>
-      </p:nvGrpSpPr>
-      <p:grpSpPr>
-        <a:xfrm>
-          <a:off x="0" y="0"/>
-          <a:ext cx="0" cy="0"/>
-          <a:chOff x="0" y="0"/>
-          <a:chExt cx="0" cy="0"/>
-        </a:xfrm>
-      </p:grpSpPr>
-      <p:sp>
-        <p:nvSpPr>
-          <p:cNvPr id="2" name="Rectangle 1">
-            <a:extLst>
-              <a:ext uri="{FF2B5EF4-FFF2-40B4-BE49-F238E27FC236}">
-                <a16:creationId xmlns:a16="http://schemas.microsoft.com/office/drawing/2014/main" id="{29228A24-4A1B-41B0-A802-CD51398332B9}"/>
-              </a:ext>
-            </a:extLst>
-          </p:cNvPr>
-          <p:cNvSpPr/>
-          <p:nvPr/>
-        </p:nvSpPr>
-        <p:spPr>
-          <a:xfrm>
-            <a:off x="1976846" y="435429"/>
-            <a:ext cx="8290560" cy="1898468"/>
-          </a:xfrm>
-          <a:prstGeom prst="rect">
-            <a:avLst/>
-          </a:prstGeom>
-          <a:solidFill>
-            <a:srgbClr val="FFFF00"/>
-          </a:solidFill>
-          <a:ln>
-            <a:solidFill>
-              <a:schemeClr val="bg1">
-                <a:lumMod val="85000"/>
-              </a:schemeClr>
-            </a:solidFill>
-          </a:ln>
-          <a:effectLst>
-            <a:outerShdw blurRad="381000" dist="127000" dir="7080000" sx="94000" sy="94000" algn="t" rotWithShape="0">
-              <a:prstClr val="black">
-                <a:alpha val="16000"/>
-              </a:prstClr>
-            </a:outerShdw>
-          </a:effectLst>
-          <a:scene3d>
-            <a:camera prst="perspectiveFront"/>
-            <a:lightRig rig="threePt" dir="t"/>
-          </a:scene3d>
-        </p:spPr>
-        <p:style>
-          <a:lnRef idx="2">
-            <a:schemeClr val="accent1">
-              <a:shade val="50000"/>
-            </a:schemeClr>
-          </a:lnRef>
-          <a:fillRef idx="1">
-            <a:schemeClr val="accent1"/>
-          </a:fillRef>
-          <a:effectRef idx="0">
-            <a:schemeClr val="accent1"/>
-          </a:effectRef>
-          <a:fontRef idx="minor">
-            <a:schemeClr val="lt1"/>
-          </a:fontRef>
-        </p:style>
-        <p:txBody>
-          <a:bodyPr tIns="144000" bIns="90000" rtlCol="0" anchor="ctr"/>
-          <a:lstStyle/>
-          <a:p>
-            <a:pPr algn="ctr" defTabSz="685800"/>
-            <a:r>
-              <a:rPr lang="en-US" sz="3200" dirty="0">
-                <a:solidFill>
-                  <a:schemeClr val="tx1"/>
-                </a:solidFill>
-                <a:latin typeface="Poppins SemiBold" panose="00000700000000000000" pitchFamily="2" charset="0"/>
-                <a:cs typeface="Poppins SemiBold" panose="00000700000000000000" pitchFamily="2" charset="0"/>
-              </a:rPr>
-              <a:t>1. </a:t>
-            </a:r>
-            <a:r>
-              <a:rPr lang="en-US" sz="3200" dirty="0" err="1">
-                <a:solidFill>
-                  <a:prstClr val="black"/>
-                </a:solidFill>
-                <a:latin typeface="Poppins SemiBold" panose="00000700000000000000" pitchFamily="2" charset="0"/>
-                <a:cs typeface="Poppins SemiBold" panose="00000700000000000000" pitchFamily="2" charset="0"/>
-              </a:rPr>
-              <a:t>Pregunta</a:t>
-            </a:r>
-            <a:endParaRPr lang="en-IN" sz="3200" dirty="0">
-              <a:solidFill>
-                <a:schemeClr val="tx1"/>
-              </a:solidFill>
-              <a:latin typeface="Poppins SemiBold" panose="00000700000000000000" pitchFamily="2" charset="0"/>
-              <a:cs typeface="Poppins SemiBold" panose="00000700000000000000" pitchFamily="2" charset="0"/>
-            </a:endParaRPr>
-          </a:p>
-        </p:txBody>
-      </p:sp>
-      <p:sp>
-        <p:nvSpPr>
-          <p:cNvPr id="3" name="Rectangle 2">
-            <a:hlinkClick r:id="rId2" action="ppaction://hlinksldjump">
-              <a:snd r:embed="rId3" name="WrongAnswerSFX.wav"/>
-            </a:hlinkClick>
-            <a:extLst>
-              <a:ext uri="{FF2B5EF4-FFF2-40B4-BE49-F238E27FC236}">
-                <a16:creationId xmlns:a16="http://schemas.microsoft.com/office/drawing/2014/main" id="{93EB3632-12C3-41FB-861E-57B9D53BBF65}"/>
-              </a:ext>
-            </a:extLst>
-          </p:cNvPr>
-          <p:cNvSpPr/>
-          <p:nvPr/>
-        </p:nvSpPr>
-        <p:spPr>
-          <a:xfrm>
-            <a:off x="6296298" y="2612571"/>
-            <a:ext cx="3971108" cy="1236618"/>
-          </a:xfrm>
-          <a:prstGeom prst="rect">
-            <a:avLst/>
-          </a:prstGeom>
-          <a:solidFill>
-            <a:schemeClr val="bg1"/>
-          </a:solidFill>
-          <a:ln>
-            <a:solidFill>
-              <a:schemeClr val="bg1">
-                <a:lumMod val="85000"/>
-              </a:schemeClr>
-            </a:solidFill>
-          </a:ln>
-          <a:effectLst>
-            <a:outerShdw blurRad="381000" dist="127000" dir="7080000" sx="94000" sy="94000" algn="t" rotWithShape="0">
-              <a:prstClr val="black">
-                <a:alpha val="16000"/>
-              </a:prstClr>
-            </a:outerShdw>
-          </a:effectLst>
-          <a:scene3d>
-            <a:camera prst="perspectiveFront"/>
-            <a:lightRig rig="threePt" dir="t"/>
-          </a:scene3d>
-        </p:spPr>
-        <p:style>
-          <a:lnRef idx="2">
-            <a:schemeClr val="accent1">
-              <a:shade val="50000"/>
-            </a:schemeClr>
-          </a:lnRef>
-          <a:fillRef idx="1">
-            <a:schemeClr val="accent1"/>
-          </a:fillRef>
-          <a:effectRef idx="0">
-            <a:schemeClr val="accent1"/>
-          </a:effectRef>
-          <a:fontRef idx="minor">
-            <a:schemeClr val="lt1"/>
-          </a:fontRef>
-        </p:style>
-        <p:txBody>
-          <a:bodyPr tIns="144000" bIns="90000" rtlCol="0" anchor="ctr"/>
-          <a:lstStyle/>
-          <a:p>
-            <a:pPr algn="ctr" defTabSz="685800"/>
-            <a:r>
-              <a:rPr lang="en-US" sz="2000" dirty="0">
-                <a:solidFill>
-                  <a:schemeClr val="tx1"/>
-                </a:solidFill>
-                <a:latin typeface="Poppins SemiBold" panose="00000700000000000000" pitchFamily="2" charset="0"/>
-                <a:cs typeface="Poppins SemiBold" panose="00000700000000000000" pitchFamily="2" charset="0"/>
-              </a:rPr>
-              <a:t>Incorrect Answer</a:t>
-            </a:r>
-            <a:endParaRPr lang="en-IN" sz="2000" dirty="0">
-              <a:solidFill>
-                <a:schemeClr val="tx1"/>
-              </a:solidFill>
-              <a:latin typeface="Poppins SemiBold" panose="00000700000000000000" pitchFamily="2" charset="0"/>
-              <a:cs typeface="Poppins SemiBold" panose="00000700000000000000" pitchFamily="2" charset="0"/>
-            </a:endParaRPr>
-          </a:p>
-        </p:txBody>
-      </p:sp>
-      <p:sp>
-        <p:nvSpPr>
-          <p:cNvPr id="5" name="Rectangle 4">
-            <a:hlinkClick r:id="" action="ppaction://hlinkshowjump?jump=nextslide">
-              <a:snd r:embed="rId4" name="CorrectAnswerSFX.wav"/>
-            </a:hlinkClick>
-            <a:extLst>
-              <a:ext uri="{FF2B5EF4-FFF2-40B4-BE49-F238E27FC236}">
-                <a16:creationId xmlns:a16="http://schemas.microsoft.com/office/drawing/2014/main" id="{11A411AB-3628-4BD3-8F92-E851842AEEC9}"/>
-              </a:ext>
-            </a:extLst>
-          </p:cNvPr>
-          <p:cNvSpPr/>
-          <p:nvPr/>
-        </p:nvSpPr>
-        <p:spPr>
-          <a:xfrm>
-            <a:off x="1976846" y="2612571"/>
-            <a:ext cx="3971108" cy="1236618"/>
-          </a:xfrm>
-          <a:prstGeom prst="rect">
-            <a:avLst/>
-          </a:prstGeom>
-          <a:solidFill>
-            <a:schemeClr val="bg1"/>
-          </a:solidFill>
-          <a:ln>
-            <a:solidFill>
-              <a:schemeClr val="bg1">
-                <a:lumMod val="85000"/>
-              </a:schemeClr>
-            </a:solidFill>
-          </a:ln>
-          <a:effectLst>
-            <a:outerShdw blurRad="381000" dist="127000" dir="7080000" sx="94000" sy="94000" algn="t" rotWithShape="0">
-              <a:prstClr val="black">
-                <a:alpha val="16000"/>
-              </a:prstClr>
-            </a:outerShdw>
-          </a:effectLst>
-          <a:scene3d>
-            <a:camera prst="perspectiveFront"/>
-            <a:lightRig rig="threePt" dir="t"/>
-          </a:scene3d>
-        </p:spPr>
-        <p:style>
-          <a:lnRef idx="2">
-            <a:schemeClr val="accent1">
-              <a:shade val="50000"/>
-            </a:schemeClr>
-          </a:lnRef>
-          <a:fillRef idx="1">
-            <a:schemeClr val="accent1"/>
-          </a:fillRef>
-          <a:effectRef idx="0">
-            <a:schemeClr val="accent1"/>
-          </a:effectRef>
-          <a:fontRef idx="minor">
-            <a:schemeClr val="lt1"/>
-          </a:fontRef>
-        </p:style>
-        <p:txBody>
-          <a:bodyPr tIns="144000" bIns="90000" rtlCol="0" anchor="ctr"/>
-          <a:lstStyle/>
-          <a:p>
-            <a:pPr algn="ctr" defTabSz="685800"/>
-            <a:r>
-              <a:rPr lang="en-US" sz="2000" dirty="0">
-                <a:solidFill>
-                  <a:schemeClr val="tx1"/>
-                </a:solidFill>
-                <a:latin typeface="Poppins SemiBold" panose="00000700000000000000" pitchFamily="2" charset="0"/>
-                <a:cs typeface="Poppins SemiBold" panose="00000700000000000000" pitchFamily="2" charset="0"/>
-              </a:rPr>
-              <a:t>Respuesta </a:t>
-            </a:r>
-            <a:r>
-              <a:rPr lang="en-US" sz="2000" dirty="0" err="1">
-                <a:solidFill>
-                  <a:schemeClr val="tx1"/>
-                </a:solidFill>
-                <a:latin typeface="Poppins SemiBold" panose="00000700000000000000" pitchFamily="2" charset="0"/>
-                <a:cs typeface="Poppins SemiBold" panose="00000700000000000000" pitchFamily="2" charset="0"/>
-              </a:rPr>
-              <a:t>Correcta</a:t>
+              <a:rPr lang="en-US" sz="2000" b="0" i="0" dirty="0" err="1">
+                <a:solidFill>
+                  <a:srgbClr val="000000"/>
+                </a:solidFill>
+                <a:effectLst/>
+                <a:latin typeface="Calibri" panose="020F0502020204030204" pitchFamily="34" charset="0"/>
+              </a:rPr>
+              <a:t>Blanquita</a:t>
+            </a:r>
+            <a:r>
+              <a:rPr lang="en-US" sz="2000" b="0" i="0" dirty="0">
+                <a:solidFill>
+                  <a:srgbClr val="000000"/>
+                </a:solidFill>
+                <a:effectLst/>
+                <a:latin typeface="Calibri" panose="020F0502020204030204" pitchFamily="34" charset="0"/>
+              </a:rPr>
+              <a:t> y Diana</a:t>
             </a:r>
             <a:endParaRPr lang="en-IN" sz="2000" dirty="0">
               <a:solidFill>
@@ -9789,14 +11432,14 @@
               <a:t>16. </a:t>
             </a:r>
             <a:r>
-              <a:rPr lang="en-US" sz="3200" dirty="0" err="1">
-                <a:solidFill>
-                  <a:prstClr val="black"/>
-                </a:solidFill>
-                <a:latin typeface="Poppins SemiBold" panose="00000700000000000000" pitchFamily="2" charset="0"/>
-                <a:cs typeface="Poppins SemiBold" panose="00000700000000000000" pitchFamily="2" charset="0"/>
-              </a:rPr>
-              <a:t>Pregunta</a:t>
+              <a:rPr lang="en-US" sz="3200" b="0" i="0" dirty="0">
+                <a:solidFill>
+                  <a:srgbClr val="000000"/>
+                </a:solidFill>
+                <a:effectLst/>
+                <a:latin typeface="tahoma" panose="020B0604030504040204" pitchFamily="34" charset="0"/>
+              </a:rPr>
+              <a:t>¿JetBrains Rider es?</a:t>
             </a:r>
             <a:endParaRPr lang="en-IN" sz="3200" dirty="0">
               <a:solidFill>
@@ -9811,8 +11454,8 @@
       <p:sp>
         <p:nvSpPr>
           <p:cNvPr id="3" name="Rectangle 2">
-            <a:hlinkClick r:id="rId2" action="ppaction://hlinksldjump">
-              <a:snd r:embed="rId3" name="WrongAnswerSFX.wav"/>
+            <a:hlinkClick r:id="rId3" action="ppaction://hlinksldjump">
+              <a:snd r:embed="rId4" name="WrongAnswerSFX.wav"/>
             </a:hlinkClick>
             <a:extLst>
               <a:ext uri="{FF2B5EF4-FFF2-40B4-BE49-F238E27FC236}">
@@ -9875,14 +11518,14 @@
           <a:p>
             <a:pPr algn="ctr" defTabSz="685800"/>
             <a:r>
-              <a:rPr lang="en-US" sz="2000" dirty="0">
-                <a:solidFill>
-                  <a:schemeClr val="tx1"/>
-                </a:solidFill>
-                <a:latin typeface="Poppins SemiBold" panose="00000700000000000000" pitchFamily="2" charset="0"/>
-                <a:cs typeface="Poppins SemiBold" panose="00000700000000000000" pitchFamily="2" charset="0"/>
-              </a:rPr>
-              <a:t>Incorrect Answer</a:t>
+              <a:rPr lang="en-US" sz="2000" b="0" i="0" dirty="0">
+                <a:solidFill>
+                  <a:srgbClr val="000000"/>
+                </a:solidFill>
+                <a:effectLst/>
+                <a:latin typeface="tahoma" panose="020B0604030504040204" pitchFamily="34" charset="0"/>
+              </a:rPr>
+              <a:t>Un plugin para VS</a:t>
             </a:r>
             <a:endParaRPr lang="en-IN" sz="2000" dirty="0">
               <a:solidFill>
@@ -9898,7 +11541,7 @@
         <p:nvSpPr>
           <p:cNvPr id="5" name="Rectangle 4">
             <a:hlinkClick r:id="" action="ppaction://hlinkshowjump?jump=nextslide">
-              <a:snd r:embed="rId4" name="CorrectAnswerSFX.wav"/>
+              <a:snd r:embed="rId5" name="CorrectAnswerSFX.wav"/>
             </a:hlinkClick>
             <a:extLst>
               <a:ext uri="{FF2B5EF4-FFF2-40B4-BE49-F238E27FC236}">
@@ -9961,24 +11604,54 @@
           <a:p>
             <a:pPr algn="ctr" defTabSz="685800"/>
             <a:r>
-              <a:rPr lang="en-US" sz="2000" dirty="0">
-                <a:solidFill>
-                  <a:schemeClr val="tx1"/>
-                </a:solidFill>
-                <a:latin typeface="Poppins SemiBold" panose="00000700000000000000" pitchFamily="2" charset="0"/>
-                <a:cs typeface="Poppins SemiBold" panose="00000700000000000000" pitchFamily="2" charset="0"/>
-              </a:rPr>
-              <a:t>Respuesta </a:t>
-            </a:r>
-            <a:r>
-              <a:rPr lang="en-US" sz="2000" dirty="0" err="1">
-                <a:solidFill>
-                  <a:schemeClr val="tx1"/>
-                </a:solidFill>
-                <a:latin typeface="Poppins SemiBold" panose="00000700000000000000" pitchFamily="2" charset="0"/>
-                <a:cs typeface="Poppins SemiBold" panose="00000700000000000000" pitchFamily="2" charset="0"/>
-              </a:rPr>
-              <a:t>Correcta</a:t>
+              <a:rPr lang="en-US" sz="2000" b="0" i="0" dirty="0" err="1">
+                <a:solidFill>
+                  <a:srgbClr val="000000"/>
+                </a:solidFill>
+                <a:effectLst/>
+                <a:latin typeface="tahoma" panose="020B0604030504040204" pitchFamily="34" charset="0"/>
+              </a:rPr>
+              <a:t>Entorno</a:t>
+            </a:r>
+            <a:r>
+              <a:rPr lang="en-US" sz="2000" b="0" i="0" dirty="0">
+                <a:solidFill>
+                  <a:srgbClr val="000000"/>
+                </a:solidFill>
+                <a:effectLst/>
+                <a:latin typeface="tahoma" panose="020B0604030504040204" pitchFamily="34" charset="0"/>
+              </a:rPr>
+              <a:t> de </a:t>
+            </a:r>
+            <a:r>
+              <a:rPr lang="en-US" sz="2000" b="0" i="0" dirty="0" err="1">
+                <a:solidFill>
+                  <a:srgbClr val="000000"/>
+                </a:solidFill>
+                <a:effectLst/>
+                <a:latin typeface="tahoma" panose="020B0604030504040204" pitchFamily="34" charset="0"/>
+              </a:rPr>
+              <a:t>desarrollo</a:t>
+            </a:r>
+            <a:r>
+              <a:rPr lang="en-US" sz="2000" b="0" i="0" dirty="0">
+                <a:solidFill>
+                  <a:srgbClr val="000000"/>
+                </a:solidFill>
+                <a:effectLst/>
+                <a:latin typeface="tahoma" panose="020B0604030504040204" pitchFamily="34" charset="0"/>
+              </a:rPr>
+              <a:t> </a:t>
+            </a:r>
+            <a:r>
+              <a:rPr lang="en-US" sz="2000" b="0" i="0" dirty="0" err="1">
+                <a:solidFill>
+                  <a:srgbClr val="000000"/>
+                </a:solidFill>
+                <a:effectLst/>
+                <a:latin typeface="tahoma" panose="020B0604030504040204" pitchFamily="34" charset="0"/>
+              </a:rPr>
+              <a:t>integrado</a:t>
             </a:r>
             <a:endParaRPr lang="en-IN" sz="2000" dirty="0">
               <a:solidFill>
@@ -10745,14 +12418,14 @@
               <a:t>18. </a:t>
             </a:r>
             <a:r>
-              <a:rPr lang="en-US" sz="3200" dirty="0" err="1">
-                <a:solidFill>
-                  <a:prstClr val="black"/>
-                </a:solidFill>
-                <a:latin typeface="Poppins SemiBold" panose="00000700000000000000" pitchFamily="2" charset="0"/>
-                <a:cs typeface="Poppins SemiBold" panose="00000700000000000000" pitchFamily="2" charset="0"/>
-              </a:rPr>
-              <a:t>Pregunta</a:t>
+              <a:rPr lang="es-ES" sz="3200" b="0" i="0" dirty="0">
+                <a:solidFill>
+                  <a:srgbClr val="000000"/>
+                </a:solidFill>
+                <a:effectLst/>
+                <a:latin typeface="Calibri" panose="020F0502020204030204" pitchFamily="34" charset="0"/>
+              </a:rPr>
+              <a:t>¿Qué disfraz no estaba disponible en el fotomatón? </a:t>
             </a:r>
             <a:endParaRPr lang="en-IN" sz="3200" dirty="0">
               <a:solidFill>
@@ -10831,14 +12504,14 @@
           <a:p>
             <a:pPr algn="ctr" defTabSz="685800"/>
             <a:r>
-              <a:rPr lang="en-US" sz="2000" dirty="0">
-                <a:solidFill>
-                  <a:schemeClr val="tx1"/>
-                </a:solidFill>
-                <a:latin typeface="Poppins SemiBold" panose="00000700000000000000" pitchFamily="2" charset="0"/>
-                <a:cs typeface="Poppins SemiBold" panose="00000700000000000000" pitchFamily="2" charset="0"/>
-              </a:rPr>
-              <a:t>Incorrect Answer</a:t>
+              <a:rPr lang="en-US" sz="2000" b="0" i="0" dirty="0">
+                <a:solidFill>
+                  <a:srgbClr val="000000"/>
+                </a:solidFill>
+                <a:effectLst/>
+                <a:latin typeface="tahoma" panose="020B0604030504040204" pitchFamily="34" charset="0"/>
+              </a:rPr>
+              <a:t>Sevillana</a:t>
             </a:r>
             <a:endParaRPr lang="en-IN" sz="2000" dirty="0">
               <a:solidFill>
@@ -10917,24 +12590,14 @@
           <a:p>
             <a:pPr algn="ctr" defTabSz="685800"/>
             <a:r>
-              <a:rPr lang="en-US" sz="2000" dirty="0">
-                <a:solidFill>
-                  <a:schemeClr val="tx1"/>
-                </a:solidFill>
-                <a:latin typeface="Poppins SemiBold" panose="00000700000000000000" pitchFamily="2" charset="0"/>
-                <a:cs typeface="Poppins SemiBold" panose="00000700000000000000" pitchFamily="2" charset="0"/>
-              </a:rPr>
-              <a:t>Respuesta </a:t>
-            </a:r>
-            <a:r>
-              <a:rPr lang="en-US" sz="2000" dirty="0" err="1">
-                <a:solidFill>
-                  <a:schemeClr val="tx1"/>
-                </a:solidFill>
-                <a:latin typeface="Poppins SemiBold" panose="00000700000000000000" pitchFamily="2" charset="0"/>
-                <a:cs typeface="Poppins SemiBold" panose="00000700000000000000" pitchFamily="2" charset="0"/>
-              </a:rPr>
-              <a:t>Correcta</a:t>
+              <a:rPr lang="en-US" sz="2000" b="0" i="0" dirty="0">
+                <a:solidFill>
+                  <a:srgbClr val="000000"/>
+                </a:solidFill>
+                <a:effectLst/>
+                <a:latin typeface="tahoma" panose="020B0604030504040204" pitchFamily="34" charset="0"/>
+              </a:rPr>
+              <a:t>Torero</a:t>
             </a:r>
             <a:endParaRPr lang="en-IN" sz="2000" dirty="0">
               <a:solidFill>
@@ -11223,14 +12886,14 @@
               <a:t>19. </a:t>
             </a:r>
             <a:r>
-              <a:rPr lang="en-US" sz="3200" dirty="0" err="1">
-                <a:solidFill>
-                  <a:prstClr val="black"/>
-                </a:solidFill>
-                <a:latin typeface="Poppins SemiBold" panose="00000700000000000000" pitchFamily="2" charset="0"/>
-                <a:cs typeface="Poppins SemiBold" panose="00000700000000000000" pitchFamily="2" charset="0"/>
-              </a:rPr>
-              <a:t>Pregunta</a:t>
+              <a:rPr lang="es-ES" sz="3200" b="0" i="0" dirty="0">
+                <a:solidFill>
+                  <a:srgbClr val="000000"/>
+                </a:solidFill>
+                <a:effectLst/>
+                <a:latin typeface="Calibri" panose="020F0502020204030204" pitchFamily="34" charset="0"/>
+              </a:rPr>
+              <a:t>¿Qué es MSIL? </a:t>
             </a:r>
             <a:endParaRPr lang="en-IN" sz="3200" dirty="0">
               <a:solidFill>
@@ -11245,8 +12908,8 @@
       <p:sp>
         <p:nvSpPr>
           <p:cNvPr id="3" name="Rectangle 2">
-            <a:hlinkClick r:id="rId2" action="ppaction://hlinksldjump">
-              <a:snd r:embed="rId3" name="WrongAnswerSFX.wav"/>
+            <a:hlinkClick r:id="rId3" action="ppaction://hlinksldjump">
+              <a:snd r:embed="rId4" name="WrongAnswerSFX.wav"/>
             </a:hlinkClick>
             <a:extLst>
               <a:ext uri="{FF2B5EF4-FFF2-40B4-BE49-F238E27FC236}">
@@ -11309,14 +12972,14 @@
           <a:p>
             <a:pPr algn="ctr" defTabSz="685800"/>
             <a:r>
-              <a:rPr lang="en-US" sz="2000" dirty="0">
-                <a:solidFill>
-                  <a:schemeClr val="tx1"/>
-                </a:solidFill>
-                <a:latin typeface="Poppins SemiBold" panose="00000700000000000000" pitchFamily="2" charset="0"/>
-                <a:cs typeface="Poppins SemiBold" panose="00000700000000000000" pitchFamily="2" charset="0"/>
-              </a:rPr>
-              <a:t>Incorrect Answer</a:t>
+              <a:rPr lang="en-US" sz="2000" b="0" i="0" dirty="0">
+                <a:solidFill>
+                  <a:srgbClr val="4A4A4A"/>
+                </a:solidFill>
+                <a:effectLst/>
+                <a:latin typeface="Open Sans" panose="020B0606030504020204" pitchFamily="34" charset="0"/>
+              </a:rPr>
+              <a:t>Microsoft Artificial Intelligence Language</a:t>
             </a:r>
             <a:endParaRPr lang="en-IN" sz="2000" dirty="0">
               <a:solidFill>
@@ -11332,7 +12995,7 @@
         <p:nvSpPr>
           <p:cNvPr id="5" name="Rectangle 4">
             <a:hlinkClick r:id="" action="ppaction://hlinkshowjump?jump=nextslide">
-              <a:snd r:embed="rId4" name="CorrectAnswerSFX.wav"/>
+              <a:snd r:embed="rId5" name="CorrectAnswerSFX.wav"/>
             </a:hlinkClick>
             <a:extLst>
               <a:ext uri="{FF2B5EF4-FFF2-40B4-BE49-F238E27FC236}">
@@ -11395,24 +13058,14 @@
           <a:p>
             <a:pPr algn="ctr" defTabSz="685800"/>
             <a:r>
-              <a:rPr lang="en-US" sz="2000" dirty="0">
-                <a:solidFill>
-                  <a:schemeClr val="tx1"/>
-                </a:solidFill>
-                <a:latin typeface="Poppins SemiBold" panose="00000700000000000000" pitchFamily="2" charset="0"/>
-                <a:cs typeface="Poppins SemiBold" panose="00000700000000000000" pitchFamily="2" charset="0"/>
-              </a:rPr>
-              <a:t>Respuesta </a:t>
-            </a:r>
-            <a:r>
-              <a:rPr lang="en-US" sz="2000" dirty="0" err="1">
-                <a:solidFill>
-                  <a:schemeClr val="tx1"/>
-                </a:solidFill>
-                <a:latin typeface="Poppins SemiBold" panose="00000700000000000000" pitchFamily="2" charset="0"/>
-                <a:cs typeface="Poppins SemiBold" panose="00000700000000000000" pitchFamily="2" charset="0"/>
-              </a:rPr>
-              <a:t>Correcta</a:t>
+              <a:rPr lang="en-US" sz="2000" b="0" i="0" dirty="0">
+                <a:solidFill>
+                  <a:srgbClr val="4A4A4A"/>
+                </a:solidFill>
+                <a:effectLst/>
+                <a:latin typeface="Open Sans" panose="020B0606030504020204" pitchFamily="34" charset="0"/>
+              </a:rPr>
+              <a:t>Microsoft Intermediate Language</a:t>
             </a:r>
             <a:endParaRPr lang="en-IN" sz="2000" dirty="0">
               <a:solidFill>
@@ -11874,14 +13527,54 @@
               <a:t>20. </a:t>
             </a:r>
             <a:r>
-              <a:rPr lang="en-US" sz="3200" dirty="0" err="1">
-                <a:solidFill>
-                  <a:prstClr val="black"/>
-                </a:solidFill>
-                <a:latin typeface="Poppins SemiBold" panose="00000700000000000000" pitchFamily="2" charset="0"/>
-                <a:cs typeface="Poppins SemiBold" panose="00000700000000000000" pitchFamily="2" charset="0"/>
-              </a:rPr>
-              <a:t>Pregunta</a:t>
+              <a:rPr lang="en-US" sz="3200" b="0" i="0" dirty="0">
+                <a:solidFill>
+                  <a:srgbClr val="000000"/>
+                </a:solidFill>
+                <a:effectLst/>
+                <a:latin typeface="tahoma" panose="020B0604030504040204" pitchFamily="34" charset="0"/>
+              </a:rPr>
+              <a:t>¿Los </a:t>
+            </a:r>
+            <a:r>
+              <a:rPr lang="en-US" sz="3200" b="0" i="0" dirty="0" err="1">
+                <a:solidFill>
+                  <a:srgbClr val="000000"/>
+                </a:solidFill>
+                <a:effectLst/>
+                <a:latin typeface="tahoma" panose="020B0604030504040204" pitchFamily="34" charset="0"/>
+              </a:rPr>
+              <a:t>analizadores</a:t>
+            </a:r>
+            <a:r>
+              <a:rPr lang="en-US" sz="3200" b="0" i="0" dirty="0">
+                <a:solidFill>
+                  <a:srgbClr val="000000"/>
+                </a:solidFill>
+                <a:effectLst/>
+                <a:latin typeface="tahoma" panose="020B0604030504040204" pitchFamily="34" charset="0"/>
+              </a:rPr>
+              <a:t> de </a:t>
+            </a:r>
+            <a:r>
+              <a:rPr lang="en-US" sz="3200" b="0" i="0" dirty="0" err="1">
+                <a:solidFill>
+                  <a:srgbClr val="000000"/>
+                </a:solidFill>
+                <a:effectLst/>
+                <a:latin typeface="tahoma" panose="020B0604030504040204" pitchFamily="34" charset="0"/>
+              </a:rPr>
+              <a:t>código</a:t>
+            </a:r>
+            <a:r>
+              <a:rPr lang="en-US" sz="3200" b="0" i="0" dirty="0">
+                <a:solidFill>
+                  <a:srgbClr val="000000"/>
+                </a:solidFill>
+                <a:effectLst/>
+                <a:latin typeface="tahoma" panose="020B0604030504040204" pitchFamily="34" charset="0"/>
+              </a:rPr>
+              <a:t> de Roslyn son?</a:t>
             </a:r>
             <a:endParaRPr lang="en-IN" sz="3200" dirty="0">
               <a:solidFill>
@@ -11896,8 +13589,8 @@
       <p:sp>
         <p:nvSpPr>
           <p:cNvPr id="3" name="Rectangle 2">
-            <a:hlinkClick r:id="rId2" action="ppaction://hlinksldjump">
-              <a:snd r:embed="rId3" name="WrongAnswerSFX.wav"/>
+            <a:hlinkClick r:id="rId3" action="ppaction://hlinksldjump">
+              <a:snd r:embed="rId4" name="WrongAnswerSFX.wav"/>
             </a:hlinkClick>
             <a:extLst>
               <a:ext uri="{FF2B5EF4-FFF2-40B4-BE49-F238E27FC236}">
@@ -11960,14 +13653,34 @@
           <a:p>
             <a:pPr algn="ctr" defTabSz="685800"/>
             <a:r>
-              <a:rPr lang="en-US" sz="2000" dirty="0">
-                <a:solidFill>
-                  <a:schemeClr val="tx1"/>
-                </a:solidFill>
-                <a:latin typeface="Poppins SemiBold" panose="00000700000000000000" pitchFamily="2" charset="0"/>
-                <a:cs typeface="Poppins SemiBold" panose="00000700000000000000" pitchFamily="2" charset="0"/>
-              </a:rPr>
-              <a:t>Incorrect Answer</a:t>
+              <a:rPr lang="en-US" sz="2000" b="0" i="0" dirty="0" err="1">
+                <a:solidFill>
+                  <a:srgbClr val="000000"/>
+                </a:solidFill>
+                <a:effectLst/>
+                <a:latin typeface="tahoma" panose="020B0604030504040204" pitchFamily="34" charset="0"/>
+              </a:rPr>
+              <a:t>Analizadores</a:t>
+            </a:r>
+            <a:r>
+              <a:rPr lang="en-US" sz="2000" b="0" i="0" dirty="0">
+                <a:solidFill>
+                  <a:srgbClr val="000000"/>
+                </a:solidFill>
+                <a:effectLst/>
+                <a:latin typeface="tahoma" panose="020B0604030504040204" pitchFamily="34" charset="0"/>
+              </a:rPr>
+              <a:t> </a:t>
+            </a:r>
+            <a:r>
+              <a:rPr lang="en-US" sz="2000" b="0" i="0" dirty="0" err="1">
+                <a:solidFill>
+                  <a:srgbClr val="000000"/>
+                </a:solidFill>
+                <a:effectLst/>
+                <a:latin typeface="tahoma" panose="020B0604030504040204" pitchFamily="34" charset="0"/>
+              </a:rPr>
+              <a:t>dinámicos</a:t>
             </a:r>
             <a:endParaRPr lang="en-IN" sz="2000" dirty="0">
               <a:solidFill>
@@ -11983,7 +13696,7 @@
         <p:nvSpPr>
           <p:cNvPr id="5" name="Rectangle 4">
             <a:hlinkClick r:id="" action="ppaction://hlinkshowjump?jump=nextslide">
-              <a:snd r:embed="rId4" name="CorrectAnswerSFX.wav"/>
+              <a:snd r:embed="rId5" name="CorrectAnswerSFX.wav"/>
             </a:hlinkClick>
             <a:extLst>
               <a:ext uri="{FF2B5EF4-FFF2-40B4-BE49-F238E27FC236}">
@@ -12046,24 +13759,34 @@
           <a:p>
             <a:pPr algn="ctr" defTabSz="685800"/>
             <a:r>
-              <a:rPr lang="en-US" sz="2000" dirty="0">
-                <a:solidFill>
-                  <a:schemeClr val="tx1"/>
-                </a:solidFill>
-                <a:latin typeface="Poppins SemiBold" panose="00000700000000000000" pitchFamily="2" charset="0"/>
-                <a:cs typeface="Poppins SemiBold" panose="00000700000000000000" pitchFamily="2" charset="0"/>
-              </a:rPr>
-              <a:t>Respuesta </a:t>
-            </a:r>
-            <a:r>
-              <a:rPr lang="en-US" sz="2000" dirty="0" err="1">
-                <a:solidFill>
-                  <a:schemeClr val="tx1"/>
-                </a:solidFill>
-                <a:latin typeface="Poppins SemiBold" panose="00000700000000000000" pitchFamily="2" charset="0"/>
-                <a:cs typeface="Poppins SemiBold" panose="00000700000000000000" pitchFamily="2" charset="0"/>
-              </a:rPr>
-              <a:t>Correcta</a:t>
+              <a:rPr lang="en-US" sz="2000" b="0" i="0" dirty="0" err="1">
+                <a:solidFill>
+                  <a:srgbClr val="000000"/>
+                </a:solidFill>
+                <a:effectLst/>
+                <a:latin typeface="tahoma" panose="020B0604030504040204" pitchFamily="34" charset="0"/>
+              </a:rPr>
+              <a:t>Analizadores</a:t>
+            </a:r>
+            <a:r>
+              <a:rPr lang="en-US" sz="2000" b="0" i="0" dirty="0">
+                <a:solidFill>
+                  <a:srgbClr val="000000"/>
+                </a:solidFill>
+                <a:effectLst/>
+                <a:latin typeface="tahoma" panose="020B0604030504040204" pitchFamily="34" charset="0"/>
+              </a:rPr>
+              <a:t> </a:t>
+            </a:r>
+            <a:r>
+              <a:rPr lang="en-US" sz="2000" b="0" i="0" dirty="0" err="1">
+                <a:solidFill>
+                  <a:srgbClr val="000000"/>
+                </a:solidFill>
+                <a:effectLst/>
+                <a:latin typeface="tahoma" panose="020B0604030504040204" pitchFamily="34" charset="0"/>
+              </a:rPr>
+              <a:t>estáticos</a:t>
             </a:r>
             <a:endParaRPr lang="en-IN" sz="2000" dirty="0">
               <a:solidFill>
@@ -12352,14 +14075,14 @@
               <a:t>21. </a:t>
             </a:r>
             <a:r>
-              <a:rPr lang="en-US" sz="3200" dirty="0" err="1">
-                <a:solidFill>
-                  <a:prstClr val="black"/>
-                </a:solidFill>
-                <a:latin typeface="Poppins SemiBold" panose="00000700000000000000" pitchFamily="2" charset="0"/>
-                <a:cs typeface="Poppins SemiBold" panose="00000700000000000000" pitchFamily="2" charset="0"/>
-              </a:rPr>
-              <a:t>Pregunta</a:t>
+              <a:rPr lang="es-ES" sz="2800" b="0" i="0" dirty="0">
+                <a:solidFill>
+                  <a:srgbClr val="000000"/>
+                </a:solidFill>
+                <a:effectLst/>
+                <a:latin typeface="Calibri" panose="020F0502020204030204" pitchFamily="34" charset="0"/>
+              </a:rPr>
+              <a:t>¿Cual es la principal diferencia relacionada con el ámbito de administración de los dispositivos entre Intune y un dominio basado en directorio activo?</a:t>
             </a:r>
             <a:endParaRPr lang="en-IN" sz="3200" dirty="0">
               <a:solidFill>
@@ -12374,8 +14097,8 @@
       <p:sp>
         <p:nvSpPr>
           <p:cNvPr id="3" name="Rectangle 2">
-            <a:hlinkClick r:id="rId2" action="ppaction://hlinksldjump">
-              <a:snd r:embed="rId3" name="WrongAnswerSFX.wav"/>
+            <a:hlinkClick r:id="rId3" action="ppaction://hlinksldjump">
+              <a:snd r:embed="rId4" name="WrongAnswerSFX.wav"/>
             </a:hlinkClick>
             <a:extLst>
               <a:ext uri="{FF2B5EF4-FFF2-40B4-BE49-F238E27FC236}">
@@ -12438,14 +14161,14 @@
           <a:p>
             <a:pPr algn="ctr" defTabSz="685800"/>
             <a:r>
-              <a:rPr lang="en-US" sz="2000" dirty="0">
-                <a:solidFill>
-                  <a:schemeClr val="tx1"/>
-                </a:solidFill>
-                <a:latin typeface="Poppins SemiBold" panose="00000700000000000000" pitchFamily="2" charset="0"/>
-                <a:cs typeface="Poppins SemiBold" panose="00000700000000000000" pitchFamily="2" charset="0"/>
-              </a:rPr>
-              <a:t>Incorrect Answer</a:t>
+              <a:rPr lang="es-ES" sz="2000" b="0" i="0" dirty="0">
+                <a:solidFill>
+                  <a:srgbClr val="000000"/>
+                </a:solidFill>
+                <a:effectLst/>
+                <a:latin typeface="Calibri" panose="020F0502020204030204" pitchFamily="34" charset="0"/>
+              </a:rPr>
+              <a:t>Que con Intune podemos administrar dispositivos Android y IOS y otros sistemas operativos no Windows.</a:t>
             </a:r>
             <a:endParaRPr lang="en-IN" sz="2000" dirty="0">
               <a:solidFill>
@@ -12461,7 +14184,7 @@
         <p:nvSpPr>
           <p:cNvPr id="5" name="Rectangle 4">
             <a:hlinkClick r:id="" action="ppaction://hlinkshowjump?jump=nextslide">
-              <a:snd r:embed="rId4" name="CorrectAnswerSFX.wav"/>
+              <a:snd r:embed="rId5" name="CorrectAnswerSFX.wav"/>
             </a:hlinkClick>
             <a:extLst>
               <a:ext uri="{FF2B5EF4-FFF2-40B4-BE49-F238E27FC236}">
@@ -12524,24 +14247,14 @@
           <a:p>
             <a:pPr algn="ctr" defTabSz="685800"/>
             <a:r>
-              <a:rPr lang="en-US" sz="2000" dirty="0">
-                <a:solidFill>
-                  <a:schemeClr val="tx1"/>
-                </a:solidFill>
-                <a:latin typeface="Poppins SemiBold" panose="00000700000000000000" pitchFamily="2" charset="0"/>
-                <a:cs typeface="Poppins SemiBold" panose="00000700000000000000" pitchFamily="2" charset="0"/>
-              </a:rPr>
-              <a:t>Respuesta </a:t>
-            </a:r>
-            <a:r>
-              <a:rPr lang="en-US" sz="2000" dirty="0" err="1">
-                <a:solidFill>
-                  <a:schemeClr val="tx1"/>
-                </a:solidFill>
-                <a:latin typeface="Poppins SemiBold" panose="00000700000000000000" pitchFamily="2" charset="0"/>
-                <a:cs typeface="Poppins SemiBold" panose="00000700000000000000" pitchFamily="2" charset="0"/>
-              </a:rPr>
-              <a:t>Correcta</a:t>
+              <a:rPr lang="es-ES" sz="2000" b="0" i="0" dirty="0">
+                <a:solidFill>
+                  <a:srgbClr val="000000"/>
+                </a:solidFill>
+                <a:effectLst/>
+                <a:latin typeface="Calibri" panose="020F0502020204030204" pitchFamily="34" charset="0"/>
+              </a:rPr>
+              <a:t>Que con Intune no necesitamos que nuestros dispositivos estén en la red local.</a:t>
             </a:r>
             <a:endParaRPr lang="en-IN" sz="2000" dirty="0">
               <a:solidFill>
@@ -12832,14 +14545,34 @@
               <a:t>2. </a:t>
             </a:r>
             <a:r>
-              <a:rPr lang="en-US" sz="3200" dirty="0" err="1">
-                <a:solidFill>
-                  <a:prstClr val="black"/>
-                </a:solidFill>
-                <a:latin typeface="Poppins SemiBold" panose="00000700000000000000" pitchFamily="2" charset="0"/>
-                <a:cs typeface="Poppins SemiBold" panose="00000700000000000000" pitchFamily="2" charset="0"/>
-              </a:rPr>
-              <a:t>Pregunta</a:t>
+              <a:rPr lang="es-ES" sz="3200" b="0" i="0" dirty="0">
+                <a:solidFill>
+                  <a:srgbClr val="000000"/>
+                </a:solidFill>
+                <a:effectLst/>
+                <a:latin typeface="Segoe UI" panose="020B0502040204020203" pitchFamily="34" charset="0"/>
+              </a:rPr>
+              <a:t>¿Cuál es el protocolo que utiliza </a:t>
+            </a:r>
+            <a:r>
+              <a:rPr lang="es-ES" sz="3200" b="0" i="0" dirty="0" err="1">
+                <a:solidFill>
+                  <a:srgbClr val="000000"/>
+                </a:solidFill>
+                <a:effectLst/>
+                <a:latin typeface="Segoe UI" panose="020B0502040204020203" pitchFamily="34" charset="0"/>
+              </a:rPr>
+              <a:t>OpenTelemetry</a:t>
+            </a:r>
+            <a:r>
+              <a:rPr lang="es-ES" sz="3200" b="0" i="0" dirty="0">
+                <a:solidFill>
+                  <a:srgbClr val="000000"/>
+                </a:solidFill>
+                <a:effectLst/>
+                <a:latin typeface="Segoe UI" panose="020B0502040204020203" pitchFamily="34" charset="0"/>
+              </a:rPr>
+              <a:t>?</a:t>
             </a:r>
             <a:endParaRPr lang="en-IN" sz="3200" dirty="0">
               <a:solidFill>
@@ -12854,8 +14587,8 @@
       <p:sp>
         <p:nvSpPr>
           <p:cNvPr id="3" name="Rectangle 2">
-            <a:hlinkClick r:id="rId2" action="ppaction://hlinksldjump">
-              <a:snd r:embed="rId3" name="WrongAnswerSFX.wav"/>
+            <a:hlinkClick r:id="rId3" action="ppaction://hlinksldjump">
+              <a:snd r:embed="rId4" name="WrongAnswerSFX.wav"/>
             </a:hlinkClick>
             <a:extLst>
               <a:ext uri="{FF2B5EF4-FFF2-40B4-BE49-F238E27FC236}">
@@ -12920,14 +14653,14 @@
               <a:defRPr/>
             </a:pPr>
             <a:r>
-              <a:rPr lang="en-US" sz="2000" dirty="0">
-                <a:solidFill>
-                  <a:prstClr val="black"/>
-                </a:solidFill>
-                <a:latin typeface="Poppins SemiBold" panose="00000700000000000000" pitchFamily="2" charset="0"/>
-                <a:cs typeface="Poppins SemiBold" panose="00000700000000000000" pitchFamily="2" charset="0"/>
-              </a:rPr>
-              <a:t>Incorrect Answer</a:t>
+              <a:rPr lang="en-US" sz="2000" b="0" i="0" dirty="0">
+                <a:solidFill>
+                  <a:srgbClr val="000000"/>
+                </a:solidFill>
+                <a:effectLst/>
+                <a:latin typeface="Segoe UI" panose="020B0502040204020203" pitchFamily="34" charset="0"/>
+              </a:rPr>
+              <a:t>OTEL</a:t>
             </a:r>
             <a:endParaRPr lang="en-IN" sz="2000" dirty="0">
               <a:solidFill>
@@ -12943,7 +14676,7 @@
         <p:nvSpPr>
           <p:cNvPr id="5" name="Rectangle 4">
             <a:hlinkClick r:id="" action="ppaction://hlinkshowjump?jump=nextslide">
-              <a:snd r:embed="rId4" name="CorrectAnswerSFX.wav"/>
+              <a:snd r:embed="rId5" name="CorrectAnswerSFX.wav"/>
             </a:hlinkClick>
             <a:extLst>
               <a:ext uri="{FF2B5EF4-FFF2-40B4-BE49-F238E27FC236}">
@@ -13006,24 +14739,14 @@
           <a:p>
             <a:pPr algn="ctr" defTabSz="685800"/>
             <a:r>
-              <a:rPr lang="en-US" sz="2000" dirty="0">
-                <a:solidFill>
-                  <a:schemeClr val="tx1"/>
-                </a:solidFill>
-                <a:latin typeface="Poppins SemiBold" panose="00000700000000000000" pitchFamily="2" charset="0"/>
-                <a:cs typeface="Poppins SemiBold" panose="00000700000000000000" pitchFamily="2" charset="0"/>
-              </a:rPr>
-              <a:t>Respuesta </a:t>
-            </a:r>
-            <a:r>
-              <a:rPr lang="en-US" sz="2000" dirty="0" err="1">
-                <a:solidFill>
-                  <a:schemeClr val="tx1"/>
-                </a:solidFill>
-                <a:latin typeface="Poppins SemiBold" panose="00000700000000000000" pitchFamily="2" charset="0"/>
-                <a:cs typeface="Poppins SemiBold" panose="00000700000000000000" pitchFamily="2" charset="0"/>
-              </a:rPr>
-              <a:t>Correcta</a:t>
+              <a:rPr lang="en-US" sz="2000" b="0" i="0" dirty="0">
+                <a:solidFill>
+                  <a:srgbClr val="000000"/>
+                </a:solidFill>
+                <a:effectLst/>
+                <a:latin typeface="Segoe UI" panose="020B0502040204020203" pitchFamily="34" charset="0"/>
+              </a:rPr>
+              <a:t>OTLP</a:t>
             </a:r>
             <a:endParaRPr lang="en-IN" sz="2000" dirty="0">
               <a:solidFill>
@@ -13314,14 +15037,34 @@
               <a:t>3. </a:t>
             </a:r>
             <a:r>
-              <a:rPr lang="en-US" sz="3200" dirty="0" err="1">
-                <a:solidFill>
-                  <a:prstClr val="black"/>
-                </a:solidFill>
-                <a:latin typeface="Poppins SemiBold" panose="00000700000000000000" pitchFamily="2" charset="0"/>
-                <a:cs typeface="Poppins SemiBold" panose="00000700000000000000" pitchFamily="2" charset="0"/>
-              </a:rPr>
-              <a:t>Pregunta</a:t>
+              <a:rPr lang="es-ES" sz="3200" b="0" i="0" dirty="0">
+                <a:solidFill>
+                  <a:srgbClr val="000000"/>
+                </a:solidFill>
+                <a:effectLst/>
+                <a:latin typeface="Segoe UI" panose="020B0502040204020203" pitchFamily="34" charset="0"/>
+              </a:rPr>
+              <a:t>¿Con qué cantidad de datos fue entrenado el modelo GPT 4 de </a:t>
+            </a:r>
+            <a:r>
+              <a:rPr lang="es-ES" sz="3200" b="0" i="0" dirty="0" err="1">
+                <a:solidFill>
+                  <a:srgbClr val="000000"/>
+                </a:solidFill>
+                <a:effectLst/>
+                <a:latin typeface="Segoe UI" panose="020B0502040204020203" pitchFamily="34" charset="0"/>
+              </a:rPr>
+              <a:t>OpenAI</a:t>
+            </a:r>
+            <a:r>
+              <a:rPr lang="es-ES" sz="3200" b="0" i="0" dirty="0">
+                <a:solidFill>
+                  <a:srgbClr val="000000"/>
+                </a:solidFill>
+                <a:effectLst/>
+                <a:latin typeface="Segoe UI" panose="020B0502040204020203" pitchFamily="34" charset="0"/>
+              </a:rPr>
+              <a:t>?</a:t>
             </a:r>
             <a:endParaRPr lang="en-IN" sz="3200" dirty="0">
               <a:solidFill>
@@ -13402,14 +15145,14 @@
               <a:defRPr/>
             </a:pPr>
             <a:r>
-              <a:rPr lang="en-US" sz="2000" dirty="0">
-                <a:solidFill>
-                  <a:prstClr val="black"/>
-                </a:solidFill>
-                <a:latin typeface="Poppins SemiBold" panose="00000700000000000000" pitchFamily="2" charset="0"/>
-                <a:cs typeface="Poppins SemiBold" panose="00000700000000000000" pitchFamily="2" charset="0"/>
-              </a:rPr>
-              <a:t>Incorrect Answer</a:t>
+              <a:rPr lang="en-US" sz="2000" b="0" i="0" dirty="0">
+                <a:solidFill>
+                  <a:srgbClr val="000000"/>
+                </a:solidFill>
+                <a:effectLst/>
+                <a:latin typeface="Segoe UI" panose="020B0502040204020203" pitchFamily="34" charset="0"/>
+              </a:rPr>
+              <a:t>17GB</a:t>
             </a:r>
             <a:endParaRPr lang="en-IN" sz="2000" dirty="0">
               <a:solidFill>
@@ -13488,24 +15231,14 @@
           <a:p>
             <a:pPr algn="ctr" defTabSz="685800"/>
             <a:r>
-              <a:rPr lang="en-US" sz="2000" dirty="0">
-                <a:solidFill>
-                  <a:schemeClr val="tx1"/>
-                </a:solidFill>
-                <a:latin typeface="Poppins SemiBold" panose="00000700000000000000" pitchFamily="2" charset="0"/>
-                <a:cs typeface="Poppins SemiBold" panose="00000700000000000000" pitchFamily="2" charset="0"/>
-              </a:rPr>
-              <a:t>Respuesta </a:t>
-            </a:r>
-            <a:r>
-              <a:rPr lang="en-US" sz="2000" dirty="0" err="1">
-                <a:solidFill>
-                  <a:schemeClr val="tx1"/>
-                </a:solidFill>
-                <a:latin typeface="Poppins SemiBold" panose="00000700000000000000" pitchFamily="2" charset="0"/>
-                <a:cs typeface="Poppins SemiBold" panose="00000700000000000000" pitchFamily="2" charset="0"/>
-              </a:rPr>
-              <a:t>Correcta</a:t>
+              <a:rPr lang="en-US" sz="2000" b="0" i="0" dirty="0">
+                <a:solidFill>
+                  <a:srgbClr val="000000"/>
+                </a:solidFill>
+                <a:effectLst/>
+                <a:latin typeface="Segoe UI" panose="020B0502040204020203" pitchFamily="34" charset="0"/>
+              </a:rPr>
+              <a:t>45GB </a:t>
             </a:r>
             <a:endParaRPr lang="en-IN" sz="2000" dirty="0">
               <a:solidFill>
@@ -13782,11 +15515,13 @@
           <a:bodyPr tIns="144000" bIns="90000" rtlCol="0" anchor="ctr"/>
           <a:lstStyle/>
           <a:p>
-            <a:pPr algn="ctr" defTabSz="685800"/>
+            <a:pPr algn="ctr" defTabSz="685800">
+              <a:defRPr/>
+            </a:pPr>
             <a:r>
               <a:rPr lang="en-US" sz="3200" dirty="0">
                 <a:solidFill>
-                  <a:schemeClr val="tx1"/>
+                  <a:prstClr val="black"/>
                 </a:solidFill>
                 <a:latin typeface="Poppins SemiBold" panose="00000700000000000000" pitchFamily="2" charset="0"/>
                 <a:cs typeface="Poppins SemiBold" panose="00000700000000000000" pitchFamily="2" charset="0"/>
@@ -13794,18 +15529,18 @@
               <a:t>4. </a:t>
             </a:r>
             <a:r>
-              <a:rPr lang="en-US" sz="3200" dirty="0" err="1">
-                <a:solidFill>
-                  <a:prstClr val="black"/>
-                </a:solidFill>
-                <a:latin typeface="Poppins SemiBold" panose="00000700000000000000" pitchFamily="2" charset="0"/>
-                <a:cs typeface="Poppins SemiBold" panose="00000700000000000000" pitchFamily="2" charset="0"/>
-              </a:rPr>
-              <a:t>Pregunta</a:t>
+              <a:rPr lang="es-ES" sz="3200" b="0" i="0" dirty="0">
+                <a:solidFill>
+                  <a:srgbClr val="000000"/>
+                </a:solidFill>
+                <a:effectLst/>
+                <a:latin typeface="Segoe UI" panose="020B0502040204020203" pitchFamily="34" charset="0"/>
+              </a:rPr>
+              <a:t>¿Cuál es el porcentaje de nuevo código subido a GitHub creado por IA?</a:t>
             </a:r>
             <a:endParaRPr lang="en-IN" sz="3200" dirty="0">
               <a:solidFill>
-                <a:schemeClr val="tx1"/>
+                <a:prstClr val="black"/>
               </a:solidFill>
               <a:latin typeface="Poppins SemiBold" panose="00000700000000000000" pitchFamily="2" charset="0"/>
               <a:cs typeface="Poppins SemiBold" panose="00000700000000000000" pitchFamily="2" charset="0"/>
@@ -13822,6 +15557,94 @@
             <a:extLst>
               <a:ext uri="{FF2B5EF4-FFF2-40B4-BE49-F238E27FC236}">
                 <a16:creationId xmlns:a16="http://schemas.microsoft.com/office/drawing/2014/main" id="{93EB3632-12C3-41FB-861E-57B9D53BBF65}"/>
+              </a:ext>
+            </a:extLst>
+          </p:cNvPr>
+          <p:cNvSpPr/>
+          <p:nvPr/>
+        </p:nvSpPr>
+        <p:spPr>
+          <a:xfrm>
+            <a:off x="1976846" y="2612571"/>
+            <a:ext cx="3971108" cy="1236618"/>
+          </a:xfrm>
+          <a:prstGeom prst="rect">
+            <a:avLst/>
+          </a:prstGeom>
+          <a:solidFill>
+            <a:schemeClr val="bg1"/>
+          </a:solidFill>
+          <a:ln>
+            <a:solidFill>
+              <a:schemeClr val="bg1">
+                <a:lumMod val="85000"/>
+              </a:schemeClr>
+            </a:solidFill>
+          </a:ln>
+          <a:effectLst>
+            <a:outerShdw blurRad="381000" dist="127000" dir="7080000" sx="94000" sy="94000" algn="t" rotWithShape="0">
+              <a:prstClr val="black">
+                <a:alpha val="16000"/>
+              </a:prstClr>
+            </a:outerShdw>
+          </a:effectLst>
+          <a:scene3d>
+            <a:camera prst="perspectiveFront"/>
+            <a:lightRig rig="threePt" dir="t"/>
+          </a:scene3d>
+        </p:spPr>
+        <p:style>
+          <a:lnRef idx="2">
+            <a:schemeClr val="accent1">
+              <a:shade val="50000"/>
+            </a:schemeClr>
+          </a:lnRef>
+          <a:fillRef idx="1">
+            <a:schemeClr val="accent1"/>
+          </a:fillRef>
+          <a:effectRef idx="0">
+            <a:schemeClr val="accent1"/>
+          </a:effectRef>
+          <a:fontRef idx="minor">
+            <a:schemeClr val="lt1"/>
+          </a:fontRef>
+        </p:style>
+        <p:txBody>
+          <a:bodyPr tIns="144000" bIns="90000" rtlCol="0" anchor="ctr"/>
+          <a:lstStyle/>
+          <a:p>
+            <a:pPr algn="ctr" defTabSz="685800">
+              <a:defRPr/>
+            </a:pPr>
+            <a:r>
+              <a:rPr lang="en-US" sz="2000" b="0" i="0" dirty="0">
+                <a:solidFill>
+                  <a:srgbClr val="000000"/>
+                </a:solidFill>
+                <a:effectLst/>
+                <a:latin typeface="Segoe UI" panose="020B0502040204020203" pitchFamily="34" charset="0"/>
+              </a:rPr>
+              <a:t>54%</a:t>
+            </a:r>
+            <a:endParaRPr lang="en-IN" sz="2000" dirty="0">
+              <a:solidFill>
+                <a:prstClr val="black"/>
+              </a:solidFill>
+              <a:latin typeface="Poppins SemiBold" panose="00000700000000000000" pitchFamily="2" charset="0"/>
+              <a:cs typeface="Poppins SemiBold" panose="00000700000000000000" pitchFamily="2" charset="0"/>
+            </a:endParaRPr>
+          </a:p>
+        </p:txBody>
+      </p:sp>
+      <p:sp>
+        <p:nvSpPr>
+          <p:cNvPr id="5" name="Rectangle 4">
+            <a:hlinkClick r:id="" action="ppaction://hlinkshowjump?jump=nextslide">
+              <a:snd r:embed="rId4" name="CorrectAnswerSFX.wav"/>
+            </a:hlinkClick>
+            <a:extLst>
+              <a:ext uri="{FF2B5EF4-FFF2-40B4-BE49-F238E27FC236}">
+                <a16:creationId xmlns:a16="http://schemas.microsoft.com/office/drawing/2014/main" id="{11A411AB-3628-4BD3-8F92-E851842AEEC9}"/>
               </a:ext>
             </a:extLst>
           </p:cNvPr>
@@ -13880,14 +15703,14 @@
           <a:p>
             <a:pPr algn="ctr" defTabSz="685800"/>
             <a:r>
-              <a:rPr lang="en-US" sz="2000" dirty="0">
-                <a:solidFill>
-                  <a:schemeClr val="tx1"/>
-                </a:solidFill>
-                <a:latin typeface="Poppins SemiBold" panose="00000700000000000000" pitchFamily="2" charset="0"/>
-                <a:cs typeface="Poppins SemiBold" panose="00000700000000000000" pitchFamily="2" charset="0"/>
-              </a:rPr>
-              <a:t>Incorrect Answer</a:t>
+              <a:rPr lang="en-US" sz="2000" b="0" i="0" dirty="0">
+                <a:solidFill>
+                  <a:srgbClr val="000000"/>
+                </a:solidFill>
+                <a:effectLst/>
+                <a:latin typeface="Segoe UI" panose="020B0502040204020203" pitchFamily="34" charset="0"/>
+              </a:rPr>
+              <a:t>46%</a:t>
             </a:r>
             <a:endParaRPr lang="en-IN" sz="2000" dirty="0">
               <a:solidFill>
@@ -13899,106 +15722,10 @@
           </a:p>
         </p:txBody>
       </p:sp>
-      <p:sp>
-        <p:nvSpPr>
-          <p:cNvPr id="5" name="Rectangle 4">
-            <a:hlinkClick r:id="" action="ppaction://hlinkshowjump?jump=nextslide">
-              <a:snd r:embed="rId4" name="CorrectAnswerSFX.wav"/>
-            </a:hlinkClick>
-            <a:extLst>
-              <a:ext uri="{FF2B5EF4-FFF2-40B4-BE49-F238E27FC236}">
-                <a16:creationId xmlns:a16="http://schemas.microsoft.com/office/drawing/2014/main" id="{11A411AB-3628-4BD3-8F92-E851842AEEC9}"/>
-              </a:ext>
-            </a:extLst>
-          </p:cNvPr>
-          <p:cNvSpPr/>
-          <p:nvPr/>
-        </p:nvSpPr>
-        <p:spPr>
-          <a:xfrm>
-            <a:off x="1976846" y="2612571"/>
-            <a:ext cx="3971108" cy="1236618"/>
-          </a:xfrm>
-          <a:prstGeom prst="rect">
-            <a:avLst/>
-          </a:prstGeom>
-          <a:solidFill>
-            <a:schemeClr val="bg1"/>
-          </a:solidFill>
-          <a:ln>
-            <a:solidFill>
-              <a:schemeClr val="bg1">
-                <a:lumMod val="85000"/>
-              </a:schemeClr>
-            </a:solidFill>
-          </a:ln>
-          <a:effectLst>
-            <a:outerShdw blurRad="381000" dist="127000" dir="7080000" sx="94000" sy="94000" algn="t" rotWithShape="0">
-              <a:prstClr val="black">
-                <a:alpha val="16000"/>
-              </a:prstClr>
-            </a:outerShdw>
-          </a:effectLst>
-          <a:scene3d>
-            <a:camera prst="perspectiveFront"/>
-            <a:lightRig rig="threePt" dir="t"/>
-          </a:scene3d>
-        </p:spPr>
-        <p:style>
-          <a:lnRef idx="2">
-            <a:schemeClr val="accent1">
-              <a:shade val="50000"/>
-            </a:schemeClr>
-          </a:lnRef>
-          <a:fillRef idx="1">
-            <a:schemeClr val="accent1"/>
-          </a:fillRef>
-          <a:effectRef idx="0">
-            <a:schemeClr val="accent1"/>
-          </a:effectRef>
-          <a:fontRef idx="minor">
-            <a:schemeClr val="lt1"/>
-          </a:fontRef>
-        </p:style>
-        <p:txBody>
-          <a:bodyPr tIns="144000" bIns="90000" rtlCol="0" anchor="ctr"/>
-          <a:lstStyle/>
-          <a:p>
-            <a:pPr algn="ctr" defTabSz="685800"/>
-            <a:r>
-              <a:rPr lang="en-US" sz="2000" dirty="0">
-                <a:solidFill>
-                  <a:schemeClr val="tx1"/>
-                </a:solidFill>
-                <a:latin typeface="Poppins SemiBold" panose="00000700000000000000" pitchFamily="2" charset="0"/>
-                <a:cs typeface="Poppins SemiBold" panose="00000700000000000000" pitchFamily="2" charset="0"/>
-              </a:rPr>
-              <a:t>Respuesta </a:t>
-            </a:r>
-            <a:r>
-              <a:rPr lang="en-US" sz="2000" dirty="0" err="1">
-                <a:solidFill>
-                  <a:schemeClr val="tx1"/>
-                </a:solidFill>
-                <a:latin typeface="Poppins SemiBold" panose="00000700000000000000" pitchFamily="2" charset="0"/>
-                <a:cs typeface="Poppins SemiBold" panose="00000700000000000000" pitchFamily="2" charset="0"/>
-              </a:rPr>
-              <a:t>Correcta</a:t>
-            </a:r>
-            <a:endParaRPr lang="en-IN" sz="2000" dirty="0">
-              <a:solidFill>
-                <a:schemeClr val="tx1"/>
-              </a:solidFill>
-              <a:latin typeface="Poppins SemiBold" panose="00000700000000000000" pitchFamily="2" charset="0"/>
-              <a:cs typeface="Poppins SemiBold" panose="00000700000000000000" pitchFamily="2" charset="0"/>
-            </a:endParaRPr>
-          </a:p>
-        </p:txBody>
-      </p:sp>
     </p:spTree>
     <p:extLst>
       <p:ext uri="{BB962C8B-B14F-4D97-AF65-F5344CB8AC3E}">
-        <p14:creationId xmlns:p14="http://schemas.microsoft.com/office/powerpoint/2010/main" val="208276190"/>
+        <p14:creationId xmlns:p14="http://schemas.microsoft.com/office/powerpoint/2010/main" val="31469584"/>
       </p:ext>
     </p:extLst>
   </p:cSld>

--- a/sevilladotnetconf-close.pptx
+++ b/sevilladotnetconf-close.pptx
@@ -240,7 +240,7 @@
           <a:p>
             <a:fld id="{D4E3C7A4-1681-485B-95BE-8E2A9D723281}" type="datetimeFigureOut">
               <a:rPr lang="en-IN" smtClean="0"/>
-              <a:t>19-04-2023</a:t>
+              <a:t>20-04-2023</a:t>
             </a:fld>
             <a:endParaRPr lang="en-IN"/>
           </a:p>
@@ -702,8 +702,32 @@
           <a:lstStyle/>
           <a:p>
             <a:r>
-              <a:rPr lang="es-ES" dirty="0"/>
-              <a:t>MSIL es el lenguaje intermedio de Microsoft, proporciona instrucciones para llamar a métodos, almacenar e inicializar valores, manejo de memoria, manejo de excepciones, etc. Todos los códigos .NET se compilan primero en lenguaje intermedio.</a:t>
+              <a:rPr lang="en-US" dirty="0"/>
+              <a:t>for(;;)</a:t>
+            </a:r>
+            <a:r>
+              <a:rPr lang="en-US" b="0" i="0" dirty="0">
+                <a:solidFill>
+                  <a:srgbClr val="181717"/>
+                </a:solidFill>
+                <a:effectLst/>
+                <a:latin typeface="Verdana" panose="020B0604030504040204" pitchFamily="34" charset="0"/>
+              </a:rPr>
+              <a:t> is perfectly valid. The initializer, condition and steps part can be placed out of the </a:t>
+            </a:r>
+            <a:r>
+              <a:rPr lang="en-US" dirty="0"/>
+              <a:t>for</a:t>
+            </a:r>
+            <a:r>
+              <a:rPr lang="en-US" b="0" i="0" dirty="0">
+                <a:solidFill>
+                  <a:srgbClr val="181717"/>
+                </a:solidFill>
+                <a:effectLst/>
+                <a:latin typeface="Verdana" panose="020B0604030504040204" pitchFamily="34" charset="0"/>
+              </a:rPr>
+              <a:t> loop.</a:t>
             </a:r>
             <a:endParaRPr lang="en-US" dirty="0"/>
           </a:p>
@@ -726,7 +750,7 @@
           <a:p>
             <a:fld id="{CF865426-BED0-4ABD-B70C-6835C1813117}" type="slidenum">
               <a:rPr lang="en-IN" smtClean="0"/>
-              <a:t>39</a:t>
+              <a:t>35</a:t>
             </a:fld>
             <a:endParaRPr lang="en-IN"/>
           </a:p>
@@ -735,7 +759,7 @@
     </p:spTree>
     <p:extLst>
       <p:ext uri="{BB962C8B-B14F-4D97-AF65-F5344CB8AC3E}">
-        <p14:creationId xmlns:p14="http://schemas.microsoft.com/office/powerpoint/2010/main" val="1655826662"/>
+        <p14:creationId xmlns:p14="http://schemas.microsoft.com/office/powerpoint/2010/main" val="756630423"/>
       </p:ext>
     </p:extLst>
   </p:cSld>
@@ -790,6 +814,94 @@
           <a:lstStyle/>
           <a:p>
             <a:r>
+              <a:rPr lang="es-ES" dirty="0"/>
+              <a:t>MSIL es el lenguaje intermedio de Microsoft, proporciona instrucciones para llamar a métodos, almacenar e inicializar valores, manejo de memoria, manejo de excepciones, etc. Todos los códigos .NET se compilan primero en lenguaje intermedio.</a:t>
+            </a:r>
+            <a:endParaRPr lang="en-US" dirty="0"/>
+          </a:p>
+        </p:txBody>
+      </p:sp>
+      <p:sp>
+        <p:nvSpPr>
+          <p:cNvPr id="4" name="Slide Number Placeholder 3"/>
+          <p:cNvSpPr>
+            <a:spLocks noGrp="1"/>
+          </p:cNvSpPr>
+          <p:nvPr>
+            <p:ph type="sldNum" sz="quarter" idx="5"/>
+          </p:nvPr>
+        </p:nvSpPr>
+        <p:spPr/>
+        <p:txBody>
+          <a:bodyPr/>
+          <a:lstStyle/>
+          <a:p>
+            <a:fld id="{CF865426-BED0-4ABD-B70C-6835C1813117}" type="slidenum">
+              <a:rPr lang="en-IN" smtClean="0"/>
+              <a:t>39</a:t>
+            </a:fld>
+            <a:endParaRPr lang="en-IN"/>
+          </a:p>
+        </p:txBody>
+      </p:sp>
+    </p:spTree>
+    <p:extLst>
+      <p:ext uri="{BB962C8B-B14F-4D97-AF65-F5344CB8AC3E}">
+        <p14:creationId xmlns:p14="http://schemas.microsoft.com/office/powerpoint/2010/main" val="1655826662"/>
+      </p:ext>
+    </p:extLst>
+  </p:cSld>
+  <p:clrMapOvr>
+    <a:masterClrMapping/>
+  </p:clrMapOvr>
+</p:notes>
+</file>
+
+<file path=ppt/notesSlides/notesSlide12.xml><?xml version="1.0" encoding="utf-8"?>
+<p:notes xmlns:a="http://schemas.openxmlformats.org/drawingml/2006/main" xmlns:r="http://schemas.openxmlformats.org/officeDocument/2006/relationships" xmlns:p="http://schemas.openxmlformats.org/presentationml/2006/main">
+  <p:cSld>
+    <p:spTree>
+      <p:nvGrpSpPr>
+        <p:cNvPr id="1" name=""/>
+        <p:cNvGrpSpPr/>
+        <p:nvPr/>
+      </p:nvGrpSpPr>
+      <p:grpSpPr>
+        <a:xfrm>
+          <a:off x="0" y="0"/>
+          <a:ext cx="0" cy="0"/>
+          <a:chOff x="0" y="0"/>
+          <a:chExt cx="0" cy="0"/>
+        </a:xfrm>
+      </p:grpSpPr>
+      <p:sp>
+        <p:nvSpPr>
+          <p:cNvPr id="2" name="Slide Image Placeholder 1"/>
+          <p:cNvSpPr>
+            <a:spLocks noGrp="1" noRot="1" noChangeAspect="1"/>
+          </p:cNvSpPr>
+          <p:nvPr>
+            <p:ph type="sldImg"/>
+          </p:nvPr>
+        </p:nvSpPr>
+        <p:spPr/>
+      </p:sp>
+      <p:sp>
+        <p:nvSpPr>
+          <p:cNvPr id="3" name="Notes Placeholder 2"/>
+          <p:cNvSpPr>
+            <a:spLocks noGrp="1"/>
+          </p:cNvSpPr>
+          <p:nvPr>
+            <p:ph type="body" idx="1"/>
+          </p:nvPr>
+        </p:nvSpPr>
+        <p:spPr/>
+        <p:txBody>
+          <a:bodyPr/>
+          <a:lstStyle/>
+          <a:p>
+            <a:r>
               <a:rPr lang="es-ES" b="0" i="0" dirty="0">
                 <a:solidFill>
                   <a:srgbClr val="374151"/>
@@ -839,7 +951,7 @@
 </p:notes>
 </file>
 
-<file path=ppt/notesSlides/notesSlide12.xml><?xml version="1.0" encoding="utf-8"?>
+<file path=ppt/notesSlides/notesSlide13.xml><?xml version="1.0" encoding="utf-8"?>
 <p:notes xmlns:a="http://schemas.openxmlformats.org/drawingml/2006/main" xmlns:r="http://schemas.openxmlformats.org/officeDocument/2006/relationships" xmlns:p="http://schemas.openxmlformats.org/presentationml/2006/main">
   <p:cSld>
     <p:spTree>
@@ -2219,7 +2331,7 @@
           <a:p>
             <a:fld id="{1E769D27-5446-4EDF-9743-432CF3085816}" type="datetimeFigureOut">
               <a:rPr lang="en-IN" smtClean="0"/>
-              <a:t>19-04-2023</a:t>
+              <a:t>20-04-2023</a:t>
             </a:fld>
             <a:endParaRPr lang="en-IN"/>
           </a:p>
@@ -2389,7 +2501,7 @@
           <a:p>
             <a:fld id="{1E769D27-5446-4EDF-9743-432CF3085816}" type="datetimeFigureOut">
               <a:rPr lang="en-IN" smtClean="0"/>
-              <a:t>19-04-2023</a:t>
+              <a:t>20-04-2023</a:t>
             </a:fld>
             <a:endParaRPr lang="en-IN"/>
           </a:p>
@@ -2569,7 +2681,7 @@
           <a:p>
             <a:fld id="{1E769D27-5446-4EDF-9743-432CF3085816}" type="datetimeFigureOut">
               <a:rPr lang="en-IN" smtClean="0"/>
-              <a:t>19-04-2023</a:t>
+              <a:t>20-04-2023</a:t>
             </a:fld>
             <a:endParaRPr lang="en-IN"/>
           </a:p>
@@ -2739,7 +2851,7 @@
           <a:p>
             <a:fld id="{1E769D27-5446-4EDF-9743-432CF3085816}" type="datetimeFigureOut">
               <a:rPr lang="en-IN" smtClean="0"/>
-              <a:t>19-04-2023</a:t>
+              <a:t>20-04-2023</a:t>
             </a:fld>
             <a:endParaRPr lang="en-IN"/>
           </a:p>
@@ -2985,7 +3097,7 @@
           <a:p>
             <a:fld id="{1E769D27-5446-4EDF-9743-432CF3085816}" type="datetimeFigureOut">
               <a:rPr lang="en-IN" smtClean="0"/>
-              <a:t>19-04-2023</a:t>
+              <a:t>20-04-2023</a:t>
             </a:fld>
             <a:endParaRPr lang="en-IN"/>
           </a:p>
@@ -3217,7 +3329,7 @@
           <a:p>
             <a:fld id="{1E769D27-5446-4EDF-9743-432CF3085816}" type="datetimeFigureOut">
               <a:rPr lang="en-IN" smtClean="0"/>
-              <a:t>19-04-2023</a:t>
+              <a:t>20-04-2023</a:t>
             </a:fld>
             <a:endParaRPr lang="en-IN"/>
           </a:p>
@@ -3584,7 +3696,7 @@
           <a:p>
             <a:fld id="{1E769D27-5446-4EDF-9743-432CF3085816}" type="datetimeFigureOut">
               <a:rPr lang="en-IN" smtClean="0"/>
-              <a:t>19-04-2023</a:t>
+              <a:t>20-04-2023</a:t>
             </a:fld>
             <a:endParaRPr lang="en-IN"/>
           </a:p>
@@ -3702,7 +3814,7 @@
           <a:p>
             <a:fld id="{1E769D27-5446-4EDF-9743-432CF3085816}" type="datetimeFigureOut">
               <a:rPr lang="en-IN" smtClean="0"/>
-              <a:t>19-04-2023</a:t>
+              <a:t>20-04-2023</a:t>
             </a:fld>
             <a:endParaRPr lang="en-IN"/>
           </a:p>
@@ -3797,7 +3909,7 @@
           <a:p>
             <a:fld id="{1E769D27-5446-4EDF-9743-432CF3085816}" type="datetimeFigureOut">
               <a:rPr lang="en-IN" smtClean="0"/>
-              <a:t>19-04-2023</a:t>
+              <a:t>20-04-2023</a:t>
             </a:fld>
             <a:endParaRPr lang="en-IN"/>
           </a:p>
@@ -4074,7 +4186,7 @@
           <a:p>
             <a:fld id="{1E769D27-5446-4EDF-9743-432CF3085816}" type="datetimeFigureOut">
               <a:rPr lang="en-IN" smtClean="0"/>
-              <a:t>19-04-2023</a:t>
+              <a:t>20-04-2023</a:t>
             </a:fld>
             <a:endParaRPr lang="en-IN"/>
           </a:p>
@@ -4331,7 +4443,7 @@
           <a:p>
             <a:fld id="{1E769D27-5446-4EDF-9743-432CF3085816}" type="datetimeFigureOut">
               <a:rPr lang="en-IN" smtClean="0"/>
-              <a:t>19-04-2023</a:t>
+              <a:t>20-04-2023</a:t>
             </a:fld>
             <a:endParaRPr lang="en-IN"/>
           </a:p>
@@ -4544,7 +4656,7 @@
           <a:p>
             <a:fld id="{C764DE79-268F-4C1A-8933-263129D2AF90}" type="datetimeFigureOut">
               <a:rPr lang="en-US" dirty="0"/>
-              <a:t>4/19/2023</a:t>
+              <a:t>4/20/2023</a:t>
             </a:fld>
             <a:endParaRPr lang="en-US" dirty="0"/>
           </a:p>
@@ -8177,14 +8289,23 @@
               <a:t>10. </a:t>
             </a:r>
             <a:r>
-              <a:rPr lang="en-US" sz="3200" dirty="0" err="1">
-                <a:solidFill>
-                  <a:prstClr val="black"/>
-                </a:solidFill>
-                <a:latin typeface="Poppins SemiBold" panose="00000700000000000000" pitchFamily="2" charset="0"/>
-                <a:cs typeface="Poppins SemiBold" panose="00000700000000000000" pitchFamily="2" charset="0"/>
-              </a:rPr>
-              <a:t>Pregunta</a:t>
+              <a:rPr lang="es-ES" sz="3200" b="0" i="0" dirty="0">
+                <a:solidFill>
+                  <a:srgbClr val="1E1E1E"/>
+                </a:solidFill>
+                <a:effectLst/>
+                <a:latin typeface="__tiemposTextWeb_dfcfa6"/>
+              </a:rPr>
+              <a:t>"Trata bien a los frikis, algún día trabajarás para uno de ellos”. </a:t>
+            </a:r>
+            <a:r>
+              <a:rPr lang="es-ES" sz="3200" dirty="0">
+                <a:solidFill>
+                  <a:srgbClr val="1E1E1E"/>
+                </a:solidFill>
+                <a:latin typeface="__tiemposTextWeb_dfcfa6"/>
+              </a:rPr>
+              <a:t>¿De quién es la frase?</a:t>
             </a:r>
             <a:endParaRPr lang="en-IN" sz="3200" dirty="0">
               <a:solidFill>
@@ -8263,14 +8384,14 @@
           <a:p>
             <a:pPr algn="ctr" defTabSz="685800"/>
             <a:r>
-              <a:rPr lang="en-US" sz="2000" dirty="0">
-                <a:solidFill>
-                  <a:schemeClr val="tx1"/>
-                </a:solidFill>
-                <a:latin typeface="Poppins SemiBold" panose="00000700000000000000" pitchFamily="2" charset="0"/>
-                <a:cs typeface="Poppins SemiBold" panose="00000700000000000000" pitchFamily="2" charset="0"/>
-              </a:rPr>
-              <a:t>Incorrect Answer</a:t>
+              <a:rPr lang="es-ES" sz="2000" b="0" i="0" dirty="0">
+                <a:solidFill>
+                  <a:srgbClr val="000000"/>
+                </a:solidFill>
+                <a:effectLst/>
+                <a:latin typeface="Calibri" panose="020F0502020204030204" pitchFamily="34" charset="0"/>
+              </a:rPr>
+              <a:t>Steve Jobs (Apple)</a:t>
             </a:r>
             <a:endParaRPr lang="en-IN" sz="2000" dirty="0">
               <a:solidFill>
@@ -8349,24 +8470,14 @@
           <a:p>
             <a:pPr algn="ctr" defTabSz="685800"/>
             <a:r>
-              <a:rPr lang="en-US" sz="2000" dirty="0">
-                <a:solidFill>
-                  <a:schemeClr val="tx1"/>
-                </a:solidFill>
-                <a:latin typeface="Poppins SemiBold" panose="00000700000000000000" pitchFamily="2" charset="0"/>
-                <a:cs typeface="Poppins SemiBold" panose="00000700000000000000" pitchFamily="2" charset="0"/>
-              </a:rPr>
-              <a:t>Respuesta </a:t>
-            </a:r>
-            <a:r>
-              <a:rPr lang="en-US" sz="2000" dirty="0" err="1">
-                <a:solidFill>
-                  <a:schemeClr val="tx1"/>
-                </a:solidFill>
-                <a:latin typeface="Poppins SemiBold" panose="00000700000000000000" pitchFamily="2" charset="0"/>
-                <a:cs typeface="Poppins SemiBold" panose="00000700000000000000" pitchFamily="2" charset="0"/>
-              </a:rPr>
-              <a:t>Correcta</a:t>
+              <a:rPr lang="es-ES" sz="2000" b="0" i="0" dirty="0">
+                <a:solidFill>
+                  <a:srgbClr val="000000"/>
+                </a:solidFill>
+                <a:effectLst/>
+                <a:latin typeface="Calibri" panose="020F0502020204030204" pitchFamily="34" charset="0"/>
+              </a:rPr>
+              <a:t>Bill Gates (Microsoft)</a:t>
             </a:r>
             <a:endParaRPr lang="en-IN" sz="2000" dirty="0">
               <a:solidFill>
@@ -8655,14 +8766,14 @@
               <a:t>11. </a:t>
             </a:r>
             <a:r>
-              <a:rPr lang="en-US" sz="3200" dirty="0" err="1">
-                <a:solidFill>
-                  <a:prstClr val="black"/>
-                </a:solidFill>
-                <a:latin typeface="Poppins SemiBold" panose="00000700000000000000" pitchFamily="2" charset="0"/>
-                <a:cs typeface="Poppins SemiBold" panose="00000700000000000000" pitchFamily="2" charset="0"/>
-              </a:rPr>
-              <a:t>Pregunta</a:t>
+              <a:rPr lang="es-ES" sz="3200" b="0" i="0" dirty="0">
+                <a:solidFill>
+                  <a:srgbClr val="000000"/>
+                </a:solidFill>
+                <a:effectLst/>
+                <a:latin typeface="hanken-grotesk-medium"/>
+              </a:rPr>
+              <a:t>“Muchas veces la gente no sabe lo que quiere hasta que se lo enseñas”. ¿De quién es la frase?</a:t>
             </a:r>
             <a:endParaRPr lang="en-IN" sz="3200" dirty="0">
               <a:solidFill>
@@ -8741,14 +8852,14 @@
           <a:p>
             <a:pPr algn="ctr" defTabSz="685800"/>
             <a:r>
-              <a:rPr lang="en-US" sz="2000" dirty="0">
-                <a:solidFill>
-                  <a:schemeClr val="tx1"/>
-                </a:solidFill>
-                <a:latin typeface="Poppins SemiBold" panose="00000700000000000000" pitchFamily="2" charset="0"/>
-                <a:cs typeface="Poppins SemiBold" panose="00000700000000000000" pitchFamily="2" charset="0"/>
-              </a:rPr>
-              <a:t>Incorrect Answer</a:t>
+              <a:rPr lang="es-ES" sz="2000" b="0" i="0" dirty="0">
+                <a:solidFill>
+                  <a:srgbClr val="000000"/>
+                </a:solidFill>
+                <a:effectLst/>
+                <a:latin typeface="Calibri" panose="020F0502020204030204" pitchFamily="34" charset="0"/>
+              </a:rPr>
+              <a:t>Elon Musk (Twitter)</a:t>
             </a:r>
             <a:endParaRPr lang="en-IN" sz="2000" dirty="0">
               <a:solidFill>
@@ -8827,24 +8938,14 @@
           <a:p>
             <a:pPr algn="ctr" defTabSz="685800"/>
             <a:r>
-              <a:rPr lang="en-US" sz="2000" dirty="0">
-                <a:solidFill>
-                  <a:schemeClr val="tx1"/>
-                </a:solidFill>
-                <a:latin typeface="Poppins SemiBold" panose="00000700000000000000" pitchFamily="2" charset="0"/>
+              <a:rPr lang="es-ES" sz="2000" dirty="0">
+                <a:solidFill>
+                  <a:srgbClr val="000000"/>
+                </a:solidFill>
+                <a:latin typeface="Calibri" panose="020F0502020204030204" pitchFamily="34" charset="0"/>
                 <a:cs typeface="Poppins SemiBold" panose="00000700000000000000" pitchFamily="2" charset="0"/>
               </a:rPr>
-              <a:t>Respuesta </a:t>
-            </a:r>
-            <a:r>
-              <a:rPr lang="en-US" sz="2000" dirty="0" err="1">
-                <a:solidFill>
-                  <a:schemeClr val="tx1"/>
-                </a:solidFill>
-                <a:latin typeface="Poppins SemiBold" panose="00000700000000000000" pitchFamily="2" charset="0"/>
-                <a:cs typeface="Poppins SemiBold" panose="00000700000000000000" pitchFamily="2" charset="0"/>
-              </a:rPr>
-              <a:t>Correcta</a:t>
+              <a:t>Steve Jobs (Apple)</a:t>
             </a:r>
             <a:endParaRPr lang="en-IN" sz="2000" dirty="0">
               <a:solidFill>
@@ -9687,14 +9788,14 @@
               <a:t>13. </a:t>
             </a:r>
             <a:r>
-              <a:rPr lang="en-US" sz="3200" dirty="0" err="1">
+              <a:rPr lang="es-ES" sz="3200" dirty="0">
                 <a:solidFill>
                   <a:prstClr val="black"/>
                 </a:solidFill>
                 <a:latin typeface="Poppins SemiBold" panose="00000700000000000000" pitchFamily="2" charset="0"/>
                 <a:cs typeface="Poppins SemiBold" panose="00000700000000000000" pitchFamily="2" charset="0"/>
               </a:rPr>
-              <a:t>Pregunta</a:t>
+              <a:t>¿Cual de estos patrones NO debes usar en Maui?</a:t>
             </a:r>
             <a:endParaRPr lang="en-IN" sz="3200" dirty="0">
               <a:solidFill>
@@ -9771,22 +9872,20 @@
           <a:bodyPr tIns="144000" bIns="90000" rtlCol="0" anchor="ctr"/>
           <a:lstStyle/>
           <a:p>
-            <a:pPr algn="ctr" defTabSz="685800">
-              <a:defRPr/>
-            </a:pPr>
+            <a:pPr algn="ctr" defTabSz="685800"/>
             <a:r>
               <a:rPr lang="en-US" sz="2000" dirty="0">
                 <a:solidFill>
-                  <a:prstClr val="black"/>
-                </a:solidFill>
-                <a:latin typeface="Poppins SemiBold" panose="00000700000000000000" pitchFamily="2" charset="0"/>
+                  <a:schemeClr val="tx1"/>
+                </a:solidFill>
+                <a:latin typeface="Verdana" panose="020B0604030504040204" pitchFamily="34" charset="0"/>
                 <a:cs typeface="Poppins SemiBold" panose="00000700000000000000" pitchFamily="2" charset="0"/>
               </a:rPr>
-              <a:t>Incorrect Answer</a:t>
+              <a:t>MVVM</a:t>
             </a:r>
             <a:endParaRPr lang="en-IN" sz="2000" dirty="0">
               <a:solidFill>
-                <a:prstClr val="black"/>
+                <a:schemeClr val="tx1"/>
               </a:solidFill>
               <a:latin typeface="Poppins SemiBold" panose="00000700000000000000" pitchFamily="2" charset="0"/>
               <a:cs typeface="Poppins SemiBold" panose="00000700000000000000" pitchFamily="2" charset="0"/>
@@ -9861,24 +9960,14 @@
           <a:p>
             <a:pPr algn="ctr" defTabSz="685800"/>
             <a:r>
-              <a:rPr lang="en-US" sz="2000" dirty="0">
+              <a:rPr lang="en-US" sz="2000" b="0" i="0" dirty="0">
                 <a:solidFill>
                   <a:schemeClr val="tx1"/>
                 </a:solidFill>
-                <a:latin typeface="Poppins SemiBold" panose="00000700000000000000" pitchFamily="2" charset="0"/>
-                <a:cs typeface="Poppins SemiBold" panose="00000700000000000000" pitchFamily="2" charset="0"/>
-              </a:rPr>
-              <a:t>Respuesta </a:t>
-            </a:r>
-            <a:r>
-              <a:rPr lang="en-US" sz="2000" dirty="0" err="1">
-                <a:solidFill>
-                  <a:schemeClr val="tx1"/>
-                </a:solidFill>
-                <a:latin typeface="Poppins SemiBold" panose="00000700000000000000" pitchFamily="2" charset="0"/>
-                <a:cs typeface="Poppins SemiBold" panose="00000700000000000000" pitchFamily="2" charset="0"/>
-              </a:rPr>
-              <a:t>Correcta</a:t>
+                <a:effectLst/>
+                <a:latin typeface="Verdana" panose="020B0604030504040204" pitchFamily="34" charset="0"/>
+              </a:rPr>
+              <a:t>MVC</a:t>
             </a:r>
             <a:endParaRPr lang="en-IN" sz="2000" dirty="0">
               <a:solidFill>
@@ -10169,14 +10258,14 @@
               <a:t>14. </a:t>
             </a:r>
             <a:r>
-              <a:rPr lang="en-US" sz="3200" dirty="0" err="1">
+              <a:rPr lang="es-ES" sz="3200" dirty="0">
                 <a:solidFill>
                   <a:prstClr val="black"/>
                 </a:solidFill>
                 <a:latin typeface="Poppins SemiBold" panose="00000700000000000000" pitchFamily="2" charset="0"/>
                 <a:cs typeface="Poppins SemiBold" panose="00000700000000000000" pitchFamily="2" charset="0"/>
               </a:rPr>
-              <a:t>Pregunta</a:t>
+              <a:t>¿De quién es la frase "Hablar a la gente sobre la creatividad es fácil. Es ser creativo lo que es difícil"?</a:t>
             </a:r>
             <a:endParaRPr lang="en-IN" sz="3200" dirty="0">
               <a:solidFill>
@@ -10259,12 +10348,12 @@
             <a:r>
               <a:rPr lang="en-US" sz="2000" dirty="0">
                 <a:solidFill>
-                  <a:prstClr val="black"/>
-                </a:solidFill>
-                <a:latin typeface="Poppins SemiBold" panose="00000700000000000000" pitchFamily="2" charset="0"/>
+                  <a:schemeClr val="tx1"/>
+                </a:solidFill>
+                <a:latin typeface="Verdana" panose="020B0604030504040204" pitchFamily="34" charset="0"/>
                 <a:cs typeface="Poppins SemiBold" panose="00000700000000000000" pitchFamily="2" charset="0"/>
               </a:rPr>
-              <a:t>Incorrect Answer</a:t>
+              <a:t>Bill Gates (Microsoft)</a:t>
             </a:r>
             <a:endParaRPr lang="en-IN" sz="2000" dirty="0">
               <a:solidFill>
@@ -10347,20 +10436,10 @@
                 <a:solidFill>
                   <a:schemeClr val="tx1"/>
                 </a:solidFill>
-                <a:latin typeface="Poppins SemiBold" panose="00000700000000000000" pitchFamily="2" charset="0"/>
+                <a:latin typeface="Verdana" panose="020B0604030504040204" pitchFamily="34" charset="0"/>
                 <a:cs typeface="Poppins SemiBold" panose="00000700000000000000" pitchFamily="2" charset="0"/>
               </a:rPr>
-              <a:t>Respuesta </a:t>
-            </a:r>
-            <a:r>
-              <a:rPr lang="en-US" sz="2000" dirty="0" err="1">
-                <a:solidFill>
-                  <a:schemeClr val="tx1"/>
-                </a:solidFill>
-                <a:latin typeface="Poppins SemiBold" panose="00000700000000000000" pitchFamily="2" charset="0"/>
-                <a:cs typeface="Poppins SemiBold" panose="00000700000000000000" pitchFamily="2" charset="0"/>
-              </a:rPr>
-              <a:t>Correcta</a:t>
+              <a:t>John Cleese (Monty Python)</a:t>
             </a:r>
             <a:endParaRPr lang="en-IN" sz="2000" dirty="0">
               <a:solidFill>
@@ -10954,14 +11033,54 @@
               <a:t>15. </a:t>
             </a:r>
             <a:r>
-              <a:rPr lang="en-US" sz="3200" dirty="0" err="1">
+              <a:rPr lang="en-US" sz="3200" dirty="0">
                 <a:solidFill>
                   <a:prstClr val="black"/>
                 </a:solidFill>
                 <a:latin typeface="Poppins SemiBold" panose="00000700000000000000" pitchFamily="2" charset="0"/>
                 <a:cs typeface="Poppins SemiBold" panose="00000700000000000000" pitchFamily="2" charset="0"/>
               </a:rPr>
-              <a:t>Pregunta</a:t>
+              <a:t>¿</a:t>
+            </a:r>
+            <a:r>
+              <a:rPr lang="en-US" sz="3200" dirty="0" err="1">
+                <a:solidFill>
+                  <a:prstClr val="black"/>
+                </a:solidFill>
+                <a:latin typeface="Poppins SemiBold" panose="00000700000000000000" pitchFamily="2" charset="0"/>
+                <a:cs typeface="Poppins SemiBold" panose="00000700000000000000" pitchFamily="2" charset="0"/>
+              </a:rPr>
+              <a:t>Cuál</a:t>
+            </a:r>
+            <a:r>
+              <a:rPr lang="en-US" sz="3200" dirty="0">
+                <a:solidFill>
+                  <a:prstClr val="black"/>
+                </a:solidFill>
+                <a:latin typeface="Poppins SemiBold" panose="00000700000000000000" pitchFamily="2" charset="0"/>
+                <a:cs typeface="Poppins SemiBold" panose="00000700000000000000" pitchFamily="2" charset="0"/>
+              </a:rPr>
+              <a:t> es </a:t>
+            </a:r>
+            <a:r>
+              <a:rPr lang="en-US" sz="3200" dirty="0" err="1">
+                <a:solidFill>
+                  <a:prstClr val="black"/>
+                </a:solidFill>
+                <a:latin typeface="Poppins SemiBold" panose="00000700000000000000" pitchFamily="2" charset="0"/>
+                <a:cs typeface="Poppins SemiBold" panose="00000700000000000000" pitchFamily="2" charset="0"/>
+              </a:rPr>
+              <a:t>el</a:t>
+            </a:r>
+            <a:r>
+              <a:rPr lang="en-US" sz="3200" dirty="0">
+                <a:solidFill>
+                  <a:prstClr val="black"/>
+                </a:solidFill>
+                <a:latin typeface="Poppins SemiBold" panose="00000700000000000000" pitchFamily="2" charset="0"/>
+                <a:cs typeface="Poppins SemiBold" panose="00000700000000000000" pitchFamily="2" charset="0"/>
+              </a:rPr>
+              <a:t> output?</a:t>
             </a:r>
             <a:endParaRPr lang="en-IN" sz="3200" dirty="0">
               <a:solidFill>
@@ -11040,14 +11159,14 @@
           <a:p>
             <a:pPr algn="ctr" defTabSz="685800"/>
             <a:r>
-              <a:rPr lang="en-US" sz="2000" dirty="0">
+              <a:rPr lang="en-US" sz="2000" b="0" i="0" dirty="0">
                 <a:solidFill>
                   <a:schemeClr val="tx1"/>
                 </a:solidFill>
-                <a:latin typeface="Poppins SemiBold" panose="00000700000000000000" pitchFamily="2" charset="0"/>
-                <a:cs typeface="Poppins SemiBold" panose="00000700000000000000" pitchFamily="2" charset="0"/>
-              </a:rPr>
-              <a:t>Incorrect Answer</a:t>
+                <a:effectLst/>
+                <a:latin typeface="Verdana" panose="020B0604030504040204" pitchFamily="34" charset="0"/>
+              </a:rPr>
+              <a:t>15 10 5 0 -5</a:t>
             </a:r>
             <a:endParaRPr lang="en-IN" sz="2000" dirty="0">
               <a:solidFill>
@@ -11126,24 +11245,14 @@
           <a:p>
             <a:pPr algn="ctr" defTabSz="685800"/>
             <a:r>
-              <a:rPr lang="en-US" sz="2000" dirty="0">
+              <a:rPr lang="en-US" sz="2000" b="0" i="0" dirty="0">
                 <a:solidFill>
                   <a:schemeClr val="tx1"/>
                 </a:solidFill>
-                <a:latin typeface="Poppins SemiBold" panose="00000700000000000000" pitchFamily="2" charset="0"/>
-                <a:cs typeface="Poppins SemiBold" panose="00000700000000000000" pitchFamily="2" charset="0"/>
-              </a:rPr>
-              <a:t>Respuesta </a:t>
-            </a:r>
-            <a:r>
-              <a:rPr lang="en-US" sz="2000" dirty="0" err="1">
-                <a:solidFill>
-                  <a:schemeClr val="tx1"/>
-                </a:solidFill>
-                <a:latin typeface="Poppins SemiBold" panose="00000700000000000000" pitchFamily="2" charset="0"/>
-                <a:cs typeface="Poppins SemiBold" panose="00000700000000000000" pitchFamily="2" charset="0"/>
-              </a:rPr>
-              <a:t>Correcta</a:t>
+                <a:effectLst/>
+                <a:latin typeface="Verdana" panose="020B0604030504040204" pitchFamily="34" charset="0"/>
+              </a:rPr>
+              <a:t>15 10 5 0 -5 -10</a:t>
             </a:r>
             <a:endParaRPr lang="en-IN" sz="2000" dirty="0">
               <a:solidFill>
@@ -11155,6 +11264,36 @@
           </a:p>
         </p:txBody>
       </p:sp>
+      <p:pic>
+        <p:nvPicPr>
+          <p:cNvPr id="6" name="Picture 5">
+            <a:extLst>
+              <a:ext uri="{FF2B5EF4-FFF2-40B4-BE49-F238E27FC236}">
+                <a16:creationId xmlns:a16="http://schemas.microsoft.com/office/drawing/2014/main" id="{3D6E280E-0D38-E554-0EDF-E063327D45B4}"/>
+              </a:ext>
+            </a:extLst>
+          </p:cNvPr>
+          <p:cNvPicPr>
+            <a:picLocks noChangeAspect="1"/>
+          </p:cNvPicPr>
+          <p:nvPr/>
+        </p:nvPicPr>
+        <p:blipFill>
+          <a:blip r:embed="rId5"/>
+          <a:stretch>
+            <a:fillRect/>
+          </a:stretch>
+        </p:blipFill>
+        <p:spPr>
+          <a:xfrm>
+            <a:off x="4467085" y="3925145"/>
+            <a:ext cx="3257829" cy="2864925"/>
+          </a:xfrm>
+          <a:prstGeom prst="rect">
+            <a:avLst/>
+          </a:prstGeom>
+        </p:spPr>
+      </p:pic>
     </p:spTree>
     <p:extLst>
       <p:ext uri="{BB962C8B-B14F-4D97-AF65-F5344CB8AC3E}">
@@ -11518,7 +11657,7 @@
           <a:p>
             <a:pPr algn="ctr" defTabSz="685800"/>
             <a:r>
-              <a:rPr lang="en-US" sz="2000" b="0" i="0" dirty="0">
+              <a:rPr lang="en-US" sz="2000" i="0" dirty="0">
                 <a:solidFill>
                   <a:srgbClr val="000000"/>
                 </a:solidFill>
@@ -11604,7 +11743,7 @@
           <a:p>
             <a:pPr algn="ctr" defTabSz="685800"/>
             <a:r>
-              <a:rPr lang="en-US" sz="2000" b="0" i="0" dirty="0" err="1">
+              <a:rPr lang="en-US" sz="2000" i="0" dirty="0" err="1">
                 <a:solidFill>
                   <a:srgbClr val="000000"/>
                 </a:solidFill>
@@ -11614,7 +11753,7 @@
               <a:t>Entorno</a:t>
             </a:r>
             <a:r>
-              <a:rPr lang="en-US" sz="2000" b="0" i="0" dirty="0">
+              <a:rPr lang="en-US" sz="2000" i="0" dirty="0">
                 <a:solidFill>
                   <a:srgbClr val="000000"/>
                 </a:solidFill>
@@ -11624,7 +11763,7 @@
               <a:t> de </a:t>
             </a:r>
             <a:r>
-              <a:rPr lang="en-US" sz="2000" b="0" i="0" dirty="0" err="1">
+              <a:rPr lang="en-US" sz="2000" i="0" dirty="0" err="1">
                 <a:solidFill>
                   <a:srgbClr val="000000"/>
                 </a:solidFill>
@@ -11634,7 +11773,7 @@
               <a:t>desarrollo</a:t>
             </a:r>
             <a:r>
-              <a:rPr lang="en-US" sz="2000" b="0" i="0" dirty="0">
+              <a:rPr lang="en-US" sz="2000" i="0" dirty="0">
                 <a:solidFill>
                   <a:srgbClr val="000000"/>
                 </a:solidFill>
@@ -11644,7 +11783,7 @@
               <a:t> </a:t>
             </a:r>
             <a:r>
-              <a:rPr lang="en-US" sz="2000" b="0" i="0" dirty="0" err="1">
+              <a:rPr lang="en-US" sz="2000" i="0" dirty="0" err="1">
                 <a:solidFill>
                   <a:srgbClr val="000000"/>
                 </a:solidFill>
@@ -11940,14 +12079,54 @@
               <a:t>17. </a:t>
             </a:r>
             <a:r>
-              <a:rPr lang="en-US" sz="3200" dirty="0" err="1">
+              <a:rPr lang="en-US" sz="3200" dirty="0">
                 <a:solidFill>
                   <a:prstClr val="black"/>
                 </a:solidFill>
                 <a:latin typeface="Poppins SemiBold" panose="00000700000000000000" pitchFamily="2" charset="0"/>
                 <a:cs typeface="Poppins SemiBold" panose="00000700000000000000" pitchFamily="2" charset="0"/>
               </a:rPr>
-              <a:t>Pregunta</a:t>
+              <a:t>¿</a:t>
+            </a:r>
+            <a:r>
+              <a:rPr lang="en-US" sz="3200" dirty="0" err="1">
+                <a:solidFill>
+                  <a:prstClr val="black"/>
+                </a:solidFill>
+                <a:latin typeface="Poppins SemiBold" panose="00000700000000000000" pitchFamily="2" charset="0"/>
+                <a:cs typeface="Poppins SemiBold" panose="00000700000000000000" pitchFamily="2" charset="0"/>
+              </a:rPr>
+              <a:t>Cuál</a:t>
+            </a:r>
+            <a:r>
+              <a:rPr lang="en-US" sz="3200" dirty="0">
+                <a:solidFill>
+                  <a:prstClr val="black"/>
+                </a:solidFill>
+                <a:latin typeface="Poppins SemiBold" panose="00000700000000000000" pitchFamily="2" charset="0"/>
+                <a:cs typeface="Poppins SemiBold" panose="00000700000000000000" pitchFamily="2" charset="0"/>
+              </a:rPr>
+              <a:t> es </a:t>
+            </a:r>
+            <a:r>
+              <a:rPr lang="en-US" sz="3200" dirty="0" err="1">
+                <a:solidFill>
+                  <a:prstClr val="black"/>
+                </a:solidFill>
+                <a:latin typeface="Poppins SemiBold" panose="00000700000000000000" pitchFamily="2" charset="0"/>
+                <a:cs typeface="Poppins SemiBold" panose="00000700000000000000" pitchFamily="2" charset="0"/>
+              </a:rPr>
+              <a:t>el</a:t>
+            </a:r>
+            <a:r>
+              <a:rPr lang="en-US" sz="3200" dirty="0">
+                <a:solidFill>
+                  <a:prstClr val="black"/>
+                </a:solidFill>
+                <a:latin typeface="Poppins SemiBold" panose="00000700000000000000" pitchFamily="2" charset="0"/>
+                <a:cs typeface="Poppins SemiBold" panose="00000700000000000000" pitchFamily="2" charset="0"/>
+              </a:rPr>
+              <a:t> output?</a:t>
             </a:r>
             <a:endParaRPr lang="en-IN" sz="3200" dirty="0">
               <a:solidFill>
@@ -11962,8 +12141,8 @@
       <p:sp>
         <p:nvSpPr>
           <p:cNvPr id="3" name="Rectangle 2">
-            <a:hlinkClick r:id="rId2" action="ppaction://hlinksldjump">
-              <a:snd r:embed="rId3" name="WrongAnswerSFX.wav"/>
+            <a:hlinkClick r:id="rId3" action="ppaction://hlinksldjump">
+              <a:snd r:embed="rId4" name="WrongAnswerSFX.wav"/>
             </a:hlinkClick>
             <a:extLst>
               <a:ext uri="{FF2B5EF4-FFF2-40B4-BE49-F238E27FC236}">
@@ -12026,14 +12205,24 @@
           <a:p>
             <a:pPr algn="ctr" defTabSz="685800"/>
             <a:r>
-              <a:rPr lang="en-US" sz="2000" dirty="0">
-                <a:solidFill>
-                  <a:schemeClr val="tx1"/>
-                </a:solidFill>
-                <a:latin typeface="Poppins SemiBold" panose="00000700000000000000" pitchFamily="2" charset="0"/>
-                <a:cs typeface="Poppins SemiBold" panose="00000700000000000000" pitchFamily="2" charset="0"/>
-              </a:rPr>
-              <a:t>Incorrect Answer</a:t>
+              <a:rPr lang="en-US" sz="2000" i="0" dirty="0">
+                <a:solidFill>
+                  <a:srgbClr val="000000"/>
+                </a:solidFill>
+                <a:effectLst/>
+                <a:latin typeface="tahoma" panose="020B0604030504040204" pitchFamily="34" charset="0"/>
+              </a:rPr>
+              <a:t>Error de </a:t>
+            </a:r>
+            <a:r>
+              <a:rPr lang="en-US" sz="2000" i="0" dirty="0" err="1">
+                <a:solidFill>
+                  <a:srgbClr val="000000"/>
+                </a:solidFill>
+                <a:effectLst/>
+                <a:latin typeface="tahoma" panose="020B0604030504040204" pitchFamily="34" charset="0"/>
+              </a:rPr>
+              <a:t>compilación</a:t>
             </a:r>
             <a:endParaRPr lang="en-IN" sz="2000" dirty="0">
               <a:solidFill>
@@ -12049,7 +12238,7 @@
         <p:nvSpPr>
           <p:cNvPr id="5" name="Rectangle 4">
             <a:hlinkClick r:id="" action="ppaction://hlinkshowjump?jump=nextslide">
-              <a:snd r:embed="rId4" name="CorrectAnswerSFX.wav"/>
+              <a:snd r:embed="rId5" name="CorrectAnswerSFX.wav"/>
             </a:hlinkClick>
             <a:extLst>
               <a:ext uri="{FF2B5EF4-FFF2-40B4-BE49-F238E27FC236}">
@@ -12112,24 +12301,14 @@
           <a:p>
             <a:pPr algn="ctr" defTabSz="685800"/>
             <a:r>
-              <a:rPr lang="en-US" sz="2000" dirty="0">
-                <a:solidFill>
-                  <a:schemeClr val="tx1"/>
-                </a:solidFill>
-                <a:latin typeface="Poppins SemiBold" panose="00000700000000000000" pitchFamily="2" charset="0"/>
-                <a:cs typeface="Poppins SemiBold" panose="00000700000000000000" pitchFamily="2" charset="0"/>
-              </a:rPr>
-              <a:t>Respuesta </a:t>
-            </a:r>
-            <a:r>
-              <a:rPr lang="en-US" sz="2000" dirty="0" err="1">
-                <a:solidFill>
-                  <a:schemeClr val="tx1"/>
-                </a:solidFill>
-                <a:latin typeface="Poppins SemiBold" panose="00000700000000000000" pitchFamily="2" charset="0"/>
-                <a:cs typeface="Poppins SemiBold" panose="00000700000000000000" pitchFamily="2" charset="0"/>
-              </a:rPr>
-              <a:t>Correcta</a:t>
+              <a:rPr lang="en-US" sz="2000" i="0" dirty="0">
+                <a:solidFill>
+                  <a:srgbClr val="000000"/>
+                </a:solidFill>
+                <a:effectLst/>
+                <a:latin typeface="tahoma" panose="020B0604030504040204" pitchFamily="34" charset="0"/>
+              </a:rPr>
+              <a:t>01234</a:t>
             </a:r>
             <a:endParaRPr lang="en-IN" sz="2000" dirty="0">
               <a:solidFill>
@@ -12141,6 +12320,36 @@
           </a:p>
         </p:txBody>
       </p:sp>
+      <p:pic>
+        <p:nvPicPr>
+          <p:cNvPr id="6" name="Picture 5">
+            <a:extLst>
+              <a:ext uri="{FF2B5EF4-FFF2-40B4-BE49-F238E27FC236}">
+                <a16:creationId xmlns:a16="http://schemas.microsoft.com/office/drawing/2014/main" id="{ECCDA1CE-E995-99D7-A510-8D2722CDFBCF}"/>
+              </a:ext>
+            </a:extLst>
+          </p:cNvPr>
+          <p:cNvPicPr>
+            <a:picLocks noChangeAspect="1"/>
+          </p:cNvPicPr>
+          <p:nvPr/>
+        </p:nvPicPr>
+        <p:blipFill>
+          <a:blip r:embed="rId6"/>
+          <a:stretch>
+            <a:fillRect/>
+          </a:stretch>
+        </p:blipFill>
+        <p:spPr>
+          <a:xfrm>
+            <a:off x="4133230" y="3980328"/>
+            <a:ext cx="3977792" cy="2711263"/>
+          </a:xfrm>
+          <a:prstGeom prst="rect">
+            <a:avLst/>
+          </a:prstGeom>
+        </p:spPr>
+      </p:pic>
     </p:spTree>
     <p:extLst>
       <p:ext uri="{BB962C8B-B14F-4D97-AF65-F5344CB8AC3E}">

--- a/sevilladotnetconf-close.pptx
+++ b/sevilladotnetconf-close.pptx
@@ -5,7 +5,7 @@
     <p:sldMasterId id="2147483684" r:id="rId1"/>
   </p:sldMasterIdLst>
   <p:notesMasterIdLst>
-    <p:notesMasterId r:id="rId46"/>
+    <p:notesMasterId r:id="rId54"/>
   </p:notesMasterIdLst>
   <p:sldIdLst>
     <p:sldId id="257" r:id="rId2"/>
@@ -14,44 +14,52 @@
     <p:sldId id="260" r:id="rId5"/>
     <p:sldId id="265" r:id="rId6"/>
     <p:sldId id="269" r:id="rId7"/>
-    <p:sldId id="267" r:id="rId8"/>
-    <p:sldId id="270" r:id="rId9"/>
-    <p:sldId id="308" r:id="rId10"/>
-    <p:sldId id="271" r:id="rId11"/>
-    <p:sldId id="272" r:id="rId12"/>
-    <p:sldId id="273" r:id="rId13"/>
-    <p:sldId id="274" r:id="rId14"/>
-    <p:sldId id="275" r:id="rId15"/>
-    <p:sldId id="309" r:id="rId16"/>
-    <p:sldId id="277" r:id="rId17"/>
-    <p:sldId id="310" r:id="rId18"/>
-    <p:sldId id="279" r:id="rId19"/>
-    <p:sldId id="280" r:id="rId20"/>
-    <p:sldId id="281" r:id="rId21"/>
-    <p:sldId id="284" r:id="rId22"/>
-    <p:sldId id="285" r:id="rId23"/>
-    <p:sldId id="286" r:id="rId24"/>
-    <p:sldId id="287" r:id="rId25"/>
-    <p:sldId id="311" r:id="rId26"/>
-    <p:sldId id="289" r:id="rId27"/>
-    <p:sldId id="290" r:id="rId28"/>
-    <p:sldId id="291" r:id="rId29"/>
-    <p:sldId id="312" r:id="rId30"/>
-    <p:sldId id="293" r:id="rId31"/>
-    <p:sldId id="294" r:id="rId32"/>
-    <p:sldId id="295" r:id="rId33"/>
-    <p:sldId id="296" r:id="rId34"/>
-    <p:sldId id="297" r:id="rId35"/>
-    <p:sldId id="298" r:id="rId36"/>
-    <p:sldId id="299" r:id="rId37"/>
-    <p:sldId id="300" r:id="rId38"/>
-    <p:sldId id="301" r:id="rId39"/>
-    <p:sldId id="302" r:id="rId40"/>
-    <p:sldId id="303" r:id="rId41"/>
-    <p:sldId id="304" r:id="rId42"/>
-    <p:sldId id="305" r:id="rId43"/>
-    <p:sldId id="306" r:id="rId44"/>
-    <p:sldId id="307" r:id="rId45"/>
+    <p:sldId id="317" r:id="rId8"/>
+    <p:sldId id="318" r:id="rId9"/>
+    <p:sldId id="267" r:id="rId10"/>
+    <p:sldId id="270" r:id="rId11"/>
+    <p:sldId id="308" r:id="rId12"/>
+    <p:sldId id="271" r:id="rId13"/>
+    <p:sldId id="272" r:id="rId14"/>
+    <p:sldId id="273" r:id="rId15"/>
+    <p:sldId id="274" r:id="rId16"/>
+    <p:sldId id="275" r:id="rId17"/>
+    <p:sldId id="309" r:id="rId18"/>
+    <p:sldId id="277" r:id="rId19"/>
+    <p:sldId id="310" r:id="rId20"/>
+    <p:sldId id="279" r:id="rId21"/>
+    <p:sldId id="280" r:id="rId22"/>
+    <p:sldId id="281" r:id="rId23"/>
+    <p:sldId id="319" r:id="rId24"/>
+    <p:sldId id="320" r:id="rId25"/>
+    <p:sldId id="284" r:id="rId26"/>
+    <p:sldId id="285" r:id="rId27"/>
+    <p:sldId id="286" r:id="rId28"/>
+    <p:sldId id="287" r:id="rId29"/>
+    <p:sldId id="311" r:id="rId30"/>
+    <p:sldId id="289" r:id="rId31"/>
+    <p:sldId id="290" r:id="rId32"/>
+    <p:sldId id="291" r:id="rId33"/>
+    <p:sldId id="312" r:id="rId34"/>
+    <p:sldId id="293" r:id="rId35"/>
+    <p:sldId id="294" r:id="rId36"/>
+    <p:sldId id="295" r:id="rId37"/>
+    <p:sldId id="296" r:id="rId38"/>
+    <p:sldId id="297" r:id="rId39"/>
+    <p:sldId id="298" r:id="rId40"/>
+    <p:sldId id="299" r:id="rId41"/>
+    <p:sldId id="300" r:id="rId42"/>
+    <p:sldId id="301" r:id="rId43"/>
+    <p:sldId id="302" r:id="rId44"/>
+    <p:sldId id="303" r:id="rId45"/>
+    <p:sldId id="304" r:id="rId46"/>
+    <p:sldId id="305" r:id="rId47"/>
+    <p:sldId id="306" r:id="rId48"/>
+    <p:sldId id="307" r:id="rId49"/>
+    <p:sldId id="313" r:id="rId50"/>
+    <p:sldId id="314" r:id="rId51"/>
+    <p:sldId id="315" r:id="rId52"/>
+    <p:sldId id="316" r:id="rId53"/>
   </p:sldIdLst>
   <p:sldSz cx="12192000" cy="6858000"/>
   <p:notesSz cx="6858000" cy="9144000"/>
@@ -240,7 +248,7 @@
           <a:p>
             <a:fld id="{D4E3C7A4-1681-485B-95BE-8E2A9D723281}" type="datetimeFigureOut">
               <a:rPr lang="en-IN" smtClean="0"/>
-              <a:t>20-04-2023</a:t>
+              <a:t>21-04-2023</a:t>
             </a:fld>
             <a:endParaRPr lang="en-IN"/>
           </a:p>
@@ -702,32 +710,74 @@
           <a:lstStyle/>
           <a:p>
             <a:r>
-              <a:rPr lang="en-US" dirty="0"/>
-              <a:t>for(;;)</a:t>
-            </a:r>
-            <a:r>
-              <a:rPr lang="en-US" b="0" i="0" dirty="0">
-                <a:solidFill>
-                  <a:srgbClr val="181717"/>
+              <a:rPr lang="es-ES" b="0" i="1" dirty="0">
+                <a:solidFill>
+                  <a:srgbClr val="000000"/>
                 </a:solidFill>
                 <a:effectLst/>
-                <a:latin typeface="Verdana" panose="020B0604030504040204" pitchFamily="34" charset="0"/>
-              </a:rPr>
-              <a:t> is perfectly valid. The initializer, condition and steps part can be placed out of the </a:t>
-            </a:r>
-            <a:r>
-              <a:rPr lang="en-US" dirty="0"/>
-              <a:t>for</a:t>
-            </a:r>
-            <a:r>
-              <a:rPr lang="en-US" b="0" i="0" dirty="0">
-                <a:solidFill>
-                  <a:srgbClr val="181717"/>
+                <a:latin typeface="Segoe UI" panose="020B0502040204020203" pitchFamily="34" charset="0"/>
+              </a:rPr>
+              <a:t>Aunque para este desarrollo no es estrictamente necesario, usamos </a:t>
+            </a:r>
+            <a:r>
+              <a:rPr lang="es-ES" b="0" i="1" dirty="0" err="1">
+                <a:solidFill>
+                  <a:srgbClr val="000000"/>
                 </a:solidFill>
                 <a:effectLst/>
-                <a:latin typeface="Verdana" panose="020B0604030504040204" pitchFamily="34" charset="0"/>
-              </a:rPr>
-              <a:t> loop.</a:t>
+                <a:latin typeface="Segoe UI" panose="020B0502040204020203" pitchFamily="34" charset="0"/>
+              </a:rPr>
+              <a:t>Community</a:t>
+            </a:r>
+            <a:r>
+              <a:rPr lang="es-ES" b="0" i="1" dirty="0">
+                <a:solidFill>
+                  <a:srgbClr val="000000"/>
+                </a:solidFill>
+                <a:effectLst/>
+                <a:latin typeface="Segoe UI" panose="020B0502040204020203" pitchFamily="34" charset="0"/>
+              </a:rPr>
+              <a:t> </a:t>
+            </a:r>
+            <a:r>
+              <a:rPr lang="es-ES" b="0" i="1" dirty="0" err="1">
+                <a:solidFill>
+                  <a:srgbClr val="000000"/>
+                </a:solidFill>
+                <a:effectLst/>
+                <a:latin typeface="Segoe UI" panose="020B0502040204020203" pitchFamily="34" charset="0"/>
+              </a:rPr>
+              <a:t>Toolkit</a:t>
+            </a:r>
+            <a:r>
+              <a:rPr lang="es-ES" b="0" i="1" dirty="0">
+                <a:solidFill>
+                  <a:srgbClr val="000000"/>
+                </a:solidFill>
+                <a:effectLst/>
+                <a:latin typeface="Segoe UI" panose="020B0502040204020203" pitchFamily="34" charset="0"/>
+              </a:rPr>
+              <a:t> para disponer de </a:t>
+            </a:r>
+            <a:r>
+              <a:rPr lang="es-ES" b="0" i="1" dirty="0" err="1">
+                <a:solidFill>
+                  <a:srgbClr val="000000"/>
+                </a:solidFill>
+                <a:effectLst/>
+                <a:latin typeface="Segoe UI" panose="020B0502040204020203" pitchFamily="34" charset="0"/>
+              </a:rPr>
+              <a:t>INotifyPropertyChanged</a:t>
+            </a:r>
+            <a:r>
+              <a:rPr lang="es-ES" b="0" i="1" dirty="0">
+                <a:solidFill>
+                  <a:srgbClr val="000000"/>
+                </a:solidFill>
+                <a:effectLst/>
+                <a:latin typeface="Segoe UI" panose="020B0502040204020203" pitchFamily="34" charset="0"/>
+              </a:rPr>
+              <a:t> sin tener que escribirlo explícitamente. Nos permite cambiar en tiempo de ejecución el idioma y ver directamente el cambio aplicado en UI.</a:t>
             </a:r>
             <a:endParaRPr lang="en-US" dirty="0"/>
           </a:p>
@@ -750,7 +800,7 @@
           <a:p>
             <a:fld id="{CF865426-BED0-4ABD-B70C-6835C1813117}" type="slidenum">
               <a:rPr lang="en-IN" smtClean="0"/>
-              <a:t>35</a:t>
+              <a:t>29</a:t>
             </a:fld>
             <a:endParaRPr lang="en-IN"/>
           </a:p>
@@ -759,7 +809,7 @@
     </p:spTree>
     <p:extLst>
       <p:ext uri="{BB962C8B-B14F-4D97-AF65-F5344CB8AC3E}">
-        <p14:creationId xmlns:p14="http://schemas.microsoft.com/office/powerpoint/2010/main" val="756630423"/>
+        <p14:creationId xmlns:p14="http://schemas.microsoft.com/office/powerpoint/2010/main" val="980021930"/>
       </p:ext>
     </p:extLst>
   </p:cSld>
@@ -814,8 +864,206 @@
           <a:lstStyle/>
           <a:p>
             <a:r>
-              <a:rPr lang="es-ES" dirty="0"/>
-              <a:t>MSIL es el lenguaje intermedio de Microsoft, proporciona instrucciones para llamar a métodos, almacenar e inicializar valores, manejo de memoria, manejo de excepciones, etc. Todos los códigos .NET se compilan primero en lenguaje intermedio.</a:t>
+              <a:rPr lang="es-ES" b="0" i="0" dirty="0" err="1">
+                <a:solidFill>
+                  <a:srgbClr val="374151"/>
+                </a:solidFill>
+                <a:effectLst/>
+                <a:latin typeface="tahoma" panose="020B0604030504040204" pitchFamily="34" charset="0"/>
+              </a:rPr>
+              <a:t>JetBrains</a:t>
+            </a:r>
+            <a:r>
+              <a:rPr lang="es-ES" b="0" i="0" dirty="0">
+                <a:solidFill>
+                  <a:srgbClr val="374151"/>
+                </a:solidFill>
+                <a:effectLst/>
+                <a:latin typeface="tahoma" panose="020B0604030504040204" pitchFamily="34" charset="0"/>
+              </a:rPr>
+              <a:t> </a:t>
+            </a:r>
+            <a:r>
+              <a:rPr lang="es-ES" b="0" i="0" dirty="0" err="1">
+                <a:solidFill>
+                  <a:srgbClr val="374151"/>
+                </a:solidFill>
+                <a:effectLst/>
+                <a:latin typeface="tahoma" panose="020B0604030504040204" pitchFamily="34" charset="0"/>
+              </a:rPr>
+              <a:t>Rider</a:t>
+            </a:r>
+            <a:r>
+              <a:rPr lang="es-ES" b="0" i="0" dirty="0">
+                <a:solidFill>
+                  <a:srgbClr val="374151"/>
+                </a:solidFill>
+                <a:effectLst/>
+                <a:latin typeface="tahoma" panose="020B0604030504040204" pitchFamily="34" charset="0"/>
+              </a:rPr>
+              <a:t> es un entorno de desarrollo integrado (IDE) para desarrolladores que trabajan con lenguajes de programación .NET, </a:t>
+            </a:r>
+            <a:r>
+              <a:rPr lang="es-ES" b="0" i="0" dirty="0">
+                <a:solidFill>
+                  <a:srgbClr val="000000"/>
+                </a:solidFill>
+                <a:effectLst/>
+                <a:latin typeface="tahoma" panose="020B0604030504040204" pitchFamily="34" charset="0"/>
+              </a:rPr>
+              <a:t>como C#</a:t>
+            </a:r>
+            <a:r>
+              <a:rPr lang="es-ES" b="0" i="0" dirty="0">
+                <a:solidFill>
+                  <a:srgbClr val="374151"/>
+                </a:solidFill>
+                <a:effectLst/>
+                <a:latin typeface="tahoma" panose="020B0604030504040204" pitchFamily="34" charset="0"/>
+              </a:rPr>
+              <a:t>, </a:t>
+            </a:r>
+            <a:r>
+              <a:rPr lang="es-ES" b="0" i="0" dirty="0">
+                <a:solidFill>
+                  <a:srgbClr val="374151"/>
+                </a:solidFill>
+                <a:effectLst/>
+                <a:latin typeface="tahoma" panose="020B0604030504040204" pitchFamily="34" charset="0"/>
+                <a:hlinkClick r:id="rId3"/>
+              </a:rPr>
+              <a:t>VB.NET</a:t>
+            </a:r>
+            <a:r>
+              <a:rPr lang="es-ES" b="0" i="0" dirty="0">
+                <a:solidFill>
+                  <a:srgbClr val="374151"/>
+                </a:solidFill>
+                <a:effectLst/>
+                <a:latin typeface="tahoma" panose="020B0604030504040204" pitchFamily="34" charset="0"/>
+              </a:rPr>
+              <a:t>, </a:t>
+            </a:r>
+            <a:r>
+              <a:rPr lang="es-ES" b="0" i="0" dirty="0">
+                <a:solidFill>
+                  <a:srgbClr val="000000"/>
+                </a:solidFill>
+                <a:effectLst/>
+                <a:latin typeface="tahoma" panose="020B0604030504040204" pitchFamily="34" charset="0"/>
+              </a:rPr>
+              <a:t>F# y</a:t>
+            </a:r>
+            <a:r>
+              <a:rPr lang="es-ES" b="0" i="0" dirty="0">
+                <a:solidFill>
+                  <a:srgbClr val="374151"/>
+                </a:solidFill>
+                <a:effectLst/>
+                <a:latin typeface="tahoma" panose="020B0604030504040204" pitchFamily="34" charset="0"/>
+              </a:rPr>
+              <a:t> </a:t>
+            </a:r>
+            <a:r>
+              <a:rPr lang="es-ES" b="0" i="0" dirty="0">
+                <a:solidFill>
+                  <a:srgbClr val="374151"/>
+                </a:solidFill>
+                <a:effectLst/>
+                <a:latin typeface="tahoma" panose="020B0604030504040204" pitchFamily="34" charset="0"/>
+                <a:hlinkClick r:id="rId4"/>
+              </a:rPr>
+              <a:t>ASP.NET</a:t>
+            </a:r>
+            <a:r>
+              <a:rPr lang="es-ES" b="0" i="0" dirty="0">
+                <a:solidFill>
+                  <a:srgbClr val="374151"/>
+                </a:solidFill>
+                <a:effectLst/>
+                <a:latin typeface="tahoma" panose="020B0604030504040204" pitchFamily="34" charset="0"/>
+              </a:rPr>
+              <a:t>. Es desarrollado por </a:t>
+            </a:r>
+            <a:r>
+              <a:rPr lang="es-ES" b="0" i="0" dirty="0" err="1">
+                <a:solidFill>
+                  <a:srgbClr val="374151"/>
+                </a:solidFill>
+                <a:effectLst/>
+                <a:latin typeface="tahoma" panose="020B0604030504040204" pitchFamily="34" charset="0"/>
+              </a:rPr>
+              <a:t>JetBrains</a:t>
+            </a:r>
+            <a:r>
+              <a:rPr lang="es-ES" b="0" i="0" dirty="0">
+                <a:solidFill>
+                  <a:srgbClr val="374151"/>
+                </a:solidFill>
+                <a:effectLst/>
+                <a:latin typeface="tahoma" panose="020B0604030504040204" pitchFamily="34" charset="0"/>
+              </a:rPr>
+              <a:t>, la misma compañía que creó otros populares </a:t>
+            </a:r>
+            <a:r>
+              <a:rPr lang="es-ES" b="0" i="0" dirty="0" err="1">
+                <a:solidFill>
+                  <a:srgbClr val="374151"/>
+                </a:solidFill>
+                <a:effectLst/>
+                <a:latin typeface="tahoma" panose="020B0604030504040204" pitchFamily="34" charset="0"/>
+              </a:rPr>
+              <a:t>IDEs</a:t>
+            </a:r>
+            <a:r>
+              <a:rPr lang="es-ES" b="0" i="0" dirty="0">
+                <a:solidFill>
+                  <a:srgbClr val="374151"/>
+                </a:solidFill>
+                <a:effectLst/>
+                <a:latin typeface="tahoma" panose="020B0604030504040204" pitchFamily="34" charset="0"/>
+              </a:rPr>
+              <a:t> como IntelliJ IDEA para Java, </a:t>
+            </a:r>
+            <a:r>
+              <a:rPr lang="es-ES" b="0" i="0" dirty="0" err="1">
+                <a:solidFill>
+                  <a:srgbClr val="374151"/>
+                </a:solidFill>
+                <a:effectLst/>
+                <a:latin typeface="tahoma" panose="020B0604030504040204" pitchFamily="34" charset="0"/>
+              </a:rPr>
+              <a:t>PyCharm</a:t>
+            </a:r>
+            <a:r>
+              <a:rPr lang="es-ES" b="0" i="0" dirty="0">
+                <a:solidFill>
+                  <a:srgbClr val="374151"/>
+                </a:solidFill>
+                <a:effectLst/>
+                <a:latin typeface="tahoma" panose="020B0604030504040204" pitchFamily="34" charset="0"/>
+              </a:rPr>
+              <a:t> para Python y </a:t>
+            </a:r>
+            <a:r>
+              <a:rPr lang="es-ES" b="0" i="0" dirty="0" err="1">
+                <a:solidFill>
+                  <a:srgbClr val="374151"/>
+                </a:solidFill>
+                <a:effectLst/>
+                <a:latin typeface="tahoma" panose="020B0604030504040204" pitchFamily="34" charset="0"/>
+              </a:rPr>
+              <a:t>ReSharper</a:t>
+            </a:r>
+            <a:r>
+              <a:rPr lang="es-ES" b="0" i="0" dirty="0">
+                <a:solidFill>
+                  <a:srgbClr val="374151"/>
+                </a:solidFill>
+                <a:effectLst/>
+                <a:latin typeface="tahoma" panose="020B0604030504040204" pitchFamily="34" charset="0"/>
+              </a:rPr>
+              <a:t> para Visual Studio.</a:t>
             </a:r>
             <a:endParaRPr lang="en-US" dirty="0"/>
           </a:p>
@@ -838,7 +1086,7 @@
           <a:p>
             <a:fld id="{CF865426-BED0-4ABD-B70C-6835C1813117}" type="slidenum">
               <a:rPr lang="en-IN" smtClean="0"/>
-              <a:t>39</a:t>
+              <a:t>37</a:t>
             </a:fld>
             <a:endParaRPr lang="en-IN"/>
           </a:p>
@@ -847,7 +1095,7 @@
     </p:spTree>
     <p:extLst>
       <p:ext uri="{BB962C8B-B14F-4D97-AF65-F5344CB8AC3E}">
-        <p14:creationId xmlns:p14="http://schemas.microsoft.com/office/powerpoint/2010/main" val="1655826662"/>
+        <p14:creationId xmlns:p14="http://schemas.microsoft.com/office/powerpoint/2010/main" val="981524497"/>
       </p:ext>
     </p:extLst>
   </p:cSld>
@@ -902,14 +1150,32 @@
           <a:lstStyle/>
           <a:p>
             <a:r>
-              <a:rPr lang="es-ES" b="0" i="0" dirty="0">
-                <a:solidFill>
-                  <a:srgbClr val="374151"/>
+              <a:rPr lang="en-US" dirty="0"/>
+              <a:t>for(;;)</a:t>
+            </a:r>
+            <a:r>
+              <a:rPr lang="en-US" b="0" i="0" dirty="0">
+                <a:solidFill>
+                  <a:srgbClr val="181717"/>
                 </a:solidFill>
                 <a:effectLst/>
-                <a:latin typeface="tahoma" panose="020B0604030504040204" pitchFamily="34" charset="0"/>
-              </a:rPr>
-              <a:t>Los analizadores de código de Roslyn son estáticos, lo que significa que analizan el código en tiempo de compilación en lugar de en tiempo de ejecución. Esto permite a los desarrolladores detectar problemas de calidad de código y errores de sintaxis antes de que se ejecute el programa.</a:t>
+                <a:latin typeface="Verdana" panose="020B0604030504040204" pitchFamily="34" charset="0"/>
+              </a:rPr>
+              <a:t> is perfectly valid. The initializer, condition and steps part can be placed out of the </a:t>
+            </a:r>
+            <a:r>
+              <a:rPr lang="en-US" dirty="0"/>
+              <a:t>for</a:t>
+            </a:r>
+            <a:r>
+              <a:rPr lang="en-US" b="0" i="0" dirty="0">
+                <a:solidFill>
+                  <a:srgbClr val="181717"/>
+                </a:solidFill>
+                <a:effectLst/>
+                <a:latin typeface="Verdana" panose="020B0604030504040204" pitchFamily="34" charset="0"/>
+              </a:rPr>
+              <a:t> loop.</a:t>
             </a:r>
             <a:endParaRPr lang="en-US" dirty="0"/>
           </a:p>
@@ -932,7 +1198,7 @@
           <a:p>
             <a:fld id="{CF865426-BED0-4ABD-B70C-6835C1813117}" type="slidenum">
               <a:rPr lang="en-IN" smtClean="0"/>
-              <a:t>41</a:t>
+              <a:t>39</a:t>
             </a:fld>
             <a:endParaRPr lang="en-IN"/>
           </a:p>
@@ -941,7 +1207,7 @@
     </p:spTree>
     <p:extLst>
       <p:ext uri="{BB962C8B-B14F-4D97-AF65-F5344CB8AC3E}">
-        <p14:creationId xmlns:p14="http://schemas.microsoft.com/office/powerpoint/2010/main" val="865334663"/>
+        <p14:creationId xmlns:p14="http://schemas.microsoft.com/office/powerpoint/2010/main" val="756630423"/>
       </p:ext>
     </p:extLst>
   </p:cSld>
@@ -996,14 +1262,8 @@
           <a:lstStyle/>
           <a:p>
             <a:r>
-              <a:rPr lang="es-ES" b="0" i="0" dirty="0">
-                <a:solidFill>
-                  <a:srgbClr val="000000"/>
-                </a:solidFill>
-                <a:effectLst/>
-                <a:latin typeface="Calibri" panose="020F0502020204030204" pitchFamily="34" charset="0"/>
-              </a:rPr>
-              <a:t>Realmente ambas son dos capacidades reales de Intune sobre directorio Activo, pero solo la correcta está relacionada con el ámbito.</a:t>
+              <a:rPr lang="es-ES" dirty="0"/>
+              <a:t>MSIL es el lenguaje intermedio de Microsoft, proporciona instrucciones para llamar a métodos, almacenar e inicializar valores, manejo de memoria, manejo de excepciones, etc. Todos los códigos .NET se compilan primero en lenguaje intermedio.</a:t>
             </a:r>
             <a:endParaRPr lang="en-US" dirty="0"/>
           </a:p>
@@ -1035,7 +1295,279 @@
     </p:spTree>
     <p:extLst>
       <p:ext uri="{BB962C8B-B14F-4D97-AF65-F5344CB8AC3E}">
+        <p14:creationId xmlns:p14="http://schemas.microsoft.com/office/powerpoint/2010/main" val="1655826662"/>
+      </p:ext>
+    </p:extLst>
+  </p:cSld>
+  <p:clrMapOvr>
+    <a:masterClrMapping/>
+  </p:clrMapOvr>
+</p:notes>
+</file>
+
+<file path=ppt/notesSlides/notesSlide14.xml><?xml version="1.0" encoding="utf-8"?>
+<p:notes xmlns:a="http://schemas.openxmlformats.org/drawingml/2006/main" xmlns:r="http://schemas.openxmlformats.org/officeDocument/2006/relationships" xmlns:p="http://schemas.openxmlformats.org/presentationml/2006/main">
+  <p:cSld>
+    <p:spTree>
+      <p:nvGrpSpPr>
+        <p:cNvPr id="1" name=""/>
+        <p:cNvGrpSpPr/>
+        <p:nvPr/>
+      </p:nvGrpSpPr>
+      <p:grpSpPr>
+        <a:xfrm>
+          <a:off x="0" y="0"/>
+          <a:ext cx="0" cy="0"/>
+          <a:chOff x="0" y="0"/>
+          <a:chExt cx="0" cy="0"/>
+        </a:xfrm>
+      </p:grpSpPr>
+      <p:sp>
+        <p:nvSpPr>
+          <p:cNvPr id="2" name="Slide Image Placeholder 1"/>
+          <p:cNvSpPr>
+            <a:spLocks noGrp="1" noRot="1" noChangeAspect="1"/>
+          </p:cNvSpPr>
+          <p:nvPr>
+            <p:ph type="sldImg"/>
+          </p:nvPr>
+        </p:nvSpPr>
+        <p:spPr/>
+      </p:sp>
+      <p:sp>
+        <p:nvSpPr>
+          <p:cNvPr id="3" name="Notes Placeholder 2"/>
+          <p:cNvSpPr>
+            <a:spLocks noGrp="1"/>
+          </p:cNvSpPr>
+          <p:nvPr>
+            <p:ph type="body" idx="1"/>
+          </p:nvPr>
+        </p:nvSpPr>
+        <p:spPr/>
+        <p:txBody>
+          <a:bodyPr/>
+          <a:lstStyle/>
+          <a:p>
+            <a:r>
+              <a:rPr lang="es-ES" b="0" i="0" dirty="0">
+                <a:solidFill>
+                  <a:srgbClr val="374151"/>
+                </a:solidFill>
+                <a:effectLst/>
+                <a:latin typeface="tahoma" panose="020B0604030504040204" pitchFamily="34" charset="0"/>
+              </a:rPr>
+              <a:t>Los analizadores de código de Roslyn son estáticos, lo que significa que analizan el código en tiempo de compilación en lugar de en tiempo de ejecución. Esto permite a los desarrolladores detectar problemas de calidad de código y errores de sintaxis antes de que se ejecute el programa.</a:t>
+            </a:r>
+            <a:endParaRPr lang="en-US" dirty="0"/>
+          </a:p>
+        </p:txBody>
+      </p:sp>
+      <p:sp>
+        <p:nvSpPr>
+          <p:cNvPr id="4" name="Slide Number Placeholder 3"/>
+          <p:cNvSpPr>
+            <a:spLocks noGrp="1"/>
+          </p:cNvSpPr>
+          <p:nvPr>
+            <p:ph type="sldNum" sz="quarter" idx="5"/>
+          </p:nvPr>
+        </p:nvSpPr>
+        <p:spPr/>
+        <p:txBody>
+          <a:bodyPr/>
+          <a:lstStyle/>
+          <a:p>
+            <a:fld id="{CF865426-BED0-4ABD-B70C-6835C1813117}" type="slidenum">
+              <a:rPr lang="en-IN" smtClean="0"/>
+              <a:t>45</a:t>
+            </a:fld>
+            <a:endParaRPr lang="en-IN"/>
+          </a:p>
+        </p:txBody>
+      </p:sp>
+    </p:spTree>
+    <p:extLst>
+      <p:ext uri="{BB962C8B-B14F-4D97-AF65-F5344CB8AC3E}">
+        <p14:creationId xmlns:p14="http://schemas.microsoft.com/office/powerpoint/2010/main" val="865334663"/>
+      </p:ext>
+    </p:extLst>
+  </p:cSld>
+  <p:clrMapOvr>
+    <a:masterClrMapping/>
+  </p:clrMapOvr>
+</p:notes>
+</file>
+
+<file path=ppt/notesSlides/notesSlide15.xml><?xml version="1.0" encoding="utf-8"?>
+<p:notes xmlns:a="http://schemas.openxmlformats.org/drawingml/2006/main" xmlns:r="http://schemas.openxmlformats.org/officeDocument/2006/relationships" xmlns:p="http://schemas.openxmlformats.org/presentationml/2006/main">
+  <p:cSld>
+    <p:spTree>
+      <p:nvGrpSpPr>
+        <p:cNvPr id="1" name=""/>
+        <p:cNvGrpSpPr/>
+        <p:nvPr/>
+      </p:nvGrpSpPr>
+      <p:grpSpPr>
+        <a:xfrm>
+          <a:off x="0" y="0"/>
+          <a:ext cx="0" cy="0"/>
+          <a:chOff x="0" y="0"/>
+          <a:chExt cx="0" cy="0"/>
+        </a:xfrm>
+      </p:grpSpPr>
+      <p:sp>
+        <p:nvSpPr>
+          <p:cNvPr id="2" name="Slide Image Placeholder 1"/>
+          <p:cNvSpPr>
+            <a:spLocks noGrp="1" noRot="1" noChangeAspect="1"/>
+          </p:cNvSpPr>
+          <p:nvPr>
+            <p:ph type="sldImg"/>
+          </p:nvPr>
+        </p:nvSpPr>
+        <p:spPr/>
+      </p:sp>
+      <p:sp>
+        <p:nvSpPr>
+          <p:cNvPr id="3" name="Notes Placeholder 2"/>
+          <p:cNvSpPr>
+            <a:spLocks noGrp="1"/>
+          </p:cNvSpPr>
+          <p:nvPr>
+            <p:ph type="body" idx="1"/>
+          </p:nvPr>
+        </p:nvSpPr>
+        <p:spPr/>
+        <p:txBody>
+          <a:bodyPr/>
+          <a:lstStyle/>
+          <a:p>
+            <a:r>
+              <a:rPr lang="es-ES" b="0" i="0" dirty="0">
+                <a:solidFill>
+                  <a:srgbClr val="000000"/>
+                </a:solidFill>
+                <a:effectLst/>
+                <a:latin typeface="Calibri" panose="020F0502020204030204" pitchFamily="34" charset="0"/>
+              </a:rPr>
+              <a:t>Realmente ambas son dos capacidades reales de Intune sobre directorio Activo, pero solo la correcta está relacionada con el ámbito.</a:t>
+            </a:r>
+            <a:endParaRPr lang="en-US" dirty="0"/>
+          </a:p>
+        </p:txBody>
+      </p:sp>
+      <p:sp>
+        <p:nvSpPr>
+          <p:cNvPr id="4" name="Slide Number Placeholder 3"/>
+          <p:cNvSpPr>
+            <a:spLocks noGrp="1"/>
+          </p:cNvSpPr>
+          <p:nvPr>
+            <p:ph type="sldNum" sz="quarter" idx="5"/>
+          </p:nvPr>
+        </p:nvSpPr>
+        <p:spPr/>
+        <p:txBody>
+          <a:bodyPr/>
+          <a:lstStyle/>
+          <a:p>
+            <a:fld id="{CF865426-BED0-4ABD-B70C-6835C1813117}" type="slidenum">
+              <a:rPr lang="en-IN" smtClean="0"/>
+              <a:t>47</a:t>
+            </a:fld>
+            <a:endParaRPr lang="en-IN"/>
+          </a:p>
+        </p:txBody>
+      </p:sp>
+    </p:spTree>
+    <p:extLst>
+      <p:ext uri="{BB962C8B-B14F-4D97-AF65-F5344CB8AC3E}">
         <p14:creationId xmlns:p14="http://schemas.microsoft.com/office/powerpoint/2010/main" val="2233932571"/>
+      </p:ext>
+    </p:extLst>
+  </p:cSld>
+  <p:clrMapOvr>
+    <a:masterClrMapping/>
+  </p:clrMapOvr>
+</p:notes>
+</file>
+
+<file path=ppt/notesSlides/notesSlide16.xml><?xml version="1.0" encoding="utf-8"?>
+<p:notes xmlns:a="http://schemas.openxmlformats.org/drawingml/2006/main" xmlns:r="http://schemas.openxmlformats.org/officeDocument/2006/relationships" xmlns:p="http://schemas.openxmlformats.org/presentationml/2006/main">
+  <p:cSld>
+    <p:spTree>
+      <p:nvGrpSpPr>
+        <p:cNvPr id="1" name=""/>
+        <p:cNvGrpSpPr/>
+        <p:nvPr/>
+      </p:nvGrpSpPr>
+      <p:grpSpPr>
+        <a:xfrm>
+          <a:off x="0" y="0"/>
+          <a:ext cx="0" cy="0"/>
+          <a:chOff x="0" y="0"/>
+          <a:chExt cx="0" cy="0"/>
+        </a:xfrm>
+      </p:grpSpPr>
+      <p:sp>
+        <p:nvSpPr>
+          <p:cNvPr id="2" name="Slide Image Placeholder 1"/>
+          <p:cNvSpPr>
+            <a:spLocks noGrp="1" noRot="1" noChangeAspect="1"/>
+          </p:cNvSpPr>
+          <p:nvPr>
+            <p:ph type="sldImg"/>
+          </p:nvPr>
+        </p:nvSpPr>
+        <p:spPr/>
+      </p:sp>
+      <p:sp>
+        <p:nvSpPr>
+          <p:cNvPr id="3" name="Notes Placeholder 2"/>
+          <p:cNvSpPr>
+            <a:spLocks noGrp="1"/>
+          </p:cNvSpPr>
+          <p:nvPr>
+            <p:ph type="body" idx="1"/>
+          </p:nvPr>
+        </p:nvSpPr>
+        <p:spPr/>
+        <p:txBody>
+          <a:bodyPr/>
+          <a:lstStyle/>
+          <a:p>
+            <a:endParaRPr lang="en-US" dirty="0"/>
+          </a:p>
+        </p:txBody>
+      </p:sp>
+      <p:sp>
+        <p:nvSpPr>
+          <p:cNvPr id="4" name="Slide Number Placeholder 3"/>
+          <p:cNvSpPr>
+            <a:spLocks noGrp="1"/>
+          </p:cNvSpPr>
+          <p:nvPr>
+            <p:ph type="sldNum" sz="quarter" idx="5"/>
+          </p:nvPr>
+        </p:nvSpPr>
+        <p:spPr/>
+        <p:txBody>
+          <a:bodyPr/>
+          <a:lstStyle/>
+          <a:p>
+            <a:fld id="{CF865426-BED0-4ABD-B70C-6835C1813117}" type="slidenum">
+              <a:rPr lang="en-IN" smtClean="0"/>
+              <a:t>49</a:t>
+            </a:fld>
+            <a:endParaRPr lang="en-IN"/>
+          </a:p>
+        </p:txBody>
+      </p:sp>
+    </p:spTree>
+    <p:extLst>
+      <p:ext uri="{BB962C8B-B14F-4D97-AF65-F5344CB8AC3E}">
+        <p14:creationId xmlns:p14="http://schemas.microsoft.com/office/powerpoint/2010/main" val="2508375739"/>
       </p:ext>
     </p:extLst>
   </p:cSld>
@@ -1223,16 +1755,6 @@
           <a:bodyPr/>
           <a:lstStyle/>
           <a:p>
-            <a:r>
-              <a:rPr lang="es-ES" b="0" i="1" dirty="0">
-                <a:solidFill>
-                  <a:srgbClr val="000000"/>
-                </a:solidFill>
-                <a:effectLst/>
-                <a:latin typeface="Segoe UI" panose="020B0502040204020203" pitchFamily="34" charset="0"/>
-              </a:rPr>
-              <a:t>Se está sincronizando continuamente a una base de datos local SQLite todos los datos necesarios para poder trabajar sin conexión. La bb.dd. local actúa como un buffer para poder trabajar offline.</a:t>
-            </a:r>
             <a:endParaRPr lang="en-US" dirty="0"/>
           </a:p>
         </p:txBody>
@@ -1254,7 +1776,7 @@
           <a:p>
             <a:fld id="{CF865426-BED0-4ABD-B70C-6835C1813117}" type="slidenum">
               <a:rPr lang="en-IN" smtClean="0"/>
-              <a:t>11</a:t>
+              <a:t>7</a:t>
             </a:fld>
             <a:endParaRPr lang="en-IN"/>
           </a:p>
@@ -1263,7 +1785,7 @@
     </p:spTree>
     <p:extLst>
       <p:ext uri="{BB962C8B-B14F-4D97-AF65-F5344CB8AC3E}">
-        <p14:creationId xmlns:p14="http://schemas.microsoft.com/office/powerpoint/2010/main" val="4068884453"/>
+        <p14:creationId xmlns:p14="http://schemas.microsoft.com/office/powerpoint/2010/main" val="131749715"/>
       </p:ext>
     </p:extLst>
   </p:cSld>
@@ -1318,14 +1840,14 @@
           <a:lstStyle/>
           <a:p>
             <a:r>
-              <a:rPr lang="es-ES" b="0" i="0" dirty="0">
+              <a:rPr lang="es-ES" b="0" i="1" dirty="0">
                 <a:solidFill>
                   <a:srgbClr val="000000"/>
                 </a:solidFill>
                 <a:effectLst/>
-                <a:latin typeface="Calibri" panose="020F0502020204030204" pitchFamily="34" charset="0"/>
-              </a:rPr>
-              <a:t>Desde hace muy poco tiempo (unos meses) Intune ha empezado a preparar Intune para la administración de Equipos con Linux, Por ahora pocas versiones y las configuraciones aun son básicas, pero en poco tiempo seguro tendremos una administración potente.</a:t>
+                <a:latin typeface="Segoe UI" panose="020B0502040204020203" pitchFamily="34" charset="0"/>
+              </a:rPr>
+              <a:t>Se está sincronizando continuamente a una base de datos local SQLite todos los datos necesarios para poder trabajar sin conexión. La bb.dd. local actúa como un buffer para poder trabajar offline.</a:t>
             </a:r>
             <a:endParaRPr lang="en-US" dirty="0"/>
           </a:p>
@@ -1357,7 +1879,7 @@
     </p:spTree>
     <p:extLst>
       <p:ext uri="{BB962C8B-B14F-4D97-AF65-F5344CB8AC3E}">
-        <p14:creationId xmlns:p14="http://schemas.microsoft.com/office/powerpoint/2010/main" val="2767713903"/>
+        <p14:creationId xmlns:p14="http://schemas.microsoft.com/office/powerpoint/2010/main" val="4068884453"/>
       </p:ext>
     </p:extLst>
   </p:cSld>
@@ -1414,83 +1936,12 @@
             <a:r>
               <a:rPr lang="es-ES" b="0" i="0" dirty="0">
                 <a:solidFill>
-                  <a:srgbClr val="374151"/>
+                  <a:srgbClr val="000000"/>
                 </a:solidFill>
                 <a:effectLst/>
-                <a:latin typeface="tahoma" panose="020B0604030504040204" pitchFamily="34" charset="0"/>
-              </a:rPr>
-              <a:t>El compilador de la plataforma .NET se llama "Roslyn". Roslyn es un compilador de código fuente abierto de Microsoft para C# y </a:t>
-            </a:r>
-            <a:r>
-              <a:rPr lang="es-ES" b="0" i="0" dirty="0">
-                <a:solidFill>
-                  <a:srgbClr val="374151"/>
-                </a:solidFill>
-                <a:effectLst/>
-                <a:latin typeface="tahoma" panose="020B0604030504040204" pitchFamily="34" charset="0"/>
-                <a:hlinkClick r:id="rId3"/>
-              </a:rPr>
-              <a:t>VB.NET</a:t>
-            </a:r>
-            <a:r>
-              <a:rPr lang="es-ES" b="0" i="0" dirty="0">
-                <a:solidFill>
-                  <a:srgbClr val="374151"/>
-                </a:solidFill>
-                <a:effectLst/>
-                <a:latin typeface="tahoma" panose="020B0604030504040204" pitchFamily="34" charset="0"/>
-              </a:rPr>
-              <a:t> que permite a los desarrolladores analizar y compilar código en tiempo real.</a:t>
-            </a:r>
-            <a:br>
-              <a:rPr lang="es-ES" b="0" i="0" dirty="0">
-                <a:solidFill>
-                  <a:srgbClr val="374151"/>
-                </a:solidFill>
-                <a:effectLst/>
-                <a:latin typeface="tahoma" panose="020B0604030504040204" pitchFamily="34" charset="0"/>
-              </a:rPr>
-            </a:br>
-            <a:r>
-              <a:rPr lang="es-ES" b="0" i="0" dirty="0" err="1">
-                <a:solidFill>
-                  <a:srgbClr val="374151"/>
-                </a:solidFill>
-                <a:effectLst/>
-                <a:latin typeface="tahoma" panose="020B0604030504040204" pitchFamily="34" charset="0"/>
-              </a:rPr>
-              <a:t>MSBuild</a:t>
-            </a:r>
-            <a:r>
-              <a:rPr lang="es-ES" b="0" i="0" dirty="0">
-                <a:solidFill>
-                  <a:srgbClr val="374151"/>
-                </a:solidFill>
-                <a:effectLst/>
-                <a:latin typeface="tahoma" panose="020B0604030504040204" pitchFamily="34" charset="0"/>
-              </a:rPr>
-              <a:t> es una herramienta de compilación de código abierto de Microsoft que se utiliza para compilar, probar y publicar proyectos de software escritos en lenguajes .NET como C#, </a:t>
-            </a:r>
-            <a:r>
-              <a:rPr lang="es-ES" b="0" i="0" dirty="0">
-                <a:solidFill>
-                  <a:srgbClr val="374151"/>
-                </a:solidFill>
-                <a:effectLst/>
-                <a:latin typeface="tahoma" panose="020B0604030504040204" pitchFamily="34" charset="0"/>
-                <a:hlinkClick r:id="rId3"/>
-              </a:rPr>
-              <a:t>VB.NET</a:t>
-            </a:r>
-            <a:r>
-              <a:rPr lang="es-ES" b="0" i="0" dirty="0">
-                <a:solidFill>
-                  <a:srgbClr val="374151"/>
-                </a:solidFill>
-                <a:effectLst/>
-                <a:latin typeface="tahoma" panose="020B0604030504040204" pitchFamily="34" charset="0"/>
-              </a:rPr>
-              <a:t> y F#.</a:t>
+                <a:latin typeface="Calibri" panose="020F0502020204030204" pitchFamily="34" charset="0"/>
+              </a:rPr>
+              <a:t>Desde hace muy poco tiempo (unos meses) Intune ha empezado a preparar Intune para la administración de Equipos con Linux, Por ahora pocas versiones y las configuraciones aun son básicas, pero en poco tiempo seguro tendremos una administración potente.</a:t>
             </a:r>
             <a:endParaRPr lang="en-US" dirty="0"/>
           </a:p>
@@ -1522,7 +1973,7 @@
     </p:spTree>
     <p:extLst>
       <p:ext uri="{BB962C8B-B14F-4D97-AF65-F5344CB8AC3E}">
-        <p14:creationId xmlns:p14="http://schemas.microsoft.com/office/powerpoint/2010/main" val="3984895563"/>
+        <p14:creationId xmlns:p14="http://schemas.microsoft.com/office/powerpoint/2010/main" val="2767713903"/>
       </p:ext>
     </p:extLst>
   </p:cSld>
@@ -1577,54 +2028,85 @@
           <a:lstStyle/>
           <a:p>
             <a:r>
-              <a:rPr lang="es-ES" b="0" i="1" dirty="0">
-                <a:solidFill>
-                  <a:srgbClr val="000000"/>
+              <a:rPr lang="es-ES" b="0" i="0" dirty="0">
+                <a:solidFill>
+                  <a:srgbClr val="374151"/>
                 </a:solidFill>
                 <a:effectLst/>
-                <a:latin typeface="Segoe UI" panose="020B0502040204020203" pitchFamily="34" charset="0"/>
-              </a:rPr>
-              <a:t>Para disponer del mecanismo </a:t>
-            </a:r>
-            <a:r>
-              <a:rPr lang="es-ES" b="0" i="1" dirty="0" err="1">
-                <a:solidFill>
-                  <a:srgbClr val="000000"/>
+                <a:latin typeface="tahoma" panose="020B0604030504040204" pitchFamily="34" charset="0"/>
+              </a:rPr>
+              <a:t>El compilador de la plataforma .NET se llama "Roslyn". Roslyn es un compilador de código fuente abierto de Microsoft para C# y </a:t>
+            </a:r>
+            <a:r>
+              <a:rPr lang="es-ES" b="0" i="0" dirty="0">
+                <a:solidFill>
+                  <a:srgbClr val="374151"/>
                 </a:solidFill>
                 <a:effectLst/>
-                <a:latin typeface="Segoe UI" panose="020B0502040204020203" pitchFamily="34" charset="0"/>
-              </a:rPr>
-              <a:t>hot-reload</a:t>
-            </a:r>
-            <a:r>
-              <a:rPr lang="es-ES" b="0" i="1" dirty="0">
-                <a:solidFill>
-                  <a:srgbClr val="000000"/>
+                <a:latin typeface="tahoma" panose="020B0604030504040204" pitchFamily="34" charset="0"/>
+                <a:hlinkClick r:id="rId3"/>
+              </a:rPr>
+              <a:t>VB.NET</a:t>
+            </a:r>
+            <a:r>
+              <a:rPr lang="es-ES" b="0" i="0" dirty="0">
+                <a:solidFill>
+                  <a:srgbClr val="374151"/>
                 </a:solidFill>
                 <a:effectLst/>
-                <a:latin typeface="Segoe UI" panose="020B0502040204020203" pitchFamily="34" charset="0"/>
-              </a:rPr>
-              <a:t>, en caso de detectar un </a:t>
-            </a:r>
-            <a:r>
-              <a:rPr lang="es-ES" b="0" i="1" dirty="0" err="1">
-                <a:solidFill>
-                  <a:srgbClr val="000000"/>
+                <a:latin typeface="tahoma" panose="020B0604030504040204" pitchFamily="34" charset="0"/>
+              </a:rPr>
+              <a:t> que permite a los desarrolladores analizar y compilar código en tiempo real.</a:t>
+            </a:r>
+            <a:br>
+              <a:rPr lang="es-ES" b="0" i="0" dirty="0">
+                <a:solidFill>
+                  <a:srgbClr val="374151"/>
                 </a:solidFill>
                 <a:effectLst/>
-                <a:latin typeface="Segoe UI" panose="020B0502040204020203" pitchFamily="34" charset="0"/>
-              </a:rPr>
-              <a:t>assembly</a:t>
-            </a:r>
-            <a:r>
-              <a:rPr lang="es-ES" b="0" i="1" dirty="0">
-                <a:solidFill>
-                  <a:srgbClr val="000000"/>
+                <a:latin typeface="tahoma" panose="020B0604030504040204" pitchFamily="34" charset="0"/>
+              </a:rPr>
+            </a:br>
+            <a:r>
+              <a:rPr lang="es-ES" b="0" i="0" dirty="0" err="1">
+                <a:solidFill>
+                  <a:srgbClr val="374151"/>
                 </a:solidFill>
                 <a:effectLst/>
-                <a:latin typeface="Segoe UI" panose="020B0502040204020203" pitchFamily="34" charset="0"/>
-              </a:rPr>
-              <a:t> cambiado, necesitamos primero descargar de memoria la versión anterior.</a:t>
+                <a:latin typeface="tahoma" panose="020B0604030504040204" pitchFamily="34" charset="0"/>
+              </a:rPr>
+              <a:t>MSBuild</a:t>
+            </a:r>
+            <a:r>
+              <a:rPr lang="es-ES" b="0" i="0" dirty="0">
+                <a:solidFill>
+                  <a:srgbClr val="374151"/>
+                </a:solidFill>
+                <a:effectLst/>
+                <a:latin typeface="tahoma" panose="020B0604030504040204" pitchFamily="34" charset="0"/>
+              </a:rPr>
+              <a:t> es una herramienta de compilación de código abierto de Microsoft que se utiliza para compilar, probar y publicar proyectos de software escritos en lenguajes .NET como C#, </a:t>
+            </a:r>
+            <a:r>
+              <a:rPr lang="es-ES" b="0" i="0" dirty="0">
+                <a:solidFill>
+                  <a:srgbClr val="374151"/>
+                </a:solidFill>
+                <a:effectLst/>
+                <a:latin typeface="tahoma" panose="020B0604030504040204" pitchFamily="34" charset="0"/>
+                <a:hlinkClick r:id="rId3"/>
+              </a:rPr>
+              <a:t>VB.NET</a:t>
+            </a:r>
+            <a:r>
+              <a:rPr lang="es-ES" b="0" i="0" dirty="0">
+                <a:solidFill>
+                  <a:srgbClr val="374151"/>
+                </a:solidFill>
+                <a:effectLst/>
+                <a:latin typeface="tahoma" panose="020B0604030504040204" pitchFamily="34" charset="0"/>
+              </a:rPr>
+              <a:t> y F#.</a:t>
             </a:r>
             <a:endParaRPr lang="en-US" dirty="0"/>
           </a:p>
@@ -1656,7 +2138,7 @@
     </p:spTree>
     <p:extLst>
       <p:ext uri="{BB962C8B-B14F-4D97-AF65-F5344CB8AC3E}">
-        <p14:creationId xmlns:p14="http://schemas.microsoft.com/office/powerpoint/2010/main" val="1539228458"/>
+        <p14:creationId xmlns:p14="http://schemas.microsoft.com/office/powerpoint/2010/main" val="3984895563"/>
       </p:ext>
     </p:extLst>
   </p:cSld>
@@ -1711,14 +2193,54 @@
           <a:lstStyle/>
           <a:p>
             <a:r>
-              <a:rPr lang="es-ES" b="0" i="0" dirty="0">
+              <a:rPr lang="es-ES" b="0" i="1" dirty="0">
                 <a:solidFill>
                   <a:srgbClr val="000000"/>
                 </a:solidFill>
                 <a:effectLst/>
-                <a:latin typeface="Calibri" panose="020F0502020204030204" pitchFamily="34" charset="0"/>
-              </a:rPr>
-              <a:t>El administrador de Intune de hecho no es un rol que permita administrar equipos, Existe un rol especifico al que queramos dar el privilegio de ser administradores locales de los equipos.</a:t>
+                <a:latin typeface="Segoe UI" panose="020B0502040204020203" pitchFamily="34" charset="0"/>
+              </a:rPr>
+              <a:t>Para disponer del mecanismo </a:t>
+            </a:r>
+            <a:r>
+              <a:rPr lang="es-ES" b="0" i="1" dirty="0" err="1">
+                <a:solidFill>
+                  <a:srgbClr val="000000"/>
+                </a:solidFill>
+                <a:effectLst/>
+                <a:latin typeface="Segoe UI" panose="020B0502040204020203" pitchFamily="34" charset="0"/>
+              </a:rPr>
+              <a:t>hot-reload</a:t>
+            </a:r>
+            <a:r>
+              <a:rPr lang="es-ES" b="0" i="1" dirty="0">
+                <a:solidFill>
+                  <a:srgbClr val="000000"/>
+                </a:solidFill>
+                <a:effectLst/>
+                <a:latin typeface="Segoe UI" panose="020B0502040204020203" pitchFamily="34" charset="0"/>
+              </a:rPr>
+              <a:t>, en caso de detectar un </a:t>
+            </a:r>
+            <a:r>
+              <a:rPr lang="es-ES" b="0" i="1" dirty="0" err="1">
+                <a:solidFill>
+                  <a:srgbClr val="000000"/>
+                </a:solidFill>
+                <a:effectLst/>
+                <a:latin typeface="Segoe UI" panose="020B0502040204020203" pitchFamily="34" charset="0"/>
+              </a:rPr>
+              <a:t>assembly</a:t>
+            </a:r>
+            <a:r>
+              <a:rPr lang="es-ES" b="0" i="1" dirty="0">
+                <a:solidFill>
+                  <a:srgbClr val="000000"/>
+                </a:solidFill>
+                <a:effectLst/>
+                <a:latin typeface="Segoe UI" panose="020B0502040204020203" pitchFamily="34" charset="0"/>
+              </a:rPr>
+              <a:t> cambiado, necesitamos primero descargar de memoria la versión anterior.</a:t>
             </a:r>
             <a:endParaRPr lang="en-US" dirty="0"/>
           </a:p>
@@ -1750,7 +2272,7 @@
     </p:spTree>
     <p:extLst>
       <p:ext uri="{BB962C8B-B14F-4D97-AF65-F5344CB8AC3E}">
-        <p14:creationId xmlns:p14="http://schemas.microsoft.com/office/powerpoint/2010/main" val="1634737296"/>
+        <p14:creationId xmlns:p14="http://schemas.microsoft.com/office/powerpoint/2010/main" val="1539228458"/>
       </p:ext>
     </p:extLst>
   </p:cSld>
@@ -1805,74 +2327,14 @@
           <a:lstStyle/>
           <a:p>
             <a:r>
-              <a:rPr lang="es-ES" b="0" i="1" dirty="0">
+              <a:rPr lang="es-ES" b="0" i="0" dirty="0">
                 <a:solidFill>
                   <a:srgbClr val="000000"/>
                 </a:solidFill>
                 <a:effectLst/>
-                <a:latin typeface="Segoe UI" panose="020B0502040204020203" pitchFamily="34" charset="0"/>
-              </a:rPr>
-              <a:t>Aunque para este desarrollo no es estrictamente necesario, usamos </a:t>
-            </a:r>
-            <a:r>
-              <a:rPr lang="es-ES" b="0" i="1" dirty="0" err="1">
-                <a:solidFill>
-                  <a:srgbClr val="000000"/>
-                </a:solidFill>
-                <a:effectLst/>
-                <a:latin typeface="Segoe UI" panose="020B0502040204020203" pitchFamily="34" charset="0"/>
-              </a:rPr>
-              <a:t>Community</a:t>
-            </a:r>
-            <a:r>
-              <a:rPr lang="es-ES" b="0" i="1" dirty="0">
-                <a:solidFill>
-                  <a:srgbClr val="000000"/>
-                </a:solidFill>
-                <a:effectLst/>
-                <a:latin typeface="Segoe UI" panose="020B0502040204020203" pitchFamily="34" charset="0"/>
-              </a:rPr>
-              <a:t> </a:t>
-            </a:r>
-            <a:r>
-              <a:rPr lang="es-ES" b="0" i="1" dirty="0" err="1">
-                <a:solidFill>
-                  <a:srgbClr val="000000"/>
-                </a:solidFill>
-                <a:effectLst/>
-                <a:latin typeface="Segoe UI" panose="020B0502040204020203" pitchFamily="34" charset="0"/>
-              </a:rPr>
-              <a:t>Toolkit</a:t>
-            </a:r>
-            <a:r>
-              <a:rPr lang="es-ES" b="0" i="1" dirty="0">
-                <a:solidFill>
-                  <a:srgbClr val="000000"/>
-                </a:solidFill>
-                <a:effectLst/>
-                <a:latin typeface="Segoe UI" panose="020B0502040204020203" pitchFamily="34" charset="0"/>
-              </a:rPr>
-              <a:t> para disponer de </a:t>
-            </a:r>
-            <a:r>
-              <a:rPr lang="es-ES" b="0" i="1" dirty="0" err="1">
-                <a:solidFill>
-                  <a:srgbClr val="000000"/>
-                </a:solidFill>
-                <a:effectLst/>
-                <a:latin typeface="Segoe UI" panose="020B0502040204020203" pitchFamily="34" charset="0"/>
-              </a:rPr>
-              <a:t>INotifyPropertyChanged</a:t>
-            </a:r>
-            <a:r>
-              <a:rPr lang="es-ES" b="0" i="1" dirty="0">
-                <a:solidFill>
-                  <a:srgbClr val="000000"/>
-                </a:solidFill>
-                <a:effectLst/>
-                <a:latin typeface="Segoe UI" panose="020B0502040204020203" pitchFamily="34" charset="0"/>
-              </a:rPr>
-              <a:t> sin tener que escribirlo explícitamente. Nos permite cambiar en tiempo de ejecución el idioma y ver directamente el cambio aplicado en UI.</a:t>
+                <a:latin typeface="Calibri" panose="020F0502020204030204" pitchFamily="34" charset="0"/>
+              </a:rPr>
+              <a:t>El administrador de Intune de hecho no es un rol que permita administrar equipos, Existe un rol especifico al que queramos dar el privilegio de ser administradores locales de los equipos.</a:t>
             </a:r>
             <a:endParaRPr lang="en-US" dirty="0"/>
           </a:p>
@@ -1895,7 +2357,7 @@
           <a:p>
             <a:fld id="{CF865426-BED0-4ABD-B70C-6835C1813117}" type="slidenum">
               <a:rPr lang="en-IN" smtClean="0"/>
-              <a:t>25</a:t>
+              <a:t>21</a:t>
             </a:fld>
             <a:endParaRPr lang="en-IN"/>
           </a:p>
@@ -1904,7 +2366,7 @@
     </p:spTree>
     <p:extLst>
       <p:ext uri="{BB962C8B-B14F-4D97-AF65-F5344CB8AC3E}">
-        <p14:creationId xmlns:p14="http://schemas.microsoft.com/office/powerpoint/2010/main" val="980021930"/>
+        <p14:creationId xmlns:p14="http://schemas.microsoft.com/office/powerpoint/2010/main" val="1634737296"/>
       </p:ext>
     </p:extLst>
   </p:cSld>
@@ -1958,208 +2420,6 @@
           <a:bodyPr/>
           <a:lstStyle/>
           <a:p>
-            <a:r>
-              <a:rPr lang="es-ES" b="0" i="0" dirty="0" err="1">
-                <a:solidFill>
-                  <a:srgbClr val="374151"/>
-                </a:solidFill>
-                <a:effectLst/>
-                <a:latin typeface="tahoma" panose="020B0604030504040204" pitchFamily="34" charset="0"/>
-              </a:rPr>
-              <a:t>JetBrains</a:t>
-            </a:r>
-            <a:r>
-              <a:rPr lang="es-ES" b="0" i="0" dirty="0">
-                <a:solidFill>
-                  <a:srgbClr val="374151"/>
-                </a:solidFill>
-                <a:effectLst/>
-                <a:latin typeface="tahoma" panose="020B0604030504040204" pitchFamily="34" charset="0"/>
-              </a:rPr>
-              <a:t> </a:t>
-            </a:r>
-            <a:r>
-              <a:rPr lang="es-ES" b="0" i="0" dirty="0" err="1">
-                <a:solidFill>
-                  <a:srgbClr val="374151"/>
-                </a:solidFill>
-                <a:effectLst/>
-                <a:latin typeface="tahoma" panose="020B0604030504040204" pitchFamily="34" charset="0"/>
-              </a:rPr>
-              <a:t>Rider</a:t>
-            </a:r>
-            <a:r>
-              <a:rPr lang="es-ES" b="0" i="0" dirty="0">
-                <a:solidFill>
-                  <a:srgbClr val="374151"/>
-                </a:solidFill>
-                <a:effectLst/>
-                <a:latin typeface="tahoma" panose="020B0604030504040204" pitchFamily="34" charset="0"/>
-              </a:rPr>
-              <a:t> es un entorno de desarrollo integrado (IDE) para desarrolladores que trabajan con lenguajes de programación .NET, </a:t>
-            </a:r>
-            <a:r>
-              <a:rPr lang="es-ES" b="0" i="0" dirty="0">
-                <a:solidFill>
-                  <a:srgbClr val="000000"/>
-                </a:solidFill>
-                <a:effectLst/>
-                <a:latin typeface="tahoma" panose="020B0604030504040204" pitchFamily="34" charset="0"/>
-              </a:rPr>
-              <a:t>como C#</a:t>
-            </a:r>
-            <a:r>
-              <a:rPr lang="es-ES" b="0" i="0" dirty="0">
-                <a:solidFill>
-                  <a:srgbClr val="374151"/>
-                </a:solidFill>
-                <a:effectLst/>
-                <a:latin typeface="tahoma" panose="020B0604030504040204" pitchFamily="34" charset="0"/>
-              </a:rPr>
-              <a:t>, </a:t>
-            </a:r>
-            <a:r>
-              <a:rPr lang="es-ES" b="0" i="0" dirty="0">
-                <a:solidFill>
-                  <a:srgbClr val="374151"/>
-                </a:solidFill>
-                <a:effectLst/>
-                <a:latin typeface="tahoma" panose="020B0604030504040204" pitchFamily="34" charset="0"/>
-                <a:hlinkClick r:id="rId3"/>
-              </a:rPr>
-              <a:t>VB.NET</a:t>
-            </a:r>
-            <a:r>
-              <a:rPr lang="es-ES" b="0" i="0" dirty="0">
-                <a:solidFill>
-                  <a:srgbClr val="374151"/>
-                </a:solidFill>
-                <a:effectLst/>
-                <a:latin typeface="tahoma" panose="020B0604030504040204" pitchFamily="34" charset="0"/>
-              </a:rPr>
-              <a:t>, </a:t>
-            </a:r>
-            <a:r>
-              <a:rPr lang="es-ES" b="0" i="0" dirty="0">
-                <a:solidFill>
-                  <a:srgbClr val="000000"/>
-                </a:solidFill>
-                <a:effectLst/>
-                <a:latin typeface="tahoma" panose="020B0604030504040204" pitchFamily="34" charset="0"/>
-              </a:rPr>
-              <a:t>F# y</a:t>
-            </a:r>
-            <a:r>
-              <a:rPr lang="es-ES" b="0" i="0" dirty="0">
-                <a:solidFill>
-                  <a:srgbClr val="374151"/>
-                </a:solidFill>
-                <a:effectLst/>
-                <a:latin typeface="tahoma" panose="020B0604030504040204" pitchFamily="34" charset="0"/>
-              </a:rPr>
-              <a:t> </a:t>
-            </a:r>
-            <a:r>
-              <a:rPr lang="es-ES" b="0" i="0" dirty="0">
-                <a:solidFill>
-                  <a:srgbClr val="374151"/>
-                </a:solidFill>
-                <a:effectLst/>
-                <a:latin typeface="tahoma" panose="020B0604030504040204" pitchFamily="34" charset="0"/>
-                <a:hlinkClick r:id="rId4"/>
-              </a:rPr>
-              <a:t>ASP.NET</a:t>
-            </a:r>
-            <a:r>
-              <a:rPr lang="es-ES" b="0" i="0" dirty="0">
-                <a:solidFill>
-                  <a:srgbClr val="374151"/>
-                </a:solidFill>
-                <a:effectLst/>
-                <a:latin typeface="tahoma" panose="020B0604030504040204" pitchFamily="34" charset="0"/>
-              </a:rPr>
-              <a:t>. Es desarrollado por </a:t>
-            </a:r>
-            <a:r>
-              <a:rPr lang="es-ES" b="0" i="0" dirty="0" err="1">
-                <a:solidFill>
-                  <a:srgbClr val="374151"/>
-                </a:solidFill>
-                <a:effectLst/>
-                <a:latin typeface="tahoma" panose="020B0604030504040204" pitchFamily="34" charset="0"/>
-              </a:rPr>
-              <a:t>JetBrains</a:t>
-            </a:r>
-            <a:r>
-              <a:rPr lang="es-ES" b="0" i="0" dirty="0">
-                <a:solidFill>
-                  <a:srgbClr val="374151"/>
-                </a:solidFill>
-                <a:effectLst/>
-                <a:latin typeface="tahoma" panose="020B0604030504040204" pitchFamily="34" charset="0"/>
-              </a:rPr>
-              <a:t>, la misma compañía que creó otros populares </a:t>
-            </a:r>
-            <a:r>
-              <a:rPr lang="es-ES" b="0" i="0" dirty="0" err="1">
-                <a:solidFill>
-                  <a:srgbClr val="374151"/>
-                </a:solidFill>
-                <a:effectLst/>
-                <a:latin typeface="tahoma" panose="020B0604030504040204" pitchFamily="34" charset="0"/>
-              </a:rPr>
-              <a:t>IDEs</a:t>
-            </a:r>
-            <a:r>
-              <a:rPr lang="es-ES" b="0" i="0" dirty="0">
-                <a:solidFill>
-                  <a:srgbClr val="374151"/>
-                </a:solidFill>
-                <a:effectLst/>
-                <a:latin typeface="tahoma" panose="020B0604030504040204" pitchFamily="34" charset="0"/>
-              </a:rPr>
-              <a:t> como IntelliJ IDEA para Java, </a:t>
-            </a:r>
-            <a:r>
-              <a:rPr lang="es-ES" b="0" i="0" dirty="0" err="1">
-                <a:solidFill>
-                  <a:srgbClr val="374151"/>
-                </a:solidFill>
-                <a:effectLst/>
-                <a:latin typeface="tahoma" panose="020B0604030504040204" pitchFamily="34" charset="0"/>
-              </a:rPr>
-              <a:t>PyCharm</a:t>
-            </a:r>
-            <a:r>
-              <a:rPr lang="es-ES" b="0" i="0" dirty="0">
-                <a:solidFill>
-                  <a:srgbClr val="374151"/>
-                </a:solidFill>
-                <a:effectLst/>
-                <a:latin typeface="tahoma" panose="020B0604030504040204" pitchFamily="34" charset="0"/>
-              </a:rPr>
-              <a:t> para Python y </a:t>
-            </a:r>
-            <a:r>
-              <a:rPr lang="es-ES" b="0" i="0" dirty="0" err="1">
-                <a:solidFill>
-                  <a:srgbClr val="374151"/>
-                </a:solidFill>
-                <a:effectLst/>
-                <a:latin typeface="tahoma" panose="020B0604030504040204" pitchFamily="34" charset="0"/>
-              </a:rPr>
-              <a:t>ReSharper</a:t>
-            </a:r>
-            <a:r>
-              <a:rPr lang="es-ES" b="0" i="0" dirty="0">
-                <a:solidFill>
-                  <a:srgbClr val="374151"/>
-                </a:solidFill>
-                <a:effectLst/>
-                <a:latin typeface="tahoma" panose="020B0604030504040204" pitchFamily="34" charset="0"/>
-              </a:rPr>
-              <a:t> para Visual Studio.</a:t>
-            </a:r>
             <a:endParaRPr lang="en-US" dirty="0"/>
           </a:p>
         </p:txBody>
@@ -2181,7 +2441,7 @@
           <a:p>
             <a:fld id="{CF865426-BED0-4ABD-B70C-6835C1813117}" type="slidenum">
               <a:rPr lang="en-IN" smtClean="0"/>
-              <a:t>33</a:t>
+              <a:t>23</a:t>
             </a:fld>
             <a:endParaRPr lang="en-IN"/>
           </a:p>
@@ -2190,7 +2450,7 @@
     </p:spTree>
     <p:extLst>
       <p:ext uri="{BB962C8B-B14F-4D97-AF65-F5344CB8AC3E}">
-        <p14:creationId xmlns:p14="http://schemas.microsoft.com/office/powerpoint/2010/main" val="981524497"/>
+        <p14:creationId xmlns:p14="http://schemas.microsoft.com/office/powerpoint/2010/main" val="664589518"/>
       </p:ext>
     </p:extLst>
   </p:cSld>
@@ -2331,7 +2591,7 @@
           <a:p>
             <a:fld id="{1E769D27-5446-4EDF-9743-432CF3085816}" type="datetimeFigureOut">
               <a:rPr lang="en-IN" smtClean="0"/>
-              <a:t>20-04-2023</a:t>
+              <a:t>21-04-2023</a:t>
             </a:fld>
             <a:endParaRPr lang="en-IN"/>
           </a:p>
@@ -2501,7 +2761,7 @@
           <a:p>
             <a:fld id="{1E769D27-5446-4EDF-9743-432CF3085816}" type="datetimeFigureOut">
               <a:rPr lang="en-IN" smtClean="0"/>
-              <a:t>20-04-2023</a:t>
+              <a:t>21-04-2023</a:t>
             </a:fld>
             <a:endParaRPr lang="en-IN"/>
           </a:p>
@@ -2681,7 +2941,7 @@
           <a:p>
             <a:fld id="{1E769D27-5446-4EDF-9743-432CF3085816}" type="datetimeFigureOut">
               <a:rPr lang="en-IN" smtClean="0"/>
-              <a:t>20-04-2023</a:t>
+              <a:t>21-04-2023</a:t>
             </a:fld>
             <a:endParaRPr lang="en-IN"/>
           </a:p>
@@ -2851,7 +3111,7 @@
           <a:p>
             <a:fld id="{1E769D27-5446-4EDF-9743-432CF3085816}" type="datetimeFigureOut">
               <a:rPr lang="en-IN" smtClean="0"/>
-              <a:t>20-04-2023</a:t>
+              <a:t>21-04-2023</a:t>
             </a:fld>
             <a:endParaRPr lang="en-IN"/>
           </a:p>
@@ -3097,7 +3357,7 @@
           <a:p>
             <a:fld id="{1E769D27-5446-4EDF-9743-432CF3085816}" type="datetimeFigureOut">
               <a:rPr lang="en-IN" smtClean="0"/>
-              <a:t>20-04-2023</a:t>
+              <a:t>21-04-2023</a:t>
             </a:fld>
             <a:endParaRPr lang="en-IN"/>
           </a:p>
@@ -3329,7 +3589,7 @@
           <a:p>
             <a:fld id="{1E769D27-5446-4EDF-9743-432CF3085816}" type="datetimeFigureOut">
               <a:rPr lang="en-IN" smtClean="0"/>
-              <a:t>20-04-2023</a:t>
+              <a:t>21-04-2023</a:t>
             </a:fld>
             <a:endParaRPr lang="en-IN"/>
           </a:p>
@@ -3696,7 +3956,7 @@
           <a:p>
             <a:fld id="{1E769D27-5446-4EDF-9743-432CF3085816}" type="datetimeFigureOut">
               <a:rPr lang="en-IN" smtClean="0"/>
-              <a:t>20-04-2023</a:t>
+              <a:t>21-04-2023</a:t>
             </a:fld>
             <a:endParaRPr lang="en-IN"/>
           </a:p>
@@ -3814,7 +4074,7 @@
           <a:p>
             <a:fld id="{1E769D27-5446-4EDF-9743-432CF3085816}" type="datetimeFigureOut">
               <a:rPr lang="en-IN" smtClean="0"/>
-              <a:t>20-04-2023</a:t>
+              <a:t>21-04-2023</a:t>
             </a:fld>
             <a:endParaRPr lang="en-IN"/>
           </a:p>
@@ -3909,7 +4169,7 @@
           <a:p>
             <a:fld id="{1E769D27-5446-4EDF-9743-432CF3085816}" type="datetimeFigureOut">
               <a:rPr lang="en-IN" smtClean="0"/>
-              <a:t>20-04-2023</a:t>
+              <a:t>21-04-2023</a:t>
             </a:fld>
             <a:endParaRPr lang="en-IN"/>
           </a:p>
@@ -4186,7 +4446,7 @@
           <a:p>
             <a:fld id="{1E769D27-5446-4EDF-9743-432CF3085816}" type="datetimeFigureOut">
               <a:rPr lang="en-IN" smtClean="0"/>
-              <a:t>20-04-2023</a:t>
+              <a:t>21-04-2023</a:t>
             </a:fld>
             <a:endParaRPr lang="en-IN"/>
           </a:p>
@@ -4443,7 +4703,7 @@
           <a:p>
             <a:fld id="{1E769D27-5446-4EDF-9743-432CF3085816}" type="datetimeFigureOut">
               <a:rPr lang="en-IN" smtClean="0"/>
-              <a:t>20-04-2023</a:t>
+              <a:t>21-04-2023</a:t>
             </a:fld>
             <a:endParaRPr lang="en-IN"/>
           </a:p>
@@ -4656,7 +4916,7 @@
           <a:p>
             <a:fld id="{C764DE79-268F-4C1A-8933-263129D2AF90}" type="datetimeFigureOut">
               <a:rPr lang="en-US" dirty="0"/>
-              <a:t>4/20/2023</a:t>
+              <a:t>4/21/2023</a:t>
             </a:fld>
             <a:endParaRPr lang="en-US" dirty="0"/>
           </a:p>
@@ -5494,7 +5754,7 @@
     </p:spTree>
     <p:extLst>
       <p:ext uri="{BB962C8B-B14F-4D97-AF65-F5344CB8AC3E}">
-        <p14:creationId xmlns:p14="http://schemas.microsoft.com/office/powerpoint/2010/main" val="4215552063"/>
+        <p14:creationId xmlns:p14="http://schemas.microsoft.com/office/powerpoint/2010/main" val="3536002238"/>
       </p:ext>
     </p:extLst>
   </p:cSld>
@@ -5583,11 +5843,13 @@
           <a:bodyPr tIns="144000" bIns="90000" rtlCol="0" anchor="ctr"/>
           <a:lstStyle/>
           <a:p>
-            <a:pPr algn="ctr" defTabSz="685800"/>
+            <a:pPr algn="ctr" defTabSz="685800">
+              <a:defRPr/>
+            </a:pPr>
             <a:r>
               <a:rPr lang="en-US" sz="3200" dirty="0">
                 <a:solidFill>
-                  <a:schemeClr val="tx1"/>
+                  <a:prstClr val="black"/>
                 </a:solidFill>
                 <a:latin typeface="Poppins SemiBold" panose="00000700000000000000" pitchFamily="2" charset="0"/>
                 <a:cs typeface="Poppins SemiBold" panose="00000700000000000000" pitchFamily="2" charset="0"/>
@@ -5602,11 +5864,11 @@
                 <a:effectLst/>
                 <a:latin typeface="Segoe UI" panose="020B0502040204020203" pitchFamily="34" charset="0"/>
               </a:rPr>
-              <a:t>¿Porque trabaja el POS con una base de datos SQLite local?</a:t>
+              <a:t>¿Cuál es el porcentaje de nuevo código subido a GitHub creado por IA?</a:t>
             </a:r>
             <a:endParaRPr lang="en-IN" sz="3200" dirty="0">
               <a:solidFill>
-                <a:schemeClr val="tx1"/>
+                <a:prstClr val="black"/>
               </a:solidFill>
               <a:latin typeface="Poppins SemiBold" panose="00000700000000000000" pitchFamily="2" charset="0"/>
               <a:cs typeface="Poppins SemiBold" panose="00000700000000000000" pitchFamily="2" charset="0"/>
@@ -5617,12 +5879,100 @@
       <p:sp>
         <p:nvSpPr>
           <p:cNvPr id="3" name="Rectangle 2">
-            <a:hlinkClick r:id="rId3" action="ppaction://hlinksldjump">
-              <a:snd r:embed="rId4" name="WrongAnswerSFX.wav"/>
+            <a:hlinkClick r:id="rId2" action="ppaction://hlinksldjump">
+              <a:snd r:embed="rId3" name="WrongAnswerSFX.wav"/>
             </a:hlinkClick>
             <a:extLst>
               <a:ext uri="{FF2B5EF4-FFF2-40B4-BE49-F238E27FC236}">
                 <a16:creationId xmlns:a16="http://schemas.microsoft.com/office/drawing/2014/main" id="{93EB3632-12C3-41FB-861E-57B9D53BBF65}"/>
+              </a:ext>
+            </a:extLst>
+          </p:cNvPr>
+          <p:cNvSpPr/>
+          <p:nvPr/>
+        </p:nvSpPr>
+        <p:spPr>
+          <a:xfrm>
+            <a:off x="1976846" y="2612571"/>
+            <a:ext cx="3971108" cy="1236618"/>
+          </a:xfrm>
+          <a:prstGeom prst="rect">
+            <a:avLst/>
+          </a:prstGeom>
+          <a:solidFill>
+            <a:schemeClr val="bg1"/>
+          </a:solidFill>
+          <a:ln>
+            <a:solidFill>
+              <a:schemeClr val="bg1">
+                <a:lumMod val="85000"/>
+              </a:schemeClr>
+            </a:solidFill>
+          </a:ln>
+          <a:effectLst>
+            <a:outerShdw blurRad="381000" dist="127000" dir="7080000" sx="94000" sy="94000" algn="t" rotWithShape="0">
+              <a:prstClr val="black">
+                <a:alpha val="16000"/>
+              </a:prstClr>
+            </a:outerShdw>
+          </a:effectLst>
+          <a:scene3d>
+            <a:camera prst="perspectiveFront"/>
+            <a:lightRig rig="threePt" dir="t"/>
+          </a:scene3d>
+        </p:spPr>
+        <p:style>
+          <a:lnRef idx="2">
+            <a:schemeClr val="accent1">
+              <a:shade val="50000"/>
+            </a:schemeClr>
+          </a:lnRef>
+          <a:fillRef idx="1">
+            <a:schemeClr val="accent1"/>
+          </a:fillRef>
+          <a:effectRef idx="0">
+            <a:schemeClr val="accent1"/>
+          </a:effectRef>
+          <a:fontRef idx="minor">
+            <a:schemeClr val="lt1"/>
+          </a:fontRef>
+        </p:style>
+        <p:txBody>
+          <a:bodyPr tIns="144000" bIns="90000" rtlCol="0" anchor="ctr"/>
+          <a:lstStyle/>
+          <a:p>
+            <a:pPr algn="ctr" defTabSz="685800">
+              <a:defRPr/>
+            </a:pPr>
+            <a:r>
+              <a:rPr lang="en-US" sz="2000" b="0" i="0" dirty="0">
+                <a:solidFill>
+                  <a:srgbClr val="000000"/>
+                </a:solidFill>
+                <a:effectLst/>
+                <a:latin typeface="Segoe UI" panose="020B0502040204020203" pitchFamily="34" charset="0"/>
+              </a:rPr>
+              <a:t>54%</a:t>
+            </a:r>
+            <a:endParaRPr lang="en-IN" sz="2000" dirty="0">
+              <a:solidFill>
+                <a:prstClr val="black"/>
+              </a:solidFill>
+              <a:latin typeface="Poppins SemiBold" panose="00000700000000000000" pitchFamily="2" charset="0"/>
+              <a:cs typeface="Poppins SemiBold" panose="00000700000000000000" pitchFamily="2" charset="0"/>
+            </a:endParaRPr>
+          </a:p>
+        </p:txBody>
+      </p:sp>
+      <p:sp>
+        <p:nvSpPr>
+          <p:cNvPr id="5" name="Rectangle 4">
+            <a:hlinkClick r:id="" action="ppaction://hlinkshowjump?jump=nextslide">
+              <a:snd r:embed="rId4" name="CorrectAnswerSFX.wav"/>
+            </a:hlinkClick>
+            <a:extLst>
+              <a:ext uri="{FF2B5EF4-FFF2-40B4-BE49-F238E27FC236}">
+                <a16:creationId xmlns:a16="http://schemas.microsoft.com/office/drawing/2014/main" id="{11A411AB-3628-4BD3-8F92-E851842AEEC9}"/>
               </a:ext>
             </a:extLst>
           </p:cNvPr>
@@ -5681,6 +6031,388 @@
           <a:p>
             <a:pPr algn="ctr" defTabSz="685800"/>
             <a:r>
+              <a:rPr lang="en-US" sz="2000" b="0" i="0" dirty="0">
+                <a:solidFill>
+                  <a:srgbClr val="000000"/>
+                </a:solidFill>
+                <a:effectLst/>
+                <a:latin typeface="Segoe UI" panose="020B0502040204020203" pitchFamily="34" charset="0"/>
+              </a:rPr>
+              <a:t>46%</a:t>
+            </a:r>
+            <a:endParaRPr lang="en-IN" sz="2000" dirty="0">
+              <a:solidFill>
+                <a:schemeClr val="tx1"/>
+              </a:solidFill>
+              <a:latin typeface="Poppins SemiBold" panose="00000700000000000000" pitchFamily="2" charset="0"/>
+              <a:cs typeface="Poppins SemiBold" panose="00000700000000000000" pitchFamily="2" charset="0"/>
+            </a:endParaRPr>
+          </a:p>
+        </p:txBody>
+      </p:sp>
+    </p:spTree>
+    <p:extLst>
+      <p:ext uri="{BB962C8B-B14F-4D97-AF65-F5344CB8AC3E}">
+        <p14:creationId xmlns:p14="http://schemas.microsoft.com/office/powerpoint/2010/main" val="31469584"/>
+      </p:ext>
+    </p:extLst>
+  </p:cSld>
+  <p:clrMapOvr>
+    <a:masterClrMapping/>
+  </p:clrMapOvr>
+</p:sld>
+</file>
+
+<file path=ppt/slides/slide12.xml><?xml version="1.0" encoding="utf-8"?>
+<p:sld xmlns:a="http://schemas.openxmlformats.org/drawingml/2006/main" xmlns:r="http://schemas.openxmlformats.org/officeDocument/2006/relationships" xmlns:p="http://schemas.openxmlformats.org/presentationml/2006/main">
+  <p:cSld>
+    <p:bg>
+      <p:bgPr>
+        <a:solidFill>
+          <a:srgbClr val="00B050"/>
+        </a:solidFill>
+        <a:effectLst/>
+      </p:bgPr>
+    </p:bg>
+    <p:spTree>
+      <p:nvGrpSpPr>
+        <p:cNvPr id="1" name=""/>
+        <p:cNvGrpSpPr/>
+        <p:nvPr/>
+      </p:nvGrpSpPr>
+      <p:grpSpPr>
+        <a:xfrm>
+          <a:off x="0" y="0"/>
+          <a:ext cx="0" cy="0"/>
+          <a:chOff x="0" y="0"/>
+          <a:chExt cx="0" cy="0"/>
+        </a:xfrm>
+      </p:grpSpPr>
+      <p:sp>
+        <p:nvSpPr>
+          <p:cNvPr id="2" name="TextBox 1">
+            <a:extLst>
+              <a:ext uri="{FF2B5EF4-FFF2-40B4-BE49-F238E27FC236}">
+                <a16:creationId xmlns:a16="http://schemas.microsoft.com/office/drawing/2014/main" id="{60075EE3-328C-49EE-B897-556D339C339C}"/>
+              </a:ext>
+            </a:extLst>
+          </p:cNvPr>
+          <p:cNvSpPr txBox="1"/>
+          <p:nvPr/>
+        </p:nvSpPr>
+        <p:spPr>
+          <a:xfrm>
+            <a:off x="2083523" y="1549357"/>
+            <a:ext cx="8024954" cy="923330"/>
+          </a:xfrm>
+          <a:prstGeom prst="rect">
+            <a:avLst/>
+          </a:prstGeom>
+          <a:noFill/>
+        </p:spPr>
+        <p:txBody>
+          <a:bodyPr wrap="none" rtlCol="0">
+            <a:spAutoFit/>
+          </a:bodyPr>
+          <a:lstStyle/>
+          <a:p>
+            <a:pPr>
+              <a:defRPr/>
+            </a:pPr>
+            <a:r>
+              <a:rPr lang="en-US" sz="5400" b="1" dirty="0">
+                <a:solidFill>
+                  <a:prstClr val="white"/>
+                </a:solidFill>
+                <a:latin typeface="Poppins"/>
+              </a:rPr>
+              <a:t>RESPUESTA CORRECTA</a:t>
+            </a:r>
+            <a:endParaRPr lang="en-IN" sz="5400" b="1" dirty="0">
+              <a:solidFill>
+                <a:prstClr val="white"/>
+              </a:solidFill>
+              <a:latin typeface="Poppins"/>
+            </a:endParaRPr>
+          </a:p>
+        </p:txBody>
+      </p:sp>
+      <p:sp>
+        <p:nvSpPr>
+          <p:cNvPr id="3" name="Rectangle 2">
+            <a:hlinkClick r:id="" action="ppaction://hlinkshowjump?jump=nextslide"/>
+            <a:extLst>
+              <a:ext uri="{FF2B5EF4-FFF2-40B4-BE49-F238E27FC236}">
+                <a16:creationId xmlns:a16="http://schemas.microsoft.com/office/drawing/2014/main" id="{3E95FE85-01E9-48D9-93B4-B3632117840E}"/>
+              </a:ext>
+            </a:extLst>
+          </p:cNvPr>
+          <p:cNvSpPr/>
+          <p:nvPr/>
+        </p:nvSpPr>
+        <p:spPr>
+          <a:xfrm>
+            <a:off x="4837611" y="3688666"/>
+            <a:ext cx="2516777" cy="696648"/>
+          </a:xfrm>
+          <a:prstGeom prst="rect">
+            <a:avLst/>
+          </a:prstGeom>
+          <a:solidFill>
+            <a:schemeClr val="bg1"/>
+          </a:solidFill>
+          <a:ln>
+            <a:solidFill>
+              <a:schemeClr val="bg1">
+                <a:lumMod val="85000"/>
+              </a:schemeClr>
+            </a:solidFill>
+          </a:ln>
+          <a:effectLst>
+            <a:outerShdw blurRad="381000" dist="127000" dir="7080000" sx="94000" sy="94000" algn="t" rotWithShape="0">
+              <a:prstClr val="black">
+                <a:alpha val="16000"/>
+              </a:prstClr>
+            </a:outerShdw>
+          </a:effectLst>
+          <a:scene3d>
+            <a:camera prst="perspectiveFront"/>
+            <a:lightRig rig="threePt" dir="t"/>
+          </a:scene3d>
+        </p:spPr>
+        <p:style>
+          <a:lnRef idx="2">
+            <a:schemeClr val="accent1">
+              <a:shade val="50000"/>
+            </a:schemeClr>
+          </a:lnRef>
+          <a:fillRef idx="1">
+            <a:schemeClr val="accent1"/>
+          </a:fillRef>
+          <a:effectRef idx="0">
+            <a:schemeClr val="accent1"/>
+          </a:effectRef>
+          <a:fontRef idx="minor">
+            <a:schemeClr val="lt1"/>
+          </a:fontRef>
+        </p:style>
+        <p:txBody>
+          <a:bodyPr tIns="144000" bIns="90000" rtlCol="0" anchor="ctr"/>
+          <a:lstStyle/>
+          <a:p>
+            <a:pPr algn="ctr" defTabSz="685800">
+              <a:defRPr/>
+            </a:pPr>
+            <a:r>
+              <a:rPr lang="en-US" sz="2000" dirty="0" err="1">
+                <a:solidFill>
+                  <a:prstClr val="black"/>
+                </a:solidFill>
+                <a:latin typeface="Poppins SemiBold" panose="00000700000000000000" pitchFamily="2" charset="0"/>
+                <a:cs typeface="Poppins SemiBold" panose="00000700000000000000" pitchFamily="2" charset="0"/>
+              </a:rPr>
+              <a:t>Siguiente</a:t>
+            </a:r>
+            <a:endParaRPr lang="en-IN" sz="2000" dirty="0">
+              <a:solidFill>
+                <a:prstClr val="black"/>
+              </a:solidFill>
+              <a:latin typeface="Poppins SemiBold" panose="00000700000000000000" pitchFamily="2" charset="0"/>
+              <a:cs typeface="Poppins SemiBold" panose="00000700000000000000" pitchFamily="2" charset="0"/>
+            </a:endParaRPr>
+          </a:p>
+        </p:txBody>
+      </p:sp>
+    </p:spTree>
+    <p:extLst>
+      <p:ext uri="{BB962C8B-B14F-4D97-AF65-F5344CB8AC3E}">
+        <p14:creationId xmlns:p14="http://schemas.microsoft.com/office/powerpoint/2010/main" val="4215552063"/>
+      </p:ext>
+    </p:extLst>
+  </p:cSld>
+  <p:clrMapOvr>
+    <a:masterClrMapping/>
+  </p:clrMapOvr>
+</p:sld>
+</file>
+
+<file path=ppt/slides/slide13.xml><?xml version="1.0" encoding="utf-8"?>
+<p:sld xmlns:a="http://schemas.openxmlformats.org/drawingml/2006/main" xmlns:r="http://schemas.openxmlformats.org/officeDocument/2006/relationships" xmlns:p="http://schemas.openxmlformats.org/presentationml/2006/main">
+  <p:cSld>
+    <p:spTree>
+      <p:nvGrpSpPr>
+        <p:cNvPr id="1" name=""/>
+        <p:cNvGrpSpPr/>
+        <p:nvPr/>
+      </p:nvGrpSpPr>
+      <p:grpSpPr>
+        <a:xfrm>
+          <a:off x="0" y="0"/>
+          <a:ext cx="0" cy="0"/>
+          <a:chOff x="0" y="0"/>
+          <a:chExt cx="0" cy="0"/>
+        </a:xfrm>
+      </p:grpSpPr>
+      <p:sp>
+        <p:nvSpPr>
+          <p:cNvPr id="2" name="Rectangle 1">
+            <a:extLst>
+              <a:ext uri="{FF2B5EF4-FFF2-40B4-BE49-F238E27FC236}">
+                <a16:creationId xmlns:a16="http://schemas.microsoft.com/office/drawing/2014/main" id="{29228A24-4A1B-41B0-A802-CD51398332B9}"/>
+              </a:ext>
+            </a:extLst>
+          </p:cNvPr>
+          <p:cNvSpPr/>
+          <p:nvPr/>
+        </p:nvSpPr>
+        <p:spPr>
+          <a:xfrm>
+            <a:off x="1976846" y="435429"/>
+            <a:ext cx="8290560" cy="1898468"/>
+          </a:xfrm>
+          <a:prstGeom prst="rect">
+            <a:avLst/>
+          </a:prstGeom>
+          <a:solidFill>
+            <a:srgbClr val="FFFF00"/>
+          </a:solidFill>
+          <a:ln>
+            <a:solidFill>
+              <a:schemeClr val="bg1">
+                <a:lumMod val="85000"/>
+              </a:schemeClr>
+            </a:solidFill>
+          </a:ln>
+          <a:effectLst>
+            <a:outerShdw blurRad="381000" dist="127000" dir="7080000" sx="94000" sy="94000" algn="t" rotWithShape="0">
+              <a:prstClr val="black">
+                <a:alpha val="16000"/>
+              </a:prstClr>
+            </a:outerShdw>
+          </a:effectLst>
+          <a:scene3d>
+            <a:camera prst="perspectiveFront"/>
+            <a:lightRig rig="threePt" dir="t"/>
+          </a:scene3d>
+        </p:spPr>
+        <p:style>
+          <a:lnRef idx="2">
+            <a:schemeClr val="accent1">
+              <a:shade val="50000"/>
+            </a:schemeClr>
+          </a:lnRef>
+          <a:fillRef idx="1">
+            <a:schemeClr val="accent1"/>
+          </a:fillRef>
+          <a:effectRef idx="0">
+            <a:schemeClr val="accent1"/>
+          </a:effectRef>
+          <a:fontRef idx="minor">
+            <a:schemeClr val="lt1"/>
+          </a:fontRef>
+        </p:style>
+        <p:txBody>
+          <a:bodyPr tIns="144000" bIns="90000" rtlCol="0" anchor="ctr"/>
+          <a:lstStyle/>
+          <a:p>
+            <a:pPr algn="ctr" defTabSz="685800"/>
+            <a:r>
+              <a:rPr lang="en-US" sz="3200" dirty="0">
+                <a:solidFill>
+                  <a:schemeClr val="tx1"/>
+                </a:solidFill>
+                <a:latin typeface="Poppins SemiBold" panose="00000700000000000000" pitchFamily="2" charset="0"/>
+                <a:cs typeface="Poppins SemiBold" panose="00000700000000000000" pitchFamily="2" charset="0"/>
+              </a:rPr>
+              <a:t>6. </a:t>
+            </a:r>
+            <a:r>
+              <a:rPr lang="es-ES" sz="3200" b="0" i="0" dirty="0">
+                <a:solidFill>
+                  <a:srgbClr val="000000"/>
+                </a:solidFill>
+                <a:effectLst/>
+                <a:latin typeface="Segoe UI" panose="020B0502040204020203" pitchFamily="34" charset="0"/>
+              </a:rPr>
+              <a:t>¿Porque trabaja el POS con una base de datos SQLite local?</a:t>
+            </a:r>
+            <a:endParaRPr lang="en-IN" sz="3200" dirty="0">
+              <a:solidFill>
+                <a:schemeClr val="tx1"/>
+              </a:solidFill>
+              <a:latin typeface="Poppins SemiBold" panose="00000700000000000000" pitchFamily="2" charset="0"/>
+              <a:cs typeface="Poppins SemiBold" panose="00000700000000000000" pitchFamily="2" charset="0"/>
+            </a:endParaRPr>
+          </a:p>
+        </p:txBody>
+      </p:sp>
+      <p:sp>
+        <p:nvSpPr>
+          <p:cNvPr id="3" name="Rectangle 2">
+            <a:hlinkClick r:id="rId3" action="ppaction://hlinksldjump">
+              <a:snd r:embed="rId4" name="WrongAnswerSFX.wav"/>
+            </a:hlinkClick>
+            <a:extLst>
+              <a:ext uri="{FF2B5EF4-FFF2-40B4-BE49-F238E27FC236}">
+                <a16:creationId xmlns:a16="http://schemas.microsoft.com/office/drawing/2014/main" id="{93EB3632-12C3-41FB-861E-57B9D53BBF65}"/>
+              </a:ext>
+            </a:extLst>
+          </p:cNvPr>
+          <p:cNvSpPr/>
+          <p:nvPr/>
+        </p:nvSpPr>
+        <p:spPr>
+          <a:xfrm>
+            <a:off x="6296298" y="2612571"/>
+            <a:ext cx="3971108" cy="1236618"/>
+          </a:xfrm>
+          <a:prstGeom prst="rect">
+            <a:avLst/>
+          </a:prstGeom>
+          <a:solidFill>
+            <a:schemeClr val="bg1"/>
+          </a:solidFill>
+          <a:ln>
+            <a:solidFill>
+              <a:schemeClr val="bg1">
+                <a:lumMod val="85000"/>
+              </a:schemeClr>
+            </a:solidFill>
+          </a:ln>
+          <a:effectLst>
+            <a:outerShdw blurRad="381000" dist="127000" dir="7080000" sx="94000" sy="94000" algn="t" rotWithShape="0">
+              <a:prstClr val="black">
+                <a:alpha val="16000"/>
+              </a:prstClr>
+            </a:outerShdw>
+          </a:effectLst>
+          <a:scene3d>
+            <a:camera prst="perspectiveFront"/>
+            <a:lightRig rig="threePt" dir="t"/>
+          </a:scene3d>
+        </p:spPr>
+        <p:style>
+          <a:lnRef idx="2">
+            <a:schemeClr val="accent1">
+              <a:shade val="50000"/>
+            </a:schemeClr>
+          </a:lnRef>
+          <a:fillRef idx="1">
+            <a:schemeClr val="accent1"/>
+          </a:fillRef>
+          <a:effectRef idx="0">
+            <a:schemeClr val="accent1"/>
+          </a:effectRef>
+          <a:fontRef idx="minor">
+            <a:schemeClr val="lt1"/>
+          </a:fontRef>
+        </p:style>
+        <p:txBody>
+          <a:bodyPr tIns="144000" bIns="90000" rtlCol="0" anchor="ctr"/>
+          <a:lstStyle/>
+          <a:p>
+            <a:pPr algn="ctr" defTabSz="685800"/>
+            <a:r>
               <a:rPr lang="es-ES" sz="2000" b="0" i="0" dirty="0">
                 <a:solidFill>
                   <a:srgbClr val="000000"/>
@@ -5799,7 +6531,7 @@
 </p:sld>
 </file>
 
-<file path=ppt/slides/slide12.xml><?xml version="1.0" encoding="utf-8"?>
+<file path=ppt/slides/slide14.xml><?xml version="1.0" encoding="utf-8"?>
 <p:sld xmlns:a="http://schemas.openxmlformats.org/drawingml/2006/main" xmlns:r="http://schemas.openxmlformats.org/officeDocument/2006/relationships" xmlns:p="http://schemas.openxmlformats.org/presentationml/2006/main">
   <p:cSld>
     <p:bg>
@@ -5972,7 +6704,7 @@
 </p:sld>
 </file>
 
-<file path=ppt/slides/slide13.xml><?xml version="1.0" encoding="utf-8"?>
+<file path=ppt/slides/slide15.xml><?xml version="1.0" encoding="utf-8"?>
 <p:sld xmlns:a="http://schemas.openxmlformats.org/drawingml/2006/main" xmlns:r="http://schemas.openxmlformats.org/officeDocument/2006/relationships" xmlns:p="http://schemas.openxmlformats.org/presentationml/2006/main">
   <p:cSld>
     <p:spTree>
@@ -6060,7 +6792,7 @@
                 <a:latin typeface="Poppins SemiBold" panose="00000700000000000000" pitchFamily="2" charset="0"/>
                 <a:cs typeface="Poppins SemiBold" panose="00000700000000000000" pitchFamily="2" charset="0"/>
               </a:rPr>
-              <a:t>6. </a:t>
+              <a:t>7. </a:t>
             </a:r>
             <a:r>
               <a:rPr lang="es-ES" sz="3200" b="0" i="0" dirty="0">
@@ -6267,7 +6999,7 @@
 </p:sld>
 </file>
 
-<file path=ppt/slides/slide14.xml><?xml version="1.0" encoding="utf-8"?>
+<file path=ppt/slides/slide16.xml><?xml version="1.0" encoding="utf-8"?>
 <p:sld xmlns:a="http://schemas.openxmlformats.org/drawingml/2006/main" xmlns:r="http://schemas.openxmlformats.org/officeDocument/2006/relationships" xmlns:p="http://schemas.openxmlformats.org/presentationml/2006/main">
   <p:cSld>
     <p:bg>
@@ -6440,7 +7172,7 @@
 </p:sld>
 </file>
 
-<file path=ppt/slides/slide15.xml><?xml version="1.0" encoding="utf-8"?>
+<file path=ppt/slides/slide17.xml><?xml version="1.0" encoding="utf-8"?>
 <p:sld xmlns:a="http://schemas.openxmlformats.org/drawingml/2006/main" xmlns:r="http://schemas.openxmlformats.org/officeDocument/2006/relationships" xmlns:p="http://schemas.openxmlformats.org/presentationml/2006/main">
   <p:cSld>
     <p:spTree>
@@ -6530,7 +7262,7 @@
                 <a:latin typeface="Poppins SemiBold" panose="00000700000000000000" pitchFamily="2" charset="0"/>
                 <a:cs typeface="Poppins SemiBold" panose="00000700000000000000" pitchFamily="2" charset="0"/>
               </a:rPr>
-              <a:t>7. </a:t>
+              <a:t>8. </a:t>
             </a:r>
             <a:r>
               <a:rPr lang="es-ES" sz="3200" b="0" i="0" dirty="0">
@@ -6749,7 +7481,7 @@
 </p:sld>
 </file>
 
-<file path=ppt/slides/slide16.xml><?xml version="1.0" encoding="utf-8"?>
+<file path=ppt/slides/slide18.xml><?xml version="1.0" encoding="utf-8"?>
 <p:sld xmlns:a="http://schemas.openxmlformats.org/drawingml/2006/main" xmlns:r="http://schemas.openxmlformats.org/officeDocument/2006/relationships" xmlns:p="http://schemas.openxmlformats.org/presentationml/2006/main">
   <p:cSld>
     <p:bg>
@@ -6922,7 +7654,7 @@
 </p:sld>
 </file>
 
-<file path=ppt/slides/slide17.xml><?xml version="1.0" encoding="utf-8"?>
+<file path=ppt/slides/slide19.xml><?xml version="1.0" encoding="utf-8"?>
 <p:sld xmlns:a="http://schemas.openxmlformats.org/drawingml/2006/main" xmlns:r="http://schemas.openxmlformats.org/officeDocument/2006/relationships" xmlns:p="http://schemas.openxmlformats.org/presentationml/2006/main">
   <p:cSld>
     <p:spTree>
@@ -7012,7 +7744,7 @@
                 <a:latin typeface="Poppins SemiBold" panose="00000700000000000000" pitchFamily="2" charset="0"/>
                 <a:cs typeface="Poppins SemiBold" panose="00000700000000000000" pitchFamily="2" charset="0"/>
               </a:rPr>
-              <a:t>8. </a:t>
+              <a:t>9. </a:t>
             </a:r>
             <a:r>
               <a:rPr lang="es-ES" sz="3200" b="0" i="0" dirty="0">
@@ -7362,494 +8094,6 @@
     <p:extLst>
       <p:ext uri="{BB962C8B-B14F-4D97-AF65-F5344CB8AC3E}">
         <p14:creationId xmlns:p14="http://schemas.microsoft.com/office/powerpoint/2010/main" val="2606581934"/>
-      </p:ext>
-    </p:extLst>
-  </p:cSld>
-  <p:clrMapOvr>
-    <a:masterClrMapping/>
-  </p:clrMapOvr>
-</p:sld>
-</file>
-
-<file path=ppt/slides/slide18.xml><?xml version="1.0" encoding="utf-8"?>
-<p:sld xmlns:a="http://schemas.openxmlformats.org/drawingml/2006/main" xmlns:r="http://schemas.openxmlformats.org/officeDocument/2006/relationships" xmlns:p="http://schemas.openxmlformats.org/presentationml/2006/main">
-  <p:cSld>
-    <p:bg>
-      <p:bgPr>
-        <a:solidFill>
-          <a:srgbClr val="00B050"/>
-        </a:solidFill>
-        <a:effectLst/>
-      </p:bgPr>
-    </p:bg>
-    <p:spTree>
-      <p:nvGrpSpPr>
-        <p:cNvPr id="1" name=""/>
-        <p:cNvGrpSpPr/>
-        <p:nvPr/>
-      </p:nvGrpSpPr>
-      <p:grpSpPr>
-        <a:xfrm>
-          <a:off x="0" y="0"/>
-          <a:ext cx="0" cy="0"/>
-          <a:chOff x="0" y="0"/>
-          <a:chExt cx="0" cy="0"/>
-        </a:xfrm>
-      </p:grpSpPr>
-      <p:sp>
-        <p:nvSpPr>
-          <p:cNvPr id="2" name="TextBox 1">
-            <a:extLst>
-              <a:ext uri="{FF2B5EF4-FFF2-40B4-BE49-F238E27FC236}">
-                <a16:creationId xmlns:a16="http://schemas.microsoft.com/office/drawing/2014/main" id="{60075EE3-328C-49EE-B897-556D339C339C}"/>
-              </a:ext>
-            </a:extLst>
-          </p:cNvPr>
-          <p:cNvSpPr txBox="1"/>
-          <p:nvPr/>
-        </p:nvSpPr>
-        <p:spPr>
-          <a:xfrm>
-            <a:off x="2083523" y="1549357"/>
-            <a:ext cx="8024954" cy="923330"/>
-          </a:xfrm>
-          <a:prstGeom prst="rect">
-            <a:avLst/>
-          </a:prstGeom>
-          <a:noFill/>
-        </p:spPr>
-        <p:txBody>
-          <a:bodyPr wrap="none" rtlCol="0">
-            <a:spAutoFit/>
-          </a:bodyPr>
-          <a:lstStyle/>
-          <a:p>
-            <a:pPr>
-              <a:defRPr/>
-            </a:pPr>
-            <a:r>
-              <a:rPr lang="en-US" sz="5400" b="1" dirty="0">
-                <a:solidFill>
-                  <a:prstClr val="white"/>
-                </a:solidFill>
-                <a:latin typeface="Poppins"/>
-              </a:rPr>
-              <a:t>RESPUESTA CORRECTA</a:t>
-            </a:r>
-            <a:endParaRPr lang="en-IN" sz="5400" b="1" dirty="0">
-              <a:solidFill>
-                <a:prstClr val="white"/>
-              </a:solidFill>
-              <a:latin typeface="Poppins"/>
-            </a:endParaRPr>
-          </a:p>
-        </p:txBody>
-      </p:sp>
-      <p:sp>
-        <p:nvSpPr>
-          <p:cNvPr id="3" name="Rectangle 2">
-            <a:hlinkClick r:id="" action="ppaction://hlinkshowjump?jump=nextslide"/>
-            <a:extLst>
-              <a:ext uri="{FF2B5EF4-FFF2-40B4-BE49-F238E27FC236}">
-                <a16:creationId xmlns:a16="http://schemas.microsoft.com/office/drawing/2014/main" id="{3E95FE85-01E9-48D9-93B4-B3632117840E}"/>
-              </a:ext>
-            </a:extLst>
-          </p:cNvPr>
-          <p:cNvSpPr/>
-          <p:nvPr/>
-        </p:nvSpPr>
-        <p:spPr>
-          <a:xfrm>
-            <a:off x="4837611" y="3688666"/>
-            <a:ext cx="2516777" cy="696648"/>
-          </a:xfrm>
-          <a:prstGeom prst="rect">
-            <a:avLst/>
-          </a:prstGeom>
-          <a:solidFill>
-            <a:schemeClr val="bg1"/>
-          </a:solidFill>
-          <a:ln>
-            <a:solidFill>
-              <a:schemeClr val="bg1">
-                <a:lumMod val="85000"/>
-              </a:schemeClr>
-            </a:solidFill>
-          </a:ln>
-          <a:effectLst>
-            <a:outerShdw blurRad="381000" dist="127000" dir="7080000" sx="94000" sy="94000" algn="t" rotWithShape="0">
-              <a:prstClr val="black">
-                <a:alpha val="16000"/>
-              </a:prstClr>
-            </a:outerShdw>
-          </a:effectLst>
-          <a:scene3d>
-            <a:camera prst="perspectiveFront"/>
-            <a:lightRig rig="threePt" dir="t"/>
-          </a:scene3d>
-        </p:spPr>
-        <p:style>
-          <a:lnRef idx="2">
-            <a:schemeClr val="accent1">
-              <a:shade val="50000"/>
-            </a:schemeClr>
-          </a:lnRef>
-          <a:fillRef idx="1">
-            <a:schemeClr val="accent1"/>
-          </a:fillRef>
-          <a:effectRef idx="0">
-            <a:schemeClr val="accent1"/>
-          </a:effectRef>
-          <a:fontRef idx="minor">
-            <a:schemeClr val="lt1"/>
-          </a:fontRef>
-        </p:style>
-        <p:txBody>
-          <a:bodyPr tIns="144000" bIns="90000" rtlCol="0" anchor="ctr"/>
-          <a:lstStyle/>
-          <a:p>
-            <a:pPr algn="ctr" defTabSz="685800">
-              <a:defRPr/>
-            </a:pPr>
-            <a:r>
-              <a:rPr lang="en-US" sz="2000" dirty="0" err="1">
-                <a:solidFill>
-                  <a:prstClr val="black"/>
-                </a:solidFill>
-                <a:latin typeface="Poppins SemiBold" panose="00000700000000000000" pitchFamily="2" charset="0"/>
-                <a:cs typeface="Poppins SemiBold" panose="00000700000000000000" pitchFamily="2" charset="0"/>
-              </a:rPr>
-              <a:t>Siguiente</a:t>
-            </a:r>
-            <a:endParaRPr lang="en-IN" sz="2000" dirty="0">
-              <a:solidFill>
-                <a:prstClr val="black"/>
-              </a:solidFill>
-              <a:latin typeface="Poppins SemiBold" panose="00000700000000000000" pitchFamily="2" charset="0"/>
-              <a:cs typeface="Poppins SemiBold" panose="00000700000000000000" pitchFamily="2" charset="0"/>
-            </a:endParaRPr>
-          </a:p>
-        </p:txBody>
-      </p:sp>
-    </p:spTree>
-    <p:extLst>
-      <p:ext uri="{BB962C8B-B14F-4D97-AF65-F5344CB8AC3E}">
-        <p14:creationId xmlns:p14="http://schemas.microsoft.com/office/powerpoint/2010/main" val="636361162"/>
-      </p:ext>
-    </p:extLst>
-  </p:cSld>
-  <p:clrMapOvr>
-    <a:masterClrMapping/>
-  </p:clrMapOvr>
-</p:sld>
-</file>
-
-<file path=ppt/slides/slide19.xml><?xml version="1.0" encoding="utf-8"?>
-<p:sld xmlns:a="http://schemas.openxmlformats.org/drawingml/2006/main" xmlns:r="http://schemas.openxmlformats.org/officeDocument/2006/relationships" xmlns:p="http://schemas.openxmlformats.org/presentationml/2006/main">
-  <p:cSld>
-    <p:spTree>
-      <p:nvGrpSpPr>
-        <p:cNvPr id="1" name=""/>
-        <p:cNvGrpSpPr/>
-        <p:nvPr/>
-      </p:nvGrpSpPr>
-      <p:grpSpPr>
-        <a:xfrm>
-          <a:off x="0" y="0"/>
-          <a:ext cx="0" cy="0"/>
-          <a:chOff x="0" y="0"/>
-          <a:chExt cx="0" cy="0"/>
-        </a:xfrm>
-      </p:grpSpPr>
-      <p:sp>
-        <p:nvSpPr>
-          <p:cNvPr id="2" name="Rectangle 1">
-            <a:extLst>
-              <a:ext uri="{FF2B5EF4-FFF2-40B4-BE49-F238E27FC236}">
-                <a16:creationId xmlns:a16="http://schemas.microsoft.com/office/drawing/2014/main" id="{29228A24-4A1B-41B0-A802-CD51398332B9}"/>
-              </a:ext>
-            </a:extLst>
-          </p:cNvPr>
-          <p:cNvSpPr/>
-          <p:nvPr/>
-        </p:nvSpPr>
-        <p:spPr>
-          <a:xfrm>
-            <a:off x="1976846" y="435429"/>
-            <a:ext cx="8290560" cy="1898468"/>
-          </a:xfrm>
-          <a:prstGeom prst="rect">
-            <a:avLst/>
-          </a:prstGeom>
-          <a:solidFill>
-            <a:srgbClr val="FFFF00"/>
-          </a:solidFill>
-          <a:ln>
-            <a:solidFill>
-              <a:schemeClr val="bg1">
-                <a:lumMod val="85000"/>
-              </a:schemeClr>
-            </a:solidFill>
-          </a:ln>
-          <a:effectLst>
-            <a:outerShdw blurRad="381000" dist="127000" dir="7080000" sx="94000" sy="94000" algn="t" rotWithShape="0">
-              <a:prstClr val="black">
-                <a:alpha val="16000"/>
-              </a:prstClr>
-            </a:outerShdw>
-          </a:effectLst>
-          <a:scene3d>
-            <a:camera prst="perspectiveFront"/>
-            <a:lightRig rig="threePt" dir="t"/>
-          </a:scene3d>
-        </p:spPr>
-        <p:style>
-          <a:lnRef idx="2">
-            <a:schemeClr val="accent1">
-              <a:shade val="50000"/>
-            </a:schemeClr>
-          </a:lnRef>
-          <a:fillRef idx="1">
-            <a:schemeClr val="accent1"/>
-          </a:fillRef>
-          <a:effectRef idx="0">
-            <a:schemeClr val="accent1"/>
-          </a:effectRef>
-          <a:fontRef idx="minor">
-            <a:schemeClr val="lt1"/>
-          </a:fontRef>
-        </p:style>
-        <p:txBody>
-          <a:bodyPr tIns="144000" bIns="90000" rtlCol="0" anchor="ctr"/>
-          <a:lstStyle/>
-          <a:p>
-            <a:pPr algn="ctr" defTabSz="685800"/>
-            <a:r>
-              <a:rPr lang="en-US" sz="3200" dirty="0">
-                <a:solidFill>
-                  <a:schemeClr val="tx1"/>
-                </a:solidFill>
-                <a:latin typeface="Poppins SemiBold" panose="00000700000000000000" pitchFamily="2" charset="0"/>
-                <a:cs typeface="Poppins SemiBold" panose="00000700000000000000" pitchFamily="2" charset="0"/>
-              </a:rPr>
-              <a:t>9. </a:t>
-            </a:r>
-            <a:r>
-              <a:rPr lang="es-ES" sz="2800" b="0" i="0" dirty="0">
-                <a:solidFill>
-                  <a:srgbClr val="000000"/>
-                </a:solidFill>
-                <a:effectLst/>
-                <a:latin typeface="Calibri" panose="020F0502020204030204" pitchFamily="34" charset="0"/>
-              </a:rPr>
-              <a:t>Si añadimos un equipo a Intune vía </a:t>
-            </a:r>
-            <a:r>
-              <a:rPr lang="es-ES" sz="2800" b="0" i="0" dirty="0" err="1">
-                <a:solidFill>
-                  <a:srgbClr val="000000"/>
-                </a:solidFill>
-                <a:effectLst/>
-                <a:latin typeface="Calibri" panose="020F0502020204030204" pitchFamily="34" charset="0"/>
-              </a:rPr>
-              <a:t>Autopilot</a:t>
-            </a:r>
-            <a:r>
-              <a:rPr lang="es-ES" sz="2800" b="0" i="0" dirty="0">
-                <a:solidFill>
-                  <a:srgbClr val="000000"/>
-                </a:solidFill>
-                <a:effectLst/>
-                <a:latin typeface="Calibri" panose="020F0502020204030204" pitchFamily="34" charset="0"/>
-              </a:rPr>
-              <a:t>, los administradores locales de las máquinas desaparecen</a:t>
-            </a:r>
-            <a:endParaRPr lang="en-IN" sz="3200" dirty="0">
-              <a:solidFill>
-                <a:schemeClr val="tx1"/>
-              </a:solidFill>
-              <a:latin typeface="Poppins SemiBold" panose="00000700000000000000" pitchFamily="2" charset="0"/>
-              <a:cs typeface="Poppins SemiBold" panose="00000700000000000000" pitchFamily="2" charset="0"/>
-            </a:endParaRPr>
-          </a:p>
-        </p:txBody>
-      </p:sp>
-      <p:sp>
-        <p:nvSpPr>
-          <p:cNvPr id="3" name="Rectangle 2">
-            <a:hlinkClick r:id="rId3" action="ppaction://hlinksldjump">
-              <a:snd r:embed="rId4" name="WrongAnswerSFX.wav"/>
-            </a:hlinkClick>
-            <a:extLst>
-              <a:ext uri="{FF2B5EF4-FFF2-40B4-BE49-F238E27FC236}">
-                <a16:creationId xmlns:a16="http://schemas.microsoft.com/office/drawing/2014/main" id="{93EB3632-12C3-41FB-861E-57B9D53BBF65}"/>
-              </a:ext>
-            </a:extLst>
-          </p:cNvPr>
-          <p:cNvSpPr/>
-          <p:nvPr/>
-        </p:nvSpPr>
-        <p:spPr>
-          <a:xfrm>
-            <a:off x="6296298" y="2612571"/>
-            <a:ext cx="3971108" cy="1236618"/>
-          </a:xfrm>
-          <a:prstGeom prst="rect">
-            <a:avLst/>
-          </a:prstGeom>
-          <a:solidFill>
-            <a:schemeClr val="bg1"/>
-          </a:solidFill>
-          <a:ln>
-            <a:solidFill>
-              <a:schemeClr val="bg1">
-                <a:lumMod val="85000"/>
-              </a:schemeClr>
-            </a:solidFill>
-          </a:ln>
-          <a:effectLst>
-            <a:outerShdw blurRad="381000" dist="127000" dir="7080000" sx="94000" sy="94000" algn="t" rotWithShape="0">
-              <a:prstClr val="black">
-                <a:alpha val="16000"/>
-              </a:prstClr>
-            </a:outerShdw>
-          </a:effectLst>
-          <a:scene3d>
-            <a:camera prst="perspectiveFront"/>
-            <a:lightRig rig="threePt" dir="t"/>
-          </a:scene3d>
-        </p:spPr>
-        <p:style>
-          <a:lnRef idx="2">
-            <a:schemeClr val="accent1">
-              <a:shade val="50000"/>
-            </a:schemeClr>
-          </a:lnRef>
-          <a:fillRef idx="1">
-            <a:schemeClr val="accent1"/>
-          </a:fillRef>
-          <a:effectRef idx="0">
-            <a:schemeClr val="accent1"/>
-          </a:effectRef>
-          <a:fontRef idx="minor">
-            <a:schemeClr val="lt1"/>
-          </a:fontRef>
-        </p:style>
-        <p:txBody>
-          <a:bodyPr tIns="144000" bIns="90000" rtlCol="0" anchor="ctr"/>
-          <a:lstStyle/>
-          <a:p>
-            <a:pPr algn="ctr" defTabSz="685800"/>
-            <a:r>
-              <a:rPr lang="es-ES" b="0" i="0" dirty="0">
-                <a:solidFill>
-                  <a:srgbClr val="000000"/>
-                </a:solidFill>
-                <a:effectLst/>
-                <a:latin typeface="Calibri" panose="020F0502020204030204" pitchFamily="34" charset="0"/>
-              </a:rPr>
-              <a:t>Correcto, y tenemos que realizar las acciones que requieran elevación de privilegios con el administrador de Intune</a:t>
-            </a:r>
-            <a:endParaRPr lang="en-IN" dirty="0">
-              <a:solidFill>
-                <a:schemeClr val="tx1"/>
-              </a:solidFill>
-              <a:latin typeface="Poppins SemiBold" panose="00000700000000000000" pitchFamily="2" charset="0"/>
-              <a:cs typeface="Poppins SemiBold" panose="00000700000000000000" pitchFamily="2" charset="0"/>
-            </a:endParaRPr>
-          </a:p>
-        </p:txBody>
-      </p:sp>
-      <p:sp>
-        <p:nvSpPr>
-          <p:cNvPr id="5" name="Rectangle 4">
-            <a:hlinkClick r:id="" action="ppaction://hlinkshowjump?jump=nextslide">
-              <a:snd r:embed="rId5" name="CorrectAnswerSFX.wav"/>
-            </a:hlinkClick>
-            <a:extLst>
-              <a:ext uri="{FF2B5EF4-FFF2-40B4-BE49-F238E27FC236}">
-                <a16:creationId xmlns:a16="http://schemas.microsoft.com/office/drawing/2014/main" id="{11A411AB-3628-4BD3-8F92-E851842AEEC9}"/>
-              </a:ext>
-            </a:extLst>
-          </p:cNvPr>
-          <p:cNvSpPr/>
-          <p:nvPr/>
-        </p:nvSpPr>
-        <p:spPr>
-          <a:xfrm>
-            <a:off x="1976846" y="2612571"/>
-            <a:ext cx="3971108" cy="1236618"/>
-          </a:xfrm>
-          <a:prstGeom prst="rect">
-            <a:avLst/>
-          </a:prstGeom>
-          <a:solidFill>
-            <a:schemeClr val="bg1"/>
-          </a:solidFill>
-          <a:ln>
-            <a:solidFill>
-              <a:schemeClr val="bg1">
-                <a:lumMod val="85000"/>
-              </a:schemeClr>
-            </a:solidFill>
-          </a:ln>
-          <a:effectLst>
-            <a:outerShdw blurRad="381000" dist="127000" dir="7080000" sx="94000" sy="94000" algn="t" rotWithShape="0">
-              <a:prstClr val="black">
-                <a:alpha val="16000"/>
-              </a:prstClr>
-            </a:outerShdw>
-          </a:effectLst>
-          <a:scene3d>
-            <a:camera prst="perspectiveFront"/>
-            <a:lightRig rig="threePt" dir="t"/>
-          </a:scene3d>
-        </p:spPr>
-        <p:style>
-          <a:lnRef idx="2">
-            <a:schemeClr val="accent1">
-              <a:shade val="50000"/>
-            </a:schemeClr>
-          </a:lnRef>
-          <a:fillRef idx="1">
-            <a:schemeClr val="accent1"/>
-          </a:fillRef>
-          <a:effectRef idx="0">
-            <a:schemeClr val="accent1"/>
-          </a:effectRef>
-          <a:fontRef idx="minor">
-            <a:schemeClr val="lt1"/>
-          </a:fontRef>
-        </p:style>
-        <p:txBody>
-          <a:bodyPr tIns="144000" bIns="90000" rtlCol="0" anchor="ctr"/>
-          <a:lstStyle/>
-          <a:p>
-            <a:pPr algn="ctr" defTabSz="685800"/>
-            <a:r>
-              <a:rPr lang="es-ES" b="0" i="0" dirty="0">
-                <a:solidFill>
-                  <a:srgbClr val="000000"/>
-                </a:solidFill>
-                <a:effectLst/>
-                <a:latin typeface="Calibri" panose="020F0502020204030204" pitchFamily="34" charset="0"/>
-              </a:rPr>
-              <a:t>Correcto, y tenemos que realizar las acciones que requieran elevación de privilegios con cuentas que tengan el rol de administrador local.</a:t>
-            </a:r>
-            <a:endParaRPr lang="en-IN" dirty="0">
-              <a:solidFill>
-                <a:schemeClr val="tx1"/>
-              </a:solidFill>
-              <a:latin typeface="Poppins SemiBold" panose="00000700000000000000" pitchFamily="2" charset="0"/>
-              <a:cs typeface="Poppins SemiBold" panose="00000700000000000000" pitchFamily="2" charset="0"/>
-            </a:endParaRPr>
-          </a:p>
-        </p:txBody>
-      </p:sp>
-    </p:spTree>
-    <p:extLst>
-      <p:ext uri="{BB962C8B-B14F-4D97-AF65-F5344CB8AC3E}">
-        <p14:creationId xmlns:p14="http://schemas.microsoft.com/office/powerpoint/2010/main" val="1295705682"/>
       </p:ext>
     </p:extLst>
   </p:cSld>
@@ -8188,7 +8432,7 @@
     </p:spTree>
     <p:extLst>
       <p:ext uri="{BB962C8B-B14F-4D97-AF65-F5344CB8AC3E}">
-        <p14:creationId xmlns:p14="http://schemas.microsoft.com/office/powerpoint/2010/main" val="3783301417"/>
+        <p14:creationId xmlns:p14="http://schemas.microsoft.com/office/powerpoint/2010/main" val="636361162"/>
       </p:ext>
     </p:extLst>
   </p:cSld>
@@ -8289,23 +8533,34 @@
               <a:t>10. </a:t>
             </a:r>
             <a:r>
-              <a:rPr lang="es-ES" sz="3200" b="0" i="0" dirty="0">
-                <a:solidFill>
-                  <a:srgbClr val="1E1E1E"/>
+              <a:rPr lang="es-ES" sz="2800" b="0" i="0" dirty="0">
+                <a:solidFill>
+                  <a:srgbClr val="000000"/>
                 </a:solidFill>
                 <a:effectLst/>
-                <a:latin typeface="__tiemposTextWeb_dfcfa6"/>
-              </a:rPr>
-              <a:t>"Trata bien a los frikis, algún día trabajarás para uno de ellos”. </a:t>
-            </a:r>
-            <a:r>
-              <a:rPr lang="es-ES" sz="3200" dirty="0">
-                <a:solidFill>
-                  <a:srgbClr val="1E1E1E"/>
-                </a:solidFill>
-                <a:latin typeface="__tiemposTextWeb_dfcfa6"/>
-              </a:rPr>
-              <a:t>¿De quién es la frase?</a:t>
+                <a:latin typeface="Calibri" panose="020F0502020204030204" pitchFamily="34" charset="0"/>
+              </a:rPr>
+              <a:t>Si añadimos un equipo a Intune vía </a:t>
+            </a:r>
+            <a:r>
+              <a:rPr lang="es-ES" sz="2800" b="0" i="0" dirty="0" err="1">
+                <a:solidFill>
+                  <a:srgbClr val="000000"/>
+                </a:solidFill>
+                <a:effectLst/>
+                <a:latin typeface="Calibri" panose="020F0502020204030204" pitchFamily="34" charset="0"/>
+              </a:rPr>
+              <a:t>Autopilot</a:t>
+            </a:r>
+            <a:r>
+              <a:rPr lang="es-ES" sz="2800" b="0" i="0" dirty="0">
+                <a:solidFill>
+                  <a:srgbClr val="000000"/>
+                </a:solidFill>
+                <a:effectLst/>
+                <a:latin typeface="Calibri" panose="020F0502020204030204" pitchFamily="34" charset="0"/>
+              </a:rPr>
+              <a:t>, los administradores locales de las máquinas desaparecen</a:t>
             </a:r>
             <a:endParaRPr lang="en-IN" sz="3200" dirty="0">
               <a:solidFill>
@@ -8320,8 +8575,8 @@
       <p:sp>
         <p:nvSpPr>
           <p:cNvPr id="3" name="Rectangle 2">
-            <a:hlinkClick r:id="rId2" action="ppaction://hlinksldjump">
-              <a:snd r:embed="rId3" name="WrongAnswerSFX.wav"/>
+            <a:hlinkClick r:id="rId3" action="ppaction://hlinksldjump">
+              <a:snd r:embed="rId4" name="WrongAnswerSFX.wav"/>
             </a:hlinkClick>
             <a:extLst>
               <a:ext uri="{FF2B5EF4-FFF2-40B4-BE49-F238E27FC236}">
@@ -8384,16 +8639,16 @@
           <a:p>
             <a:pPr algn="ctr" defTabSz="685800"/>
             <a:r>
-              <a:rPr lang="es-ES" sz="2000" b="0" i="0" dirty="0">
+              <a:rPr lang="es-ES" b="0" i="0" dirty="0">
                 <a:solidFill>
                   <a:srgbClr val="000000"/>
                 </a:solidFill>
                 <a:effectLst/>
                 <a:latin typeface="Calibri" panose="020F0502020204030204" pitchFamily="34" charset="0"/>
               </a:rPr>
-              <a:t>Steve Jobs (Apple)</a:t>
-            </a:r>
-            <a:endParaRPr lang="en-IN" sz="2000" dirty="0">
+              <a:t>Correcto, y tenemos que realizar las acciones que requieran elevación de privilegios con el administrador de Intune</a:t>
+            </a:r>
+            <a:endParaRPr lang="en-IN" dirty="0">
               <a:solidFill>
                 <a:schemeClr val="tx1"/>
               </a:solidFill>
@@ -8407,7 +8662,7 @@
         <p:nvSpPr>
           <p:cNvPr id="5" name="Rectangle 4">
             <a:hlinkClick r:id="" action="ppaction://hlinkshowjump?jump=nextslide">
-              <a:snd r:embed="rId4" name="CorrectAnswerSFX.wav"/>
+              <a:snd r:embed="rId5" name="CorrectAnswerSFX.wav"/>
             </a:hlinkClick>
             <a:extLst>
               <a:ext uri="{FF2B5EF4-FFF2-40B4-BE49-F238E27FC236}">
@@ -8470,16 +8725,16 @@
           <a:p>
             <a:pPr algn="ctr" defTabSz="685800"/>
             <a:r>
-              <a:rPr lang="es-ES" sz="2000" b="0" i="0" dirty="0">
+              <a:rPr lang="es-ES" b="0" i="0" dirty="0">
                 <a:solidFill>
                   <a:srgbClr val="000000"/>
                 </a:solidFill>
                 <a:effectLst/>
                 <a:latin typeface="Calibri" panose="020F0502020204030204" pitchFamily="34" charset="0"/>
               </a:rPr>
-              <a:t>Bill Gates (Microsoft)</a:t>
-            </a:r>
-            <a:endParaRPr lang="en-IN" sz="2000" dirty="0">
+              <a:t>Correcto, y tenemos que realizar las acciones que requieran elevación de privilegios con cuentas que tengan el rol de administrador local.</a:t>
+            </a:r>
+            <a:endParaRPr lang="en-IN" dirty="0">
               <a:solidFill>
                 <a:schemeClr val="tx1"/>
               </a:solidFill>
@@ -8492,7 +8747,7 @@
     </p:spTree>
     <p:extLst>
       <p:ext uri="{BB962C8B-B14F-4D97-AF65-F5344CB8AC3E}">
-        <p14:creationId xmlns:p14="http://schemas.microsoft.com/office/powerpoint/2010/main" val="2791588924"/>
+        <p14:creationId xmlns:p14="http://schemas.microsoft.com/office/powerpoint/2010/main" val="1295705682"/>
       </p:ext>
     </p:extLst>
   </p:cSld>
@@ -8665,7 +8920,7 @@
     </p:spTree>
     <p:extLst>
       <p:ext uri="{BB962C8B-B14F-4D97-AF65-F5344CB8AC3E}">
-        <p14:creationId xmlns:p14="http://schemas.microsoft.com/office/powerpoint/2010/main" val="3574323823"/>
+        <p14:creationId xmlns:p14="http://schemas.microsoft.com/office/powerpoint/2010/main" val="3783301417"/>
       </p:ext>
     </p:extLst>
   </p:cSld>
@@ -8766,30 +9021,134 @@
               <a:t>11. </a:t>
             </a:r>
             <a:r>
-              <a:rPr lang="es-ES" sz="3200" b="0" i="0" dirty="0">
-                <a:solidFill>
-                  <a:srgbClr val="000000"/>
+              <a:rPr lang="en-US" sz="2800" dirty="0">
+                <a:solidFill>
+                  <a:schemeClr val="tx1"/>
                 </a:solidFill>
                 <a:effectLst/>
-                <a:latin typeface="hanken-grotesk-medium"/>
-              </a:rPr>
-              <a:t>“Muchas veces la gente no sabe lo que quiere hasta que se lo enseñas”. ¿De quién es la frase?</a:t>
-            </a:r>
-            <a:endParaRPr lang="en-IN" sz="3200" dirty="0">
-              <a:solidFill>
-                <a:schemeClr val="tx1"/>
-              </a:solidFill>
-              <a:latin typeface="Poppins SemiBold" panose="00000700000000000000" pitchFamily="2" charset="0"/>
-              <a:cs typeface="Poppins SemiBold" panose="00000700000000000000" pitchFamily="2" charset="0"/>
-            </a:endParaRPr>
+                <a:latin typeface="Calibri" panose="020F0502020204030204" pitchFamily="34" charset="0"/>
+                <a:ea typeface="Calibri" panose="020F0502020204030204" pitchFamily="34" charset="0"/>
+              </a:rPr>
+              <a:t>¿Usar JOINs </a:t>
+            </a:r>
+            <a:r>
+              <a:rPr lang="en-US" sz="2800" dirty="0" err="1">
+                <a:solidFill>
+                  <a:schemeClr val="tx1"/>
+                </a:solidFill>
+                <a:effectLst/>
+                <a:latin typeface="Calibri" panose="020F0502020204030204" pitchFamily="34" charset="0"/>
+                <a:ea typeface="Calibri" panose="020F0502020204030204" pitchFamily="34" charset="0"/>
+              </a:rPr>
+              <a:t>mejoran</a:t>
+            </a:r>
+            <a:r>
+              <a:rPr lang="en-US" sz="2800" dirty="0">
+                <a:solidFill>
+                  <a:schemeClr val="tx1"/>
+                </a:solidFill>
+                <a:effectLst/>
+                <a:latin typeface="Calibri" panose="020F0502020204030204" pitchFamily="34" charset="0"/>
+                <a:ea typeface="Calibri" panose="020F0502020204030204" pitchFamily="34" charset="0"/>
+              </a:rPr>
+              <a:t> o </a:t>
+            </a:r>
+            <a:r>
+              <a:rPr lang="en-US" sz="2800" dirty="0" err="1">
+                <a:solidFill>
+                  <a:schemeClr val="tx1"/>
+                </a:solidFill>
+                <a:effectLst/>
+                <a:latin typeface="Calibri" panose="020F0502020204030204" pitchFamily="34" charset="0"/>
+                <a:ea typeface="Calibri" panose="020F0502020204030204" pitchFamily="34" charset="0"/>
+              </a:rPr>
+              <a:t>empeoran</a:t>
+            </a:r>
+            <a:r>
+              <a:rPr lang="en-US" sz="2800" dirty="0">
+                <a:solidFill>
+                  <a:schemeClr val="tx1"/>
+                </a:solidFill>
+                <a:effectLst/>
+                <a:latin typeface="Calibri" panose="020F0502020204030204" pitchFamily="34" charset="0"/>
+                <a:ea typeface="Calibri" panose="020F0502020204030204" pitchFamily="34" charset="0"/>
+              </a:rPr>
+              <a:t> </a:t>
+            </a:r>
+            <a:r>
+              <a:rPr lang="en-US" sz="2800" dirty="0" err="1">
+                <a:solidFill>
+                  <a:schemeClr val="tx1"/>
+                </a:solidFill>
+                <a:effectLst/>
+                <a:latin typeface="Calibri" panose="020F0502020204030204" pitchFamily="34" charset="0"/>
+                <a:ea typeface="Calibri" panose="020F0502020204030204" pitchFamily="34" charset="0"/>
+              </a:rPr>
+              <a:t>en</a:t>
+            </a:r>
+            <a:r>
+              <a:rPr lang="en-US" sz="2800" dirty="0">
+                <a:solidFill>
+                  <a:schemeClr val="tx1"/>
+                </a:solidFill>
+                <a:effectLst/>
+                <a:latin typeface="Calibri" panose="020F0502020204030204" pitchFamily="34" charset="0"/>
+                <a:ea typeface="Calibri" panose="020F0502020204030204" pitchFamily="34" charset="0"/>
+              </a:rPr>
+              <a:t> </a:t>
+            </a:r>
+            <a:r>
+              <a:rPr lang="en-US" sz="2800" dirty="0" err="1">
+                <a:solidFill>
+                  <a:schemeClr val="tx1"/>
+                </a:solidFill>
+                <a:effectLst/>
+                <a:latin typeface="Calibri" panose="020F0502020204030204" pitchFamily="34" charset="0"/>
+                <a:ea typeface="Calibri" panose="020F0502020204030204" pitchFamily="34" charset="0"/>
+              </a:rPr>
+              <a:t>rendimiento</a:t>
+            </a:r>
+            <a:r>
+              <a:rPr lang="en-US" sz="2800" dirty="0">
+                <a:solidFill>
+                  <a:schemeClr val="tx1"/>
+                </a:solidFill>
+                <a:effectLst/>
+                <a:latin typeface="Calibri" panose="020F0502020204030204" pitchFamily="34" charset="0"/>
+                <a:ea typeface="Calibri" panose="020F0502020204030204" pitchFamily="34" charset="0"/>
+              </a:rPr>
+              <a:t> de </a:t>
+            </a:r>
+            <a:r>
+              <a:rPr lang="en-US" sz="2800" dirty="0" err="1">
+                <a:solidFill>
+                  <a:schemeClr val="tx1"/>
+                </a:solidFill>
+                <a:effectLst/>
+                <a:latin typeface="Calibri" panose="020F0502020204030204" pitchFamily="34" charset="0"/>
+                <a:ea typeface="Calibri" panose="020F0502020204030204" pitchFamily="34" charset="0"/>
+              </a:rPr>
+              <a:t>consultas</a:t>
+            </a:r>
+            <a:r>
+              <a:rPr lang="en-US" sz="2800" dirty="0">
+                <a:solidFill>
+                  <a:schemeClr val="tx1"/>
+                </a:solidFill>
+                <a:effectLst/>
+                <a:latin typeface="Calibri" panose="020F0502020204030204" pitchFamily="34" charset="0"/>
+                <a:ea typeface="Calibri" panose="020F0502020204030204" pitchFamily="34" charset="0"/>
+              </a:rPr>
+              <a:t> SQL?</a:t>
+            </a:r>
           </a:p>
         </p:txBody>
       </p:sp>
       <p:sp>
         <p:nvSpPr>
           <p:cNvPr id="3" name="Rectangle 2">
-            <a:hlinkClick r:id="rId2" action="ppaction://hlinksldjump">
-              <a:snd r:embed="rId3" name="WrongAnswerSFX.wav"/>
+            <a:hlinkClick r:id="rId3" action="ppaction://hlinksldjump">
+              <a:snd r:embed="rId4" name="WrongAnswerSFX.wav"/>
             </a:hlinkClick>
             <a:extLst>
               <a:ext uri="{FF2B5EF4-FFF2-40B4-BE49-F238E27FC236}">
@@ -8852,16 +9211,16 @@
           <a:p>
             <a:pPr algn="ctr" defTabSz="685800"/>
             <a:r>
-              <a:rPr lang="es-ES" sz="2000" b="0" i="0" dirty="0">
+              <a:rPr lang="es-ES" b="0" i="0" dirty="0">
                 <a:solidFill>
                   <a:srgbClr val="000000"/>
                 </a:solidFill>
                 <a:effectLst/>
                 <a:latin typeface="Calibri" panose="020F0502020204030204" pitchFamily="34" charset="0"/>
               </a:rPr>
-              <a:t>Elon Musk (Twitter)</a:t>
-            </a:r>
-            <a:endParaRPr lang="en-IN" sz="2000" dirty="0">
+              <a:t>Mejoran</a:t>
+            </a:r>
+            <a:endParaRPr lang="en-IN" dirty="0">
               <a:solidFill>
                 <a:schemeClr val="tx1"/>
               </a:solidFill>
@@ -8875,7 +9234,7 @@
         <p:nvSpPr>
           <p:cNvPr id="5" name="Rectangle 4">
             <a:hlinkClick r:id="" action="ppaction://hlinkshowjump?jump=nextslide">
-              <a:snd r:embed="rId4" name="CorrectAnswerSFX.wav"/>
+              <a:snd r:embed="rId5" name="CorrectAnswerSFX.wav"/>
             </a:hlinkClick>
             <a:extLst>
               <a:ext uri="{FF2B5EF4-FFF2-40B4-BE49-F238E27FC236}">
@@ -8938,16 +9297,16 @@
           <a:p>
             <a:pPr algn="ctr" defTabSz="685800"/>
             <a:r>
-              <a:rPr lang="es-ES" sz="2000" dirty="0">
+              <a:rPr lang="es-ES" b="0" i="0" dirty="0">
                 <a:solidFill>
                   <a:srgbClr val="000000"/>
                 </a:solidFill>
+                <a:effectLst/>
                 <a:latin typeface="Calibri" panose="020F0502020204030204" pitchFamily="34" charset="0"/>
-                <a:cs typeface="Poppins SemiBold" panose="00000700000000000000" pitchFamily="2" charset="0"/>
-              </a:rPr>
-              <a:t>Steve Jobs (Apple)</a:t>
-            </a:r>
-            <a:endParaRPr lang="en-IN" sz="2000" dirty="0">
+              </a:rPr>
+              <a:t>Empeoran</a:t>
+            </a:r>
+            <a:endParaRPr lang="en-IN" dirty="0">
               <a:solidFill>
                 <a:schemeClr val="tx1"/>
               </a:solidFill>
@@ -8960,7 +9319,7 @@
     </p:spTree>
     <p:extLst>
       <p:ext uri="{BB962C8B-B14F-4D97-AF65-F5344CB8AC3E}">
-        <p14:creationId xmlns:p14="http://schemas.microsoft.com/office/powerpoint/2010/main" val="4270741589"/>
+        <p14:creationId xmlns:p14="http://schemas.microsoft.com/office/powerpoint/2010/main" val="3671027707"/>
       </p:ext>
     </p:extLst>
   </p:cSld>
@@ -9133,7 +9492,7 @@
     </p:spTree>
     <p:extLst>
       <p:ext uri="{BB962C8B-B14F-4D97-AF65-F5344CB8AC3E}">
-        <p14:creationId xmlns:p14="http://schemas.microsoft.com/office/powerpoint/2010/main" val="2178247130"/>
+        <p14:creationId xmlns:p14="http://schemas.microsoft.com/office/powerpoint/2010/main" val="3573115610"/>
       </p:ext>
     </p:extLst>
   </p:cSld>
@@ -9222,13 +9581,11 @@
           <a:bodyPr tIns="144000" bIns="90000" rtlCol="0" anchor="ctr"/>
           <a:lstStyle/>
           <a:p>
-            <a:pPr algn="ctr" defTabSz="685800">
-              <a:defRPr/>
-            </a:pPr>
+            <a:pPr algn="ctr" defTabSz="685800"/>
             <a:r>
               <a:rPr lang="en-US" sz="3200" dirty="0">
                 <a:solidFill>
-                  <a:prstClr val="black"/>
+                  <a:schemeClr val="tx1"/>
                 </a:solidFill>
                 <a:latin typeface="Poppins SemiBold" panose="00000700000000000000" pitchFamily="2" charset="0"/>
                 <a:cs typeface="Poppins SemiBold" panose="00000700000000000000" pitchFamily="2" charset="0"/>
@@ -9238,76 +9595,25 @@
             <a:r>
               <a:rPr lang="es-ES" sz="3200" b="0" i="0" dirty="0">
                 <a:solidFill>
-                  <a:srgbClr val="000000"/>
+                  <a:srgbClr val="1E1E1E"/>
                 </a:solidFill>
                 <a:effectLst/>
-                <a:latin typeface="Segoe UI" panose="020B0502040204020203" pitchFamily="34" charset="0"/>
-              </a:rPr>
-              <a:t>¿Porque usar </a:t>
-            </a:r>
-            <a:r>
-              <a:rPr lang="es-ES" sz="3200" b="0" i="0" dirty="0" err="1">
-                <a:solidFill>
-                  <a:srgbClr val="000000"/>
-                </a:solidFill>
-                <a:effectLst/>
-                <a:latin typeface="Segoe UI" panose="020B0502040204020203" pitchFamily="34" charset="0"/>
-              </a:rPr>
-              <a:t>Community</a:t>
-            </a:r>
-            <a:r>
-              <a:rPr lang="es-ES" sz="3200" b="0" i="0" dirty="0">
-                <a:solidFill>
-                  <a:srgbClr val="000000"/>
-                </a:solidFill>
-                <a:effectLst/>
-                <a:latin typeface="Segoe UI" panose="020B0502040204020203" pitchFamily="34" charset="0"/>
-              </a:rPr>
-              <a:t> </a:t>
-            </a:r>
-            <a:r>
-              <a:rPr lang="es-ES" sz="3200" b="0" i="0" dirty="0" err="1">
-                <a:solidFill>
-                  <a:srgbClr val="000000"/>
-                </a:solidFill>
-                <a:effectLst/>
-                <a:latin typeface="Segoe UI" panose="020B0502040204020203" pitchFamily="34" charset="0"/>
-              </a:rPr>
-              <a:t>Toolkit</a:t>
-            </a:r>
-            <a:r>
-              <a:rPr lang="es-ES" sz="3200" b="0" i="0" dirty="0">
-                <a:solidFill>
-                  <a:srgbClr val="000000"/>
-                </a:solidFill>
-                <a:effectLst/>
-                <a:latin typeface="Segoe UI" panose="020B0502040204020203" pitchFamily="34" charset="0"/>
-              </a:rPr>
-              <a:t> en el desarrollo “</a:t>
-            </a:r>
-            <a:r>
-              <a:rPr lang="es-ES" sz="3200" b="0" i="0" dirty="0" err="1">
-                <a:solidFill>
-                  <a:srgbClr val="000000"/>
-                </a:solidFill>
-                <a:effectLst/>
-                <a:latin typeface="Segoe UI" panose="020B0502040204020203" pitchFamily="34" charset="0"/>
-              </a:rPr>
-              <a:t>Multi-idoma</a:t>
-            </a:r>
-            <a:r>
-              <a:rPr lang="es-ES" sz="3200" b="0" i="0" dirty="0">
-                <a:solidFill>
-                  <a:srgbClr val="000000"/>
-                </a:solidFill>
-                <a:effectLst/>
-                <a:latin typeface="Segoe UI" panose="020B0502040204020203" pitchFamily="34" charset="0"/>
-              </a:rPr>
-              <a:t>” en .NET MAUI?</a:t>
+                <a:latin typeface="__tiemposTextWeb_dfcfa6"/>
+              </a:rPr>
+              <a:t>"Trata bien a los frikis, algún día trabajarás para uno de ellos”. </a:t>
+            </a:r>
+            <a:r>
+              <a:rPr lang="es-ES" sz="3200" dirty="0">
+                <a:solidFill>
+                  <a:srgbClr val="1E1E1E"/>
+                </a:solidFill>
+                <a:latin typeface="__tiemposTextWeb_dfcfa6"/>
+              </a:rPr>
+              <a:t>¿De quién es la frase?</a:t>
             </a:r>
             <a:endParaRPr lang="en-IN" sz="3200" dirty="0">
               <a:solidFill>
-                <a:prstClr val="black"/>
+                <a:schemeClr val="tx1"/>
               </a:solidFill>
               <a:latin typeface="Poppins SemiBold" panose="00000700000000000000" pitchFamily="2" charset="0"/>
               <a:cs typeface="Poppins SemiBold" panose="00000700000000000000" pitchFamily="2" charset="0"/>
@@ -9318,12 +9624,98 @@
       <p:sp>
         <p:nvSpPr>
           <p:cNvPr id="3" name="Rectangle 2">
-            <a:hlinkClick r:id="rId3" action="ppaction://hlinksldjump">
-              <a:snd r:embed="rId4" name="WrongAnswerSFX.wav"/>
+            <a:hlinkClick r:id="rId2" action="ppaction://hlinksldjump">
+              <a:snd r:embed="rId3" name="WrongAnswerSFX.wav"/>
             </a:hlinkClick>
             <a:extLst>
               <a:ext uri="{FF2B5EF4-FFF2-40B4-BE49-F238E27FC236}">
                 <a16:creationId xmlns:a16="http://schemas.microsoft.com/office/drawing/2014/main" id="{93EB3632-12C3-41FB-861E-57B9D53BBF65}"/>
+              </a:ext>
+            </a:extLst>
+          </p:cNvPr>
+          <p:cNvSpPr/>
+          <p:nvPr/>
+        </p:nvSpPr>
+        <p:spPr>
+          <a:xfrm>
+            <a:off x="6296298" y="2612571"/>
+            <a:ext cx="3971108" cy="1236618"/>
+          </a:xfrm>
+          <a:prstGeom prst="rect">
+            <a:avLst/>
+          </a:prstGeom>
+          <a:solidFill>
+            <a:schemeClr val="bg1"/>
+          </a:solidFill>
+          <a:ln>
+            <a:solidFill>
+              <a:schemeClr val="bg1">
+                <a:lumMod val="85000"/>
+              </a:schemeClr>
+            </a:solidFill>
+          </a:ln>
+          <a:effectLst>
+            <a:outerShdw blurRad="381000" dist="127000" dir="7080000" sx="94000" sy="94000" algn="t" rotWithShape="0">
+              <a:prstClr val="black">
+                <a:alpha val="16000"/>
+              </a:prstClr>
+            </a:outerShdw>
+          </a:effectLst>
+          <a:scene3d>
+            <a:camera prst="perspectiveFront"/>
+            <a:lightRig rig="threePt" dir="t"/>
+          </a:scene3d>
+        </p:spPr>
+        <p:style>
+          <a:lnRef idx="2">
+            <a:schemeClr val="accent1">
+              <a:shade val="50000"/>
+            </a:schemeClr>
+          </a:lnRef>
+          <a:fillRef idx="1">
+            <a:schemeClr val="accent1"/>
+          </a:fillRef>
+          <a:effectRef idx="0">
+            <a:schemeClr val="accent1"/>
+          </a:effectRef>
+          <a:fontRef idx="minor">
+            <a:schemeClr val="lt1"/>
+          </a:fontRef>
+        </p:style>
+        <p:txBody>
+          <a:bodyPr tIns="144000" bIns="90000" rtlCol="0" anchor="ctr"/>
+          <a:lstStyle/>
+          <a:p>
+            <a:pPr algn="ctr" defTabSz="685800"/>
+            <a:r>
+              <a:rPr lang="es-ES" sz="2000" b="0" i="0" dirty="0">
+                <a:solidFill>
+                  <a:srgbClr val="000000"/>
+                </a:solidFill>
+                <a:effectLst/>
+                <a:latin typeface="Calibri" panose="020F0502020204030204" pitchFamily="34" charset="0"/>
+              </a:rPr>
+              <a:t>Steve Jobs (Apple)</a:t>
+            </a:r>
+            <a:endParaRPr lang="en-IN" sz="2000" dirty="0">
+              <a:solidFill>
+                <a:schemeClr val="tx1"/>
+              </a:solidFill>
+              <a:latin typeface="Poppins SemiBold" panose="00000700000000000000" pitchFamily="2" charset="0"/>
+              <a:cs typeface="Poppins SemiBold" panose="00000700000000000000" pitchFamily="2" charset="0"/>
+            </a:endParaRPr>
+          </a:p>
+        </p:txBody>
+      </p:sp>
+      <p:sp>
+        <p:nvSpPr>
+          <p:cNvPr id="5" name="Rectangle 4">
+            <a:hlinkClick r:id="" action="ppaction://hlinkshowjump?jump=nextslide">
+              <a:snd r:embed="rId4" name="CorrectAnswerSFX.wav"/>
+            </a:hlinkClick>
+            <a:extLst>
+              <a:ext uri="{FF2B5EF4-FFF2-40B4-BE49-F238E27FC236}">
+                <a16:creationId xmlns:a16="http://schemas.microsoft.com/office/drawing/2014/main" id="{11A411AB-3628-4BD3-8F92-E851842AEEC9}"/>
               </a:ext>
             </a:extLst>
           </p:cNvPr>
@@ -9380,18 +9772,189 @@
           <a:bodyPr tIns="144000" bIns="90000" rtlCol="0" anchor="ctr"/>
           <a:lstStyle/>
           <a:p>
+            <a:pPr algn="ctr" defTabSz="685800"/>
+            <a:r>
+              <a:rPr lang="es-ES" sz="2000" b="0" i="0" dirty="0">
+                <a:solidFill>
+                  <a:srgbClr val="000000"/>
+                </a:solidFill>
+                <a:effectLst/>
+                <a:latin typeface="Calibri" panose="020F0502020204030204" pitchFamily="34" charset="0"/>
+              </a:rPr>
+              <a:t>Bill Gates (Microsoft)</a:t>
+            </a:r>
+            <a:endParaRPr lang="en-IN" sz="2000" dirty="0">
+              <a:solidFill>
+                <a:schemeClr val="tx1"/>
+              </a:solidFill>
+              <a:latin typeface="Poppins SemiBold" panose="00000700000000000000" pitchFamily="2" charset="0"/>
+              <a:cs typeface="Poppins SemiBold" panose="00000700000000000000" pitchFamily="2" charset="0"/>
+            </a:endParaRPr>
+          </a:p>
+        </p:txBody>
+      </p:sp>
+    </p:spTree>
+    <p:extLst>
+      <p:ext uri="{BB962C8B-B14F-4D97-AF65-F5344CB8AC3E}">
+        <p14:creationId xmlns:p14="http://schemas.microsoft.com/office/powerpoint/2010/main" val="2791588924"/>
+      </p:ext>
+    </p:extLst>
+  </p:cSld>
+  <p:clrMapOvr>
+    <a:masterClrMapping/>
+  </p:clrMapOvr>
+</p:sld>
+</file>
+
+<file path=ppt/slides/slide26.xml><?xml version="1.0" encoding="utf-8"?>
+<p:sld xmlns:a="http://schemas.openxmlformats.org/drawingml/2006/main" xmlns:r="http://schemas.openxmlformats.org/officeDocument/2006/relationships" xmlns:p="http://schemas.openxmlformats.org/presentationml/2006/main">
+  <p:cSld>
+    <p:bg>
+      <p:bgPr>
+        <a:solidFill>
+          <a:srgbClr val="00B050"/>
+        </a:solidFill>
+        <a:effectLst/>
+      </p:bgPr>
+    </p:bg>
+    <p:spTree>
+      <p:nvGrpSpPr>
+        <p:cNvPr id="1" name=""/>
+        <p:cNvGrpSpPr/>
+        <p:nvPr/>
+      </p:nvGrpSpPr>
+      <p:grpSpPr>
+        <a:xfrm>
+          <a:off x="0" y="0"/>
+          <a:ext cx="0" cy="0"/>
+          <a:chOff x="0" y="0"/>
+          <a:chExt cx="0" cy="0"/>
+        </a:xfrm>
+      </p:grpSpPr>
+      <p:sp>
+        <p:nvSpPr>
+          <p:cNvPr id="2" name="TextBox 1">
+            <a:extLst>
+              <a:ext uri="{FF2B5EF4-FFF2-40B4-BE49-F238E27FC236}">
+                <a16:creationId xmlns:a16="http://schemas.microsoft.com/office/drawing/2014/main" id="{60075EE3-328C-49EE-B897-556D339C339C}"/>
+              </a:ext>
+            </a:extLst>
+          </p:cNvPr>
+          <p:cNvSpPr txBox="1"/>
+          <p:nvPr/>
+        </p:nvSpPr>
+        <p:spPr>
+          <a:xfrm>
+            <a:off x="2083523" y="1549357"/>
+            <a:ext cx="8024954" cy="923330"/>
+          </a:xfrm>
+          <a:prstGeom prst="rect">
+            <a:avLst/>
+          </a:prstGeom>
+          <a:noFill/>
+        </p:spPr>
+        <p:txBody>
+          <a:bodyPr wrap="none" rtlCol="0">
+            <a:spAutoFit/>
+          </a:bodyPr>
+          <a:lstStyle/>
+          <a:p>
+            <a:pPr>
+              <a:defRPr/>
+            </a:pPr>
+            <a:r>
+              <a:rPr lang="en-US" sz="5400" b="1" dirty="0">
+                <a:solidFill>
+                  <a:prstClr val="white"/>
+                </a:solidFill>
+                <a:latin typeface="Poppins"/>
+              </a:rPr>
+              <a:t>RESPUESTA CORRECTA</a:t>
+            </a:r>
+            <a:endParaRPr lang="en-IN" sz="5400" b="1" dirty="0">
+              <a:solidFill>
+                <a:prstClr val="white"/>
+              </a:solidFill>
+              <a:latin typeface="Poppins"/>
+            </a:endParaRPr>
+          </a:p>
+        </p:txBody>
+      </p:sp>
+      <p:sp>
+        <p:nvSpPr>
+          <p:cNvPr id="3" name="Rectangle 2">
+            <a:hlinkClick r:id="" action="ppaction://hlinkshowjump?jump=nextslide"/>
+            <a:extLst>
+              <a:ext uri="{FF2B5EF4-FFF2-40B4-BE49-F238E27FC236}">
+                <a16:creationId xmlns:a16="http://schemas.microsoft.com/office/drawing/2014/main" id="{3E95FE85-01E9-48D9-93B4-B3632117840E}"/>
+              </a:ext>
+            </a:extLst>
+          </p:cNvPr>
+          <p:cNvSpPr/>
+          <p:nvPr/>
+        </p:nvSpPr>
+        <p:spPr>
+          <a:xfrm>
+            <a:off x="4837611" y="3688666"/>
+            <a:ext cx="2516777" cy="696648"/>
+          </a:xfrm>
+          <a:prstGeom prst="rect">
+            <a:avLst/>
+          </a:prstGeom>
+          <a:solidFill>
+            <a:schemeClr val="bg1"/>
+          </a:solidFill>
+          <a:ln>
+            <a:solidFill>
+              <a:schemeClr val="bg1">
+                <a:lumMod val="85000"/>
+              </a:schemeClr>
+            </a:solidFill>
+          </a:ln>
+          <a:effectLst>
+            <a:outerShdw blurRad="381000" dist="127000" dir="7080000" sx="94000" sy="94000" algn="t" rotWithShape="0">
+              <a:prstClr val="black">
+                <a:alpha val="16000"/>
+              </a:prstClr>
+            </a:outerShdw>
+          </a:effectLst>
+          <a:scene3d>
+            <a:camera prst="perspectiveFront"/>
+            <a:lightRig rig="threePt" dir="t"/>
+          </a:scene3d>
+        </p:spPr>
+        <p:style>
+          <a:lnRef idx="2">
+            <a:schemeClr val="accent1">
+              <a:shade val="50000"/>
+            </a:schemeClr>
+          </a:lnRef>
+          <a:fillRef idx="1">
+            <a:schemeClr val="accent1"/>
+          </a:fillRef>
+          <a:effectRef idx="0">
+            <a:schemeClr val="accent1"/>
+          </a:effectRef>
+          <a:fontRef idx="minor">
+            <a:schemeClr val="lt1"/>
+          </a:fontRef>
+        </p:style>
+        <p:txBody>
+          <a:bodyPr tIns="144000" bIns="90000" rtlCol="0" anchor="ctr"/>
+          <a:lstStyle/>
+          <a:p>
             <a:pPr algn="ctr" defTabSz="685800">
               <a:defRPr/>
             </a:pPr>
             <a:r>
-              <a:rPr lang="es-ES" sz="2000" b="0" i="0" dirty="0">
-                <a:solidFill>
-                  <a:srgbClr val="000000"/>
-                </a:solidFill>
-                <a:effectLst/>
-                <a:latin typeface="Segoe UI" panose="020B0502040204020203" pitchFamily="34" charset="0"/>
-              </a:rPr>
-              <a:t>Para poder cargar traducciones desde un Excel.</a:t>
+              <a:rPr lang="en-US" sz="2000" dirty="0" err="1">
+                <a:solidFill>
+                  <a:prstClr val="black"/>
+                </a:solidFill>
+                <a:latin typeface="Poppins SemiBold" panose="00000700000000000000" pitchFamily="2" charset="0"/>
+                <a:cs typeface="Poppins SemiBold" panose="00000700000000000000" pitchFamily="2" charset="0"/>
+              </a:rPr>
+              <a:t>Siguiente</a:t>
             </a:r>
             <a:endParaRPr lang="en-IN" sz="2000" dirty="0">
               <a:solidFill>
@@ -9403,15 +9966,138 @@
           </a:p>
         </p:txBody>
       </p:sp>
-      <p:sp>
-        <p:nvSpPr>
-          <p:cNvPr id="5" name="Rectangle 4">
-            <a:hlinkClick r:id="" action="ppaction://hlinkshowjump?jump=nextslide">
-              <a:snd r:embed="rId5" name="CorrectAnswerSFX.wav"/>
+    </p:spTree>
+    <p:extLst>
+      <p:ext uri="{BB962C8B-B14F-4D97-AF65-F5344CB8AC3E}">
+        <p14:creationId xmlns:p14="http://schemas.microsoft.com/office/powerpoint/2010/main" val="3574323823"/>
+      </p:ext>
+    </p:extLst>
+  </p:cSld>
+  <p:clrMapOvr>
+    <a:masterClrMapping/>
+  </p:clrMapOvr>
+</p:sld>
+</file>
+
+<file path=ppt/slides/slide27.xml><?xml version="1.0" encoding="utf-8"?>
+<p:sld xmlns:a="http://schemas.openxmlformats.org/drawingml/2006/main" xmlns:r="http://schemas.openxmlformats.org/officeDocument/2006/relationships" xmlns:p="http://schemas.openxmlformats.org/presentationml/2006/main">
+  <p:cSld>
+    <p:spTree>
+      <p:nvGrpSpPr>
+        <p:cNvPr id="1" name=""/>
+        <p:cNvGrpSpPr/>
+        <p:nvPr/>
+      </p:nvGrpSpPr>
+      <p:grpSpPr>
+        <a:xfrm>
+          <a:off x="0" y="0"/>
+          <a:ext cx="0" cy="0"/>
+          <a:chOff x="0" y="0"/>
+          <a:chExt cx="0" cy="0"/>
+        </a:xfrm>
+      </p:grpSpPr>
+      <p:sp>
+        <p:nvSpPr>
+          <p:cNvPr id="2" name="Rectangle 1">
+            <a:extLst>
+              <a:ext uri="{FF2B5EF4-FFF2-40B4-BE49-F238E27FC236}">
+                <a16:creationId xmlns:a16="http://schemas.microsoft.com/office/drawing/2014/main" id="{29228A24-4A1B-41B0-A802-CD51398332B9}"/>
+              </a:ext>
+            </a:extLst>
+          </p:cNvPr>
+          <p:cNvSpPr/>
+          <p:nvPr/>
+        </p:nvSpPr>
+        <p:spPr>
+          <a:xfrm>
+            <a:off x="1976846" y="435429"/>
+            <a:ext cx="8290560" cy="1898468"/>
+          </a:xfrm>
+          <a:prstGeom prst="rect">
+            <a:avLst/>
+          </a:prstGeom>
+          <a:solidFill>
+            <a:srgbClr val="FFFF00"/>
+          </a:solidFill>
+          <a:ln>
+            <a:solidFill>
+              <a:schemeClr val="bg1">
+                <a:lumMod val="85000"/>
+              </a:schemeClr>
+            </a:solidFill>
+          </a:ln>
+          <a:effectLst>
+            <a:outerShdw blurRad="381000" dist="127000" dir="7080000" sx="94000" sy="94000" algn="t" rotWithShape="0">
+              <a:prstClr val="black">
+                <a:alpha val="16000"/>
+              </a:prstClr>
+            </a:outerShdw>
+          </a:effectLst>
+          <a:scene3d>
+            <a:camera prst="perspectiveFront"/>
+            <a:lightRig rig="threePt" dir="t"/>
+          </a:scene3d>
+        </p:spPr>
+        <p:style>
+          <a:lnRef idx="2">
+            <a:schemeClr val="accent1">
+              <a:shade val="50000"/>
+            </a:schemeClr>
+          </a:lnRef>
+          <a:fillRef idx="1">
+            <a:schemeClr val="accent1"/>
+          </a:fillRef>
+          <a:effectRef idx="0">
+            <a:schemeClr val="accent1"/>
+          </a:effectRef>
+          <a:fontRef idx="minor">
+            <a:schemeClr val="lt1"/>
+          </a:fontRef>
+        </p:style>
+        <p:txBody>
+          <a:bodyPr tIns="144000" bIns="90000" rtlCol="0" anchor="ctr"/>
+          <a:lstStyle/>
+          <a:p>
+            <a:pPr algn="ctr" defTabSz="685800"/>
+            <a:r>
+              <a:rPr lang="en-US" sz="3200" dirty="0">
+                <a:solidFill>
+                  <a:schemeClr val="tx1"/>
+                </a:solidFill>
+                <a:latin typeface="Poppins SemiBold" panose="00000700000000000000" pitchFamily="2" charset="0"/>
+                <a:cs typeface="Poppins SemiBold" panose="00000700000000000000" pitchFamily="2" charset="0"/>
+              </a:rPr>
+              <a:t>13. </a:t>
+            </a:r>
+            <a:r>
+              <a:rPr lang="es-ES" sz="3200" b="0" i="0" dirty="0">
+                <a:solidFill>
+                  <a:srgbClr val="000000"/>
+                </a:solidFill>
+                <a:effectLst/>
+                <a:latin typeface="hanken-grotesk-medium"/>
+              </a:rPr>
+              <a:t>“Muchas veces la gente no sabe lo que quiere hasta que se lo enseñas”. ¿De quién es la frase?</a:t>
+            </a:r>
+            <a:endParaRPr lang="en-IN" sz="3200" dirty="0">
+              <a:solidFill>
+                <a:schemeClr val="tx1"/>
+              </a:solidFill>
+              <a:latin typeface="Poppins SemiBold" panose="00000700000000000000" pitchFamily="2" charset="0"/>
+              <a:cs typeface="Poppins SemiBold" panose="00000700000000000000" pitchFamily="2" charset="0"/>
+            </a:endParaRPr>
+          </a:p>
+        </p:txBody>
+      </p:sp>
+      <p:sp>
+        <p:nvSpPr>
+          <p:cNvPr id="3" name="Rectangle 2">
+            <a:hlinkClick r:id="rId2" action="ppaction://hlinksldjump">
+              <a:snd r:embed="rId3" name="WrongAnswerSFX.wav"/>
             </a:hlinkClick>
             <a:extLst>
               <a:ext uri="{FF2B5EF4-FFF2-40B4-BE49-F238E27FC236}">
-                <a16:creationId xmlns:a16="http://schemas.microsoft.com/office/drawing/2014/main" id="{11A411AB-3628-4BD3-8F92-E851842AEEC9}"/>
+                <a16:creationId xmlns:a16="http://schemas.microsoft.com/office/drawing/2014/main" id="{93EB3632-12C3-41FB-861E-57B9D53BBF65}"/>
               </a:ext>
             </a:extLst>
           </p:cNvPr>
@@ -9470,36 +10156,16 @@
           <a:p>
             <a:pPr algn="ctr" defTabSz="685800"/>
             <a:r>
-              <a:rPr lang="es-ES" sz="1600" b="0" i="0" dirty="0">
+              <a:rPr lang="es-ES" sz="2000" b="0" i="0" dirty="0">
                 <a:solidFill>
                   <a:srgbClr val="000000"/>
                 </a:solidFill>
                 <a:effectLst/>
-                <a:latin typeface="Segoe UI" panose="020B0502040204020203" pitchFamily="34" charset="0"/>
-              </a:rPr>
-              <a:t>Para que nos genere la infraestructura </a:t>
-            </a:r>
-            <a:r>
-              <a:rPr lang="es-ES" sz="1600" b="0" i="0" dirty="0" err="1">
-                <a:solidFill>
-                  <a:srgbClr val="000000"/>
-                </a:solidFill>
-                <a:effectLst/>
-                <a:latin typeface="Segoe UI" panose="020B0502040204020203" pitchFamily="34" charset="0"/>
-              </a:rPr>
-              <a:t>INotifyPropertyChanged</a:t>
-            </a:r>
-            <a:r>
-              <a:rPr lang="es-ES" sz="1600" b="0" i="0" dirty="0">
-                <a:solidFill>
-                  <a:srgbClr val="000000"/>
-                </a:solidFill>
-                <a:effectLst/>
-                <a:latin typeface="Segoe UI" panose="020B0502040204020203" pitchFamily="34" charset="0"/>
-              </a:rPr>
-              <a:t> sin tener que escribirlo explícitamente.</a:t>
-            </a:r>
-            <a:endParaRPr lang="en-IN" sz="1600" dirty="0">
+                <a:latin typeface="Calibri" panose="020F0502020204030204" pitchFamily="34" charset="0"/>
+              </a:rPr>
+              <a:t>Elon Musk (Twitter)</a:t>
+            </a:r>
+            <a:endParaRPr lang="en-IN" sz="2000" dirty="0">
               <a:solidFill>
                 <a:schemeClr val="tx1"/>
               </a:solidFill>
@@ -9509,10 +10175,96 @@
           </a:p>
         </p:txBody>
       </p:sp>
+      <p:sp>
+        <p:nvSpPr>
+          <p:cNvPr id="5" name="Rectangle 4">
+            <a:hlinkClick r:id="" action="ppaction://hlinkshowjump?jump=nextslide">
+              <a:snd r:embed="rId4" name="CorrectAnswerSFX.wav"/>
+            </a:hlinkClick>
+            <a:extLst>
+              <a:ext uri="{FF2B5EF4-FFF2-40B4-BE49-F238E27FC236}">
+                <a16:creationId xmlns:a16="http://schemas.microsoft.com/office/drawing/2014/main" id="{11A411AB-3628-4BD3-8F92-E851842AEEC9}"/>
+              </a:ext>
+            </a:extLst>
+          </p:cNvPr>
+          <p:cNvSpPr/>
+          <p:nvPr/>
+        </p:nvSpPr>
+        <p:spPr>
+          <a:xfrm>
+            <a:off x="1976846" y="2612571"/>
+            <a:ext cx="3971108" cy="1236618"/>
+          </a:xfrm>
+          <a:prstGeom prst="rect">
+            <a:avLst/>
+          </a:prstGeom>
+          <a:solidFill>
+            <a:schemeClr val="bg1"/>
+          </a:solidFill>
+          <a:ln>
+            <a:solidFill>
+              <a:schemeClr val="bg1">
+                <a:lumMod val="85000"/>
+              </a:schemeClr>
+            </a:solidFill>
+          </a:ln>
+          <a:effectLst>
+            <a:outerShdw blurRad="381000" dist="127000" dir="7080000" sx="94000" sy="94000" algn="t" rotWithShape="0">
+              <a:prstClr val="black">
+                <a:alpha val="16000"/>
+              </a:prstClr>
+            </a:outerShdw>
+          </a:effectLst>
+          <a:scene3d>
+            <a:camera prst="perspectiveFront"/>
+            <a:lightRig rig="threePt" dir="t"/>
+          </a:scene3d>
+        </p:spPr>
+        <p:style>
+          <a:lnRef idx="2">
+            <a:schemeClr val="accent1">
+              <a:shade val="50000"/>
+            </a:schemeClr>
+          </a:lnRef>
+          <a:fillRef idx="1">
+            <a:schemeClr val="accent1"/>
+          </a:fillRef>
+          <a:effectRef idx="0">
+            <a:schemeClr val="accent1"/>
+          </a:effectRef>
+          <a:fontRef idx="minor">
+            <a:schemeClr val="lt1"/>
+          </a:fontRef>
+        </p:style>
+        <p:txBody>
+          <a:bodyPr tIns="144000" bIns="90000" rtlCol="0" anchor="ctr"/>
+          <a:lstStyle/>
+          <a:p>
+            <a:pPr algn="ctr" defTabSz="685800"/>
+            <a:r>
+              <a:rPr lang="es-ES" sz="2000" dirty="0">
+                <a:solidFill>
+                  <a:srgbClr val="000000"/>
+                </a:solidFill>
+                <a:latin typeface="Calibri" panose="020F0502020204030204" pitchFamily="34" charset="0"/>
+                <a:cs typeface="Poppins SemiBold" panose="00000700000000000000" pitchFamily="2" charset="0"/>
+              </a:rPr>
+              <a:t>Steve Jobs (Apple)</a:t>
+            </a:r>
+            <a:endParaRPr lang="en-IN" sz="2000" dirty="0">
+              <a:solidFill>
+                <a:schemeClr val="tx1"/>
+              </a:solidFill>
+              <a:latin typeface="Poppins SemiBold" panose="00000700000000000000" pitchFamily="2" charset="0"/>
+              <a:cs typeface="Poppins SemiBold" panose="00000700000000000000" pitchFamily="2" charset="0"/>
+            </a:endParaRPr>
+          </a:p>
+        </p:txBody>
+      </p:sp>
     </p:spTree>
     <p:extLst>
       <p:ext uri="{BB962C8B-B14F-4D97-AF65-F5344CB8AC3E}">
-        <p14:creationId xmlns:p14="http://schemas.microsoft.com/office/powerpoint/2010/main" val="768855785"/>
+        <p14:creationId xmlns:p14="http://schemas.microsoft.com/office/powerpoint/2010/main" val="4270741589"/>
       </p:ext>
     </p:extLst>
   </p:cSld>
@@ -9522,7 +10274,7 @@
 </p:sld>
 </file>
 
-<file path=ppt/slides/slide26.xml><?xml version="1.0" encoding="utf-8"?>
+<file path=ppt/slides/slide28.xml><?xml version="1.0" encoding="utf-8"?>
 <p:sld xmlns:a="http://schemas.openxmlformats.org/drawingml/2006/main" xmlns:r="http://schemas.openxmlformats.org/officeDocument/2006/relationships" xmlns:p="http://schemas.openxmlformats.org/presentationml/2006/main">
   <p:cSld>
     <p:bg>
@@ -9685,7 +10437,7 @@
     </p:spTree>
     <p:extLst>
       <p:ext uri="{BB962C8B-B14F-4D97-AF65-F5344CB8AC3E}">
-        <p14:creationId xmlns:p14="http://schemas.microsoft.com/office/powerpoint/2010/main" val="2045854643"/>
+        <p14:creationId xmlns:p14="http://schemas.microsoft.com/office/powerpoint/2010/main" val="2178247130"/>
       </p:ext>
     </p:extLst>
   </p:cSld>
@@ -9695,7 +10447,7 @@
 </p:sld>
 </file>
 
-<file path=ppt/slides/slide27.xml><?xml version="1.0" encoding="utf-8"?>
+<file path=ppt/slides/slide29.xml><?xml version="1.0" encoding="utf-8"?>
 <p:sld xmlns:a="http://schemas.openxmlformats.org/drawingml/2006/main" xmlns:r="http://schemas.openxmlformats.org/officeDocument/2006/relationships" xmlns:p="http://schemas.openxmlformats.org/presentationml/2006/main">
   <p:cSld>
     <p:spTree>
@@ -9785,17 +10537,77 @@
                 <a:latin typeface="Poppins SemiBold" panose="00000700000000000000" pitchFamily="2" charset="0"/>
                 <a:cs typeface="Poppins SemiBold" panose="00000700000000000000" pitchFamily="2" charset="0"/>
               </a:rPr>
-              <a:t>13. </a:t>
-            </a:r>
-            <a:r>
-              <a:rPr lang="es-ES" sz="3200" dirty="0">
-                <a:solidFill>
-                  <a:prstClr val="black"/>
-                </a:solidFill>
-                <a:latin typeface="Poppins SemiBold" panose="00000700000000000000" pitchFamily="2" charset="0"/>
-                <a:cs typeface="Poppins SemiBold" panose="00000700000000000000" pitchFamily="2" charset="0"/>
-              </a:rPr>
-              <a:t>¿Cual de estos patrones NO debes usar en Maui?</a:t>
+              <a:t>14. </a:t>
+            </a:r>
+            <a:r>
+              <a:rPr lang="es-ES" sz="3200" b="0" i="0" dirty="0">
+                <a:solidFill>
+                  <a:srgbClr val="000000"/>
+                </a:solidFill>
+                <a:effectLst/>
+                <a:latin typeface="Segoe UI" panose="020B0502040204020203" pitchFamily="34" charset="0"/>
+              </a:rPr>
+              <a:t>¿Porque usar </a:t>
+            </a:r>
+            <a:r>
+              <a:rPr lang="es-ES" sz="3200" b="0" i="0" dirty="0" err="1">
+                <a:solidFill>
+                  <a:srgbClr val="000000"/>
+                </a:solidFill>
+                <a:effectLst/>
+                <a:latin typeface="Segoe UI" panose="020B0502040204020203" pitchFamily="34" charset="0"/>
+              </a:rPr>
+              <a:t>Community</a:t>
+            </a:r>
+            <a:r>
+              <a:rPr lang="es-ES" sz="3200" b="0" i="0" dirty="0">
+                <a:solidFill>
+                  <a:srgbClr val="000000"/>
+                </a:solidFill>
+                <a:effectLst/>
+                <a:latin typeface="Segoe UI" panose="020B0502040204020203" pitchFamily="34" charset="0"/>
+              </a:rPr>
+              <a:t> </a:t>
+            </a:r>
+            <a:r>
+              <a:rPr lang="es-ES" sz="3200" b="0" i="0" dirty="0" err="1">
+                <a:solidFill>
+                  <a:srgbClr val="000000"/>
+                </a:solidFill>
+                <a:effectLst/>
+                <a:latin typeface="Segoe UI" panose="020B0502040204020203" pitchFamily="34" charset="0"/>
+              </a:rPr>
+              <a:t>Toolkit</a:t>
+            </a:r>
+            <a:r>
+              <a:rPr lang="es-ES" sz="3200" b="0" i="0" dirty="0">
+                <a:solidFill>
+                  <a:srgbClr val="000000"/>
+                </a:solidFill>
+                <a:effectLst/>
+                <a:latin typeface="Segoe UI" panose="020B0502040204020203" pitchFamily="34" charset="0"/>
+              </a:rPr>
+              <a:t> en el desarrollo “</a:t>
+            </a:r>
+            <a:r>
+              <a:rPr lang="es-ES" sz="3200" b="0" i="0" dirty="0" err="1">
+                <a:solidFill>
+                  <a:srgbClr val="000000"/>
+                </a:solidFill>
+                <a:effectLst/>
+                <a:latin typeface="Segoe UI" panose="020B0502040204020203" pitchFamily="34" charset="0"/>
+              </a:rPr>
+              <a:t>Multi-idoma</a:t>
+            </a:r>
+            <a:r>
+              <a:rPr lang="es-ES" sz="3200" b="0" i="0" dirty="0">
+                <a:solidFill>
+                  <a:srgbClr val="000000"/>
+                </a:solidFill>
+                <a:effectLst/>
+                <a:latin typeface="Segoe UI" panose="020B0502040204020203" pitchFamily="34" charset="0"/>
+              </a:rPr>
+              <a:t>” en .NET MAUI?</a:t>
             </a:r>
             <a:endParaRPr lang="en-IN" sz="3200" dirty="0">
               <a:solidFill>
@@ -9810,8 +10622,8 @@
       <p:sp>
         <p:nvSpPr>
           <p:cNvPr id="3" name="Rectangle 2">
-            <a:hlinkClick r:id="rId2" action="ppaction://hlinksldjump">
-              <a:snd r:embed="rId3" name="WrongAnswerSFX.wav"/>
+            <a:hlinkClick r:id="rId3" action="ppaction://hlinksldjump">
+              <a:snd r:embed="rId4" name="WrongAnswerSFX.wav"/>
             </a:hlinkClick>
             <a:extLst>
               <a:ext uri="{FF2B5EF4-FFF2-40B4-BE49-F238E27FC236}">
@@ -9872,20 +10684,22 @@
           <a:bodyPr tIns="144000" bIns="90000" rtlCol="0" anchor="ctr"/>
           <a:lstStyle/>
           <a:p>
-            <a:pPr algn="ctr" defTabSz="685800"/>
-            <a:r>
-              <a:rPr lang="en-US" sz="2000" dirty="0">
-                <a:solidFill>
-                  <a:schemeClr val="tx1"/>
-                </a:solidFill>
-                <a:latin typeface="Verdana" panose="020B0604030504040204" pitchFamily="34" charset="0"/>
-                <a:cs typeface="Poppins SemiBold" panose="00000700000000000000" pitchFamily="2" charset="0"/>
-              </a:rPr>
-              <a:t>MVVM</a:t>
+            <a:pPr algn="ctr" defTabSz="685800">
+              <a:defRPr/>
+            </a:pPr>
+            <a:r>
+              <a:rPr lang="es-ES" sz="2000" b="0" i="0" dirty="0">
+                <a:solidFill>
+                  <a:srgbClr val="000000"/>
+                </a:solidFill>
+                <a:effectLst/>
+                <a:latin typeface="Segoe UI" panose="020B0502040204020203" pitchFamily="34" charset="0"/>
+              </a:rPr>
+              <a:t>Para poder cargar traducciones desde un Excel.</a:t>
             </a:r>
             <a:endParaRPr lang="en-IN" sz="2000" dirty="0">
               <a:solidFill>
-                <a:schemeClr val="tx1"/>
+                <a:prstClr val="black"/>
               </a:solidFill>
               <a:latin typeface="Poppins SemiBold" panose="00000700000000000000" pitchFamily="2" charset="0"/>
               <a:cs typeface="Poppins SemiBold" panose="00000700000000000000" pitchFamily="2" charset="0"/>
@@ -9897,7 +10711,7 @@
         <p:nvSpPr>
           <p:cNvPr id="5" name="Rectangle 4">
             <a:hlinkClick r:id="" action="ppaction://hlinkshowjump?jump=nextslide">
-              <a:snd r:embed="rId4" name="CorrectAnswerSFX.wav"/>
+              <a:snd r:embed="rId5" name="CorrectAnswerSFX.wav"/>
             </a:hlinkClick>
             <a:extLst>
               <a:ext uri="{FF2B5EF4-FFF2-40B4-BE49-F238E27FC236}">
@@ -9960,16 +10774,36 @@
           <a:p>
             <a:pPr algn="ctr" defTabSz="685800"/>
             <a:r>
-              <a:rPr lang="en-US" sz="2000" b="0" i="0" dirty="0">
-                <a:solidFill>
-                  <a:schemeClr val="tx1"/>
+              <a:rPr lang="es-ES" sz="1600" b="0" i="0" dirty="0">
+                <a:solidFill>
+                  <a:srgbClr val="000000"/>
                 </a:solidFill>
                 <a:effectLst/>
-                <a:latin typeface="Verdana" panose="020B0604030504040204" pitchFamily="34" charset="0"/>
-              </a:rPr>
-              <a:t>MVC</a:t>
-            </a:r>
-            <a:endParaRPr lang="en-IN" sz="2000" dirty="0">
+                <a:latin typeface="Segoe UI" panose="020B0502040204020203" pitchFamily="34" charset="0"/>
+              </a:rPr>
+              <a:t>Para que nos genere la infraestructura </a:t>
+            </a:r>
+            <a:r>
+              <a:rPr lang="es-ES" sz="1600" b="0" i="0" dirty="0" err="1">
+                <a:solidFill>
+                  <a:srgbClr val="000000"/>
+                </a:solidFill>
+                <a:effectLst/>
+                <a:latin typeface="Segoe UI" panose="020B0502040204020203" pitchFamily="34" charset="0"/>
+              </a:rPr>
+              <a:t>INotifyPropertyChanged</a:t>
+            </a:r>
+            <a:r>
+              <a:rPr lang="es-ES" sz="1600" b="0" i="0" dirty="0">
+                <a:solidFill>
+                  <a:srgbClr val="000000"/>
+                </a:solidFill>
+                <a:effectLst/>
+                <a:latin typeface="Segoe UI" panose="020B0502040204020203" pitchFamily="34" charset="0"/>
+              </a:rPr>
+              <a:t> sin tener que escribirlo explícitamente.</a:t>
+            </a:r>
+            <a:endParaRPr lang="en-IN" sz="1600" dirty="0">
               <a:solidFill>
                 <a:schemeClr val="tx1"/>
               </a:solidFill>
@@ -9982,479 +10816,7 @@
     </p:spTree>
     <p:extLst>
       <p:ext uri="{BB962C8B-B14F-4D97-AF65-F5344CB8AC3E}">
-        <p14:creationId xmlns:p14="http://schemas.microsoft.com/office/powerpoint/2010/main" val="2465870924"/>
-      </p:ext>
-    </p:extLst>
-  </p:cSld>
-  <p:clrMapOvr>
-    <a:masterClrMapping/>
-  </p:clrMapOvr>
-</p:sld>
-</file>
-
-<file path=ppt/slides/slide28.xml><?xml version="1.0" encoding="utf-8"?>
-<p:sld xmlns:a="http://schemas.openxmlformats.org/drawingml/2006/main" xmlns:r="http://schemas.openxmlformats.org/officeDocument/2006/relationships" xmlns:p="http://schemas.openxmlformats.org/presentationml/2006/main">
-  <p:cSld>
-    <p:bg>
-      <p:bgPr>
-        <a:solidFill>
-          <a:srgbClr val="00B050"/>
-        </a:solidFill>
-        <a:effectLst/>
-      </p:bgPr>
-    </p:bg>
-    <p:spTree>
-      <p:nvGrpSpPr>
-        <p:cNvPr id="1" name=""/>
-        <p:cNvGrpSpPr/>
-        <p:nvPr/>
-      </p:nvGrpSpPr>
-      <p:grpSpPr>
-        <a:xfrm>
-          <a:off x="0" y="0"/>
-          <a:ext cx="0" cy="0"/>
-          <a:chOff x="0" y="0"/>
-          <a:chExt cx="0" cy="0"/>
-        </a:xfrm>
-      </p:grpSpPr>
-      <p:sp>
-        <p:nvSpPr>
-          <p:cNvPr id="2" name="TextBox 1">
-            <a:extLst>
-              <a:ext uri="{FF2B5EF4-FFF2-40B4-BE49-F238E27FC236}">
-                <a16:creationId xmlns:a16="http://schemas.microsoft.com/office/drawing/2014/main" id="{60075EE3-328C-49EE-B897-556D339C339C}"/>
-              </a:ext>
-            </a:extLst>
-          </p:cNvPr>
-          <p:cNvSpPr txBox="1"/>
-          <p:nvPr/>
-        </p:nvSpPr>
-        <p:spPr>
-          <a:xfrm>
-            <a:off x="2083523" y="1549357"/>
-            <a:ext cx="8024954" cy="923330"/>
-          </a:xfrm>
-          <a:prstGeom prst="rect">
-            <a:avLst/>
-          </a:prstGeom>
-          <a:noFill/>
-        </p:spPr>
-        <p:txBody>
-          <a:bodyPr wrap="none" rtlCol="0">
-            <a:spAutoFit/>
-          </a:bodyPr>
-          <a:lstStyle/>
-          <a:p>
-            <a:pPr>
-              <a:defRPr/>
-            </a:pPr>
-            <a:r>
-              <a:rPr lang="en-US" sz="5400" b="1" dirty="0">
-                <a:solidFill>
-                  <a:prstClr val="white"/>
-                </a:solidFill>
-                <a:latin typeface="Poppins"/>
-              </a:rPr>
-              <a:t>RESPUESTA CORRECTA</a:t>
-            </a:r>
-            <a:endParaRPr lang="en-IN" sz="5400" b="1" dirty="0">
-              <a:solidFill>
-                <a:prstClr val="white"/>
-              </a:solidFill>
-              <a:latin typeface="Poppins"/>
-            </a:endParaRPr>
-          </a:p>
-        </p:txBody>
-      </p:sp>
-      <p:sp>
-        <p:nvSpPr>
-          <p:cNvPr id="3" name="Rectangle 2">
-            <a:hlinkClick r:id="" action="ppaction://hlinkshowjump?jump=nextslide"/>
-            <a:extLst>
-              <a:ext uri="{FF2B5EF4-FFF2-40B4-BE49-F238E27FC236}">
-                <a16:creationId xmlns:a16="http://schemas.microsoft.com/office/drawing/2014/main" id="{3E95FE85-01E9-48D9-93B4-B3632117840E}"/>
-              </a:ext>
-            </a:extLst>
-          </p:cNvPr>
-          <p:cNvSpPr/>
-          <p:nvPr/>
-        </p:nvSpPr>
-        <p:spPr>
-          <a:xfrm>
-            <a:off x="4837611" y="3688666"/>
-            <a:ext cx="2516777" cy="696648"/>
-          </a:xfrm>
-          <a:prstGeom prst="rect">
-            <a:avLst/>
-          </a:prstGeom>
-          <a:solidFill>
-            <a:schemeClr val="bg1"/>
-          </a:solidFill>
-          <a:ln>
-            <a:solidFill>
-              <a:schemeClr val="bg1">
-                <a:lumMod val="85000"/>
-              </a:schemeClr>
-            </a:solidFill>
-          </a:ln>
-          <a:effectLst>
-            <a:outerShdw blurRad="381000" dist="127000" dir="7080000" sx="94000" sy="94000" algn="t" rotWithShape="0">
-              <a:prstClr val="black">
-                <a:alpha val="16000"/>
-              </a:prstClr>
-            </a:outerShdw>
-          </a:effectLst>
-          <a:scene3d>
-            <a:camera prst="perspectiveFront"/>
-            <a:lightRig rig="threePt" dir="t"/>
-          </a:scene3d>
-        </p:spPr>
-        <p:style>
-          <a:lnRef idx="2">
-            <a:schemeClr val="accent1">
-              <a:shade val="50000"/>
-            </a:schemeClr>
-          </a:lnRef>
-          <a:fillRef idx="1">
-            <a:schemeClr val="accent1"/>
-          </a:fillRef>
-          <a:effectRef idx="0">
-            <a:schemeClr val="accent1"/>
-          </a:effectRef>
-          <a:fontRef idx="minor">
-            <a:schemeClr val="lt1"/>
-          </a:fontRef>
-        </p:style>
-        <p:txBody>
-          <a:bodyPr tIns="144000" bIns="90000" rtlCol="0" anchor="ctr"/>
-          <a:lstStyle/>
-          <a:p>
-            <a:pPr algn="ctr" defTabSz="685800">
-              <a:defRPr/>
-            </a:pPr>
-            <a:r>
-              <a:rPr lang="en-US" sz="2000" dirty="0" err="1">
-                <a:solidFill>
-                  <a:prstClr val="black"/>
-                </a:solidFill>
-                <a:latin typeface="Poppins SemiBold" panose="00000700000000000000" pitchFamily="2" charset="0"/>
-                <a:cs typeface="Poppins SemiBold" panose="00000700000000000000" pitchFamily="2" charset="0"/>
-              </a:rPr>
-              <a:t>Siguiente</a:t>
-            </a:r>
-            <a:endParaRPr lang="en-IN" sz="2000" dirty="0">
-              <a:solidFill>
-                <a:prstClr val="black"/>
-              </a:solidFill>
-              <a:latin typeface="Poppins SemiBold" panose="00000700000000000000" pitchFamily="2" charset="0"/>
-              <a:cs typeface="Poppins SemiBold" panose="00000700000000000000" pitchFamily="2" charset="0"/>
-            </a:endParaRPr>
-          </a:p>
-        </p:txBody>
-      </p:sp>
-    </p:spTree>
-    <p:extLst>
-      <p:ext uri="{BB962C8B-B14F-4D97-AF65-F5344CB8AC3E}">
-        <p14:creationId xmlns:p14="http://schemas.microsoft.com/office/powerpoint/2010/main" val="1615700638"/>
-      </p:ext>
-    </p:extLst>
-  </p:cSld>
-  <p:clrMapOvr>
-    <a:masterClrMapping/>
-  </p:clrMapOvr>
-</p:sld>
-</file>
-
-<file path=ppt/slides/slide29.xml><?xml version="1.0" encoding="utf-8"?>
-<p:sld xmlns:a="http://schemas.openxmlformats.org/drawingml/2006/main" xmlns:r="http://schemas.openxmlformats.org/officeDocument/2006/relationships" xmlns:p="http://schemas.openxmlformats.org/presentationml/2006/main">
-  <p:cSld>
-    <p:spTree>
-      <p:nvGrpSpPr>
-        <p:cNvPr id="1" name=""/>
-        <p:cNvGrpSpPr/>
-        <p:nvPr/>
-      </p:nvGrpSpPr>
-      <p:grpSpPr>
-        <a:xfrm>
-          <a:off x="0" y="0"/>
-          <a:ext cx="0" cy="0"/>
-          <a:chOff x="0" y="0"/>
-          <a:chExt cx="0" cy="0"/>
-        </a:xfrm>
-      </p:grpSpPr>
-      <p:sp>
-        <p:nvSpPr>
-          <p:cNvPr id="2" name="Rectangle 1">
-            <a:extLst>
-              <a:ext uri="{FF2B5EF4-FFF2-40B4-BE49-F238E27FC236}">
-                <a16:creationId xmlns:a16="http://schemas.microsoft.com/office/drawing/2014/main" id="{29228A24-4A1B-41B0-A802-CD51398332B9}"/>
-              </a:ext>
-            </a:extLst>
-          </p:cNvPr>
-          <p:cNvSpPr/>
-          <p:nvPr/>
-        </p:nvSpPr>
-        <p:spPr>
-          <a:xfrm>
-            <a:off x="1976846" y="435429"/>
-            <a:ext cx="8290560" cy="1898468"/>
-          </a:xfrm>
-          <a:prstGeom prst="rect">
-            <a:avLst/>
-          </a:prstGeom>
-          <a:solidFill>
-            <a:srgbClr val="FFFF00"/>
-          </a:solidFill>
-          <a:ln>
-            <a:solidFill>
-              <a:schemeClr val="bg1">
-                <a:lumMod val="85000"/>
-              </a:schemeClr>
-            </a:solidFill>
-          </a:ln>
-          <a:effectLst>
-            <a:outerShdw blurRad="381000" dist="127000" dir="7080000" sx="94000" sy="94000" algn="t" rotWithShape="0">
-              <a:prstClr val="black">
-                <a:alpha val="16000"/>
-              </a:prstClr>
-            </a:outerShdw>
-          </a:effectLst>
-          <a:scene3d>
-            <a:camera prst="perspectiveFront"/>
-            <a:lightRig rig="threePt" dir="t"/>
-          </a:scene3d>
-        </p:spPr>
-        <p:style>
-          <a:lnRef idx="2">
-            <a:schemeClr val="accent1">
-              <a:shade val="50000"/>
-            </a:schemeClr>
-          </a:lnRef>
-          <a:fillRef idx="1">
-            <a:schemeClr val="accent1"/>
-          </a:fillRef>
-          <a:effectRef idx="0">
-            <a:schemeClr val="accent1"/>
-          </a:effectRef>
-          <a:fontRef idx="minor">
-            <a:schemeClr val="lt1"/>
-          </a:fontRef>
-        </p:style>
-        <p:txBody>
-          <a:bodyPr tIns="144000" bIns="90000" rtlCol="0" anchor="ctr"/>
-          <a:lstStyle/>
-          <a:p>
-            <a:pPr algn="ctr" defTabSz="685800">
-              <a:defRPr/>
-            </a:pPr>
-            <a:r>
-              <a:rPr lang="en-US" sz="3200" dirty="0">
-                <a:solidFill>
-                  <a:prstClr val="black"/>
-                </a:solidFill>
-                <a:latin typeface="Poppins SemiBold" panose="00000700000000000000" pitchFamily="2" charset="0"/>
-                <a:cs typeface="Poppins SemiBold" panose="00000700000000000000" pitchFamily="2" charset="0"/>
-              </a:rPr>
-              <a:t>14. </a:t>
-            </a:r>
-            <a:r>
-              <a:rPr lang="es-ES" sz="3200" dirty="0">
-                <a:solidFill>
-                  <a:prstClr val="black"/>
-                </a:solidFill>
-                <a:latin typeface="Poppins SemiBold" panose="00000700000000000000" pitchFamily="2" charset="0"/>
-                <a:cs typeface="Poppins SemiBold" panose="00000700000000000000" pitchFamily="2" charset="0"/>
-              </a:rPr>
-              <a:t>¿De quién es la frase "Hablar a la gente sobre la creatividad es fácil. Es ser creativo lo que es difícil"?</a:t>
-            </a:r>
-            <a:endParaRPr lang="en-IN" sz="3200" dirty="0">
-              <a:solidFill>
-                <a:prstClr val="black"/>
-              </a:solidFill>
-              <a:latin typeface="Poppins SemiBold" panose="00000700000000000000" pitchFamily="2" charset="0"/>
-              <a:cs typeface="Poppins SemiBold" panose="00000700000000000000" pitchFamily="2" charset="0"/>
-            </a:endParaRPr>
-          </a:p>
-        </p:txBody>
-      </p:sp>
-      <p:sp>
-        <p:nvSpPr>
-          <p:cNvPr id="3" name="Rectangle 2">
-            <a:hlinkClick r:id="rId2" action="ppaction://hlinksldjump">
-              <a:snd r:embed="rId3" name="WrongAnswerSFX.wav"/>
-            </a:hlinkClick>
-            <a:extLst>
-              <a:ext uri="{FF2B5EF4-FFF2-40B4-BE49-F238E27FC236}">
-                <a16:creationId xmlns:a16="http://schemas.microsoft.com/office/drawing/2014/main" id="{93EB3632-12C3-41FB-861E-57B9D53BBF65}"/>
-              </a:ext>
-            </a:extLst>
-          </p:cNvPr>
-          <p:cNvSpPr/>
-          <p:nvPr/>
-        </p:nvSpPr>
-        <p:spPr>
-          <a:xfrm>
-            <a:off x="1976846" y="2612571"/>
-            <a:ext cx="3971108" cy="1236618"/>
-          </a:xfrm>
-          <a:prstGeom prst="rect">
-            <a:avLst/>
-          </a:prstGeom>
-          <a:solidFill>
-            <a:schemeClr val="bg1"/>
-          </a:solidFill>
-          <a:ln>
-            <a:solidFill>
-              <a:schemeClr val="bg1">
-                <a:lumMod val="85000"/>
-              </a:schemeClr>
-            </a:solidFill>
-          </a:ln>
-          <a:effectLst>
-            <a:outerShdw blurRad="381000" dist="127000" dir="7080000" sx="94000" sy="94000" algn="t" rotWithShape="0">
-              <a:prstClr val="black">
-                <a:alpha val="16000"/>
-              </a:prstClr>
-            </a:outerShdw>
-          </a:effectLst>
-          <a:scene3d>
-            <a:camera prst="perspectiveFront"/>
-            <a:lightRig rig="threePt" dir="t"/>
-          </a:scene3d>
-        </p:spPr>
-        <p:style>
-          <a:lnRef idx="2">
-            <a:schemeClr val="accent1">
-              <a:shade val="50000"/>
-            </a:schemeClr>
-          </a:lnRef>
-          <a:fillRef idx="1">
-            <a:schemeClr val="accent1"/>
-          </a:fillRef>
-          <a:effectRef idx="0">
-            <a:schemeClr val="accent1"/>
-          </a:effectRef>
-          <a:fontRef idx="minor">
-            <a:schemeClr val="lt1"/>
-          </a:fontRef>
-        </p:style>
-        <p:txBody>
-          <a:bodyPr tIns="144000" bIns="90000" rtlCol="0" anchor="ctr"/>
-          <a:lstStyle/>
-          <a:p>
-            <a:pPr algn="ctr" defTabSz="685800">
-              <a:defRPr/>
-            </a:pPr>
-            <a:r>
-              <a:rPr lang="en-US" sz="2000" dirty="0">
-                <a:solidFill>
-                  <a:schemeClr val="tx1"/>
-                </a:solidFill>
-                <a:latin typeface="Verdana" panose="020B0604030504040204" pitchFamily="34" charset="0"/>
-                <a:cs typeface="Poppins SemiBold" panose="00000700000000000000" pitchFamily="2" charset="0"/>
-              </a:rPr>
-              <a:t>Bill Gates (Microsoft)</a:t>
-            </a:r>
-            <a:endParaRPr lang="en-IN" sz="2000" dirty="0">
-              <a:solidFill>
-                <a:prstClr val="black"/>
-              </a:solidFill>
-              <a:latin typeface="Poppins SemiBold" panose="00000700000000000000" pitchFamily="2" charset="0"/>
-              <a:cs typeface="Poppins SemiBold" panose="00000700000000000000" pitchFamily="2" charset="0"/>
-            </a:endParaRPr>
-          </a:p>
-        </p:txBody>
-      </p:sp>
-      <p:sp>
-        <p:nvSpPr>
-          <p:cNvPr id="5" name="Rectangle 4">
-            <a:hlinkClick r:id="" action="ppaction://hlinkshowjump?jump=nextslide">
-              <a:snd r:embed="rId4" name="CorrectAnswerSFX.wav"/>
-            </a:hlinkClick>
-            <a:extLst>
-              <a:ext uri="{FF2B5EF4-FFF2-40B4-BE49-F238E27FC236}">
-                <a16:creationId xmlns:a16="http://schemas.microsoft.com/office/drawing/2014/main" id="{11A411AB-3628-4BD3-8F92-E851842AEEC9}"/>
-              </a:ext>
-            </a:extLst>
-          </p:cNvPr>
-          <p:cNvSpPr/>
-          <p:nvPr/>
-        </p:nvSpPr>
-        <p:spPr>
-          <a:xfrm>
-            <a:off x="6296298" y="2612571"/>
-            <a:ext cx="3971108" cy="1236618"/>
-          </a:xfrm>
-          <a:prstGeom prst="rect">
-            <a:avLst/>
-          </a:prstGeom>
-          <a:solidFill>
-            <a:schemeClr val="bg1"/>
-          </a:solidFill>
-          <a:ln>
-            <a:solidFill>
-              <a:schemeClr val="bg1">
-                <a:lumMod val="85000"/>
-              </a:schemeClr>
-            </a:solidFill>
-          </a:ln>
-          <a:effectLst>
-            <a:outerShdw blurRad="381000" dist="127000" dir="7080000" sx="94000" sy="94000" algn="t" rotWithShape="0">
-              <a:prstClr val="black">
-                <a:alpha val="16000"/>
-              </a:prstClr>
-            </a:outerShdw>
-          </a:effectLst>
-          <a:scene3d>
-            <a:camera prst="perspectiveFront"/>
-            <a:lightRig rig="threePt" dir="t"/>
-          </a:scene3d>
-        </p:spPr>
-        <p:style>
-          <a:lnRef idx="2">
-            <a:schemeClr val="accent1">
-              <a:shade val="50000"/>
-            </a:schemeClr>
-          </a:lnRef>
-          <a:fillRef idx="1">
-            <a:schemeClr val="accent1"/>
-          </a:fillRef>
-          <a:effectRef idx="0">
-            <a:schemeClr val="accent1"/>
-          </a:effectRef>
-          <a:fontRef idx="minor">
-            <a:schemeClr val="lt1"/>
-          </a:fontRef>
-        </p:style>
-        <p:txBody>
-          <a:bodyPr tIns="144000" bIns="90000" rtlCol="0" anchor="ctr"/>
-          <a:lstStyle/>
-          <a:p>
-            <a:pPr algn="ctr" defTabSz="685800"/>
-            <a:r>
-              <a:rPr lang="en-US" sz="2000" dirty="0">
-                <a:solidFill>
-                  <a:schemeClr val="tx1"/>
-                </a:solidFill>
-                <a:latin typeface="Verdana" panose="020B0604030504040204" pitchFamily="34" charset="0"/>
-                <a:cs typeface="Poppins SemiBold" panose="00000700000000000000" pitchFamily="2" charset="0"/>
-              </a:rPr>
-              <a:t>John Cleese (Monty Python)</a:t>
-            </a:r>
-            <a:endParaRPr lang="en-IN" sz="2000" dirty="0">
-              <a:solidFill>
-                <a:schemeClr val="tx1"/>
-              </a:solidFill>
-              <a:latin typeface="Poppins SemiBold" panose="00000700000000000000" pitchFamily="2" charset="0"/>
-              <a:cs typeface="Poppins SemiBold" panose="00000700000000000000" pitchFamily="2" charset="0"/>
-            </a:endParaRPr>
-          </a:p>
-        </p:txBody>
-      </p:sp>
-    </p:spTree>
-    <p:extLst>
-      <p:ext uri="{BB962C8B-B14F-4D97-AF65-F5344CB8AC3E}">
-        <p14:creationId xmlns:p14="http://schemas.microsoft.com/office/powerpoint/2010/main" val="1327421578"/>
+        <p14:creationId xmlns:p14="http://schemas.microsoft.com/office/powerpoint/2010/main" val="768855785"/>
       </p:ext>
     </p:extLst>
   </p:cSld>
@@ -10932,7 +11294,7 @@
     </p:spTree>
     <p:extLst>
       <p:ext uri="{BB962C8B-B14F-4D97-AF65-F5344CB8AC3E}">
-        <p14:creationId xmlns:p14="http://schemas.microsoft.com/office/powerpoint/2010/main" val="3316722039"/>
+        <p14:creationId xmlns:p14="http://schemas.microsoft.com/office/powerpoint/2010/main" val="2045854643"/>
       </p:ext>
     </p:extLst>
   </p:cSld>
@@ -11021,16 +11383,958 @@
           <a:bodyPr tIns="144000" bIns="90000" rtlCol="0" anchor="ctr"/>
           <a:lstStyle/>
           <a:p>
-            <a:pPr algn="ctr" defTabSz="685800"/>
+            <a:pPr algn="ctr" defTabSz="685800">
+              <a:defRPr/>
+            </a:pPr>
             <a:r>
               <a:rPr lang="en-US" sz="3200" dirty="0">
                 <a:solidFill>
-                  <a:schemeClr val="tx1"/>
+                  <a:prstClr val="black"/>
                 </a:solidFill>
                 <a:latin typeface="Poppins SemiBold" panose="00000700000000000000" pitchFamily="2" charset="0"/>
                 <a:cs typeface="Poppins SemiBold" panose="00000700000000000000" pitchFamily="2" charset="0"/>
               </a:rPr>
               <a:t>15. </a:t>
+            </a:r>
+            <a:r>
+              <a:rPr lang="es-ES" sz="3200" dirty="0">
+                <a:solidFill>
+                  <a:prstClr val="black"/>
+                </a:solidFill>
+                <a:latin typeface="Poppins SemiBold" panose="00000700000000000000" pitchFamily="2" charset="0"/>
+                <a:cs typeface="Poppins SemiBold" panose="00000700000000000000" pitchFamily="2" charset="0"/>
+              </a:rPr>
+              <a:t>¿Cual de estos patrones NO debes usar en Maui?</a:t>
+            </a:r>
+            <a:endParaRPr lang="en-IN" sz="3200" dirty="0">
+              <a:solidFill>
+                <a:prstClr val="black"/>
+              </a:solidFill>
+              <a:latin typeface="Poppins SemiBold" panose="00000700000000000000" pitchFamily="2" charset="0"/>
+              <a:cs typeface="Poppins SemiBold" panose="00000700000000000000" pitchFamily="2" charset="0"/>
+            </a:endParaRPr>
+          </a:p>
+        </p:txBody>
+      </p:sp>
+      <p:sp>
+        <p:nvSpPr>
+          <p:cNvPr id="3" name="Rectangle 2">
+            <a:hlinkClick r:id="rId2" action="ppaction://hlinksldjump">
+              <a:snd r:embed="rId3" name="WrongAnswerSFX.wav"/>
+            </a:hlinkClick>
+            <a:extLst>
+              <a:ext uri="{FF2B5EF4-FFF2-40B4-BE49-F238E27FC236}">
+                <a16:creationId xmlns:a16="http://schemas.microsoft.com/office/drawing/2014/main" id="{93EB3632-12C3-41FB-861E-57B9D53BBF65}"/>
+              </a:ext>
+            </a:extLst>
+          </p:cNvPr>
+          <p:cNvSpPr/>
+          <p:nvPr/>
+        </p:nvSpPr>
+        <p:spPr>
+          <a:xfrm>
+            <a:off x="1976846" y="2612571"/>
+            <a:ext cx="3971108" cy="1236618"/>
+          </a:xfrm>
+          <a:prstGeom prst="rect">
+            <a:avLst/>
+          </a:prstGeom>
+          <a:solidFill>
+            <a:schemeClr val="bg1"/>
+          </a:solidFill>
+          <a:ln>
+            <a:solidFill>
+              <a:schemeClr val="bg1">
+                <a:lumMod val="85000"/>
+              </a:schemeClr>
+            </a:solidFill>
+          </a:ln>
+          <a:effectLst>
+            <a:outerShdw blurRad="381000" dist="127000" dir="7080000" sx="94000" sy="94000" algn="t" rotWithShape="0">
+              <a:prstClr val="black">
+                <a:alpha val="16000"/>
+              </a:prstClr>
+            </a:outerShdw>
+          </a:effectLst>
+          <a:scene3d>
+            <a:camera prst="perspectiveFront"/>
+            <a:lightRig rig="threePt" dir="t"/>
+          </a:scene3d>
+        </p:spPr>
+        <p:style>
+          <a:lnRef idx="2">
+            <a:schemeClr val="accent1">
+              <a:shade val="50000"/>
+            </a:schemeClr>
+          </a:lnRef>
+          <a:fillRef idx="1">
+            <a:schemeClr val="accent1"/>
+          </a:fillRef>
+          <a:effectRef idx="0">
+            <a:schemeClr val="accent1"/>
+          </a:effectRef>
+          <a:fontRef idx="minor">
+            <a:schemeClr val="lt1"/>
+          </a:fontRef>
+        </p:style>
+        <p:txBody>
+          <a:bodyPr tIns="144000" bIns="90000" rtlCol="0" anchor="ctr"/>
+          <a:lstStyle/>
+          <a:p>
+            <a:pPr algn="ctr" defTabSz="685800"/>
+            <a:r>
+              <a:rPr lang="en-US" sz="2000" dirty="0">
+                <a:solidFill>
+                  <a:schemeClr val="tx1"/>
+                </a:solidFill>
+                <a:latin typeface="Verdana" panose="020B0604030504040204" pitchFamily="34" charset="0"/>
+                <a:cs typeface="Poppins SemiBold" panose="00000700000000000000" pitchFamily="2" charset="0"/>
+              </a:rPr>
+              <a:t>MVVM</a:t>
+            </a:r>
+            <a:endParaRPr lang="en-IN" sz="2000" dirty="0">
+              <a:solidFill>
+                <a:schemeClr val="tx1"/>
+              </a:solidFill>
+              <a:latin typeface="Poppins SemiBold" panose="00000700000000000000" pitchFamily="2" charset="0"/>
+              <a:cs typeface="Poppins SemiBold" panose="00000700000000000000" pitchFamily="2" charset="0"/>
+            </a:endParaRPr>
+          </a:p>
+        </p:txBody>
+      </p:sp>
+      <p:sp>
+        <p:nvSpPr>
+          <p:cNvPr id="5" name="Rectangle 4">
+            <a:hlinkClick r:id="" action="ppaction://hlinkshowjump?jump=nextslide">
+              <a:snd r:embed="rId4" name="CorrectAnswerSFX.wav"/>
+            </a:hlinkClick>
+            <a:extLst>
+              <a:ext uri="{FF2B5EF4-FFF2-40B4-BE49-F238E27FC236}">
+                <a16:creationId xmlns:a16="http://schemas.microsoft.com/office/drawing/2014/main" id="{11A411AB-3628-4BD3-8F92-E851842AEEC9}"/>
+              </a:ext>
+            </a:extLst>
+          </p:cNvPr>
+          <p:cNvSpPr/>
+          <p:nvPr/>
+        </p:nvSpPr>
+        <p:spPr>
+          <a:xfrm>
+            <a:off x="6296298" y="2612571"/>
+            <a:ext cx="3971108" cy="1236618"/>
+          </a:xfrm>
+          <a:prstGeom prst="rect">
+            <a:avLst/>
+          </a:prstGeom>
+          <a:solidFill>
+            <a:schemeClr val="bg1"/>
+          </a:solidFill>
+          <a:ln>
+            <a:solidFill>
+              <a:schemeClr val="bg1">
+                <a:lumMod val="85000"/>
+              </a:schemeClr>
+            </a:solidFill>
+          </a:ln>
+          <a:effectLst>
+            <a:outerShdw blurRad="381000" dist="127000" dir="7080000" sx="94000" sy="94000" algn="t" rotWithShape="0">
+              <a:prstClr val="black">
+                <a:alpha val="16000"/>
+              </a:prstClr>
+            </a:outerShdw>
+          </a:effectLst>
+          <a:scene3d>
+            <a:camera prst="perspectiveFront"/>
+            <a:lightRig rig="threePt" dir="t"/>
+          </a:scene3d>
+        </p:spPr>
+        <p:style>
+          <a:lnRef idx="2">
+            <a:schemeClr val="accent1">
+              <a:shade val="50000"/>
+            </a:schemeClr>
+          </a:lnRef>
+          <a:fillRef idx="1">
+            <a:schemeClr val="accent1"/>
+          </a:fillRef>
+          <a:effectRef idx="0">
+            <a:schemeClr val="accent1"/>
+          </a:effectRef>
+          <a:fontRef idx="minor">
+            <a:schemeClr val="lt1"/>
+          </a:fontRef>
+        </p:style>
+        <p:txBody>
+          <a:bodyPr tIns="144000" bIns="90000" rtlCol="0" anchor="ctr"/>
+          <a:lstStyle/>
+          <a:p>
+            <a:pPr algn="ctr" defTabSz="685800"/>
+            <a:r>
+              <a:rPr lang="en-US" sz="2000" b="0" i="0" dirty="0">
+                <a:solidFill>
+                  <a:schemeClr val="tx1"/>
+                </a:solidFill>
+                <a:effectLst/>
+                <a:latin typeface="Verdana" panose="020B0604030504040204" pitchFamily="34" charset="0"/>
+              </a:rPr>
+              <a:t>MVC</a:t>
+            </a:r>
+            <a:endParaRPr lang="en-IN" sz="2000" dirty="0">
+              <a:solidFill>
+                <a:schemeClr val="tx1"/>
+              </a:solidFill>
+              <a:latin typeface="Poppins SemiBold" panose="00000700000000000000" pitchFamily="2" charset="0"/>
+              <a:cs typeface="Poppins SemiBold" panose="00000700000000000000" pitchFamily="2" charset="0"/>
+            </a:endParaRPr>
+          </a:p>
+        </p:txBody>
+      </p:sp>
+    </p:spTree>
+    <p:extLst>
+      <p:ext uri="{BB962C8B-B14F-4D97-AF65-F5344CB8AC3E}">
+        <p14:creationId xmlns:p14="http://schemas.microsoft.com/office/powerpoint/2010/main" val="2465870924"/>
+      </p:ext>
+    </p:extLst>
+  </p:cSld>
+  <p:clrMapOvr>
+    <a:masterClrMapping/>
+  </p:clrMapOvr>
+</p:sld>
+</file>
+
+<file path=ppt/slides/slide32.xml><?xml version="1.0" encoding="utf-8"?>
+<p:sld xmlns:a="http://schemas.openxmlformats.org/drawingml/2006/main" xmlns:r="http://schemas.openxmlformats.org/officeDocument/2006/relationships" xmlns:p="http://schemas.openxmlformats.org/presentationml/2006/main">
+  <p:cSld>
+    <p:bg>
+      <p:bgPr>
+        <a:solidFill>
+          <a:srgbClr val="00B050"/>
+        </a:solidFill>
+        <a:effectLst/>
+      </p:bgPr>
+    </p:bg>
+    <p:spTree>
+      <p:nvGrpSpPr>
+        <p:cNvPr id="1" name=""/>
+        <p:cNvGrpSpPr/>
+        <p:nvPr/>
+      </p:nvGrpSpPr>
+      <p:grpSpPr>
+        <a:xfrm>
+          <a:off x="0" y="0"/>
+          <a:ext cx="0" cy="0"/>
+          <a:chOff x="0" y="0"/>
+          <a:chExt cx="0" cy="0"/>
+        </a:xfrm>
+      </p:grpSpPr>
+      <p:sp>
+        <p:nvSpPr>
+          <p:cNvPr id="2" name="TextBox 1">
+            <a:extLst>
+              <a:ext uri="{FF2B5EF4-FFF2-40B4-BE49-F238E27FC236}">
+                <a16:creationId xmlns:a16="http://schemas.microsoft.com/office/drawing/2014/main" id="{60075EE3-328C-49EE-B897-556D339C339C}"/>
+              </a:ext>
+            </a:extLst>
+          </p:cNvPr>
+          <p:cNvSpPr txBox="1"/>
+          <p:nvPr/>
+        </p:nvSpPr>
+        <p:spPr>
+          <a:xfrm>
+            <a:off x="2083523" y="1549357"/>
+            <a:ext cx="8024954" cy="923330"/>
+          </a:xfrm>
+          <a:prstGeom prst="rect">
+            <a:avLst/>
+          </a:prstGeom>
+          <a:noFill/>
+        </p:spPr>
+        <p:txBody>
+          <a:bodyPr wrap="none" rtlCol="0">
+            <a:spAutoFit/>
+          </a:bodyPr>
+          <a:lstStyle/>
+          <a:p>
+            <a:pPr>
+              <a:defRPr/>
+            </a:pPr>
+            <a:r>
+              <a:rPr lang="en-US" sz="5400" b="1" dirty="0">
+                <a:solidFill>
+                  <a:prstClr val="white"/>
+                </a:solidFill>
+                <a:latin typeface="Poppins"/>
+              </a:rPr>
+              <a:t>RESPUESTA CORRECTA</a:t>
+            </a:r>
+            <a:endParaRPr lang="en-IN" sz="5400" b="1" dirty="0">
+              <a:solidFill>
+                <a:prstClr val="white"/>
+              </a:solidFill>
+              <a:latin typeface="Poppins"/>
+            </a:endParaRPr>
+          </a:p>
+        </p:txBody>
+      </p:sp>
+      <p:sp>
+        <p:nvSpPr>
+          <p:cNvPr id="3" name="Rectangle 2">
+            <a:hlinkClick r:id="" action="ppaction://hlinkshowjump?jump=nextslide"/>
+            <a:extLst>
+              <a:ext uri="{FF2B5EF4-FFF2-40B4-BE49-F238E27FC236}">
+                <a16:creationId xmlns:a16="http://schemas.microsoft.com/office/drawing/2014/main" id="{3E95FE85-01E9-48D9-93B4-B3632117840E}"/>
+              </a:ext>
+            </a:extLst>
+          </p:cNvPr>
+          <p:cNvSpPr/>
+          <p:nvPr/>
+        </p:nvSpPr>
+        <p:spPr>
+          <a:xfrm>
+            <a:off x="4837611" y="3688666"/>
+            <a:ext cx="2516777" cy="696648"/>
+          </a:xfrm>
+          <a:prstGeom prst="rect">
+            <a:avLst/>
+          </a:prstGeom>
+          <a:solidFill>
+            <a:schemeClr val="bg1"/>
+          </a:solidFill>
+          <a:ln>
+            <a:solidFill>
+              <a:schemeClr val="bg1">
+                <a:lumMod val="85000"/>
+              </a:schemeClr>
+            </a:solidFill>
+          </a:ln>
+          <a:effectLst>
+            <a:outerShdw blurRad="381000" dist="127000" dir="7080000" sx="94000" sy="94000" algn="t" rotWithShape="0">
+              <a:prstClr val="black">
+                <a:alpha val="16000"/>
+              </a:prstClr>
+            </a:outerShdw>
+          </a:effectLst>
+          <a:scene3d>
+            <a:camera prst="perspectiveFront"/>
+            <a:lightRig rig="threePt" dir="t"/>
+          </a:scene3d>
+        </p:spPr>
+        <p:style>
+          <a:lnRef idx="2">
+            <a:schemeClr val="accent1">
+              <a:shade val="50000"/>
+            </a:schemeClr>
+          </a:lnRef>
+          <a:fillRef idx="1">
+            <a:schemeClr val="accent1"/>
+          </a:fillRef>
+          <a:effectRef idx="0">
+            <a:schemeClr val="accent1"/>
+          </a:effectRef>
+          <a:fontRef idx="minor">
+            <a:schemeClr val="lt1"/>
+          </a:fontRef>
+        </p:style>
+        <p:txBody>
+          <a:bodyPr tIns="144000" bIns="90000" rtlCol="0" anchor="ctr"/>
+          <a:lstStyle/>
+          <a:p>
+            <a:pPr algn="ctr" defTabSz="685800">
+              <a:defRPr/>
+            </a:pPr>
+            <a:r>
+              <a:rPr lang="en-US" sz="2000" dirty="0" err="1">
+                <a:solidFill>
+                  <a:prstClr val="black"/>
+                </a:solidFill>
+                <a:latin typeface="Poppins SemiBold" panose="00000700000000000000" pitchFamily="2" charset="0"/>
+                <a:cs typeface="Poppins SemiBold" panose="00000700000000000000" pitchFamily="2" charset="0"/>
+              </a:rPr>
+              <a:t>Siguiente</a:t>
+            </a:r>
+            <a:endParaRPr lang="en-IN" sz="2000" dirty="0">
+              <a:solidFill>
+                <a:prstClr val="black"/>
+              </a:solidFill>
+              <a:latin typeface="Poppins SemiBold" panose="00000700000000000000" pitchFamily="2" charset="0"/>
+              <a:cs typeface="Poppins SemiBold" panose="00000700000000000000" pitchFamily="2" charset="0"/>
+            </a:endParaRPr>
+          </a:p>
+        </p:txBody>
+      </p:sp>
+    </p:spTree>
+    <p:extLst>
+      <p:ext uri="{BB962C8B-B14F-4D97-AF65-F5344CB8AC3E}">
+        <p14:creationId xmlns:p14="http://schemas.microsoft.com/office/powerpoint/2010/main" val="1615700638"/>
+      </p:ext>
+    </p:extLst>
+  </p:cSld>
+  <p:clrMapOvr>
+    <a:masterClrMapping/>
+  </p:clrMapOvr>
+</p:sld>
+</file>
+
+<file path=ppt/slides/slide33.xml><?xml version="1.0" encoding="utf-8"?>
+<p:sld xmlns:a="http://schemas.openxmlformats.org/drawingml/2006/main" xmlns:r="http://schemas.openxmlformats.org/officeDocument/2006/relationships" xmlns:p="http://schemas.openxmlformats.org/presentationml/2006/main">
+  <p:cSld>
+    <p:spTree>
+      <p:nvGrpSpPr>
+        <p:cNvPr id="1" name=""/>
+        <p:cNvGrpSpPr/>
+        <p:nvPr/>
+      </p:nvGrpSpPr>
+      <p:grpSpPr>
+        <a:xfrm>
+          <a:off x="0" y="0"/>
+          <a:ext cx="0" cy="0"/>
+          <a:chOff x="0" y="0"/>
+          <a:chExt cx="0" cy="0"/>
+        </a:xfrm>
+      </p:grpSpPr>
+      <p:sp>
+        <p:nvSpPr>
+          <p:cNvPr id="2" name="Rectangle 1">
+            <a:extLst>
+              <a:ext uri="{FF2B5EF4-FFF2-40B4-BE49-F238E27FC236}">
+                <a16:creationId xmlns:a16="http://schemas.microsoft.com/office/drawing/2014/main" id="{29228A24-4A1B-41B0-A802-CD51398332B9}"/>
+              </a:ext>
+            </a:extLst>
+          </p:cNvPr>
+          <p:cNvSpPr/>
+          <p:nvPr/>
+        </p:nvSpPr>
+        <p:spPr>
+          <a:xfrm>
+            <a:off x="1976846" y="435429"/>
+            <a:ext cx="8290560" cy="1898468"/>
+          </a:xfrm>
+          <a:prstGeom prst="rect">
+            <a:avLst/>
+          </a:prstGeom>
+          <a:solidFill>
+            <a:srgbClr val="FFFF00"/>
+          </a:solidFill>
+          <a:ln>
+            <a:solidFill>
+              <a:schemeClr val="bg1">
+                <a:lumMod val="85000"/>
+              </a:schemeClr>
+            </a:solidFill>
+          </a:ln>
+          <a:effectLst>
+            <a:outerShdw blurRad="381000" dist="127000" dir="7080000" sx="94000" sy="94000" algn="t" rotWithShape="0">
+              <a:prstClr val="black">
+                <a:alpha val="16000"/>
+              </a:prstClr>
+            </a:outerShdw>
+          </a:effectLst>
+          <a:scene3d>
+            <a:camera prst="perspectiveFront"/>
+            <a:lightRig rig="threePt" dir="t"/>
+          </a:scene3d>
+        </p:spPr>
+        <p:style>
+          <a:lnRef idx="2">
+            <a:schemeClr val="accent1">
+              <a:shade val="50000"/>
+            </a:schemeClr>
+          </a:lnRef>
+          <a:fillRef idx="1">
+            <a:schemeClr val="accent1"/>
+          </a:fillRef>
+          <a:effectRef idx="0">
+            <a:schemeClr val="accent1"/>
+          </a:effectRef>
+          <a:fontRef idx="minor">
+            <a:schemeClr val="lt1"/>
+          </a:fontRef>
+        </p:style>
+        <p:txBody>
+          <a:bodyPr tIns="144000" bIns="90000" rtlCol="0" anchor="ctr"/>
+          <a:lstStyle/>
+          <a:p>
+            <a:pPr algn="ctr" defTabSz="685800">
+              <a:defRPr/>
+            </a:pPr>
+            <a:r>
+              <a:rPr lang="en-US" sz="3200" dirty="0">
+                <a:solidFill>
+                  <a:prstClr val="black"/>
+                </a:solidFill>
+                <a:latin typeface="Poppins SemiBold" panose="00000700000000000000" pitchFamily="2" charset="0"/>
+                <a:cs typeface="Poppins SemiBold" panose="00000700000000000000" pitchFamily="2" charset="0"/>
+              </a:rPr>
+              <a:t>16. </a:t>
+            </a:r>
+            <a:r>
+              <a:rPr lang="es-ES" sz="3200" dirty="0">
+                <a:solidFill>
+                  <a:prstClr val="black"/>
+                </a:solidFill>
+                <a:latin typeface="Poppins SemiBold" panose="00000700000000000000" pitchFamily="2" charset="0"/>
+                <a:cs typeface="Poppins SemiBold" panose="00000700000000000000" pitchFamily="2" charset="0"/>
+              </a:rPr>
+              <a:t>¿De quién es la frase "Hablar a la gente sobre la creatividad es fácil. Es ser creativo lo que es difícil"?</a:t>
+            </a:r>
+            <a:endParaRPr lang="en-IN" sz="3200" dirty="0">
+              <a:solidFill>
+                <a:prstClr val="black"/>
+              </a:solidFill>
+              <a:latin typeface="Poppins SemiBold" panose="00000700000000000000" pitchFamily="2" charset="0"/>
+              <a:cs typeface="Poppins SemiBold" panose="00000700000000000000" pitchFamily="2" charset="0"/>
+            </a:endParaRPr>
+          </a:p>
+        </p:txBody>
+      </p:sp>
+      <p:sp>
+        <p:nvSpPr>
+          <p:cNvPr id="3" name="Rectangle 2">
+            <a:hlinkClick r:id="rId2" action="ppaction://hlinksldjump">
+              <a:snd r:embed="rId3" name="WrongAnswerSFX.wav"/>
+            </a:hlinkClick>
+            <a:extLst>
+              <a:ext uri="{FF2B5EF4-FFF2-40B4-BE49-F238E27FC236}">
+                <a16:creationId xmlns:a16="http://schemas.microsoft.com/office/drawing/2014/main" id="{93EB3632-12C3-41FB-861E-57B9D53BBF65}"/>
+              </a:ext>
+            </a:extLst>
+          </p:cNvPr>
+          <p:cNvSpPr/>
+          <p:nvPr/>
+        </p:nvSpPr>
+        <p:spPr>
+          <a:xfrm>
+            <a:off x="1976846" y="2612571"/>
+            <a:ext cx="3971108" cy="1236618"/>
+          </a:xfrm>
+          <a:prstGeom prst="rect">
+            <a:avLst/>
+          </a:prstGeom>
+          <a:solidFill>
+            <a:schemeClr val="bg1"/>
+          </a:solidFill>
+          <a:ln>
+            <a:solidFill>
+              <a:schemeClr val="bg1">
+                <a:lumMod val="85000"/>
+              </a:schemeClr>
+            </a:solidFill>
+          </a:ln>
+          <a:effectLst>
+            <a:outerShdw blurRad="381000" dist="127000" dir="7080000" sx="94000" sy="94000" algn="t" rotWithShape="0">
+              <a:prstClr val="black">
+                <a:alpha val="16000"/>
+              </a:prstClr>
+            </a:outerShdw>
+          </a:effectLst>
+          <a:scene3d>
+            <a:camera prst="perspectiveFront"/>
+            <a:lightRig rig="threePt" dir="t"/>
+          </a:scene3d>
+        </p:spPr>
+        <p:style>
+          <a:lnRef idx="2">
+            <a:schemeClr val="accent1">
+              <a:shade val="50000"/>
+            </a:schemeClr>
+          </a:lnRef>
+          <a:fillRef idx="1">
+            <a:schemeClr val="accent1"/>
+          </a:fillRef>
+          <a:effectRef idx="0">
+            <a:schemeClr val="accent1"/>
+          </a:effectRef>
+          <a:fontRef idx="minor">
+            <a:schemeClr val="lt1"/>
+          </a:fontRef>
+        </p:style>
+        <p:txBody>
+          <a:bodyPr tIns="144000" bIns="90000" rtlCol="0" anchor="ctr"/>
+          <a:lstStyle/>
+          <a:p>
+            <a:pPr algn="ctr" defTabSz="685800">
+              <a:defRPr/>
+            </a:pPr>
+            <a:r>
+              <a:rPr lang="en-US" sz="2000" dirty="0">
+                <a:solidFill>
+                  <a:schemeClr val="tx1"/>
+                </a:solidFill>
+                <a:latin typeface="Verdana" panose="020B0604030504040204" pitchFamily="34" charset="0"/>
+                <a:cs typeface="Poppins SemiBold" panose="00000700000000000000" pitchFamily="2" charset="0"/>
+              </a:rPr>
+              <a:t>Bill Gates (Microsoft)</a:t>
+            </a:r>
+            <a:endParaRPr lang="en-IN" sz="2000" dirty="0">
+              <a:solidFill>
+                <a:prstClr val="black"/>
+              </a:solidFill>
+              <a:latin typeface="Poppins SemiBold" panose="00000700000000000000" pitchFamily="2" charset="0"/>
+              <a:cs typeface="Poppins SemiBold" panose="00000700000000000000" pitchFamily="2" charset="0"/>
+            </a:endParaRPr>
+          </a:p>
+        </p:txBody>
+      </p:sp>
+      <p:sp>
+        <p:nvSpPr>
+          <p:cNvPr id="5" name="Rectangle 4">
+            <a:hlinkClick r:id="" action="ppaction://hlinkshowjump?jump=nextslide">
+              <a:snd r:embed="rId4" name="CorrectAnswerSFX.wav"/>
+            </a:hlinkClick>
+            <a:extLst>
+              <a:ext uri="{FF2B5EF4-FFF2-40B4-BE49-F238E27FC236}">
+                <a16:creationId xmlns:a16="http://schemas.microsoft.com/office/drawing/2014/main" id="{11A411AB-3628-4BD3-8F92-E851842AEEC9}"/>
+              </a:ext>
+            </a:extLst>
+          </p:cNvPr>
+          <p:cNvSpPr/>
+          <p:nvPr/>
+        </p:nvSpPr>
+        <p:spPr>
+          <a:xfrm>
+            <a:off x="6296298" y="2612571"/>
+            <a:ext cx="3971108" cy="1236618"/>
+          </a:xfrm>
+          <a:prstGeom prst="rect">
+            <a:avLst/>
+          </a:prstGeom>
+          <a:solidFill>
+            <a:schemeClr val="bg1"/>
+          </a:solidFill>
+          <a:ln>
+            <a:solidFill>
+              <a:schemeClr val="bg1">
+                <a:lumMod val="85000"/>
+              </a:schemeClr>
+            </a:solidFill>
+          </a:ln>
+          <a:effectLst>
+            <a:outerShdw blurRad="381000" dist="127000" dir="7080000" sx="94000" sy="94000" algn="t" rotWithShape="0">
+              <a:prstClr val="black">
+                <a:alpha val="16000"/>
+              </a:prstClr>
+            </a:outerShdw>
+          </a:effectLst>
+          <a:scene3d>
+            <a:camera prst="perspectiveFront"/>
+            <a:lightRig rig="threePt" dir="t"/>
+          </a:scene3d>
+        </p:spPr>
+        <p:style>
+          <a:lnRef idx="2">
+            <a:schemeClr val="accent1">
+              <a:shade val="50000"/>
+            </a:schemeClr>
+          </a:lnRef>
+          <a:fillRef idx="1">
+            <a:schemeClr val="accent1"/>
+          </a:fillRef>
+          <a:effectRef idx="0">
+            <a:schemeClr val="accent1"/>
+          </a:effectRef>
+          <a:fontRef idx="minor">
+            <a:schemeClr val="lt1"/>
+          </a:fontRef>
+        </p:style>
+        <p:txBody>
+          <a:bodyPr tIns="144000" bIns="90000" rtlCol="0" anchor="ctr"/>
+          <a:lstStyle/>
+          <a:p>
+            <a:pPr algn="ctr" defTabSz="685800"/>
+            <a:r>
+              <a:rPr lang="en-US" sz="2000" dirty="0">
+                <a:solidFill>
+                  <a:schemeClr val="tx1"/>
+                </a:solidFill>
+                <a:latin typeface="Verdana" panose="020B0604030504040204" pitchFamily="34" charset="0"/>
+                <a:cs typeface="Poppins SemiBold" panose="00000700000000000000" pitchFamily="2" charset="0"/>
+              </a:rPr>
+              <a:t>John Cleese (Monty Python)</a:t>
+            </a:r>
+            <a:endParaRPr lang="en-IN" sz="2000" dirty="0">
+              <a:solidFill>
+                <a:schemeClr val="tx1"/>
+              </a:solidFill>
+              <a:latin typeface="Poppins SemiBold" panose="00000700000000000000" pitchFamily="2" charset="0"/>
+              <a:cs typeface="Poppins SemiBold" panose="00000700000000000000" pitchFamily="2" charset="0"/>
+            </a:endParaRPr>
+          </a:p>
+        </p:txBody>
+      </p:sp>
+    </p:spTree>
+    <p:extLst>
+      <p:ext uri="{BB962C8B-B14F-4D97-AF65-F5344CB8AC3E}">
+        <p14:creationId xmlns:p14="http://schemas.microsoft.com/office/powerpoint/2010/main" val="1327421578"/>
+      </p:ext>
+    </p:extLst>
+  </p:cSld>
+  <p:clrMapOvr>
+    <a:masterClrMapping/>
+  </p:clrMapOvr>
+</p:sld>
+</file>
+
+<file path=ppt/slides/slide34.xml><?xml version="1.0" encoding="utf-8"?>
+<p:sld xmlns:a="http://schemas.openxmlformats.org/drawingml/2006/main" xmlns:r="http://schemas.openxmlformats.org/officeDocument/2006/relationships" xmlns:p="http://schemas.openxmlformats.org/presentationml/2006/main">
+  <p:cSld>
+    <p:bg>
+      <p:bgPr>
+        <a:solidFill>
+          <a:srgbClr val="00B050"/>
+        </a:solidFill>
+        <a:effectLst/>
+      </p:bgPr>
+    </p:bg>
+    <p:spTree>
+      <p:nvGrpSpPr>
+        <p:cNvPr id="1" name=""/>
+        <p:cNvGrpSpPr/>
+        <p:nvPr/>
+      </p:nvGrpSpPr>
+      <p:grpSpPr>
+        <a:xfrm>
+          <a:off x="0" y="0"/>
+          <a:ext cx="0" cy="0"/>
+          <a:chOff x="0" y="0"/>
+          <a:chExt cx="0" cy="0"/>
+        </a:xfrm>
+      </p:grpSpPr>
+      <p:sp>
+        <p:nvSpPr>
+          <p:cNvPr id="2" name="TextBox 1">
+            <a:extLst>
+              <a:ext uri="{FF2B5EF4-FFF2-40B4-BE49-F238E27FC236}">
+                <a16:creationId xmlns:a16="http://schemas.microsoft.com/office/drawing/2014/main" id="{60075EE3-328C-49EE-B897-556D339C339C}"/>
+              </a:ext>
+            </a:extLst>
+          </p:cNvPr>
+          <p:cNvSpPr txBox="1"/>
+          <p:nvPr/>
+        </p:nvSpPr>
+        <p:spPr>
+          <a:xfrm>
+            <a:off x="2083523" y="1549357"/>
+            <a:ext cx="8024954" cy="923330"/>
+          </a:xfrm>
+          <a:prstGeom prst="rect">
+            <a:avLst/>
+          </a:prstGeom>
+          <a:noFill/>
+        </p:spPr>
+        <p:txBody>
+          <a:bodyPr wrap="none" rtlCol="0">
+            <a:spAutoFit/>
+          </a:bodyPr>
+          <a:lstStyle/>
+          <a:p>
+            <a:pPr>
+              <a:defRPr/>
+            </a:pPr>
+            <a:r>
+              <a:rPr lang="en-US" sz="5400" b="1" dirty="0">
+                <a:solidFill>
+                  <a:prstClr val="white"/>
+                </a:solidFill>
+                <a:latin typeface="Poppins"/>
+              </a:rPr>
+              <a:t>RESPUESTA CORRECTA</a:t>
+            </a:r>
+            <a:endParaRPr lang="en-IN" sz="5400" b="1" dirty="0">
+              <a:solidFill>
+                <a:prstClr val="white"/>
+              </a:solidFill>
+              <a:latin typeface="Poppins"/>
+            </a:endParaRPr>
+          </a:p>
+        </p:txBody>
+      </p:sp>
+      <p:sp>
+        <p:nvSpPr>
+          <p:cNvPr id="3" name="Rectangle 2">
+            <a:hlinkClick r:id="" action="ppaction://hlinkshowjump?jump=nextslide"/>
+            <a:extLst>
+              <a:ext uri="{FF2B5EF4-FFF2-40B4-BE49-F238E27FC236}">
+                <a16:creationId xmlns:a16="http://schemas.microsoft.com/office/drawing/2014/main" id="{3E95FE85-01E9-48D9-93B4-B3632117840E}"/>
+              </a:ext>
+            </a:extLst>
+          </p:cNvPr>
+          <p:cNvSpPr/>
+          <p:nvPr/>
+        </p:nvSpPr>
+        <p:spPr>
+          <a:xfrm>
+            <a:off x="4837611" y="3688666"/>
+            <a:ext cx="2516777" cy="696648"/>
+          </a:xfrm>
+          <a:prstGeom prst="rect">
+            <a:avLst/>
+          </a:prstGeom>
+          <a:solidFill>
+            <a:schemeClr val="bg1"/>
+          </a:solidFill>
+          <a:ln>
+            <a:solidFill>
+              <a:schemeClr val="bg1">
+                <a:lumMod val="85000"/>
+              </a:schemeClr>
+            </a:solidFill>
+          </a:ln>
+          <a:effectLst>
+            <a:outerShdw blurRad="381000" dist="127000" dir="7080000" sx="94000" sy="94000" algn="t" rotWithShape="0">
+              <a:prstClr val="black">
+                <a:alpha val="16000"/>
+              </a:prstClr>
+            </a:outerShdw>
+          </a:effectLst>
+          <a:scene3d>
+            <a:camera prst="perspectiveFront"/>
+            <a:lightRig rig="threePt" dir="t"/>
+          </a:scene3d>
+        </p:spPr>
+        <p:style>
+          <a:lnRef idx="2">
+            <a:schemeClr val="accent1">
+              <a:shade val="50000"/>
+            </a:schemeClr>
+          </a:lnRef>
+          <a:fillRef idx="1">
+            <a:schemeClr val="accent1"/>
+          </a:fillRef>
+          <a:effectRef idx="0">
+            <a:schemeClr val="accent1"/>
+          </a:effectRef>
+          <a:fontRef idx="minor">
+            <a:schemeClr val="lt1"/>
+          </a:fontRef>
+        </p:style>
+        <p:txBody>
+          <a:bodyPr tIns="144000" bIns="90000" rtlCol="0" anchor="ctr"/>
+          <a:lstStyle/>
+          <a:p>
+            <a:pPr algn="ctr" defTabSz="685800">
+              <a:defRPr/>
+            </a:pPr>
+            <a:r>
+              <a:rPr lang="en-US" sz="2000" dirty="0" err="1">
+                <a:solidFill>
+                  <a:prstClr val="black"/>
+                </a:solidFill>
+                <a:latin typeface="Poppins SemiBold" panose="00000700000000000000" pitchFamily="2" charset="0"/>
+                <a:cs typeface="Poppins SemiBold" panose="00000700000000000000" pitchFamily="2" charset="0"/>
+              </a:rPr>
+              <a:t>Siguiente</a:t>
+            </a:r>
+            <a:endParaRPr lang="en-IN" sz="2000" dirty="0">
+              <a:solidFill>
+                <a:prstClr val="black"/>
+              </a:solidFill>
+              <a:latin typeface="Poppins SemiBold" panose="00000700000000000000" pitchFamily="2" charset="0"/>
+              <a:cs typeface="Poppins SemiBold" panose="00000700000000000000" pitchFamily="2" charset="0"/>
+            </a:endParaRPr>
+          </a:p>
+        </p:txBody>
+      </p:sp>
+    </p:spTree>
+    <p:extLst>
+      <p:ext uri="{BB962C8B-B14F-4D97-AF65-F5344CB8AC3E}">
+        <p14:creationId xmlns:p14="http://schemas.microsoft.com/office/powerpoint/2010/main" val="3316722039"/>
+      </p:ext>
+    </p:extLst>
+  </p:cSld>
+  <p:clrMapOvr>
+    <a:masterClrMapping/>
+  </p:clrMapOvr>
+</p:sld>
+</file>
+
+<file path=ppt/slides/slide35.xml><?xml version="1.0" encoding="utf-8"?>
+<p:sld xmlns:a="http://schemas.openxmlformats.org/drawingml/2006/main" xmlns:r="http://schemas.openxmlformats.org/officeDocument/2006/relationships" xmlns:p="http://schemas.openxmlformats.org/presentationml/2006/main">
+  <p:cSld>
+    <p:spTree>
+      <p:nvGrpSpPr>
+        <p:cNvPr id="1" name=""/>
+        <p:cNvGrpSpPr/>
+        <p:nvPr/>
+      </p:nvGrpSpPr>
+      <p:grpSpPr>
+        <a:xfrm>
+          <a:off x="0" y="0"/>
+          <a:ext cx="0" cy="0"/>
+          <a:chOff x="0" y="0"/>
+          <a:chExt cx="0" cy="0"/>
+        </a:xfrm>
+      </p:grpSpPr>
+      <p:sp>
+        <p:nvSpPr>
+          <p:cNvPr id="2" name="Rectangle 1">
+            <a:extLst>
+              <a:ext uri="{FF2B5EF4-FFF2-40B4-BE49-F238E27FC236}">
+                <a16:creationId xmlns:a16="http://schemas.microsoft.com/office/drawing/2014/main" id="{29228A24-4A1B-41B0-A802-CD51398332B9}"/>
+              </a:ext>
+            </a:extLst>
+          </p:cNvPr>
+          <p:cNvSpPr/>
+          <p:nvPr/>
+        </p:nvSpPr>
+        <p:spPr>
+          <a:xfrm>
+            <a:off x="1976846" y="435429"/>
+            <a:ext cx="8290560" cy="1898468"/>
+          </a:xfrm>
+          <a:prstGeom prst="rect">
+            <a:avLst/>
+          </a:prstGeom>
+          <a:solidFill>
+            <a:srgbClr val="FFFF00"/>
+          </a:solidFill>
+          <a:ln>
+            <a:solidFill>
+              <a:schemeClr val="bg1">
+                <a:lumMod val="85000"/>
+              </a:schemeClr>
+            </a:solidFill>
+          </a:ln>
+          <a:effectLst>
+            <a:outerShdw blurRad="381000" dist="127000" dir="7080000" sx="94000" sy="94000" algn="t" rotWithShape="0">
+              <a:prstClr val="black">
+                <a:alpha val="16000"/>
+              </a:prstClr>
+            </a:outerShdw>
+          </a:effectLst>
+          <a:scene3d>
+            <a:camera prst="perspectiveFront"/>
+            <a:lightRig rig="threePt" dir="t"/>
+          </a:scene3d>
+        </p:spPr>
+        <p:style>
+          <a:lnRef idx="2">
+            <a:schemeClr val="accent1">
+              <a:shade val="50000"/>
+            </a:schemeClr>
+          </a:lnRef>
+          <a:fillRef idx="1">
+            <a:schemeClr val="accent1"/>
+          </a:fillRef>
+          <a:effectRef idx="0">
+            <a:schemeClr val="accent1"/>
+          </a:effectRef>
+          <a:fontRef idx="minor">
+            <a:schemeClr val="lt1"/>
+          </a:fontRef>
+        </p:style>
+        <p:txBody>
+          <a:bodyPr tIns="144000" bIns="90000" rtlCol="0" anchor="ctr"/>
+          <a:lstStyle/>
+          <a:p>
+            <a:pPr algn="ctr" defTabSz="685800"/>
+            <a:r>
+              <a:rPr lang="en-US" sz="3200" dirty="0">
+                <a:solidFill>
+                  <a:schemeClr val="tx1"/>
+                </a:solidFill>
+                <a:latin typeface="Poppins SemiBold" panose="00000700000000000000" pitchFamily="2" charset="0"/>
+                <a:cs typeface="Poppins SemiBold" panose="00000700000000000000" pitchFamily="2" charset="0"/>
+              </a:rPr>
+              <a:t>17. </a:t>
             </a:r>
             <a:r>
               <a:rPr lang="en-US" sz="3200" dirty="0">
@@ -11307,7 +12611,7 @@
 </p:sld>
 </file>
 
-<file path=ppt/slides/slide32.xml><?xml version="1.0" encoding="utf-8"?>
+<file path=ppt/slides/slide36.xml><?xml version="1.0" encoding="utf-8"?>
 <p:sld xmlns:a="http://schemas.openxmlformats.org/drawingml/2006/main" xmlns:r="http://schemas.openxmlformats.org/officeDocument/2006/relationships" xmlns:p="http://schemas.openxmlformats.org/presentationml/2006/main">
   <p:cSld>
     <p:bg>
@@ -11480,7 +12784,7 @@
 </p:sld>
 </file>
 
-<file path=ppt/slides/slide33.xml><?xml version="1.0" encoding="utf-8"?>
+<file path=ppt/slides/slide37.xml><?xml version="1.0" encoding="utf-8"?>
 <p:sld xmlns:a="http://schemas.openxmlformats.org/drawingml/2006/main" xmlns:r="http://schemas.openxmlformats.org/officeDocument/2006/relationships" xmlns:p="http://schemas.openxmlformats.org/presentationml/2006/main">
   <p:cSld>
     <p:spTree>
@@ -11568,7 +12872,7 @@
                 <a:latin typeface="Poppins SemiBold" panose="00000700000000000000" pitchFamily="2" charset="0"/>
                 <a:cs typeface="Poppins SemiBold" panose="00000700000000000000" pitchFamily="2" charset="0"/>
               </a:rPr>
-              <a:t>16. </a:t>
+              <a:t>18. </a:t>
             </a:r>
             <a:r>
               <a:rPr lang="en-US" sz="3200" b="0" i="0" dirty="0">
@@ -11815,7 +13119,7 @@
 </p:sld>
 </file>
 
-<file path=ppt/slides/slide34.xml><?xml version="1.0" encoding="utf-8"?>
+<file path=ppt/slides/slide38.xml><?xml version="1.0" encoding="utf-8"?>
 <p:sld xmlns:a="http://schemas.openxmlformats.org/drawingml/2006/main" xmlns:r="http://schemas.openxmlformats.org/officeDocument/2006/relationships" xmlns:p="http://schemas.openxmlformats.org/presentationml/2006/main">
   <p:cSld>
     <p:bg>
@@ -11988,7 +13292,7 @@
 </p:sld>
 </file>
 
-<file path=ppt/slides/slide35.xml><?xml version="1.0" encoding="utf-8"?>
+<file path=ppt/slides/slide39.xml><?xml version="1.0" encoding="utf-8"?>
 <p:sld xmlns:a="http://schemas.openxmlformats.org/drawingml/2006/main" xmlns:r="http://schemas.openxmlformats.org/officeDocument/2006/relationships" xmlns:p="http://schemas.openxmlformats.org/presentationml/2006/main">
   <p:cSld>
     <p:spTree>
@@ -12076,7 +13380,7 @@
                 <a:latin typeface="Poppins SemiBold" panose="00000700000000000000" pitchFamily="2" charset="0"/>
                 <a:cs typeface="Poppins SemiBold" panose="00000700000000000000" pitchFamily="2" charset="0"/>
               </a:rPr>
-              <a:t>17. </a:t>
+              <a:t>18. </a:t>
             </a:r>
             <a:r>
               <a:rPr lang="en-US" sz="3200" dirty="0">
@@ -12363,942 +13667,6 @@
 </p:sld>
 </file>
 
-<file path=ppt/slides/slide36.xml><?xml version="1.0" encoding="utf-8"?>
-<p:sld xmlns:a="http://schemas.openxmlformats.org/drawingml/2006/main" xmlns:r="http://schemas.openxmlformats.org/officeDocument/2006/relationships" xmlns:p="http://schemas.openxmlformats.org/presentationml/2006/main">
-  <p:cSld>
-    <p:bg>
-      <p:bgPr>
-        <a:solidFill>
-          <a:srgbClr val="00B050"/>
-        </a:solidFill>
-        <a:effectLst/>
-      </p:bgPr>
-    </p:bg>
-    <p:spTree>
-      <p:nvGrpSpPr>
-        <p:cNvPr id="1" name=""/>
-        <p:cNvGrpSpPr/>
-        <p:nvPr/>
-      </p:nvGrpSpPr>
-      <p:grpSpPr>
-        <a:xfrm>
-          <a:off x="0" y="0"/>
-          <a:ext cx="0" cy="0"/>
-          <a:chOff x="0" y="0"/>
-          <a:chExt cx="0" cy="0"/>
-        </a:xfrm>
-      </p:grpSpPr>
-      <p:sp>
-        <p:nvSpPr>
-          <p:cNvPr id="2" name="TextBox 1">
-            <a:extLst>
-              <a:ext uri="{FF2B5EF4-FFF2-40B4-BE49-F238E27FC236}">
-                <a16:creationId xmlns:a16="http://schemas.microsoft.com/office/drawing/2014/main" id="{60075EE3-328C-49EE-B897-556D339C339C}"/>
-              </a:ext>
-            </a:extLst>
-          </p:cNvPr>
-          <p:cNvSpPr txBox="1"/>
-          <p:nvPr/>
-        </p:nvSpPr>
-        <p:spPr>
-          <a:xfrm>
-            <a:off x="2083523" y="1549357"/>
-            <a:ext cx="8024954" cy="923330"/>
-          </a:xfrm>
-          <a:prstGeom prst="rect">
-            <a:avLst/>
-          </a:prstGeom>
-          <a:noFill/>
-        </p:spPr>
-        <p:txBody>
-          <a:bodyPr wrap="none" rtlCol="0">
-            <a:spAutoFit/>
-          </a:bodyPr>
-          <a:lstStyle/>
-          <a:p>
-            <a:pPr>
-              <a:defRPr/>
-            </a:pPr>
-            <a:r>
-              <a:rPr lang="en-US" sz="5400" b="1" dirty="0">
-                <a:solidFill>
-                  <a:prstClr val="white"/>
-                </a:solidFill>
-                <a:latin typeface="Poppins"/>
-              </a:rPr>
-              <a:t>RESPUESTA CORRECTA</a:t>
-            </a:r>
-            <a:endParaRPr lang="en-IN" sz="5400" b="1" dirty="0">
-              <a:solidFill>
-                <a:prstClr val="white"/>
-              </a:solidFill>
-              <a:latin typeface="Poppins"/>
-            </a:endParaRPr>
-          </a:p>
-        </p:txBody>
-      </p:sp>
-      <p:sp>
-        <p:nvSpPr>
-          <p:cNvPr id="3" name="Rectangle 2">
-            <a:hlinkClick r:id="" action="ppaction://hlinkshowjump?jump=nextslide"/>
-            <a:extLst>
-              <a:ext uri="{FF2B5EF4-FFF2-40B4-BE49-F238E27FC236}">
-                <a16:creationId xmlns:a16="http://schemas.microsoft.com/office/drawing/2014/main" id="{3E95FE85-01E9-48D9-93B4-B3632117840E}"/>
-              </a:ext>
-            </a:extLst>
-          </p:cNvPr>
-          <p:cNvSpPr/>
-          <p:nvPr/>
-        </p:nvSpPr>
-        <p:spPr>
-          <a:xfrm>
-            <a:off x="4837611" y="3688666"/>
-            <a:ext cx="2516777" cy="696648"/>
-          </a:xfrm>
-          <a:prstGeom prst="rect">
-            <a:avLst/>
-          </a:prstGeom>
-          <a:solidFill>
-            <a:schemeClr val="bg1"/>
-          </a:solidFill>
-          <a:ln>
-            <a:solidFill>
-              <a:schemeClr val="bg1">
-                <a:lumMod val="85000"/>
-              </a:schemeClr>
-            </a:solidFill>
-          </a:ln>
-          <a:effectLst>
-            <a:outerShdw blurRad="381000" dist="127000" dir="7080000" sx="94000" sy="94000" algn="t" rotWithShape="0">
-              <a:prstClr val="black">
-                <a:alpha val="16000"/>
-              </a:prstClr>
-            </a:outerShdw>
-          </a:effectLst>
-          <a:scene3d>
-            <a:camera prst="perspectiveFront"/>
-            <a:lightRig rig="threePt" dir="t"/>
-          </a:scene3d>
-        </p:spPr>
-        <p:style>
-          <a:lnRef idx="2">
-            <a:schemeClr val="accent1">
-              <a:shade val="50000"/>
-            </a:schemeClr>
-          </a:lnRef>
-          <a:fillRef idx="1">
-            <a:schemeClr val="accent1"/>
-          </a:fillRef>
-          <a:effectRef idx="0">
-            <a:schemeClr val="accent1"/>
-          </a:effectRef>
-          <a:fontRef idx="minor">
-            <a:schemeClr val="lt1"/>
-          </a:fontRef>
-        </p:style>
-        <p:txBody>
-          <a:bodyPr tIns="144000" bIns="90000" rtlCol="0" anchor="ctr"/>
-          <a:lstStyle/>
-          <a:p>
-            <a:pPr algn="ctr" defTabSz="685800">
-              <a:defRPr/>
-            </a:pPr>
-            <a:r>
-              <a:rPr lang="en-US" sz="2000" dirty="0" err="1">
-                <a:solidFill>
-                  <a:prstClr val="black"/>
-                </a:solidFill>
-                <a:latin typeface="Poppins SemiBold" panose="00000700000000000000" pitchFamily="2" charset="0"/>
-                <a:cs typeface="Poppins SemiBold" panose="00000700000000000000" pitchFamily="2" charset="0"/>
-              </a:rPr>
-              <a:t>Siguiente</a:t>
-            </a:r>
-            <a:endParaRPr lang="en-IN" sz="2000" dirty="0">
-              <a:solidFill>
-                <a:prstClr val="black"/>
-              </a:solidFill>
-              <a:latin typeface="Poppins SemiBold" panose="00000700000000000000" pitchFamily="2" charset="0"/>
-              <a:cs typeface="Poppins SemiBold" panose="00000700000000000000" pitchFamily="2" charset="0"/>
-            </a:endParaRPr>
-          </a:p>
-        </p:txBody>
-      </p:sp>
-    </p:spTree>
-    <p:extLst>
-      <p:ext uri="{BB962C8B-B14F-4D97-AF65-F5344CB8AC3E}">
-        <p14:creationId xmlns:p14="http://schemas.microsoft.com/office/powerpoint/2010/main" val="1350819690"/>
-      </p:ext>
-    </p:extLst>
-  </p:cSld>
-  <p:clrMapOvr>
-    <a:masterClrMapping/>
-  </p:clrMapOvr>
-</p:sld>
-</file>
-
-<file path=ppt/slides/slide37.xml><?xml version="1.0" encoding="utf-8"?>
-<p:sld xmlns:a="http://schemas.openxmlformats.org/drawingml/2006/main" xmlns:r="http://schemas.openxmlformats.org/officeDocument/2006/relationships" xmlns:p="http://schemas.openxmlformats.org/presentationml/2006/main">
-  <p:cSld>
-    <p:spTree>
-      <p:nvGrpSpPr>
-        <p:cNvPr id="1" name=""/>
-        <p:cNvGrpSpPr/>
-        <p:nvPr/>
-      </p:nvGrpSpPr>
-      <p:grpSpPr>
-        <a:xfrm>
-          <a:off x="0" y="0"/>
-          <a:ext cx="0" cy="0"/>
-          <a:chOff x="0" y="0"/>
-          <a:chExt cx="0" cy="0"/>
-        </a:xfrm>
-      </p:grpSpPr>
-      <p:sp>
-        <p:nvSpPr>
-          <p:cNvPr id="2" name="Rectangle 1">
-            <a:extLst>
-              <a:ext uri="{FF2B5EF4-FFF2-40B4-BE49-F238E27FC236}">
-                <a16:creationId xmlns:a16="http://schemas.microsoft.com/office/drawing/2014/main" id="{29228A24-4A1B-41B0-A802-CD51398332B9}"/>
-              </a:ext>
-            </a:extLst>
-          </p:cNvPr>
-          <p:cNvSpPr/>
-          <p:nvPr/>
-        </p:nvSpPr>
-        <p:spPr>
-          <a:xfrm>
-            <a:off x="1976846" y="435429"/>
-            <a:ext cx="8290560" cy="1898468"/>
-          </a:xfrm>
-          <a:prstGeom prst="rect">
-            <a:avLst/>
-          </a:prstGeom>
-          <a:solidFill>
-            <a:srgbClr val="FFFF00"/>
-          </a:solidFill>
-          <a:ln>
-            <a:solidFill>
-              <a:schemeClr val="bg1">
-                <a:lumMod val="85000"/>
-              </a:schemeClr>
-            </a:solidFill>
-          </a:ln>
-          <a:effectLst>
-            <a:outerShdw blurRad="381000" dist="127000" dir="7080000" sx="94000" sy="94000" algn="t" rotWithShape="0">
-              <a:prstClr val="black">
-                <a:alpha val="16000"/>
-              </a:prstClr>
-            </a:outerShdw>
-          </a:effectLst>
-          <a:scene3d>
-            <a:camera prst="perspectiveFront"/>
-            <a:lightRig rig="threePt" dir="t"/>
-          </a:scene3d>
-        </p:spPr>
-        <p:style>
-          <a:lnRef idx="2">
-            <a:schemeClr val="accent1">
-              <a:shade val="50000"/>
-            </a:schemeClr>
-          </a:lnRef>
-          <a:fillRef idx="1">
-            <a:schemeClr val="accent1"/>
-          </a:fillRef>
-          <a:effectRef idx="0">
-            <a:schemeClr val="accent1"/>
-          </a:effectRef>
-          <a:fontRef idx="minor">
-            <a:schemeClr val="lt1"/>
-          </a:fontRef>
-        </p:style>
-        <p:txBody>
-          <a:bodyPr tIns="144000" bIns="90000" rtlCol="0" anchor="ctr"/>
-          <a:lstStyle/>
-          <a:p>
-            <a:pPr algn="ctr" defTabSz="685800"/>
-            <a:r>
-              <a:rPr lang="en-US" sz="3200" dirty="0">
-                <a:solidFill>
-                  <a:schemeClr val="tx1"/>
-                </a:solidFill>
-                <a:latin typeface="Poppins SemiBold" panose="00000700000000000000" pitchFamily="2" charset="0"/>
-                <a:cs typeface="Poppins SemiBold" panose="00000700000000000000" pitchFamily="2" charset="0"/>
-              </a:rPr>
-              <a:t>18. </a:t>
-            </a:r>
-            <a:r>
-              <a:rPr lang="es-ES" sz="3200" b="0" i="0" dirty="0">
-                <a:solidFill>
-                  <a:srgbClr val="000000"/>
-                </a:solidFill>
-                <a:effectLst/>
-                <a:latin typeface="Calibri" panose="020F0502020204030204" pitchFamily="34" charset="0"/>
-              </a:rPr>
-              <a:t>¿Qué disfraz no estaba disponible en el fotomatón? </a:t>
-            </a:r>
-            <a:endParaRPr lang="en-IN" sz="3200" dirty="0">
-              <a:solidFill>
-                <a:schemeClr val="tx1"/>
-              </a:solidFill>
-              <a:latin typeface="Poppins SemiBold" panose="00000700000000000000" pitchFamily="2" charset="0"/>
-              <a:cs typeface="Poppins SemiBold" panose="00000700000000000000" pitchFamily="2" charset="0"/>
-            </a:endParaRPr>
-          </a:p>
-        </p:txBody>
-      </p:sp>
-      <p:sp>
-        <p:nvSpPr>
-          <p:cNvPr id="3" name="Rectangle 2">
-            <a:hlinkClick r:id="rId2" action="ppaction://hlinksldjump">
-              <a:snd r:embed="rId3" name="WrongAnswerSFX.wav"/>
-            </a:hlinkClick>
-            <a:extLst>
-              <a:ext uri="{FF2B5EF4-FFF2-40B4-BE49-F238E27FC236}">
-                <a16:creationId xmlns:a16="http://schemas.microsoft.com/office/drawing/2014/main" id="{93EB3632-12C3-41FB-861E-57B9D53BBF65}"/>
-              </a:ext>
-            </a:extLst>
-          </p:cNvPr>
-          <p:cNvSpPr/>
-          <p:nvPr/>
-        </p:nvSpPr>
-        <p:spPr>
-          <a:xfrm>
-            <a:off x="6296298" y="2612571"/>
-            <a:ext cx="3971108" cy="1236618"/>
-          </a:xfrm>
-          <a:prstGeom prst="rect">
-            <a:avLst/>
-          </a:prstGeom>
-          <a:solidFill>
-            <a:schemeClr val="bg1"/>
-          </a:solidFill>
-          <a:ln>
-            <a:solidFill>
-              <a:schemeClr val="bg1">
-                <a:lumMod val="85000"/>
-              </a:schemeClr>
-            </a:solidFill>
-          </a:ln>
-          <a:effectLst>
-            <a:outerShdw blurRad="381000" dist="127000" dir="7080000" sx="94000" sy="94000" algn="t" rotWithShape="0">
-              <a:prstClr val="black">
-                <a:alpha val="16000"/>
-              </a:prstClr>
-            </a:outerShdw>
-          </a:effectLst>
-          <a:scene3d>
-            <a:camera prst="perspectiveFront"/>
-            <a:lightRig rig="threePt" dir="t"/>
-          </a:scene3d>
-        </p:spPr>
-        <p:style>
-          <a:lnRef idx="2">
-            <a:schemeClr val="accent1">
-              <a:shade val="50000"/>
-            </a:schemeClr>
-          </a:lnRef>
-          <a:fillRef idx="1">
-            <a:schemeClr val="accent1"/>
-          </a:fillRef>
-          <a:effectRef idx="0">
-            <a:schemeClr val="accent1"/>
-          </a:effectRef>
-          <a:fontRef idx="minor">
-            <a:schemeClr val="lt1"/>
-          </a:fontRef>
-        </p:style>
-        <p:txBody>
-          <a:bodyPr tIns="144000" bIns="90000" rtlCol="0" anchor="ctr"/>
-          <a:lstStyle/>
-          <a:p>
-            <a:pPr algn="ctr" defTabSz="685800"/>
-            <a:r>
-              <a:rPr lang="en-US" sz="2000" b="0" i="0" dirty="0">
-                <a:solidFill>
-                  <a:srgbClr val="000000"/>
-                </a:solidFill>
-                <a:effectLst/>
-                <a:latin typeface="tahoma" panose="020B0604030504040204" pitchFamily="34" charset="0"/>
-              </a:rPr>
-              <a:t>Sevillana</a:t>
-            </a:r>
-            <a:endParaRPr lang="en-IN" sz="2000" dirty="0">
-              <a:solidFill>
-                <a:schemeClr val="tx1"/>
-              </a:solidFill>
-              <a:latin typeface="Poppins SemiBold" panose="00000700000000000000" pitchFamily="2" charset="0"/>
-              <a:cs typeface="Poppins SemiBold" panose="00000700000000000000" pitchFamily="2" charset="0"/>
-            </a:endParaRPr>
-          </a:p>
-        </p:txBody>
-      </p:sp>
-      <p:sp>
-        <p:nvSpPr>
-          <p:cNvPr id="5" name="Rectangle 4">
-            <a:hlinkClick r:id="" action="ppaction://hlinkshowjump?jump=nextslide">
-              <a:snd r:embed="rId4" name="CorrectAnswerSFX.wav"/>
-            </a:hlinkClick>
-            <a:extLst>
-              <a:ext uri="{FF2B5EF4-FFF2-40B4-BE49-F238E27FC236}">
-                <a16:creationId xmlns:a16="http://schemas.microsoft.com/office/drawing/2014/main" id="{11A411AB-3628-4BD3-8F92-E851842AEEC9}"/>
-              </a:ext>
-            </a:extLst>
-          </p:cNvPr>
-          <p:cNvSpPr/>
-          <p:nvPr/>
-        </p:nvSpPr>
-        <p:spPr>
-          <a:xfrm>
-            <a:off x="1976846" y="2612571"/>
-            <a:ext cx="3971108" cy="1236618"/>
-          </a:xfrm>
-          <a:prstGeom prst="rect">
-            <a:avLst/>
-          </a:prstGeom>
-          <a:solidFill>
-            <a:schemeClr val="bg1"/>
-          </a:solidFill>
-          <a:ln>
-            <a:solidFill>
-              <a:schemeClr val="bg1">
-                <a:lumMod val="85000"/>
-              </a:schemeClr>
-            </a:solidFill>
-          </a:ln>
-          <a:effectLst>
-            <a:outerShdw blurRad="381000" dist="127000" dir="7080000" sx="94000" sy="94000" algn="t" rotWithShape="0">
-              <a:prstClr val="black">
-                <a:alpha val="16000"/>
-              </a:prstClr>
-            </a:outerShdw>
-          </a:effectLst>
-          <a:scene3d>
-            <a:camera prst="perspectiveFront"/>
-            <a:lightRig rig="threePt" dir="t"/>
-          </a:scene3d>
-        </p:spPr>
-        <p:style>
-          <a:lnRef idx="2">
-            <a:schemeClr val="accent1">
-              <a:shade val="50000"/>
-            </a:schemeClr>
-          </a:lnRef>
-          <a:fillRef idx="1">
-            <a:schemeClr val="accent1"/>
-          </a:fillRef>
-          <a:effectRef idx="0">
-            <a:schemeClr val="accent1"/>
-          </a:effectRef>
-          <a:fontRef idx="minor">
-            <a:schemeClr val="lt1"/>
-          </a:fontRef>
-        </p:style>
-        <p:txBody>
-          <a:bodyPr tIns="144000" bIns="90000" rtlCol="0" anchor="ctr"/>
-          <a:lstStyle/>
-          <a:p>
-            <a:pPr algn="ctr" defTabSz="685800"/>
-            <a:r>
-              <a:rPr lang="en-US" sz="2000" b="0" i="0" dirty="0">
-                <a:solidFill>
-                  <a:srgbClr val="000000"/>
-                </a:solidFill>
-                <a:effectLst/>
-                <a:latin typeface="tahoma" panose="020B0604030504040204" pitchFamily="34" charset="0"/>
-              </a:rPr>
-              <a:t>Torero</a:t>
-            </a:r>
-            <a:endParaRPr lang="en-IN" sz="2000" dirty="0">
-              <a:solidFill>
-                <a:schemeClr val="tx1"/>
-              </a:solidFill>
-              <a:latin typeface="Poppins SemiBold" panose="00000700000000000000" pitchFamily="2" charset="0"/>
-              <a:cs typeface="Poppins SemiBold" panose="00000700000000000000" pitchFamily="2" charset="0"/>
-            </a:endParaRPr>
-          </a:p>
-        </p:txBody>
-      </p:sp>
-    </p:spTree>
-    <p:extLst>
-      <p:ext uri="{BB962C8B-B14F-4D97-AF65-F5344CB8AC3E}">
-        <p14:creationId xmlns:p14="http://schemas.microsoft.com/office/powerpoint/2010/main" val="2451264250"/>
-      </p:ext>
-    </p:extLst>
-  </p:cSld>
-  <p:clrMapOvr>
-    <a:masterClrMapping/>
-  </p:clrMapOvr>
-</p:sld>
-</file>
-
-<file path=ppt/slides/slide38.xml><?xml version="1.0" encoding="utf-8"?>
-<p:sld xmlns:a="http://schemas.openxmlformats.org/drawingml/2006/main" xmlns:r="http://schemas.openxmlformats.org/officeDocument/2006/relationships" xmlns:p="http://schemas.openxmlformats.org/presentationml/2006/main">
-  <p:cSld>
-    <p:bg>
-      <p:bgPr>
-        <a:solidFill>
-          <a:srgbClr val="00B050"/>
-        </a:solidFill>
-        <a:effectLst/>
-      </p:bgPr>
-    </p:bg>
-    <p:spTree>
-      <p:nvGrpSpPr>
-        <p:cNvPr id="1" name=""/>
-        <p:cNvGrpSpPr/>
-        <p:nvPr/>
-      </p:nvGrpSpPr>
-      <p:grpSpPr>
-        <a:xfrm>
-          <a:off x="0" y="0"/>
-          <a:ext cx="0" cy="0"/>
-          <a:chOff x="0" y="0"/>
-          <a:chExt cx="0" cy="0"/>
-        </a:xfrm>
-      </p:grpSpPr>
-      <p:sp>
-        <p:nvSpPr>
-          <p:cNvPr id="2" name="TextBox 1">
-            <a:extLst>
-              <a:ext uri="{FF2B5EF4-FFF2-40B4-BE49-F238E27FC236}">
-                <a16:creationId xmlns:a16="http://schemas.microsoft.com/office/drawing/2014/main" id="{60075EE3-328C-49EE-B897-556D339C339C}"/>
-              </a:ext>
-            </a:extLst>
-          </p:cNvPr>
-          <p:cNvSpPr txBox="1"/>
-          <p:nvPr/>
-        </p:nvSpPr>
-        <p:spPr>
-          <a:xfrm>
-            <a:off x="2083523" y="1549357"/>
-            <a:ext cx="8024954" cy="923330"/>
-          </a:xfrm>
-          <a:prstGeom prst="rect">
-            <a:avLst/>
-          </a:prstGeom>
-          <a:noFill/>
-        </p:spPr>
-        <p:txBody>
-          <a:bodyPr wrap="none" rtlCol="0">
-            <a:spAutoFit/>
-          </a:bodyPr>
-          <a:lstStyle/>
-          <a:p>
-            <a:pPr>
-              <a:defRPr/>
-            </a:pPr>
-            <a:r>
-              <a:rPr lang="en-US" sz="5400" b="1" dirty="0">
-                <a:solidFill>
-                  <a:prstClr val="white"/>
-                </a:solidFill>
-                <a:latin typeface="Poppins"/>
-              </a:rPr>
-              <a:t>RESPUESTA CORRECTA</a:t>
-            </a:r>
-            <a:endParaRPr lang="en-IN" sz="5400" b="1" dirty="0">
-              <a:solidFill>
-                <a:prstClr val="white"/>
-              </a:solidFill>
-              <a:latin typeface="Poppins"/>
-            </a:endParaRPr>
-          </a:p>
-        </p:txBody>
-      </p:sp>
-      <p:sp>
-        <p:nvSpPr>
-          <p:cNvPr id="3" name="Rectangle 2">
-            <a:hlinkClick r:id="" action="ppaction://hlinkshowjump?jump=nextslide"/>
-            <a:extLst>
-              <a:ext uri="{FF2B5EF4-FFF2-40B4-BE49-F238E27FC236}">
-                <a16:creationId xmlns:a16="http://schemas.microsoft.com/office/drawing/2014/main" id="{3E95FE85-01E9-48D9-93B4-B3632117840E}"/>
-              </a:ext>
-            </a:extLst>
-          </p:cNvPr>
-          <p:cNvSpPr/>
-          <p:nvPr/>
-        </p:nvSpPr>
-        <p:spPr>
-          <a:xfrm>
-            <a:off x="4837611" y="3688666"/>
-            <a:ext cx="2516777" cy="696648"/>
-          </a:xfrm>
-          <a:prstGeom prst="rect">
-            <a:avLst/>
-          </a:prstGeom>
-          <a:solidFill>
-            <a:schemeClr val="bg1"/>
-          </a:solidFill>
-          <a:ln>
-            <a:solidFill>
-              <a:schemeClr val="bg1">
-                <a:lumMod val="85000"/>
-              </a:schemeClr>
-            </a:solidFill>
-          </a:ln>
-          <a:effectLst>
-            <a:outerShdw blurRad="381000" dist="127000" dir="7080000" sx="94000" sy="94000" algn="t" rotWithShape="0">
-              <a:prstClr val="black">
-                <a:alpha val="16000"/>
-              </a:prstClr>
-            </a:outerShdw>
-          </a:effectLst>
-          <a:scene3d>
-            <a:camera prst="perspectiveFront"/>
-            <a:lightRig rig="threePt" dir="t"/>
-          </a:scene3d>
-        </p:spPr>
-        <p:style>
-          <a:lnRef idx="2">
-            <a:schemeClr val="accent1">
-              <a:shade val="50000"/>
-            </a:schemeClr>
-          </a:lnRef>
-          <a:fillRef idx="1">
-            <a:schemeClr val="accent1"/>
-          </a:fillRef>
-          <a:effectRef idx="0">
-            <a:schemeClr val="accent1"/>
-          </a:effectRef>
-          <a:fontRef idx="minor">
-            <a:schemeClr val="lt1"/>
-          </a:fontRef>
-        </p:style>
-        <p:txBody>
-          <a:bodyPr tIns="144000" bIns="90000" rtlCol="0" anchor="ctr"/>
-          <a:lstStyle/>
-          <a:p>
-            <a:pPr algn="ctr" defTabSz="685800">
-              <a:defRPr/>
-            </a:pPr>
-            <a:r>
-              <a:rPr lang="en-US" sz="2000" dirty="0" err="1">
-                <a:solidFill>
-                  <a:prstClr val="black"/>
-                </a:solidFill>
-                <a:latin typeface="Poppins SemiBold" panose="00000700000000000000" pitchFamily="2" charset="0"/>
-                <a:cs typeface="Poppins SemiBold" panose="00000700000000000000" pitchFamily="2" charset="0"/>
-              </a:rPr>
-              <a:t>Siguiente</a:t>
-            </a:r>
-            <a:endParaRPr lang="en-IN" sz="2000" dirty="0">
-              <a:solidFill>
-                <a:prstClr val="black"/>
-              </a:solidFill>
-              <a:latin typeface="Poppins SemiBold" panose="00000700000000000000" pitchFamily="2" charset="0"/>
-              <a:cs typeface="Poppins SemiBold" panose="00000700000000000000" pitchFamily="2" charset="0"/>
-            </a:endParaRPr>
-          </a:p>
-        </p:txBody>
-      </p:sp>
-    </p:spTree>
-    <p:extLst>
-      <p:ext uri="{BB962C8B-B14F-4D97-AF65-F5344CB8AC3E}">
-        <p14:creationId xmlns:p14="http://schemas.microsoft.com/office/powerpoint/2010/main" val="797868296"/>
-      </p:ext>
-    </p:extLst>
-  </p:cSld>
-  <p:clrMapOvr>
-    <a:masterClrMapping/>
-  </p:clrMapOvr>
-</p:sld>
-</file>
-
-<file path=ppt/slides/slide39.xml><?xml version="1.0" encoding="utf-8"?>
-<p:sld xmlns:a="http://schemas.openxmlformats.org/drawingml/2006/main" xmlns:r="http://schemas.openxmlformats.org/officeDocument/2006/relationships" xmlns:p="http://schemas.openxmlformats.org/presentationml/2006/main">
-  <p:cSld>
-    <p:spTree>
-      <p:nvGrpSpPr>
-        <p:cNvPr id="1" name=""/>
-        <p:cNvGrpSpPr/>
-        <p:nvPr/>
-      </p:nvGrpSpPr>
-      <p:grpSpPr>
-        <a:xfrm>
-          <a:off x="0" y="0"/>
-          <a:ext cx="0" cy="0"/>
-          <a:chOff x="0" y="0"/>
-          <a:chExt cx="0" cy="0"/>
-        </a:xfrm>
-      </p:grpSpPr>
-      <p:sp>
-        <p:nvSpPr>
-          <p:cNvPr id="2" name="Rectangle 1">
-            <a:extLst>
-              <a:ext uri="{FF2B5EF4-FFF2-40B4-BE49-F238E27FC236}">
-                <a16:creationId xmlns:a16="http://schemas.microsoft.com/office/drawing/2014/main" id="{29228A24-4A1B-41B0-A802-CD51398332B9}"/>
-              </a:ext>
-            </a:extLst>
-          </p:cNvPr>
-          <p:cNvSpPr/>
-          <p:nvPr/>
-        </p:nvSpPr>
-        <p:spPr>
-          <a:xfrm>
-            <a:off x="1976846" y="435429"/>
-            <a:ext cx="8290560" cy="1898468"/>
-          </a:xfrm>
-          <a:prstGeom prst="rect">
-            <a:avLst/>
-          </a:prstGeom>
-          <a:solidFill>
-            <a:srgbClr val="FFFF00"/>
-          </a:solidFill>
-          <a:ln>
-            <a:solidFill>
-              <a:schemeClr val="bg1">
-                <a:lumMod val="85000"/>
-              </a:schemeClr>
-            </a:solidFill>
-          </a:ln>
-          <a:effectLst>
-            <a:outerShdw blurRad="381000" dist="127000" dir="7080000" sx="94000" sy="94000" algn="t" rotWithShape="0">
-              <a:prstClr val="black">
-                <a:alpha val="16000"/>
-              </a:prstClr>
-            </a:outerShdw>
-          </a:effectLst>
-          <a:scene3d>
-            <a:camera prst="perspectiveFront"/>
-            <a:lightRig rig="threePt" dir="t"/>
-          </a:scene3d>
-        </p:spPr>
-        <p:style>
-          <a:lnRef idx="2">
-            <a:schemeClr val="accent1">
-              <a:shade val="50000"/>
-            </a:schemeClr>
-          </a:lnRef>
-          <a:fillRef idx="1">
-            <a:schemeClr val="accent1"/>
-          </a:fillRef>
-          <a:effectRef idx="0">
-            <a:schemeClr val="accent1"/>
-          </a:effectRef>
-          <a:fontRef idx="minor">
-            <a:schemeClr val="lt1"/>
-          </a:fontRef>
-        </p:style>
-        <p:txBody>
-          <a:bodyPr tIns="144000" bIns="90000" rtlCol="0" anchor="ctr"/>
-          <a:lstStyle/>
-          <a:p>
-            <a:pPr algn="ctr" defTabSz="685800"/>
-            <a:r>
-              <a:rPr lang="en-US" sz="3200" dirty="0">
-                <a:solidFill>
-                  <a:schemeClr val="tx1"/>
-                </a:solidFill>
-                <a:latin typeface="Poppins SemiBold" panose="00000700000000000000" pitchFamily="2" charset="0"/>
-                <a:cs typeface="Poppins SemiBold" panose="00000700000000000000" pitchFamily="2" charset="0"/>
-              </a:rPr>
-              <a:t>19. </a:t>
-            </a:r>
-            <a:r>
-              <a:rPr lang="es-ES" sz="3200" b="0" i="0" dirty="0">
-                <a:solidFill>
-                  <a:srgbClr val="000000"/>
-                </a:solidFill>
-                <a:effectLst/>
-                <a:latin typeface="Calibri" panose="020F0502020204030204" pitchFamily="34" charset="0"/>
-              </a:rPr>
-              <a:t>¿Qué es MSIL? </a:t>
-            </a:r>
-            <a:endParaRPr lang="en-IN" sz="3200" dirty="0">
-              <a:solidFill>
-                <a:schemeClr val="tx1"/>
-              </a:solidFill>
-              <a:latin typeface="Poppins SemiBold" panose="00000700000000000000" pitchFamily="2" charset="0"/>
-              <a:cs typeface="Poppins SemiBold" panose="00000700000000000000" pitchFamily="2" charset="0"/>
-            </a:endParaRPr>
-          </a:p>
-        </p:txBody>
-      </p:sp>
-      <p:sp>
-        <p:nvSpPr>
-          <p:cNvPr id="3" name="Rectangle 2">
-            <a:hlinkClick r:id="rId3" action="ppaction://hlinksldjump">
-              <a:snd r:embed="rId4" name="WrongAnswerSFX.wav"/>
-            </a:hlinkClick>
-            <a:extLst>
-              <a:ext uri="{FF2B5EF4-FFF2-40B4-BE49-F238E27FC236}">
-                <a16:creationId xmlns:a16="http://schemas.microsoft.com/office/drawing/2014/main" id="{93EB3632-12C3-41FB-861E-57B9D53BBF65}"/>
-              </a:ext>
-            </a:extLst>
-          </p:cNvPr>
-          <p:cNvSpPr/>
-          <p:nvPr/>
-        </p:nvSpPr>
-        <p:spPr>
-          <a:xfrm>
-            <a:off x="6296298" y="2612571"/>
-            <a:ext cx="3971108" cy="1236618"/>
-          </a:xfrm>
-          <a:prstGeom prst="rect">
-            <a:avLst/>
-          </a:prstGeom>
-          <a:solidFill>
-            <a:schemeClr val="bg1"/>
-          </a:solidFill>
-          <a:ln>
-            <a:solidFill>
-              <a:schemeClr val="bg1">
-                <a:lumMod val="85000"/>
-              </a:schemeClr>
-            </a:solidFill>
-          </a:ln>
-          <a:effectLst>
-            <a:outerShdw blurRad="381000" dist="127000" dir="7080000" sx="94000" sy="94000" algn="t" rotWithShape="0">
-              <a:prstClr val="black">
-                <a:alpha val="16000"/>
-              </a:prstClr>
-            </a:outerShdw>
-          </a:effectLst>
-          <a:scene3d>
-            <a:camera prst="perspectiveFront"/>
-            <a:lightRig rig="threePt" dir="t"/>
-          </a:scene3d>
-        </p:spPr>
-        <p:style>
-          <a:lnRef idx="2">
-            <a:schemeClr val="accent1">
-              <a:shade val="50000"/>
-            </a:schemeClr>
-          </a:lnRef>
-          <a:fillRef idx="1">
-            <a:schemeClr val="accent1"/>
-          </a:fillRef>
-          <a:effectRef idx="0">
-            <a:schemeClr val="accent1"/>
-          </a:effectRef>
-          <a:fontRef idx="minor">
-            <a:schemeClr val="lt1"/>
-          </a:fontRef>
-        </p:style>
-        <p:txBody>
-          <a:bodyPr tIns="144000" bIns="90000" rtlCol="0" anchor="ctr"/>
-          <a:lstStyle/>
-          <a:p>
-            <a:pPr algn="ctr" defTabSz="685800"/>
-            <a:r>
-              <a:rPr lang="en-US" sz="2000" b="0" i="0" dirty="0">
-                <a:solidFill>
-                  <a:srgbClr val="4A4A4A"/>
-                </a:solidFill>
-                <a:effectLst/>
-                <a:latin typeface="Open Sans" panose="020B0606030504020204" pitchFamily="34" charset="0"/>
-              </a:rPr>
-              <a:t>Microsoft Artificial Intelligence Language</a:t>
-            </a:r>
-            <a:endParaRPr lang="en-IN" sz="2000" dirty="0">
-              <a:solidFill>
-                <a:schemeClr val="tx1"/>
-              </a:solidFill>
-              <a:latin typeface="Poppins SemiBold" panose="00000700000000000000" pitchFamily="2" charset="0"/>
-              <a:cs typeface="Poppins SemiBold" panose="00000700000000000000" pitchFamily="2" charset="0"/>
-            </a:endParaRPr>
-          </a:p>
-        </p:txBody>
-      </p:sp>
-      <p:sp>
-        <p:nvSpPr>
-          <p:cNvPr id="5" name="Rectangle 4">
-            <a:hlinkClick r:id="" action="ppaction://hlinkshowjump?jump=nextslide">
-              <a:snd r:embed="rId5" name="CorrectAnswerSFX.wav"/>
-            </a:hlinkClick>
-            <a:extLst>
-              <a:ext uri="{FF2B5EF4-FFF2-40B4-BE49-F238E27FC236}">
-                <a16:creationId xmlns:a16="http://schemas.microsoft.com/office/drawing/2014/main" id="{11A411AB-3628-4BD3-8F92-E851842AEEC9}"/>
-              </a:ext>
-            </a:extLst>
-          </p:cNvPr>
-          <p:cNvSpPr/>
-          <p:nvPr/>
-        </p:nvSpPr>
-        <p:spPr>
-          <a:xfrm>
-            <a:off x="1976846" y="2612571"/>
-            <a:ext cx="3971108" cy="1236618"/>
-          </a:xfrm>
-          <a:prstGeom prst="rect">
-            <a:avLst/>
-          </a:prstGeom>
-          <a:solidFill>
-            <a:schemeClr val="bg1"/>
-          </a:solidFill>
-          <a:ln>
-            <a:solidFill>
-              <a:schemeClr val="bg1">
-                <a:lumMod val="85000"/>
-              </a:schemeClr>
-            </a:solidFill>
-          </a:ln>
-          <a:effectLst>
-            <a:outerShdw blurRad="381000" dist="127000" dir="7080000" sx="94000" sy="94000" algn="t" rotWithShape="0">
-              <a:prstClr val="black">
-                <a:alpha val="16000"/>
-              </a:prstClr>
-            </a:outerShdw>
-          </a:effectLst>
-          <a:scene3d>
-            <a:camera prst="perspectiveFront"/>
-            <a:lightRig rig="threePt" dir="t"/>
-          </a:scene3d>
-        </p:spPr>
-        <p:style>
-          <a:lnRef idx="2">
-            <a:schemeClr val="accent1">
-              <a:shade val="50000"/>
-            </a:schemeClr>
-          </a:lnRef>
-          <a:fillRef idx="1">
-            <a:schemeClr val="accent1"/>
-          </a:fillRef>
-          <a:effectRef idx="0">
-            <a:schemeClr val="accent1"/>
-          </a:effectRef>
-          <a:fontRef idx="minor">
-            <a:schemeClr val="lt1"/>
-          </a:fontRef>
-        </p:style>
-        <p:txBody>
-          <a:bodyPr tIns="144000" bIns="90000" rtlCol="0" anchor="ctr"/>
-          <a:lstStyle/>
-          <a:p>
-            <a:pPr algn="ctr" defTabSz="685800"/>
-            <a:r>
-              <a:rPr lang="en-US" sz="2000" b="0" i="0" dirty="0">
-                <a:solidFill>
-                  <a:srgbClr val="4A4A4A"/>
-                </a:solidFill>
-                <a:effectLst/>
-                <a:latin typeface="Open Sans" panose="020B0606030504020204" pitchFamily="34" charset="0"/>
-              </a:rPr>
-              <a:t>Microsoft Intermediate Language</a:t>
-            </a:r>
-            <a:endParaRPr lang="en-IN" sz="2000" dirty="0">
-              <a:solidFill>
-                <a:schemeClr val="tx1"/>
-              </a:solidFill>
-              <a:latin typeface="Poppins SemiBold" panose="00000700000000000000" pitchFamily="2" charset="0"/>
-              <a:cs typeface="Poppins SemiBold" panose="00000700000000000000" pitchFamily="2" charset="0"/>
-            </a:endParaRPr>
-          </a:p>
-        </p:txBody>
-      </p:sp>
-    </p:spTree>
-    <p:extLst>
-      <p:ext uri="{BB962C8B-B14F-4D97-AF65-F5344CB8AC3E}">
-        <p14:creationId xmlns:p14="http://schemas.microsoft.com/office/powerpoint/2010/main" val="854750055"/>
-      </p:ext>
-    </p:extLst>
-  </p:cSld>
-  <p:clrMapOvr>
-    <a:masterClrMapping/>
-  </p:clrMapOvr>
-</p:sld>
-</file>
-
 <file path=ppt/slides/slide4.xml><?xml version="1.0" encoding="utf-8"?>
 <p:sld xmlns:a="http://schemas.openxmlformats.org/drawingml/2006/main" xmlns:r="http://schemas.openxmlformats.org/officeDocument/2006/relationships" xmlns:p="http://schemas.openxmlformats.org/presentationml/2006/main">
   <p:cSld>
@@ -13635,7 +14003,7 @@
     </p:spTree>
     <p:extLst>
       <p:ext uri="{BB962C8B-B14F-4D97-AF65-F5344CB8AC3E}">
-        <p14:creationId xmlns:p14="http://schemas.microsoft.com/office/powerpoint/2010/main" val="628967740"/>
+        <p14:creationId xmlns:p14="http://schemas.microsoft.com/office/powerpoint/2010/main" val="1350819690"/>
       </p:ext>
     </p:extLst>
   </p:cSld>
@@ -13733,57 +14101,17 @@
                 <a:latin typeface="Poppins SemiBold" panose="00000700000000000000" pitchFamily="2" charset="0"/>
                 <a:cs typeface="Poppins SemiBold" panose="00000700000000000000" pitchFamily="2" charset="0"/>
               </a:rPr>
-              <a:t>20. </a:t>
-            </a:r>
-            <a:r>
-              <a:rPr lang="en-US" sz="3200" b="0" i="0" dirty="0">
+              <a:t>19. </a:t>
+            </a:r>
+            <a:r>
+              <a:rPr lang="es-ES" sz="3200" b="0" i="0" dirty="0">
                 <a:solidFill>
                   <a:srgbClr val="000000"/>
                 </a:solidFill>
                 <a:effectLst/>
-                <a:latin typeface="tahoma" panose="020B0604030504040204" pitchFamily="34" charset="0"/>
-              </a:rPr>
-              <a:t>¿Los </a:t>
-            </a:r>
-            <a:r>
-              <a:rPr lang="en-US" sz="3200" b="0" i="0" dirty="0" err="1">
-                <a:solidFill>
-                  <a:srgbClr val="000000"/>
-                </a:solidFill>
-                <a:effectLst/>
-                <a:latin typeface="tahoma" panose="020B0604030504040204" pitchFamily="34" charset="0"/>
-              </a:rPr>
-              <a:t>analizadores</a:t>
-            </a:r>
-            <a:r>
-              <a:rPr lang="en-US" sz="3200" b="0" i="0" dirty="0">
-                <a:solidFill>
-                  <a:srgbClr val="000000"/>
-                </a:solidFill>
-                <a:effectLst/>
-                <a:latin typeface="tahoma" panose="020B0604030504040204" pitchFamily="34" charset="0"/>
-              </a:rPr>
-              <a:t> de </a:t>
-            </a:r>
-            <a:r>
-              <a:rPr lang="en-US" sz="3200" b="0" i="0" dirty="0" err="1">
-                <a:solidFill>
-                  <a:srgbClr val="000000"/>
-                </a:solidFill>
-                <a:effectLst/>
-                <a:latin typeface="tahoma" panose="020B0604030504040204" pitchFamily="34" charset="0"/>
-              </a:rPr>
-              <a:t>código</a:t>
-            </a:r>
-            <a:r>
-              <a:rPr lang="en-US" sz="3200" b="0" i="0" dirty="0">
-                <a:solidFill>
-                  <a:srgbClr val="000000"/>
-                </a:solidFill>
-                <a:effectLst/>
-                <a:latin typeface="tahoma" panose="020B0604030504040204" pitchFamily="34" charset="0"/>
-              </a:rPr>
-              <a:t> de Roslyn son?</a:t>
+                <a:latin typeface="Calibri" panose="020F0502020204030204" pitchFamily="34" charset="0"/>
+              </a:rPr>
+              <a:t>¿Qué disfraz no estaba disponible en el fotomatón? </a:t>
             </a:r>
             <a:endParaRPr lang="en-IN" sz="3200" dirty="0">
               <a:solidFill>
@@ -13798,8 +14126,8 @@
       <p:sp>
         <p:nvSpPr>
           <p:cNvPr id="3" name="Rectangle 2">
-            <a:hlinkClick r:id="rId3" action="ppaction://hlinksldjump">
-              <a:snd r:embed="rId4" name="WrongAnswerSFX.wav"/>
+            <a:hlinkClick r:id="rId2" action="ppaction://hlinksldjump">
+              <a:snd r:embed="rId3" name="WrongAnswerSFX.wav"/>
             </a:hlinkClick>
             <a:extLst>
               <a:ext uri="{FF2B5EF4-FFF2-40B4-BE49-F238E27FC236}">
@@ -13862,34 +14190,14 @@
           <a:p>
             <a:pPr algn="ctr" defTabSz="685800"/>
             <a:r>
-              <a:rPr lang="en-US" sz="2000" b="0" i="0" dirty="0" err="1">
+              <a:rPr lang="en-US" sz="2000" b="0" i="0" dirty="0">
                 <a:solidFill>
                   <a:srgbClr val="000000"/>
                 </a:solidFill>
                 <a:effectLst/>
                 <a:latin typeface="tahoma" panose="020B0604030504040204" pitchFamily="34" charset="0"/>
               </a:rPr>
-              <a:t>Analizadores</a:t>
-            </a:r>
-            <a:r>
-              <a:rPr lang="en-US" sz="2000" b="0" i="0" dirty="0">
-                <a:solidFill>
-                  <a:srgbClr val="000000"/>
-                </a:solidFill>
-                <a:effectLst/>
-                <a:latin typeface="tahoma" panose="020B0604030504040204" pitchFamily="34" charset="0"/>
-              </a:rPr>
-              <a:t> </a:t>
-            </a:r>
-            <a:r>
-              <a:rPr lang="en-US" sz="2000" b="0" i="0" dirty="0" err="1">
-                <a:solidFill>
-                  <a:srgbClr val="000000"/>
-                </a:solidFill>
-                <a:effectLst/>
-                <a:latin typeface="tahoma" panose="020B0604030504040204" pitchFamily="34" charset="0"/>
-              </a:rPr>
-              <a:t>dinámicos</a:t>
+              <a:t>Sevillana</a:t>
             </a:r>
             <a:endParaRPr lang="en-IN" sz="2000" dirty="0">
               <a:solidFill>
@@ -13905,7 +14213,7 @@
         <p:nvSpPr>
           <p:cNvPr id="5" name="Rectangle 4">
             <a:hlinkClick r:id="" action="ppaction://hlinkshowjump?jump=nextslide">
-              <a:snd r:embed="rId5" name="CorrectAnswerSFX.wav"/>
+              <a:snd r:embed="rId4" name="CorrectAnswerSFX.wav"/>
             </a:hlinkClick>
             <a:extLst>
               <a:ext uri="{FF2B5EF4-FFF2-40B4-BE49-F238E27FC236}">
@@ -13968,34 +14276,14 @@
           <a:p>
             <a:pPr algn="ctr" defTabSz="685800"/>
             <a:r>
-              <a:rPr lang="en-US" sz="2000" b="0" i="0" dirty="0" err="1">
+              <a:rPr lang="en-US" sz="2000" b="0" i="0" dirty="0">
                 <a:solidFill>
                   <a:srgbClr val="000000"/>
                 </a:solidFill>
                 <a:effectLst/>
                 <a:latin typeface="tahoma" panose="020B0604030504040204" pitchFamily="34" charset="0"/>
               </a:rPr>
-              <a:t>Analizadores</a:t>
-            </a:r>
-            <a:r>
-              <a:rPr lang="en-US" sz="2000" b="0" i="0" dirty="0">
-                <a:solidFill>
-                  <a:srgbClr val="000000"/>
-                </a:solidFill>
-                <a:effectLst/>
-                <a:latin typeface="tahoma" panose="020B0604030504040204" pitchFamily="34" charset="0"/>
-              </a:rPr>
-              <a:t> </a:t>
-            </a:r>
-            <a:r>
-              <a:rPr lang="en-US" sz="2000" b="0" i="0" dirty="0" err="1">
-                <a:solidFill>
-                  <a:srgbClr val="000000"/>
-                </a:solidFill>
-                <a:effectLst/>
-                <a:latin typeface="tahoma" panose="020B0604030504040204" pitchFamily="34" charset="0"/>
-              </a:rPr>
-              <a:t>estáticos</a:t>
+              <a:t>Torero</a:t>
             </a:r>
             <a:endParaRPr lang="en-IN" sz="2000" dirty="0">
               <a:solidFill>
@@ -14010,7 +14298,7 @@
     </p:spTree>
     <p:extLst>
       <p:ext uri="{BB962C8B-B14F-4D97-AF65-F5344CB8AC3E}">
-        <p14:creationId xmlns:p14="http://schemas.microsoft.com/office/powerpoint/2010/main" val="4238080148"/>
+        <p14:creationId xmlns:p14="http://schemas.microsoft.com/office/powerpoint/2010/main" val="2451264250"/>
       </p:ext>
     </p:extLst>
   </p:cSld>
@@ -14183,7 +14471,7 @@
     </p:spTree>
     <p:extLst>
       <p:ext uri="{BB962C8B-B14F-4D97-AF65-F5344CB8AC3E}">
-        <p14:creationId xmlns:p14="http://schemas.microsoft.com/office/powerpoint/2010/main" val="54821411"/>
+        <p14:creationId xmlns:p14="http://schemas.microsoft.com/office/powerpoint/2010/main" val="797868296"/>
       </p:ext>
     </p:extLst>
   </p:cSld>
@@ -14281,17 +14569,17 @@
                 <a:latin typeface="Poppins SemiBold" panose="00000700000000000000" pitchFamily="2" charset="0"/>
                 <a:cs typeface="Poppins SemiBold" panose="00000700000000000000" pitchFamily="2" charset="0"/>
               </a:rPr>
-              <a:t>21. </a:t>
-            </a:r>
-            <a:r>
-              <a:rPr lang="es-ES" sz="2800" b="0" i="0" dirty="0">
+              <a:t>20. </a:t>
+            </a:r>
+            <a:r>
+              <a:rPr lang="es-ES" sz="3200" b="0" i="0" dirty="0">
                 <a:solidFill>
                   <a:srgbClr val="000000"/>
                 </a:solidFill>
                 <a:effectLst/>
                 <a:latin typeface="Calibri" panose="020F0502020204030204" pitchFamily="34" charset="0"/>
               </a:rPr>
-              <a:t>¿Cual es la principal diferencia relacionada con el ámbito de administración de los dispositivos entre Intune y un dominio basado en directorio activo?</a:t>
+              <a:t>¿Qué es MSIL? </a:t>
             </a:r>
             <a:endParaRPr lang="en-IN" sz="3200" dirty="0">
               <a:solidFill>
@@ -14370,14 +14658,14 @@
           <a:p>
             <a:pPr algn="ctr" defTabSz="685800"/>
             <a:r>
-              <a:rPr lang="es-ES" sz="2000" b="0" i="0" dirty="0">
-                <a:solidFill>
-                  <a:srgbClr val="000000"/>
+              <a:rPr lang="en-US" sz="2000" b="0" i="0" dirty="0">
+                <a:solidFill>
+                  <a:srgbClr val="4A4A4A"/>
                 </a:solidFill>
                 <a:effectLst/>
-                <a:latin typeface="Calibri" panose="020F0502020204030204" pitchFamily="34" charset="0"/>
-              </a:rPr>
-              <a:t>Que con Intune podemos administrar dispositivos Android y IOS y otros sistemas operativos no Windows.</a:t>
+                <a:latin typeface="Open Sans" panose="020B0606030504020204" pitchFamily="34" charset="0"/>
+              </a:rPr>
+              <a:t>Microsoft Artificial Intelligence Language</a:t>
             </a:r>
             <a:endParaRPr lang="en-IN" sz="2000" dirty="0">
               <a:solidFill>
@@ -14456,14 +14744,14 @@
           <a:p>
             <a:pPr algn="ctr" defTabSz="685800"/>
             <a:r>
-              <a:rPr lang="es-ES" sz="2000" b="0" i="0" dirty="0">
-                <a:solidFill>
-                  <a:srgbClr val="000000"/>
+              <a:rPr lang="en-US" sz="2000" b="0" i="0" dirty="0">
+                <a:solidFill>
+                  <a:srgbClr val="4A4A4A"/>
                 </a:solidFill>
                 <a:effectLst/>
-                <a:latin typeface="Calibri" panose="020F0502020204030204" pitchFamily="34" charset="0"/>
-              </a:rPr>
-              <a:t>Que con Intune no necesitamos que nuestros dispositivos estén en la red local.</a:t>
+                <a:latin typeface="Open Sans" panose="020B0606030504020204" pitchFamily="34" charset="0"/>
+              </a:rPr>
+              <a:t>Microsoft Intermediate Language</a:t>
             </a:r>
             <a:endParaRPr lang="en-IN" sz="2000" dirty="0">
               <a:solidFill>
@@ -14478,7 +14766,7 @@
     </p:spTree>
     <p:extLst>
       <p:ext uri="{BB962C8B-B14F-4D97-AF65-F5344CB8AC3E}">
-        <p14:creationId xmlns:p14="http://schemas.microsoft.com/office/powerpoint/2010/main" val="2339577612"/>
+        <p14:creationId xmlns:p14="http://schemas.microsoft.com/office/powerpoint/2010/main" val="854750055"/>
       </p:ext>
     </p:extLst>
   </p:cSld>
@@ -14651,7 +14939,7 @@
     </p:spTree>
     <p:extLst>
       <p:ext uri="{BB962C8B-B14F-4D97-AF65-F5344CB8AC3E}">
-        <p14:creationId xmlns:p14="http://schemas.microsoft.com/office/powerpoint/2010/main" val="500679547"/>
+        <p14:creationId xmlns:p14="http://schemas.microsoft.com/office/powerpoint/2010/main" val="628967740"/>
       </p:ext>
     </p:extLst>
   </p:cSld>
@@ -14661,7 +14949,7 @@
 </p:sld>
 </file>
 
-<file path=ppt/slides/slide5.xml><?xml version="1.0" encoding="utf-8"?>
+<file path=ppt/slides/slide45.xml><?xml version="1.0" encoding="utf-8"?>
 <p:sld xmlns:a="http://schemas.openxmlformats.org/drawingml/2006/main" xmlns:r="http://schemas.openxmlformats.org/officeDocument/2006/relationships" xmlns:p="http://schemas.openxmlformats.org/presentationml/2006/main">
   <p:cSld>
     <p:spTree>
@@ -14740,52 +15028,70 @@
           <a:bodyPr tIns="144000" bIns="90000" rtlCol="0" anchor="ctr"/>
           <a:lstStyle/>
           <a:p>
-            <a:pPr algn="ctr" defTabSz="685800">
-              <a:defRPr/>
-            </a:pPr>
+            <a:pPr algn="ctr" defTabSz="685800"/>
             <a:r>
               <a:rPr lang="en-US" sz="3200" dirty="0">
                 <a:solidFill>
-                  <a:prstClr val="black"/>
+                  <a:schemeClr val="tx1"/>
                 </a:solidFill>
                 <a:latin typeface="Poppins SemiBold" panose="00000700000000000000" pitchFamily="2" charset="0"/>
                 <a:cs typeface="Poppins SemiBold" panose="00000700000000000000" pitchFamily="2" charset="0"/>
               </a:rPr>
-              <a:t>2. </a:t>
-            </a:r>
-            <a:r>
-              <a:rPr lang="es-ES" sz="3200" b="0" i="0" dirty="0">
+              <a:t>21. </a:t>
+            </a:r>
+            <a:r>
+              <a:rPr lang="en-US" sz="3200" b="0" i="0" dirty="0">
                 <a:solidFill>
                   <a:srgbClr val="000000"/>
                 </a:solidFill>
                 <a:effectLst/>
-                <a:latin typeface="Segoe UI" panose="020B0502040204020203" pitchFamily="34" charset="0"/>
-              </a:rPr>
-              <a:t>¿Cuál es el protocolo que utiliza </a:t>
-            </a:r>
-            <a:r>
-              <a:rPr lang="es-ES" sz="3200" b="0" i="0" dirty="0" err="1">
+                <a:latin typeface="tahoma" panose="020B0604030504040204" pitchFamily="34" charset="0"/>
+              </a:rPr>
+              <a:t>¿Los </a:t>
+            </a:r>
+            <a:r>
+              <a:rPr lang="en-US" sz="3200" b="0" i="0" dirty="0" err="1">
                 <a:solidFill>
                   <a:srgbClr val="000000"/>
                 </a:solidFill>
                 <a:effectLst/>
-                <a:latin typeface="Segoe UI" panose="020B0502040204020203" pitchFamily="34" charset="0"/>
-              </a:rPr>
-              <a:t>OpenTelemetry</a:t>
-            </a:r>
-            <a:r>
-              <a:rPr lang="es-ES" sz="3200" b="0" i="0" dirty="0">
+                <a:latin typeface="tahoma" panose="020B0604030504040204" pitchFamily="34" charset="0"/>
+              </a:rPr>
+              <a:t>analizadores</a:t>
+            </a:r>
+            <a:r>
+              <a:rPr lang="en-US" sz="3200" b="0" i="0" dirty="0">
                 <a:solidFill>
                   <a:srgbClr val="000000"/>
                 </a:solidFill>
                 <a:effectLst/>
-                <a:latin typeface="Segoe UI" panose="020B0502040204020203" pitchFamily="34" charset="0"/>
-              </a:rPr>
-              <a:t>?</a:t>
+                <a:latin typeface="tahoma" panose="020B0604030504040204" pitchFamily="34" charset="0"/>
+              </a:rPr>
+              <a:t> de </a:t>
+            </a:r>
+            <a:r>
+              <a:rPr lang="en-US" sz="3200" b="0" i="0" dirty="0" err="1">
+                <a:solidFill>
+                  <a:srgbClr val="000000"/>
+                </a:solidFill>
+                <a:effectLst/>
+                <a:latin typeface="tahoma" panose="020B0604030504040204" pitchFamily="34" charset="0"/>
+              </a:rPr>
+              <a:t>código</a:t>
+            </a:r>
+            <a:r>
+              <a:rPr lang="en-US" sz="3200" b="0" i="0" dirty="0">
+                <a:solidFill>
+                  <a:srgbClr val="000000"/>
+                </a:solidFill>
+                <a:effectLst/>
+                <a:latin typeface="tahoma" panose="020B0604030504040204" pitchFamily="34" charset="0"/>
+              </a:rPr>
+              <a:t> de Roslyn son?</a:t>
             </a:r>
             <a:endParaRPr lang="en-IN" sz="3200" dirty="0">
               <a:solidFill>
-                <a:prstClr val="black"/>
+                <a:schemeClr val="tx1"/>
               </a:solidFill>
               <a:latin typeface="Poppins SemiBold" panose="00000700000000000000" pitchFamily="2" charset="0"/>
               <a:cs typeface="Poppins SemiBold" panose="00000700000000000000" pitchFamily="2" charset="0"/>
@@ -14802,6 +15108,112 @@
             <a:extLst>
               <a:ext uri="{FF2B5EF4-FFF2-40B4-BE49-F238E27FC236}">
                 <a16:creationId xmlns:a16="http://schemas.microsoft.com/office/drawing/2014/main" id="{93EB3632-12C3-41FB-861E-57B9D53BBF65}"/>
+              </a:ext>
+            </a:extLst>
+          </p:cNvPr>
+          <p:cNvSpPr/>
+          <p:nvPr/>
+        </p:nvSpPr>
+        <p:spPr>
+          <a:xfrm>
+            <a:off x="6296298" y="2612571"/>
+            <a:ext cx="3971108" cy="1236618"/>
+          </a:xfrm>
+          <a:prstGeom prst="rect">
+            <a:avLst/>
+          </a:prstGeom>
+          <a:solidFill>
+            <a:schemeClr val="bg1"/>
+          </a:solidFill>
+          <a:ln>
+            <a:solidFill>
+              <a:schemeClr val="bg1">
+                <a:lumMod val="85000"/>
+              </a:schemeClr>
+            </a:solidFill>
+          </a:ln>
+          <a:effectLst>
+            <a:outerShdw blurRad="381000" dist="127000" dir="7080000" sx="94000" sy="94000" algn="t" rotWithShape="0">
+              <a:prstClr val="black">
+                <a:alpha val="16000"/>
+              </a:prstClr>
+            </a:outerShdw>
+          </a:effectLst>
+          <a:scene3d>
+            <a:camera prst="perspectiveFront"/>
+            <a:lightRig rig="threePt" dir="t"/>
+          </a:scene3d>
+        </p:spPr>
+        <p:style>
+          <a:lnRef idx="2">
+            <a:schemeClr val="accent1">
+              <a:shade val="50000"/>
+            </a:schemeClr>
+          </a:lnRef>
+          <a:fillRef idx="1">
+            <a:schemeClr val="accent1"/>
+          </a:fillRef>
+          <a:effectRef idx="0">
+            <a:schemeClr val="accent1"/>
+          </a:effectRef>
+          <a:fontRef idx="minor">
+            <a:schemeClr val="lt1"/>
+          </a:fontRef>
+        </p:style>
+        <p:txBody>
+          <a:bodyPr tIns="144000" bIns="90000" rtlCol="0" anchor="ctr"/>
+          <a:lstStyle/>
+          <a:p>
+            <a:pPr algn="ctr" defTabSz="685800"/>
+            <a:r>
+              <a:rPr lang="en-US" sz="2000" b="0" i="0" dirty="0" err="1">
+                <a:solidFill>
+                  <a:srgbClr val="000000"/>
+                </a:solidFill>
+                <a:effectLst/>
+                <a:latin typeface="tahoma" panose="020B0604030504040204" pitchFamily="34" charset="0"/>
+              </a:rPr>
+              <a:t>Analizadores</a:t>
+            </a:r>
+            <a:r>
+              <a:rPr lang="en-US" sz="2000" b="0" i="0" dirty="0">
+                <a:solidFill>
+                  <a:srgbClr val="000000"/>
+                </a:solidFill>
+                <a:effectLst/>
+                <a:latin typeface="tahoma" panose="020B0604030504040204" pitchFamily="34" charset="0"/>
+              </a:rPr>
+              <a:t> </a:t>
+            </a:r>
+            <a:r>
+              <a:rPr lang="en-US" sz="2000" b="0" i="0" dirty="0" err="1">
+                <a:solidFill>
+                  <a:srgbClr val="000000"/>
+                </a:solidFill>
+                <a:effectLst/>
+                <a:latin typeface="tahoma" panose="020B0604030504040204" pitchFamily="34" charset="0"/>
+              </a:rPr>
+              <a:t>dinámicos</a:t>
+            </a:r>
+            <a:endParaRPr lang="en-IN" sz="2000" dirty="0">
+              <a:solidFill>
+                <a:schemeClr val="tx1"/>
+              </a:solidFill>
+              <a:latin typeface="Poppins SemiBold" panose="00000700000000000000" pitchFamily="2" charset="0"/>
+              <a:cs typeface="Poppins SemiBold" panose="00000700000000000000" pitchFamily="2" charset="0"/>
+            </a:endParaRPr>
+          </a:p>
+        </p:txBody>
+      </p:sp>
+      <p:sp>
+        <p:nvSpPr>
+          <p:cNvPr id="5" name="Rectangle 4">
+            <a:hlinkClick r:id="" action="ppaction://hlinkshowjump?jump=nextslide">
+              <a:snd r:embed="rId5" name="CorrectAnswerSFX.wav"/>
+            </a:hlinkClick>
+            <a:extLst>
+              <a:ext uri="{FF2B5EF4-FFF2-40B4-BE49-F238E27FC236}">
+                <a16:creationId xmlns:a16="http://schemas.microsoft.com/office/drawing/2014/main" id="{11A411AB-3628-4BD3-8F92-E851842AEEC9}"/>
               </a:ext>
             </a:extLst>
           </p:cNvPr>
@@ -14858,18 +15270,209 @@
           <a:bodyPr tIns="144000" bIns="90000" rtlCol="0" anchor="ctr"/>
           <a:lstStyle/>
           <a:p>
+            <a:pPr algn="ctr" defTabSz="685800"/>
+            <a:r>
+              <a:rPr lang="en-US" sz="2000" b="0" i="0" dirty="0" err="1">
+                <a:solidFill>
+                  <a:srgbClr val="000000"/>
+                </a:solidFill>
+                <a:effectLst/>
+                <a:latin typeface="tahoma" panose="020B0604030504040204" pitchFamily="34" charset="0"/>
+              </a:rPr>
+              <a:t>Analizadores</a:t>
+            </a:r>
+            <a:r>
+              <a:rPr lang="en-US" sz="2000" b="0" i="0" dirty="0">
+                <a:solidFill>
+                  <a:srgbClr val="000000"/>
+                </a:solidFill>
+                <a:effectLst/>
+                <a:latin typeface="tahoma" panose="020B0604030504040204" pitchFamily="34" charset="0"/>
+              </a:rPr>
+              <a:t> </a:t>
+            </a:r>
+            <a:r>
+              <a:rPr lang="en-US" sz="2000" b="0" i="0" dirty="0" err="1">
+                <a:solidFill>
+                  <a:srgbClr val="000000"/>
+                </a:solidFill>
+                <a:effectLst/>
+                <a:latin typeface="tahoma" panose="020B0604030504040204" pitchFamily="34" charset="0"/>
+              </a:rPr>
+              <a:t>estáticos</a:t>
+            </a:r>
+            <a:endParaRPr lang="en-IN" sz="2000" dirty="0">
+              <a:solidFill>
+                <a:schemeClr val="tx1"/>
+              </a:solidFill>
+              <a:latin typeface="Poppins SemiBold" panose="00000700000000000000" pitchFamily="2" charset="0"/>
+              <a:cs typeface="Poppins SemiBold" panose="00000700000000000000" pitchFamily="2" charset="0"/>
+            </a:endParaRPr>
+          </a:p>
+        </p:txBody>
+      </p:sp>
+    </p:spTree>
+    <p:extLst>
+      <p:ext uri="{BB962C8B-B14F-4D97-AF65-F5344CB8AC3E}">
+        <p14:creationId xmlns:p14="http://schemas.microsoft.com/office/powerpoint/2010/main" val="4238080148"/>
+      </p:ext>
+    </p:extLst>
+  </p:cSld>
+  <p:clrMapOvr>
+    <a:masterClrMapping/>
+  </p:clrMapOvr>
+</p:sld>
+</file>
+
+<file path=ppt/slides/slide46.xml><?xml version="1.0" encoding="utf-8"?>
+<p:sld xmlns:a="http://schemas.openxmlformats.org/drawingml/2006/main" xmlns:r="http://schemas.openxmlformats.org/officeDocument/2006/relationships" xmlns:p="http://schemas.openxmlformats.org/presentationml/2006/main">
+  <p:cSld>
+    <p:bg>
+      <p:bgPr>
+        <a:solidFill>
+          <a:srgbClr val="00B050"/>
+        </a:solidFill>
+        <a:effectLst/>
+      </p:bgPr>
+    </p:bg>
+    <p:spTree>
+      <p:nvGrpSpPr>
+        <p:cNvPr id="1" name=""/>
+        <p:cNvGrpSpPr/>
+        <p:nvPr/>
+      </p:nvGrpSpPr>
+      <p:grpSpPr>
+        <a:xfrm>
+          <a:off x="0" y="0"/>
+          <a:ext cx="0" cy="0"/>
+          <a:chOff x="0" y="0"/>
+          <a:chExt cx="0" cy="0"/>
+        </a:xfrm>
+      </p:grpSpPr>
+      <p:sp>
+        <p:nvSpPr>
+          <p:cNvPr id="2" name="TextBox 1">
+            <a:extLst>
+              <a:ext uri="{FF2B5EF4-FFF2-40B4-BE49-F238E27FC236}">
+                <a16:creationId xmlns:a16="http://schemas.microsoft.com/office/drawing/2014/main" id="{60075EE3-328C-49EE-B897-556D339C339C}"/>
+              </a:ext>
+            </a:extLst>
+          </p:cNvPr>
+          <p:cNvSpPr txBox="1"/>
+          <p:nvPr/>
+        </p:nvSpPr>
+        <p:spPr>
+          <a:xfrm>
+            <a:off x="2083523" y="1549357"/>
+            <a:ext cx="8024954" cy="923330"/>
+          </a:xfrm>
+          <a:prstGeom prst="rect">
+            <a:avLst/>
+          </a:prstGeom>
+          <a:noFill/>
+        </p:spPr>
+        <p:txBody>
+          <a:bodyPr wrap="none" rtlCol="0">
+            <a:spAutoFit/>
+          </a:bodyPr>
+          <a:lstStyle/>
+          <a:p>
+            <a:pPr>
+              <a:defRPr/>
+            </a:pPr>
+            <a:r>
+              <a:rPr lang="en-US" sz="5400" b="1" dirty="0">
+                <a:solidFill>
+                  <a:prstClr val="white"/>
+                </a:solidFill>
+                <a:latin typeface="Poppins"/>
+              </a:rPr>
+              <a:t>RESPUESTA CORRECTA</a:t>
+            </a:r>
+            <a:endParaRPr lang="en-IN" sz="5400" b="1" dirty="0">
+              <a:solidFill>
+                <a:prstClr val="white"/>
+              </a:solidFill>
+              <a:latin typeface="Poppins"/>
+            </a:endParaRPr>
+          </a:p>
+        </p:txBody>
+      </p:sp>
+      <p:sp>
+        <p:nvSpPr>
+          <p:cNvPr id="3" name="Rectangle 2">
+            <a:hlinkClick r:id="" action="ppaction://hlinkshowjump?jump=nextslide"/>
+            <a:extLst>
+              <a:ext uri="{FF2B5EF4-FFF2-40B4-BE49-F238E27FC236}">
+                <a16:creationId xmlns:a16="http://schemas.microsoft.com/office/drawing/2014/main" id="{3E95FE85-01E9-48D9-93B4-B3632117840E}"/>
+              </a:ext>
+            </a:extLst>
+          </p:cNvPr>
+          <p:cNvSpPr/>
+          <p:nvPr/>
+        </p:nvSpPr>
+        <p:spPr>
+          <a:xfrm>
+            <a:off x="4837611" y="3688666"/>
+            <a:ext cx="2516777" cy="696648"/>
+          </a:xfrm>
+          <a:prstGeom prst="rect">
+            <a:avLst/>
+          </a:prstGeom>
+          <a:solidFill>
+            <a:schemeClr val="bg1"/>
+          </a:solidFill>
+          <a:ln>
+            <a:solidFill>
+              <a:schemeClr val="bg1">
+                <a:lumMod val="85000"/>
+              </a:schemeClr>
+            </a:solidFill>
+          </a:ln>
+          <a:effectLst>
+            <a:outerShdw blurRad="381000" dist="127000" dir="7080000" sx="94000" sy="94000" algn="t" rotWithShape="0">
+              <a:prstClr val="black">
+                <a:alpha val="16000"/>
+              </a:prstClr>
+            </a:outerShdw>
+          </a:effectLst>
+          <a:scene3d>
+            <a:camera prst="perspectiveFront"/>
+            <a:lightRig rig="threePt" dir="t"/>
+          </a:scene3d>
+        </p:spPr>
+        <p:style>
+          <a:lnRef idx="2">
+            <a:schemeClr val="accent1">
+              <a:shade val="50000"/>
+            </a:schemeClr>
+          </a:lnRef>
+          <a:fillRef idx="1">
+            <a:schemeClr val="accent1"/>
+          </a:fillRef>
+          <a:effectRef idx="0">
+            <a:schemeClr val="accent1"/>
+          </a:effectRef>
+          <a:fontRef idx="minor">
+            <a:schemeClr val="lt1"/>
+          </a:fontRef>
+        </p:style>
+        <p:txBody>
+          <a:bodyPr tIns="144000" bIns="90000" rtlCol="0" anchor="ctr"/>
+          <a:lstStyle/>
+          <a:p>
             <a:pPr algn="ctr" defTabSz="685800">
               <a:defRPr/>
             </a:pPr>
             <a:r>
-              <a:rPr lang="en-US" sz="2000" b="0" i="0" dirty="0">
-                <a:solidFill>
-                  <a:srgbClr val="000000"/>
-                </a:solidFill>
-                <a:effectLst/>
-                <a:latin typeface="Segoe UI" panose="020B0502040204020203" pitchFamily="34" charset="0"/>
-              </a:rPr>
-              <a:t>OTEL</a:t>
+              <a:rPr lang="en-US" sz="2000" dirty="0" err="1">
+                <a:solidFill>
+                  <a:prstClr val="black"/>
+                </a:solidFill>
+                <a:latin typeface="Poppins SemiBold" panose="00000700000000000000" pitchFamily="2" charset="0"/>
+                <a:cs typeface="Poppins SemiBold" panose="00000700000000000000" pitchFamily="2" charset="0"/>
+              </a:rPr>
+              <a:t>Siguiente</a:t>
             </a:r>
             <a:endParaRPr lang="en-IN" sz="2000" dirty="0">
               <a:solidFill>
@@ -14881,15 +15484,138 @@
           </a:p>
         </p:txBody>
       </p:sp>
-      <p:sp>
-        <p:nvSpPr>
-          <p:cNvPr id="5" name="Rectangle 4">
-            <a:hlinkClick r:id="" action="ppaction://hlinkshowjump?jump=nextslide">
-              <a:snd r:embed="rId5" name="CorrectAnswerSFX.wav"/>
+    </p:spTree>
+    <p:extLst>
+      <p:ext uri="{BB962C8B-B14F-4D97-AF65-F5344CB8AC3E}">
+        <p14:creationId xmlns:p14="http://schemas.microsoft.com/office/powerpoint/2010/main" val="54821411"/>
+      </p:ext>
+    </p:extLst>
+  </p:cSld>
+  <p:clrMapOvr>
+    <a:masterClrMapping/>
+  </p:clrMapOvr>
+</p:sld>
+</file>
+
+<file path=ppt/slides/slide47.xml><?xml version="1.0" encoding="utf-8"?>
+<p:sld xmlns:a="http://schemas.openxmlformats.org/drawingml/2006/main" xmlns:r="http://schemas.openxmlformats.org/officeDocument/2006/relationships" xmlns:p="http://schemas.openxmlformats.org/presentationml/2006/main">
+  <p:cSld>
+    <p:spTree>
+      <p:nvGrpSpPr>
+        <p:cNvPr id="1" name=""/>
+        <p:cNvGrpSpPr/>
+        <p:nvPr/>
+      </p:nvGrpSpPr>
+      <p:grpSpPr>
+        <a:xfrm>
+          <a:off x="0" y="0"/>
+          <a:ext cx="0" cy="0"/>
+          <a:chOff x="0" y="0"/>
+          <a:chExt cx="0" cy="0"/>
+        </a:xfrm>
+      </p:grpSpPr>
+      <p:sp>
+        <p:nvSpPr>
+          <p:cNvPr id="2" name="Rectangle 1">
+            <a:extLst>
+              <a:ext uri="{FF2B5EF4-FFF2-40B4-BE49-F238E27FC236}">
+                <a16:creationId xmlns:a16="http://schemas.microsoft.com/office/drawing/2014/main" id="{29228A24-4A1B-41B0-A802-CD51398332B9}"/>
+              </a:ext>
+            </a:extLst>
+          </p:cNvPr>
+          <p:cNvSpPr/>
+          <p:nvPr/>
+        </p:nvSpPr>
+        <p:spPr>
+          <a:xfrm>
+            <a:off x="1976846" y="435429"/>
+            <a:ext cx="8290560" cy="1898468"/>
+          </a:xfrm>
+          <a:prstGeom prst="rect">
+            <a:avLst/>
+          </a:prstGeom>
+          <a:solidFill>
+            <a:srgbClr val="FFFF00"/>
+          </a:solidFill>
+          <a:ln>
+            <a:solidFill>
+              <a:schemeClr val="bg1">
+                <a:lumMod val="85000"/>
+              </a:schemeClr>
+            </a:solidFill>
+          </a:ln>
+          <a:effectLst>
+            <a:outerShdw blurRad="381000" dist="127000" dir="7080000" sx="94000" sy="94000" algn="t" rotWithShape="0">
+              <a:prstClr val="black">
+                <a:alpha val="16000"/>
+              </a:prstClr>
+            </a:outerShdw>
+          </a:effectLst>
+          <a:scene3d>
+            <a:camera prst="perspectiveFront"/>
+            <a:lightRig rig="threePt" dir="t"/>
+          </a:scene3d>
+        </p:spPr>
+        <p:style>
+          <a:lnRef idx="2">
+            <a:schemeClr val="accent1">
+              <a:shade val="50000"/>
+            </a:schemeClr>
+          </a:lnRef>
+          <a:fillRef idx="1">
+            <a:schemeClr val="accent1"/>
+          </a:fillRef>
+          <a:effectRef idx="0">
+            <a:schemeClr val="accent1"/>
+          </a:effectRef>
+          <a:fontRef idx="minor">
+            <a:schemeClr val="lt1"/>
+          </a:fontRef>
+        </p:style>
+        <p:txBody>
+          <a:bodyPr tIns="144000" bIns="90000" rtlCol="0" anchor="ctr"/>
+          <a:lstStyle/>
+          <a:p>
+            <a:pPr algn="ctr" defTabSz="685800"/>
+            <a:r>
+              <a:rPr lang="en-US" sz="3200" dirty="0">
+                <a:solidFill>
+                  <a:schemeClr val="tx1"/>
+                </a:solidFill>
+                <a:latin typeface="Poppins SemiBold" panose="00000700000000000000" pitchFamily="2" charset="0"/>
+                <a:cs typeface="Poppins SemiBold" panose="00000700000000000000" pitchFamily="2" charset="0"/>
+              </a:rPr>
+              <a:t>22. </a:t>
+            </a:r>
+            <a:r>
+              <a:rPr lang="es-ES" sz="2800" b="0" i="0" dirty="0">
+                <a:solidFill>
+                  <a:srgbClr val="000000"/>
+                </a:solidFill>
+                <a:effectLst/>
+                <a:latin typeface="Calibri" panose="020F0502020204030204" pitchFamily="34" charset="0"/>
+              </a:rPr>
+              <a:t>¿Cual es la principal diferencia relacionada con el ámbito de administración de los dispositivos entre Intune y un dominio basado en directorio activo?</a:t>
+            </a:r>
+            <a:endParaRPr lang="en-IN" sz="3200" dirty="0">
+              <a:solidFill>
+                <a:schemeClr val="tx1"/>
+              </a:solidFill>
+              <a:latin typeface="Poppins SemiBold" panose="00000700000000000000" pitchFamily="2" charset="0"/>
+              <a:cs typeface="Poppins SemiBold" panose="00000700000000000000" pitchFamily="2" charset="0"/>
+            </a:endParaRPr>
+          </a:p>
+        </p:txBody>
+      </p:sp>
+      <p:sp>
+        <p:nvSpPr>
+          <p:cNvPr id="3" name="Rectangle 2">
+            <a:hlinkClick r:id="rId3" action="ppaction://hlinksldjump">
+              <a:snd r:embed="rId4" name="WrongAnswerSFX.wav"/>
             </a:hlinkClick>
             <a:extLst>
               <a:ext uri="{FF2B5EF4-FFF2-40B4-BE49-F238E27FC236}">
-                <a16:creationId xmlns:a16="http://schemas.microsoft.com/office/drawing/2014/main" id="{11A411AB-3628-4BD3-8F92-E851842AEEC9}"/>
+                <a16:creationId xmlns:a16="http://schemas.microsoft.com/office/drawing/2014/main" id="{93EB3632-12C3-41FB-861E-57B9D53BBF65}"/>
               </a:ext>
             </a:extLst>
           </p:cNvPr>
@@ -14948,14 +15674,14 @@
           <a:p>
             <a:pPr algn="ctr" defTabSz="685800"/>
             <a:r>
-              <a:rPr lang="en-US" sz="2000" b="0" i="0" dirty="0">
+              <a:rPr lang="es-ES" sz="2000" b="0" i="0" dirty="0">
                 <a:solidFill>
                   <a:srgbClr val="000000"/>
                 </a:solidFill>
                 <a:effectLst/>
-                <a:latin typeface="Segoe UI" panose="020B0502040204020203" pitchFamily="34" charset="0"/>
-              </a:rPr>
-              <a:t>OTLP</a:t>
+                <a:latin typeface="Calibri" panose="020F0502020204030204" pitchFamily="34" charset="0"/>
+              </a:rPr>
+              <a:t>Que con Intune podemos administrar dispositivos Android y IOS y otros sistemas operativos no Windows.</a:t>
             </a:r>
             <a:endParaRPr lang="en-IN" sz="2000" dirty="0">
               <a:solidFill>
@@ -14967,10 +15693,96 @@
           </a:p>
         </p:txBody>
       </p:sp>
+      <p:sp>
+        <p:nvSpPr>
+          <p:cNvPr id="5" name="Rectangle 4">
+            <a:hlinkClick r:id="" action="ppaction://hlinkshowjump?jump=nextslide">
+              <a:snd r:embed="rId5" name="CorrectAnswerSFX.wav"/>
+            </a:hlinkClick>
+            <a:extLst>
+              <a:ext uri="{FF2B5EF4-FFF2-40B4-BE49-F238E27FC236}">
+                <a16:creationId xmlns:a16="http://schemas.microsoft.com/office/drawing/2014/main" id="{11A411AB-3628-4BD3-8F92-E851842AEEC9}"/>
+              </a:ext>
+            </a:extLst>
+          </p:cNvPr>
+          <p:cNvSpPr/>
+          <p:nvPr/>
+        </p:nvSpPr>
+        <p:spPr>
+          <a:xfrm>
+            <a:off x="1976846" y="2612571"/>
+            <a:ext cx="3971108" cy="1236618"/>
+          </a:xfrm>
+          <a:prstGeom prst="rect">
+            <a:avLst/>
+          </a:prstGeom>
+          <a:solidFill>
+            <a:schemeClr val="bg1"/>
+          </a:solidFill>
+          <a:ln>
+            <a:solidFill>
+              <a:schemeClr val="bg1">
+                <a:lumMod val="85000"/>
+              </a:schemeClr>
+            </a:solidFill>
+          </a:ln>
+          <a:effectLst>
+            <a:outerShdw blurRad="381000" dist="127000" dir="7080000" sx="94000" sy="94000" algn="t" rotWithShape="0">
+              <a:prstClr val="black">
+                <a:alpha val="16000"/>
+              </a:prstClr>
+            </a:outerShdw>
+          </a:effectLst>
+          <a:scene3d>
+            <a:camera prst="perspectiveFront"/>
+            <a:lightRig rig="threePt" dir="t"/>
+          </a:scene3d>
+        </p:spPr>
+        <p:style>
+          <a:lnRef idx="2">
+            <a:schemeClr val="accent1">
+              <a:shade val="50000"/>
+            </a:schemeClr>
+          </a:lnRef>
+          <a:fillRef idx="1">
+            <a:schemeClr val="accent1"/>
+          </a:fillRef>
+          <a:effectRef idx="0">
+            <a:schemeClr val="accent1"/>
+          </a:effectRef>
+          <a:fontRef idx="minor">
+            <a:schemeClr val="lt1"/>
+          </a:fontRef>
+        </p:style>
+        <p:txBody>
+          <a:bodyPr tIns="144000" bIns="90000" rtlCol="0" anchor="ctr"/>
+          <a:lstStyle/>
+          <a:p>
+            <a:pPr algn="ctr" defTabSz="685800"/>
+            <a:r>
+              <a:rPr lang="es-ES" sz="2000" b="0" i="0" dirty="0">
+                <a:solidFill>
+                  <a:srgbClr val="000000"/>
+                </a:solidFill>
+                <a:effectLst/>
+                <a:latin typeface="Calibri" panose="020F0502020204030204" pitchFamily="34" charset="0"/>
+              </a:rPr>
+              <a:t>Que con Intune no necesitamos que nuestros dispositivos estén en la red local.</a:t>
+            </a:r>
+            <a:endParaRPr lang="en-IN" sz="2000" dirty="0">
+              <a:solidFill>
+                <a:schemeClr val="tx1"/>
+              </a:solidFill>
+              <a:latin typeface="Poppins SemiBold" panose="00000700000000000000" pitchFamily="2" charset="0"/>
+              <a:cs typeface="Poppins SemiBold" panose="00000700000000000000" pitchFamily="2" charset="0"/>
+            </a:endParaRPr>
+          </a:p>
+        </p:txBody>
+      </p:sp>
     </p:spTree>
     <p:extLst>
       <p:ext uri="{BB962C8B-B14F-4D97-AF65-F5344CB8AC3E}">
-        <p14:creationId xmlns:p14="http://schemas.microsoft.com/office/powerpoint/2010/main" val="740380905"/>
+        <p14:creationId xmlns:p14="http://schemas.microsoft.com/office/powerpoint/2010/main" val="2339577612"/>
       </p:ext>
     </p:extLst>
   </p:cSld>
@@ -14980,7 +15792,7 @@
 </p:sld>
 </file>
 
-<file path=ppt/slides/slide6.xml><?xml version="1.0" encoding="utf-8"?>
+<file path=ppt/slides/slide48.xml><?xml version="1.0" encoding="utf-8"?>
 <p:sld xmlns:a="http://schemas.openxmlformats.org/drawingml/2006/main" xmlns:r="http://schemas.openxmlformats.org/officeDocument/2006/relationships" xmlns:p="http://schemas.openxmlformats.org/presentationml/2006/main">
   <p:cSld>
     <p:bg>
@@ -15143,7 +15955,7 @@
     </p:spTree>
     <p:extLst>
       <p:ext uri="{BB962C8B-B14F-4D97-AF65-F5344CB8AC3E}">
-        <p14:creationId xmlns:p14="http://schemas.microsoft.com/office/powerpoint/2010/main" val="1715038291"/>
+        <p14:creationId xmlns:p14="http://schemas.microsoft.com/office/powerpoint/2010/main" val="500679547"/>
       </p:ext>
     </p:extLst>
   </p:cSld>
@@ -15153,7 +15965,7 @@
 </p:sld>
 </file>
 
-<file path=ppt/slides/slide7.xml><?xml version="1.0" encoding="utf-8"?>
+<file path=ppt/slides/slide49.xml><?xml version="1.0" encoding="utf-8"?>
 <p:sld xmlns:a="http://schemas.openxmlformats.org/drawingml/2006/main" xmlns:r="http://schemas.openxmlformats.org/officeDocument/2006/relationships" xmlns:p="http://schemas.openxmlformats.org/presentationml/2006/main">
   <p:cSld>
     <p:spTree>
@@ -15232,52 +16044,173 @@
           <a:bodyPr tIns="144000" bIns="90000" rtlCol="0" anchor="ctr"/>
           <a:lstStyle/>
           <a:p>
-            <a:pPr algn="ctr" defTabSz="685800">
-              <a:defRPr/>
-            </a:pPr>
+            <a:pPr algn="ctr" defTabSz="685800"/>
             <a:r>
               <a:rPr lang="en-US" sz="3200" dirty="0">
                 <a:solidFill>
-                  <a:prstClr val="black"/>
+                  <a:schemeClr val="tx1"/>
                 </a:solidFill>
                 <a:latin typeface="Poppins SemiBold" panose="00000700000000000000" pitchFamily="2" charset="0"/>
                 <a:cs typeface="Poppins SemiBold" panose="00000700000000000000" pitchFamily="2" charset="0"/>
               </a:rPr>
-              <a:t>3. </a:t>
-            </a:r>
-            <a:r>
-              <a:rPr lang="es-ES" sz="3200" b="0" i="0" dirty="0">
+              <a:t>23. </a:t>
+            </a:r>
+            <a:r>
+              <a:rPr lang="en-US" sz="1800" dirty="0">
                 <a:solidFill>
                   <a:srgbClr val="000000"/>
                 </a:solidFill>
                 <a:effectLst/>
-                <a:latin typeface="Segoe UI" panose="020B0502040204020203" pitchFamily="34" charset="0"/>
-              </a:rPr>
-              <a:t>¿Con qué cantidad de datos fue entrenado el modelo GPT 4 de </a:t>
-            </a:r>
-            <a:r>
-              <a:rPr lang="es-ES" sz="3200" b="0" i="0" dirty="0" err="1">
+                <a:latin typeface="Calibri" panose="020F0502020204030204" pitchFamily="34" charset="0"/>
+                <a:ea typeface="Times New Roman" panose="02020603050405020304" pitchFamily="18" charset="0"/>
+              </a:rPr>
+              <a:t>AI Builder </a:t>
+            </a:r>
+            <a:r>
+              <a:rPr lang="en-US" sz="1800" dirty="0" err="1">
                 <a:solidFill>
                   <a:srgbClr val="000000"/>
                 </a:solidFill>
                 <a:effectLst/>
-                <a:latin typeface="Segoe UI" panose="020B0502040204020203" pitchFamily="34" charset="0"/>
-              </a:rPr>
-              <a:t>OpenAI</a:t>
-            </a:r>
-            <a:r>
-              <a:rPr lang="es-ES" sz="3200" b="0" i="0" dirty="0">
+                <a:latin typeface="Calibri" panose="020F0502020204030204" pitchFamily="34" charset="0"/>
+                <a:ea typeface="Times New Roman" panose="02020603050405020304" pitchFamily="18" charset="0"/>
+              </a:rPr>
+              <a:t>en</a:t>
+            </a:r>
+            <a:r>
+              <a:rPr lang="en-US" sz="1800" dirty="0">
                 <a:solidFill>
                   <a:srgbClr val="000000"/>
                 </a:solidFill>
                 <a:effectLst/>
-                <a:latin typeface="Segoe UI" panose="020B0502040204020203" pitchFamily="34" charset="0"/>
-              </a:rPr>
-              <a:t>?</a:t>
-            </a:r>
-            <a:endParaRPr lang="en-IN" sz="3200" dirty="0">
+                <a:latin typeface="Calibri" panose="020F0502020204030204" pitchFamily="34" charset="0"/>
+                <a:ea typeface="Times New Roman" panose="02020603050405020304" pitchFamily="18" charset="0"/>
+              </a:rPr>
+              <a:t> Power Platform se cobra </a:t>
+            </a:r>
+            <a:r>
+              <a:rPr lang="en-US" sz="1800" dirty="0" err="1">
+                <a:solidFill>
+                  <a:srgbClr val="000000"/>
+                </a:solidFill>
+                <a:effectLst/>
+                <a:latin typeface="Calibri" panose="020F0502020204030204" pitchFamily="34" charset="0"/>
+                <a:ea typeface="Times New Roman" panose="02020603050405020304" pitchFamily="18" charset="0"/>
+              </a:rPr>
+              <a:t>por</a:t>
+            </a:r>
+            <a:r>
+              <a:rPr lang="en-US" sz="1800" dirty="0">
+                <a:solidFill>
+                  <a:srgbClr val="000000"/>
+                </a:solidFill>
+                <a:effectLst/>
+                <a:latin typeface="Calibri" panose="020F0502020204030204" pitchFamily="34" charset="0"/>
+                <a:ea typeface="Times New Roman" panose="02020603050405020304" pitchFamily="18" charset="0"/>
+              </a:rPr>
+              <a:t> </a:t>
+            </a:r>
+            <a:r>
+              <a:rPr lang="en-US" sz="1800" dirty="0" err="1">
+                <a:solidFill>
+                  <a:srgbClr val="000000"/>
+                </a:solidFill>
+                <a:effectLst/>
+                <a:latin typeface="Calibri" panose="020F0502020204030204" pitchFamily="34" charset="0"/>
+                <a:ea typeface="Times New Roman" panose="02020603050405020304" pitchFamily="18" charset="0"/>
+              </a:rPr>
+              <a:t>transacción</a:t>
+            </a:r>
+            <a:endParaRPr lang="en-US" sz="1800" dirty="0">
               <a:solidFill>
-                <a:prstClr val="black"/>
+                <a:srgbClr val="000000"/>
+              </a:solidFill>
+              <a:effectLst/>
+              <a:latin typeface="Calibri" panose="020F0502020204030204" pitchFamily="34" charset="0"/>
+              <a:ea typeface="Calibri" panose="020F0502020204030204" pitchFamily="34" charset="0"/>
+            </a:endParaRPr>
+          </a:p>
+        </p:txBody>
+      </p:sp>
+      <p:sp>
+        <p:nvSpPr>
+          <p:cNvPr id="3" name="Rectangle 2">
+            <a:hlinkClick r:id="rId3" action="ppaction://hlinksldjump">
+              <a:snd r:embed="rId4" name="WrongAnswerSFX.wav"/>
+            </a:hlinkClick>
+            <a:extLst>
+              <a:ext uri="{FF2B5EF4-FFF2-40B4-BE49-F238E27FC236}">
+                <a16:creationId xmlns:a16="http://schemas.microsoft.com/office/drawing/2014/main" id="{93EB3632-12C3-41FB-861E-57B9D53BBF65}"/>
+              </a:ext>
+            </a:extLst>
+          </p:cNvPr>
+          <p:cNvSpPr/>
+          <p:nvPr/>
+        </p:nvSpPr>
+        <p:spPr>
+          <a:xfrm>
+            <a:off x="6296298" y="2612571"/>
+            <a:ext cx="3971108" cy="1236618"/>
+          </a:xfrm>
+          <a:prstGeom prst="rect">
+            <a:avLst/>
+          </a:prstGeom>
+          <a:solidFill>
+            <a:schemeClr val="bg1"/>
+          </a:solidFill>
+          <a:ln>
+            <a:solidFill>
+              <a:schemeClr val="bg1">
+                <a:lumMod val="85000"/>
+              </a:schemeClr>
+            </a:solidFill>
+          </a:ln>
+          <a:effectLst>
+            <a:outerShdw blurRad="381000" dist="127000" dir="7080000" sx="94000" sy="94000" algn="t" rotWithShape="0">
+              <a:prstClr val="black">
+                <a:alpha val="16000"/>
+              </a:prstClr>
+            </a:outerShdw>
+          </a:effectLst>
+          <a:scene3d>
+            <a:camera prst="perspectiveFront"/>
+            <a:lightRig rig="threePt" dir="t"/>
+          </a:scene3d>
+        </p:spPr>
+        <p:style>
+          <a:lnRef idx="2">
+            <a:schemeClr val="accent1">
+              <a:shade val="50000"/>
+            </a:schemeClr>
+          </a:lnRef>
+          <a:fillRef idx="1">
+            <a:schemeClr val="accent1"/>
+          </a:fillRef>
+          <a:effectRef idx="0">
+            <a:schemeClr val="accent1"/>
+          </a:effectRef>
+          <a:fontRef idx="minor">
+            <a:schemeClr val="lt1"/>
+          </a:fontRef>
+        </p:style>
+        <p:txBody>
+          <a:bodyPr tIns="144000" bIns="90000" rtlCol="0" anchor="ctr"/>
+          <a:lstStyle/>
+          <a:p>
+            <a:pPr algn="ctr" defTabSz="685800"/>
+            <a:r>
+              <a:rPr lang="es-ES" sz="2000" b="0" i="0" dirty="0">
+                <a:solidFill>
+                  <a:srgbClr val="000000"/>
+                </a:solidFill>
+                <a:effectLst/>
+                <a:latin typeface="Calibri" panose="020F0502020204030204" pitchFamily="34" charset="0"/>
+              </a:rPr>
+              <a:t>Si</a:t>
+            </a:r>
+            <a:endParaRPr lang="en-IN" sz="2000" dirty="0">
+              <a:solidFill>
+                <a:schemeClr val="tx1"/>
               </a:solidFill>
               <a:latin typeface="Poppins SemiBold" panose="00000700000000000000" pitchFamily="2" charset="0"/>
               <a:cs typeface="Poppins SemiBold" panose="00000700000000000000" pitchFamily="2" charset="0"/>
@@ -15287,13 +16220,13 @@
       </p:sp>
       <p:sp>
         <p:nvSpPr>
-          <p:cNvPr id="3" name="Rectangle 2">
-            <a:hlinkClick r:id="rId2" action="ppaction://hlinksldjump">
-              <a:snd r:embed="rId3" name="WrongAnswerSFX.wav"/>
+          <p:cNvPr id="5" name="Rectangle 4">
+            <a:hlinkClick r:id="" action="ppaction://hlinkshowjump?jump=nextslide">
+              <a:snd r:embed="rId5" name="CorrectAnswerSFX.wav"/>
             </a:hlinkClick>
             <a:extLst>
               <a:ext uri="{FF2B5EF4-FFF2-40B4-BE49-F238E27FC236}">
-                <a16:creationId xmlns:a16="http://schemas.microsoft.com/office/drawing/2014/main" id="{93EB3632-12C3-41FB-861E-57B9D53BBF65}"/>
+                <a16:creationId xmlns:a16="http://schemas.microsoft.com/office/drawing/2014/main" id="{11A411AB-3628-4BD3-8F92-E851842AEEC9}"/>
               </a:ext>
             </a:extLst>
           </p:cNvPr>
@@ -15350,18 +16283,249 @@
           <a:bodyPr tIns="144000" bIns="90000" rtlCol="0" anchor="ctr"/>
           <a:lstStyle/>
           <a:p>
+            <a:pPr algn="ctr" defTabSz="685800"/>
+            <a:r>
+              <a:rPr lang="es-ES" sz="2000" b="0" i="0" dirty="0">
+                <a:solidFill>
+                  <a:srgbClr val="000000"/>
+                </a:solidFill>
+                <a:effectLst/>
+                <a:latin typeface="Calibri" panose="020F0502020204030204" pitchFamily="34" charset="0"/>
+              </a:rPr>
+              <a:t>No</a:t>
+            </a:r>
+            <a:endParaRPr lang="en-IN" sz="2000" dirty="0">
+              <a:solidFill>
+                <a:schemeClr val="tx1"/>
+              </a:solidFill>
+              <a:latin typeface="Poppins SemiBold" panose="00000700000000000000" pitchFamily="2" charset="0"/>
+              <a:cs typeface="Poppins SemiBold" panose="00000700000000000000" pitchFamily="2" charset="0"/>
+            </a:endParaRPr>
+          </a:p>
+        </p:txBody>
+      </p:sp>
+    </p:spTree>
+    <p:extLst>
+      <p:ext uri="{BB962C8B-B14F-4D97-AF65-F5344CB8AC3E}">
+        <p14:creationId xmlns:p14="http://schemas.microsoft.com/office/powerpoint/2010/main" val="2423067941"/>
+      </p:ext>
+    </p:extLst>
+  </p:cSld>
+  <p:clrMapOvr>
+    <a:masterClrMapping/>
+  </p:clrMapOvr>
+</p:sld>
+</file>
+
+<file path=ppt/slides/slide5.xml><?xml version="1.0" encoding="utf-8"?>
+<p:sld xmlns:a="http://schemas.openxmlformats.org/drawingml/2006/main" xmlns:r="http://schemas.openxmlformats.org/officeDocument/2006/relationships" xmlns:p="http://schemas.openxmlformats.org/presentationml/2006/main">
+  <p:cSld>
+    <p:spTree>
+      <p:nvGrpSpPr>
+        <p:cNvPr id="1" name=""/>
+        <p:cNvGrpSpPr/>
+        <p:nvPr/>
+      </p:nvGrpSpPr>
+      <p:grpSpPr>
+        <a:xfrm>
+          <a:off x="0" y="0"/>
+          <a:ext cx="0" cy="0"/>
+          <a:chOff x="0" y="0"/>
+          <a:chExt cx="0" cy="0"/>
+        </a:xfrm>
+      </p:grpSpPr>
+      <p:sp>
+        <p:nvSpPr>
+          <p:cNvPr id="2" name="Rectangle 1">
+            <a:extLst>
+              <a:ext uri="{FF2B5EF4-FFF2-40B4-BE49-F238E27FC236}">
+                <a16:creationId xmlns:a16="http://schemas.microsoft.com/office/drawing/2014/main" id="{29228A24-4A1B-41B0-A802-CD51398332B9}"/>
+              </a:ext>
+            </a:extLst>
+          </p:cNvPr>
+          <p:cNvSpPr/>
+          <p:nvPr/>
+        </p:nvSpPr>
+        <p:spPr>
+          <a:xfrm>
+            <a:off x="1976846" y="435429"/>
+            <a:ext cx="8290560" cy="1898468"/>
+          </a:xfrm>
+          <a:prstGeom prst="rect">
+            <a:avLst/>
+          </a:prstGeom>
+          <a:solidFill>
+            <a:srgbClr val="FFFF00"/>
+          </a:solidFill>
+          <a:ln>
+            <a:solidFill>
+              <a:schemeClr val="bg1">
+                <a:lumMod val="85000"/>
+              </a:schemeClr>
+            </a:solidFill>
+          </a:ln>
+          <a:effectLst>
+            <a:outerShdw blurRad="381000" dist="127000" dir="7080000" sx="94000" sy="94000" algn="t" rotWithShape="0">
+              <a:prstClr val="black">
+                <a:alpha val="16000"/>
+              </a:prstClr>
+            </a:outerShdw>
+          </a:effectLst>
+          <a:scene3d>
+            <a:camera prst="perspectiveFront"/>
+            <a:lightRig rig="threePt" dir="t"/>
+          </a:scene3d>
+        </p:spPr>
+        <p:style>
+          <a:lnRef idx="2">
+            <a:schemeClr val="accent1">
+              <a:shade val="50000"/>
+            </a:schemeClr>
+          </a:lnRef>
+          <a:fillRef idx="1">
+            <a:schemeClr val="accent1"/>
+          </a:fillRef>
+          <a:effectRef idx="0">
+            <a:schemeClr val="accent1"/>
+          </a:effectRef>
+          <a:fontRef idx="minor">
+            <a:schemeClr val="lt1"/>
+          </a:fontRef>
+        </p:style>
+        <p:txBody>
+          <a:bodyPr tIns="144000" bIns="90000" rtlCol="0" anchor="ctr"/>
+          <a:lstStyle/>
+          <a:p>
             <a:pPr algn="ctr" defTabSz="685800">
               <a:defRPr/>
             </a:pPr>
             <a:r>
-              <a:rPr lang="en-US" sz="2000" b="0" i="0" dirty="0">
+              <a:rPr lang="en-US" sz="3200" dirty="0">
+                <a:solidFill>
+                  <a:prstClr val="black"/>
+                </a:solidFill>
+                <a:latin typeface="Poppins SemiBold" panose="00000700000000000000" pitchFamily="2" charset="0"/>
+                <a:cs typeface="Poppins SemiBold" panose="00000700000000000000" pitchFamily="2" charset="0"/>
+              </a:rPr>
+              <a:t>2. </a:t>
+            </a:r>
+            <a:r>
+              <a:rPr lang="es-ES" sz="3200" b="0" i="0" dirty="0">
                 <a:solidFill>
                   <a:srgbClr val="000000"/>
                 </a:solidFill>
                 <a:effectLst/>
                 <a:latin typeface="Segoe UI" panose="020B0502040204020203" pitchFamily="34" charset="0"/>
               </a:rPr>
-              <a:t>17GB</a:t>
+              <a:t>¿Cuál es el protocolo que utiliza </a:t>
+            </a:r>
+            <a:r>
+              <a:rPr lang="es-ES" sz="3200" b="0" i="0" dirty="0" err="1">
+                <a:solidFill>
+                  <a:srgbClr val="000000"/>
+                </a:solidFill>
+                <a:effectLst/>
+                <a:latin typeface="Segoe UI" panose="020B0502040204020203" pitchFamily="34" charset="0"/>
+              </a:rPr>
+              <a:t>OpenTelemetry</a:t>
+            </a:r>
+            <a:r>
+              <a:rPr lang="es-ES" sz="3200" b="0" i="0" dirty="0">
+                <a:solidFill>
+                  <a:srgbClr val="000000"/>
+                </a:solidFill>
+                <a:effectLst/>
+                <a:latin typeface="Segoe UI" panose="020B0502040204020203" pitchFamily="34" charset="0"/>
+              </a:rPr>
+              <a:t>?</a:t>
+            </a:r>
+            <a:endParaRPr lang="en-IN" sz="3200" dirty="0">
+              <a:solidFill>
+                <a:prstClr val="black"/>
+              </a:solidFill>
+              <a:latin typeface="Poppins SemiBold" panose="00000700000000000000" pitchFamily="2" charset="0"/>
+              <a:cs typeface="Poppins SemiBold" panose="00000700000000000000" pitchFamily="2" charset="0"/>
+            </a:endParaRPr>
+          </a:p>
+        </p:txBody>
+      </p:sp>
+      <p:sp>
+        <p:nvSpPr>
+          <p:cNvPr id="3" name="Rectangle 2">
+            <a:hlinkClick r:id="rId3" action="ppaction://hlinksldjump">
+              <a:snd r:embed="rId4" name="WrongAnswerSFX.wav"/>
+            </a:hlinkClick>
+            <a:extLst>
+              <a:ext uri="{FF2B5EF4-FFF2-40B4-BE49-F238E27FC236}">
+                <a16:creationId xmlns:a16="http://schemas.microsoft.com/office/drawing/2014/main" id="{93EB3632-12C3-41FB-861E-57B9D53BBF65}"/>
+              </a:ext>
+            </a:extLst>
+          </p:cNvPr>
+          <p:cNvSpPr/>
+          <p:nvPr/>
+        </p:nvSpPr>
+        <p:spPr>
+          <a:xfrm>
+            <a:off x="1976846" y="2612571"/>
+            <a:ext cx="3971108" cy="1236618"/>
+          </a:xfrm>
+          <a:prstGeom prst="rect">
+            <a:avLst/>
+          </a:prstGeom>
+          <a:solidFill>
+            <a:schemeClr val="bg1"/>
+          </a:solidFill>
+          <a:ln>
+            <a:solidFill>
+              <a:schemeClr val="bg1">
+                <a:lumMod val="85000"/>
+              </a:schemeClr>
+            </a:solidFill>
+          </a:ln>
+          <a:effectLst>
+            <a:outerShdw blurRad="381000" dist="127000" dir="7080000" sx="94000" sy="94000" algn="t" rotWithShape="0">
+              <a:prstClr val="black">
+                <a:alpha val="16000"/>
+              </a:prstClr>
+            </a:outerShdw>
+          </a:effectLst>
+          <a:scene3d>
+            <a:camera prst="perspectiveFront"/>
+            <a:lightRig rig="threePt" dir="t"/>
+          </a:scene3d>
+        </p:spPr>
+        <p:style>
+          <a:lnRef idx="2">
+            <a:schemeClr val="accent1">
+              <a:shade val="50000"/>
+            </a:schemeClr>
+          </a:lnRef>
+          <a:fillRef idx="1">
+            <a:schemeClr val="accent1"/>
+          </a:fillRef>
+          <a:effectRef idx="0">
+            <a:schemeClr val="accent1"/>
+          </a:effectRef>
+          <a:fontRef idx="minor">
+            <a:schemeClr val="lt1"/>
+          </a:fontRef>
+        </p:style>
+        <p:txBody>
+          <a:bodyPr tIns="144000" bIns="90000" rtlCol="0" anchor="ctr"/>
+          <a:lstStyle/>
+          <a:p>
+            <a:pPr algn="ctr" defTabSz="685800">
+              <a:defRPr/>
+            </a:pPr>
+            <a:r>
+              <a:rPr lang="en-US" sz="2000" b="0" i="0" dirty="0">
+                <a:solidFill>
+                  <a:srgbClr val="000000"/>
+                </a:solidFill>
+                <a:effectLst/>
+                <a:latin typeface="Segoe UI" panose="020B0502040204020203" pitchFamily="34" charset="0"/>
+              </a:rPr>
+              <a:t>OTEL</a:t>
             </a:r>
             <a:endParaRPr lang="en-IN" sz="2000" dirty="0">
               <a:solidFill>
@@ -15377,7 +16541,7 @@
         <p:nvSpPr>
           <p:cNvPr id="5" name="Rectangle 4">
             <a:hlinkClick r:id="" action="ppaction://hlinkshowjump?jump=nextslide">
-              <a:snd r:embed="rId4" name="CorrectAnswerSFX.wav"/>
+              <a:snd r:embed="rId5" name="CorrectAnswerSFX.wav"/>
             </a:hlinkClick>
             <a:extLst>
               <a:ext uri="{FF2B5EF4-FFF2-40B4-BE49-F238E27FC236}">
@@ -15447,7 +16611,7 @@
                 <a:effectLst/>
                 <a:latin typeface="Segoe UI" panose="020B0502040204020203" pitchFamily="34" charset="0"/>
               </a:rPr>
-              <a:t>45GB </a:t>
+              <a:t>OTLP</a:t>
             </a:r>
             <a:endParaRPr lang="en-IN" sz="2000" dirty="0">
               <a:solidFill>
@@ -15462,7 +16626,7 @@
     </p:spTree>
     <p:extLst>
       <p:ext uri="{BB962C8B-B14F-4D97-AF65-F5344CB8AC3E}">
-        <p14:creationId xmlns:p14="http://schemas.microsoft.com/office/powerpoint/2010/main" val="1389295786"/>
+        <p14:creationId xmlns:p14="http://schemas.microsoft.com/office/powerpoint/2010/main" val="740380905"/>
       </p:ext>
     </p:extLst>
   </p:cSld>
@@ -15472,7 +16636,7 @@
 </p:sld>
 </file>
 
-<file path=ppt/slides/slide8.xml><?xml version="1.0" encoding="utf-8"?>
+<file path=ppt/slides/slide50.xml><?xml version="1.0" encoding="utf-8"?>
 <p:sld xmlns:a="http://schemas.openxmlformats.org/drawingml/2006/main" xmlns:r="http://schemas.openxmlformats.org/officeDocument/2006/relationships" xmlns:p="http://schemas.openxmlformats.org/presentationml/2006/main">
   <p:cSld>
     <p:bg>
@@ -15635,7 +16799,7 @@
     </p:spTree>
     <p:extLst>
       <p:ext uri="{BB962C8B-B14F-4D97-AF65-F5344CB8AC3E}">
-        <p14:creationId xmlns:p14="http://schemas.microsoft.com/office/powerpoint/2010/main" val="3536002238"/>
+        <p14:creationId xmlns:p14="http://schemas.microsoft.com/office/powerpoint/2010/main" val="2383367045"/>
       </p:ext>
     </p:extLst>
   </p:cSld>
@@ -15645,7 +16809,7 @@
 </p:sld>
 </file>
 
-<file path=ppt/slides/slide9.xml><?xml version="1.0" encoding="utf-8"?>
+<file path=ppt/slides/slide51.xml><?xml version="1.0" encoding="utf-8"?>
 <p:sld xmlns:a="http://schemas.openxmlformats.org/drawingml/2006/main" xmlns:r="http://schemas.openxmlformats.org/officeDocument/2006/relationships" xmlns:p="http://schemas.openxmlformats.org/presentationml/2006/main">
   <p:cSld>
     <p:spTree>
@@ -15735,24 +16899,81 @@
                 <a:latin typeface="Poppins SemiBold" panose="00000700000000000000" pitchFamily="2" charset="0"/>
                 <a:cs typeface="Poppins SemiBold" panose="00000700000000000000" pitchFamily="2" charset="0"/>
               </a:rPr>
-              <a:t>4. </a:t>
-            </a:r>
-            <a:r>
-              <a:rPr lang="es-ES" sz="3200" b="0" i="0" dirty="0">
+              <a:t>24. </a:t>
+            </a:r>
+            <a:r>
+              <a:rPr lang="en-US" sz="2400" dirty="0">
                 <a:solidFill>
                   <a:srgbClr val="000000"/>
                 </a:solidFill>
                 <a:effectLst/>
-                <a:latin typeface="Segoe UI" panose="020B0502040204020203" pitchFamily="34" charset="0"/>
-              </a:rPr>
-              <a:t>¿Cuál es el porcentaje de nuevo código subido a GitHub creado por IA?</a:t>
-            </a:r>
-            <a:endParaRPr lang="en-IN" sz="3200" dirty="0">
+                <a:latin typeface="Calibri" panose="020F0502020204030204" pitchFamily="34" charset="0"/>
+                <a:ea typeface="Times New Roman" panose="02020603050405020304" pitchFamily="18" charset="0"/>
+              </a:rPr>
+              <a:t>AI Builder </a:t>
+            </a:r>
+            <a:r>
+              <a:rPr lang="en-US" sz="2400" dirty="0" err="1">
+                <a:solidFill>
+                  <a:srgbClr val="000000"/>
+                </a:solidFill>
+                <a:effectLst/>
+                <a:latin typeface="Calibri" panose="020F0502020204030204" pitchFamily="34" charset="0"/>
+                <a:ea typeface="Times New Roman" panose="02020603050405020304" pitchFamily="18" charset="0"/>
+              </a:rPr>
+              <a:t>incluye</a:t>
+            </a:r>
+            <a:r>
+              <a:rPr lang="en-US" sz="2400" dirty="0">
+                <a:solidFill>
+                  <a:srgbClr val="000000"/>
+                </a:solidFill>
+                <a:effectLst/>
+                <a:latin typeface="Calibri" panose="020F0502020204030204" pitchFamily="34" charset="0"/>
+                <a:ea typeface="Times New Roman" panose="02020603050405020304" pitchFamily="18" charset="0"/>
+              </a:rPr>
+              <a:t> </a:t>
+            </a:r>
+            <a:r>
+              <a:rPr lang="en-US" sz="2400" dirty="0" err="1">
+                <a:solidFill>
+                  <a:srgbClr val="000000"/>
+                </a:solidFill>
+                <a:effectLst/>
+                <a:latin typeface="Calibri" panose="020F0502020204030204" pitchFamily="34" charset="0"/>
+                <a:ea typeface="Times New Roman" panose="02020603050405020304" pitchFamily="18" charset="0"/>
+              </a:rPr>
+              <a:t>funciones</a:t>
+            </a:r>
+            <a:r>
+              <a:rPr lang="en-US" sz="2400" dirty="0">
+                <a:solidFill>
+                  <a:srgbClr val="000000"/>
+                </a:solidFill>
+                <a:effectLst/>
+                <a:latin typeface="Calibri" panose="020F0502020204030204" pitchFamily="34" charset="0"/>
+                <a:ea typeface="Times New Roman" panose="02020603050405020304" pitchFamily="18" charset="0"/>
+              </a:rPr>
+              <a:t> de </a:t>
+            </a:r>
+            <a:r>
+              <a:rPr lang="en-US" sz="2400" dirty="0" err="1">
+                <a:solidFill>
+                  <a:srgbClr val="000000"/>
+                </a:solidFill>
+                <a:effectLst/>
+                <a:latin typeface="Calibri" panose="020F0502020204030204" pitchFamily="34" charset="0"/>
+                <a:ea typeface="Times New Roman" panose="02020603050405020304" pitchFamily="18" charset="0"/>
+              </a:rPr>
+              <a:t>OpenAI</a:t>
+            </a:r>
+            <a:endParaRPr lang="en-US" sz="1800" dirty="0">
               <a:solidFill>
-                <a:prstClr val="black"/>
+                <a:srgbClr val="000000"/>
               </a:solidFill>
-              <a:latin typeface="Poppins SemiBold" panose="00000700000000000000" pitchFamily="2" charset="0"/>
-              <a:cs typeface="Poppins SemiBold" panose="00000700000000000000" pitchFamily="2" charset="0"/>
+              <a:effectLst/>
+              <a:latin typeface="Calibri" panose="020F0502020204030204" pitchFamily="34" charset="0"/>
+              <a:ea typeface="Calibri" panose="020F0502020204030204" pitchFamily="34" charset="0"/>
             </a:endParaRPr>
           </a:p>
         </p:txBody>
@@ -15826,14 +17047,14 @@
               <a:defRPr/>
             </a:pPr>
             <a:r>
-              <a:rPr lang="en-US" sz="2000" b="0" i="0" dirty="0">
-                <a:solidFill>
-                  <a:srgbClr val="000000"/>
-                </a:solidFill>
-                <a:effectLst/>
-                <a:latin typeface="Segoe UI" panose="020B0502040204020203" pitchFamily="34" charset="0"/>
-              </a:rPr>
-              <a:t>54%</a:t>
+              <a:rPr lang="en-US" sz="2000" dirty="0">
+                <a:solidFill>
+                  <a:schemeClr val="tx1"/>
+                </a:solidFill>
+                <a:latin typeface="Verdana" panose="020B0604030504040204" pitchFamily="34" charset="0"/>
+                <a:cs typeface="Poppins SemiBold" panose="00000700000000000000" pitchFamily="2" charset="0"/>
+              </a:rPr>
+              <a:t>Si</a:t>
             </a:r>
             <a:endParaRPr lang="en-IN" sz="2000" dirty="0">
               <a:solidFill>
@@ -15912,14 +17133,14 @@
           <a:p>
             <a:pPr algn="ctr" defTabSz="685800"/>
             <a:r>
-              <a:rPr lang="en-US" sz="2000" b="0" i="0" dirty="0">
-                <a:solidFill>
-                  <a:srgbClr val="000000"/>
-                </a:solidFill>
-                <a:effectLst/>
-                <a:latin typeface="Segoe UI" panose="020B0502040204020203" pitchFamily="34" charset="0"/>
-              </a:rPr>
-              <a:t>46%</a:t>
+              <a:rPr lang="en-US" sz="2000" dirty="0">
+                <a:solidFill>
+                  <a:schemeClr val="tx1"/>
+                </a:solidFill>
+                <a:latin typeface="Verdana" panose="020B0604030504040204" pitchFamily="34" charset="0"/>
+                <a:cs typeface="Poppins SemiBold" panose="00000700000000000000" pitchFamily="2" charset="0"/>
+              </a:rPr>
+              <a:t>No</a:t>
             </a:r>
             <a:endParaRPr lang="en-IN" sz="2000" dirty="0">
               <a:solidFill>
@@ -15934,7 +17155,1167 @@
     </p:spTree>
     <p:extLst>
       <p:ext uri="{BB962C8B-B14F-4D97-AF65-F5344CB8AC3E}">
-        <p14:creationId xmlns:p14="http://schemas.microsoft.com/office/powerpoint/2010/main" val="31469584"/>
+        <p14:creationId xmlns:p14="http://schemas.microsoft.com/office/powerpoint/2010/main" val="927645683"/>
+      </p:ext>
+    </p:extLst>
+  </p:cSld>
+  <p:clrMapOvr>
+    <a:masterClrMapping/>
+  </p:clrMapOvr>
+</p:sld>
+</file>
+
+<file path=ppt/slides/slide52.xml><?xml version="1.0" encoding="utf-8"?>
+<p:sld xmlns:a="http://schemas.openxmlformats.org/drawingml/2006/main" xmlns:r="http://schemas.openxmlformats.org/officeDocument/2006/relationships" xmlns:p="http://schemas.openxmlformats.org/presentationml/2006/main">
+  <p:cSld>
+    <p:bg>
+      <p:bgPr>
+        <a:solidFill>
+          <a:srgbClr val="00B050"/>
+        </a:solidFill>
+        <a:effectLst/>
+      </p:bgPr>
+    </p:bg>
+    <p:spTree>
+      <p:nvGrpSpPr>
+        <p:cNvPr id="1" name=""/>
+        <p:cNvGrpSpPr/>
+        <p:nvPr/>
+      </p:nvGrpSpPr>
+      <p:grpSpPr>
+        <a:xfrm>
+          <a:off x="0" y="0"/>
+          <a:ext cx="0" cy="0"/>
+          <a:chOff x="0" y="0"/>
+          <a:chExt cx="0" cy="0"/>
+        </a:xfrm>
+      </p:grpSpPr>
+      <p:sp>
+        <p:nvSpPr>
+          <p:cNvPr id="2" name="TextBox 1">
+            <a:extLst>
+              <a:ext uri="{FF2B5EF4-FFF2-40B4-BE49-F238E27FC236}">
+                <a16:creationId xmlns:a16="http://schemas.microsoft.com/office/drawing/2014/main" id="{60075EE3-328C-49EE-B897-556D339C339C}"/>
+              </a:ext>
+            </a:extLst>
+          </p:cNvPr>
+          <p:cNvSpPr txBox="1"/>
+          <p:nvPr/>
+        </p:nvSpPr>
+        <p:spPr>
+          <a:xfrm>
+            <a:off x="2083523" y="1549357"/>
+            <a:ext cx="8024954" cy="923330"/>
+          </a:xfrm>
+          <a:prstGeom prst="rect">
+            <a:avLst/>
+          </a:prstGeom>
+          <a:noFill/>
+        </p:spPr>
+        <p:txBody>
+          <a:bodyPr wrap="none" rtlCol="0">
+            <a:spAutoFit/>
+          </a:bodyPr>
+          <a:lstStyle/>
+          <a:p>
+            <a:pPr>
+              <a:defRPr/>
+            </a:pPr>
+            <a:r>
+              <a:rPr lang="en-US" sz="5400" b="1" dirty="0">
+                <a:solidFill>
+                  <a:prstClr val="white"/>
+                </a:solidFill>
+                <a:latin typeface="Poppins"/>
+              </a:rPr>
+              <a:t>RESPUESTA CORRECTA</a:t>
+            </a:r>
+            <a:endParaRPr lang="en-IN" sz="5400" b="1" dirty="0">
+              <a:solidFill>
+                <a:prstClr val="white"/>
+              </a:solidFill>
+              <a:latin typeface="Poppins"/>
+            </a:endParaRPr>
+          </a:p>
+        </p:txBody>
+      </p:sp>
+      <p:sp>
+        <p:nvSpPr>
+          <p:cNvPr id="3" name="Rectangle 2">
+            <a:hlinkClick r:id="" action="ppaction://hlinkshowjump?jump=nextslide"/>
+            <a:extLst>
+              <a:ext uri="{FF2B5EF4-FFF2-40B4-BE49-F238E27FC236}">
+                <a16:creationId xmlns:a16="http://schemas.microsoft.com/office/drawing/2014/main" id="{3E95FE85-01E9-48D9-93B4-B3632117840E}"/>
+              </a:ext>
+            </a:extLst>
+          </p:cNvPr>
+          <p:cNvSpPr/>
+          <p:nvPr/>
+        </p:nvSpPr>
+        <p:spPr>
+          <a:xfrm>
+            <a:off x="4837611" y="3688666"/>
+            <a:ext cx="2516777" cy="696648"/>
+          </a:xfrm>
+          <a:prstGeom prst="rect">
+            <a:avLst/>
+          </a:prstGeom>
+          <a:solidFill>
+            <a:schemeClr val="bg1"/>
+          </a:solidFill>
+          <a:ln>
+            <a:solidFill>
+              <a:schemeClr val="bg1">
+                <a:lumMod val="85000"/>
+              </a:schemeClr>
+            </a:solidFill>
+          </a:ln>
+          <a:effectLst>
+            <a:outerShdw blurRad="381000" dist="127000" dir="7080000" sx="94000" sy="94000" algn="t" rotWithShape="0">
+              <a:prstClr val="black">
+                <a:alpha val="16000"/>
+              </a:prstClr>
+            </a:outerShdw>
+          </a:effectLst>
+          <a:scene3d>
+            <a:camera prst="perspectiveFront"/>
+            <a:lightRig rig="threePt" dir="t"/>
+          </a:scene3d>
+        </p:spPr>
+        <p:style>
+          <a:lnRef idx="2">
+            <a:schemeClr val="accent1">
+              <a:shade val="50000"/>
+            </a:schemeClr>
+          </a:lnRef>
+          <a:fillRef idx="1">
+            <a:schemeClr val="accent1"/>
+          </a:fillRef>
+          <a:effectRef idx="0">
+            <a:schemeClr val="accent1"/>
+          </a:effectRef>
+          <a:fontRef idx="minor">
+            <a:schemeClr val="lt1"/>
+          </a:fontRef>
+        </p:style>
+        <p:txBody>
+          <a:bodyPr tIns="144000" bIns="90000" rtlCol="0" anchor="ctr"/>
+          <a:lstStyle/>
+          <a:p>
+            <a:pPr algn="ctr" defTabSz="685800">
+              <a:defRPr/>
+            </a:pPr>
+            <a:r>
+              <a:rPr lang="en-US" sz="2000" dirty="0" err="1">
+                <a:solidFill>
+                  <a:prstClr val="black"/>
+                </a:solidFill>
+                <a:latin typeface="Poppins SemiBold" panose="00000700000000000000" pitchFamily="2" charset="0"/>
+                <a:cs typeface="Poppins SemiBold" panose="00000700000000000000" pitchFamily="2" charset="0"/>
+              </a:rPr>
+              <a:t>Siguiente</a:t>
+            </a:r>
+            <a:endParaRPr lang="en-IN" sz="2000" dirty="0">
+              <a:solidFill>
+                <a:prstClr val="black"/>
+              </a:solidFill>
+              <a:latin typeface="Poppins SemiBold" panose="00000700000000000000" pitchFamily="2" charset="0"/>
+              <a:cs typeface="Poppins SemiBold" panose="00000700000000000000" pitchFamily="2" charset="0"/>
+            </a:endParaRPr>
+          </a:p>
+        </p:txBody>
+      </p:sp>
+    </p:spTree>
+    <p:extLst>
+      <p:ext uri="{BB962C8B-B14F-4D97-AF65-F5344CB8AC3E}">
+        <p14:creationId xmlns:p14="http://schemas.microsoft.com/office/powerpoint/2010/main" val="451930544"/>
+      </p:ext>
+    </p:extLst>
+  </p:cSld>
+  <p:clrMapOvr>
+    <a:masterClrMapping/>
+  </p:clrMapOvr>
+</p:sld>
+</file>
+
+<file path=ppt/slides/slide6.xml><?xml version="1.0" encoding="utf-8"?>
+<p:sld xmlns:a="http://schemas.openxmlformats.org/drawingml/2006/main" xmlns:r="http://schemas.openxmlformats.org/officeDocument/2006/relationships" xmlns:p="http://schemas.openxmlformats.org/presentationml/2006/main">
+  <p:cSld>
+    <p:bg>
+      <p:bgPr>
+        <a:solidFill>
+          <a:srgbClr val="00B050"/>
+        </a:solidFill>
+        <a:effectLst/>
+      </p:bgPr>
+    </p:bg>
+    <p:spTree>
+      <p:nvGrpSpPr>
+        <p:cNvPr id="1" name=""/>
+        <p:cNvGrpSpPr/>
+        <p:nvPr/>
+      </p:nvGrpSpPr>
+      <p:grpSpPr>
+        <a:xfrm>
+          <a:off x="0" y="0"/>
+          <a:ext cx="0" cy="0"/>
+          <a:chOff x="0" y="0"/>
+          <a:chExt cx="0" cy="0"/>
+        </a:xfrm>
+      </p:grpSpPr>
+      <p:sp>
+        <p:nvSpPr>
+          <p:cNvPr id="2" name="TextBox 1">
+            <a:extLst>
+              <a:ext uri="{FF2B5EF4-FFF2-40B4-BE49-F238E27FC236}">
+                <a16:creationId xmlns:a16="http://schemas.microsoft.com/office/drawing/2014/main" id="{60075EE3-328C-49EE-B897-556D339C339C}"/>
+              </a:ext>
+            </a:extLst>
+          </p:cNvPr>
+          <p:cNvSpPr txBox="1"/>
+          <p:nvPr/>
+        </p:nvSpPr>
+        <p:spPr>
+          <a:xfrm>
+            <a:off x="2083523" y="1549357"/>
+            <a:ext cx="8024954" cy="923330"/>
+          </a:xfrm>
+          <a:prstGeom prst="rect">
+            <a:avLst/>
+          </a:prstGeom>
+          <a:noFill/>
+        </p:spPr>
+        <p:txBody>
+          <a:bodyPr wrap="none" rtlCol="0">
+            <a:spAutoFit/>
+          </a:bodyPr>
+          <a:lstStyle/>
+          <a:p>
+            <a:pPr>
+              <a:defRPr/>
+            </a:pPr>
+            <a:r>
+              <a:rPr lang="en-US" sz="5400" b="1" dirty="0">
+                <a:solidFill>
+                  <a:prstClr val="white"/>
+                </a:solidFill>
+                <a:latin typeface="Poppins"/>
+              </a:rPr>
+              <a:t>RESPUESTA CORRECTA</a:t>
+            </a:r>
+            <a:endParaRPr lang="en-IN" sz="5400" b="1" dirty="0">
+              <a:solidFill>
+                <a:prstClr val="white"/>
+              </a:solidFill>
+              <a:latin typeface="Poppins"/>
+            </a:endParaRPr>
+          </a:p>
+        </p:txBody>
+      </p:sp>
+      <p:sp>
+        <p:nvSpPr>
+          <p:cNvPr id="3" name="Rectangle 2">
+            <a:hlinkClick r:id="" action="ppaction://hlinkshowjump?jump=nextslide"/>
+            <a:extLst>
+              <a:ext uri="{FF2B5EF4-FFF2-40B4-BE49-F238E27FC236}">
+                <a16:creationId xmlns:a16="http://schemas.microsoft.com/office/drawing/2014/main" id="{3E95FE85-01E9-48D9-93B4-B3632117840E}"/>
+              </a:ext>
+            </a:extLst>
+          </p:cNvPr>
+          <p:cNvSpPr/>
+          <p:nvPr/>
+        </p:nvSpPr>
+        <p:spPr>
+          <a:xfrm>
+            <a:off x="4837611" y="3688666"/>
+            <a:ext cx="2516777" cy="696648"/>
+          </a:xfrm>
+          <a:prstGeom prst="rect">
+            <a:avLst/>
+          </a:prstGeom>
+          <a:solidFill>
+            <a:schemeClr val="bg1"/>
+          </a:solidFill>
+          <a:ln>
+            <a:solidFill>
+              <a:schemeClr val="bg1">
+                <a:lumMod val="85000"/>
+              </a:schemeClr>
+            </a:solidFill>
+          </a:ln>
+          <a:effectLst>
+            <a:outerShdw blurRad="381000" dist="127000" dir="7080000" sx="94000" sy="94000" algn="t" rotWithShape="0">
+              <a:prstClr val="black">
+                <a:alpha val="16000"/>
+              </a:prstClr>
+            </a:outerShdw>
+          </a:effectLst>
+          <a:scene3d>
+            <a:camera prst="perspectiveFront"/>
+            <a:lightRig rig="threePt" dir="t"/>
+          </a:scene3d>
+        </p:spPr>
+        <p:style>
+          <a:lnRef idx="2">
+            <a:schemeClr val="accent1">
+              <a:shade val="50000"/>
+            </a:schemeClr>
+          </a:lnRef>
+          <a:fillRef idx="1">
+            <a:schemeClr val="accent1"/>
+          </a:fillRef>
+          <a:effectRef idx="0">
+            <a:schemeClr val="accent1"/>
+          </a:effectRef>
+          <a:fontRef idx="minor">
+            <a:schemeClr val="lt1"/>
+          </a:fontRef>
+        </p:style>
+        <p:txBody>
+          <a:bodyPr tIns="144000" bIns="90000" rtlCol="0" anchor="ctr"/>
+          <a:lstStyle/>
+          <a:p>
+            <a:pPr algn="ctr" defTabSz="685800">
+              <a:defRPr/>
+            </a:pPr>
+            <a:r>
+              <a:rPr lang="en-US" sz="2000" dirty="0" err="1">
+                <a:solidFill>
+                  <a:prstClr val="black"/>
+                </a:solidFill>
+                <a:latin typeface="Poppins SemiBold" panose="00000700000000000000" pitchFamily="2" charset="0"/>
+                <a:cs typeface="Poppins SemiBold" panose="00000700000000000000" pitchFamily="2" charset="0"/>
+              </a:rPr>
+              <a:t>Siguiente</a:t>
+            </a:r>
+            <a:endParaRPr lang="en-IN" sz="2000" dirty="0">
+              <a:solidFill>
+                <a:prstClr val="black"/>
+              </a:solidFill>
+              <a:latin typeface="Poppins SemiBold" panose="00000700000000000000" pitchFamily="2" charset="0"/>
+              <a:cs typeface="Poppins SemiBold" panose="00000700000000000000" pitchFamily="2" charset="0"/>
+            </a:endParaRPr>
+          </a:p>
+        </p:txBody>
+      </p:sp>
+    </p:spTree>
+    <p:extLst>
+      <p:ext uri="{BB962C8B-B14F-4D97-AF65-F5344CB8AC3E}">
+        <p14:creationId xmlns:p14="http://schemas.microsoft.com/office/powerpoint/2010/main" val="1715038291"/>
+      </p:ext>
+    </p:extLst>
+  </p:cSld>
+  <p:clrMapOvr>
+    <a:masterClrMapping/>
+  </p:clrMapOvr>
+</p:sld>
+</file>
+
+<file path=ppt/slides/slide7.xml><?xml version="1.0" encoding="utf-8"?>
+<p:sld xmlns:a="http://schemas.openxmlformats.org/drawingml/2006/main" xmlns:r="http://schemas.openxmlformats.org/officeDocument/2006/relationships" xmlns:p="http://schemas.openxmlformats.org/presentationml/2006/main">
+  <p:cSld>
+    <p:spTree>
+      <p:nvGrpSpPr>
+        <p:cNvPr id="1" name=""/>
+        <p:cNvGrpSpPr/>
+        <p:nvPr/>
+      </p:nvGrpSpPr>
+      <p:grpSpPr>
+        <a:xfrm>
+          <a:off x="0" y="0"/>
+          <a:ext cx="0" cy="0"/>
+          <a:chOff x="0" y="0"/>
+          <a:chExt cx="0" cy="0"/>
+        </a:xfrm>
+      </p:grpSpPr>
+      <p:sp>
+        <p:nvSpPr>
+          <p:cNvPr id="2" name="Rectangle 1">
+            <a:extLst>
+              <a:ext uri="{FF2B5EF4-FFF2-40B4-BE49-F238E27FC236}">
+                <a16:creationId xmlns:a16="http://schemas.microsoft.com/office/drawing/2014/main" id="{29228A24-4A1B-41B0-A802-CD51398332B9}"/>
+              </a:ext>
+            </a:extLst>
+          </p:cNvPr>
+          <p:cNvSpPr/>
+          <p:nvPr/>
+        </p:nvSpPr>
+        <p:spPr>
+          <a:xfrm>
+            <a:off x="1976846" y="435429"/>
+            <a:ext cx="8290560" cy="1898468"/>
+          </a:xfrm>
+          <a:prstGeom prst="rect">
+            <a:avLst/>
+          </a:prstGeom>
+          <a:solidFill>
+            <a:srgbClr val="FFFF00"/>
+          </a:solidFill>
+          <a:ln>
+            <a:solidFill>
+              <a:schemeClr val="bg1">
+                <a:lumMod val="85000"/>
+              </a:schemeClr>
+            </a:solidFill>
+          </a:ln>
+          <a:effectLst>
+            <a:outerShdw blurRad="381000" dist="127000" dir="7080000" sx="94000" sy="94000" algn="t" rotWithShape="0">
+              <a:prstClr val="black">
+                <a:alpha val="16000"/>
+              </a:prstClr>
+            </a:outerShdw>
+          </a:effectLst>
+          <a:scene3d>
+            <a:camera prst="perspectiveFront"/>
+            <a:lightRig rig="threePt" dir="t"/>
+          </a:scene3d>
+        </p:spPr>
+        <p:style>
+          <a:lnRef idx="2">
+            <a:schemeClr val="accent1">
+              <a:shade val="50000"/>
+            </a:schemeClr>
+          </a:lnRef>
+          <a:fillRef idx="1">
+            <a:schemeClr val="accent1"/>
+          </a:fillRef>
+          <a:effectRef idx="0">
+            <a:schemeClr val="accent1"/>
+          </a:effectRef>
+          <a:fontRef idx="minor">
+            <a:schemeClr val="lt1"/>
+          </a:fontRef>
+        </p:style>
+        <p:txBody>
+          <a:bodyPr tIns="144000" bIns="90000" rtlCol="0" anchor="ctr"/>
+          <a:lstStyle/>
+          <a:p>
+            <a:pPr algn="ctr" defTabSz="685800">
+              <a:defRPr/>
+            </a:pPr>
+            <a:r>
+              <a:rPr lang="en-US" sz="3200" dirty="0">
+                <a:solidFill>
+                  <a:schemeClr val="tx1"/>
+                </a:solidFill>
+                <a:latin typeface="Poppins SemiBold" panose="00000700000000000000" pitchFamily="2" charset="0"/>
+                <a:cs typeface="Poppins SemiBold" panose="00000700000000000000" pitchFamily="2" charset="0"/>
+              </a:rPr>
+              <a:t>3. </a:t>
+            </a:r>
+            <a:r>
+              <a:rPr lang="en-US" sz="4000" kern="0" dirty="0">
+                <a:solidFill>
+                  <a:schemeClr val="tx1"/>
+                </a:solidFill>
+                <a:effectLst/>
+                <a:latin typeface="Calibri" panose="020F0502020204030204" pitchFamily="34" charset="0"/>
+                <a:ea typeface="Calibri" panose="020F0502020204030204" pitchFamily="34" charset="0"/>
+              </a:rPr>
+              <a:t>¿</a:t>
+            </a:r>
+            <a:r>
+              <a:rPr lang="en-US" sz="4000" kern="0" dirty="0" err="1">
+                <a:solidFill>
+                  <a:schemeClr val="tx1"/>
+                </a:solidFill>
+                <a:effectLst/>
+                <a:latin typeface="Calibri" panose="020F0502020204030204" pitchFamily="34" charset="0"/>
+                <a:ea typeface="Calibri" panose="020F0502020204030204" pitchFamily="34" charset="0"/>
+              </a:rPr>
+              <a:t>Cuanta</a:t>
+            </a:r>
+            <a:r>
+              <a:rPr lang="en-US" sz="4000" kern="0" dirty="0">
+                <a:solidFill>
+                  <a:schemeClr val="tx1"/>
+                </a:solidFill>
+                <a:effectLst/>
+                <a:latin typeface="Calibri" panose="020F0502020204030204" pitchFamily="34" charset="0"/>
+                <a:ea typeface="Calibri" panose="020F0502020204030204" pitchFamily="34" charset="0"/>
+              </a:rPr>
+              <a:t> CPU consume un APM?</a:t>
+            </a:r>
+            <a:endParaRPr lang="en-IN" sz="3200" dirty="0">
+              <a:solidFill>
+                <a:schemeClr val="tx1"/>
+              </a:solidFill>
+              <a:latin typeface="Poppins SemiBold" panose="00000700000000000000" pitchFamily="2" charset="0"/>
+              <a:cs typeface="Poppins SemiBold" panose="00000700000000000000" pitchFamily="2" charset="0"/>
+            </a:endParaRPr>
+          </a:p>
+        </p:txBody>
+      </p:sp>
+      <p:sp>
+        <p:nvSpPr>
+          <p:cNvPr id="3" name="Rectangle 2">
+            <a:hlinkClick r:id="rId3" action="ppaction://hlinksldjump">
+              <a:snd r:embed="rId4" name="WrongAnswerSFX.wav"/>
+            </a:hlinkClick>
+            <a:extLst>
+              <a:ext uri="{FF2B5EF4-FFF2-40B4-BE49-F238E27FC236}">
+                <a16:creationId xmlns:a16="http://schemas.microsoft.com/office/drawing/2014/main" id="{93EB3632-12C3-41FB-861E-57B9D53BBF65}"/>
+              </a:ext>
+            </a:extLst>
+          </p:cNvPr>
+          <p:cNvSpPr/>
+          <p:nvPr/>
+        </p:nvSpPr>
+        <p:spPr>
+          <a:xfrm>
+            <a:off x="1976846" y="2612571"/>
+            <a:ext cx="3971108" cy="1236618"/>
+          </a:xfrm>
+          <a:prstGeom prst="rect">
+            <a:avLst/>
+          </a:prstGeom>
+          <a:solidFill>
+            <a:schemeClr val="bg1"/>
+          </a:solidFill>
+          <a:ln>
+            <a:solidFill>
+              <a:schemeClr val="bg1">
+                <a:lumMod val="85000"/>
+              </a:schemeClr>
+            </a:solidFill>
+          </a:ln>
+          <a:effectLst>
+            <a:outerShdw blurRad="381000" dist="127000" dir="7080000" sx="94000" sy="94000" algn="t" rotWithShape="0">
+              <a:prstClr val="black">
+                <a:alpha val="16000"/>
+              </a:prstClr>
+            </a:outerShdw>
+          </a:effectLst>
+          <a:scene3d>
+            <a:camera prst="perspectiveFront"/>
+            <a:lightRig rig="threePt" dir="t"/>
+          </a:scene3d>
+        </p:spPr>
+        <p:style>
+          <a:lnRef idx="2">
+            <a:schemeClr val="accent1">
+              <a:shade val="50000"/>
+            </a:schemeClr>
+          </a:lnRef>
+          <a:fillRef idx="1">
+            <a:schemeClr val="accent1"/>
+          </a:fillRef>
+          <a:effectRef idx="0">
+            <a:schemeClr val="accent1"/>
+          </a:effectRef>
+          <a:fontRef idx="minor">
+            <a:schemeClr val="lt1"/>
+          </a:fontRef>
+        </p:style>
+        <p:txBody>
+          <a:bodyPr tIns="144000" bIns="90000" rtlCol="0" anchor="ctr"/>
+          <a:lstStyle/>
+          <a:p>
+            <a:pPr algn="ctr" defTabSz="685800">
+              <a:defRPr/>
+            </a:pPr>
+            <a:r>
+              <a:rPr lang="en-US" sz="2000" b="0" i="0" dirty="0">
+                <a:solidFill>
+                  <a:srgbClr val="000000"/>
+                </a:solidFill>
+                <a:effectLst/>
+                <a:latin typeface="Segoe UI" panose="020B0502040204020203" pitchFamily="34" charset="0"/>
+              </a:rPr>
+              <a:t>5-6%</a:t>
+            </a:r>
+            <a:endParaRPr lang="en-IN" sz="2000" dirty="0">
+              <a:solidFill>
+                <a:prstClr val="black"/>
+              </a:solidFill>
+              <a:latin typeface="Poppins SemiBold" panose="00000700000000000000" pitchFamily="2" charset="0"/>
+              <a:cs typeface="Poppins SemiBold" panose="00000700000000000000" pitchFamily="2" charset="0"/>
+            </a:endParaRPr>
+          </a:p>
+        </p:txBody>
+      </p:sp>
+      <p:sp>
+        <p:nvSpPr>
+          <p:cNvPr id="5" name="Rectangle 4">
+            <a:hlinkClick r:id="" action="ppaction://hlinkshowjump?jump=nextslide">
+              <a:snd r:embed="rId5" name="CorrectAnswerSFX.wav"/>
+            </a:hlinkClick>
+            <a:extLst>
+              <a:ext uri="{FF2B5EF4-FFF2-40B4-BE49-F238E27FC236}">
+                <a16:creationId xmlns:a16="http://schemas.microsoft.com/office/drawing/2014/main" id="{11A411AB-3628-4BD3-8F92-E851842AEEC9}"/>
+              </a:ext>
+            </a:extLst>
+          </p:cNvPr>
+          <p:cNvSpPr/>
+          <p:nvPr/>
+        </p:nvSpPr>
+        <p:spPr>
+          <a:xfrm>
+            <a:off x="6296298" y="2612571"/>
+            <a:ext cx="3971108" cy="1236618"/>
+          </a:xfrm>
+          <a:prstGeom prst="rect">
+            <a:avLst/>
+          </a:prstGeom>
+          <a:solidFill>
+            <a:schemeClr val="bg1"/>
+          </a:solidFill>
+          <a:ln>
+            <a:solidFill>
+              <a:schemeClr val="bg1">
+                <a:lumMod val="85000"/>
+              </a:schemeClr>
+            </a:solidFill>
+          </a:ln>
+          <a:effectLst>
+            <a:outerShdw blurRad="381000" dist="127000" dir="7080000" sx="94000" sy="94000" algn="t" rotWithShape="0">
+              <a:prstClr val="black">
+                <a:alpha val="16000"/>
+              </a:prstClr>
+            </a:outerShdw>
+          </a:effectLst>
+          <a:scene3d>
+            <a:camera prst="perspectiveFront"/>
+            <a:lightRig rig="threePt" dir="t"/>
+          </a:scene3d>
+        </p:spPr>
+        <p:style>
+          <a:lnRef idx="2">
+            <a:schemeClr val="accent1">
+              <a:shade val="50000"/>
+            </a:schemeClr>
+          </a:lnRef>
+          <a:fillRef idx="1">
+            <a:schemeClr val="accent1"/>
+          </a:fillRef>
+          <a:effectRef idx="0">
+            <a:schemeClr val="accent1"/>
+          </a:effectRef>
+          <a:fontRef idx="minor">
+            <a:schemeClr val="lt1"/>
+          </a:fontRef>
+        </p:style>
+        <p:txBody>
+          <a:bodyPr tIns="144000" bIns="90000" rtlCol="0" anchor="ctr"/>
+          <a:lstStyle/>
+          <a:p>
+            <a:pPr algn="ctr" defTabSz="685800"/>
+            <a:r>
+              <a:rPr lang="en-US" sz="2000" b="0" i="0" dirty="0">
+                <a:solidFill>
+                  <a:srgbClr val="000000"/>
+                </a:solidFill>
+                <a:effectLst/>
+                <a:latin typeface="Segoe UI" panose="020B0502040204020203" pitchFamily="34" charset="0"/>
+              </a:rPr>
+              <a:t>1-2%</a:t>
+            </a:r>
+            <a:endParaRPr lang="en-IN" sz="2000" dirty="0">
+              <a:solidFill>
+                <a:schemeClr val="tx1"/>
+              </a:solidFill>
+              <a:latin typeface="Poppins SemiBold" panose="00000700000000000000" pitchFamily="2" charset="0"/>
+              <a:cs typeface="Poppins SemiBold" panose="00000700000000000000" pitchFamily="2" charset="0"/>
+            </a:endParaRPr>
+          </a:p>
+        </p:txBody>
+      </p:sp>
+    </p:spTree>
+    <p:extLst>
+      <p:ext uri="{BB962C8B-B14F-4D97-AF65-F5344CB8AC3E}">
+        <p14:creationId xmlns:p14="http://schemas.microsoft.com/office/powerpoint/2010/main" val="2967865923"/>
+      </p:ext>
+    </p:extLst>
+  </p:cSld>
+  <p:clrMapOvr>
+    <a:masterClrMapping/>
+  </p:clrMapOvr>
+</p:sld>
+</file>
+
+<file path=ppt/slides/slide8.xml><?xml version="1.0" encoding="utf-8"?>
+<p:sld xmlns:a="http://schemas.openxmlformats.org/drawingml/2006/main" xmlns:r="http://schemas.openxmlformats.org/officeDocument/2006/relationships" xmlns:p="http://schemas.openxmlformats.org/presentationml/2006/main">
+  <p:cSld>
+    <p:bg>
+      <p:bgPr>
+        <a:solidFill>
+          <a:srgbClr val="00B050"/>
+        </a:solidFill>
+        <a:effectLst/>
+      </p:bgPr>
+    </p:bg>
+    <p:spTree>
+      <p:nvGrpSpPr>
+        <p:cNvPr id="1" name=""/>
+        <p:cNvGrpSpPr/>
+        <p:nvPr/>
+      </p:nvGrpSpPr>
+      <p:grpSpPr>
+        <a:xfrm>
+          <a:off x="0" y="0"/>
+          <a:ext cx="0" cy="0"/>
+          <a:chOff x="0" y="0"/>
+          <a:chExt cx="0" cy="0"/>
+        </a:xfrm>
+      </p:grpSpPr>
+      <p:sp>
+        <p:nvSpPr>
+          <p:cNvPr id="2" name="TextBox 1">
+            <a:extLst>
+              <a:ext uri="{FF2B5EF4-FFF2-40B4-BE49-F238E27FC236}">
+                <a16:creationId xmlns:a16="http://schemas.microsoft.com/office/drawing/2014/main" id="{60075EE3-328C-49EE-B897-556D339C339C}"/>
+              </a:ext>
+            </a:extLst>
+          </p:cNvPr>
+          <p:cNvSpPr txBox="1"/>
+          <p:nvPr/>
+        </p:nvSpPr>
+        <p:spPr>
+          <a:xfrm>
+            <a:off x="2083523" y="1549357"/>
+            <a:ext cx="8024954" cy="923330"/>
+          </a:xfrm>
+          <a:prstGeom prst="rect">
+            <a:avLst/>
+          </a:prstGeom>
+          <a:noFill/>
+        </p:spPr>
+        <p:txBody>
+          <a:bodyPr wrap="none" rtlCol="0">
+            <a:spAutoFit/>
+          </a:bodyPr>
+          <a:lstStyle/>
+          <a:p>
+            <a:pPr>
+              <a:defRPr/>
+            </a:pPr>
+            <a:r>
+              <a:rPr lang="en-US" sz="5400" b="1" dirty="0">
+                <a:solidFill>
+                  <a:prstClr val="white"/>
+                </a:solidFill>
+                <a:latin typeface="Poppins"/>
+              </a:rPr>
+              <a:t>RESPUESTA CORRECTA</a:t>
+            </a:r>
+            <a:endParaRPr lang="en-IN" sz="5400" b="1" dirty="0">
+              <a:solidFill>
+                <a:prstClr val="white"/>
+              </a:solidFill>
+              <a:latin typeface="Poppins"/>
+            </a:endParaRPr>
+          </a:p>
+        </p:txBody>
+      </p:sp>
+      <p:sp>
+        <p:nvSpPr>
+          <p:cNvPr id="3" name="Rectangle 2">
+            <a:hlinkClick r:id="" action="ppaction://hlinkshowjump?jump=nextslide"/>
+            <a:extLst>
+              <a:ext uri="{FF2B5EF4-FFF2-40B4-BE49-F238E27FC236}">
+                <a16:creationId xmlns:a16="http://schemas.microsoft.com/office/drawing/2014/main" id="{3E95FE85-01E9-48D9-93B4-B3632117840E}"/>
+              </a:ext>
+            </a:extLst>
+          </p:cNvPr>
+          <p:cNvSpPr/>
+          <p:nvPr/>
+        </p:nvSpPr>
+        <p:spPr>
+          <a:xfrm>
+            <a:off x="4837611" y="3688666"/>
+            <a:ext cx="2516777" cy="696648"/>
+          </a:xfrm>
+          <a:prstGeom prst="rect">
+            <a:avLst/>
+          </a:prstGeom>
+          <a:solidFill>
+            <a:schemeClr val="bg1"/>
+          </a:solidFill>
+          <a:ln>
+            <a:solidFill>
+              <a:schemeClr val="bg1">
+                <a:lumMod val="85000"/>
+              </a:schemeClr>
+            </a:solidFill>
+          </a:ln>
+          <a:effectLst>
+            <a:outerShdw blurRad="381000" dist="127000" dir="7080000" sx="94000" sy="94000" algn="t" rotWithShape="0">
+              <a:prstClr val="black">
+                <a:alpha val="16000"/>
+              </a:prstClr>
+            </a:outerShdw>
+          </a:effectLst>
+          <a:scene3d>
+            <a:camera prst="perspectiveFront"/>
+            <a:lightRig rig="threePt" dir="t"/>
+          </a:scene3d>
+        </p:spPr>
+        <p:style>
+          <a:lnRef idx="2">
+            <a:schemeClr val="accent1">
+              <a:shade val="50000"/>
+            </a:schemeClr>
+          </a:lnRef>
+          <a:fillRef idx="1">
+            <a:schemeClr val="accent1"/>
+          </a:fillRef>
+          <a:effectRef idx="0">
+            <a:schemeClr val="accent1"/>
+          </a:effectRef>
+          <a:fontRef idx="minor">
+            <a:schemeClr val="lt1"/>
+          </a:fontRef>
+        </p:style>
+        <p:txBody>
+          <a:bodyPr tIns="144000" bIns="90000" rtlCol="0" anchor="ctr"/>
+          <a:lstStyle/>
+          <a:p>
+            <a:pPr algn="ctr" defTabSz="685800">
+              <a:defRPr/>
+            </a:pPr>
+            <a:r>
+              <a:rPr lang="en-US" sz="2000" dirty="0" err="1">
+                <a:solidFill>
+                  <a:prstClr val="black"/>
+                </a:solidFill>
+                <a:latin typeface="Poppins SemiBold" panose="00000700000000000000" pitchFamily="2" charset="0"/>
+                <a:cs typeface="Poppins SemiBold" panose="00000700000000000000" pitchFamily="2" charset="0"/>
+              </a:rPr>
+              <a:t>Siguiente</a:t>
+            </a:r>
+            <a:endParaRPr lang="en-IN" sz="2000" dirty="0">
+              <a:solidFill>
+                <a:prstClr val="black"/>
+              </a:solidFill>
+              <a:latin typeface="Poppins SemiBold" panose="00000700000000000000" pitchFamily="2" charset="0"/>
+              <a:cs typeface="Poppins SemiBold" panose="00000700000000000000" pitchFamily="2" charset="0"/>
+            </a:endParaRPr>
+          </a:p>
+        </p:txBody>
+      </p:sp>
+    </p:spTree>
+    <p:extLst>
+      <p:ext uri="{BB962C8B-B14F-4D97-AF65-F5344CB8AC3E}">
+        <p14:creationId xmlns:p14="http://schemas.microsoft.com/office/powerpoint/2010/main" val="1069996606"/>
+      </p:ext>
+    </p:extLst>
+  </p:cSld>
+  <p:clrMapOvr>
+    <a:masterClrMapping/>
+  </p:clrMapOvr>
+</p:sld>
+</file>
+
+<file path=ppt/slides/slide9.xml><?xml version="1.0" encoding="utf-8"?>
+<p:sld xmlns:a="http://schemas.openxmlformats.org/drawingml/2006/main" xmlns:r="http://schemas.openxmlformats.org/officeDocument/2006/relationships" xmlns:p="http://schemas.openxmlformats.org/presentationml/2006/main">
+  <p:cSld>
+    <p:spTree>
+      <p:nvGrpSpPr>
+        <p:cNvPr id="1" name=""/>
+        <p:cNvGrpSpPr/>
+        <p:nvPr/>
+      </p:nvGrpSpPr>
+      <p:grpSpPr>
+        <a:xfrm>
+          <a:off x="0" y="0"/>
+          <a:ext cx="0" cy="0"/>
+          <a:chOff x="0" y="0"/>
+          <a:chExt cx="0" cy="0"/>
+        </a:xfrm>
+      </p:grpSpPr>
+      <p:sp>
+        <p:nvSpPr>
+          <p:cNvPr id="2" name="Rectangle 1">
+            <a:extLst>
+              <a:ext uri="{FF2B5EF4-FFF2-40B4-BE49-F238E27FC236}">
+                <a16:creationId xmlns:a16="http://schemas.microsoft.com/office/drawing/2014/main" id="{29228A24-4A1B-41B0-A802-CD51398332B9}"/>
+              </a:ext>
+            </a:extLst>
+          </p:cNvPr>
+          <p:cNvSpPr/>
+          <p:nvPr/>
+        </p:nvSpPr>
+        <p:spPr>
+          <a:xfrm>
+            <a:off x="1976846" y="435429"/>
+            <a:ext cx="8290560" cy="1898468"/>
+          </a:xfrm>
+          <a:prstGeom prst="rect">
+            <a:avLst/>
+          </a:prstGeom>
+          <a:solidFill>
+            <a:srgbClr val="FFFF00"/>
+          </a:solidFill>
+          <a:ln>
+            <a:solidFill>
+              <a:schemeClr val="bg1">
+                <a:lumMod val="85000"/>
+              </a:schemeClr>
+            </a:solidFill>
+          </a:ln>
+          <a:effectLst>
+            <a:outerShdw blurRad="381000" dist="127000" dir="7080000" sx="94000" sy="94000" algn="t" rotWithShape="0">
+              <a:prstClr val="black">
+                <a:alpha val="16000"/>
+              </a:prstClr>
+            </a:outerShdw>
+          </a:effectLst>
+          <a:scene3d>
+            <a:camera prst="perspectiveFront"/>
+            <a:lightRig rig="threePt" dir="t"/>
+          </a:scene3d>
+        </p:spPr>
+        <p:style>
+          <a:lnRef idx="2">
+            <a:schemeClr val="accent1">
+              <a:shade val="50000"/>
+            </a:schemeClr>
+          </a:lnRef>
+          <a:fillRef idx="1">
+            <a:schemeClr val="accent1"/>
+          </a:fillRef>
+          <a:effectRef idx="0">
+            <a:schemeClr val="accent1"/>
+          </a:effectRef>
+          <a:fontRef idx="minor">
+            <a:schemeClr val="lt1"/>
+          </a:fontRef>
+        </p:style>
+        <p:txBody>
+          <a:bodyPr tIns="144000" bIns="90000" rtlCol="0" anchor="ctr"/>
+          <a:lstStyle/>
+          <a:p>
+            <a:pPr algn="ctr" defTabSz="685800">
+              <a:defRPr/>
+            </a:pPr>
+            <a:r>
+              <a:rPr lang="en-US" sz="3200" dirty="0">
+                <a:solidFill>
+                  <a:prstClr val="black"/>
+                </a:solidFill>
+                <a:latin typeface="Poppins SemiBold" panose="00000700000000000000" pitchFamily="2" charset="0"/>
+                <a:cs typeface="Poppins SemiBold" panose="00000700000000000000" pitchFamily="2" charset="0"/>
+              </a:rPr>
+              <a:t>4. </a:t>
+            </a:r>
+            <a:r>
+              <a:rPr lang="es-ES" sz="3200" b="0" i="0" dirty="0">
+                <a:solidFill>
+                  <a:srgbClr val="000000"/>
+                </a:solidFill>
+                <a:effectLst/>
+                <a:latin typeface="Segoe UI" panose="020B0502040204020203" pitchFamily="34" charset="0"/>
+              </a:rPr>
+              <a:t>¿Con qué cantidad de datos fue entrenado el modelo GPT 4 de </a:t>
+            </a:r>
+            <a:r>
+              <a:rPr lang="es-ES" sz="3200" b="0" i="0" dirty="0" err="1">
+                <a:solidFill>
+                  <a:srgbClr val="000000"/>
+                </a:solidFill>
+                <a:effectLst/>
+                <a:latin typeface="Segoe UI" panose="020B0502040204020203" pitchFamily="34" charset="0"/>
+              </a:rPr>
+              <a:t>OpenAI</a:t>
+            </a:r>
+            <a:r>
+              <a:rPr lang="es-ES" sz="3200" b="0" i="0" dirty="0">
+                <a:solidFill>
+                  <a:srgbClr val="000000"/>
+                </a:solidFill>
+                <a:effectLst/>
+                <a:latin typeface="Segoe UI" panose="020B0502040204020203" pitchFamily="34" charset="0"/>
+              </a:rPr>
+              <a:t>?</a:t>
+            </a:r>
+            <a:endParaRPr lang="en-IN" sz="3200" dirty="0">
+              <a:solidFill>
+                <a:prstClr val="black"/>
+              </a:solidFill>
+              <a:latin typeface="Poppins SemiBold" panose="00000700000000000000" pitchFamily="2" charset="0"/>
+              <a:cs typeface="Poppins SemiBold" panose="00000700000000000000" pitchFamily="2" charset="0"/>
+            </a:endParaRPr>
+          </a:p>
+        </p:txBody>
+      </p:sp>
+      <p:sp>
+        <p:nvSpPr>
+          <p:cNvPr id="3" name="Rectangle 2">
+            <a:hlinkClick r:id="rId2" action="ppaction://hlinksldjump">
+              <a:snd r:embed="rId3" name="WrongAnswerSFX.wav"/>
+            </a:hlinkClick>
+            <a:extLst>
+              <a:ext uri="{FF2B5EF4-FFF2-40B4-BE49-F238E27FC236}">
+                <a16:creationId xmlns:a16="http://schemas.microsoft.com/office/drawing/2014/main" id="{93EB3632-12C3-41FB-861E-57B9D53BBF65}"/>
+              </a:ext>
+            </a:extLst>
+          </p:cNvPr>
+          <p:cNvSpPr/>
+          <p:nvPr/>
+        </p:nvSpPr>
+        <p:spPr>
+          <a:xfrm>
+            <a:off x="1976846" y="2612571"/>
+            <a:ext cx="3971108" cy="1236618"/>
+          </a:xfrm>
+          <a:prstGeom prst="rect">
+            <a:avLst/>
+          </a:prstGeom>
+          <a:solidFill>
+            <a:schemeClr val="bg1"/>
+          </a:solidFill>
+          <a:ln>
+            <a:solidFill>
+              <a:schemeClr val="bg1">
+                <a:lumMod val="85000"/>
+              </a:schemeClr>
+            </a:solidFill>
+          </a:ln>
+          <a:effectLst>
+            <a:outerShdw blurRad="381000" dist="127000" dir="7080000" sx="94000" sy="94000" algn="t" rotWithShape="0">
+              <a:prstClr val="black">
+                <a:alpha val="16000"/>
+              </a:prstClr>
+            </a:outerShdw>
+          </a:effectLst>
+          <a:scene3d>
+            <a:camera prst="perspectiveFront"/>
+            <a:lightRig rig="threePt" dir="t"/>
+          </a:scene3d>
+        </p:spPr>
+        <p:style>
+          <a:lnRef idx="2">
+            <a:schemeClr val="accent1">
+              <a:shade val="50000"/>
+            </a:schemeClr>
+          </a:lnRef>
+          <a:fillRef idx="1">
+            <a:schemeClr val="accent1"/>
+          </a:fillRef>
+          <a:effectRef idx="0">
+            <a:schemeClr val="accent1"/>
+          </a:effectRef>
+          <a:fontRef idx="minor">
+            <a:schemeClr val="lt1"/>
+          </a:fontRef>
+        </p:style>
+        <p:txBody>
+          <a:bodyPr tIns="144000" bIns="90000" rtlCol="0" anchor="ctr"/>
+          <a:lstStyle/>
+          <a:p>
+            <a:pPr algn="ctr" defTabSz="685800">
+              <a:defRPr/>
+            </a:pPr>
+            <a:r>
+              <a:rPr lang="en-US" sz="2000" b="0" i="0" dirty="0">
+                <a:solidFill>
+                  <a:srgbClr val="000000"/>
+                </a:solidFill>
+                <a:effectLst/>
+                <a:latin typeface="Segoe UI" panose="020B0502040204020203" pitchFamily="34" charset="0"/>
+              </a:rPr>
+              <a:t>17GB</a:t>
+            </a:r>
+            <a:endParaRPr lang="en-IN" sz="2000" dirty="0">
+              <a:solidFill>
+                <a:prstClr val="black"/>
+              </a:solidFill>
+              <a:latin typeface="Poppins SemiBold" panose="00000700000000000000" pitchFamily="2" charset="0"/>
+              <a:cs typeface="Poppins SemiBold" panose="00000700000000000000" pitchFamily="2" charset="0"/>
+            </a:endParaRPr>
+          </a:p>
+        </p:txBody>
+      </p:sp>
+      <p:sp>
+        <p:nvSpPr>
+          <p:cNvPr id="5" name="Rectangle 4">
+            <a:hlinkClick r:id="" action="ppaction://hlinkshowjump?jump=nextslide">
+              <a:snd r:embed="rId4" name="CorrectAnswerSFX.wav"/>
+            </a:hlinkClick>
+            <a:extLst>
+              <a:ext uri="{FF2B5EF4-FFF2-40B4-BE49-F238E27FC236}">
+                <a16:creationId xmlns:a16="http://schemas.microsoft.com/office/drawing/2014/main" id="{11A411AB-3628-4BD3-8F92-E851842AEEC9}"/>
+              </a:ext>
+            </a:extLst>
+          </p:cNvPr>
+          <p:cNvSpPr/>
+          <p:nvPr/>
+        </p:nvSpPr>
+        <p:spPr>
+          <a:xfrm>
+            <a:off x="6296298" y="2612571"/>
+            <a:ext cx="3971108" cy="1236618"/>
+          </a:xfrm>
+          <a:prstGeom prst="rect">
+            <a:avLst/>
+          </a:prstGeom>
+          <a:solidFill>
+            <a:schemeClr val="bg1"/>
+          </a:solidFill>
+          <a:ln>
+            <a:solidFill>
+              <a:schemeClr val="bg1">
+                <a:lumMod val="85000"/>
+              </a:schemeClr>
+            </a:solidFill>
+          </a:ln>
+          <a:effectLst>
+            <a:outerShdw blurRad="381000" dist="127000" dir="7080000" sx="94000" sy="94000" algn="t" rotWithShape="0">
+              <a:prstClr val="black">
+                <a:alpha val="16000"/>
+              </a:prstClr>
+            </a:outerShdw>
+          </a:effectLst>
+          <a:scene3d>
+            <a:camera prst="perspectiveFront"/>
+            <a:lightRig rig="threePt" dir="t"/>
+          </a:scene3d>
+        </p:spPr>
+        <p:style>
+          <a:lnRef idx="2">
+            <a:schemeClr val="accent1">
+              <a:shade val="50000"/>
+            </a:schemeClr>
+          </a:lnRef>
+          <a:fillRef idx="1">
+            <a:schemeClr val="accent1"/>
+          </a:fillRef>
+          <a:effectRef idx="0">
+            <a:schemeClr val="accent1"/>
+          </a:effectRef>
+          <a:fontRef idx="minor">
+            <a:schemeClr val="lt1"/>
+          </a:fontRef>
+        </p:style>
+        <p:txBody>
+          <a:bodyPr tIns="144000" bIns="90000" rtlCol="0" anchor="ctr"/>
+          <a:lstStyle/>
+          <a:p>
+            <a:pPr algn="ctr" defTabSz="685800"/>
+            <a:r>
+              <a:rPr lang="en-US" sz="2000" b="0" i="0" dirty="0">
+                <a:solidFill>
+                  <a:srgbClr val="000000"/>
+                </a:solidFill>
+                <a:effectLst/>
+                <a:latin typeface="Segoe UI" panose="020B0502040204020203" pitchFamily="34" charset="0"/>
+              </a:rPr>
+              <a:t>45GB </a:t>
+            </a:r>
+            <a:endParaRPr lang="en-IN" sz="2000" dirty="0">
+              <a:solidFill>
+                <a:schemeClr val="tx1"/>
+              </a:solidFill>
+              <a:latin typeface="Poppins SemiBold" panose="00000700000000000000" pitchFamily="2" charset="0"/>
+              <a:cs typeface="Poppins SemiBold" panose="00000700000000000000" pitchFamily="2" charset="0"/>
+            </a:endParaRPr>
+          </a:p>
+        </p:txBody>
+      </p:sp>
+    </p:spTree>
+    <p:extLst>
+      <p:ext uri="{BB962C8B-B14F-4D97-AF65-F5344CB8AC3E}">
+        <p14:creationId xmlns:p14="http://schemas.microsoft.com/office/powerpoint/2010/main" val="1389295786"/>
       </p:ext>
     </p:extLst>
   </p:cSld>
